--- a/WPF-Workshop-Sexton-Oct2023.pptx
+++ b/WPF-Workshop-Sexton-Oct2023.pptx
@@ -5,7 +5,7 @@
     <p:sldMasterId id="2147483896" r:id="rId1"/>
   </p:sldMasterIdLst>
   <p:notesMasterIdLst>
-    <p:notesMasterId r:id="rId7"/>
+    <p:notesMasterId r:id="rId12"/>
   </p:notesMasterIdLst>
   <p:sldIdLst>
     <p:sldId id="256" r:id="rId2"/>
@@ -13,6 +13,11 @@
     <p:sldId id="258" r:id="rId4"/>
     <p:sldId id="260" r:id="rId5"/>
     <p:sldId id="261" r:id="rId6"/>
+    <p:sldId id="262" r:id="rId7"/>
+    <p:sldId id="263" r:id="rId8"/>
+    <p:sldId id="264" r:id="rId9"/>
+    <p:sldId id="265" r:id="rId10"/>
+    <p:sldId id="266" r:id="rId11"/>
   </p:sldIdLst>
   <p:sldSz cx="12192000" cy="6858000"/>
   <p:notesSz cx="6858000" cy="9144000"/>
@@ -111,6 +116,14 @@
       </a:defRPr>
     </a:lvl9pPr>
   </p:defaultTextStyle>
+  <p:extLst>
+    <p:ext uri="{EFAFB233-063F-42B5-8137-9DF3F51BA10A}">
+      <p15:sldGuideLst xmlns:p15="http://schemas.microsoft.com/office/powerpoint/2012/main"/>
+    </p:ext>
+    <p:ext uri="{2D200454-40CA-4A62-9FC3-DE9A4176ACB9}">
+      <p15:notesGuideLst xmlns:p15="http://schemas.microsoft.com/office/powerpoint/2012/main"/>
+    </p:ext>
+  </p:extLst>
 </p:presentation>
 </file>
 
@@ -509,49 +522,13 @@
           <a:p>
             <a:r>
               <a:rPr lang="en-US" dirty="0"/>
-              <a:t>Sit – more discussion than lecture</a:t>
-            </a:r>
-          </a:p>
-          <a:p>
-            <a:endParaRPr lang="en-US" dirty="0"/>
+              <a:t>Check: If I share entire desktop, can I have presentation view local, main view on screen</a:t>
+            </a:r>
           </a:p>
           <a:p>
             <a:r>
               <a:rPr lang="en-US" dirty="0"/>
-              <a:t>9 main units – short break after each</a:t>
-            </a:r>
-          </a:p>
-          <a:p>
-            <a:endParaRPr lang="en-US" dirty="0"/>
-          </a:p>
-          <a:p>
-            <a:r>
-              <a:rPr lang="en-US" dirty="0"/>
-              <a:t>Introductions</a:t>
-            </a:r>
-          </a:p>
-          <a:p>
-            <a:r>
-              <a:rPr lang="en-US" dirty="0"/>
-              <a:t>- Me</a:t>
-            </a:r>
-          </a:p>
-          <a:p>
-            <a:r>
-              <a:rPr lang="en-US" dirty="0"/>
-              <a:t>- Go around room--main languages you've used; share what experience you have with</a:t>
-            </a:r>
-          </a:p>
-          <a:p>
-            <a:r>
-              <a:rPr lang="en-US" dirty="0"/>
-              <a:t>  - C#, .NET, WPF</a:t>
-            </a:r>
-          </a:p>
-          <a:p>
-            <a:r>
-              <a:rPr lang="en-US" dirty="0"/>
-              <a:t>  - Other UI frameworks, desktop or web</a:t>
+              <a:t>- And can I jump to Visual Studio easily</a:t>
             </a:r>
           </a:p>
         </p:txBody>
@@ -573,7 +550,7 @@
           <a:p>
             <a:fld id="{52D86A8A-0D3B-4DD1-BCA4-15D29761E8A6}" type="slidenum">
               <a:rPr lang="en-US" smtClean="0"/>
-              <a:t>2</a:t>
+              <a:t>1</a:t>
             </a:fld>
             <a:endParaRPr lang="en-US"/>
           </a:p>
@@ -582,7 +559,127 @@
     </p:spTree>
     <p:extLst>
       <p:ext uri="{BB962C8B-B14F-4D97-AF65-F5344CB8AC3E}">
-        <p14:creationId xmlns:p14="http://schemas.microsoft.com/office/powerpoint/2010/main" val="1452565925"/>
+        <p14:creationId xmlns:p14="http://schemas.microsoft.com/office/powerpoint/2010/main" val="2337502733"/>
+      </p:ext>
+    </p:extLst>
+  </p:cSld>
+  <p:clrMapOvr>
+    <a:masterClrMapping/>
+  </p:clrMapOvr>
+</p:notes>
+</file>
+
+<file path=ppt/notesSlides/notesSlide10.xml><?xml version="1.0" encoding="utf-8"?>
+<p:notes xmlns:a="http://schemas.openxmlformats.org/drawingml/2006/main" xmlns:r="http://schemas.openxmlformats.org/officeDocument/2006/relationships" xmlns:p="http://schemas.openxmlformats.org/presentationml/2006/main">
+  <p:cSld>
+    <p:spTree>
+      <p:nvGrpSpPr>
+        <p:cNvPr id="1" name=""/>
+        <p:cNvGrpSpPr/>
+        <p:nvPr/>
+      </p:nvGrpSpPr>
+      <p:grpSpPr>
+        <a:xfrm>
+          <a:off x="0" y="0"/>
+          <a:ext cx="0" cy="0"/>
+          <a:chOff x="0" y="0"/>
+          <a:chExt cx="0" cy="0"/>
+        </a:xfrm>
+      </p:grpSpPr>
+      <p:sp>
+        <p:nvSpPr>
+          <p:cNvPr id="2" name="Slide Image Placeholder 1"/>
+          <p:cNvSpPr>
+            <a:spLocks noGrp="1" noRot="1" noChangeAspect="1"/>
+          </p:cNvSpPr>
+          <p:nvPr>
+            <p:ph type="sldImg"/>
+          </p:nvPr>
+        </p:nvSpPr>
+        <p:spPr/>
+      </p:sp>
+      <p:sp>
+        <p:nvSpPr>
+          <p:cNvPr id="3" name="Notes Placeholder 2"/>
+          <p:cNvSpPr>
+            <a:spLocks noGrp="1"/>
+          </p:cNvSpPr>
+          <p:nvPr>
+            <p:ph type="body" idx="1"/>
+          </p:nvPr>
+        </p:nvSpPr>
+        <p:spPr/>
+        <p:txBody>
+          <a:bodyPr/>
+          <a:lstStyle/>
+          <a:p>
+            <a:r>
+              <a:rPr lang="en-US" dirty="0"/>
+              <a:t>Hints</a:t>
+            </a:r>
+          </a:p>
+          <a:p>
+            <a:r>
+              <a:rPr lang="en-US" dirty="0"/>
+              <a:t>- Replace the Grid with a </a:t>
+            </a:r>
+            <a:r>
+              <a:rPr lang="en-US" dirty="0" err="1"/>
+              <a:t>StackPanel</a:t>
+            </a:r>
+            <a:endParaRPr lang="en-US" dirty="0"/>
+          </a:p>
+          <a:p>
+            <a:r>
+              <a:rPr lang="en-US" dirty="0"/>
+              <a:t>- "One more button" requires a </a:t>
+            </a:r>
+            <a:r>
+              <a:rPr lang="en-US" dirty="0" err="1"/>
+              <a:t>StackPanel</a:t>
+            </a:r>
+            <a:r>
+              <a:rPr lang="en-US" dirty="0"/>
+              <a:t> inside a </a:t>
+            </a:r>
+            <a:r>
+              <a:rPr lang="en-US" dirty="0" err="1"/>
+              <a:t>StackPanel</a:t>
+            </a:r>
+            <a:endParaRPr lang="en-US" dirty="0"/>
+          </a:p>
+          <a:p>
+            <a:endParaRPr lang="en-US" dirty="0"/>
+          </a:p>
+        </p:txBody>
+      </p:sp>
+      <p:sp>
+        <p:nvSpPr>
+          <p:cNvPr id="4" name="Slide Number Placeholder 3"/>
+          <p:cNvSpPr>
+            <a:spLocks noGrp="1"/>
+          </p:cNvSpPr>
+          <p:nvPr>
+            <p:ph type="sldNum" sz="quarter" idx="5"/>
+          </p:nvPr>
+        </p:nvSpPr>
+        <p:spPr/>
+        <p:txBody>
+          <a:bodyPr/>
+          <a:lstStyle/>
+          <a:p>
+            <a:fld id="{52D86A8A-0D3B-4DD1-BCA4-15D29761E8A6}" type="slidenum">
+              <a:rPr lang="en-US" smtClean="0"/>
+              <a:t>10</a:t>
+            </a:fld>
+            <a:endParaRPr lang="en-US"/>
+          </a:p>
+        </p:txBody>
+      </p:sp>
+    </p:spTree>
+    <p:extLst>
+      <p:ext uri="{BB962C8B-B14F-4D97-AF65-F5344CB8AC3E}">
+        <p14:creationId xmlns:p14="http://schemas.microsoft.com/office/powerpoint/2010/main" val="1831641554"/>
       </p:ext>
     </p:extLst>
   </p:cSld>
@@ -638,19 +735,49 @@
           <a:p>
             <a:r>
               <a:rPr lang="en-US" dirty="0"/>
-              <a:t>Visual Studio</a:t>
-            </a:r>
+              <a:t>Sit – more discussion than lecture</a:t>
+            </a:r>
+          </a:p>
+          <a:p>
+            <a:endParaRPr lang="en-US" dirty="0"/>
           </a:p>
           <a:p>
             <a:r>
               <a:rPr lang="en-US" dirty="0"/>
-              <a:t>- Professional adds no features beyond Community ed</a:t>
-            </a:r>
+              <a:t>9 main units – short break after each</a:t>
+            </a:r>
+          </a:p>
+          <a:p>
+            <a:endParaRPr lang="en-US" dirty="0"/>
           </a:p>
           <a:p>
             <a:r>
               <a:rPr lang="en-US" dirty="0"/>
-              <a:t>- Professional is required for enterprise </a:t>
+              <a:t>Introductions</a:t>
+            </a:r>
+          </a:p>
+          <a:p>
+            <a:r>
+              <a:rPr lang="en-US" dirty="0"/>
+              <a:t>- Me</a:t>
+            </a:r>
+          </a:p>
+          <a:p>
+            <a:r>
+              <a:rPr lang="en-US" dirty="0"/>
+              <a:t>- Go around room--main languages you've used; share what experience you have with</a:t>
+            </a:r>
+          </a:p>
+          <a:p>
+            <a:r>
+              <a:rPr lang="en-US" dirty="0"/>
+              <a:t>  - C#, .NET, WPF</a:t>
+            </a:r>
+          </a:p>
+          <a:p>
+            <a:r>
+              <a:rPr lang="en-US" dirty="0"/>
+              <a:t>  - Other UI frameworks, desktop or web</a:t>
             </a:r>
           </a:p>
           <a:p>
@@ -659,54 +786,8 @@
           <a:p>
             <a:r>
               <a:rPr lang="en-US" dirty="0"/>
-              <a:t>.NET 7</a:t>
-            </a:r>
-          </a:p>
-          <a:p>
-            <a:r>
-              <a:rPr lang="en-US" dirty="0"/>
-              <a:t>- WPF app can be migrated</a:t>
-            </a:r>
-          </a:p>
-          <a:p>
-            <a:r>
-              <a:rPr lang="en-US" dirty="0"/>
-              <a:t>- Benefits: performance and memory improvements; bug fixes</a:t>
-            </a:r>
-          </a:p>
-          <a:p>
-            <a:endParaRPr lang="en-US" dirty="0"/>
-          </a:p>
-          <a:p>
-            <a:r>
-              <a:rPr lang="en-US" dirty="0"/>
-              <a:t>MTS</a:t>
-            </a:r>
-          </a:p>
-          <a:p>
-            <a:r>
-              <a:rPr lang="en-US" dirty="0"/>
-              <a:t>- Could migrate to .NET 7, but need to also migrate </a:t>
-            </a:r>
-            <a:r>
-              <a:rPr lang="en-US" dirty="0" err="1"/>
-              <a:t>MTS.Controls</a:t>
-            </a:r>
-            <a:r>
-              <a:rPr lang="en-US" dirty="0"/>
-              <a:t>, </a:t>
-            </a:r>
-            <a:r>
-              <a:rPr lang="en-US" dirty="0" err="1"/>
-              <a:t>MTS.Core</a:t>
-            </a:r>
-            <a:r>
-              <a:rPr lang="en-US" dirty="0"/>
-              <a:t>, etc.</a:t>
-            </a:r>
-          </a:p>
-          <a:p>
-            <a:endParaRPr lang="en-US" dirty="0"/>
+              <a:t>LAST: Before we start</a:t>
+            </a:r>
           </a:p>
         </p:txBody>
       </p:sp>
@@ -727,6 +808,349 @@
           <a:p>
             <a:fld id="{52D86A8A-0D3B-4DD1-BCA4-15D29761E8A6}" type="slidenum">
               <a:rPr lang="en-US" smtClean="0"/>
+              <a:t>2</a:t>
+            </a:fld>
+            <a:endParaRPr lang="en-US"/>
+          </a:p>
+        </p:txBody>
+      </p:sp>
+    </p:spTree>
+    <p:extLst>
+      <p:ext uri="{BB962C8B-B14F-4D97-AF65-F5344CB8AC3E}">
+        <p14:creationId xmlns:p14="http://schemas.microsoft.com/office/powerpoint/2010/main" val="1452565925"/>
+      </p:ext>
+    </p:extLst>
+  </p:cSld>
+  <p:clrMapOvr>
+    <a:masterClrMapping/>
+  </p:clrMapOvr>
+</p:notes>
+</file>
+
+<file path=ppt/notesSlides/notesSlide3.xml><?xml version="1.0" encoding="utf-8"?>
+<p:notes xmlns:a="http://schemas.openxmlformats.org/drawingml/2006/main" xmlns:r="http://schemas.openxmlformats.org/officeDocument/2006/relationships" xmlns:p="http://schemas.openxmlformats.org/presentationml/2006/main">
+  <p:cSld>
+    <p:spTree>
+      <p:nvGrpSpPr>
+        <p:cNvPr id="1" name=""/>
+        <p:cNvGrpSpPr/>
+        <p:nvPr/>
+      </p:nvGrpSpPr>
+      <p:grpSpPr>
+        <a:xfrm>
+          <a:off x="0" y="0"/>
+          <a:ext cx="0" cy="0"/>
+          <a:chOff x="0" y="0"/>
+          <a:chExt cx="0" cy="0"/>
+        </a:xfrm>
+      </p:grpSpPr>
+      <p:sp>
+        <p:nvSpPr>
+          <p:cNvPr id="2" name="Slide Image Placeholder 1"/>
+          <p:cNvSpPr>
+            <a:spLocks noGrp="1" noRot="1" noChangeAspect="1"/>
+          </p:cNvSpPr>
+          <p:nvPr>
+            <p:ph type="sldImg"/>
+          </p:nvPr>
+        </p:nvSpPr>
+        <p:spPr/>
+      </p:sp>
+      <p:sp>
+        <p:nvSpPr>
+          <p:cNvPr id="3" name="Notes Placeholder 2"/>
+          <p:cNvSpPr>
+            <a:spLocks noGrp="1"/>
+          </p:cNvSpPr>
+          <p:nvPr>
+            <p:ph type="body" idx="1"/>
+          </p:nvPr>
+        </p:nvSpPr>
+        <p:spPr/>
+        <p:txBody>
+          <a:bodyPr/>
+          <a:lstStyle/>
+          <a:p>
+            <a:r>
+              <a:rPr lang="en-US" dirty="0"/>
+              <a:t>LAST: History</a:t>
+            </a:r>
+          </a:p>
+        </p:txBody>
+      </p:sp>
+      <p:sp>
+        <p:nvSpPr>
+          <p:cNvPr id="4" name="Slide Number Placeholder 3"/>
+          <p:cNvSpPr>
+            <a:spLocks noGrp="1"/>
+          </p:cNvSpPr>
+          <p:nvPr>
+            <p:ph type="sldNum" sz="quarter" idx="5"/>
+          </p:nvPr>
+        </p:nvSpPr>
+        <p:spPr/>
+        <p:txBody>
+          <a:bodyPr/>
+          <a:lstStyle/>
+          <a:p>
+            <a:fld id="{52D86A8A-0D3B-4DD1-BCA4-15D29761E8A6}" type="slidenum">
+              <a:rPr lang="en-US" smtClean="0"/>
+              <a:t>3</a:t>
+            </a:fld>
+            <a:endParaRPr lang="en-US"/>
+          </a:p>
+        </p:txBody>
+      </p:sp>
+    </p:spTree>
+    <p:extLst>
+      <p:ext uri="{BB962C8B-B14F-4D97-AF65-F5344CB8AC3E}">
+        <p14:creationId xmlns:p14="http://schemas.microsoft.com/office/powerpoint/2010/main" val="1411583224"/>
+      </p:ext>
+    </p:extLst>
+  </p:cSld>
+  <p:clrMapOvr>
+    <a:masterClrMapping/>
+  </p:clrMapOvr>
+</p:notes>
+</file>
+
+<file path=ppt/notesSlides/notesSlide4.xml><?xml version="1.0" encoding="utf-8"?>
+<p:notes xmlns:a="http://schemas.openxmlformats.org/drawingml/2006/main" xmlns:r="http://schemas.openxmlformats.org/officeDocument/2006/relationships" xmlns:p="http://schemas.openxmlformats.org/presentationml/2006/main">
+  <p:cSld>
+    <p:spTree>
+      <p:nvGrpSpPr>
+        <p:cNvPr id="1" name=""/>
+        <p:cNvGrpSpPr/>
+        <p:nvPr/>
+      </p:nvGrpSpPr>
+      <p:grpSpPr>
+        <a:xfrm>
+          <a:off x="0" y="0"/>
+          <a:ext cx="0" cy="0"/>
+          <a:chOff x="0" y="0"/>
+          <a:chExt cx="0" cy="0"/>
+        </a:xfrm>
+      </p:grpSpPr>
+      <p:sp>
+        <p:nvSpPr>
+          <p:cNvPr id="2" name="Slide Image Placeholder 1"/>
+          <p:cNvSpPr>
+            <a:spLocks noGrp="1" noRot="1" noChangeAspect="1"/>
+          </p:cNvSpPr>
+          <p:nvPr>
+            <p:ph type="sldImg"/>
+          </p:nvPr>
+        </p:nvSpPr>
+        <p:spPr/>
+      </p:sp>
+      <p:sp>
+        <p:nvSpPr>
+          <p:cNvPr id="3" name="Notes Placeholder 2"/>
+          <p:cNvSpPr>
+            <a:spLocks noGrp="1"/>
+          </p:cNvSpPr>
+          <p:nvPr>
+            <p:ph type="body" idx="1"/>
+          </p:nvPr>
+        </p:nvSpPr>
+        <p:spPr/>
+        <p:txBody>
+          <a:bodyPr/>
+          <a:lstStyle/>
+          <a:p>
+            <a:r>
+              <a:rPr lang="en-US" dirty="0"/>
+              <a:t>LAST: Command binding</a:t>
+            </a:r>
+          </a:p>
+        </p:txBody>
+      </p:sp>
+      <p:sp>
+        <p:nvSpPr>
+          <p:cNvPr id="4" name="Slide Number Placeholder 3"/>
+          <p:cNvSpPr>
+            <a:spLocks noGrp="1"/>
+          </p:cNvSpPr>
+          <p:nvPr>
+            <p:ph type="sldNum" sz="quarter" idx="5"/>
+          </p:nvPr>
+        </p:nvSpPr>
+        <p:spPr/>
+        <p:txBody>
+          <a:bodyPr/>
+          <a:lstStyle/>
+          <a:p>
+            <a:fld id="{52D86A8A-0D3B-4DD1-BCA4-15D29761E8A6}" type="slidenum">
+              <a:rPr lang="en-US" smtClean="0"/>
+              <a:t>4</a:t>
+            </a:fld>
+            <a:endParaRPr lang="en-US"/>
+          </a:p>
+        </p:txBody>
+      </p:sp>
+    </p:spTree>
+    <p:extLst>
+      <p:ext uri="{BB962C8B-B14F-4D97-AF65-F5344CB8AC3E}">
+        <p14:creationId xmlns:p14="http://schemas.microsoft.com/office/powerpoint/2010/main" val="3213769857"/>
+      </p:ext>
+    </p:extLst>
+  </p:cSld>
+  <p:clrMapOvr>
+    <a:masterClrMapping/>
+  </p:clrMapOvr>
+</p:notes>
+</file>
+
+<file path=ppt/notesSlides/notesSlide5.xml><?xml version="1.0" encoding="utf-8"?>
+<p:notes xmlns:a="http://schemas.openxmlformats.org/drawingml/2006/main" xmlns:r="http://schemas.openxmlformats.org/officeDocument/2006/relationships" xmlns:p="http://schemas.openxmlformats.org/presentationml/2006/main">
+  <p:cSld>
+    <p:spTree>
+      <p:nvGrpSpPr>
+        <p:cNvPr id="1" name=""/>
+        <p:cNvGrpSpPr/>
+        <p:nvPr/>
+      </p:nvGrpSpPr>
+      <p:grpSpPr>
+        <a:xfrm>
+          <a:off x="0" y="0"/>
+          <a:ext cx="0" cy="0"/>
+          <a:chOff x="0" y="0"/>
+          <a:chExt cx="0" cy="0"/>
+        </a:xfrm>
+      </p:grpSpPr>
+      <p:sp>
+        <p:nvSpPr>
+          <p:cNvPr id="2" name="Slide Image Placeholder 1"/>
+          <p:cNvSpPr>
+            <a:spLocks noGrp="1" noRot="1" noChangeAspect="1"/>
+          </p:cNvSpPr>
+          <p:nvPr>
+            <p:ph type="sldImg"/>
+          </p:nvPr>
+        </p:nvSpPr>
+        <p:spPr/>
+      </p:sp>
+      <p:sp>
+        <p:nvSpPr>
+          <p:cNvPr id="3" name="Notes Placeholder 2"/>
+          <p:cNvSpPr>
+            <a:spLocks noGrp="1"/>
+          </p:cNvSpPr>
+          <p:nvPr>
+            <p:ph type="body" idx="1"/>
+          </p:nvPr>
+        </p:nvSpPr>
+        <p:spPr/>
+        <p:txBody>
+          <a:bodyPr/>
+          <a:lstStyle/>
+          <a:p>
+            <a:r>
+              <a:rPr lang="en-US" dirty="0"/>
+              <a:t>Visual Studio</a:t>
+            </a:r>
+          </a:p>
+          <a:p>
+            <a:r>
+              <a:rPr lang="en-US" dirty="0"/>
+              <a:t>- Professional adds no features beyond Community ed</a:t>
+            </a:r>
+          </a:p>
+          <a:p>
+            <a:r>
+              <a:rPr lang="en-US" dirty="0"/>
+              <a:t>- Professional is required for enterprise </a:t>
+            </a:r>
+          </a:p>
+          <a:p>
+            <a:endParaRPr lang="en-US" dirty="0"/>
+          </a:p>
+          <a:p>
+            <a:r>
+              <a:rPr lang="en-US" dirty="0"/>
+              <a:t>.NET 7</a:t>
+            </a:r>
+          </a:p>
+          <a:p>
+            <a:r>
+              <a:rPr lang="en-US" dirty="0"/>
+              <a:t>- WPF app can be migrated</a:t>
+            </a:r>
+          </a:p>
+          <a:p>
+            <a:r>
+              <a:rPr lang="en-US" dirty="0"/>
+              <a:t>- Benefits: performance and memory improvements; bug fixes</a:t>
+            </a:r>
+          </a:p>
+          <a:p>
+            <a:endParaRPr lang="en-US" dirty="0"/>
+          </a:p>
+          <a:p>
+            <a:r>
+              <a:rPr lang="en-US" dirty="0"/>
+              <a:t>MTS</a:t>
+            </a:r>
+          </a:p>
+          <a:p>
+            <a:r>
+              <a:rPr lang="en-US" dirty="0"/>
+              <a:t>- Could migrate to .NET 7, but need to also migrate </a:t>
+            </a:r>
+            <a:r>
+              <a:rPr lang="en-US" dirty="0" err="1"/>
+              <a:t>MTS.Controls</a:t>
+            </a:r>
+            <a:r>
+              <a:rPr lang="en-US" dirty="0"/>
+              <a:t>, </a:t>
+            </a:r>
+            <a:r>
+              <a:rPr lang="en-US" dirty="0" err="1"/>
+              <a:t>MTS.Core</a:t>
+            </a:r>
+            <a:r>
+              <a:rPr lang="en-US" dirty="0"/>
+              <a:t>, etc.</a:t>
+            </a:r>
+          </a:p>
+          <a:p>
+            <a:r>
+              <a:rPr lang="en-US" dirty="0"/>
+              <a:t>- Cirrus relies on Windows Workflow Foundation, which doesn’t run on .NET 7</a:t>
+            </a:r>
+          </a:p>
+          <a:p>
+            <a:endParaRPr lang="en-US" dirty="0"/>
+          </a:p>
+          <a:p>
+            <a:r>
+              <a:rPr lang="en-US" dirty="0"/>
+              <a:t>LAST: Language</a:t>
+            </a:r>
+          </a:p>
+          <a:p>
+            <a:endParaRPr lang="en-US" dirty="0"/>
+          </a:p>
+        </p:txBody>
+      </p:sp>
+      <p:sp>
+        <p:nvSpPr>
+          <p:cNvPr id="4" name="Slide Number Placeholder 3"/>
+          <p:cNvSpPr>
+            <a:spLocks noGrp="1"/>
+          </p:cNvSpPr>
+          <p:nvPr>
+            <p:ph type="sldNum" sz="quarter" idx="5"/>
+          </p:nvPr>
+        </p:nvSpPr>
+        <p:spPr/>
+        <p:txBody>
+          <a:bodyPr/>
+          <a:lstStyle/>
+          <a:p>
+            <a:fld id="{52D86A8A-0D3B-4DD1-BCA4-15D29761E8A6}" type="slidenum">
+              <a:rPr lang="en-US" smtClean="0"/>
               <a:t>5</a:t>
             </a:fld>
             <a:endParaRPr lang="en-US"/>
@@ -737,6 +1161,486 @@
     <p:extLst>
       <p:ext uri="{BB962C8B-B14F-4D97-AF65-F5344CB8AC3E}">
         <p14:creationId xmlns:p14="http://schemas.microsoft.com/office/powerpoint/2010/main" val="3338851767"/>
+      </p:ext>
+    </p:extLst>
+  </p:cSld>
+  <p:clrMapOvr>
+    <a:masterClrMapping/>
+  </p:clrMapOvr>
+</p:notes>
+</file>
+
+<file path=ppt/notesSlides/notesSlide6.xml><?xml version="1.0" encoding="utf-8"?>
+<p:notes xmlns:a="http://schemas.openxmlformats.org/drawingml/2006/main" xmlns:r="http://schemas.openxmlformats.org/officeDocument/2006/relationships" xmlns:p="http://schemas.openxmlformats.org/presentationml/2006/main">
+  <p:cSld>
+    <p:spTree>
+      <p:nvGrpSpPr>
+        <p:cNvPr id="1" name=""/>
+        <p:cNvGrpSpPr/>
+        <p:nvPr/>
+      </p:nvGrpSpPr>
+      <p:grpSpPr>
+        <a:xfrm>
+          <a:off x="0" y="0"/>
+          <a:ext cx="0" cy="0"/>
+          <a:chOff x="0" y="0"/>
+          <a:chExt cx="0" cy="0"/>
+        </a:xfrm>
+      </p:grpSpPr>
+      <p:sp>
+        <p:nvSpPr>
+          <p:cNvPr id="2" name="Slide Image Placeholder 1"/>
+          <p:cNvSpPr>
+            <a:spLocks noGrp="1" noRot="1" noChangeAspect="1"/>
+          </p:cNvSpPr>
+          <p:nvPr>
+            <p:ph type="sldImg"/>
+          </p:nvPr>
+        </p:nvSpPr>
+        <p:spPr/>
+      </p:sp>
+      <p:sp>
+        <p:nvSpPr>
+          <p:cNvPr id="3" name="Notes Placeholder 2"/>
+          <p:cNvSpPr>
+            <a:spLocks noGrp="1"/>
+          </p:cNvSpPr>
+          <p:nvPr>
+            <p:ph type="body" idx="1"/>
+          </p:nvPr>
+        </p:nvSpPr>
+        <p:spPr/>
+        <p:txBody>
+          <a:bodyPr/>
+          <a:lstStyle/>
+          <a:p>
+            <a:r>
+              <a:rPr lang="en-US" dirty="0"/>
+              <a:t>Markup – </a:t>
+            </a:r>
+            <a:r>
+              <a:rPr lang="en-US" i="1" dirty="0"/>
+              <a:t>specify what, not how</a:t>
+            </a:r>
+          </a:p>
+          <a:p>
+            <a:r>
+              <a:rPr lang="en-US" i="0" dirty="0"/>
+              <a:t>Elements can have – </a:t>
+            </a:r>
+            <a:r>
+              <a:rPr lang="en-US" i="1" dirty="0"/>
+              <a:t>Show example of both</a:t>
+            </a:r>
+          </a:p>
+          <a:p>
+            <a:r>
+              <a:rPr lang="en-US" i="0" dirty="0"/>
+              <a:t>Inheritance - </a:t>
+            </a:r>
+            <a:r>
+              <a:rPr lang="en-US" i="1" dirty="0"/>
+              <a:t>later--variety of other sources for property values</a:t>
+            </a:r>
+          </a:p>
+          <a:p>
+            <a:r>
+              <a:rPr lang="en-US" i="0" dirty="0"/>
+              <a:t>LAST: Inheritance</a:t>
+            </a:r>
+            <a:br>
+              <a:rPr lang="en-US" i="0" dirty="0"/>
+            </a:br>
+            <a:br>
+              <a:rPr lang="en-US" i="0" dirty="0"/>
+            </a:br>
+            <a:r>
+              <a:rPr lang="en-US" b="1" i="0" dirty="0"/>
+              <a:t>EXAMPLE </a:t>
+            </a:r>
+          </a:p>
+          <a:p>
+            <a:r>
+              <a:rPr lang="en-US" b="0" i="0" dirty="0"/>
+              <a:t>- This is markup</a:t>
+            </a:r>
+          </a:p>
+          <a:p>
+            <a:r>
+              <a:rPr lang="en-US" b="0" i="0" dirty="0"/>
+              <a:t>- Hierarchical, each item represents a type</a:t>
+            </a:r>
+          </a:p>
+        </p:txBody>
+      </p:sp>
+      <p:sp>
+        <p:nvSpPr>
+          <p:cNvPr id="4" name="Slide Number Placeholder 3"/>
+          <p:cNvSpPr>
+            <a:spLocks noGrp="1"/>
+          </p:cNvSpPr>
+          <p:nvPr>
+            <p:ph type="sldNum" sz="quarter" idx="5"/>
+          </p:nvPr>
+        </p:nvSpPr>
+        <p:spPr/>
+        <p:txBody>
+          <a:bodyPr/>
+          <a:lstStyle/>
+          <a:p>
+            <a:fld id="{52D86A8A-0D3B-4DD1-BCA4-15D29761E8A6}" type="slidenum">
+              <a:rPr lang="en-US" smtClean="0"/>
+              <a:t>6</a:t>
+            </a:fld>
+            <a:endParaRPr lang="en-US"/>
+          </a:p>
+        </p:txBody>
+      </p:sp>
+    </p:spTree>
+    <p:extLst>
+      <p:ext uri="{BB962C8B-B14F-4D97-AF65-F5344CB8AC3E}">
+        <p14:creationId xmlns:p14="http://schemas.microsoft.com/office/powerpoint/2010/main" val="93061307"/>
+      </p:ext>
+    </p:extLst>
+  </p:cSld>
+  <p:clrMapOvr>
+    <a:masterClrMapping/>
+  </p:clrMapOvr>
+</p:notes>
+</file>
+
+<file path=ppt/notesSlides/notesSlide7.xml><?xml version="1.0" encoding="utf-8"?>
+<p:notes xmlns:a="http://schemas.openxmlformats.org/drawingml/2006/main" xmlns:r="http://schemas.openxmlformats.org/officeDocument/2006/relationships" xmlns:p="http://schemas.openxmlformats.org/presentationml/2006/main">
+  <p:cSld>
+    <p:spTree>
+      <p:nvGrpSpPr>
+        <p:cNvPr id="1" name=""/>
+        <p:cNvGrpSpPr/>
+        <p:nvPr/>
+      </p:nvGrpSpPr>
+      <p:grpSpPr>
+        <a:xfrm>
+          <a:off x="0" y="0"/>
+          <a:ext cx="0" cy="0"/>
+          <a:chOff x="0" y="0"/>
+          <a:chExt cx="0" cy="0"/>
+        </a:xfrm>
+      </p:grpSpPr>
+      <p:sp>
+        <p:nvSpPr>
+          <p:cNvPr id="2" name="Slide Image Placeholder 1"/>
+          <p:cNvSpPr>
+            <a:spLocks noGrp="1" noRot="1" noChangeAspect="1"/>
+          </p:cNvSpPr>
+          <p:nvPr>
+            <p:ph type="sldImg"/>
+          </p:nvPr>
+        </p:nvSpPr>
+        <p:spPr/>
+      </p:sp>
+      <p:sp>
+        <p:nvSpPr>
+          <p:cNvPr id="3" name="Notes Placeholder 2"/>
+          <p:cNvSpPr>
+            <a:spLocks noGrp="1"/>
+          </p:cNvSpPr>
+          <p:nvPr>
+            <p:ph type="body" idx="1"/>
+          </p:nvPr>
+        </p:nvSpPr>
+        <p:spPr/>
+        <p:txBody>
+          <a:bodyPr/>
+          <a:lstStyle/>
+          <a:p>
+            <a:r>
+              <a:rPr lang="en-US" dirty="0"/>
+              <a:t>LAST: WPF also renders</a:t>
+            </a:r>
+          </a:p>
+        </p:txBody>
+      </p:sp>
+      <p:sp>
+        <p:nvSpPr>
+          <p:cNvPr id="4" name="Slide Number Placeholder 3"/>
+          <p:cNvSpPr>
+            <a:spLocks noGrp="1"/>
+          </p:cNvSpPr>
+          <p:nvPr>
+            <p:ph type="sldNum" sz="quarter" idx="5"/>
+          </p:nvPr>
+        </p:nvSpPr>
+        <p:spPr/>
+        <p:txBody>
+          <a:bodyPr/>
+          <a:lstStyle/>
+          <a:p>
+            <a:fld id="{52D86A8A-0D3B-4DD1-BCA4-15D29761E8A6}" type="slidenum">
+              <a:rPr lang="en-US" smtClean="0"/>
+              <a:t>7</a:t>
+            </a:fld>
+            <a:endParaRPr lang="en-US"/>
+          </a:p>
+        </p:txBody>
+      </p:sp>
+    </p:spTree>
+    <p:extLst>
+      <p:ext uri="{BB962C8B-B14F-4D97-AF65-F5344CB8AC3E}">
+        <p14:creationId xmlns:p14="http://schemas.microsoft.com/office/powerpoint/2010/main" val="3231057914"/>
+      </p:ext>
+    </p:extLst>
+  </p:cSld>
+  <p:clrMapOvr>
+    <a:masterClrMapping/>
+  </p:clrMapOvr>
+</p:notes>
+</file>
+
+<file path=ppt/notesSlides/notesSlide8.xml><?xml version="1.0" encoding="utf-8"?>
+<p:notes xmlns:a="http://schemas.openxmlformats.org/drawingml/2006/main" xmlns:r="http://schemas.openxmlformats.org/officeDocument/2006/relationships" xmlns:p="http://schemas.openxmlformats.org/presentationml/2006/main">
+  <p:cSld>
+    <p:spTree>
+      <p:nvGrpSpPr>
+        <p:cNvPr id="1" name=""/>
+        <p:cNvGrpSpPr/>
+        <p:nvPr/>
+      </p:nvGrpSpPr>
+      <p:grpSpPr>
+        <a:xfrm>
+          <a:off x="0" y="0"/>
+          <a:ext cx="0" cy="0"/>
+          <a:chOff x="0" y="0"/>
+          <a:chExt cx="0" cy="0"/>
+        </a:xfrm>
+      </p:grpSpPr>
+      <p:sp>
+        <p:nvSpPr>
+          <p:cNvPr id="2" name="Slide Image Placeholder 1"/>
+          <p:cNvSpPr>
+            <a:spLocks noGrp="1" noRot="1" noChangeAspect="1"/>
+          </p:cNvSpPr>
+          <p:nvPr>
+            <p:ph type="sldImg"/>
+          </p:nvPr>
+        </p:nvSpPr>
+        <p:spPr/>
+      </p:sp>
+      <p:sp>
+        <p:nvSpPr>
+          <p:cNvPr id="3" name="Notes Placeholder 2"/>
+          <p:cNvSpPr>
+            <a:spLocks noGrp="1"/>
+          </p:cNvSpPr>
+          <p:nvPr>
+            <p:ph type="body" idx="1"/>
+          </p:nvPr>
+        </p:nvSpPr>
+        <p:spPr/>
+        <p:txBody>
+          <a:bodyPr/>
+          <a:lstStyle/>
+          <a:p>
+            <a:r>
+              <a:rPr lang="en-US" dirty="0"/>
+              <a:t>Then arranges – based on what the type of container</a:t>
+            </a:r>
+          </a:p>
+          <a:p>
+            <a:r>
+              <a:rPr lang="en-US" dirty="0"/>
+              <a:t>LAST: How layout </a:t>
+            </a:r>
+            <a:r>
+              <a:rPr lang="en-US" dirty="0" err="1"/>
+              <a:t>wokrs</a:t>
+            </a:r>
+            <a:endParaRPr lang="en-US" dirty="0"/>
+          </a:p>
+        </p:txBody>
+      </p:sp>
+      <p:sp>
+        <p:nvSpPr>
+          <p:cNvPr id="4" name="Slide Number Placeholder 3"/>
+          <p:cNvSpPr>
+            <a:spLocks noGrp="1"/>
+          </p:cNvSpPr>
+          <p:nvPr>
+            <p:ph type="sldNum" sz="quarter" idx="5"/>
+          </p:nvPr>
+        </p:nvSpPr>
+        <p:spPr/>
+        <p:txBody>
+          <a:bodyPr/>
+          <a:lstStyle/>
+          <a:p>
+            <a:fld id="{52D86A8A-0D3B-4DD1-BCA4-15D29761E8A6}" type="slidenum">
+              <a:rPr lang="en-US" smtClean="0"/>
+              <a:t>8</a:t>
+            </a:fld>
+            <a:endParaRPr lang="en-US"/>
+          </a:p>
+        </p:txBody>
+      </p:sp>
+    </p:spTree>
+    <p:extLst>
+      <p:ext uri="{BB962C8B-B14F-4D97-AF65-F5344CB8AC3E}">
+        <p14:creationId xmlns:p14="http://schemas.microsoft.com/office/powerpoint/2010/main" val="4013324398"/>
+      </p:ext>
+    </p:extLst>
+  </p:cSld>
+  <p:clrMapOvr>
+    <a:masterClrMapping/>
+  </p:clrMapOvr>
+</p:notes>
+</file>
+
+<file path=ppt/notesSlides/notesSlide9.xml><?xml version="1.0" encoding="utf-8"?>
+<p:notes xmlns:a="http://schemas.openxmlformats.org/drawingml/2006/main" xmlns:r="http://schemas.openxmlformats.org/officeDocument/2006/relationships" xmlns:p="http://schemas.openxmlformats.org/presentationml/2006/main">
+  <p:cSld>
+    <p:spTree>
+      <p:nvGrpSpPr>
+        <p:cNvPr id="1" name=""/>
+        <p:cNvGrpSpPr/>
+        <p:nvPr/>
+      </p:nvGrpSpPr>
+      <p:grpSpPr>
+        <a:xfrm>
+          <a:off x="0" y="0"/>
+          <a:ext cx="0" cy="0"/>
+          <a:chOff x="0" y="0"/>
+          <a:chExt cx="0" cy="0"/>
+        </a:xfrm>
+      </p:grpSpPr>
+      <p:sp>
+        <p:nvSpPr>
+          <p:cNvPr id="2" name="Slide Image Placeholder 1"/>
+          <p:cNvSpPr>
+            <a:spLocks noGrp="1" noRot="1" noChangeAspect="1"/>
+          </p:cNvSpPr>
+          <p:nvPr>
+            <p:ph type="sldImg"/>
+          </p:nvPr>
+        </p:nvSpPr>
+        <p:spPr/>
+      </p:sp>
+      <p:sp>
+        <p:nvSpPr>
+          <p:cNvPr id="3" name="Notes Placeholder 2"/>
+          <p:cNvSpPr>
+            <a:spLocks noGrp="1"/>
+          </p:cNvSpPr>
+          <p:nvPr>
+            <p:ph type="body" idx="1"/>
+          </p:nvPr>
+        </p:nvSpPr>
+        <p:spPr/>
+        <p:txBody>
+          <a:bodyPr/>
+          <a:lstStyle/>
+          <a:p>
+            <a:r>
+              <a:rPr lang="en-US" dirty="0"/>
+              <a:t>Ideally - </a:t>
+            </a:r>
+            <a:r>
+              <a:rPr lang="en-US" sz="1800" i="0" dirty="0">
+                <a:effectLst/>
+                <a:latin typeface="Calibri" panose="020F0502020204030204" pitchFamily="34" charset="0"/>
+              </a:rPr>
+              <a:t>This is important, so bears repeating; the goal is to never set size or exact position of elements</a:t>
+            </a:r>
+          </a:p>
+          <a:p>
+            <a:r>
+              <a:rPr lang="en-US" sz="1800" i="0" dirty="0">
+                <a:effectLst/>
+                <a:latin typeface="Calibri" panose="020F0502020204030204" pitchFamily="34" charset="0"/>
+              </a:rPr>
+              <a:t>Why - In either case, we can't know ahead of time exactly how big something will be</a:t>
+            </a:r>
+          </a:p>
+          <a:p>
+            <a:r>
+              <a:rPr lang="en-US" i="0" dirty="0"/>
+              <a:t>    Fixed size and position also bubbles up to fixed application window, which prevents user from resizing things</a:t>
+            </a:r>
+          </a:p>
+          <a:p>
+            <a:r>
+              <a:rPr lang="en-US" i="0" dirty="0"/>
+              <a:t>WPF Uses - Similar to responsive design, for web pages; e.g. </a:t>
+            </a:r>
+            <a:r>
+              <a:rPr lang="en-US" i="0" dirty="0" err="1"/>
+              <a:t>Boostrap</a:t>
+            </a:r>
+            <a:endParaRPr lang="en-US" i="0" dirty="0"/>
+          </a:p>
+          <a:p>
+            <a:r>
+              <a:rPr lang="en-US" i="0" dirty="0"/>
+              <a:t>    In the extreme case, you can define the layout once and run it on everything from a phone to a desktop PC w/large screen and layout will adjust</a:t>
+            </a:r>
+          </a:p>
+          <a:p>
+            <a:r>
+              <a:rPr lang="en-US" i="0" dirty="0"/>
+              <a:t>    We're focusing on desktop applications, but the same principles apply--we want our application to work on a variety of screen sizes</a:t>
+            </a:r>
+          </a:p>
+          <a:p>
+            <a:r>
+              <a:rPr lang="en-US" i="0" dirty="0"/>
+              <a:t>    And even for just one screen, the specific data loaded into the UI and different languages make things different enough to want flow-based layout</a:t>
+            </a:r>
+          </a:p>
+          <a:p>
+            <a:r>
+              <a:rPr lang="en-US" i="0" dirty="0"/>
+              <a:t>Positioning - w/o setting exact size and location</a:t>
+            </a:r>
+          </a:p>
+          <a:p>
+            <a:r>
+              <a:rPr lang="en-US" i="0" dirty="0"/>
+              <a:t>    Select - Pick the container that will arrange child elements the way you want; don’t pick Canvas</a:t>
+            </a:r>
+          </a:p>
+          <a:p>
+            <a:r>
+              <a:rPr lang="en-US" dirty="0"/>
+              <a:t>LAST: Avoid</a:t>
+            </a:r>
+          </a:p>
+        </p:txBody>
+      </p:sp>
+      <p:sp>
+        <p:nvSpPr>
+          <p:cNvPr id="4" name="Slide Number Placeholder 3"/>
+          <p:cNvSpPr>
+            <a:spLocks noGrp="1"/>
+          </p:cNvSpPr>
+          <p:nvPr>
+            <p:ph type="sldNum" sz="quarter" idx="5"/>
+          </p:nvPr>
+        </p:nvSpPr>
+        <p:spPr/>
+        <p:txBody>
+          <a:bodyPr/>
+          <a:lstStyle/>
+          <a:p>
+            <a:fld id="{52D86A8A-0D3B-4DD1-BCA4-15D29761E8A6}" type="slidenum">
+              <a:rPr lang="en-US" smtClean="0"/>
+              <a:t>9</a:t>
+            </a:fld>
+            <a:endParaRPr lang="en-US"/>
+          </a:p>
+        </p:txBody>
+      </p:sp>
+    </p:spTree>
+    <p:extLst>
+      <p:ext uri="{BB962C8B-B14F-4D97-AF65-F5344CB8AC3E}">
+        <p14:creationId xmlns:p14="http://schemas.microsoft.com/office/powerpoint/2010/main" val="163549264"/>
       </p:ext>
     </p:extLst>
   </p:cSld>
@@ -8384,6 +9288,153 @@
 </p:sld>
 </file>
 
+<file path=ppt/slides/slide10.xml><?xml version="1.0" encoding="utf-8"?>
+<p:sld xmlns:a="http://schemas.openxmlformats.org/drawingml/2006/main" xmlns:r="http://schemas.openxmlformats.org/officeDocument/2006/relationships" xmlns:p="http://schemas.openxmlformats.org/presentationml/2006/main">
+  <p:cSld>
+    <p:spTree>
+      <p:nvGrpSpPr>
+        <p:cNvPr id="1" name=""/>
+        <p:cNvGrpSpPr/>
+        <p:nvPr/>
+      </p:nvGrpSpPr>
+      <p:grpSpPr>
+        <a:xfrm>
+          <a:off x="0" y="0"/>
+          <a:ext cx="0" cy="0"/>
+          <a:chOff x="0" y="0"/>
+          <a:chExt cx="0" cy="0"/>
+        </a:xfrm>
+      </p:grpSpPr>
+      <p:sp>
+        <p:nvSpPr>
+          <p:cNvPr id="2" name="Title 1">
+            <a:extLst>
+              <a:ext uri="{FF2B5EF4-FFF2-40B4-BE49-F238E27FC236}">
+                <a16:creationId xmlns:a16="http://schemas.microsoft.com/office/drawing/2014/main" id="{E5C6B936-62F9-3203-1DE4-22802A16EC7D}"/>
+              </a:ext>
+            </a:extLst>
+          </p:cNvPr>
+          <p:cNvSpPr>
+            <a:spLocks noGrp="1"/>
+          </p:cNvSpPr>
+          <p:nvPr>
+            <p:ph type="title"/>
+          </p:nvPr>
+        </p:nvSpPr>
+        <p:spPr>
+          <a:xfrm>
+            <a:off x="2592925" y="624110"/>
+            <a:ext cx="8911687" cy="697794"/>
+          </a:xfrm>
+        </p:spPr>
+        <p:txBody>
+          <a:bodyPr/>
+          <a:lstStyle/>
+          <a:p>
+            <a:r>
+              <a:rPr lang="en-US" dirty="0">
+                <a:solidFill>
+                  <a:schemeClr val="accent5">
+                    <a:lumMod val="75000"/>
+                  </a:schemeClr>
+                </a:solidFill>
+              </a:rPr>
+              <a:t>Exercise 1 – Layout Basics</a:t>
+            </a:r>
+          </a:p>
+        </p:txBody>
+      </p:sp>
+      <p:sp>
+        <p:nvSpPr>
+          <p:cNvPr id="3" name="Content Placeholder 2">
+            <a:extLst>
+              <a:ext uri="{FF2B5EF4-FFF2-40B4-BE49-F238E27FC236}">
+                <a16:creationId xmlns:a16="http://schemas.microsoft.com/office/drawing/2014/main" id="{453E8F22-4FA1-10DA-933A-F3F8751FEFF2}"/>
+              </a:ext>
+            </a:extLst>
+          </p:cNvPr>
+          <p:cNvSpPr>
+            <a:spLocks noGrp="1"/>
+          </p:cNvSpPr>
+          <p:nvPr>
+            <p:ph idx="1"/>
+          </p:nvPr>
+        </p:nvSpPr>
+        <p:spPr/>
+        <p:txBody>
+          <a:bodyPr>
+            <a:normAutofit/>
+          </a:bodyPr>
+          <a:lstStyle/>
+          <a:p>
+            <a:r>
+              <a:rPr lang="en-US" dirty="0"/>
+              <a:t>What You’ll Learn</a:t>
+            </a:r>
+          </a:p>
+          <a:p>
+            <a:pPr lvl="1"/>
+            <a:r>
+              <a:rPr lang="en-US" dirty="0"/>
+              <a:t>How to add controls to a layout container and arrange them</a:t>
+            </a:r>
+          </a:p>
+          <a:p>
+            <a:r>
+              <a:rPr lang="en-US" dirty="0"/>
+              <a:t>Exercise</a:t>
+            </a:r>
+          </a:p>
+          <a:p>
+            <a:pPr lvl="1"/>
+            <a:r>
+              <a:rPr lang="en-US" dirty="0"/>
+              <a:t>Create a new WPF project</a:t>
+            </a:r>
+          </a:p>
+          <a:p>
+            <a:pPr lvl="1"/>
+            <a:r>
+              <a:rPr lang="en-US" dirty="0"/>
+              <a:t>Set up XAML editor   (one-time thing)</a:t>
+            </a:r>
+          </a:p>
+          <a:p>
+            <a:pPr lvl="1"/>
+            <a:r>
+              <a:rPr lang="en-US" dirty="0"/>
+              <a:t>Part 1 - Button and Text</a:t>
+            </a:r>
+          </a:p>
+          <a:p>
+            <a:pPr lvl="1"/>
+            <a:r>
+              <a:rPr lang="en-US" dirty="0"/>
+              <a:t>Part 2 - One more button</a:t>
+            </a:r>
+          </a:p>
+          <a:p>
+            <a:pPr lvl="1"/>
+            <a:r>
+              <a:rPr lang="en-US" dirty="0"/>
+              <a:t>Extra Credit</a:t>
+            </a:r>
+          </a:p>
+        </p:txBody>
+      </p:sp>
+    </p:spTree>
+    <p:extLst>
+      <p:ext uri="{BB962C8B-B14F-4D97-AF65-F5344CB8AC3E}">
+        <p14:creationId xmlns:p14="http://schemas.microsoft.com/office/powerpoint/2010/main" val="3978496014"/>
+      </p:ext>
+    </p:extLst>
+  </p:cSld>
+  <p:clrMapOvr>
+    <a:masterClrMapping/>
+  </p:clrMapOvr>
+</p:sld>
+</file>
+
 <file path=ppt/slides/slide2.xml><?xml version="1.0" encoding="utf-8"?>
 <p:sld xmlns:a="http://schemas.openxmlformats.org/drawingml/2006/main" xmlns:r="http://schemas.openxmlformats.org/officeDocument/2006/relationships" xmlns:p="http://schemas.openxmlformats.org/presentationml/2006/main">
   <p:cSld>
@@ -8519,6 +9570,379 @@
   <p:clrMapOvr>
     <a:masterClrMapping/>
   </p:clrMapOvr>
+  <p:timing>
+    <p:tnLst>
+      <p:par>
+        <p:cTn id="1" dur="indefinite" restart="never" nodeType="tmRoot">
+          <p:childTnLst>
+            <p:seq concurrent="1" nextAc="seek">
+              <p:cTn id="2" dur="indefinite" nodeType="mainSeq">
+                <p:childTnLst>
+                  <p:par>
+                    <p:cTn id="3" fill="hold">
+                      <p:stCondLst>
+                        <p:cond delay="indefinite"/>
+                        <p:cond evt="onBegin" delay="0">
+                          <p:tn val="2"/>
+                        </p:cond>
+                      </p:stCondLst>
+                      <p:childTnLst>
+                        <p:par>
+                          <p:cTn id="4" fill="hold">
+                            <p:stCondLst>
+                              <p:cond delay="0"/>
+                            </p:stCondLst>
+                            <p:childTnLst>
+                              <p:par>
+                                <p:cTn id="5" presetID="10" presetClass="entr" presetSubtype="0" fill="hold" grpId="0" nodeType="withEffect">
+                                  <p:stCondLst>
+                                    <p:cond delay="0"/>
+                                  </p:stCondLst>
+                                  <p:childTnLst>
+                                    <p:set>
+                                      <p:cBhvr>
+                                        <p:cTn id="6" dur="1" fill="hold">
+                                          <p:stCondLst>
+                                            <p:cond delay="0"/>
+                                          </p:stCondLst>
+                                        </p:cTn>
+                                        <p:tgtEl>
+                                          <p:spTgt spid="3">
+                                            <p:txEl>
+                                              <p:pRg st="0" end="0"/>
+                                            </p:txEl>
+                                          </p:spTgt>
+                                        </p:tgtEl>
+                                        <p:attrNameLst>
+                                          <p:attrName>style.visibility</p:attrName>
+                                        </p:attrNameLst>
+                                      </p:cBhvr>
+                                      <p:to>
+                                        <p:strVal val="visible"/>
+                                      </p:to>
+                                    </p:set>
+                                    <p:animEffect transition="in" filter="fade">
+                                      <p:cBhvr>
+                                        <p:cTn id="7" dur="500"/>
+                                        <p:tgtEl>
+                                          <p:spTgt spid="3">
+                                            <p:txEl>
+                                              <p:pRg st="0" end="0"/>
+                                            </p:txEl>
+                                          </p:spTgt>
+                                        </p:tgtEl>
+                                      </p:cBhvr>
+                                    </p:animEffect>
+                                  </p:childTnLst>
+                                </p:cTn>
+                              </p:par>
+                              <p:par>
+                                <p:cTn id="8" presetID="10" presetClass="entr" presetSubtype="0" fill="hold" grpId="0" nodeType="withEffect">
+                                  <p:stCondLst>
+                                    <p:cond delay="0"/>
+                                  </p:stCondLst>
+                                  <p:childTnLst>
+                                    <p:set>
+                                      <p:cBhvr>
+                                        <p:cTn id="9" dur="1" fill="hold">
+                                          <p:stCondLst>
+                                            <p:cond delay="0"/>
+                                          </p:stCondLst>
+                                        </p:cTn>
+                                        <p:tgtEl>
+                                          <p:spTgt spid="3">
+                                            <p:txEl>
+                                              <p:pRg st="1" end="1"/>
+                                            </p:txEl>
+                                          </p:spTgt>
+                                        </p:tgtEl>
+                                        <p:attrNameLst>
+                                          <p:attrName>style.visibility</p:attrName>
+                                        </p:attrNameLst>
+                                      </p:cBhvr>
+                                      <p:to>
+                                        <p:strVal val="visible"/>
+                                      </p:to>
+                                    </p:set>
+                                    <p:animEffect transition="in" filter="fade">
+                                      <p:cBhvr>
+                                        <p:cTn id="10" dur="500"/>
+                                        <p:tgtEl>
+                                          <p:spTgt spid="3">
+                                            <p:txEl>
+                                              <p:pRg st="1" end="1"/>
+                                            </p:txEl>
+                                          </p:spTgt>
+                                        </p:tgtEl>
+                                      </p:cBhvr>
+                                    </p:animEffect>
+                                  </p:childTnLst>
+                                </p:cTn>
+                              </p:par>
+                              <p:par>
+                                <p:cTn id="11" presetID="10" presetClass="entr" presetSubtype="0" fill="hold" grpId="0" nodeType="withEffect">
+                                  <p:stCondLst>
+                                    <p:cond delay="0"/>
+                                  </p:stCondLst>
+                                  <p:childTnLst>
+                                    <p:set>
+                                      <p:cBhvr>
+                                        <p:cTn id="12" dur="1" fill="hold">
+                                          <p:stCondLst>
+                                            <p:cond delay="0"/>
+                                          </p:stCondLst>
+                                        </p:cTn>
+                                        <p:tgtEl>
+                                          <p:spTgt spid="3">
+                                            <p:txEl>
+                                              <p:pRg st="2" end="2"/>
+                                            </p:txEl>
+                                          </p:spTgt>
+                                        </p:tgtEl>
+                                        <p:attrNameLst>
+                                          <p:attrName>style.visibility</p:attrName>
+                                        </p:attrNameLst>
+                                      </p:cBhvr>
+                                      <p:to>
+                                        <p:strVal val="visible"/>
+                                      </p:to>
+                                    </p:set>
+                                    <p:animEffect transition="in" filter="fade">
+                                      <p:cBhvr>
+                                        <p:cTn id="13" dur="500"/>
+                                        <p:tgtEl>
+                                          <p:spTgt spid="3">
+                                            <p:txEl>
+                                              <p:pRg st="2" end="2"/>
+                                            </p:txEl>
+                                          </p:spTgt>
+                                        </p:tgtEl>
+                                      </p:cBhvr>
+                                    </p:animEffect>
+                                  </p:childTnLst>
+                                </p:cTn>
+                              </p:par>
+                              <p:par>
+                                <p:cTn id="14" presetID="10" presetClass="entr" presetSubtype="0" fill="hold" grpId="0" nodeType="withEffect">
+                                  <p:stCondLst>
+                                    <p:cond delay="0"/>
+                                  </p:stCondLst>
+                                  <p:childTnLst>
+                                    <p:set>
+                                      <p:cBhvr>
+                                        <p:cTn id="15" dur="1" fill="hold">
+                                          <p:stCondLst>
+                                            <p:cond delay="0"/>
+                                          </p:stCondLst>
+                                        </p:cTn>
+                                        <p:tgtEl>
+                                          <p:spTgt spid="3">
+                                            <p:txEl>
+                                              <p:pRg st="3" end="3"/>
+                                            </p:txEl>
+                                          </p:spTgt>
+                                        </p:tgtEl>
+                                        <p:attrNameLst>
+                                          <p:attrName>style.visibility</p:attrName>
+                                        </p:attrNameLst>
+                                      </p:cBhvr>
+                                      <p:to>
+                                        <p:strVal val="visible"/>
+                                      </p:to>
+                                    </p:set>
+                                    <p:animEffect transition="in" filter="fade">
+                                      <p:cBhvr>
+                                        <p:cTn id="16" dur="500"/>
+                                        <p:tgtEl>
+                                          <p:spTgt spid="3">
+                                            <p:txEl>
+                                              <p:pRg st="3" end="3"/>
+                                            </p:txEl>
+                                          </p:spTgt>
+                                        </p:tgtEl>
+                                      </p:cBhvr>
+                                    </p:animEffect>
+                                  </p:childTnLst>
+                                </p:cTn>
+                              </p:par>
+                            </p:childTnLst>
+                          </p:cTn>
+                        </p:par>
+                      </p:childTnLst>
+                    </p:cTn>
+                  </p:par>
+                  <p:par>
+                    <p:cTn id="17" fill="hold">
+                      <p:stCondLst>
+                        <p:cond delay="indefinite"/>
+                      </p:stCondLst>
+                      <p:childTnLst>
+                        <p:par>
+                          <p:cTn id="18" fill="hold">
+                            <p:stCondLst>
+                              <p:cond delay="0"/>
+                            </p:stCondLst>
+                            <p:childTnLst>
+                              <p:par>
+                                <p:cTn id="19" presetID="10" presetClass="entr" presetSubtype="0" fill="hold" grpId="0" nodeType="clickEffect">
+                                  <p:stCondLst>
+                                    <p:cond delay="0"/>
+                                  </p:stCondLst>
+                                  <p:childTnLst>
+                                    <p:set>
+                                      <p:cBhvr>
+                                        <p:cTn id="20" dur="1" fill="hold">
+                                          <p:stCondLst>
+                                            <p:cond delay="0"/>
+                                          </p:stCondLst>
+                                        </p:cTn>
+                                        <p:tgtEl>
+                                          <p:spTgt spid="3">
+                                            <p:txEl>
+                                              <p:pRg st="4" end="4"/>
+                                            </p:txEl>
+                                          </p:spTgt>
+                                        </p:tgtEl>
+                                        <p:attrNameLst>
+                                          <p:attrName>style.visibility</p:attrName>
+                                        </p:attrNameLst>
+                                      </p:cBhvr>
+                                      <p:to>
+                                        <p:strVal val="visible"/>
+                                      </p:to>
+                                    </p:set>
+                                    <p:animEffect transition="in" filter="fade">
+                                      <p:cBhvr>
+                                        <p:cTn id="21" dur="500"/>
+                                        <p:tgtEl>
+                                          <p:spTgt spid="3">
+                                            <p:txEl>
+                                              <p:pRg st="4" end="4"/>
+                                            </p:txEl>
+                                          </p:spTgt>
+                                        </p:tgtEl>
+                                      </p:cBhvr>
+                                    </p:animEffect>
+                                  </p:childTnLst>
+                                </p:cTn>
+                              </p:par>
+                              <p:par>
+                                <p:cTn id="22" presetID="10" presetClass="entr" presetSubtype="0" fill="hold" grpId="0" nodeType="withEffect">
+                                  <p:stCondLst>
+                                    <p:cond delay="0"/>
+                                  </p:stCondLst>
+                                  <p:childTnLst>
+                                    <p:set>
+                                      <p:cBhvr>
+                                        <p:cTn id="23" dur="1" fill="hold">
+                                          <p:stCondLst>
+                                            <p:cond delay="0"/>
+                                          </p:stCondLst>
+                                        </p:cTn>
+                                        <p:tgtEl>
+                                          <p:spTgt spid="3">
+                                            <p:txEl>
+                                              <p:pRg st="5" end="5"/>
+                                            </p:txEl>
+                                          </p:spTgt>
+                                        </p:tgtEl>
+                                        <p:attrNameLst>
+                                          <p:attrName>style.visibility</p:attrName>
+                                        </p:attrNameLst>
+                                      </p:cBhvr>
+                                      <p:to>
+                                        <p:strVal val="visible"/>
+                                      </p:to>
+                                    </p:set>
+                                    <p:animEffect transition="in" filter="fade">
+                                      <p:cBhvr>
+                                        <p:cTn id="24" dur="500"/>
+                                        <p:tgtEl>
+                                          <p:spTgt spid="3">
+                                            <p:txEl>
+                                              <p:pRg st="5" end="5"/>
+                                            </p:txEl>
+                                          </p:spTgt>
+                                        </p:tgtEl>
+                                      </p:cBhvr>
+                                    </p:animEffect>
+                                  </p:childTnLst>
+                                </p:cTn>
+                              </p:par>
+                              <p:par>
+                                <p:cTn id="25" presetID="10" presetClass="entr" presetSubtype="0" fill="hold" grpId="0" nodeType="withEffect">
+                                  <p:stCondLst>
+                                    <p:cond delay="0"/>
+                                  </p:stCondLst>
+                                  <p:childTnLst>
+                                    <p:set>
+                                      <p:cBhvr>
+                                        <p:cTn id="26" dur="1" fill="hold">
+                                          <p:stCondLst>
+                                            <p:cond delay="0"/>
+                                          </p:stCondLst>
+                                        </p:cTn>
+                                        <p:tgtEl>
+                                          <p:spTgt spid="3">
+                                            <p:txEl>
+                                              <p:pRg st="6" end="6"/>
+                                            </p:txEl>
+                                          </p:spTgt>
+                                        </p:tgtEl>
+                                        <p:attrNameLst>
+                                          <p:attrName>style.visibility</p:attrName>
+                                        </p:attrNameLst>
+                                      </p:cBhvr>
+                                      <p:to>
+                                        <p:strVal val="visible"/>
+                                      </p:to>
+                                    </p:set>
+                                    <p:animEffect transition="in" filter="fade">
+                                      <p:cBhvr>
+                                        <p:cTn id="27" dur="500"/>
+                                        <p:tgtEl>
+                                          <p:spTgt spid="3">
+                                            <p:txEl>
+                                              <p:pRg st="6" end="6"/>
+                                            </p:txEl>
+                                          </p:spTgt>
+                                        </p:tgtEl>
+                                      </p:cBhvr>
+                                    </p:animEffect>
+                                  </p:childTnLst>
+                                </p:cTn>
+                              </p:par>
+                            </p:childTnLst>
+                          </p:cTn>
+                        </p:par>
+                      </p:childTnLst>
+                    </p:cTn>
+                  </p:par>
+                </p:childTnLst>
+              </p:cTn>
+              <p:prevCondLst>
+                <p:cond evt="onPrev" delay="0">
+                  <p:tgtEl>
+                    <p:sldTgt/>
+                  </p:tgtEl>
+                </p:cond>
+              </p:prevCondLst>
+              <p:nextCondLst>
+                <p:cond evt="onNext" delay="0">
+                  <p:tgtEl>
+                    <p:sldTgt/>
+                  </p:tgtEl>
+                </p:cond>
+              </p:nextCondLst>
+            </p:seq>
+          </p:childTnLst>
+        </p:cTn>
+      </p:par>
+    </p:tnLst>
+    <p:bldLst>
+      <p:bldP spid="3" grpId="0" uiExpand="1" build="p"/>
+    </p:bldLst>
+  </p:timing>
 </p:sld>
 </file>
 
@@ -8642,6 +10066,293 @@
   <p:clrMapOvr>
     <a:masterClrMapping/>
   </p:clrMapOvr>
+  <p:timing>
+    <p:tnLst>
+      <p:par>
+        <p:cTn id="1" dur="indefinite" restart="never" nodeType="tmRoot">
+          <p:childTnLst>
+            <p:seq concurrent="1" nextAc="seek">
+              <p:cTn id="2" dur="indefinite" nodeType="mainSeq">
+                <p:childTnLst>
+                  <p:par>
+                    <p:cTn id="3" fill="hold">
+                      <p:stCondLst>
+                        <p:cond delay="indefinite"/>
+                        <p:cond evt="onBegin" delay="0">
+                          <p:tn val="2"/>
+                        </p:cond>
+                      </p:stCondLst>
+                      <p:childTnLst>
+                        <p:par>
+                          <p:cTn id="4" fill="hold">
+                            <p:stCondLst>
+                              <p:cond delay="0"/>
+                            </p:stCondLst>
+                            <p:childTnLst>
+                              <p:par>
+                                <p:cTn id="5" presetID="10" presetClass="entr" presetSubtype="0" fill="hold" grpId="0" nodeType="withEffect">
+                                  <p:stCondLst>
+                                    <p:cond delay="0"/>
+                                  </p:stCondLst>
+                                  <p:childTnLst>
+                                    <p:set>
+                                      <p:cBhvr>
+                                        <p:cTn id="6" dur="1" fill="hold">
+                                          <p:stCondLst>
+                                            <p:cond delay="0"/>
+                                          </p:stCondLst>
+                                        </p:cTn>
+                                        <p:tgtEl>
+                                          <p:spTgt spid="3">
+                                            <p:txEl>
+                                              <p:pRg st="0" end="0"/>
+                                            </p:txEl>
+                                          </p:spTgt>
+                                        </p:tgtEl>
+                                        <p:attrNameLst>
+                                          <p:attrName>style.visibility</p:attrName>
+                                        </p:attrNameLst>
+                                      </p:cBhvr>
+                                      <p:to>
+                                        <p:strVal val="visible"/>
+                                      </p:to>
+                                    </p:set>
+                                    <p:animEffect transition="in" filter="fade">
+                                      <p:cBhvr>
+                                        <p:cTn id="7" dur="500"/>
+                                        <p:tgtEl>
+                                          <p:spTgt spid="3">
+                                            <p:txEl>
+                                              <p:pRg st="0" end="0"/>
+                                            </p:txEl>
+                                          </p:spTgt>
+                                        </p:tgtEl>
+                                      </p:cBhvr>
+                                    </p:animEffect>
+                                  </p:childTnLst>
+                                </p:cTn>
+                              </p:par>
+                              <p:par>
+                                <p:cTn id="8" presetID="10" presetClass="entr" presetSubtype="0" fill="hold" grpId="0" nodeType="withEffect">
+                                  <p:stCondLst>
+                                    <p:cond delay="0"/>
+                                  </p:stCondLst>
+                                  <p:childTnLst>
+                                    <p:set>
+                                      <p:cBhvr>
+                                        <p:cTn id="9" dur="1" fill="hold">
+                                          <p:stCondLst>
+                                            <p:cond delay="0"/>
+                                          </p:stCondLst>
+                                        </p:cTn>
+                                        <p:tgtEl>
+                                          <p:spTgt spid="3">
+                                            <p:txEl>
+                                              <p:pRg st="1" end="1"/>
+                                            </p:txEl>
+                                          </p:spTgt>
+                                        </p:tgtEl>
+                                        <p:attrNameLst>
+                                          <p:attrName>style.visibility</p:attrName>
+                                        </p:attrNameLst>
+                                      </p:cBhvr>
+                                      <p:to>
+                                        <p:strVal val="visible"/>
+                                      </p:to>
+                                    </p:set>
+                                    <p:animEffect transition="in" filter="fade">
+                                      <p:cBhvr>
+                                        <p:cTn id="10" dur="500"/>
+                                        <p:tgtEl>
+                                          <p:spTgt spid="3">
+                                            <p:txEl>
+                                              <p:pRg st="1" end="1"/>
+                                            </p:txEl>
+                                          </p:spTgt>
+                                        </p:tgtEl>
+                                      </p:cBhvr>
+                                    </p:animEffect>
+                                  </p:childTnLst>
+                                </p:cTn>
+                              </p:par>
+                            </p:childTnLst>
+                          </p:cTn>
+                        </p:par>
+                      </p:childTnLst>
+                    </p:cTn>
+                  </p:par>
+                  <p:par>
+                    <p:cTn id="11" fill="hold">
+                      <p:stCondLst>
+                        <p:cond delay="indefinite"/>
+                      </p:stCondLst>
+                      <p:childTnLst>
+                        <p:par>
+                          <p:cTn id="12" fill="hold">
+                            <p:stCondLst>
+                              <p:cond delay="0"/>
+                            </p:stCondLst>
+                            <p:childTnLst>
+                              <p:par>
+                                <p:cTn id="13" presetID="10" presetClass="entr" presetSubtype="0" fill="hold" grpId="0" nodeType="clickEffect">
+                                  <p:stCondLst>
+                                    <p:cond delay="0"/>
+                                  </p:stCondLst>
+                                  <p:childTnLst>
+                                    <p:set>
+                                      <p:cBhvr>
+                                        <p:cTn id="14" dur="1" fill="hold">
+                                          <p:stCondLst>
+                                            <p:cond delay="0"/>
+                                          </p:stCondLst>
+                                        </p:cTn>
+                                        <p:tgtEl>
+                                          <p:spTgt spid="3">
+                                            <p:txEl>
+                                              <p:pRg st="2" end="2"/>
+                                            </p:txEl>
+                                          </p:spTgt>
+                                        </p:tgtEl>
+                                        <p:attrNameLst>
+                                          <p:attrName>style.visibility</p:attrName>
+                                        </p:attrNameLst>
+                                      </p:cBhvr>
+                                      <p:to>
+                                        <p:strVal val="visible"/>
+                                      </p:to>
+                                    </p:set>
+                                    <p:animEffect transition="in" filter="fade">
+                                      <p:cBhvr>
+                                        <p:cTn id="15" dur="500"/>
+                                        <p:tgtEl>
+                                          <p:spTgt spid="3">
+                                            <p:txEl>
+                                              <p:pRg st="2" end="2"/>
+                                            </p:txEl>
+                                          </p:spTgt>
+                                        </p:tgtEl>
+                                      </p:cBhvr>
+                                    </p:animEffect>
+                                  </p:childTnLst>
+                                </p:cTn>
+                              </p:par>
+                              <p:par>
+                                <p:cTn id="16" presetID="10" presetClass="entr" presetSubtype="0" fill="hold" grpId="0" nodeType="withEffect">
+                                  <p:stCondLst>
+                                    <p:cond delay="0"/>
+                                  </p:stCondLst>
+                                  <p:childTnLst>
+                                    <p:set>
+                                      <p:cBhvr>
+                                        <p:cTn id="17" dur="1" fill="hold">
+                                          <p:stCondLst>
+                                            <p:cond delay="0"/>
+                                          </p:stCondLst>
+                                        </p:cTn>
+                                        <p:tgtEl>
+                                          <p:spTgt spid="3">
+                                            <p:txEl>
+                                              <p:pRg st="3" end="3"/>
+                                            </p:txEl>
+                                          </p:spTgt>
+                                        </p:tgtEl>
+                                        <p:attrNameLst>
+                                          <p:attrName>style.visibility</p:attrName>
+                                        </p:attrNameLst>
+                                      </p:cBhvr>
+                                      <p:to>
+                                        <p:strVal val="visible"/>
+                                      </p:to>
+                                    </p:set>
+                                    <p:animEffect transition="in" filter="fade">
+                                      <p:cBhvr>
+                                        <p:cTn id="18" dur="500"/>
+                                        <p:tgtEl>
+                                          <p:spTgt spid="3">
+                                            <p:txEl>
+                                              <p:pRg st="3" end="3"/>
+                                            </p:txEl>
+                                          </p:spTgt>
+                                        </p:tgtEl>
+                                      </p:cBhvr>
+                                    </p:animEffect>
+                                  </p:childTnLst>
+                                </p:cTn>
+                              </p:par>
+                              <p:par>
+                                <p:cTn id="19" presetID="10" presetClass="entr" presetSubtype="0" fill="hold" grpId="0" nodeType="withEffect">
+                                  <p:stCondLst>
+                                    <p:cond delay="0"/>
+                                  </p:stCondLst>
+                                  <p:childTnLst>
+                                    <p:set>
+                                      <p:cBhvr>
+                                        <p:cTn id="20" dur="1" fill="hold">
+                                          <p:stCondLst>
+                                            <p:cond delay="0"/>
+                                          </p:stCondLst>
+                                        </p:cTn>
+                                        <p:tgtEl>
+                                          <p:spTgt spid="3">
+                                            <p:txEl>
+                                              <p:pRg st="4" end="4"/>
+                                            </p:txEl>
+                                          </p:spTgt>
+                                        </p:tgtEl>
+                                        <p:attrNameLst>
+                                          <p:attrName>style.visibility</p:attrName>
+                                        </p:attrNameLst>
+                                      </p:cBhvr>
+                                      <p:to>
+                                        <p:strVal val="visible"/>
+                                      </p:to>
+                                    </p:set>
+                                    <p:animEffect transition="in" filter="fade">
+                                      <p:cBhvr>
+                                        <p:cTn id="21" dur="500"/>
+                                        <p:tgtEl>
+                                          <p:spTgt spid="3">
+                                            <p:txEl>
+                                              <p:pRg st="4" end="4"/>
+                                            </p:txEl>
+                                          </p:spTgt>
+                                        </p:tgtEl>
+                                      </p:cBhvr>
+                                    </p:animEffect>
+                                  </p:childTnLst>
+                                </p:cTn>
+                              </p:par>
+                            </p:childTnLst>
+                          </p:cTn>
+                        </p:par>
+                      </p:childTnLst>
+                    </p:cTn>
+                  </p:par>
+                </p:childTnLst>
+              </p:cTn>
+              <p:prevCondLst>
+                <p:cond evt="onPrev" delay="0">
+                  <p:tgtEl>
+                    <p:sldTgt/>
+                  </p:tgtEl>
+                </p:cond>
+              </p:prevCondLst>
+              <p:nextCondLst>
+                <p:cond evt="onNext" delay="0">
+                  <p:tgtEl>
+                    <p:sldTgt/>
+                  </p:tgtEl>
+                </p:cond>
+              </p:nextCondLst>
+            </p:seq>
+          </p:childTnLst>
+        </p:cTn>
+      </p:par>
+    </p:tnLst>
+    <p:bldLst>
+      <p:bldP spid="3" grpId="0" uiExpand="1" build="p"/>
+    </p:bldLst>
+  </p:timing>
 </p:sld>
 </file>
 
@@ -8809,6 +10520,641 @@
   <p:clrMapOvr>
     <a:masterClrMapping/>
   </p:clrMapOvr>
+  <p:timing>
+    <p:tnLst>
+      <p:par>
+        <p:cTn id="1" dur="indefinite" restart="never" nodeType="tmRoot">
+          <p:childTnLst>
+            <p:seq concurrent="1" nextAc="seek">
+              <p:cTn id="2" dur="indefinite" nodeType="mainSeq">
+                <p:childTnLst>
+                  <p:par>
+                    <p:cTn id="3" fill="hold">
+                      <p:stCondLst>
+                        <p:cond delay="indefinite"/>
+                        <p:cond evt="onBegin" delay="0">
+                          <p:tn val="2"/>
+                        </p:cond>
+                      </p:stCondLst>
+                      <p:childTnLst>
+                        <p:par>
+                          <p:cTn id="4" fill="hold">
+                            <p:stCondLst>
+                              <p:cond delay="0"/>
+                            </p:stCondLst>
+                            <p:childTnLst>
+                              <p:par>
+                                <p:cTn id="5" presetID="10" presetClass="entr" presetSubtype="0" fill="hold" grpId="0" nodeType="withEffect">
+                                  <p:stCondLst>
+                                    <p:cond delay="0"/>
+                                  </p:stCondLst>
+                                  <p:childTnLst>
+                                    <p:set>
+                                      <p:cBhvr>
+                                        <p:cTn id="6" dur="1" fill="hold">
+                                          <p:stCondLst>
+                                            <p:cond delay="0"/>
+                                          </p:stCondLst>
+                                        </p:cTn>
+                                        <p:tgtEl>
+                                          <p:spTgt spid="3">
+                                            <p:txEl>
+                                              <p:pRg st="0" end="0"/>
+                                            </p:txEl>
+                                          </p:spTgt>
+                                        </p:tgtEl>
+                                        <p:attrNameLst>
+                                          <p:attrName>style.visibility</p:attrName>
+                                        </p:attrNameLst>
+                                      </p:cBhvr>
+                                      <p:to>
+                                        <p:strVal val="visible"/>
+                                      </p:to>
+                                    </p:set>
+                                    <p:animEffect transition="in" filter="fade">
+                                      <p:cBhvr>
+                                        <p:cTn id="7" dur="500"/>
+                                        <p:tgtEl>
+                                          <p:spTgt spid="3">
+                                            <p:txEl>
+                                              <p:pRg st="0" end="0"/>
+                                            </p:txEl>
+                                          </p:spTgt>
+                                        </p:tgtEl>
+                                      </p:cBhvr>
+                                    </p:animEffect>
+                                  </p:childTnLst>
+                                </p:cTn>
+                              </p:par>
+                            </p:childTnLst>
+                          </p:cTn>
+                        </p:par>
+                      </p:childTnLst>
+                    </p:cTn>
+                  </p:par>
+                  <p:par>
+                    <p:cTn id="8" fill="hold">
+                      <p:stCondLst>
+                        <p:cond delay="indefinite"/>
+                      </p:stCondLst>
+                      <p:childTnLst>
+                        <p:par>
+                          <p:cTn id="9" fill="hold">
+                            <p:stCondLst>
+                              <p:cond delay="0"/>
+                            </p:stCondLst>
+                            <p:childTnLst>
+                              <p:par>
+                                <p:cTn id="10" presetID="10" presetClass="entr" presetSubtype="0" fill="hold" grpId="0" nodeType="clickEffect">
+                                  <p:stCondLst>
+                                    <p:cond delay="0"/>
+                                  </p:stCondLst>
+                                  <p:childTnLst>
+                                    <p:set>
+                                      <p:cBhvr>
+                                        <p:cTn id="11" dur="1" fill="hold">
+                                          <p:stCondLst>
+                                            <p:cond delay="0"/>
+                                          </p:stCondLst>
+                                        </p:cTn>
+                                        <p:tgtEl>
+                                          <p:spTgt spid="3">
+                                            <p:txEl>
+                                              <p:pRg st="1" end="1"/>
+                                            </p:txEl>
+                                          </p:spTgt>
+                                        </p:tgtEl>
+                                        <p:attrNameLst>
+                                          <p:attrName>style.visibility</p:attrName>
+                                        </p:attrNameLst>
+                                      </p:cBhvr>
+                                      <p:to>
+                                        <p:strVal val="visible"/>
+                                      </p:to>
+                                    </p:set>
+                                    <p:animEffect transition="in" filter="fade">
+                                      <p:cBhvr>
+                                        <p:cTn id="12" dur="500"/>
+                                        <p:tgtEl>
+                                          <p:spTgt spid="3">
+                                            <p:txEl>
+                                              <p:pRg st="1" end="1"/>
+                                            </p:txEl>
+                                          </p:spTgt>
+                                        </p:tgtEl>
+                                      </p:cBhvr>
+                                    </p:animEffect>
+                                  </p:childTnLst>
+                                </p:cTn>
+                              </p:par>
+                              <p:par>
+                                <p:cTn id="13" presetID="10" presetClass="entr" presetSubtype="0" fill="hold" grpId="0" nodeType="withEffect">
+                                  <p:stCondLst>
+                                    <p:cond delay="0"/>
+                                  </p:stCondLst>
+                                  <p:childTnLst>
+                                    <p:set>
+                                      <p:cBhvr>
+                                        <p:cTn id="14" dur="1" fill="hold">
+                                          <p:stCondLst>
+                                            <p:cond delay="0"/>
+                                          </p:stCondLst>
+                                        </p:cTn>
+                                        <p:tgtEl>
+                                          <p:spTgt spid="3">
+                                            <p:txEl>
+                                              <p:pRg st="2" end="2"/>
+                                            </p:txEl>
+                                          </p:spTgt>
+                                        </p:tgtEl>
+                                        <p:attrNameLst>
+                                          <p:attrName>style.visibility</p:attrName>
+                                        </p:attrNameLst>
+                                      </p:cBhvr>
+                                      <p:to>
+                                        <p:strVal val="visible"/>
+                                      </p:to>
+                                    </p:set>
+                                    <p:animEffect transition="in" filter="fade">
+                                      <p:cBhvr>
+                                        <p:cTn id="15" dur="500"/>
+                                        <p:tgtEl>
+                                          <p:spTgt spid="3">
+                                            <p:txEl>
+                                              <p:pRg st="2" end="2"/>
+                                            </p:txEl>
+                                          </p:spTgt>
+                                        </p:tgtEl>
+                                      </p:cBhvr>
+                                    </p:animEffect>
+                                  </p:childTnLst>
+                                </p:cTn>
+                              </p:par>
+                            </p:childTnLst>
+                          </p:cTn>
+                        </p:par>
+                      </p:childTnLst>
+                    </p:cTn>
+                  </p:par>
+                  <p:par>
+                    <p:cTn id="16" fill="hold">
+                      <p:stCondLst>
+                        <p:cond delay="indefinite"/>
+                      </p:stCondLst>
+                      <p:childTnLst>
+                        <p:par>
+                          <p:cTn id="17" fill="hold">
+                            <p:stCondLst>
+                              <p:cond delay="0"/>
+                            </p:stCondLst>
+                            <p:childTnLst>
+                              <p:par>
+                                <p:cTn id="18" presetID="10" presetClass="entr" presetSubtype="0" fill="hold" grpId="0" nodeType="clickEffect">
+                                  <p:stCondLst>
+                                    <p:cond delay="0"/>
+                                  </p:stCondLst>
+                                  <p:childTnLst>
+                                    <p:set>
+                                      <p:cBhvr>
+                                        <p:cTn id="19" dur="1" fill="hold">
+                                          <p:stCondLst>
+                                            <p:cond delay="0"/>
+                                          </p:stCondLst>
+                                        </p:cTn>
+                                        <p:tgtEl>
+                                          <p:spTgt spid="3">
+                                            <p:txEl>
+                                              <p:pRg st="3" end="3"/>
+                                            </p:txEl>
+                                          </p:spTgt>
+                                        </p:tgtEl>
+                                        <p:attrNameLst>
+                                          <p:attrName>style.visibility</p:attrName>
+                                        </p:attrNameLst>
+                                      </p:cBhvr>
+                                      <p:to>
+                                        <p:strVal val="visible"/>
+                                      </p:to>
+                                    </p:set>
+                                    <p:animEffect transition="in" filter="fade">
+                                      <p:cBhvr>
+                                        <p:cTn id="20" dur="500"/>
+                                        <p:tgtEl>
+                                          <p:spTgt spid="3">
+                                            <p:txEl>
+                                              <p:pRg st="3" end="3"/>
+                                            </p:txEl>
+                                          </p:spTgt>
+                                        </p:tgtEl>
+                                      </p:cBhvr>
+                                    </p:animEffect>
+                                  </p:childTnLst>
+                                </p:cTn>
+                              </p:par>
+                            </p:childTnLst>
+                          </p:cTn>
+                        </p:par>
+                      </p:childTnLst>
+                    </p:cTn>
+                  </p:par>
+                  <p:par>
+                    <p:cTn id="21" fill="hold">
+                      <p:stCondLst>
+                        <p:cond delay="indefinite"/>
+                      </p:stCondLst>
+                      <p:childTnLst>
+                        <p:par>
+                          <p:cTn id="22" fill="hold">
+                            <p:stCondLst>
+                              <p:cond delay="0"/>
+                            </p:stCondLst>
+                            <p:childTnLst>
+                              <p:par>
+                                <p:cTn id="23" presetID="10" presetClass="entr" presetSubtype="0" fill="hold" grpId="0" nodeType="clickEffect">
+                                  <p:stCondLst>
+                                    <p:cond delay="0"/>
+                                  </p:stCondLst>
+                                  <p:childTnLst>
+                                    <p:set>
+                                      <p:cBhvr>
+                                        <p:cTn id="24" dur="1" fill="hold">
+                                          <p:stCondLst>
+                                            <p:cond delay="0"/>
+                                          </p:stCondLst>
+                                        </p:cTn>
+                                        <p:tgtEl>
+                                          <p:spTgt spid="3">
+                                            <p:txEl>
+                                              <p:pRg st="4" end="4"/>
+                                            </p:txEl>
+                                          </p:spTgt>
+                                        </p:tgtEl>
+                                        <p:attrNameLst>
+                                          <p:attrName>style.visibility</p:attrName>
+                                        </p:attrNameLst>
+                                      </p:cBhvr>
+                                      <p:to>
+                                        <p:strVal val="visible"/>
+                                      </p:to>
+                                    </p:set>
+                                    <p:animEffect transition="in" filter="fade">
+                                      <p:cBhvr>
+                                        <p:cTn id="25" dur="500"/>
+                                        <p:tgtEl>
+                                          <p:spTgt spid="3">
+                                            <p:txEl>
+                                              <p:pRg st="4" end="4"/>
+                                            </p:txEl>
+                                          </p:spTgt>
+                                        </p:tgtEl>
+                                      </p:cBhvr>
+                                    </p:animEffect>
+                                  </p:childTnLst>
+                                </p:cTn>
+                              </p:par>
+                            </p:childTnLst>
+                          </p:cTn>
+                        </p:par>
+                      </p:childTnLst>
+                    </p:cTn>
+                  </p:par>
+                  <p:par>
+                    <p:cTn id="26" fill="hold">
+                      <p:stCondLst>
+                        <p:cond delay="indefinite"/>
+                      </p:stCondLst>
+                      <p:childTnLst>
+                        <p:par>
+                          <p:cTn id="27" fill="hold">
+                            <p:stCondLst>
+                              <p:cond delay="0"/>
+                            </p:stCondLst>
+                            <p:childTnLst>
+                              <p:par>
+                                <p:cTn id="28" presetID="10" presetClass="entr" presetSubtype="0" fill="hold" grpId="0" nodeType="clickEffect">
+                                  <p:stCondLst>
+                                    <p:cond delay="0"/>
+                                  </p:stCondLst>
+                                  <p:childTnLst>
+                                    <p:set>
+                                      <p:cBhvr>
+                                        <p:cTn id="29" dur="1" fill="hold">
+                                          <p:stCondLst>
+                                            <p:cond delay="0"/>
+                                          </p:stCondLst>
+                                        </p:cTn>
+                                        <p:tgtEl>
+                                          <p:spTgt spid="3">
+                                            <p:txEl>
+                                              <p:pRg st="5" end="5"/>
+                                            </p:txEl>
+                                          </p:spTgt>
+                                        </p:tgtEl>
+                                        <p:attrNameLst>
+                                          <p:attrName>style.visibility</p:attrName>
+                                        </p:attrNameLst>
+                                      </p:cBhvr>
+                                      <p:to>
+                                        <p:strVal val="visible"/>
+                                      </p:to>
+                                    </p:set>
+                                    <p:animEffect transition="in" filter="fade">
+                                      <p:cBhvr>
+                                        <p:cTn id="30" dur="500"/>
+                                        <p:tgtEl>
+                                          <p:spTgt spid="3">
+                                            <p:txEl>
+                                              <p:pRg st="5" end="5"/>
+                                            </p:txEl>
+                                          </p:spTgt>
+                                        </p:tgtEl>
+                                      </p:cBhvr>
+                                    </p:animEffect>
+                                  </p:childTnLst>
+                                </p:cTn>
+                              </p:par>
+                              <p:par>
+                                <p:cTn id="31" presetID="10" presetClass="entr" presetSubtype="0" fill="hold" grpId="0" nodeType="withEffect">
+                                  <p:stCondLst>
+                                    <p:cond delay="0"/>
+                                  </p:stCondLst>
+                                  <p:childTnLst>
+                                    <p:set>
+                                      <p:cBhvr>
+                                        <p:cTn id="32" dur="1" fill="hold">
+                                          <p:stCondLst>
+                                            <p:cond delay="0"/>
+                                          </p:stCondLst>
+                                        </p:cTn>
+                                        <p:tgtEl>
+                                          <p:spTgt spid="3">
+                                            <p:txEl>
+                                              <p:pRg st="6" end="6"/>
+                                            </p:txEl>
+                                          </p:spTgt>
+                                        </p:tgtEl>
+                                        <p:attrNameLst>
+                                          <p:attrName>style.visibility</p:attrName>
+                                        </p:attrNameLst>
+                                      </p:cBhvr>
+                                      <p:to>
+                                        <p:strVal val="visible"/>
+                                      </p:to>
+                                    </p:set>
+                                    <p:animEffect transition="in" filter="fade">
+                                      <p:cBhvr>
+                                        <p:cTn id="33" dur="500"/>
+                                        <p:tgtEl>
+                                          <p:spTgt spid="3">
+                                            <p:txEl>
+                                              <p:pRg st="6" end="6"/>
+                                            </p:txEl>
+                                          </p:spTgt>
+                                        </p:tgtEl>
+                                      </p:cBhvr>
+                                    </p:animEffect>
+                                  </p:childTnLst>
+                                </p:cTn>
+                              </p:par>
+                            </p:childTnLst>
+                          </p:cTn>
+                        </p:par>
+                      </p:childTnLst>
+                    </p:cTn>
+                  </p:par>
+                  <p:par>
+                    <p:cTn id="34" fill="hold">
+                      <p:stCondLst>
+                        <p:cond delay="indefinite"/>
+                      </p:stCondLst>
+                      <p:childTnLst>
+                        <p:par>
+                          <p:cTn id="35" fill="hold">
+                            <p:stCondLst>
+                              <p:cond delay="0"/>
+                            </p:stCondLst>
+                            <p:childTnLst>
+                              <p:par>
+                                <p:cTn id="36" presetID="10" presetClass="entr" presetSubtype="0" fill="hold" grpId="0" nodeType="clickEffect">
+                                  <p:stCondLst>
+                                    <p:cond delay="0"/>
+                                  </p:stCondLst>
+                                  <p:childTnLst>
+                                    <p:set>
+                                      <p:cBhvr>
+                                        <p:cTn id="37" dur="1" fill="hold">
+                                          <p:stCondLst>
+                                            <p:cond delay="0"/>
+                                          </p:stCondLst>
+                                        </p:cTn>
+                                        <p:tgtEl>
+                                          <p:spTgt spid="3">
+                                            <p:txEl>
+                                              <p:pRg st="7" end="7"/>
+                                            </p:txEl>
+                                          </p:spTgt>
+                                        </p:tgtEl>
+                                        <p:attrNameLst>
+                                          <p:attrName>style.visibility</p:attrName>
+                                        </p:attrNameLst>
+                                      </p:cBhvr>
+                                      <p:to>
+                                        <p:strVal val="visible"/>
+                                      </p:to>
+                                    </p:set>
+                                    <p:animEffect transition="in" filter="fade">
+                                      <p:cBhvr>
+                                        <p:cTn id="38" dur="500"/>
+                                        <p:tgtEl>
+                                          <p:spTgt spid="3">
+                                            <p:txEl>
+                                              <p:pRg st="7" end="7"/>
+                                            </p:txEl>
+                                          </p:spTgt>
+                                        </p:tgtEl>
+                                      </p:cBhvr>
+                                    </p:animEffect>
+                                  </p:childTnLst>
+                                </p:cTn>
+                              </p:par>
+                              <p:par>
+                                <p:cTn id="39" presetID="10" presetClass="entr" presetSubtype="0" fill="hold" grpId="0" nodeType="withEffect">
+                                  <p:stCondLst>
+                                    <p:cond delay="0"/>
+                                  </p:stCondLst>
+                                  <p:childTnLst>
+                                    <p:set>
+                                      <p:cBhvr>
+                                        <p:cTn id="40" dur="1" fill="hold">
+                                          <p:stCondLst>
+                                            <p:cond delay="0"/>
+                                          </p:stCondLst>
+                                        </p:cTn>
+                                        <p:tgtEl>
+                                          <p:spTgt spid="3">
+                                            <p:txEl>
+                                              <p:pRg st="8" end="8"/>
+                                            </p:txEl>
+                                          </p:spTgt>
+                                        </p:tgtEl>
+                                        <p:attrNameLst>
+                                          <p:attrName>style.visibility</p:attrName>
+                                        </p:attrNameLst>
+                                      </p:cBhvr>
+                                      <p:to>
+                                        <p:strVal val="visible"/>
+                                      </p:to>
+                                    </p:set>
+                                    <p:animEffect transition="in" filter="fade">
+                                      <p:cBhvr>
+                                        <p:cTn id="41" dur="500"/>
+                                        <p:tgtEl>
+                                          <p:spTgt spid="3">
+                                            <p:txEl>
+                                              <p:pRg st="8" end="8"/>
+                                            </p:txEl>
+                                          </p:spTgt>
+                                        </p:tgtEl>
+                                      </p:cBhvr>
+                                    </p:animEffect>
+                                  </p:childTnLst>
+                                </p:cTn>
+                              </p:par>
+                              <p:par>
+                                <p:cTn id="42" presetID="10" presetClass="entr" presetSubtype="0" fill="hold" grpId="0" nodeType="withEffect">
+                                  <p:stCondLst>
+                                    <p:cond delay="0"/>
+                                  </p:stCondLst>
+                                  <p:childTnLst>
+                                    <p:set>
+                                      <p:cBhvr>
+                                        <p:cTn id="43" dur="1" fill="hold">
+                                          <p:stCondLst>
+                                            <p:cond delay="0"/>
+                                          </p:stCondLst>
+                                        </p:cTn>
+                                        <p:tgtEl>
+                                          <p:spTgt spid="3">
+                                            <p:txEl>
+                                              <p:pRg st="9" end="9"/>
+                                            </p:txEl>
+                                          </p:spTgt>
+                                        </p:tgtEl>
+                                        <p:attrNameLst>
+                                          <p:attrName>style.visibility</p:attrName>
+                                        </p:attrNameLst>
+                                      </p:cBhvr>
+                                      <p:to>
+                                        <p:strVal val="visible"/>
+                                      </p:to>
+                                    </p:set>
+                                    <p:animEffect transition="in" filter="fade">
+                                      <p:cBhvr>
+                                        <p:cTn id="44" dur="500"/>
+                                        <p:tgtEl>
+                                          <p:spTgt spid="3">
+                                            <p:txEl>
+                                              <p:pRg st="9" end="9"/>
+                                            </p:txEl>
+                                          </p:spTgt>
+                                        </p:tgtEl>
+                                      </p:cBhvr>
+                                    </p:animEffect>
+                                  </p:childTnLst>
+                                </p:cTn>
+                              </p:par>
+                            </p:childTnLst>
+                          </p:cTn>
+                        </p:par>
+                      </p:childTnLst>
+                    </p:cTn>
+                  </p:par>
+                  <p:par>
+                    <p:cTn id="45" fill="hold">
+                      <p:stCondLst>
+                        <p:cond delay="indefinite"/>
+                      </p:stCondLst>
+                      <p:childTnLst>
+                        <p:par>
+                          <p:cTn id="46" fill="hold">
+                            <p:stCondLst>
+                              <p:cond delay="0"/>
+                            </p:stCondLst>
+                            <p:childTnLst>
+                              <p:par>
+                                <p:cTn id="47" presetID="10" presetClass="entr" presetSubtype="0" fill="hold" grpId="0" nodeType="clickEffect">
+                                  <p:stCondLst>
+                                    <p:cond delay="0"/>
+                                  </p:stCondLst>
+                                  <p:childTnLst>
+                                    <p:set>
+                                      <p:cBhvr>
+                                        <p:cTn id="48" dur="1" fill="hold">
+                                          <p:stCondLst>
+                                            <p:cond delay="0"/>
+                                          </p:stCondLst>
+                                        </p:cTn>
+                                        <p:tgtEl>
+                                          <p:spTgt spid="3">
+                                            <p:txEl>
+                                              <p:pRg st="10" end="10"/>
+                                            </p:txEl>
+                                          </p:spTgt>
+                                        </p:tgtEl>
+                                        <p:attrNameLst>
+                                          <p:attrName>style.visibility</p:attrName>
+                                        </p:attrNameLst>
+                                      </p:cBhvr>
+                                      <p:to>
+                                        <p:strVal val="visible"/>
+                                      </p:to>
+                                    </p:set>
+                                    <p:animEffect transition="in" filter="fade">
+                                      <p:cBhvr>
+                                        <p:cTn id="49" dur="500"/>
+                                        <p:tgtEl>
+                                          <p:spTgt spid="3">
+                                            <p:txEl>
+                                              <p:pRg st="10" end="10"/>
+                                            </p:txEl>
+                                          </p:spTgt>
+                                        </p:tgtEl>
+                                      </p:cBhvr>
+                                    </p:animEffect>
+                                  </p:childTnLst>
+                                </p:cTn>
+                              </p:par>
+                            </p:childTnLst>
+                          </p:cTn>
+                        </p:par>
+                      </p:childTnLst>
+                    </p:cTn>
+                  </p:par>
+                </p:childTnLst>
+              </p:cTn>
+              <p:prevCondLst>
+                <p:cond evt="onPrev" delay="0">
+                  <p:tgtEl>
+                    <p:sldTgt/>
+                  </p:tgtEl>
+                </p:cond>
+              </p:prevCondLst>
+              <p:nextCondLst>
+                <p:cond evt="onNext" delay="0">
+                  <p:tgtEl>
+                    <p:sldTgt/>
+                  </p:tgtEl>
+                </p:cond>
+              </p:nextCondLst>
+            </p:seq>
+          </p:childTnLst>
+        </p:cTn>
+      </p:par>
+    </p:tnLst>
+    <p:bldLst>
+      <p:bldP spid="3" grpId="0" uiExpand="1" build="p"/>
+    </p:bldLst>
+  </p:timing>
 </p:sld>
 </file>
 
@@ -9006,6 +11352,3806 @@
   <p:clrMapOvr>
     <a:masterClrMapping/>
   </p:clrMapOvr>
+  <p:timing>
+    <p:tnLst>
+      <p:par>
+        <p:cTn id="1" dur="indefinite" restart="never" nodeType="tmRoot">
+          <p:childTnLst>
+            <p:seq concurrent="1" nextAc="seek">
+              <p:cTn id="2" dur="indefinite" nodeType="mainSeq">
+                <p:childTnLst>
+                  <p:par>
+                    <p:cTn id="3" fill="hold">
+                      <p:stCondLst>
+                        <p:cond delay="indefinite"/>
+                        <p:cond evt="onBegin" delay="0">
+                          <p:tn val="2"/>
+                        </p:cond>
+                      </p:stCondLst>
+                      <p:childTnLst>
+                        <p:par>
+                          <p:cTn id="4" fill="hold">
+                            <p:stCondLst>
+                              <p:cond delay="0"/>
+                            </p:stCondLst>
+                            <p:childTnLst>
+                              <p:par>
+                                <p:cTn id="5" presetID="10" presetClass="entr" presetSubtype="0" fill="hold" grpId="0" nodeType="withEffect">
+                                  <p:stCondLst>
+                                    <p:cond delay="0"/>
+                                  </p:stCondLst>
+                                  <p:childTnLst>
+                                    <p:set>
+                                      <p:cBhvr>
+                                        <p:cTn id="6" dur="1" fill="hold">
+                                          <p:stCondLst>
+                                            <p:cond delay="0"/>
+                                          </p:stCondLst>
+                                        </p:cTn>
+                                        <p:tgtEl>
+                                          <p:spTgt spid="3">
+                                            <p:txEl>
+                                              <p:pRg st="0" end="0"/>
+                                            </p:txEl>
+                                          </p:spTgt>
+                                        </p:tgtEl>
+                                        <p:attrNameLst>
+                                          <p:attrName>style.visibility</p:attrName>
+                                        </p:attrNameLst>
+                                      </p:cBhvr>
+                                      <p:to>
+                                        <p:strVal val="visible"/>
+                                      </p:to>
+                                    </p:set>
+                                    <p:animEffect transition="in" filter="fade">
+                                      <p:cBhvr>
+                                        <p:cTn id="7" dur="500"/>
+                                        <p:tgtEl>
+                                          <p:spTgt spid="3">
+                                            <p:txEl>
+                                              <p:pRg st="0" end="0"/>
+                                            </p:txEl>
+                                          </p:spTgt>
+                                        </p:tgtEl>
+                                      </p:cBhvr>
+                                    </p:animEffect>
+                                  </p:childTnLst>
+                                </p:cTn>
+                              </p:par>
+                            </p:childTnLst>
+                          </p:cTn>
+                        </p:par>
+                      </p:childTnLst>
+                    </p:cTn>
+                  </p:par>
+                  <p:par>
+                    <p:cTn id="8" fill="hold">
+                      <p:stCondLst>
+                        <p:cond delay="indefinite"/>
+                      </p:stCondLst>
+                      <p:childTnLst>
+                        <p:par>
+                          <p:cTn id="9" fill="hold">
+                            <p:stCondLst>
+                              <p:cond delay="0"/>
+                            </p:stCondLst>
+                            <p:childTnLst>
+                              <p:par>
+                                <p:cTn id="10" presetID="10" presetClass="entr" presetSubtype="0" fill="hold" grpId="0" nodeType="clickEffect">
+                                  <p:stCondLst>
+                                    <p:cond delay="0"/>
+                                  </p:stCondLst>
+                                  <p:childTnLst>
+                                    <p:set>
+                                      <p:cBhvr>
+                                        <p:cTn id="11" dur="1" fill="hold">
+                                          <p:stCondLst>
+                                            <p:cond delay="0"/>
+                                          </p:stCondLst>
+                                        </p:cTn>
+                                        <p:tgtEl>
+                                          <p:spTgt spid="3">
+                                            <p:txEl>
+                                              <p:pRg st="1" end="1"/>
+                                            </p:txEl>
+                                          </p:spTgt>
+                                        </p:tgtEl>
+                                        <p:attrNameLst>
+                                          <p:attrName>style.visibility</p:attrName>
+                                        </p:attrNameLst>
+                                      </p:cBhvr>
+                                      <p:to>
+                                        <p:strVal val="visible"/>
+                                      </p:to>
+                                    </p:set>
+                                    <p:animEffect transition="in" filter="fade">
+                                      <p:cBhvr>
+                                        <p:cTn id="12" dur="500"/>
+                                        <p:tgtEl>
+                                          <p:spTgt spid="3">
+                                            <p:txEl>
+                                              <p:pRg st="1" end="1"/>
+                                            </p:txEl>
+                                          </p:spTgt>
+                                        </p:tgtEl>
+                                      </p:cBhvr>
+                                    </p:animEffect>
+                                  </p:childTnLst>
+                                </p:cTn>
+                              </p:par>
+                              <p:par>
+                                <p:cTn id="13" presetID="10" presetClass="entr" presetSubtype="0" fill="hold" grpId="0" nodeType="withEffect">
+                                  <p:stCondLst>
+                                    <p:cond delay="0"/>
+                                  </p:stCondLst>
+                                  <p:childTnLst>
+                                    <p:set>
+                                      <p:cBhvr>
+                                        <p:cTn id="14" dur="1" fill="hold">
+                                          <p:stCondLst>
+                                            <p:cond delay="0"/>
+                                          </p:stCondLst>
+                                        </p:cTn>
+                                        <p:tgtEl>
+                                          <p:spTgt spid="3">
+                                            <p:txEl>
+                                              <p:pRg st="2" end="2"/>
+                                            </p:txEl>
+                                          </p:spTgt>
+                                        </p:tgtEl>
+                                        <p:attrNameLst>
+                                          <p:attrName>style.visibility</p:attrName>
+                                        </p:attrNameLst>
+                                      </p:cBhvr>
+                                      <p:to>
+                                        <p:strVal val="visible"/>
+                                      </p:to>
+                                    </p:set>
+                                    <p:animEffect transition="in" filter="fade">
+                                      <p:cBhvr>
+                                        <p:cTn id="15" dur="500"/>
+                                        <p:tgtEl>
+                                          <p:spTgt spid="3">
+                                            <p:txEl>
+                                              <p:pRg st="2" end="2"/>
+                                            </p:txEl>
+                                          </p:spTgt>
+                                        </p:tgtEl>
+                                      </p:cBhvr>
+                                    </p:animEffect>
+                                  </p:childTnLst>
+                                </p:cTn>
+                              </p:par>
+                              <p:par>
+                                <p:cTn id="16" presetID="10" presetClass="entr" presetSubtype="0" fill="hold" grpId="0" nodeType="withEffect">
+                                  <p:stCondLst>
+                                    <p:cond delay="0"/>
+                                  </p:stCondLst>
+                                  <p:childTnLst>
+                                    <p:set>
+                                      <p:cBhvr>
+                                        <p:cTn id="17" dur="1" fill="hold">
+                                          <p:stCondLst>
+                                            <p:cond delay="0"/>
+                                          </p:stCondLst>
+                                        </p:cTn>
+                                        <p:tgtEl>
+                                          <p:spTgt spid="3">
+                                            <p:txEl>
+                                              <p:pRg st="3" end="3"/>
+                                            </p:txEl>
+                                          </p:spTgt>
+                                        </p:tgtEl>
+                                        <p:attrNameLst>
+                                          <p:attrName>style.visibility</p:attrName>
+                                        </p:attrNameLst>
+                                      </p:cBhvr>
+                                      <p:to>
+                                        <p:strVal val="visible"/>
+                                      </p:to>
+                                    </p:set>
+                                    <p:animEffect transition="in" filter="fade">
+                                      <p:cBhvr>
+                                        <p:cTn id="18" dur="500"/>
+                                        <p:tgtEl>
+                                          <p:spTgt spid="3">
+                                            <p:txEl>
+                                              <p:pRg st="3" end="3"/>
+                                            </p:txEl>
+                                          </p:spTgt>
+                                        </p:tgtEl>
+                                      </p:cBhvr>
+                                    </p:animEffect>
+                                  </p:childTnLst>
+                                </p:cTn>
+                              </p:par>
+                              <p:par>
+                                <p:cTn id="19" presetID="10" presetClass="entr" presetSubtype="0" fill="hold" grpId="0" nodeType="withEffect">
+                                  <p:stCondLst>
+                                    <p:cond delay="0"/>
+                                  </p:stCondLst>
+                                  <p:childTnLst>
+                                    <p:set>
+                                      <p:cBhvr>
+                                        <p:cTn id="20" dur="1" fill="hold">
+                                          <p:stCondLst>
+                                            <p:cond delay="0"/>
+                                          </p:stCondLst>
+                                        </p:cTn>
+                                        <p:tgtEl>
+                                          <p:spTgt spid="3">
+                                            <p:txEl>
+                                              <p:pRg st="4" end="4"/>
+                                            </p:txEl>
+                                          </p:spTgt>
+                                        </p:tgtEl>
+                                        <p:attrNameLst>
+                                          <p:attrName>style.visibility</p:attrName>
+                                        </p:attrNameLst>
+                                      </p:cBhvr>
+                                      <p:to>
+                                        <p:strVal val="visible"/>
+                                      </p:to>
+                                    </p:set>
+                                    <p:animEffect transition="in" filter="fade">
+                                      <p:cBhvr>
+                                        <p:cTn id="21" dur="500"/>
+                                        <p:tgtEl>
+                                          <p:spTgt spid="3">
+                                            <p:txEl>
+                                              <p:pRg st="4" end="4"/>
+                                            </p:txEl>
+                                          </p:spTgt>
+                                        </p:tgtEl>
+                                      </p:cBhvr>
+                                    </p:animEffect>
+                                  </p:childTnLst>
+                                </p:cTn>
+                              </p:par>
+                            </p:childTnLst>
+                          </p:cTn>
+                        </p:par>
+                      </p:childTnLst>
+                    </p:cTn>
+                  </p:par>
+                  <p:par>
+                    <p:cTn id="22" fill="hold">
+                      <p:stCondLst>
+                        <p:cond delay="indefinite"/>
+                      </p:stCondLst>
+                      <p:childTnLst>
+                        <p:par>
+                          <p:cTn id="23" fill="hold">
+                            <p:stCondLst>
+                              <p:cond delay="0"/>
+                            </p:stCondLst>
+                            <p:childTnLst>
+                              <p:par>
+                                <p:cTn id="24" presetID="10" presetClass="entr" presetSubtype="0" fill="hold" grpId="0" nodeType="clickEffect">
+                                  <p:stCondLst>
+                                    <p:cond delay="0"/>
+                                  </p:stCondLst>
+                                  <p:childTnLst>
+                                    <p:set>
+                                      <p:cBhvr>
+                                        <p:cTn id="25" dur="1" fill="hold">
+                                          <p:stCondLst>
+                                            <p:cond delay="0"/>
+                                          </p:stCondLst>
+                                        </p:cTn>
+                                        <p:tgtEl>
+                                          <p:spTgt spid="3">
+                                            <p:txEl>
+                                              <p:pRg st="5" end="5"/>
+                                            </p:txEl>
+                                          </p:spTgt>
+                                        </p:tgtEl>
+                                        <p:attrNameLst>
+                                          <p:attrName>style.visibility</p:attrName>
+                                        </p:attrNameLst>
+                                      </p:cBhvr>
+                                      <p:to>
+                                        <p:strVal val="visible"/>
+                                      </p:to>
+                                    </p:set>
+                                    <p:animEffect transition="in" filter="fade">
+                                      <p:cBhvr>
+                                        <p:cTn id="26" dur="500"/>
+                                        <p:tgtEl>
+                                          <p:spTgt spid="3">
+                                            <p:txEl>
+                                              <p:pRg st="5" end="5"/>
+                                            </p:txEl>
+                                          </p:spTgt>
+                                        </p:tgtEl>
+                                      </p:cBhvr>
+                                    </p:animEffect>
+                                  </p:childTnLst>
+                                </p:cTn>
+                              </p:par>
+                              <p:par>
+                                <p:cTn id="27" presetID="10" presetClass="entr" presetSubtype="0" fill="hold" grpId="0" nodeType="withEffect">
+                                  <p:stCondLst>
+                                    <p:cond delay="0"/>
+                                  </p:stCondLst>
+                                  <p:childTnLst>
+                                    <p:set>
+                                      <p:cBhvr>
+                                        <p:cTn id="28" dur="1" fill="hold">
+                                          <p:stCondLst>
+                                            <p:cond delay="0"/>
+                                          </p:stCondLst>
+                                        </p:cTn>
+                                        <p:tgtEl>
+                                          <p:spTgt spid="3">
+                                            <p:txEl>
+                                              <p:pRg st="6" end="6"/>
+                                            </p:txEl>
+                                          </p:spTgt>
+                                        </p:tgtEl>
+                                        <p:attrNameLst>
+                                          <p:attrName>style.visibility</p:attrName>
+                                        </p:attrNameLst>
+                                      </p:cBhvr>
+                                      <p:to>
+                                        <p:strVal val="visible"/>
+                                      </p:to>
+                                    </p:set>
+                                    <p:animEffect transition="in" filter="fade">
+                                      <p:cBhvr>
+                                        <p:cTn id="29" dur="500"/>
+                                        <p:tgtEl>
+                                          <p:spTgt spid="3">
+                                            <p:txEl>
+                                              <p:pRg st="6" end="6"/>
+                                            </p:txEl>
+                                          </p:spTgt>
+                                        </p:tgtEl>
+                                      </p:cBhvr>
+                                    </p:animEffect>
+                                  </p:childTnLst>
+                                </p:cTn>
+                              </p:par>
+                              <p:par>
+                                <p:cTn id="30" presetID="10" presetClass="entr" presetSubtype="0" fill="hold" grpId="0" nodeType="withEffect">
+                                  <p:stCondLst>
+                                    <p:cond delay="0"/>
+                                  </p:stCondLst>
+                                  <p:childTnLst>
+                                    <p:set>
+                                      <p:cBhvr>
+                                        <p:cTn id="31" dur="1" fill="hold">
+                                          <p:stCondLst>
+                                            <p:cond delay="0"/>
+                                          </p:stCondLst>
+                                        </p:cTn>
+                                        <p:tgtEl>
+                                          <p:spTgt spid="3">
+                                            <p:txEl>
+                                              <p:pRg st="7" end="7"/>
+                                            </p:txEl>
+                                          </p:spTgt>
+                                        </p:tgtEl>
+                                        <p:attrNameLst>
+                                          <p:attrName>style.visibility</p:attrName>
+                                        </p:attrNameLst>
+                                      </p:cBhvr>
+                                      <p:to>
+                                        <p:strVal val="visible"/>
+                                      </p:to>
+                                    </p:set>
+                                    <p:animEffect transition="in" filter="fade">
+                                      <p:cBhvr>
+                                        <p:cTn id="32" dur="500"/>
+                                        <p:tgtEl>
+                                          <p:spTgt spid="3">
+                                            <p:txEl>
+                                              <p:pRg st="7" end="7"/>
+                                            </p:txEl>
+                                          </p:spTgt>
+                                        </p:tgtEl>
+                                      </p:cBhvr>
+                                    </p:animEffect>
+                                  </p:childTnLst>
+                                </p:cTn>
+                              </p:par>
+                              <p:par>
+                                <p:cTn id="33" presetID="10" presetClass="entr" presetSubtype="0" fill="hold" grpId="0" nodeType="withEffect">
+                                  <p:stCondLst>
+                                    <p:cond delay="0"/>
+                                  </p:stCondLst>
+                                  <p:childTnLst>
+                                    <p:set>
+                                      <p:cBhvr>
+                                        <p:cTn id="34" dur="1" fill="hold">
+                                          <p:stCondLst>
+                                            <p:cond delay="0"/>
+                                          </p:stCondLst>
+                                        </p:cTn>
+                                        <p:tgtEl>
+                                          <p:spTgt spid="3">
+                                            <p:txEl>
+                                              <p:pRg st="8" end="8"/>
+                                            </p:txEl>
+                                          </p:spTgt>
+                                        </p:tgtEl>
+                                        <p:attrNameLst>
+                                          <p:attrName>style.visibility</p:attrName>
+                                        </p:attrNameLst>
+                                      </p:cBhvr>
+                                      <p:to>
+                                        <p:strVal val="visible"/>
+                                      </p:to>
+                                    </p:set>
+                                    <p:animEffect transition="in" filter="fade">
+                                      <p:cBhvr>
+                                        <p:cTn id="35" dur="500"/>
+                                        <p:tgtEl>
+                                          <p:spTgt spid="3">
+                                            <p:txEl>
+                                              <p:pRg st="8" end="8"/>
+                                            </p:txEl>
+                                          </p:spTgt>
+                                        </p:tgtEl>
+                                      </p:cBhvr>
+                                    </p:animEffect>
+                                  </p:childTnLst>
+                                </p:cTn>
+                              </p:par>
+                              <p:par>
+                                <p:cTn id="36" presetID="10" presetClass="entr" presetSubtype="0" fill="hold" grpId="0" nodeType="withEffect">
+                                  <p:stCondLst>
+                                    <p:cond delay="0"/>
+                                  </p:stCondLst>
+                                  <p:childTnLst>
+                                    <p:set>
+                                      <p:cBhvr>
+                                        <p:cTn id="37" dur="1" fill="hold">
+                                          <p:stCondLst>
+                                            <p:cond delay="0"/>
+                                          </p:stCondLst>
+                                        </p:cTn>
+                                        <p:tgtEl>
+                                          <p:spTgt spid="3">
+                                            <p:txEl>
+                                              <p:pRg st="9" end="9"/>
+                                            </p:txEl>
+                                          </p:spTgt>
+                                        </p:tgtEl>
+                                        <p:attrNameLst>
+                                          <p:attrName>style.visibility</p:attrName>
+                                        </p:attrNameLst>
+                                      </p:cBhvr>
+                                      <p:to>
+                                        <p:strVal val="visible"/>
+                                      </p:to>
+                                    </p:set>
+                                    <p:animEffect transition="in" filter="fade">
+                                      <p:cBhvr>
+                                        <p:cTn id="38" dur="500"/>
+                                        <p:tgtEl>
+                                          <p:spTgt spid="3">
+                                            <p:txEl>
+                                              <p:pRg st="9" end="9"/>
+                                            </p:txEl>
+                                          </p:spTgt>
+                                        </p:tgtEl>
+                                      </p:cBhvr>
+                                    </p:animEffect>
+                                  </p:childTnLst>
+                                </p:cTn>
+                              </p:par>
+                            </p:childTnLst>
+                          </p:cTn>
+                        </p:par>
+                      </p:childTnLst>
+                    </p:cTn>
+                  </p:par>
+                  <p:par>
+                    <p:cTn id="39" fill="hold">
+                      <p:stCondLst>
+                        <p:cond delay="indefinite"/>
+                      </p:stCondLst>
+                      <p:childTnLst>
+                        <p:par>
+                          <p:cTn id="40" fill="hold">
+                            <p:stCondLst>
+                              <p:cond delay="0"/>
+                            </p:stCondLst>
+                            <p:childTnLst>
+                              <p:par>
+                                <p:cTn id="41" presetID="10" presetClass="entr" presetSubtype="0" fill="hold" grpId="0" nodeType="clickEffect">
+                                  <p:stCondLst>
+                                    <p:cond delay="0"/>
+                                  </p:stCondLst>
+                                  <p:childTnLst>
+                                    <p:set>
+                                      <p:cBhvr>
+                                        <p:cTn id="42" dur="1" fill="hold">
+                                          <p:stCondLst>
+                                            <p:cond delay="0"/>
+                                          </p:stCondLst>
+                                        </p:cTn>
+                                        <p:tgtEl>
+                                          <p:spTgt spid="3">
+                                            <p:txEl>
+                                              <p:pRg st="10" end="10"/>
+                                            </p:txEl>
+                                          </p:spTgt>
+                                        </p:tgtEl>
+                                        <p:attrNameLst>
+                                          <p:attrName>style.visibility</p:attrName>
+                                        </p:attrNameLst>
+                                      </p:cBhvr>
+                                      <p:to>
+                                        <p:strVal val="visible"/>
+                                      </p:to>
+                                    </p:set>
+                                    <p:animEffect transition="in" filter="fade">
+                                      <p:cBhvr>
+                                        <p:cTn id="43" dur="500"/>
+                                        <p:tgtEl>
+                                          <p:spTgt spid="3">
+                                            <p:txEl>
+                                              <p:pRg st="10" end="10"/>
+                                            </p:txEl>
+                                          </p:spTgt>
+                                        </p:tgtEl>
+                                      </p:cBhvr>
+                                    </p:animEffect>
+                                  </p:childTnLst>
+                                </p:cTn>
+                              </p:par>
+                              <p:par>
+                                <p:cTn id="44" presetID="10" presetClass="entr" presetSubtype="0" fill="hold" grpId="0" nodeType="withEffect">
+                                  <p:stCondLst>
+                                    <p:cond delay="0"/>
+                                  </p:stCondLst>
+                                  <p:childTnLst>
+                                    <p:set>
+                                      <p:cBhvr>
+                                        <p:cTn id="45" dur="1" fill="hold">
+                                          <p:stCondLst>
+                                            <p:cond delay="0"/>
+                                          </p:stCondLst>
+                                        </p:cTn>
+                                        <p:tgtEl>
+                                          <p:spTgt spid="3">
+                                            <p:txEl>
+                                              <p:pRg st="11" end="11"/>
+                                            </p:txEl>
+                                          </p:spTgt>
+                                        </p:tgtEl>
+                                        <p:attrNameLst>
+                                          <p:attrName>style.visibility</p:attrName>
+                                        </p:attrNameLst>
+                                      </p:cBhvr>
+                                      <p:to>
+                                        <p:strVal val="visible"/>
+                                      </p:to>
+                                    </p:set>
+                                    <p:animEffect transition="in" filter="fade">
+                                      <p:cBhvr>
+                                        <p:cTn id="46" dur="500"/>
+                                        <p:tgtEl>
+                                          <p:spTgt spid="3">
+                                            <p:txEl>
+                                              <p:pRg st="11" end="11"/>
+                                            </p:txEl>
+                                          </p:spTgt>
+                                        </p:tgtEl>
+                                      </p:cBhvr>
+                                    </p:animEffect>
+                                  </p:childTnLst>
+                                </p:cTn>
+                              </p:par>
+                            </p:childTnLst>
+                          </p:cTn>
+                        </p:par>
+                      </p:childTnLst>
+                    </p:cTn>
+                  </p:par>
+                </p:childTnLst>
+              </p:cTn>
+              <p:prevCondLst>
+                <p:cond evt="onPrev" delay="0">
+                  <p:tgtEl>
+                    <p:sldTgt/>
+                  </p:tgtEl>
+                </p:cond>
+              </p:prevCondLst>
+              <p:nextCondLst>
+                <p:cond evt="onNext" delay="0">
+                  <p:tgtEl>
+                    <p:sldTgt/>
+                  </p:tgtEl>
+                </p:cond>
+              </p:nextCondLst>
+            </p:seq>
+          </p:childTnLst>
+        </p:cTn>
+      </p:par>
+    </p:tnLst>
+    <p:bldLst>
+      <p:bldP spid="3" grpId="0" uiExpand="1" build="p"/>
+    </p:bldLst>
+  </p:timing>
+</p:sld>
+</file>
+
+<file path=ppt/slides/slide6.xml><?xml version="1.0" encoding="utf-8"?>
+<p:sld xmlns:a="http://schemas.openxmlformats.org/drawingml/2006/main" xmlns:r="http://schemas.openxmlformats.org/officeDocument/2006/relationships" xmlns:p="http://schemas.openxmlformats.org/presentationml/2006/main">
+  <p:cSld>
+    <p:spTree>
+      <p:nvGrpSpPr>
+        <p:cNvPr id="1" name=""/>
+        <p:cNvGrpSpPr/>
+        <p:nvPr/>
+      </p:nvGrpSpPr>
+      <p:grpSpPr>
+        <a:xfrm>
+          <a:off x="0" y="0"/>
+          <a:ext cx="0" cy="0"/>
+          <a:chOff x="0" y="0"/>
+          <a:chExt cx="0" cy="0"/>
+        </a:xfrm>
+      </p:grpSpPr>
+      <p:sp>
+        <p:nvSpPr>
+          <p:cNvPr id="2" name="Title 1">
+            <a:extLst>
+              <a:ext uri="{FF2B5EF4-FFF2-40B4-BE49-F238E27FC236}">
+                <a16:creationId xmlns:a16="http://schemas.microsoft.com/office/drawing/2014/main" id="{538EC0B0-E654-41F4-5B04-7BDC53469858}"/>
+              </a:ext>
+            </a:extLst>
+          </p:cNvPr>
+          <p:cNvSpPr>
+            <a:spLocks noGrp="1"/>
+          </p:cNvSpPr>
+          <p:nvPr>
+            <p:ph type="title"/>
+          </p:nvPr>
+        </p:nvSpPr>
+        <p:spPr/>
+        <p:txBody>
+          <a:bodyPr/>
+          <a:lstStyle/>
+          <a:p>
+            <a:r>
+              <a:rPr lang="en-US" dirty="0"/>
+              <a:t>Unit 1 – Layout Basics</a:t>
+            </a:r>
+          </a:p>
+        </p:txBody>
+      </p:sp>
+      <p:sp>
+        <p:nvSpPr>
+          <p:cNvPr id="3" name="Content Placeholder 2">
+            <a:extLst>
+              <a:ext uri="{FF2B5EF4-FFF2-40B4-BE49-F238E27FC236}">
+                <a16:creationId xmlns:a16="http://schemas.microsoft.com/office/drawing/2014/main" id="{7F1A3535-AF62-EF36-CF4A-F926E434F284}"/>
+              </a:ext>
+            </a:extLst>
+          </p:cNvPr>
+          <p:cNvSpPr>
+            <a:spLocks noGrp="1"/>
+          </p:cNvSpPr>
+          <p:nvPr>
+            <p:ph idx="1"/>
+          </p:nvPr>
+        </p:nvSpPr>
+        <p:spPr>
+          <a:xfrm>
+            <a:off x="2589212" y="2133599"/>
+            <a:ext cx="8915400" cy="4232413"/>
+          </a:xfrm>
+        </p:spPr>
+        <p:txBody>
+          <a:bodyPr>
+            <a:normAutofit lnSpcReduction="10000"/>
+          </a:bodyPr>
+          <a:lstStyle/>
+          <a:p>
+            <a:r>
+              <a:rPr lang="en-US" dirty="0"/>
+              <a:t>Declarative UI (XAML)</a:t>
+            </a:r>
+          </a:p>
+          <a:p>
+            <a:pPr lvl="1"/>
+            <a:r>
+              <a:rPr lang="en-US" dirty="0"/>
+              <a:t>Markup and code-behind; layout separate from behavior</a:t>
+            </a:r>
+          </a:p>
+          <a:p>
+            <a:pPr lvl="1"/>
+            <a:r>
+              <a:rPr lang="en-US" dirty="0"/>
+              <a:t>Hierarchical - elements have parents, children, with Window at the top</a:t>
+            </a:r>
+          </a:p>
+          <a:p>
+            <a:pPr lvl="1"/>
+            <a:r>
+              <a:rPr lang="en-US" dirty="0"/>
+              <a:t>Elements represent instances of .NET types</a:t>
+            </a:r>
+          </a:p>
+          <a:p>
+            <a:pPr lvl="1"/>
+            <a:r>
+              <a:rPr lang="en-US" dirty="0"/>
+              <a:t>Properties configure elements, set as attributes</a:t>
+            </a:r>
+          </a:p>
+          <a:p>
+            <a:pPr lvl="2"/>
+            <a:r>
+              <a:rPr lang="en-US" dirty="0"/>
+              <a:t>Map to properties of .NET type</a:t>
+            </a:r>
+          </a:p>
+          <a:p>
+            <a:pPr lvl="2"/>
+            <a:r>
+              <a:rPr lang="en-US" dirty="0"/>
+              <a:t>Properties have default values, sometimes different for each control</a:t>
+            </a:r>
+          </a:p>
+          <a:p>
+            <a:pPr lvl="2"/>
+            <a:r>
+              <a:rPr lang="en-US" dirty="0"/>
+              <a:t>You only need to set properties that need non-default values</a:t>
+            </a:r>
+          </a:p>
+          <a:p>
+            <a:pPr lvl="1"/>
+            <a:r>
+              <a:rPr lang="en-US" dirty="0"/>
+              <a:t>Elements can have end tags or self-closing tags</a:t>
+            </a:r>
+          </a:p>
+          <a:p>
+            <a:pPr lvl="1"/>
+            <a:r>
+              <a:rPr lang="en-US" dirty="0"/>
+              <a:t>Property can also be expressed with child element syntax</a:t>
+            </a:r>
+          </a:p>
+          <a:p>
+            <a:pPr lvl="1"/>
+            <a:r>
+              <a:rPr lang="en-US" dirty="0"/>
+              <a:t>Inheritance - Property values flow to children, unless overridden</a:t>
+            </a:r>
+          </a:p>
+          <a:p>
+            <a:r>
+              <a:rPr lang="en-US" dirty="0">
+                <a:solidFill>
+                  <a:srgbClr val="00B050"/>
+                </a:solidFill>
+              </a:rPr>
+              <a:t>Example</a:t>
+            </a:r>
+          </a:p>
+        </p:txBody>
+      </p:sp>
+    </p:spTree>
+    <p:extLst>
+      <p:ext uri="{BB962C8B-B14F-4D97-AF65-F5344CB8AC3E}">
+        <p14:creationId xmlns:p14="http://schemas.microsoft.com/office/powerpoint/2010/main" val="2333784919"/>
+      </p:ext>
+    </p:extLst>
+  </p:cSld>
+  <p:clrMapOvr>
+    <a:masterClrMapping/>
+  </p:clrMapOvr>
+  <p:timing>
+    <p:tnLst>
+      <p:par>
+        <p:cTn id="1" dur="indefinite" restart="never" nodeType="tmRoot">
+          <p:childTnLst>
+            <p:seq concurrent="1" nextAc="seek">
+              <p:cTn id="2" dur="indefinite" nodeType="mainSeq">
+                <p:childTnLst>
+                  <p:par>
+                    <p:cTn id="3" fill="hold">
+                      <p:stCondLst>
+                        <p:cond delay="indefinite"/>
+                        <p:cond evt="onBegin" delay="0">
+                          <p:tn val="2"/>
+                        </p:cond>
+                      </p:stCondLst>
+                      <p:childTnLst>
+                        <p:par>
+                          <p:cTn id="4" fill="hold">
+                            <p:stCondLst>
+                              <p:cond delay="0"/>
+                            </p:stCondLst>
+                            <p:childTnLst>
+                              <p:par>
+                                <p:cTn id="5" presetID="10" presetClass="entr" presetSubtype="0" fill="hold" grpId="0" nodeType="withEffect">
+                                  <p:stCondLst>
+                                    <p:cond delay="0"/>
+                                  </p:stCondLst>
+                                  <p:childTnLst>
+                                    <p:set>
+                                      <p:cBhvr>
+                                        <p:cTn id="6" dur="1" fill="hold">
+                                          <p:stCondLst>
+                                            <p:cond delay="0"/>
+                                          </p:stCondLst>
+                                        </p:cTn>
+                                        <p:tgtEl>
+                                          <p:spTgt spid="3">
+                                            <p:txEl>
+                                              <p:pRg st="0" end="0"/>
+                                            </p:txEl>
+                                          </p:spTgt>
+                                        </p:tgtEl>
+                                        <p:attrNameLst>
+                                          <p:attrName>style.visibility</p:attrName>
+                                        </p:attrNameLst>
+                                      </p:cBhvr>
+                                      <p:to>
+                                        <p:strVal val="visible"/>
+                                      </p:to>
+                                    </p:set>
+                                    <p:animEffect transition="in" filter="fade">
+                                      <p:cBhvr>
+                                        <p:cTn id="7" dur="500"/>
+                                        <p:tgtEl>
+                                          <p:spTgt spid="3">
+                                            <p:txEl>
+                                              <p:pRg st="0" end="0"/>
+                                            </p:txEl>
+                                          </p:spTgt>
+                                        </p:tgtEl>
+                                      </p:cBhvr>
+                                    </p:animEffect>
+                                  </p:childTnLst>
+                                </p:cTn>
+                              </p:par>
+                            </p:childTnLst>
+                          </p:cTn>
+                        </p:par>
+                      </p:childTnLst>
+                    </p:cTn>
+                  </p:par>
+                  <p:par>
+                    <p:cTn id="8" fill="hold">
+                      <p:stCondLst>
+                        <p:cond delay="indefinite"/>
+                      </p:stCondLst>
+                      <p:childTnLst>
+                        <p:par>
+                          <p:cTn id="9" fill="hold">
+                            <p:stCondLst>
+                              <p:cond delay="0"/>
+                            </p:stCondLst>
+                            <p:childTnLst>
+                              <p:par>
+                                <p:cTn id="10" presetID="10" presetClass="entr" presetSubtype="0" fill="hold" grpId="0" nodeType="clickEffect">
+                                  <p:stCondLst>
+                                    <p:cond delay="0"/>
+                                  </p:stCondLst>
+                                  <p:childTnLst>
+                                    <p:set>
+                                      <p:cBhvr>
+                                        <p:cTn id="11" dur="1" fill="hold">
+                                          <p:stCondLst>
+                                            <p:cond delay="0"/>
+                                          </p:stCondLst>
+                                        </p:cTn>
+                                        <p:tgtEl>
+                                          <p:spTgt spid="3">
+                                            <p:txEl>
+                                              <p:pRg st="1" end="1"/>
+                                            </p:txEl>
+                                          </p:spTgt>
+                                        </p:tgtEl>
+                                        <p:attrNameLst>
+                                          <p:attrName>style.visibility</p:attrName>
+                                        </p:attrNameLst>
+                                      </p:cBhvr>
+                                      <p:to>
+                                        <p:strVal val="visible"/>
+                                      </p:to>
+                                    </p:set>
+                                    <p:animEffect transition="in" filter="fade">
+                                      <p:cBhvr>
+                                        <p:cTn id="12" dur="500"/>
+                                        <p:tgtEl>
+                                          <p:spTgt spid="3">
+                                            <p:txEl>
+                                              <p:pRg st="1" end="1"/>
+                                            </p:txEl>
+                                          </p:spTgt>
+                                        </p:tgtEl>
+                                      </p:cBhvr>
+                                    </p:animEffect>
+                                  </p:childTnLst>
+                                </p:cTn>
+                              </p:par>
+                            </p:childTnLst>
+                          </p:cTn>
+                        </p:par>
+                      </p:childTnLst>
+                    </p:cTn>
+                  </p:par>
+                  <p:par>
+                    <p:cTn id="13" fill="hold">
+                      <p:stCondLst>
+                        <p:cond delay="indefinite"/>
+                      </p:stCondLst>
+                      <p:childTnLst>
+                        <p:par>
+                          <p:cTn id="14" fill="hold">
+                            <p:stCondLst>
+                              <p:cond delay="0"/>
+                            </p:stCondLst>
+                            <p:childTnLst>
+                              <p:par>
+                                <p:cTn id="15" presetID="10" presetClass="entr" presetSubtype="0" fill="hold" grpId="0" nodeType="clickEffect">
+                                  <p:stCondLst>
+                                    <p:cond delay="0"/>
+                                  </p:stCondLst>
+                                  <p:childTnLst>
+                                    <p:set>
+                                      <p:cBhvr>
+                                        <p:cTn id="16" dur="1" fill="hold">
+                                          <p:stCondLst>
+                                            <p:cond delay="0"/>
+                                          </p:stCondLst>
+                                        </p:cTn>
+                                        <p:tgtEl>
+                                          <p:spTgt spid="3">
+                                            <p:txEl>
+                                              <p:pRg st="2" end="2"/>
+                                            </p:txEl>
+                                          </p:spTgt>
+                                        </p:tgtEl>
+                                        <p:attrNameLst>
+                                          <p:attrName>style.visibility</p:attrName>
+                                        </p:attrNameLst>
+                                      </p:cBhvr>
+                                      <p:to>
+                                        <p:strVal val="visible"/>
+                                      </p:to>
+                                    </p:set>
+                                    <p:animEffect transition="in" filter="fade">
+                                      <p:cBhvr>
+                                        <p:cTn id="17" dur="500"/>
+                                        <p:tgtEl>
+                                          <p:spTgt spid="3">
+                                            <p:txEl>
+                                              <p:pRg st="2" end="2"/>
+                                            </p:txEl>
+                                          </p:spTgt>
+                                        </p:tgtEl>
+                                      </p:cBhvr>
+                                    </p:animEffect>
+                                  </p:childTnLst>
+                                </p:cTn>
+                              </p:par>
+                            </p:childTnLst>
+                          </p:cTn>
+                        </p:par>
+                      </p:childTnLst>
+                    </p:cTn>
+                  </p:par>
+                  <p:par>
+                    <p:cTn id="18" fill="hold">
+                      <p:stCondLst>
+                        <p:cond delay="indefinite"/>
+                      </p:stCondLst>
+                      <p:childTnLst>
+                        <p:par>
+                          <p:cTn id="19" fill="hold">
+                            <p:stCondLst>
+                              <p:cond delay="0"/>
+                            </p:stCondLst>
+                            <p:childTnLst>
+                              <p:par>
+                                <p:cTn id="20" presetID="10" presetClass="entr" presetSubtype="0" fill="hold" grpId="0" nodeType="clickEffect">
+                                  <p:stCondLst>
+                                    <p:cond delay="0"/>
+                                  </p:stCondLst>
+                                  <p:childTnLst>
+                                    <p:set>
+                                      <p:cBhvr>
+                                        <p:cTn id="21" dur="1" fill="hold">
+                                          <p:stCondLst>
+                                            <p:cond delay="0"/>
+                                          </p:stCondLst>
+                                        </p:cTn>
+                                        <p:tgtEl>
+                                          <p:spTgt spid="3">
+                                            <p:txEl>
+                                              <p:pRg st="3" end="3"/>
+                                            </p:txEl>
+                                          </p:spTgt>
+                                        </p:tgtEl>
+                                        <p:attrNameLst>
+                                          <p:attrName>style.visibility</p:attrName>
+                                        </p:attrNameLst>
+                                      </p:cBhvr>
+                                      <p:to>
+                                        <p:strVal val="visible"/>
+                                      </p:to>
+                                    </p:set>
+                                    <p:animEffect transition="in" filter="fade">
+                                      <p:cBhvr>
+                                        <p:cTn id="22" dur="500"/>
+                                        <p:tgtEl>
+                                          <p:spTgt spid="3">
+                                            <p:txEl>
+                                              <p:pRg st="3" end="3"/>
+                                            </p:txEl>
+                                          </p:spTgt>
+                                        </p:tgtEl>
+                                      </p:cBhvr>
+                                    </p:animEffect>
+                                  </p:childTnLst>
+                                </p:cTn>
+                              </p:par>
+                            </p:childTnLst>
+                          </p:cTn>
+                        </p:par>
+                      </p:childTnLst>
+                    </p:cTn>
+                  </p:par>
+                  <p:par>
+                    <p:cTn id="23" fill="hold">
+                      <p:stCondLst>
+                        <p:cond delay="indefinite"/>
+                      </p:stCondLst>
+                      <p:childTnLst>
+                        <p:par>
+                          <p:cTn id="24" fill="hold">
+                            <p:stCondLst>
+                              <p:cond delay="0"/>
+                            </p:stCondLst>
+                            <p:childTnLst>
+                              <p:par>
+                                <p:cTn id="25" presetID="10" presetClass="entr" presetSubtype="0" fill="hold" grpId="0" nodeType="clickEffect">
+                                  <p:stCondLst>
+                                    <p:cond delay="0"/>
+                                  </p:stCondLst>
+                                  <p:childTnLst>
+                                    <p:set>
+                                      <p:cBhvr>
+                                        <p:cTn id="26" dur="1" fill="hold">
+                                          <p:stCondLst>
+                                            <p:cond delay="0"/>
+                                          </p:stCondLst>
+                                        </p:cTn>
+                                        <p:tgtEl>
+                                          <p:spTgt spid="3">
+                                            <p:txEl>
+                                              <p:pRg st="4" end="4"/>
+                                            </p:txEl>
+                                          </p:spTgt>
+                                        </p:tgtEl>
+                                        <p:attrNameLst>
+                                          <p:attrName>style.visibility</p:attrName>
+                                        </p:attrNameLst>
+                                      </p:cBhvr>
+                                      <p:to>
+                                        <p:strVal val="visible"/>
+                                      </p:to>
+                                    </p:set>
+                                    <p:animEffect transition="in" filter="fade">
+                                      <p:cBhvr>
+                                        <p:cTn id="27" dur="500"/>
+                                        <p:tgtEl>
+                                          <p:spTgt spid="3">
+                                            <p:txEl>
+                                              <p:pRg st="4" end="4"/>
+                                            </p:txEl>
+                                          </p:spTgt>
+                                        </p:tgtEl>
+                                      </p:cBhvr>
+                                    </p:animEffect>
+                                  </p:childTnLst>
+                                </p:cTn>
+                              </p:par>
+                              <p:par>
+                                <p:cTn id="28" presetID="10" presetClass="entr" presetSubtype="0" fill="hold" grpId="0" nodeType="withEffect">
+                                  <p:stCondLst>
+                                    <p:cond delay="0"/>
+                                  </p:stCondLst>
+                                  <p:childTnLst>
+                                    <p:set>
+                                      <p:cBhvr>
+                                        <p:cTn id="29" dur="1" fill="hold">
+                                          <p:stCondLst>
+                                            <p:cond delay="0"/>
+                                          </p:stCondLst>
+                                        </p:cTn>
+                                        <p:tgtEl>
+                                          <p:spTgt spid="3">
+                                            <p:txEl>
+                                              <p:pRg st="5" end="5"/>
+                                            </p:txEl>
+                                          </p:spTgt>
+                                        </p:tgtEl>
+                                        <p:attrNameLst>
+                                          <p:attrName>style.visibility</p:attrName>
+                                        </p:attrNameLst>
+                                      </p:cBhvr>
+                                      <p:to>
+                                        <p:strVal val="visible"/>
+                                      </p:to>
+                                    </p:set>
+                                    <p:animEffect transition="in" filter="fade">
+                                      <p:cBhvr>
+                                        <p:cTn id="30" dur="500"/>
+                                        <p:tgtEl>
+                                          <p:spTgt spid="3">
+                                            <p:txEl>
+                                              <p:pRg st="5" end="5"/>
+                                            </p:txEl>
+                                          </p:spTgt>
+                                        </p:tgtEl>
+                                      </p:cBhvr>
+                                    </p:animEffect>
+                                  </p:childTnLst>
+                                </p:cTn>
+                              </p:par>
+                              <p:par>
+                                <p:cTn id="31" presetID="10" presetClass="entr" presetSubtype="0" fill="hold" grpId="0" nodeType="withEffect">
+                                  <p:stCondLst>
+                                    <p:cond delay="0"/>
+                                  </p:stCondLst>
+                                  <p:childTnLst>
+                                    <p:set>
+                                      <p:cBhvr>
+                                        <p:cTn id="32" dur="1" fill="hold">
+                                          <p:stCondLst>
+                                            <p:cond delay="0"/>
+                                          </p:stCondLst>
+                                        </p:cTn>
+                                        <p:tgtEl>
+                                          <p:spTgt spid="3">
+                                            <p:txEl>
+                                              <p:pRg st="6" end="6"/>
+                                            </p:txEl>
+                                          </p:spTgt>
+                                        </p:tgtEl>
+                                        <p:attrNameLst>
+                                          <p:attrName>style.visibility</p:attrName>
+                                        </p:attrNameLst>
+                                      </p:cBhvr>
+                                      <p:to>
+                                        <p:strVal val="visible"/>
+                                      </p:to>
+                                    </p:set>
+                                    <p:animEffect transition="in" filter="fade">
+                                      <p:cBhvr>
+                                        <p:cTn id="33" dur="500"/>
+                                        <p:tgtEl>
+                                          <p:spTgt spid="3">
+                                            <p:txEl>
+                                              <p:pRg st="6" end="6"/>
+                                            </p:txEl>
+                                          </p:spTgt>
+                                        </p:tgtEl>
+                                      </p:cBhvr>
+                                    </p:animEffect>
+                                  </p:childTnLst>
+                                </p:cTn>
+                              </p:par>
+                              <p:par>
+                                <p:cTn id="34" presetID="10" presetClass="entr" presetSubtype="0" fill="hold" grpId="0" nodeType="withEffect">
+                                  <p:stCondLst>
+                                    <p:cond delay="0"/>
+                                  </p:stCondLst>
+                                  <p:childTnLst>
+                                    <p:set>
+                                      <p:cBhvr>
+                                        <p:cTn id="35" dur="1" fill="hold">
+                                          <p:stCondLst>
+                                            <p:cond delay="0"/>
+                                          </p:stCondLst>
+                                        </p:cTn>
+                                        <p:tgtEl>
+                                          <p:spTgt spid="3">
+                                            <p:txEl>
+                                              <p:pRg st="7" end="7"/>
+                                            </p:txEl>
+                                          </p:spTgt>
+                                        </p:tgtEl>
+                                        <p:attrNameLst>
+                                          <p:attrName>style.visibility</p:attrName>
+                                        </p:attrNameLst>
+                                      </p:cBhvr>
+                                      <p:to>
+                                        <p:strVal val="visible"/>
+                                      </p:to>
+                                    </p:set>
+                                    <p:animEffect transition="in" filter="fade">
+                                      <p:cBhvr>
+                                        <p:cTn id="36" dur="500"/>
+                                        <p:tgtEl>
+                                          <p:spTgt spid="3">
+                                            <p:txEl>
+                                              <p:pRg st="7" end="7"/>
+                                            </p:txEl>
+                                          </p:spTgt>
+                                        </p:tgtEl>
+                                      </p:cBhvr>
+                                    </p:animEffect>
+                                  </p:childTnLst>
+                                </p:cTn>
+                              </p:par>
+                            </p:childTnLst>
+                          </p:cTn>
+                        </p:par>
+                      </p:childTnLst>
+                    </p:cTn>
+                  </p:par>
+                  <p:par>
+                    <p:cTn id="37" fill="hold">
+                      <p:stCondLst>
+                        <p:cond delay="indefinite"/>
+                      </p:stCondLst>
+                      <p:childTnLst>
+                        <p:par>
+                          <p:cTn id="38" fill="hold">
+                            <p:stCondLst>
+                              <p:cond delay="0"/>
+                            </p:stCondLst>
+                            <p:childTnLst>
+                              <p:par>
+                                <p:cTn id="39" presetID="10" presetClass="entr" presetSubtype="0" fill="hold" grpId="0" nodeType="clickEffect">
+                                  <p:stCondLst>
+                                    <p:cond delay="0"/>
+                                  </p:stCondLst>
+                                  <p:childTnLst>
+                                    <p:set>
+                                      <p:cBhvr>
+                                        <p:cTn id="40" dur="1" fill="hold">
+                                          <p:stCondLst>
+                                            <p:cond delay="0"/>
+                                          </p:stCondLst>
+                                        </p:cTn>
+                                        <p:tgtEl>
+                                          <p:spTgt spid="3">
+                                            <p:txEl>
+                                              <p:pRg st="8" end="8"/>
+                                            </p:txEl>
+                                          </p:spTgt>
+                                        </p:tgtEl>
+                                        <p:attrNameLst>
+                                          <p:attrName>style.visibility</p:attrName>
+                                        </p:attrNameLst>
+                                      </p:cBhvr>
+                                      <p:to>
+                                        <p:strVal val="visible"/>
+                                      </p:to>
+                                    </p:set>
+                                    <p:animEffect transition="in" filter="fade">
+                                      <p:cBhvr>
+                                        <p:cTn id="41" dur="500"/>
+                                        <p:tgtEl>
+                                          <p:spTgt spid="3">
+                                            <p:txEl>
+                                              <p:pRg st="8" end="8"/>
+                                            </p:txEl>
+                                          </p:spTgt>
+                                        </p:tgtEl>
+                                      </p:cBhvr>
+                                    </p:animEffect>
+                                  </p:childTnLst>
+                                </p:cTn>
+                              </p:par>
+                            </p:childTnLst>
+                          </p:cTn>
+                        </p:par>
+                      </p:childTnLst>
+                    </p:cTn>
+                  </p:par>
+                  <p:par>
+                    <p:cTn id="42" fill="hold">
+                      <p:stCondLst>
+                        <p:cond delay="indefinite"/>
+                      </p:stCondLst>
+                      <p:childTnLst>
+                        <p:par>
+                          <p:cTn id="43" fill="hold">
+                            <p:stCondLst>
+                              <p:cond delay="0"/>
+                            </p:stCondLst>
+                            <p:childTnLst>
+                              <p:par>
+                                <p:cTn id="44" presetID="10" presetClass="entr" presetSubtype="0" fill="hold" grpId="0" nodeType="clickEffect">
+                                  <p:stCondLst>
+                                    <p:cond delay="0"/>
+                                  </p:stCondLst>
+                                  <p:childTnLst>
+                                    <p:set>
+                                      <p:cBhvr>
+                                        <p:cTn id="45" dur="1" fill="hold">
+                                          <p:stCondLst>
+                                            <p:cond delay="0"/>
+                                          </p:stCondLst>
+                                        </p:cTn>
+                                        <p:tgtEl>
+                                          <p:spTgt spid="3">
+                                            <p:txEl>
+                                              <p:pRg st="9" end="9"/>
+                                            </p:txEl>
+                                          </p:spTgt>
+                                        </p:tgtEl>
+                                        <p:attrNameLst>
+                                          <p:attrName>style.visibility</p:attrName>
+                                        </p:attrNameLst>
+                                      </p:cBhvr>
+                                      <p:to>
+                                        <p:strVal val="visible"/>
+                                      </p:to>
+                                    </p:set>
+                                    <p:animEffect transition="in" filter="fade">
+                                      <p:cBhvr>
+                                        <p:cTn id="46" dur="500"/>
+                                        <p:tgtEl>
+                                          <p:spTgt spid="3">
+                                            <p:txEl>
+                                              <p:pRg st="9" end="9"/>
+                                            </p:txEl>
+                                          </p:spTgt>
+                                        </p:tgtEl>
+                                      </p:cBhvr>
+                                    </p:animEffect>
+                                  </p:childTnLst>
+                                </p:cTn>
+                              </p:par>
+                            </p:childTnLst>
+                          </p:cTn>
+                        </p:par>
+                      </p:childTnLst>
+                    </p:cTn>
+                  </p:par>
+                  <p:par>
+                    <p:cTn id="47" fill="hold">
+                      <p:stCondLst>
+                        <p:cond delay="indefinite"/>
+                      </p:stCondLst>
+                      <p:childTnLst>
+                        <p:par>
+                          <p:cTn id="48" fill="hold">
+                            <p:stCondLst>
+                              <p:cond delay="0"/>
+                            </p:stCondLst>
+                            <p:childTnLst>
+                              <p:par>
+                                <p:cTn id="49" presetID="10" presetClass="entr" presetSubtype="0" fill="hold" grpId="0" nodeType="clickEffect">
+                                  <p:stCondLst>
+                                    <p:cond delay="0"/>
+                                  </p:stCondLst>
+                                  <p:childTnLst>
+                                    <p:set>
+                                      <p:cBhvr>
+                                        <p:cTn id="50" dur="1" fill="hold">
+                                          <p:stCondLst>
+                                            <p:cond delay="0"/>
+                                          </p:stCondLst>
+                                        </p:cTn>
+                                        <p:tgtEl>
+                                          <p:spTgt spid="3">
+                                            <p:txEl>
+                                              <p:pRg st="10" end="10"/>
+                                            </p:txEl>
+                                          </p:spTgt>
+                                        </p:tgtEl>
+                                        <p:attrNameLst>
+                                          <p:attrName>style.visibility</p:attrName>
+                                        </p:attrNameLst>
+                                      </p:cBhvr>
+                                      <p:to>
+                                        <p:strVal val="visible"/>
+                                      </p:to>
+                                    </p:set>
+                                    <p:animEffect transition="in" filter="fade">
+                                      <p:cBhvr>
+                                        <p:cTn id="51" dur="500"/>
+                                        <p:tgtEl>
+                                          <p:spTgt spid="3">
+                                            <p:txEl>
+                                              <p:pRg st="10" end="10"/>
+                                            </p:txEl>
+                                          </p:spTgt>
+                                        </p:tgtEl>
+                                      </p:cBhvr>
+                                    </p:animEffect>
+                                  </p:childTnLst>
+                                </p:cTn>
+                              </p:par>
+                            </p:childTnLst>
+                          </p:cTn>
+                        </p:par>
+                      </p:childTnLst>
+                    </p:cTn>
+                  </p:par>
+                  <p:par>
+                    <p:cTn id="52" fill="hold">
+                      <p:stCondLst>
+                        <p:cond delay="indefinite"/>
+                      </p:stCondLst>
+                      <p:childTnLst>
+                        <p:par>
+                          <p:cTn id="53" fill="hold">
+                            <p:stCondLst>
+                              <p:cond delay="0"/>
+                            </p:stCondLst>
+                            <p:childTnLst>
+                              <p:par>
+                                <p:cTn id="54" presetID="10" presetClass="entr" presetSubtype="0" fill="hold" grpId="0" nodeType="clickEffect">
+                                  <p:stCondLst>
+                                    <p:cond delay="0"/>
+                                  </p:stCondLst>
+                                  <p:childTnLst>
+                                    <p:set>
+                                      <p:cBhvr>
+                                        <p:cTn id="55" dur="1" fill="hold">
+                                          <p:stCondLst>
+                                            <p:cond delay="0"/>
+                                          </p:stCondLst>
+                                        </p:cTn>
+                                        <p:tgtEl>
+                                          <p:spTgt spid="3">
+                                            <p:txEl>
+                                              <p:pRg st="11" end="11"/>
+                                            </p:txEl>
+                                          </p:spTgt>
+                                        </p:tgtEl>
+                                        <p:attrNameLst>
+                                          <p:attrName>style.visibility</p:attrName>
+                                        </p:attrNameLst>
+                                      </p:cBhvr>
+                                      <p:to>
+                                        <p:strVal val="visible"/>
+                                      </p:to>
+                                    </p:set>
+                                    <p:animEffect transition="in" filter="fade">
+                                      <p:cBhvr>
+                                        <p:cTn id="56" dur="500"/>
+                                        <p:tgtEl>
+                                          <p:spTgt spid="3">
+                                            <p:txEl>
+                                              <p:pRg st="11" end="11"/>
+                                            </p:txEl>
+                                          </p:spTgt>
+                                        </p:tgtEl>
+                                      </p:cBhvr>
+                                    </p:animEffect>
+                                  </p:childTnLst>
+                                </p:cTn>
+                              </p:par>
+                            </p:childTnLst>
+                          </p:cTn>
+                        </p:par>
+                      </p:childTnLst>
+                    </p:cTn>
+                  </p:par>
+                </p:childTnLst>
+              </p:cTn>
+              <p:prevCondLst>
+                <p:cond evt="onPrev" delay="0">
+                  <p:tgtEl>
+                    <p:sldTgt/>
+                  </p:tgtEl>
+                </p:cond>
+              </p:prevCondLst>
+              <p:nextCondLst>
+                <p:cond evt="onNext" delay="0">
+                  <p:tgtEl>
+                    <p:sldTgt/>
+                  </p:tgtEl>
+                </p:cond>
+              </p:nextCondLst>
+            </p:seq>
+          </p:childTnLst>
+        </p:cTn>
+      </p:par>
+    </p:tnLst>
+    <p:bldLst>
+      <p:bldP spid="3" grpId="0" uiExpand="1" build="p"/>
+    </p:bldLst>
+  </p:timing>
+</p:sld>
+</file>
+
+<file path=ppt/slides/slide7.xml><?xml version="1.0" encoding="utf-8"?>
+<p:sld xmlns:a="http://schemas.openxmlformats.org/drawingml/2006/main" xmlns:r="http://schemas.openxmlformats.org/officeDocument/2006/relationships" xmlns:p="http://schemas.openxmlformats.org/presentationml/2006/main">
+  <p:cSld>
+    <p:spTree>
+      <p:nvGrpSpPr>
+        <p:cNvPr id="1" name=""/>
+        <p:cNvGrpSpPr/>
+        <p:nvPr/>
+      </p:nvGrpSpPr>
+      <p:grpSpPr>
+        <a:xfrm>
+          <a:off x="0" y="0"/>
+          <a:ext cx="0" cy="0"/>
+          <a:chOff x="0" y="0"/>
+          <a:chExt cx="0" cy="0"/>
+        </a:xfrm>
+      </p:grpSpPr>
+      <p:sp>
+        <p:nvSpPr>
+          <p:cNvPr id="2" name="Title 1">
+            <a:extLst>
+              <a:ext uri="{FF2B5EF4-FFF2-40B4-BE49-F238E27FC236}">
+                <a16:creationId xmlns:a16="http://schemas.microsoft.com/office/drawing/2014/main" id="{79E958E9-215B-EB5B-F125-35ABA2DB7382}"/>
+              </a:ext>
+            </a:extLst>
+          </p:cNvPr>
+          <p:cNvSpPr>
+            <a:spLocks noGrp="1"/>
+          </p:cNvSpPr>
+          <p:nvPr>
+            <p:ph type="title"/>
+          </p:nvPr>
+        </p:nvSpPr>
+        <p:spPr/>
+        <p:txBody>
+          <a:bodyPr/>
+          <a:lstStyle/>
+          <a:p>
+            <a:r>
+              <a:rPr lang="en-US" dirty="0"/>
+              <a:t>Unit 1 – Layout Basics</a:t>
+            </a:r>
+          </a:p>
+        </p:txBody>
+      </p:sp>
+      <p:sp>
+        <p:nvSpPr>
+          <p:cNvPr id="3" name="Content Placeholder 2">
+            <a:extLst>
+              <a:ext uri="{FF2B5EF4-FFF2-40B4-BE49-F238E27FC236}">
+                <a16:creationId xmlns:a16="http://schemas.microsoft.com/office/drawing/2014/main" id="{42B32789-7DD1-0807-2A01-F9CC345E79A5}"/>
+              </a:ext>
+            </a:extLst>
+          </p:cNvPr>
+          <p:cNvSpPr>
+            <a:spLocks noGrp="1"/>
+          </p:cNvSpPr>
+          <p:nvPr>
+            <p:ph idx="1"/>
+          </p:nvPr>
+        </p:nvSpPr>
+        <p:spPr/>
+        <p:txBody>
+          <a:bodyPr/>
+          <a:lstStyle/>
+          <a:p>
+            <a:r>
+              <a:rPr lang="en-US" dirty="0"/>
+              <a:t>Device independent units</a:t>
+            </a:r>
+          </a:p>
+          <a:p>
+            <a:pPr lvl="1"/>
+            <a:r>
+              <a:rPr lang="en-US" dirty="0"/>
+              <a:t>NOT pixels, but units of 1/96 in</a:t>
+            </a:r>
+          </a:p>
+          <a:p>
+            <a:pPr lvl="1"/>
+            <a:r>
+              <a:rPr lang="en-US" dirty="0"/>
+              <a:t>Set button Width to 96,  you get 1" at any resolution, 96 pixels at 96 dpi, 120 pixels at dpi, etc.</a:t>
+            </a:r>
+          </a:p>
+          <a:p>
+            <a:pPr lvl="1"/>
+            <a:r>
+              <a:rPr lang="en-US" dirty="0"/>
+              <a:t>Prevents UI elements from becoming smaller when running on high DPI monitors</a:t>
+            </a:r>
+          </a:p>
+          <a:p>
+            <a:pPr lvl="1"/>
+            <a:r>
+              <a:rPr lang="en-US" dirty="0"/>
+              <a:t>WPF also renders by drawing elements, rather than using bitmaps; allows leveraging HW acceleration in GPUs</a:t>
+            </a:r>
+          </a:p>
+        </p:txBody>
+      </p:sp>
+    </p:spTree>
+    <p:extLst>
+      <p:ext uri="{BB962C8B-B14F-4D97-AF65-F5344CB8AC3E}">
+        <p14:creationId xmlns:p14="http://schemas.microsoft.com/office/powerpoint/2010/main" val="814310481"/>
+      </p:ext>
+    </p:extLst>
+  </p:cSld>
+  <p:clrMapOvr>
+    <a:masterClrMapping/>
+  </p:clrMapOvr>
+  <p:timing>
+    <p:tnLst>
+      <p:par>
+        <p:cTn id="1" dur="indefinite" restart="never" nodeType="tmRoot">
+          <p:childTnLst>
+            <p:seq concurrent="1" nextAc="seek">
+              <p:cTn id="2" dur="indefinite" nodeType="mainSeq">
+                <p:childTnLst>
+                  <p:par>
+                    <p:cTn id="3" fill="hold">
+                      <p:stCondLst>
+                        <p:cond delay="indefinite"/>
+                        <p:cond evt="onBegin" delay="0">
+                          <p:tn val="2"/>
+                        </p:cond>
+                      </p:stCondLst>
+                      <p:childTnLst>
+                        <p:par>
+                          <p:cTn id="4" fill="hold">
+                            <p:stCondLst>
+                              <p:cond delay="0"/>
+                            </p:stCondLst>
+                            <p:childTnLst>
+                              <p:par>
+                                <p:cTn id="5" presetID="10" presetClass="entr" presetSubtype="0" fill="hold" grpId="0" nodeType="withEffect">
+                                  <p:stCondLst>
+                                    <p:cond delay="0"/>
+                                  </p:stCondLst>
+                                  <p:childTnLst>
+                                    <p:set>
+                                      <p:cBhvr>
+                                        <p:cTn id="6" dur="1" fill="hold">
+                                          <p:stCondLst>
+                                            <p:cond delay="0"/>
+                                          </p:stCondLst>
+                                        </p:cTn>
+                                        <p:tgtEl>
+                                          <p:spTgt spid="3">
+                                            <p:txEl>
+                                              <p:pRg st="0" end="0"/>
+                                            </p:txEl>
+                                          </p:spTgt>
+                                        </p:tgtEl>
+                                        <p:attrNameLst>
+                                          <p:attrName>style.visibility</p:attrName>
+                                        </p:attrNameLst>
+                                      </p:cBhvr>
+                                      <p:to>
+                                        <p:strVal val="visible"/>
+                                      </p:to>
+                                    </p:set>
+                                    <p:animEffect transition="in" filter="fade">
+                                      <p:cBhvr>
+                                        <p:cTn id="7" dur="500"/>
+                                        <p:tgtEl>
+                                          <p:spTgt spid="3">
+                                            <p:txEl>
+                                              <p:pRg st="0" end="0"/>
+                                            </p:txEl>
+                                          </p:spTgt>
+                                        </p:tgtEl>
+                                      </p:cBhvr>
+                                    </p:animEffect>
+                                  </p:childTnLst>
+                                </p:cTn>
+                              </p:par>
+                            </p:childTnLst>
+                          </p:cTn>
+                        </p:par>
+                      </p:childTnLst>
+                    </p:cTn>
+                  </p:par>
+                  <p:par>
+                    <p:cTn id="8" fill="hold">
+                      <p:stCondLst>
+                        <p:cond delay="indefinite"/>
+                      </p:stCondLst>
+                      <p:childTnLst>
+                        <p:par>
+                          <p:cTn id="9" fill="hold">
+                            <p:stCondLst>
+                              <p:cond delay="0"/>
+                            </p:stCondLst>
+                            <p:childTnLst>
+                              <p:par>
+                                <p:cTn id="10" presetID="10" presetClass="entr" presetSubtype="0" fill="hold" grpId="0" nodeType="clickEffect">
+                                  <p:stCondLst>
+                                    <p:cond delay="0"/>
+                                  </p:stCondLst>
+                                  <p:childTnLst>
+                                    <p:set>
+                                      <p:cBhvr>
+                                        <p:cTn id="11" dur="1" fill="hold">
+                                          <p:stCondLst>
+                                            <p:cond delay="0"/>
+                                          </p:stCondLst>
+                                        </p:cTn>
+                                        <p:tgtEl>
+                                          <p:spTgt spid="3">
+                                            <p:txEl>
+                                              <p:pRg st="1" end="1"/>
+                                            </p:txEl>
+                                          </p:spTgt>
+                                        </p:tgtEl>
+                                        <p:attrNameLst>
+                                          <p:attrName>style.visibility</p:attrName>
+                                        </p:attrNameLst>
+                                      </p:cBhvr>
+                                      <p:to>
+                                        <p:strVal val="visible"/>
+                                      </p:to>
+                                    </p:set>
+                                    <p:animEffect transition="in" filter="fade">
+                                      <p:cBhvr>
+                                        <p:cTn id="12" dur="500"/>
+                                        <p:tgtEl>
+                                          <p:spTgt spid="3">
+                                            <p:txEl>
+                                              <p:pRg st="1" end="1"/>
+                                            </p:txEl>
+                                          </p:spTgt>
+                                        </p:tgtEl>
+                                      </p:cBhvr>
+                                    </p:animEffect>
+                                  </p:childTnLst>
+                                </p:cTn>
+                              </p:par>
+                            </p:childTnLst>
+                          </p:cTn>
+                        </p:par>
+                      </p:childTnLst>
+                    </p:cTn>
+                  </p:par>
+                  <p:par>
+                    <p:cTn id="13" fill="hold">
+                      <p:stCondLst>
+                        <p:cond delay="indefinite"/>
+                      </p:stCondLst>
+                      <p:childTnLst>
+                        <p:par>
+                          <p:cTn id="14" fill="hold">
+                            <p:stCondLst>
+                              <p:cond delay="0"/>
+                            </p:stCondLst>
+                            <p:childTnLst>
+                              <p:par>
+                                <p:cTn id="15" presetID="10" presetClass="entr" presetSubtype="0" fill="hold" grpId="0" nodeType="clickEffect">
+                                  <p:stCondLst>
+                                    <p:cond delay="0"/>
+                                  </p:stCondLst>
+                                  <p:childTnLst>
+                                    <p:set>
+                                      <p:cBhvr>
+                                        <p:cTn id="16" dur="1" fill="hold">
+                                          <p:stCondLst>
+                                            <p:cond delay="0"/>
+                                          </p:stCondLst>
+                                        </p:cTn>
+                                        <p:tgtEl>
+                                          <p:spTgt spid="3">
+                                            <p:txEl>
+                                              <p:pRg st="2" end="2"/>
+                                            </p:txEl>
+                                          </p:spTgt>
+                                        </p:tgtEl>
+                                        <p:attrNameLst>
+                                          <p:attrName>style.visibility</p:attrName>
+                                        </p:attrNameLst>
+                                      </p:cBhvr>
+                                      <p:to>
+                                        <p:strVal val="visible"/>
+                                      </p:to>
+                                    </p:set>
+                                    <p:animEffect transition="in" filter="fade">
+                                      <p:cBhvr>
+                                        <p:cTn id="17" dur="500"/>
+                                        <p:tgtEl>
+                                          <p:spTgt spid="3">
+                                            <p:txEl>
+                                              <p:pRg st="2" end="2"/>
+                                            </p:txEl>
+                                          </p:spTgt>
+                                        </p:tgtEl>
+                                      </p:cBhvr>
+                                    </p:animEffect>
+                                  </p:childTnLst>
+                                </p:cTn>
+                              </p:par>
+                            </p:childTnLst>
+                          </p:cTn>
+                        </p:par>
+                      </p:childTnLst>
+                    </p:cTn>
+                  </p:par>
+                  <p:par>
+                    <p:cTn id="18" fill="hold">
+                      <p:stCondLst>
+                        <p:cond delay="indefinite"/>
+                      </p:stCondLst>
+                      <p:childTnLst>
+                        <p:par>
+                          <p:cTn id="19" fill="hold">
+                            <p:stCondLst>
+                              <p:cond delay="0"/>
+                            </p:stCondLst>
+                            <p:childTnLst>
+                              <p:par>
+                                <p:cTn id="20" presetID="10" presetClass="entr" presetSubtype="0" fill="hold" grpId="0" nodeType="clickEffect">
+                                  <p:stCondLst>
+                                    <p:cond delay="0"/>
+                                  </p:stCondLst>
+                                  <p:childTnLst>
+                                    <p:set>
+                                      <p:cBhvr>
+                                        <p:cTn id="21" dur="1" fill="hold">
+                                          <p:stCondLst>
+                                            <p:cond delay="0"/>
+                                          </p:stCondLst>
+                                        </p:cTn>
+                                        <p:tgtEl>
+                                          <p:spTgt spid="3">
+                                            <p:txEl>
+                                              <p:pRg st="3" end="3"/>
+                                            </p:txEl>
+                                          </p:spTgt>
+                                        </p:tgtEl>
+                                        <p:attrNameLst>
+                                          <p:attrName>style.visibility</p:attrName>
+                                        </p:attrNameLst>
+                                      </p:cBhvr>
+                                      <p:to>
+                                        <p:strVal val="visible"/>
+                                      </p:to>
+                                    </p:set>
+                                    <p:animEffect transition="in" filter="fade">
+                                      <p:cBhvr>
+                                        <p:cTn id="22" dur="500"/>
+                                        <p:tgtEl>
+                                          <p:spTgt spid="3">
+                                            <p:txEl>
+                                              <p:pRg st="3" end="3"/>
+                                            </p:txEl>
+                                          </p:spTgt>
+                                        </p:tgtEl>
+                                      </p:cBhvr>
+                                    </p:animEffect>
+                                  </p:childTnLst>
+                                </p:cTn>
+                              </p:par>
+                            </p:childTnLst>
+                          </p:cTn>
+                        </p:par>
+                      </p:childTnLst>
+                    </p:cTn>
+                  </p:par>
+                  <p:par>
+                    <p:cTn id="23" fill="hold">
+                      <p:stCondLst>
+                        <p:cond delay="indefinite"/>
+                      </p:stCondLst>
+                      <p:childTnLst>
+                        <p:par>
+                          <p:cTn id="24" fill="hold">
+                            <p:stCondLst>
+                              <p:cond delay="0"/>
+                            </p:stCondLst>
+                            <p:childTnLst>
+                              <p:par>
+                                <p:cTn id="25" presetID="10" presetClass="entr" presetSubtype="0" fill="hold" grpId="0" nodeType="clickEffect">
+                                  <p:stCondLst>
+                                    <p:cond delay="0"/>
+                                  </p:stCondLst>
+                                  <p:childTnLst>
+                                    <p:set>
+                                      <p:cBhvr>
+                                        <p:cTn id="26" dur="1" fill="hold">
+                                          <p:stCondLst>
+                                            <p:cond delay="0"/>
+                                          </p:stCondLst>
+                                        </p:cTn>
+                                        <p:tgtEl>
+                                          <p:spTgt spid="3">
+                                            <p:txEl>
+                                              <p:pRg st="4" end="4"/>
+                                            </p:txEl>
+                                          </p:spTgt>
+                                        </p:tgtEl>
+                                        <p:attrNameLst>
+                                          <p:attrName>style.visibility</p:attrName>
+                                        </p:attrNameLst>
+                                      </p:cBhvr>
+                                      <p:to>
+                                        <p:strVal val="visible"/>
+                                      </p:to>
+                                    </p:set>
+                                    <p:animEffect transition="in" filter="fade">
+                                      <p:cBhvr>
+                                        <p:cTn id="27" dur="500"/>
+                                        <p:tgtEl>
+                                          <p:spTgt spid="3">
+                                            <p:txEl>
+                                              <p:pRg st="4" end="4"/>
+                                            </p:txEl>
+                                          </p:spTgt>
+                                        </p:tgtEl>
+                                      </p:cBhvr>
+                                    </p:animEffect>
+                                  </p:childTnLst>
+                                </p:cTn>
+                              </p:par>
+                            </p:childTnLst>
+                          </p:cTn>
+                        </p:par>
+                      </p:childTnLst>
+                    </p:cTn>
+                  </p:par>
+                </p:childTnLst>
+              </p:cTn>
+              <p:prevCondLst>
+                <p:cond evt="onPrev" delay="0">
+                  <p:tgtEl>
+                    <p:sldTgt/>
+                  </p:tgtEl>
+                </p:cond>
+              </p:prevCondLst>
+              <p:nextCondLst>
+                <p:cond evt="onNext" delay="0">
+                  <p:tgtEl>
+                    <p:sldTgt/>
+                  </p:tgtEl>
+                </p:cond>
+              </p:nextCondLst>
+            </p:seq>
+          </p:childTnLst>
+        </p:cTn>
+      </p:par>
+    </p:tnLst>
+    <p:bldLst>
+      <p:bldP spid="3" grpId="0" uiExpand="1" build="p"/>
+    </p:bldLst>
+  </p:timing>
+</p:sld>
+</file>
+
+<file path=ppt/slides/slide8.xml><?xml version="1.0" encoding="utf-8"?>
+<p:sld xmlns:a="http://schemas.openxmlformats.org/drawingml/2006/main" xmlns:r="http://schemas.openxmlformats.org/officeDocument/2006/relationships" xmlns:p="http://schemas.openxmlformats.org/presentationml/2006/main">
+  <p:cSld>
+    <p:spTree>
+      <p:nvGrpSpPr>
+        <p:cNvPr id="1" name=""/>
+        <p:cNvGrpSpPr/>
+        <p:nvPr/>
+      </p:nvGrpSpPr>
+      <p:grpSpPr>
+        <a:xfrm>
+          <a:off x="0" y="0"/>
+          <a:ext cx="0" cy="0"/>
+          <a:chOff x="0" y="0"/>
+          <a:chExt cx="0" cy="0"/>
+        </a:xfrm>
+      </p:grpSpPr>
+      <p:sp>
+        <p:nvSpPr>
+          <p:cNvPr id="2" name="Title 1">
+            <a:extLst>
+              <a:ext uri="{FF2B5EF4-FFF2-40B4-BE49-F238E27FC236}">
+                <a16:creationId xmlns:a16="http://schemas.microsoft.com/office/drawing/2014/main" id="{0CC3CBB1-3304-3A7B-90AC-CF2C12D6557E}"/>
+              </a:ext>
+            </a:extLst>
+          </p:cNvPr>
+          <p:cNvSpPr>
+            <a:spLocks noGrp="1"/>
+          </p:cNvSpPr>
+          <p:nvPr>
+            <p:ph type="title"/>
+          </p:nvPr>
+        </p:nvSpPr>
+        <p:spPr/>
+        <p:txBody>
+          <a:bodyPr/>
+          <a:lstStyle/>
+          <a:p>
+            <a:r>
+              <a:rPr lang="en-US" dirty="0"/>
+              <a:t>Unit 1 – Layout Basics</a:t>
+            </a:r>
+          </a:p>
+        </p:txBody>
+      </p:sp>
+      <p:sp>
+        <p:nvSpPr>
+          <p:cNvPr id="3" name="Content Placeholder 2">
+            <a:extLst>
+              <a:ext uri="{FF2B5EF4-FFF2-40B4-BE49-F238E27FC236}">
+                <a16:creationId xmlns:a16="http://schemas.microsoft.com/office/drawing/2014/main" id="{824E8F8D-0D83-2AC7-9DA4-9EA1177752DB}"/>
+              </a:ext>
+            </a:extLst>
+          </p:cNvPr>
+          <p:cNvSpPr>
+            <a:spLocks noGrp="1"/>
+          </p:cNvSpPr>
+          <p:nvPr>
+            <p:ph idx="1"/>
+          </p:nvPr>
+        </p:nvSpPr>
+        <p:spPr>
+          <a:xfrm>
+            <a:off x="2589212" y="2133600"/>
+            <a:ext cx="8915400" cy="4520648"/>
+          </a:xfrm>
+        </p:spPr>
+        <p:txBody>
+          <a:bodyPr>
+            <a:normAutofit fontScale="92500" lnSpcReduction="20000"/>
+          </a:bodyPr>
+          <a:lstStyle/>
+          <a:p>
+            <a:r>
+              <a:rPr lang="en-US" dirty="0"/>
+              <a:t>Layout</a:t>
+            </a:r>
+          </a:p>
+          <a:p>
+            <a:pPr lvl="1"/>
+            <a:r>
+              <a:rPr lang="en-US" dirty="0"/>
+              <a:t>Handful of layout panels that each arranges child elements in a different way</a:t>
+            </a:r>
+          </a:p>
+          <a:p>
+            <a:pPr lvl="1"/>
+            <a:r>
+              <a:rPr lang="en-US" dirty="0"/>
+              <a:t>Main layout panels</a:t>
+            </a:r>
+          </a:p>
+          <a:p>
+            <a:pPr lvl="2"/>
+            <a:r>
+              <a:rPr lang="en-US" dirty="0"/>
+              <a:t>Grid -- rows and columns</a:t>
+            </a:r>
+          </a:p>
+          <a:p>
+            <a:pPr lvl="2"/>
+            <a:r>
+              <a:rPr lang="en-US" dirty="0" err="1"/>
+              <a:t>StackPanel</a:t>
+            </a:r>
+            <a:r>
+              <a:rPr lang="en-US" dirty="0"/>
+              <a:t>  -- stack children horizontally or vertically</a:t>
+            </a:r>
+          </a:p>
+          <a:p>
+            <a:pPr lvl="2"/>
+            <a:r>
+              <a:rPr lang="en-US" dirty="0" err="1"/>
+              <a:t>DockPanel</a:t>
+            </a:r>
+            <a:r>
+              <a:rPr lang="en-US" dirty="0"/>
+              <a:t> -- children docked on one side of parent</a:t>
+            </a:r>
+          </a:p>
+          <a:p>
+            <a:pPr lvl="2"/>
+            <a:r>
+              <a:rPr lang="en-US" dirty="0" err="1"/>
+              <a:t>WrapPanel</a:t>
+            </a:r>
+            <a:r>
+              <a:rPr lang="en-US" dirty="0"/>
+              <a:t> -- position children next to each other, then wrap to next row or col</a:t>
+            </a:r>
+          </a:p>
+          <a:p>
+            <a:pPr lvl="2"/>
+            <a:r>
+              <a:rPr lang="en-US" dirty="0"/>
+              <a:t>Canvas -- position children at X/Y coordinate      </a:t>
+            </a:r>
+            <a:r>
+              <a:rPr lang="en-US" i="1" dirty="0"/>
+              <a:t>we will likely never use</a:t>
+            </a:r>
+          </a:p>
+          <a:p>
+            <a:pPr lvl="1"/>
+            <a:r>
+              <a:rPr lang="en-US" dirty="0"/>
+              <a:t>Every UI widget lives in a layout container  (almost)</a:t>
+            </a:r>
+          </a:p>
+          <a:p>
+            <a:pPr lvl="2"/>
+            <a:r>
+              <a:rPr lang="en-US" dirty="0"/>
+              <a:t>The layout structure maps to the tree of elements in XAML</a:t>
+            </a:r>
+          </a:p>
+          <a:p>
+            <a:pPr lvl="1"/>
+            <a:r>
+              <a:rPr lang="en-US" dirty="0"/>
+              <a:t>Layout containers can be nested</a:t>
+            </a:r>
+          </a:p>
+          <a:p>
+            <a:pPr lvl="2"/>
+            <a:r>
+              <a:rPr lang="en-US" dirty="0"/>
+              <a:t>Containers can contain other containers or various child widgets</a:t>
+            </a:r>
+          </a:p>
+          <a:p>
+            <a:pPr lvl="1"/>
+            <a:r>
+              <a:rPr lang="en-US" dirty="0"/>
+              <a:t>How layout works</a:t>
+            </a:r>
+          </a:p>
+          <a:p>
+            <a:pPr lvl="2"/>
+            <a:r>
+              <a:rPr lang="en-US" dirty="0"/>
+              <a:t>Container measures its children, asking each how much size it needs</a:t>
+            </a:r>
+          </a:p>
+          <a:p>
+            <a:pPr lvl="2"/>
+            <a:r>
+              <a:rPr lang="en-US" dirty="0"/>
+              <a:t>Then arranges its children</a:t>
+            </a:r>
+          </a:p>
+        </p:txBody>
+      </p:sp>
+    </p:spTree>
+    <p:extLst>
+      <p:ext uri="{BB962C8B-B14F-4D97-AF65-F5344CB8AC3E}">
+        <p14:creationId xmlns:p14="http://schemas.microsoft.com/office/powerpoint/2010/main" val="864740165"/>
+      </p:ext>
+    </p:extLst>
+  </p:cSld>
+  <p:clrMapOvr>
+    <a:masterClrMapping/>
+  </p:clrMapOvr>
+  <p:timing>
+    <p:tnLst>
+      <p:par>
+        <p:cTn id="1" dur="indefinite" restart="never" nodeType="tmRoot">
+          <p:childTnLst>
+            <p:seq concurrent="1" nextAc="seek">
+              <p:cTn id="2" dur="indefinite" nodeType="mainSeq">
+                <p:childTnLst>
+                  <p:par>
+                    <p:cTn id="3" fill="hold">
+                      <p:stCondLst>
+                        <p:cond delay="indefinite"/>
+                        <p:cond evt="onBegin" delay="0">
+                          <p:tn val="2"/>
+                        </p:cond>
+                      </p:stCondLst>
+                      <p:childTnLst>
+                        <p:par>
+                          <p:cTn id="4" fill="hold">
+                            <p:stCondLst>
+                              <p:cond delay="0"/>
+                            </p:stCondLst>
+                            <p:childTnLst>
+                              <p:par>
+                                <p:cTn id="5" presetID="10" presetClass="entr" presetSubtype="0" fill="hold" grpId="0" nodeType="withEffect">
+                                  <p:stCondLst>
+                                    <p:cond delay="0"/>
+                                  </p:stCondLst>
+                                  <p:childTnLst>
+                                    <p:set>
+                                      <p:cBhvr>
+                                        <p:cTn id="6" dur="1" fill="hold">
+                                          <p:stCondLst>
+                                            <p:cond delay="0"/>
+                                          </p:stCondLst>
+                                        </p:cTn>
+                                        <p:tgtEl>
+                                          <p:spTgt spid="3">
+                                            <p:txEl>
+                                              <p:pRg st="0" end="0"/>
+                                            </p:txEl>
+                                          </p:spTgt>
+                                        </p:tgtEl>
+                                        <p:attrNameLst>
+                                          <p:attrName>style.visibility</p:attrName>
+                                        </p:attrNameLst>
+                                      </p:cBhvr>
+                                      <p:to>
+                                        <p:strVal val="visible"/>
+                                      </p:to>
+                                    </p:set>
+                                    <p:animEffect transition="in" filter="fade">
+                                      <p:cBhvr>
+                                        <p:cTn id="7" dur="500"/>
+                                        <p:tgtEl>
+                                          <p:spTgt spid="3">
+                                            <p:txEl>
+                                              <p:pRg st="0" end="0"/>
+                                            </p:txEl>
+                                          </p:spTgt>
+                                        </p:tgtEl>
+                                      </p:cBhvr>
+                                    </p:animEffect>
+                                  </p:childTnLst>
+                                </p:cTn>
+                              </p:par>
+                            </p:childTnLst>
+                          </p:cTn>
+                        </p:par>
+                      </p:childTnLst>
+                    </p:cTn>
+                  </p:par>
+                  <p:par>
+                    <p:cTn id="8" fill="hold">
+                      <p:stCondLst>
+                        <p:cond delay="indefinite"/>
+                      </p:stCondLst>
+                      <p:childTnLst>
+                        <p:par>
+                          <p:cTn id="9" fill="hold">
+                            <p:stCondLst>
+                              <p:cond delay="0"/>
+                            </p:stCondLst>
+                            <p:childTnLst>
+                              <p:par>
+                                <p:cTn id="10" presetID="10" presetClass="entr" presetSubtype="0" fill="hold" grpId="0" nodeType="clickEffect">
+                                  <p:stCondLst>
+                                    <p:cond delay="0"/>
+                                  </p:stCondLst>
+                                  <p:childTnLst>
+                                    <p:set>
+                                      <p:cBhvr>
+                                        <p:cTn id="11" dur="1" fill="hold">
+                                          <p:stCondLst>
+                                            <p:cond delay="0"/>
+                                          </p:stCondLst>
+                                        </p:cTn>
+                                        <p:tgtEl>
+                                          <p:spTgt spid="3">
+                                            <p:txEl>
+                                              <p:pRg st="1" end="1"/>
+                                            </p:txEl>
+                                          </p:spTgt>
+                                        </p:tgtEl>
+                                        <p:attrNameLst>
+                                          <p:attrName>style.visibility</p:attrName>
+                                        </p:attrNameLst>
+                                      </p:cBhvr>
+                                      <p:to>
+                                        <p:strVal val="visible"/>
+                                      </p:to>
+                                    </p:set>
+                                    <p:animEffect transition="in" filter="fade">
+                                      <p:cBhvr>
+                                        <p:cTn id="12" dur="500"/>
+                                        <p:tgtEl>
+                                          <p:spTgt spid="3">
+                                            <p:txEl>
+                                              <p:pRg st="1" end="1"/>
+                                            </p:txEl>
+                                          </p:spTgt>
+                                        </p:tgtEl>
+                                      </p:cBhvr>
+                                    </p:animEffect>
+                                  </p:childTnLst>
+                                </p:cTn>
+                              </p:par>
+                            </p:childTnLst>
+                          </p:cTn>
+                        </p:par>
+                      </p:childTnLst>
+                    </p:cTn>
+                  </p:par>
+                  <p:par>
+                    <p:cTn id="13" fill="hold">
+                      <p:stCondLst>
+                        <p:cond delay="indefinite"/>
+                      </p:stCondLst>
+                      <p:childTnLst>
+                        <p:par>
+                          <p:cTn id="14" fill="hold">
+                            <p:stCondLst>
+                              <p:cond delay="0"/>
+                            </p:stCondLst>
+                            <p:childTnLst>
+                              <p:par>
+                                <p:cTn id="15" presetID="10" presetClass="entr" presetSubtype="0" fill="hold" grpId="0" nodeType="clickEffect">
+                                  <p:stCondLst>
+                                    <p:cond delay="0"/>
+                                  </p:stCondLst>
+                                  <p:childTnLst>
+                                    <p:set>
+                                      <p:cBhvr>
+                                        <p:cTn id="16" dur="1" fill="hold">
+                                          <p:stCondLst>
+                                            <p:cond delay="0"/>
+                                          </p:stCondLst>
+                                        </p:cTn>
+                                        <p:tgtEl>
+                                          <p:spTgt spid="3">
+                                            <p:txEl>
+                                              <p:pRg st="2" end="2"/>
+                                            </p:txEl>
+                                          </p:spTgt>
+                                        </p:tgtEl>
+                                        <p:attrNameLst>
+                                          <p:attrName>style.visibility</p:attrName>
+                                        </p:attrNameLst>
+                                      </p:cBhvr>
+                                      <p:to>
+                                        <p:strVal val="visible"/>
+                                      </p:to>
+                                    </p:set>
+                                    <p:animEffect transition="in" filter="fade">
+                                      <p:cBhvr>
+                                        <p:cTn id="17" dur="500"/>
+                                        <p:tgtEl>
+                                          <p:spTgt spid="3">
+                                            <p:txEl>
+                                              <p:pRg st="2" end="2"/>
+                                            </p:txEl>
+                                          </p:spTgt>
+                                        </p:tgtEl>
+                                      </p:cBhvr>
+                                    </p:animEffect>
+                                  </p:childTnLst>
+                                </p:cTn>
+                              </p:par>
+                              <p:par>
+                                <p:cTn id="18" presetID="10" presetClass="entr" presetSubtype="0" fill="hold" grpId="0" nodeType="withEffect">
+                                  <p:stCondLst>
+                                    <p:cond delay="0"/>
+                                  </p:stCondLst>
+                                  <p:childTnLst>
+                                    <p:set>
+                                      <p:cBhvr>
+                                        <p:cTn id="19" dur="1" fill="hold">
+                                          <p:stCondLst>
+                                            <p:cond delay="0"/>
+                                          </p:stCondLst>
+                                        </p:cTn>
+                                        <p:tgtEl>
+                                          <p:spTgt spid="3">
+                                            <p:txEl>
+                                              <p:pRg st="3" end="3"/>
+                                            </p:txEl>
+                                          </p:spTgt>
+                                        </p:tgtEl>
+                                        <p:attrNameLst>
+                                          <p:attrName>style.visibility</p:attrName>
+                                        </p:attrNameLst>
+                                      </p:cBhvr>
+                                      <p:to>
+                                        <p:strVal val="visible"/>
+                                      </p:to>
+                                    </p:set>
+                                    <p:animEffect transition="in" filter="fade">
+                                      <p:cBhvr>
+                                        <p:cTn id="20" dur="500"/>
+                                        <p:tgtEl>
+                                          <p:spTgt spid="3">
+                                            <p:txEl>
+                                              <p:pRg st="3" end="3"/>
+                                            </p:txEl>
+                                          </p:spTgt>
+                                        </p:tgtEl>
+                                      </p:cBhvr>
+                                    </p:animEffect>
+                                  </p:childTnLst>
+                                </p:cTn>
+                              </p:par>
+                              <p:par>
+                                <p:cTn id="21" presetID="10" presetClass="entr" presetSubtype="0" fill="hold" grpId="0" nodeType="withEffect">
+                                  <p:stCondLst>
+                                    <p:cond delay="0"/>
+                                  </p:stCondLst>
+                                  <p:childTnLst>
+                                    <p:set>
+                                      <p:cBhvr>
+                                        <p:cTn id="22" dur="1" fill="hold">
+                                          <p:stCondLst>
+                                            <p:cond delay="0"/>
+                                          </p:stCondLst>
+                                        </p:cTn>
+                                        <p:tgtEl>
+                                          <p:spTgt spid="3">
+                                            <p:txEl>
+                                              <p:pRg st="4" end="4"/>
+                                            </p:txEl>
+                                          </p:spTgt>
+                                        </p:tgtEl>
+                                        <p:attrNameLst>
+                                          <p:attrName>style.visibility</p:attrName>
+                                        </p:attrNameLst>
+                                      </p:cBhvr>
+                                      <p:to>
+                                        <p:strVal val="visible"/>
+                                      </p:to>
+                                    </p:set>
+                                    <p:animEffect transition="in" filter="fade">
+                                      <p:cBhvr>
+                                        <p:cTn id="23" dur="500"/>
+                                        <p:tgtEl>
+                                          <p:spTgt spid="3">
+                                            <p:txEl>
+                                              <p:pRg st="4" end="4"/>
+                                            </p:txEl>
+                                          </p:spTgt>
+                                        </p:tgtEl>
+                                      </p:cBhvr>
+                                    </p:animEffect>
+                                  </p:childTnLst>
+                                </p:cTn>
+                              </p:par>
+                              <p:par>
+                                <p:cTn id="24" presetID="10" presetClass="entr" presetSubtype="0" fill="hold" grpId="0" nodeType="withEffect">
+                                  <p:stCondLst>
+                                    <p:cond delay="0"/>
+                                  </p:stCondLst>
+                                  <p:childTnLst>
+                                    <p:set>
+                                      <p:cBhvr>
+                                        <p:cTn id="25" dur="1" fill="hold">
+                                          <p:stCondLst>
+                                            <p:cond delay="0"/>
+                                          </p:stCondLst>
+                                        </p:cTn>
+                                        <p:tgtEl>
+                                          <p:spTgt spid="3">
+                                            <p:txEl>
+                                              <p:pRg st="5" end="5"/>
+                                            </p:txEl>
+                                          </p:spTgt>
+                                        </p:tgtEl>
+                                        <p:attrNameLst>
+                                          <p:attrName>style.visibility</p:attrName>
+                                        </p:attrNameLst>
+                                      </p:cBhvr>
+                                      <p:to>
+                                        <p:strVal val="visible"/>
+                                      </p:to>
+                                    </p:set>
+                                    <p:animEffect transition="in" filter="fade">
+                                      <p:cBhvr>
+                                        <p:cTn id="26" dur="500"/>
+                                        <p:tgtEl>
+                                          <p:spTgt spid="3">
+                                            <p:txEl>
+                                              <p:pRg st="5" end="5"/>
+                                            </p:txEl>
+                                          </p:spTgt>
+                                        </p:tgtEl>
+                                      </p:cBhvr>
+                                    </p:animEffect>
+                                  </p:childTnLst>
+                                </p:cTn>
+                              </p:par>
+                              <p:par>
+                                <p:cTn id="27" presetID="10" presetClass="entr" presetSubtype="0" fill="hold" grpId="0" nodeType="withEffect">
+                                  <p:stCondLst>
+                                    <p:cond delay="0"/>
+                                  </p:stCondLst>
+                                  <p:childTnLst>
+                                    <p:set>
+                                      <p:cBhvr>
+                                        <p:cTn id="28" dur="1" fill="hold">
+                                          <p:stCondLst>
+                                            <p:cond delay="0"/>
+                                          </p:stCondLst>
+                                        </p:cTn>
+                                        <p:tgtEl>
+                                          <p:spTgt spid="3">
+                                            <p:txEl>
+                                              <p:pRg st="6" end="6"/>
+                                            </p:txEl>
+                                          </p:spTgt>
+                                        </p:tgtEl>
+                                        <p:attrNameLst>
+                                          <p:attrName>style.visibility</p:attrName>
+                                        </p:attrNameLst>
+                                      </p:cBhvr>
+                                      <p:to>
+                                        <p:strVal val="visible"/>
+                                      </p:to>
+                                    </p:set>
+                                    <p:animEffect transition="in" filter="fade">
+                                      <p:cBhvr>
+                                        <p:cTn id="29" dur="500"/>
+                                        <p:tgtEl>
+                                          <p:spTgt spid="3">
+                                            <p:txEl>
+                                              <p:pRg st="6" end="6"/>
+                                            </p:txEl>
+                                          </p:spTgt>
+                                        </p:tgtEl>
+                                      </p:cBhvr>
+                                    </p:animEffect>
+                                  </p:childTnLst>
+                                </p:cTn>
+                              </p:par>
+                              <p:par>
+                                <p:cTn id="30" presetID="10" presetClass="entr" presetSubtype="0" fill="hold" grpId="0" nodeType="withEffect">
+                                  <p:stCondLst>
+                                    <p:cond delay="0"/>
+                                  </p:stCondLst>
+                                  <p:childTnLst>
+                                    <p:set>
+                                      <p:cBhvr>
+                                        <p:cTn id="31" dur="1" fill="hold">
+                                          <p:stCondLst>
+                                            <p:cond delay="0"/>
+                                          </p:stCondLst>
+                                        </p:cTn>
+                                        <p:tgtEl>
+                                          <p:spTgt spid="3">
+                                            <p:txEl>
+                                              <p:pRg st="7" end="7"/>
+                                            </p:txEl>
+                                          </p:spTgt>
+                                        </p:tgtEl>
+                                        <p:attrNameLst>
+                                          <p:attrName>style.visibility</p:attrName>
+                                        </p:attrNameLst>
+                                      </p:cBhvr>
+                                      <p:to>
+                                        <p:strVal val="visible"/>
+                                      </p:to>
+                                    </p:set>
+                                    <p:animEffect transition="in" filter="fade">
+                                      <p:cBhvr>
+                                        <p:cTn id="32" dur="500"/>
+                                        <p:tgtEl>
+                                          <p:spTgt spid="3">
+                                            <p:txEl>
+                                              <p:pRg st="7" end="7"/>
+                                            </p:txEl>
+                                          </p:spTgt>
+                                        </p:tgtEl>
+                                      </p:cBhvr>
+                                    </p:animEffect>
+                                  </p:childTnLst>
+                                </p:cTn>
+                              </p:par>
+                            </p:childTnLst>
+                          </p:cTn>
+                        </p:par>
+                      </p:childTnLst>
+                    </p:cTn>
+                  </p:par>
+                  <p:par>
+                    <p:cTn id="33" fill="hold">
+                      <p:stCondLst>
+                        <p:cond delay="indefinite"/>
+                      </p:stCondLst>
+                      <p:childTnLst>
+                        <p:par>
+                          <p:cTn id="34" fill="hold">
+                            <p:stCondLst>
+                              <p:cond delay="0"/>
+                            </p:stCondLst>
+                            <p:childTnLst>
+                              <p:par>
+                                <p:cTn id="35" presetID="10" presetClass="entr" presetSubtype="0" fill="hold" grpId="0" nodeType="clickEffect">
+                                  <p:stCondLst>
+                                    <p:cond delay="0"/>
+                                  </p:stCondLst>
+                                  <p:childTnLst>
+                                    <p:set>
+                                      <p:cBhvr>
+                                        <p:cTn id="36" dur="1" fill="hold">
+                                          <p:stCondLst>
+                                            <p:cond delay="0"/>
+                                          </p:stCondLst>
+                                        </p:cTn>
+                                        <p:tgtEl>
+                                          <p:spTgt spid="3">
+                                            <p:txEl>
+                                              <p:pRg st="8" end="8"/>
+                                            </p:txEl>
+                                          </p:spTgt>
+                                        </p:tgtEl>
+                                        <p:attrNameLst>
+                                          <p:attrName>style.visibility</p:attrName>
+                                        </p:attrNameLst>
+                                      </p:cBhvr>
+                                      <p:to>
+                                        <p:strVal val="visible"/>
+                                      </p:to>
+                                    </p:set>
+                                    <p:animEffect transition="in" filter="fade">
+                                      <p:cBhvr>
+                                        <p:cTn id="37" dur="500"/>
+                                        <p:tgtEl>
+                                          <p:spTgt spid="3">
+                                            <p:txEl>
+                                              <p:pRg st="8" end="8"/>
+                                            </p:txEl>
+                                          </p:spTgt>
+                                        </p:tgtEl>
+                                      </p:cBhvr>
+                                    </p:animEffect>
+                                  </p:childTnLst>
+                                </p:cTn>
+                              </p:par>
+                              <p:par>
+                                <p:cTn id="38" presetID="10" presetClass="entr" presetSubtype="0" fill="hold" grpId="0" nodeType="withEffect">
+                                  <p:stCondLst>
+                                    <p:cond delay="0"/>
+                                  </p:stCondLst>
+                                  <p:childTnLst>
+                                    <p:set>
+                                      <p:cBhvr>
+                                        <p:cTn id="39" dur="1" fill="hold">
+                                          <p:stCondLst>
+                                            <p:cond delay="0"/>
+                                          </p:stCondLst>
+                                        </p:cTn>
+                                        <p:tgtEl>
+                                          <p:spTgt spid="3">
+                                            <p:txEl>
+                                              <p:pRg st="9" end="9"/>
+                                            </p:txEl>
+                                          </p:spTgt>
+                                        </p:tgtEl>
+                                        <p:attrNameLst>
+                                          <p:attrName>style.visibility</p:attrName>
+                                        </p:attrNameLst>
+                                      </p:cBhvr>
+                                      <p:to>
+                                        <p:strVal val="visible"/>
+                                      </p:to>
+                                    </p:set>
+                                    <p:animEffect transition="in" filter="fade">
+                                      <p:cBhvr>
+                                        <p:cTn id="40" dur="500"/>
+                                        <p:tgtEl>
+                                          <p:spTgt spid="3">
+                                            <p:txEl>
+                                              <p:pRg st="9" end="9"/>
+                                            </p:txEl>
+                                          </p:spTgt>
+                                        </p:tgtEl>
+                                      </p:cBhvr>
+                                    </p:animEffect>
+                                  </p:childTnLst>
+                                </p:cTn>
+                              </p:par>
+                            </p:childTnLst>
+                          </p:cTn>
+                        </p:par>
+                      </p:childTnLst>
+                    </p:cTn>
+                  </p:par>
+                  <p:par>
+                    <p:cTn id="41" fill="hold">
+                      <p:stCondLst>
+                        <p:cond delay="indefinite"/>
+                      </p:stCondLst>
+                      <p:childTnLst>
+                        <p:par>
+                          <p:cTn id="42" fill="hold">
+                            <p:stCondLst>
+                              <p:cond delay="0"/>
+                            </p:stCondLst>
+                            <p:childTnLst>
+                              <p:par>
+                                <p:cTn id="43" presetID="10" presetClass="entr" presetSubtype="0" fill="hold" grpId="0" nodeType="clickEffect">
+                                  <p:stCondLst>
+                                    <p:cond delay="0"/>
+                                  </p:stCondLst>
+                                  <p:childTnLst>
+                                    <p:set>
+                                      <p:cBhvr>
+                                        <p:cTn id="44" dur="1" fill="hold">
+                                          <p:stCondLst>
+                                            <p:cond delay="0"/>
+                                          </p:stCondLst>
+                                        </p:cTn>
+                                        <p:tgtEl>
+                                          <p:spTgt spid="3">
+                                            <p:txEl>
+                                              <p:pRg st="10" end="10"/>
+                                            </p:txEl>
+                                          </p:spTgt>
+                                        </p:tgtEl>
+                                        <p:attrNameLst>
+                                          <p:attrName>style.visibility</p:attrName>
+                                        </p:attrNameLst>
+                                      </p:cBhvr>
+                                      <p:to>
+                                        <p:strVal val="visible"/>
+                                      </p:to>
+                                    </p:set>
+                                    <p:animEffect transition="in" filter="fade">
+                                      <p:cBhvr>
+                                        <p:cTn id="45" dur="500"/>
+                                        <p:tgtEl>
+                                          <p:spTgt spid="3">
+                                            <p:txEl>
+                                              <p:pRg st="10" end="10"/>
+                                            </p:txEl>
+                                          </p:spTgt>
+                                        </p:tgtEl>
+                                      </p:cBhvr>
+                                    </p:animEffect>
+                                  </p:childTnLst>
+                                </p:cTn>
+                              </p:par>
+                              <p:par>
+                                <p:cTn id="46" presetID="10" presetClass="entr" presetSubtype="0" fill="hold" grpId="0" nodeType="withEffect">
+                                  <p:stCondLst>
+                                    <p:cond delay="0"/>
+                                  </p:stCondLst>
+                                  <p:childTnLst>
+                                    <p:set>
+                                      <p:cBhvr>
+                                        <p:cTn id="47" dur="1" fill="hold">
+                                          <p:stCondLst>
+                                            <p:cond delay="0"/>
+                                          </p:stCondLst>
+                                        </p:cTn>
+                                        <p:tgtEl>
+                                          <p:spTgt spid="3">
+                                            <p:txEl>
+                                              <p:pRg st="11" end="11"/>
+                                            </p:txEl>
+                                          </p:spTgt>
+                                        </p:tgtEl>
+                                        <p:attrNameLst>
+                                          <p:attrName>style.visibility</p:attrName>
+                                        </p:attrNameLst>
+                                      </p:cBhvr>
+                                      <p:to>
+                                        <p:strVal val="visible"/>
+                                      </p:to>
+                                    </p:set>
+                                    <p:animEffect transition="in" filter="fade">
+                                      <p:cBhvr>
+                                        <p:cTn id="48" dur="500"/>
+                                        <p:tgtEl>
+                                          <p:spTgt spid="3">
+                                            <p:txEl>
+                                              <p:pRg st="11" end="11"/>
+                                            </p:txEl>
+                                          </p:spTgt>
+                                        </p:tgtEl>
+                                      </p:cBhvr>
+                                    </p:animEffect>
+                                  </p:childTnLst>
+                                </p:cTn>
+                              </p:par>
+                            </p:childTnLst>
+                          </p:cTn>
+                        </p:par>
+                      </p:childTnLst>
+                    </p:cTn>
+                  </p:par>
+                  <p:par>
+                    <p:cTn id="49" fill="hold">
+                      <p:stCondLst>
+                        <p:cond delay="indefinite"/>
+                      </p:stCondLst>
+                      <p:childTnLst>
+                        <p:par>
+                          <p:cTn id="50" fill="hold">
+                            <p:stCondLst>
+                              <p:cond delay="0"/>
+                            </p:stCondLst>
+                            <p:childTnLst>
+                              <p:par>
+                                <p:cTn id="51" presetID="10" presetClass="entr" presetSubtype="0" fill="hold" grpId="0" nodeType="clickEffect">
+                                  <p:stCondLst>
+                                    <p:cond delay="0"/>
+                                  </p:stCondLst>
+                                  <p:childTnLst>
+                                    <p:set>
+                                      <p:cBhvr>
+                                        <p:cTn id="52" dur="1" fill="hold">
+                                          <p:stCondLst>
+                                            <p:cond delay="0"/>
+                                          </p:stCondLst>
+                                        </p:cTn>
+                                        <p:tgtEl>
+                                          <p:spTgt spid="3">
+                                            <p:txEl>
+                                              <p:pRg st="12" end="12"/>
+                                            </p:txEl>
+                                          </p:spTgt>
+                                        </p:tgtEl>
+                                        <p:attrNameLst>
+                                          <p:attrName>style.visibility</p:attrName>
+                                        </p:attrNameLst>
+                                      </p:cBhvr>
+                                      <p:to>
+                                        <p:strVal val="visible"/>
+                                      </p:to>
+                                    </p:set>
+                                    <p:animEffect transition="in" filter="fade">
+                                      <p:cBhvr>
+                                        <p:cTn id="53" dur="500"/>
+                                        <p:tgtEl>
+                                          <p:spTgt spid="3">
+                                            <p:txEl>
+                                              <p:pRg st="12" end="12"/>
+                                            </p:txEl>
+                                          </p:spTgt>
+                                        </p:tgtEl>
+                                      </p:cBhvr>
+                                    </p:animEffect>
+                                  </p:childTnLst>
+                                </p:cTn>
+                              </p:par>
+                              <p:par>
+                                <p:cTn id="54" presetID="10" presetClass="entr" presetSubtype="0" fill="hold" grpId="0" nodeType="withEffect">
+                                  <p:stCondLst>
+                                    <p:cond delay="0"/>
+                                  </p:stCondLst>
+                                  <p:childTnLst>
+                                    <p:set>
+                                      <p:cBhvr>
+                                        <p:cTn id="55" dur="1" fill="hold">
+                                          <p:stCondLst>
+                                            <p:cond delay="0"/>
+                                          </p:stCondLst>
+                                        </p:cTn>
+                                        <p:tgtEl>
+                                          <p:spTgt spid="3">
+                                            <p:txEl>
+                                              <p:pRg st="13" end="13"/>
+                                            </p:txEl>
+                                          </p:spTgt>
+                                        </p:tgtEl>
+                                        <p:attrNameLst>
+                                          <p:attrName>style.visibility</p:attrName>
+                                        </p:attrNameLst>
+                                      </p:cBhvr>
+                                      <p:to>
+                                        <p:strVal val="visible"/>
+                                      </p:to>
+                                    </p:set>
+                                    <p:animEffect transition="in" filter="fade">
+                                      <p:cBhvr>
+                                        <p:cTn id="56" dur="500"/>
+                                        <p:tgtEl>
+                                          <p:spTgt spid="3">
+                                            <p:txEl>
+                                              <p:pRg st="13" end="13"/>
+                                            </p:txEl>
+                                          </p:spTgt>
+                                        </p:tgtEl>
+                                      </p:cBhvr>
+                                    </p:animEffect>
+                                  </p:childTnLst>
+                                </p:cTn>
+                              </p:par>
+                              <p:par>
+                                <p:cTn id="57" presetID="10" presetClass="entr" presetSubtype="0" fill="hold" grpId="0" nodeType="withEffect">
+                                  <p:stCondLst>
+                                    <p:cond delay="0"/>
+                                  </p:stCondLst>
+                                  <p:childTnLst>
+                                    <p:set>
+                                      <p:cBhvr>
+                                        <p:cTn id="58" dur="1" fill="hold">
+                                          <p:stCondLst>
+                                            <p:cond delay="0"/>
+                                          </p:stCondLst>
+                                        </p:cTn>
+                                        <p:tgtEl>
+                                          <p:spTgt spid="3">
+                                            <p:txEl>
+                                              <p:pRg st="14" end="14"/>
+                                            </p:txEl>
+                                          </p:spTgt>
+                                        </p:tgtEl>
+                                        <p:attrNameLst>
+                                          <p:attrName>style.visibility</p:attrName>
+                                        </p:attrNameLst>
+                                      </p:cBhvr>
+                                      <p:to>
+                                        <p:strVal val="visible"/>
+                                      </p:to>
+                                    </p:set>
+                                    <p:animEffect transition="in" filter="fade">
+                                      <p:cBhvr>
+                                        <p:cTn id="59" dur="500"/>
+                                        <p:tgtEl>
+                                          <p:spTgt spid="3">
+                                            <p:txEl>
+                                              <p:pRg st="14" end="14"/>
+                                            </p:txEl>
+                                          </p:spTgt>
+                                        </p:tgtEl>
+                                      </p:cBhvr>
+                                    </p:animEffect>
+                                  </p:childTnLst>
+                                </p:cTn>
+                              </p:par>
+                            </p:childTnLst>
+                          </p:cTn>
+                        </p:par>
+                      </p:childTnLst>
+                    </p:cTn>
+                  </p:par>
+                </p:childTnLst>
+              </p:cTn>
+              <p:prevCondLst>
+                <p:cond evt="onPrev" delay="0">
+                  <p:tgtEl>
+                    <p:sldTgt/>
+                  </p:tgtEl>
+                </p:cond>
+              </p:prevCondLst>
+              <p:nextCondLst>
+                <p:cond evt="onNext" delay="0">
+                  <p:tgtEl>
+                    <p:sldTgt/>
+                  </p:tgtEl>
+                </p:cond>
+              </p:nextCondLst>
+            </p:seq>
+          </p:childTnLst>
+        </p:cTn>
+      </p:par>
+    </p:tnLst>
+    <p:bldLst>
+      <p:bldP spid="3" grpId="0" uiExpand="1" build="p"/>
+    </p:bldLst>
+  </p:timing>
+</p:sld>
+</file>
+
+<file path=ppt/slides/slide9.xml><?xml version="1.0" encoding="utf-8"?>
+<p:sld xmlns:a="http://schemas.openxmlformats.org/drawingml/2006/main" xmlns:r="http://schemas.openxmlformats.org/officeDocument/2006/relationships" xmlns:p="http://schemas.openxmlformats.org/presentationml/2006/main">
+  <p:cSld>
+    <p:spTree>
+      <p:nvGrpSpPr>
+        <p:cNvPr id="1" name=""/>
+        <p:cNvGrpSpPr/>
+        <p:nvPr/>
+      </p:nvGrpSpPr>
+      <p:grpSpPr>
+        <a:xfrm>
+          <a:off x="0" y="0"/>
+          <a:ext cx="0" cy="0"/>
+          <a:chOff x="0" y="0"/>
+          <a:chExt cx="0" cy="0"/>
+        </a:xfrm>
+      </p:grpSpPr>
+      <p:sp>
+        <p:nvSpPr>
+          <p:cNvPr id="2" name="Title 1">
+            <a:extLst>
+              <a:ext uri="{FF2B5EF4-FFF2-40B4-BE49-F238E27FC236}">
+                <a16:creationId xmlns:a16="http://schemas.microsoft.com/office/drawing/2014/main" id="{D094D2B6-E9F7-961C-7047-5E31F80A38E6}"/>
+              </a:ext>
+            </a:extLst>
+          </p:cNvPr>
+          <p:cNvSpPr>
+            <a:spLocks noGrp="1"/>
+          </p:cNvSpPr>
+          <p:nvPr>
+            <p:ph type="title"/>
+          </p:nvPr>
+        </p:nvSpPr>
+        <p:spPr/>
+        <p:txBody>
+          <a:bodyPr/>
+          <a:lstStyle/>
+          <a:p>
+            <a:r>
+              <a:rPr lang="en-US" dirty="0"/>
+              <a:t>Unit 1 – Layout Basics</a:t>
+            </a:r>
+          </a:p>
+        </p:txBody>
+      </p:sp>
+      <p:sp>
+        <p:nvSpPr>
+          <p:cNvPr id="3" name="Content Placeholder 2">
+            <a:extLst>
+              <a:ext uri="{FF2B5EF4-FFF2-40B4-BE49-F238E27FC236}">
+                <a16:creationId xmlns:a16="http://schemas.microsoft.com/office/drawing/2014/main" id="{56BCAEF2-1D84-AEEF-581D-4E6F1397750F}"/>
+              </a:ext>
+            </a:extLst>
+          </p:cNvPr>
+          <p:cNvSpPr>
+            <a:spLocks noGrp="1"/>
+          </p:cNvSpPr>
+          <p:nvPr>
+            <p:ph idx="1"/>
+          </p:nvPr>
+        </p:nvSpPr>
+        <p:spPr>
+          <a:xfrm>
+            <a:off x="2589212" y="2133600"/>
+            <a:ext cx="8915400" cy="4247322"/>
+          </a:xfrm>
+        </p:spPr>
+        <p:txBody>
+          <a:bodyPr>
+            <a:normAutofit lnSpcReduction="10000"/>
+          </a:bodyPr>
+          <a:lstStyle/>
+          <a:p>
+            <a:r>
+              <a:rPr lang="en-US" dirty="0"/>
+              <a:t>Positioning elements</a:t>
+            </a:r>
+          </a:p>
+          <a:p>
+            <a:pPr lvl="1"/>
+            <a:r>
+              <a:rPr lang="en-US" dirty="0"/>
+              <a:t>Ideally, we don't need to set size or position for child elements</a:t>
+            </a:r>
+          </a:p>
+          <a:p>
+            <a:pPr lvl="1"/>
+            <a:r>
+              <a:rPr lang="en-US" dirty="0"/>
+              <a:t>Why?</a:t>
+            </a:r>
+          </a:p>
+          <a:p>
+            <a:pPr lvl="2"/>
+            <a:r>
+              <a:rPr lang="en-US" dirty="0"/>
+              <a:t>Contents of elements typically not fixed--contains either data or text, which can be localized</a:t>
+            </a:r>
+          </a:p>
+          <a:p>
+            <a:pPr lvl="1"/>
+            <a:r>
+              <a:rPr lang="en-US" dirty="0"/>
+              <a:t>WPF uses flow-based layout--adapt the layout to the viewing environment</a:t>
+            </a:r>
+          </a:p>
+          <a:p>
+            <a:pPr lvl="1"/>
+            <a:r>
+              <a:rPr lang="en-US" dirty="0"/>
+              <a:t>Positioning child elements -- what we </a:t>
+            </a:r>
+            <a:r>
+              <a:rPr lang="en-US" b="1" i="1" dirty="0"/>
+              <a:t>can</a:t>
+            </a:r>
+            <a:r>
+              <a:rPr lang="en-US" dirty="0"/>
+              <a:t> do</a:t>
+            </a:r>
+          </a:p>
+          <a:p>
+            <a:pPr lvl="2"/>
+            <a:r>
+              <a:rPr lang="en-US" dirty="0"/>
+              <a:t>Select the right layout container</a:t>
+            </a:r>
+          </a:p>
+          <a:p>
+            <a:pPr lvl="2"/>
+            <a:r>
+              <a:rPr lang="en-US" dirty="0"/>
+              <a:t>Alignment</a:t>
+            </a:r>
+          </a:p>
+          <a:p>
+            <a:pPr lvl="2"/>
+            <a:r>
+              <a:rPr lang="en-US" dirty="0"/>
+              <a:t>Margins</a:t>
+            </a:r>
+          </a:p>
+          <a:p>
+            <a:pPr lvl="2"/>
+            <a:r>
+              <a:rPr lang="en-US" dirty="0"/>
+              <a:t>Padding</a:t>
+            </a:r>
+          </a:p>
+          <a:p>
+            <a:pPr lvl="1"/>
+            <a:r>
+              <a:rPr lang="en-US" dirty="0"/>
+              <a:t>Avoid, if possible</a:t>
+            </a:r>
+          </a:p>
+          <a:p>
+            <a:pPr lvl="2"/>
+            <a:r>
+              <a:rPr lang="en-US" dirty="0"/>
+              <a:t>Size:  Height, Width properties</a:t>
+            </a:r>
+          </a:p>
+        </p:txBody>
+      </p:sp>
+    </p:spTree>
+    <p:extLst>
+      <p:ext uri="{BB962C8B-B14F-4D97-AF65-F5344CB8AC3E}">
+        <p14:creationId xmlns:p14="http://schemas.microsoft.com/office/powerpoint/2010/main" val="3456432182"/>
+      </p:ext>
+    </p:extLst>
+  </p:cSld>
+  <p:clrMapOvr>
+    <a:masterClrMapping/>
+  </p:clrMapOvr>
+  <p:timing>
+    <p:tnLst>
+      <p:par>
+        <p:cTn id="1" dur="indefinite" restart="never" nodeType="tmRoot">
+          <p:childTnLst>
+            <p:seq concurrent="1" nextAc="seek">
+              <p:cTn id="2" dur="indefinite" nodeType="mainSeq">
+                <p:childTnLst>
+                  <p:par>
+                    <p:cTn id="3" fill="hold">
+                      <p:stCondLst>
+                        <p:cond delay="indefinite"/>
+                        <p:cond evt="onBegin" delay="0">
+                          <p:tn val="2"/>
+                        </p:cond>
+                      </p:stCondLst>
+                      <p:childTnLst>
+                        <p:par>
+                          <p:cTn id="4" fill="hold">
+                            <p:stCondLst>
+                              <p:cond delay="0"/>
+                            </p:stCondLst>
+                            <p:childTnLst>
+                              <p:par>
+                                <p:cTn id="5" presetID="10" presetClass="entr" presetSubtype="0" fill="hold" grpId="0" nodeType="withEffect">
+                                  <p:stCondLst>
+                                    <p:cond delay="0"/>
+                                  </p:stCondLst>
+                                  <p:childTnLst>
+                                    <p:set>
+                                      <p:cBhvr>
+                                        <p:cTn id="6" dur="1" fill="hold">
+                                          <p:stCondLst>
+                                            <p:cond delay="0"/>
+                                          </p:stCondLst>
+                                        </p:cTn>
+                                        <p:tgtEl>
+                                          <p:spTgt spid="3">
+                                            <p:txEl>
+                                              <p:pRg st="0" end="0"/>
+                                            </p:txEl>
+                                          </p:spTgt>
+                                        </p:tgtEl>
+                                        <p:attrNameLst>
+                                          <p:attrName>style.visibility</p:attrName>
+                                        </p:attrNameLst>
+                                      </p:cBhvr>
+                                      <p:to>
+                                        <p:strVal val="visible"/>
+                                      </p:to>
+                                    </p:set>
+                                    <p:animEffect transition="in" filter="fade">
+                                      <p:cBhvr>
+                                        <p:cTn id="7" dur="500"/>
+                                        <p:tgtEl>
+                                          <p:spTgt spid="3">
+                                            <p:txEl>
+                                              <p:pRg st="0" end="0"/>
+                                            </p:txEl>
+                                          </p:spTgt>
+                                        </p:tgtEl>
+                                      </p:cBhvr>
+                                    </p:animEffect>
+                                  </p:childTnLst>
+                                </p:cTn>
+                              </p:par>
+                            </p:childTnLst>
+                          </p:cTn>
+                        </p:par>
+                      </p:childTnLst>
+                    </p:cTn>
+                  </p:par>
+                  <p:par>
+                    <p:cTn id="8" fill="hold">
+                      <p:stCondLst>
+                        <p:cond delay="indefinite"/>
+                      </p:stCondLst>
+                      <p:childTnLst>
+                        <p:par>
+                          <p:cTn id="9" fill="hold">
+                            <p:stCondLst>
+                              <p:cond delay="0"/>
+                            </p:stCondLst>
+                            <p:childTnLst>
+                              <p:par>
+                                <p:cTn id="10" presetID="10" presetClass="entr" presetSubtype="0" fill="hold" grpId="0" nodeType="clickEffect">
+                                  <p:stCondLst>
+                                    <p:cond delay="0"/>
+                                  </p:stCondLst>
+                                  <p:childTnLst>
+                                    <p:set>
+                                      <p:cBhvr>
+                                        <p:cTn id="11" dur="1" fill="hold">
+                                          <p:stCondLst>
+                                            <p:cond delay="0"/>
+                                          </p:stCondLst>
+                                        </p:cTn>
+                                        <p:tgtEl>
+                                          <p:spTgt spid="3">
+                                            <p:txEl>
+                                              <p:pRg st="1" end="1"/>
+                                            </p:txEl>
+                                          </p:spTgt>
+                                        </p:tgtEl>
+                                        <p:attrNameLst>
+                                          <p:attrName>style.visibility</p:attrName>
+                                        </p:attrNameLst>
+                                      </p:cBhvr>
+                                      <p:to>
+                                        <p:strVal val="visible"/>
+                                      </p:to>
+                                    </p:set>
+                                    <p:animEffect transition="in" filter="fade">
+                                      <p:cBhvr>
+                                        <p:cTn id="12" dur="500"/>
+                                        <p:tgtEl>
+                                          <p:spTgt spid="3">
+                                            <p:txEl>
+                                              <p:pRg st="1" end="1"/>
+                                            </p:txEl>
+                                          </p:spTgt>
+                                        </p:tgtEl>
+                                      </p:cBhvr>
+                                    </p:animEffect>
+                                  </p:childTnLst>
+                                </p:cTn>
+                              </p:par>
+                            </p:childTnLst>
+                          </p:cTn>
+                        </p:par>
+                      </p:childTnLst>
+                    </p:cTn>
+                  </p:par>
+                  <p:par>
+                    <p:cTn id="13" fill="hold">
+                      <p:stCondLst>
+                        <p:cond delay="indefinite"/>
+                      </p:stCondLst>
+                      <p:childTnLst>
+                        <p:par>
+                          <p:cTn id="14" fill="hold">
+                            <p:stCondLst>
+                              <p:cond delay="0"/>
+                            </p:stCondLst>
+                            <p:childTnLst>
+                              <p:par>
+                                <p:cTn id="15" presetID="10" presetClass="entr" presetSubtype="0" fill="hold" grpId="0" nodeType="clickEffect">
+                                  <p:stCondLst>
+                                    <p:cond delay="0"/>
+                                  </p:stCondLst>
+                                  <p:childTnLst>
+                                    <p:set>
+                                      <p:cBhvr>
+                                        <p:cTn id="16" dur="1" fill="hold">
+                                          <p:stCondLst>
+                                            <p:cond delay="0"/>
+                                          </p:stCondLst>
+                                        </p:cTn>
+                                        <p:tgtEl>
+                                          <p:spTgt spid="3">
+                                            <p:txEl>
+                                              <p:pRg st="2" end="2"/>
+                                            </p:txEl>
+                                          </p:spTgt>
+                                        </p:tgtEl>
+                                        <p:attrNameLst>
+                                          <p:attrName>style.visibility</p:attrName>
+                                        </p:attrNameLst>
+                                      </p:cBhvr>
+                                      <p:to>
+                                        <p:strVal val="visible"/>
+                                      </p:to>
+                                    </p:set>
+                                    <p:animEffect transition="in" filter="fade">
+                                      <p:cBhvr>
+                                        <p:cTn id="17" dur="500"/>
+                                        <p:tgtEl>
+                                          <p:spTgt spid="3">
+                                            <p:txEl>
+                                              <p:pRg st="2" end="2"/>
+                                            </p:txEl>
+                                          </p:spTgt>
+                                        </p:tgtEl>
+                                      </p:cBhvr>
+                                    </p:animEffect>
+                                  </p:childTnLst>
+                                </p:cTn>
+                              </p:par>
+                              <p:par>
+                                <p:cTn id="18" presetID="10" presetClass="entr" presetSubtype="0" fill="hold" grpId="0" nodeType="withEffect">
+                                  <p:stCondLst>
+                                    <p:cond delay="0"/>
+                                  </p:stCondLst>
+                                  <p:childTnLst>
+                                    <p:set>
+                                      <p:cBhvr>
+                                        <p:cTn id="19" dur="1" fill="hold">
+                                          <p:stCondLst>
+                                            <p:cond delay="0"/>
+                                          </p:stCondLst>
+                                        </p:cTn>
+                                        <p:tgtEl>
+                                          <p:spTgt spid="3">
+                                            <p:txEl>
+                                              <p:pRg st="3" end="3"/>
+                                            </p:txEl>
+                                          </p:spTgt>
+                                        </p:tgtEl>
+                                        <p:attrNameLst>
+                                          <p:attrName>style.visibility</p:attrName>
+                                        </p:attrNameLst>
+                                      </p:cBhvr>
+                                      <p:to>
+                                        <p:strVal val="visible"/>
+                                      </p:to>
+                                    </p:set>
+                                    <p:animEffect transition="in" filter="fade">
+                                      <p:cBhvr>
+                                        <p:cTn id="20" dur="500"/>
+                                        <p:tgtEl>
+                                          <p:spTgt spid="3">
+                                            <p:txEl>
+                                              <p:pRg st="3" end="3"/>
+                                            </p:txEl>
+                                          </p:spTgt>
+                                        </p:tgtEl>
+                                      </p:cBhvr>
+                                    </p:animEffect>
+                                  </p:childTnLst>
+                                </p:cTn>
+                              </p:par>
+                            </p:childTnLst>
+                          </p:cTn>
+                        </p:par>
+                      </p:childTnLst>
+                    </p:cTn>
+                  </p:par>
+                  <p:par>
+                    <p:cTn id="21" fill="hold">
+                      <p:stCondLst>
+                        <p:cond delay="indefinite"/>
+                      </p:stCondLst>
+                      <p:childTnLst>
+                        <p:par>
+                          <p:cTn id="22" fill="hold">
+                            <p:stCondLst>
+                              <p:cond delay="0"/>
+                            </p:stCondLst>
+                            <p:childTnLst>
+                              <p:par>
+                                <p:cTn id="23" presetID="10" presetClass="entr" presetSubtype="0" fill="hold" grpId="0" nodeType="clickEffect">
+                                  <p:stCondLst>
+                                    <p:cond delay="0"/>
+                                  </p:stCondLst>
+                                  <p:childTnLst>
+                                    <p:set>
+                                      <p:cBhvr>
+                                        <p:cTn id="24" dur="1" fill="hold">
+                                          <p:stCondLst>
+                                            <p:cond delay="0"/>
+                                          </p:stCondLst>
+                                        </p:cTn>
+                                        <p:tgtEl>
+                                          <p:spTgt spid="3">
+                                            <p:txEl>
+                                              <p:pRg st="4" end="4"/>
+                                            </p:txEl>
+                                          </p:spTgt>
+                                        </p:tgtEl>
+                                        <p:attrNameLst>
+                                          <p:attrName>style.visibility</p:attrName>
+                                        </p:attrNameLst>
+                                      </p:cBhvr>
+                                      <p:to>
+                                        <p:strVal val="visible"/>
+                                      </p:to>
+                                    </p:set>
+                                    <p:animEffect transition="in" filter="fade">
+                                      <p:cBhvr>
+                                        <p:cTn id="25" dur="500"/>
+                                        <p:tgtEl>
+                                          <p:spTgt spid="3">
+                                            <p:txEl>
+                                              <p:pRg st="4" end="4"/>
+                                            </p:txEl>
+                                          </p:spTgt>
+                                        </p:tgtEl>
+                                      </p:cBhvr>
+                                    </p:animEffect>
+                                  </p:childTnLst>
+                                </p:cTn>
+                              </p:par>
+                            </p:childTnLst>
+                          </p:cTn>
+                        </p:par>
+                      </p:childTnLst>
+                    </p:cTn>
+                  </p:par>
+                  <p:par>
+                    <p:cTn id="26" fill="hold">
+                      <p:stCondLst>
+                        <p:cond delay="indefinite"/>
+                      </p:stCondLst>
+                      <p:childTnLst>
+                        <p:par>
+                          <p:cTn id="27" fill="hold">
+                            <p:stCondLst>
+                              <p:cond delay="0"/>
+                            </p:stCondLst>
+                            <p:childTnLst>
+                              <p:par>
+                                <p:cTn id="28" presetID="10" presetClass="entr" presetSubtype="0" fill="hold" grpId="0" nodeType="clickEffect">
+                                  <p:stCondLst>
+                                    <p:cond delay="0"/>
+                                  </p:stCondLst>
+                                  <p:childTnLst>
+                                    <p:set>
+                                      <p:cBhvr>
+                                        <p:cTn id="29" dur="1" fill="hold">
+                                          <p:stCondLst>
+                                            <p:cond delay="0"/>
+                                          </p:stCondLst>
+                                        </p:cTn>
+                                        <p:tgtEl>
+                                          <p:spTgt spid="3">
+                                            <p:txEl>
+                                              <p:pRg st="5" end="5"/>
+                                            </p:txEl>
+                                          </p:spTgt>
+                                        </p:tgtEl>
+                                        <p:attrNameLst>
+                                          <p:attrName>style.visibility</p:attrName>
+                                        </p:attrNameLst>
+                                      </p:cBhvr>
+                                      <p:to>
+                                        <p:strVal val="visible"/>
+                                      </p:to>
+                                    </p:set>
+                                    <p:animEffect transition="in" filter="fade">
+                                      <p:cBhvr>
+                                        <p:cTn id="30" dur="500"/>
+                                        <p:tgtEl>
+                                          <p:spTgt spid="3">
+                                            <p:txEl>
+                                              <p:pRg st="5" end="5"/>
+                                            </p:txEl>
+                                          </p:spTgt>
+                                        </p:tgtEl>
+                                      </p:cBhvr>
+                                    </p:animEffect>
+                                  </p:childTnLst>
+                                </p:cTn>
+                              </p:par>
+                              <p:par>
+                                <p:cTn id="31" presetID="10" presetClass="entr" presetSubtype="0" fill="hold" grpId="0" nodeType="withEffect">
+                                  <p:stCondLst>
+                                    <p:cond delay="0"/>
+                                  </p:stCondLst>
+                                  <p:childTnLst>
+                                    <p:set>
+                                      <p:cBhvr>
+                                        <p:cTn id="32" dur="1" fill="hold">
+                                          <p:stCondLst>
+                                            <p:cond delay="0"/>
+                                          </p:stCondLst>
+                                        </p:cTn>
+                                        <p:tgtEl>
+                                          <p:spTgt spid="3">
+                                            <p:txEl>
+                                              <p:pRg st="6" end="6"/>
+                                            </p:txEl>
+                                          </p:spTgt>
+                                        </p:tgtEl>
+                                        <p:attrNameLst>
+                                          <p:attrName>style.visibility</p:attrName>
+                                        </p:attrNameLst>
+                                      </p:cBhvr>
+                                      <p:to>
+                                        <p:strVal val="visible"/>
+                                      </p:to>
+                                    </p:set>
+                                    <p:animEffect transition="in" filter="fade">
+                                      <p:cBhvr>
+                                        <p:cTn id="33" dur="500"/>
+                                        <p:tgtEl>
+                                          <p:spTgt spid="3">
+                                            <p:txEl>
+                                              <p:pRg st="6" end="6"/>
+                                            </p:txEl>
+                                          </p:spTgt>
+                                        </p:tgtEl>
+                                      </p:cBhvr>
+                                    </p:animEffect>
+                                  </p:childTnLst>
+                                </p:cTn>
+                              </p:par>
+                              <p:par>
+                                <p:cTn id="34" presetID="10" presetClass="entr" presetSubtype="0" fill="hold" grpId="0" nodeType="withEffect">
+                                  <p:stCondLst>
+                                    <p:cond delay="0"/>
+                                  </p:stCondLst>
+                                  <p:childTnLst>
+                                    <p:set>
+                                      <p:cBhvr>
+                                        <p:cTn id="35" dur="1" fill="hold">
+                                          <p:stCondLst>
+                                            <p:cond delay="0"/>
+                                          </p:stCondLst>
+                                        </p:cTn>
+                                        <p:tgtEl>
+                                          <p:spTgt spid="3">
+                                            <p:txEl>
+                                              <p:pRg st="7" end="7"/>
+                                            </p:txEl>
+                                          </p:spTgt>
+                                        </p:tgtEl>
+                                        <p:attrNameLst>
+                                          <p:attrName>style.visibility</p:attrName>
+                                        </p:attrNameLst>
+                                      </p:cBhvr>
+                                      <p:to>
+                                        <p:strVal val="visible"/>
+                                      </p:to>
+                                    </p:set>
+                                    <p:animEffect transition="in" filter="fade">
+                                      <p:cBhvr>
+                                        <p:cTn id="36" dur="500"/>
+                                        <p:tgtEl>
+                                          <p:spTgt spid="3">
+                                            <p:txEl>
+                                              <p:pRg st="7" end="7"/>
+                                            </p:txEl>
+                                          </p:spTgt>
+                                        </p:tgtEl>
+                                      </p:cBhvr>
+                                    </p:animEffect>
+                                  </p:childTnLst>
+                                </p:cTn>
+                              </p:par>
+                              <p:par>
+                                <p:cTn id="37" presetID="10" presetClass="entr" presetSubtype="0" fill="hold" grpId="0" nodeType="withEffect">
+                                  <p:stCondLst>
+                                    <p:cond delay="0"/>
+                                  </p:stCondLst>
+                                  <p:childTnLst>
+                                    <p:set>
+                                      <p:cBhvr>
+                                        <p:cTn id="38" dur="1" fill="hold">
+                                          <p:stCondLst>
+                                            <p:cond delay="0"/>
+                                          </p:stCondLst>
+                                        </p:cTn>
+                                        <p:tgtEl>
+                                          <p:spTgt spid="3">
+                                            <p:txEl>
+                                              <p:pRg st="8" end="8"/>
+                                            </p:txEl>
+                                          </p:spTgt>
+                                        </p:tgtEl>
+                                        <p:attrNameLst>
+                                          <p:attrName>style.visibility</p:attrName>
+                                        </p:attrNameLst>
+                                      </p:cBhvr>
+                                      <p:to>
+                                        <p:strVal val="visible"/>
+                                      </p:to>
+                                    </p:set>
+                                    <p:animEffect transition="in" filter="fade">
+                                      <p:cBhvr>
+                                        <p:cTn id="39" dur="500"/>
+                                        <p:tgtEl>
+                                          <p:spTgt spid="3">
+                                            <p:txEl>
+                                              <p:pRg st="8" end="8"/>
+                                            </p:txEl>
+                                          </p:spTgt>
+                                        </p:tgtEl>
+                                      </p:cBhvr>
+                                    </p:animEffect>
+                                  </p:childTnLst>
+                                </p:cTn>
+                              </p:par>
+                              <p:par>
+                                <p:cTn id="40" presetID="10" presetClass="entr" presetSubtype="0" fill="hold" grpId="0" nodeType="withEffect">
+                                  <p:stCondLst>
+                                    <p:cond delay="0"/>
+                                  </p:stCondLst>
+                                  <p:childTnLst>
+                                    <p:set>
+                                      <p:cBhvr>
+                                        <p:cTn id="41" dur="1" fill="hold">
+                                          <p:stCondLst>
+                                            <p:cond delay="0"/>
+                                          </p:stCondLst>
+                                        </p:cTn>
+                                        <p:tgtEl>
+                                          <p:spTgt spid="3">
+                                            <p:txEl>
+                                              <p:pRg st="9" end="9"/>
+                                            </p:txEl>
+                                          </p:spTgt>
+                                        </p:tgtEl>
+                                        <p:attrNameLst>
+                                          <p:attrName>style.visibility</p:attrName>
+                                        </p:attrNameLst>
+                                      </p:cBhvr>
+                                      <p:to>
+                                        <p:strVal val="visible"/>
+                                      </p:to>
+                                    </p:set>
+                                    <p:animEffect transition="in" filter="fade">
+                                      <p:cBhvr>
+                                        <p:cTn id="42" dur="500"/>
+                                        <p:tgtEl>
+                                          <p:spTgt spid="3">
+                                            <p:txEl>
+                                              <p:pRg st="9" end="9"/>
+                                            </p:txEl>
+                                          </p:spTgt>
+                                        </p:tgtEl>
+                                      </p:cBhvr>
+                                    </p:animEffect>
+                                  </p:childTnLst>
+                                </p:cTn>
+                              </p:par>
+                            </p:childTnLst>
+                          </p:cTn>
+                        </p:par>
+                      </p:childTnLst>
+                    </p:cTn>
+                  </p:par>
+                  <p:par>
+                    <p:cTn id="43" fill="hold">
+                      <p:stCondLst>
+                        <p:cond delay="indefinite"/>
+                      </p:stCondLst>
+                      <p:childTnLst>
+                        <p:par>
+                          <p:cTn id="44" fill="hold">
+                            <p:stCondLst>
+                              <p:cond delay="0"/>
+                            </p:stCondLst>
+                            <p:childTnLst>
+                              <p:par>
+                                <p:cTn id="45" presetID="10" presetClass="entr" presetSubtype="0" fill="hold" grpId="0" nodeType="clickEffect">
+                                  <p:stCondLst>
+                                    <p:cond delay="0"/>
+                                  </p:stCondLst>
+                                  <p:childTnLst>
+                                    <p:set>
+                                      <p:cBhvr>
+                                        <p:cTn id="46" dur="1" fill="hold">
+                                          <p:stCondLst>
+                                            <p:cond delay="0"/>
+                                          </p:stCondLst>
+                                        </p:cTn>
+                                        <p:tgtEl>
+                                          <p:spTgt spid="3">
+                                            <p:txEl>
+                                              <p:pRg st="10" end="10"/>
+                                            </p:txEl>
+                                          </p:spTgt>
+                                        </p:tgtEl>
+                                        <p:attrNameLst>
+                                          <p:attrName>style.visibility</p:attrName>
+                                        </p:attrNameLst>
+                                      </p:cBhvr>
+                                      <p:to>
+                                        <p:strVal val="visible"/>
+                                      </p:to>
+                                    </p:set>
+                                    <p:animEffect transition="in" filter="fade">
+                                      <p:cBhvr>
+                                        <p:cTn id="47" dur="500"/>
+                                        <p:tgtEl>
+                                          <p:spTgt spid="3">
+                                            <p:txEl>
+                                              <p:pRg st="10" end="10"/>
+                                            </p:txEl>
+                                          </p:spTgt>
+                                        </p:tgtEl>
+                                      </p:cBhvr>
+                                    </p:animEffect>
+                                  </p:childTnLst>
+                                </p:cTn>
+                              </p:par>
+                              <p:par>
+                                <p:cTn id="48" presetID="10" presetClass="entr" presetSubtype="0" fill="hold" grpId="0" nodeType="withEffect">
+                                  <p:stCondLst>
+                                    <p:cond delay="0"/>
+                                  </p:stCondLst>
+                                  <p:childTnLst>
+                                    <p:set>
+                                      <p:cBhvr>
+                                        <p:cTn id="49" dur="1" fill="hold">
+                                          <p:stCondLst>
+                                            <p:cond delay="0"/>
+                                          </p:stCondLst>
+                                        </p:cTn>
+                                        <p:tgtEl>
+                                          <p:spTgt spid="3">
+                                            <p:txEl>
+                                              <p:pRg st="11" end="11"/>
+                                            </p:txEl>
+                                          </p:spTgt>
+                                        </p:tgtEl>
+                                        <p:attrNameLst>
+                                          <p:attrName>style.visibility</p:attrName>
+                                        </p:attrNameLst>
+                                      </p:cBhvr>
+                                      <p:to>
+                                        <p:strVal val="visible"/>
+                                      </p:to>
+                                    </p:set>
+                                    <p:animEffect transition="in" filter="fade">
+                                      <p:cBhvr>
+                                        <p:cTn id="50" dur="500"/>
+                                        <p:tgtEl>
+                                          <p:spTgt spid="3">
+                                            <p:txEl>
+                                              <p:pRg st="11" end="11"/>
+                                            </p:txEl>
+                                          </p:spTgt>
+                                        </p:tgtEl>
+                                      </p:cBhvr>
+                                    </p:animEffect>
+                                  </p:childTnLst>
+                                </p:cTn>
+                              </p:par>
+                            </p:childTnLst>
+                          </p:cTn>
+                        </p:par>
+                      </p:childTnLst>
+                    </p:cTn>
+                  </p:par>
+                </p:childTnLst>
+              </p:cTn>
+              <p:prevCondLst>
+                <p:cond evt="onPrev" delay="0">
+                  <p:tgtEl>
+                    <p:sldTgt/>
+                  </p:tgtEl>
+                </p:cond>
+              </p:prevCondLst>
+              <p:nextCondLst>
+                <p:cond evt="onNext" delay="0">
+                  <p:tgtEl>
+                    <p:sldTgt/>
+                  </p:tgtEl>
+                </p:cond>
+              </p:nextCondLst>
+            </p:seq>
+          </p:childTnLst>
+        </p:cTn>
+      </p:par>
+    </p:tnLst>
+    <p:bldLst>
+      <p:bldP spid="3" grpId="0" uiExpand="1" build="p"/>
+    </p:bldLst>
+  </p:timing>
 </p:sld>
 </file>
 

--- a/WPF-Workshop-Sexton-Oct2023.pptx
+++ b/WPF-Workshop-Sexton-Oct2023.pptx
@@ -5,7 +5,7 @@
     <p:sldMasterId id="2147483896" r:id="rId1"/>
   </p:sldMasterIdLst>
   <p:notesMasterIdLst>
-    <p:notesMasterId r:id="rId12"/>
+    <p:notesMasterId r:id="rId18"/>
   </p:notesMasterIdLst>
   <p:sldIdLst>
     <p:sldId id="256" r:id="rId2"/>
@@ -18,6 +18,12 @@
     <p:sldId id="264" r:id="rId9"/>
     <p:sldId id="265" r:id="rId10"/>
     <p:sldId id="266" r:id="rId11"/>
+    <p:sldId id="267" r:id="rId12"/>
+    <p:sldId id="268" r:id="rId13"/>
+    <p:sldId id="269" r:id="rId14"/>
+    <p:sldId id="270" r:id="rId15"/>
+    <p:sldId id="271" r:id="rId16"/>
+    <p:sldId id="272" r:id="rId17"/>
   </p:sldIdLst>
   <p:sldSz cx="12192000" cy="6858000"/>
   <p:notesSz cx="6858000" cy="9144000"/>
@@ -680,6 +686,619 @@
     <p:extLst>
       <p:ext uri="{BB962C8B-B14F-4D97-AF65-F5344CB8AC3E}">
         <p14:creationId xmlns:p14="http://schemas.microsoft.com/office/powerpoint/2010/main" val="1831641554"/>
+      </p:ext>
+    </p:extLst>
+  </p:cSld>
+  <p:clrMapOvr>
+    <a:masterClrMapping/>
+  </p:clrMapOvr>
+</p:notes>
+</file>
+
+<file path=ppt/notesSlides/notesSlide11.xml><?xml version="1.0" encoding="utf-8"?>
+<p:notes xmlns:a="http://schemas.openxmlformats.org/drawingml/2006/main" xmlns:r="http://schemas.openxmlformats.org/officeDocument/2006/relationships" xmlns:p="http://schemas.openxmlformats.org/presentationml/2006/main">
+  <p:cSld>
+    <p:spTree>
+      <p:nvGrpSpPr>
+        <p:cNvPr id="1" name=""/>
+        <p:cNvGrpSpPr/>
+        <p:nvPr/>
+      </p:nvGrpSpPr>
+      <p:grpSpPr>
+        <a:xfrm>
+          <a:off x="0" y="0"/>
+          <a:ext cx="0" cy="0"/>
+          <a:chOff x="0" y="0"/>
+          <a:chExt cx="0" cy="0"/>
+        </a:xfrm>
+      </p:grpSpPr>
+      <p:sp>
+        <p:nvSpPr>
+          <p:cNvPr id="2" name="Slide Image Placeholder 1"/>
+          <p:cNvSpPr>
+            <a:spLocks noGrp="1" noRot="1" noChangeAspect="1"/>
+          </p:cNvSpPr>
+          <p:nvPr>
+            <p:ph type="sldImg"/>
+          </p:nvPr>
+        </p:nvSpPr>
+        <p:spPr/>
+      </p:sp>
+      <p:sp>
+        <p:nvSpPr>
+          <p:cNvPr id="3" name="Notes Placeholder 2"/>
+          <p:cNvSpPr>
+            <a:spLocks noGrp="1"/>
+          </p:cNvSpPr>
+          <p:nvPr>
+            <p:ph type="body" idx="1"/>
+          </p:nvPr>
+        </p:nvSpPr>
+        <p:spPr/>
+        <p:txBody>
+          <a:bodyPr/>
+          <a:lstStyle/>
+          <a:p>
+            <a:endParaRPr lang="en-US" dirty="0"/>
+          </a:p>
+          <a:p>
+            <a:r>
+              <a:rPr lang="en-US" dirty="0"/>
+              <a:t>LAST: Example</a:t>
+            </a:r>
+          </a:p>
+          <a:p>
+            <a:r>
+              <a:rPr lang="en-US" dirty="0"/>
+              <a:t>Example</a:t>
+            </a:r>
+          </a:p>
+          <a:p>
+            <a:r>
+              <a:rPr lang="en-US" dirty="0"/>
+              <a:t>- Show: row/column definition, specifying which one</a:t>
+            </a:r>
+          </a:p>
+          <a:p>
+            <a:r>
+              <a:rPr lang="en-US" dirty="0"/>
+              <a:t>- </a:t>
+            </a:r>
+            <a:r>
+              <a:rPr lang="en-US" dirty="0" err="1"/>
+              <a:t>ShowGridLines</a:t>
+            </a:r>
+            <a:endParaRPr lang="en-US" dirty="0"/>
+          </a:p>
+          <a:p>
+            <a:r>
+              <a:rPr lang="en-US" dirty="0"/>
+              <a:t>- Runtime: show proportional sizing</a:t>
+            </a:r>
+          </a:p>
+        </p:txBody>
+      </p:sp>
+      <p:sp>
+        <p:nvSpPr>
+          <p:cNvPr id="4" name="Slide Number Placeholder 3"/>
+          <p:cNvSpPr>
+            <a:spLocks noGrp="1"/>
+          </p:cNvSpPr>
+          <p:nvPr>
+            <p:ph type="sldNum" sz="quarter" idx="5"/>
+          </p:nvPr>
+        </p:nvSpPr>
+        <p:spPr/>
+        <p:txBody>
+          <a:bodyPr/>
+          <a:lstStyle/>
+          <a:p>
+            <a:fld id="{52D86A8A-0D3B-4DD1-BCA4-15D29761E8A6}" type="slidenum">
+              <a:rPr lang="en-US" smtClean="0"/>
+              <a:t>11</a:t>
+            </a:fld>
+            <a:endParaRPr lang="en-US"/>
+          </a:p>
+        </p:txBody>
+      </p:sp>
+    </p:spTree>
+    <p:extLst>
+      <p:ext uri="{BB962C8B-B14F-4D97-AF65-F5344CB8AC3E}">
+        <p14:creationId xmlns:p14="http://schemas.microsoft.com/office/powerpoint/2010/main" val="499529802"/>
+      </p:ext>
+    </p:extLst>
+  </p:cSld>
+  <p:clrMapOvr>
+    <a:masterClrMapping/>
+  </p:clrMapOvr>
+</p:notes>
+</file>
+
+<file path=ppt/notesSlides/notesSlide12.xml><?xml version="1.0" encoding="utf-8"?>
+<p:notes xmlns:a="http://schemas.openxmlformats.org/drawingml/2006/main" xmlns:r="http://schemas.openxmlformats.org/officeDocument/2006/relationships" xmlns:p="http://schemas.openxmlformats.org/presentationml/2006/main">
+  <p:cSld>
+    <p:spTree>
+      <p:nvGrpSpPr>
+        <p:cNvPr id="1" name=""/>
+        <p:cNvGrpSpPr/>
+        <p:nvPr/>
+      </p:nvGrpSpPr>
+      <p:grpSpPr>
+        <a:xfrm>
+          <a:off x="0" y="0"/>
+          <a:ext cx="0" cy="0"/>
+          <a:chOff x="0" y="0"/>
+          <a:chExt cx="0" cy="0"/>
+        </a:xfrm>
+      </p:grpSpPr>
+      <p:sp>
+        <p:nvSpPr>
+          <p:cNvPr id="2" name="Slide Image Placeholder 1"/>
+          <p:cNvSpPr>
+            <a:spLocks noGrp="1" noRot="1" noChangeAspect="1"/>
+          </p:cNvSpPr>
+          <p:nvPr>
+            <p:ph type="sldImg"/>
+          </p:nvPr>
+        </p:nvSpPr>
+        <p:spPr/>
+      </p:sp>
+      <p:sp>
+        <p:nvSpPr>
+          <p:cNvPr id="3" name="Notes Placeholder 2"/>
+          <p:cNvSpPr>
+            <a:spLocks noGrp="1"/>
+          </p:cNvSpPr>
+          <p:nvPr>
+            <p:ph type="body" idx="1"/>
+          </p:nvPr>
+        </p:nvSpPr>
+        <p:spPr/>
+        <p:txBody>
+          <a:bodyPr/>
+          <a:lstStyle/>
+          <a:p>
+            <a:r>
+              <a:rPr lang="en-US" dirty="0"/>
+              <a:t>If each item - Think of the stars like tickets--you hand them out to rows/columns</a:t>
+            </a:r>
+          </a:p>
+          <a:p>
+            <a:r>
+              <a:rPr lang="en-US" dirty="0"/>
+              <a:t>    - The more stars you have, the more space you get</a:t>
+            </a:r>
+          </a:p>
+          <a:p>
+            <a:r>
+              <a:rPr lang="en-US" dirty="0"/>
+              <a:t>Example – Star Sizing</a:t>
+            </a:r>
+          </a:p>
+          <a:p>
+            <a:r>
+              <a:rPr lang="en-US" dirty="0"/>
+              <a:t>- Now we've explicitly given everybody 1 star, which is the default behavior if we don't specify anything</a:t>
+            </a:r>
+          </a:p>
+          <a:p>
+            <a:r>
+              <a:rPr lang="en-US" dirty="0"/>
+              <a:t>- Behavior at run=time is the same</a:t>
+            </a:r>
+          </a:p>
+          <a:p>
+            <a:r>
+              <a:rPr lang="en-US" dirty="0"/>
+              <a:t>LAST: Example – Proportional</a:t>
+            </a:r>
+          </a:p>
+          <a:p>
+            <a:r>
+              <a:rPr lang="en-US" dirty="0"/>
+              <a:t>- Talk through the example, showing XAML and runtime</a:t>
+            </a:r>
+          </a:p>
+          <a:p>
+            <a:endParaRPr lang="en-US" dirty="0"/>
+          </a:p>
+        </p:txBody>
+      </p:sp>
+      <p:sp>
+        <p:nvSpPr>
+          <p:cNvPr id="4" name="Slide Number Placeholder 3"/>
+          <p:cNvSpPr>
+            <a:spLocks noGrp="1"/>
+          </p:cNvSpPr>
+          <p:nvPr>
+            <p:ph type="sldNum" sz="quarter" idx="5"/>
+          </p:nvPr>
+        </p:nvSpPr>
+        <p:spPr/>
+        <p:txBody>
+          <a:bodyPr/>
+          <a:lstStyle/>
+          <a:p>
+            <a:fld id="{52D86A8A-0D3B-4DD1-BCA4-15D29761E8A6}" type="slidenum">
+              <a:rPr lang="en-US" smtClean="0"/>
+              <a:t>12</a:t>
+            </a:fld>
+            <a:endParaRPr lang="en-US"/>
+          </a:p>
+        </p:txBody>
+      </p:sp>
+    </p:spTree>
+    <p:extLst>
+      <p:ext uri="{BB962C8B-B14F-4D97-AF65-F5344CB8AC3E}">
+        <p14:creationId xmlns:p14="http://schemas.microsoft.com/office/powerpoint/2010/main" val="817398064"/>
+      </p:ext>
+    </p:extLst>
+  </p:cSld>
+  <p:clrMapOvr>
+    <a:masterClrMapping/>
+  </p:clrMapOvr>
+</p:notes>
+</file>
+
+<file path=ppt/notesSlides/notesSlide13.xml><?xml version="1.0" encoding="utf-8"?>
+<p:notes xmlns:a="http://schemas.openxmlformats.org/drawingml/2006/main" xmlns:r="http://schemas.openxmlformats.org/officeDocument/2006/relationships" xmlns:p="http://schemas.openxmlformats.org/presentationml/2006/main">
+  <p:cSld>
+    <p:spTree>
+      <p:nvGrpSpPr>
+        <p:cNvPr id="1" name=""/>
+        <p:cNvGrpSpPr/>
+        <p:nvPr/>
+      </p:nvGrpSpPr>
+      <p:grpSpPr>
+        <a:xfrm>
+          <a:off x="0" y="0"/>
+          <a:ext cx="0" cy="0"/>
+          <a:chOff x="0" y="0"/>
+          <a:chExt cx="0" cy="0"/>
+        </a:xfrm>
+      </p:grpSpPr>
+      <p:sp>
+        <p:nvSpPr>
+          <p:cNvPr id="2" name="Slide Image Placeholder 1"/>
+          <p:cNvSpPr>
+            <a:spLocks noGrp="1" noRot="1" noChangeAspect="1"/>
+          </p:cNvSpPr>
+          <p:nvPr>
+            <p:ph type="sldImg"/>
+          </p:nvPr>
+        </p:nvSpPr>
+        <p:spPr/>
+      </p:sp>
+      <p:sp>
+        <p:nvSpPr>
+          <p:cNvPr id="3" name="Notes Placeholder 2"/>
+          <p:cNvSpPr>
+            <a:spLocks noGrp="1"/>
+          </p:cNvSpPr>
+          <p:nvPr>
+            <p:ph type="body" idx="1"/>
+          </p:nvPr>
+        </p:nvSpPr>
+        <p:spPr/>
+        <p:txBody>
+          <a:bodyPr/>
+          <a:lstStyle/>
+          <a:p>
+            <a:r>
+              <a:rPr lang="en-US" dirty="0"/>
+              <a:t>LAST: Non-work areas</a:t>
+            </a:r>
+          </a:p>
+        </p:txBody>
+      </p:sp>
+      <p:sp>
+        <p:nvSpPr>
+          <p:cNvPr id="4" name="Slide Number Placeholder 3"/>
+          <p:cNvSpPr>
+            <a:spLocks noGrp="1"/>
+          </p:cNvSpPr>
+          <p:nvPr>
+            <p:ph type="sldNum" sz="quarter" idx="5"/>
+          </p:nvPr>
+        </p:nvSpPr>
+        <p:spPr/>
+        <p:txBody>
+          <a:bodyPr/>
+          <a:lstStyle/>
+          <a:p>
+            <a:fld id="{52D86A8A-0D3B-4DD1-BCA4-15D29761E8A6}" type="slidenum">
+              <a:rPr lang="en-US" smtClean="0"/>
+              <a:t>13</a:t>
+            </a:fld>
+            <a:endParaRPr lang="en-US"/>
+          </a:p>
+        </p:txBody>
+      </p:sp>
+    </p:spTree>
+    <p:extLst>
+      <p:ext uri="{BB962C8B-B14F-4D97-AF65-F5344CB8AC3E}">
+        <p14:creationId xmlns:p14="http://schemas.microsoft.com/office/powerpoint/2010/main" val="2654822554"/>
+      </p:ext>
+    </p:extLst>
+  </p:cSld>
+  <p:clrMapOvr>
+    <a:masterClrMapping/>
+  </p:clrMapOvr>
+</p:notes>
+</file>
+
+<file path=ppt/notesSlides/notesSlide14.xml><?xml version="1.0" encoding="utf-8"?>
+<p:notes xmlns:a="http://schemas.openxmlformats.org/drawingml/2006/main" xmlns:r="http://schemas.openxmlformats.org/officeDocument/2006/relationships" xmlns:p="http://schemas.openxmlformats.org/presentationml/2006/main">
+  <p:cSld>
+    <p:spTree>
+      <p:nvGrpSpPr>
+        <p:cNvPr id="1" name=""/>
+        <p:cNvGrpSpPr/>
+        <p:nvPr/>
+      </p:nvGrpSpPr>
+      <p:grpSpPr>
+        <a:xfrm>
+          <a:off x="0" y="0"/>
+          <a:ext cx="0" cy="0"/>
+          <a:chOff x="0" y="0"/>
+          <a:chExt cx="0" cy="0"/>
+        </a:xfrm>
+      </p:grpSpPr>
+      <p:sp>
+        <p:nvSpPr>
+          <p:cNvPr id="2" name="Slide Image Placeholder 1"/>
+          <p:cNvSpPr>
+            <a:spLocks noGrp="1" noRot="1" noChangeAspect="1"/>
+          </p:cNvSpPr>
+          <p:nvPr>
+            <p:ph type="sldImg"/>
+          </p:nvPr>
+        </p:nvSpPr>
+        <p:spPr/>
+      </p:sp>
+      <p:sp>
+        <p:nvSpPr>
+          <p:cNvPr id="3" name="Notes Placeholder 2"/>
+          <p:cNvSpPr>
+            <a:spLocks noGrp="1"/>
+          </p:cNvSpPr>
+          <p:nvPr>
+            <p:ph type="body" idx="1"/>
+          </p:nvPr>
+        </p:nvSpPr>
+        <p:spPr/>
+        <p:txBody>
+          <a:bodyPr/>
+          <a:lstStyle/>
+          <a:p>
+            <a:r>
+              <a:rPr lang="en-US" dirty="0"/>
+              <a:t>Discouraged - Like avoiding absolute height and width of controls themselves</a:t>
+            </a:r>
+          </a:p>
+          <a:p>
+            <a:r>
+              <a:rPr lang="en-US" dirty="0"/>
+              <a:t>LAST: Example</a:t>
+            </a:r>
+          </a:p>
+          <a:p>
+            <a:r>
+              <a:rPr lang="en-US" dirty="0"/>
+              <a:t>- Note absolute row height</a:t>
+            </a:r>
+          </a:p>
+          <a:p>
+            <a:r>
+              <a:rPr lang="en-US" dirty="0"/>
+              <a:t>- Note - can also do Auto and add Margin to get what you want</a:t>
+            </a:r>
+          </a:p>
+        </p:txBody>
+      </p:sp>
+      <p:sp>
+        <p:nvSpPr>
+          <p:cNvPr id="4" name="Slide Number Placeholder 3"/>
+          <p:cNvSpPr>
+            <a:spLocks noGrp="1"/>
+          </p:cNvSpPr>
+          <p:nvPr>
+            <p:ph type="sldNum" sz="quarter" idx="5"/>
+          </p:nvPr>
+        </p:nvSpPr>
+        <p:spPr/>
+        <p:txBody>
+          <a:bodyPr/>
+          <a:lstStyle/>
+          <a:p>
+            <a:fld id="{52D86A8A-0D3B-4DD1-BCA4-15D29761E8A6}" type="slidenum">
+              <a:rPr lang="en-US" smtClean="0"/>
+              <a:t>14</a:t>
+            </a:fld>
+            <a:endParaRPr lang="en-US"/>
+          </a:p>
+        </p:txBody>
+      </p:sp>
+    </p:spTree>
+    <p:extLst>
+      <p:ext uri="{BB962C8B-B14F-4D97-AF65-F5344CB8AC3E}">
+        <p14:creationId xmlns:p14="http://schemas.microsoft.com/office/powerpoint/2010/main" val="2544998634"/>
+      </p:ext>
+    </p:extLst>
+  </p:cSld>
+  <p:clrMapOvr>
+    <a:masterClrMapping/>
+  </p:clrMapOvr>
+</p:notes>
+</file>
+
+<file path=ppt/notesSlides/notesSlide15.xml><?xml version="1.0" encoding="utf-8"?>
+<p:notes xmlns:a="http://schemas.openxmlformats.org/drawingml/2006/main" xmlns:r="http://schemas.openxmlformats.org/officeDocument/2006/relationships" xmlns:p="http://schemas.openxmlformats.org/presentationml/2006/main">
+  <p:cSld>
+    <p:spTree>
+      <p:nvGrpSpPr>
+        <p:cNvPr id="1" name=""/>
+        <p:cNvGrpSpPr/>
+        <p:nvPr/>
+      </p:nvGrpSpPr>
+      <p:grpSpPr>
+        <a:xfrm>
+          <a:off x="0" y="0"/>
+          <a:ext cx="0" cy="0"/>
+          <a:chOff x="0" y="0"/>
+          <a:chExt cx="0" cy="0"/>
+        </a:xfrm>
+      </p:grpSpPr>
+      <p:sp>
+        <p:nvSpPr>
+          <p:cNvPr id="2" name="Slide Image Placeholder 1"/>
+          <p:cNvSpPr>
+            <a:spLocks noGrp="1" noRot="1" noChangeAspect="1"/>
+          </p:cNvSpPr>
+          <p:nvPr>
+            <p:ph type="sldImg"/>
+          </p:nvPr>
+        </p:nvSpPr>
+        <p:spPr/>
+      </p:sp>
+      <p:sp>
+        <p:nvSpPr>
+          <p:cNvPr id="3" name="Notes Placeholder 2"/>
+          <p:cNvSpPr>
+            <a:spLocks noGrp="1"/>
+          </p:cNvSpPr>
+          <p:nvPr>
+            <p:ph type="body" idx="1"/>
+          </p:nvPr>
+        </p:nvSpPr>
+        <p:spPr/>
+        <p:txBody>
+          <a:bodyPr/>
+          <a:lstStyle/>
+          <a:p>
+            <a:r>
+              <a:rPr lang="en-US" dirty="0"/>
+              <a:t>LAST: </a:t>
+            </a:r>
+            <a:r>
+              <a:rPr lang="en-US" dirty="0" err="1"/>
+              <a:t>Grid.RowSpan</a:t>
+            </a:r>
+            <a:endParaRPr lang="en-US" dirty="0"/>
+          </a:p>
+        </p:txBody>
+      </p:sp>
+      <p:sp>
+        <p:nvSpPr>
+          <p:cNvPr id="4" name="Slide Number Placeholder 3"/>
+          <p:cNvSpPr>
+            <a:spLocks noGrp="1"/>
+          </p:cNvSpPr>
+          <p:nvPr>
+            <p:ph type="sldNum" sz="quarter" idx="5"/>
+          </p:nvPr>
+        </p:nvSpPr>
+        <p:spPr/>
+        <p:txBody>
+          <a:bodyPr/>
+          <a:lstStyle/>
+          <a:p>
+            <a:fld id="{52D86A8A-0D3B-4DD1-BCA4-15D29761E8A6}" type="slidenum">
+              <a:rPr lang="en-US" smtClean="0"/>
+              <a:t>15</a:t>
+            </a:fld>
+            <a:endParaRPr lang="en-US"/>
+          </a:p>
+        </p:txBody>
+      </p:sp>
+    </p:spTree>
+    <p:extLst>
+      <p:ext uri="{BB962C8B-B14F-4D97-AF65-F5344CB8AC3E}">
+        <p14:creationId xmlns:p14="http://schemas.microsoft.com/office/powerpoint/2010/main" val="3263694143"/>
+      </p:ext>
+    </p:extLst>
+  </p:cSld>
+  <p:clrMapOvr>
+    <a:masterClrMapping/>
+  </p:clrMapOvr>
+</p:notes>
+</file>
+
+<file path=ppt/notesSlides/notesSlide16.xml><?xml version="1.0" encoding="utf-8"?>
+<p:notes xmlns:a="http://schemas.openxmlformats.org/drawingml/2006/main" xmlns:r="http://schemas.openxmlformats.org/officeDocument/2006/relationships" xmlns:p="http://schemas.openxmlformats.org/presentationml/2006/main">
+  <p:cSld>
+    <p:spTree>
+      <p:nvGrpSpPr>
+        <p:cNvPr id="1" name=""/>
+        <p:cNvGrpSpPr/>
+        <p:nvPr/>
+      </p:nvGrpSpPr>
+      <p:grpSpPr>
+        <a:xfrm>
+          <a:off x="0" y="0"/>
+          <a:ext cx="0" cy="0"/>
+          <a:chOff x="0" y="0"/>
+          <a:chExt cx="0" cy="0"/>
+        </a:xfrm>
+      </p:grpSpPr>
+      <p:sp>
+        <p:nvSpPr>
+          <p:cNvPr id="2" name="Slide Image Placeholder 1"/>
+          <p:cNvSpPr>
+            <a:spLocks noGrp="1" noRot="1" noChangeAspect="1"/>
+          </p:cNvSpPr>
+          <p:nvPr>
+            <p:ph type="sldImg"/>
+          </p:nvPr>
+        </p:nvSpPr>
+        <p:spPr/>
+      </p:sp>
+      <p:sp>
+        <p:nvSpPr>
+          <p:cNvPr id="3" name="Notes Placeholder 2"/>
+          <p:cNvSpPr>
+            <a:spLocks noGrp="1"/>
+          </p:cNvSpPr>
+          <p:nvPr>
+            <p:ph type="body" idx="1"/>
+          </p:nvPr>
+        </p:nvSpPr>
+        <p:spPr/>
+        <p:txBody>
+          <a:bodyPr/>
+          <a:lstStyle/>
+          <a:p>
+            <a:endParaRPr lang="en-US" dirty="0"/>
+          </a:p>
+        </p:txBody>
+      </p:sp>
+      <p:sp>
+        <p:nvSpPr>
+          <p:cNvPr id="4" name="Slide Number Placeholder 3"/>
+          <p:cNvSpPr>
+            <a:spLocks noGrp="1"/>
+          </p:cNvSpPr>
+          <p:nvPr>
+            <p:ph type="sldNum" sz="quarter" idx="5"/>
+          </p:nvPr>
+        </p:nvSpPr>
+        <p:spPr/>
+        <p:txBody>
+          <a:bodyPr/>
+          <a:lstStyle/>
+          <a:p>
+            <a:fld id="{52D86A8A-0D3B-4DD1-BCA4-15D29761E8A6}" type="slidenum">
+              <a:rPr lang="en-US" smtClean="0"/>
+              <a:t>16</a:t>
+            </a:fld>
+            <a:endParaRPr lang="en-US"/>
+          </a:p>
+        </p:txBody>
+      </p:sp>
+    </p:spTree>
+    <p:extLst>
+      <p:ext uri="{BB962C8B-B14F-4D97-AF65-F5344CB8AC3E}">
+        <p14:creationId xmlns:p14="http://schemas.microsoft.com/office/powerpoint/2010/main" val="3154407502"/>
       </p:ext>
     </p:extLst>
   </p:cSld>
@@ -9435,6 +10054,2895 @@
 </p:sld>
 </file>
 
+<file path=ppt/slides/slide11.xml><?xml version="1.0" encoding="utf-8"?>
+<p:sld xmlns:a="http://schemas.openxmlformats.org/drawingml/2006/main" xmlns:r="http://schemas.openxmlformats.org/officeDocument/2006/relationships" xmlns:p="http://schemas.openxmlformats.org/presentationml/2006/main">
+  <p:cSld>
+    <p:spTree>
+      <p:nvGrpSpPr>
+        <p:cNvPr id="1" name=""/>
+        <p:cNvGrpSpPr/>
+        <p:nvPr/>
+      </p:nvGrpSpPr>
+      <p:grpSpPr>
+        <a:xfrm>
+          <a:off x="0" y="0"/>
+          <a:ext cx="0" cy="0"/>
+          <a:chOff x="0" y="0"/>
+          <a:chExt cx="0" cy="0"/>
+        </a:xfrm>
+      </p:grpSpPr>
+      <p:sp>
+        <p:nvSpPr>
+          <p:cNvPr id="2" name="Title 1">
+            <a:extLst>
+              <a:ext uri="{FF2B5EF4-FFF2-40B4-BE49-F238E27FC236}">
+                <a16:creationId xmlns:a16="http://schemas.microsoft.com/office/drawing/2014/main" id="{CFF52108-31ED-81D5-1083-9B81433CE081}"/>
+              </a:ext>
+            </a:extLst>
+          </p:cNvPr>
+          <p:cNvSpPr>
+            <a:spLocks noGrp="1"/>
+          </p:cNvSpPr>
+          <p:nvPr>
+            <p:ph type="title"/>
+          </p:nvPr>
+        </p:nvSpPr>
+        <p:spPr/>
+        <p:txBody>
+          <a:bodyPr/>
+          <a:lstStyle/>
+          <a:p>
+            <a:r>
+              <a:rPr lang="en-US" dirty="0"/>
+              <a:t>Unit 2 – Layout Using Grid</a:t>
+            </a:r>
+          </a:p>
+        </p:txBody>
+      </p:sp>
+      <p:sp>
+        <p:nvSpPr>
+          <p:cNvPr id="3" name="Content Placeholder 2">
+            <a:extLst>
+              <a:ext uri="{FF2B5EF4-FFF2-40B4-BE49-F238E27FC236}">
+                <a16:creationId xmlns:a16="http://schemas.microsoft.com/office/drawing/2014/main" id="{064CD27E-8536-2493-C445-126233A83B5E}"/>
+              </a:ext>
+            </a:extLst>
+          </p:cNvPr>
+          <p:cNvSpPr>
+            <a:spLocks noGrp="1"/>
+          </p:cNvSpPr>
+          <p:nvPr>
+            <p:ph idx="1"/>
+          </p:nvPr>
+        </p:nvSpPr>
+        <p:spPr/>
+        <p:txBody>
+          <a:bodyPr/>
+          <a:lstStyle/>
+          <a:p>
+            <a:r>
+              <a:rPr lang="en-US" dirty="0"/>
+              <a:t>Review – </a:t>
+            </a:r>
+            <a:r>
+              <a:rPr lang="en-US" dirty="0" err="1"/>
+              <a:t>StackPanel</a:t>
+            </a:r>
+            <a:endParaRPr lang="en-US" dirty="0"/>
+          </a:p>
+          <a:p>
+            <a:pPr lvl="1"/>
+            <a:r>
+              <a:rPr lang="en-US" dirty="0" err="1"/>
+              <a:t>StackPanel</a:t>
+            </a:r>
+            <a:r>
+              <a:rPr lang="en-US" dirty="0"/>
+              <a:t> good when you want controls in line, one right after the other</a:t>
+            </a:r>
+          </a:p>
+          <a:p>
+            <a:pPr lvl="1"/>
+            <a:r>
+              <a:rPr lang="en-US" dirty="0"/>
+              <a:t>But harder to line things up</a:t>
+            </a:r>
+          </a:p>
+          <a:p>
+            <a:r>
+              <a:rPr lang="en-US" dirty="0"/>
+              <a:t>Grid -- layout in rows and columns</a:t>
+            </a:r>
+          </a:p>
+          <a:p>
+            <a:pPr lvl="1"/>
+            <a:r>
+              <a:rPr lang="en-US" dirty="0"/>
+              <a:t>Create definitions for rows and columns</a:t>
+            </a:r>
+          </a:p>
+          <a:p>
+            <a:pPr lvl="1"/>
+            <a:r>
+              <a:rPr lang="en-US" dirty="0"/>
+              <a:t>Place child controls inside &lt;Grid&gt; element</a:t>
+            </a:r>
+          </a:p>
+          <a:p>
+            <a:pPr lvl="1"/>
+            <a:r>
+              <a:rPr lang="en-US" dirty="0"/>
+              <a:t>For each child, specify Row and Column  (0-based)</a:t>
+            </a:r>
+          </a:p>
+          <a:p>
+            <a:r>
+              <a:rPr lang="en-US" dirty="0">
+                <a:solidFill>
+                  <a:srgbClr val="00B050"/>
+                </a:solidFill>
+              </a:rPr>
+              <a:t>Example – Grid with Child Elements</a:t>
+            </a:r>
+          </a:p>
+        </p:txBody>
+      </p:sp>
+    </p:spTree>
+    <p:extLst>
+      <p:ext uri="{BB962C8B-B14F-4D97-AF65-F5344CB8AC3E}">
+        <p14:creationId xmlns:p14="http://schemas.microsoft.com/office/powerpoint/2010/main" val="646441358"/>
+      </p:ext>
+    </p:extLst>
+  </p:cSld>
+  <p:clrMapOvr>
+    <a:masterClrMapping/>
+  </p:clrMapOvr>
+  <p:timing>
+    <p:tnLst>
+      <p:par>
+        <p:cTn id="1" dur="indefinite" restart="never" nodeType="tmRoot">
+          <p:childTnLst>
+            <p:seq concurrent="1" nextAc="seek">
+              <p:cTn id="2" dur="indefinite" nodeType="mainSeq">
+                <p:childTnLst>
+                  <p:par>
+                    <p:cTn id="3" fill="hold">
+                      <p:stCondLst>
+                        <p:cond delay="indefinite"/>
+                      </p:stCondLst>
+                      <p:childTnLst>
+                        <p:par>
+                          <p:cTn id="4" fill="hold">
+                            <p:stCondLst>
+                              <p:cond delay="0"/>
+                            </p:stCondLst>
+                            <p:childTnLst>
+                              <p:par>
+                                <p:cTn id="5" presetID="10" presetClass="entr" presetSubtype="0" fill="hold" grpId="0" nodeType="clickEffect">
+                                  <p:stCondLst>
+                                    <p:cond delay="0"/>
+                                  </p:stCondLst>
+                                  <p:childTnLst>
+                                    <p:set>
+                                      <p:cBhvr>
+                                        <p:cTn id="6" dur="1" fill="hold">
+                                          <p:stCondLst>
+                                            <p:cond delay="0"/>
+                                          </p:stCondLst>
+                                        </p:cTn>
+                                        <p:tgtEl>
+                                          <p:spTgt spid="3">
+                                            <p:txEl>
+                                              <p:pRg st="0" end="0"/>
+                                            </p:txEl>
+                                          </p:spTgt>
+                                        </p:tgtEl>
+                                        <p:attrNameLst>
+                                          <p:attrName>style.visibility</p:attrName>
+                                        </p:attrNameLst>
+                                      </p:cBhvr>
+                                      <p:to>
+                                        <p:strVal val="visible"/>
+                                      </p:to>
+                                    </p:set>
+                                    <p:animEffect transition="in" filter="fade">
+                                      <p:cBhvr>
+                                        <p:cTn id="7" dur="500"/>
+                                        <p:tgtEl>
+                                          <p:spTgt spid="3">
+                                            <p:txEl>
+                                              <p:pRg st="0" end="0"/>
+                                            </p:txEl>
+                                          </p:spTgt>
+                                        </p:tgtEl>
+                                      </p:cBhvr>
+                                    </p:animEffect>
+                                  </p:childTnLst>
+                                </p:cTn>
+                              </p:par>
+                              <p:par>
+                                <p:cTn id="8" presetID="10" presetClass="entr" presetSubtype="0" fill="hold" grpId="0" nodeType="withEffect">
+                                  <p:stCondLst>
+                                    <p:cond delay="0"/>
+                                  </p:stCondLst>
+                                  <p:childTnLst>
+                                    <p:set>
+                                      <p:cBhvr>
+                                        <p:cTn id="9" dur="1" fill="hold">
+                                          <p:stCondLst>
+                                            <p:cond delay="0"/>
+                                          </p:stCondLst>
+                                        </p:cTn>
+                                        <p:tgtEl>
+                                          <p:spTgt spid="3">
+                                            <p:txEl>
+                                              <p:pRg st="1" end="1"/>
+                                            </p:txEl>
+                                          </p:spTgt>
+                                        </p:tgtEl>
+                                        <p:attrNameLst>
+                                          <p:attrName>style.visibility</p:attrName>
+                                        </p:attrNameLst>
+                                      </p:cBhvr>
+                                      <p:to>
+                                        <p:strVal val="visible"/>
+                                      </p:to>
+                                    </p:set>
+                                    <p:animEffect transition="in" filter="fade">
+                                      <p:cBhvr>
+                                        <p:cTn id="10" dur="500"/>
+                                        <p:tgtEl>
+                                          <p:spTgt spid="3">
+                                            <p:txEl>
+                                              <p:pRg st="1" end="1"/>
+                                            </p:txEl>
+                                          </p:spTgt>
+                                        </p:tgtEl>
+                                      </p:cBhvr>
+                                    </p:animEffect>
+                                  </p:childTnLst>
+                                </p:cTn>
+                              </p:par>
+                              <p:par>
+                                <p:cTn id="11" presetID="10" presetClass="entr" presetSubtype="0" fill="hold" grpId="0" nodeType="withEffect">
+                                  <p:stCondLst>
+                                    <p:cond delay="0"/>
+                                  </p:stCondLst>
+                                  <p:childTnLst>
+                                    <p:set>
+                                      <p:cBhvr>
+                                        <p:cTn id="12" dur="1" fill="hold">
+                                          <p:stCondLst>
+                                            <p:cond delay="0"/>
+                                          </p:stCondLst>
+                                        </p:cTn>
+                                        <p:tgtEl>
+                                          <p:spTgt spid="3">
+                                            <p:txEl>
+                                              <p:pRg st="2" end="2"/>
+                                            </p:txEl>
+                                          </p:spTgt>
+                                        </p:tgtEl>
+                                        <p:attrNameLst>
+                                          <p:attrName>style.visibility</p:attrName>
+                                        </p:attrNameLst>
+                                      </p:cBhvr>
+                                      <p:to>
+                                        <p:strVal val="visible"/>
+                                      </p:to>
+                                    </p:set>
+                                    <p:animEffect transition="in" filter="fade">
+                                      <p:cBhvr>
+                                        <p:cTn id="13" dur="500"/>
+                                        <p:tgtEl>
+                                          <p:spTgt spid="3">
+                                            <p:txEl>
+                                              <p:pRg st="2" end="2"/>
+                                            </p:txEl>
+                                          </p:spTgt>
+                                        </p:tgtEl>
+                                      </p:cBhvr>
+                                    </p:animEffect>
+                                  </p:childTnLst>
+                                </p:cTn>
+                              </p:par>
+                            </p:childTnLst>
+                          </p:cTn>
+                        </p:par>
+                      </p:childTnLst>
+                    </p:cTn>
+                  </p:par>
+                  <p:par>
+                    <p:cTn id="14" fill="hold">
+                      <p:stCondLst>
+                        <p:cond delay="indefinite"/>
+                      </p:stCondLst>
+                      <p:childTnLst>
+                        <p:par>
+                          <p:cTn id="15" fill="hold">
+                            <p:stCondLst>
+                              <p:cond delay="0"/>
+                            </p:stCondLst>
+                            <p:childTnLst>
+                              <p:par>
+                                <p:cTn id="16" presetID="10" presetClass="entr" presetSubtype="0" fill="hold" grpId="0" nodeType="clickEffect">
+                                  <p:stCondLst>
+                                    <p:cond delay="0"/>
+                                  </p:stCondLst>
+                                  <p:childTnLst>
+                                    <p:set>
+                                      <p:cBhvr>
+                                        <p:cTn id="17" dur="1" fill="hold">
+                                          <p:stCondLst>
+                                            <p:cond delay="0"/>
+                                          </p:stCondLst>
+                                        </p:cTn>
+                                        <p:tgtEl>
+                                          <p:spTgt spid="3">
+                                            <p:txEl>
+                                              <p:pRg st="3" end="3"/>
+                                            </p:txEl>
+                                          </p:spTgt>
+                                        </p:tgtEl>
+                                        <p:attrNameLst>
+                                          <p:attrName>style.visibility</p:attrName>
+                                        </p:attrNameLst>
+                                      </p:cBhvr>
+                                      <p:to>
+                                        <p:strVal val="visible"/>
+                                      </p:to>
+                                    </p:set>
+                                    <p:animEffect transition="in" filter="fade">
+                                      <p:cBhvr>
+                                        <p:cTn id="18" dur="500"/>
+                                        <p:tgtEl>
+                                          <p:spTgt spid="3">
+                                            <p:txEl>
+                                              <p:pRg st="3" end="3"/>
+                                            </p:txEl>
+                                          </p:spTgt>
+                                        </p:tgtEl>
+                                      </p:cBhvr>
+                                    </p:animEffect>
+                                  </p:childTnLst>
+                                </p:cTn>
+                              </p:par>
+                              <p:par>
+                                <p:cTn id="19" presetID="10" presetClass="entr" presetSubtype="0" fill="hold" grpId="0" nodeType="withEffect">
+                                  <p:stCondLst>
+                                    <p:cond delay="0"/>
+                                  </p:stCondLst>
+                                  <p:childTnLst>
+                                    <p:set>
+                                      <p:cBhvr>
+                                        <p:cTn id="20" dur="1" fill="hold">
+                                          <p:stCondLst>
+                                            <p:cond delay="0"/>
+                                          </p:stCondLst>
+                                        </p:cTn>
+                                        <p:tgtEl>
+                                          <p:spTgt spid="3">
+                                            <p:txEl>
+                                              <p:pRg st="4" end="4"/>
+                                            </p:txEl>
+                                          </p:spTgt>
+                                        </p:tgtEl>
+                                        <p:attrNameLst>
+                                          <p:attrName>style.visibility</p:attrName>
+                                        </p:attrNameLst>
+                                      </p:cBhvr>
+                                      <p:to>
+                                        <p:strVal val="visible"/>
+                                      </p:to>
+                                    </p:set>
+                                    <p:animEffect transition="in" filter="fade">
+                                      <p:cBhvr>
+                                        <p:cTn id="21" dur="500"/>
+                                        <p:tgtEl>
+                                          <p:spTgt spid="3">
+                                            <p:txEl>
+                                              <p:pRg st="4" end="4"/>
+                                            </p:txEl>
+                                          </p:spTgt>
+                                        </p:tgtEl>
+                                      </p:cBhvr>
+                                    </p:animEffect>
+                                  </p:childTnLst>
+                                </p:cTn>
+                              </p:par>
+                              <p:par>
+                                <p:cTn id="22" presetID="10" presetClass="entr" presetSubtype="0" fill="hold" grpId="0" nodeType="withEffect">
+                                  <p:stCondLst>
+                                    <p:cond delay="0"/>
+                                  </p:stCondLst>
+                                  <p:childTnLst>
+                                    <p:set>
+                                      <p:cBhvr>
+                                        <p:cTn id="23" dur="1" fill="hold">
+                                          <p:stCondLst>
+                                            <p:cond delay="0"/>
+                                          </p:stCondLst>
+                                        </p:cTn>
+                                        <p:tgtEl>
+                                          <p:spTgt spid="3">
+                                            <p:txEl>
+                                              <p:pRg st="5" end="5"/>
+                                            </p:txEl>
+                                          </p:spTgt>
+                                        </p:tgtEl>
+                                        <p:attrNameLst>
+                                          <p:attrName>style.visibility</p:attrName>
+                                        </p:attrNameLst>
+                                      </p:cBhvr>
+                                      <p:to>
+                                        <p:strVal val="visible"/>
+                                      </p:to>
+                                    </p:set>
+                                    <p:animEffect transition="in" filter="fade">
+                                      <p:cBhvr>
+                                        <p:cTn id="24" dur="500"/>
+                                        <p:tgtEl>
+                                          <p:spTgt spid="3">
+                                            <p:txEl>
+                                              <p:pRg st="5" end="5"/>
+                                            </p:txEl>
+                                          </p:spTgt>
+                                        </p:tgtEl>
+                                      </p:cBhvr>
+                                    </p:animEffect>
+                                  </p:childTnLst>
+                                </p:cTn>
+                              </p:par>
+                              <p:par>
+                                <p:cTn id="25" presetID="10" presetClass="entr" presetSubtype="0" fill="hold" grpId="0" nodeType="withEffect">
+                                  <p:stCondLst>
+                                    <p:cond delay="0"/>
+                                  </p:stCondLst>
+                                  <p:childTnLst>
+                                    <p:set>
+                                      <p:cBhvr>
+                                        <p:cTn id="26" dur="1" fill="hold">
+                                          <p:stCondLst>
+                                            <p:cond delay="0"/>
+                                          </p:stCondLst>
+                                        </p:cTn>
+                                        <p:tgtEl>
+                                          <p:spTgt spid="3">
+                                            <p:txEl>
+                                              <p:pRg st="6" end="6"/>
+                                            </p:txEl>
+                                          </p:spTgt>
+                                        </p:tgtEl>
+                                        <p:attrNameLst>
+                                          <p:attrName>style.visibility</p:attrName>
+                                        </p:attrNameLst>
+                                      </p:cBhvr>
+                                      <p:to>
+                                        <p:strVal val="visible"/>
+                                      </p:to>
+                                    </p:set>
+                                    <p:animEffect transition="in" filter="fade">
+                                      <p:cBhvr>
+                                        <p:cTn id="27" dur="500"/>
+                                        <p:tgtEl>
+                                          <p:spTgt spid="3">
+                                            <p:txEl>
+                                              <p:pRg st="6" end="6"/>
+                                            </p:txEl>
+                                          </p:spTgt>
+                                        </p:tgtEl>
+                                      </p:cBhvr>
+                                    </p:animEffect>
+                                  </p:childTnLst>
+                                </p:cTn>
+                              </p:par>
+                            </p:childTnLst>
+                          </p:cTn>
+                        </p:par>
+                      </p:childTnLst>
+                    </p:cTn>
+                  </p:par>
+                  <p:par>
+                    <p:cTn id="28" fill="hold">
+                      <p:stCondLst>
+                        <p:cond delay="indefinite"/>
+                      </p:stCondLst>
+                      <p:childTnLst>
+                        <p:par>
+                          <p:cTn id="29" fill="hold">
+                            <p:stCondLst>
+                              <p:cond delay="0"/>
+                            </p:stCondLst>
+                            <p:childTnLst>
+                              <p:par>
+                                <p:cTn id="30" presetID="10" presetClass="entr" presetSubtype="0" fill="hold" grpId="0" nodeType="clickEffect">
+                                  <p:stCondLst>
+                                    <p:cond delay="0"/>
+                                  </p:stCondLst>
+                                  <p:childTnLst>
+                                    <p:set>
+                                      <p:cBhvr>
+                                        <p:cTn id="31" dur="1" fill="hold">
+                                          <p:stCondLst>
+                                            <p:cond delay="0"/>
+                                          </p:stCondLst>
+                                        </p:cTn>
+                                        <p:tgtEl>
+                                          <p:spTgt spid="3">
+                                            <p:txEl>
+                                              <p:pRg st="7" end="7"/>
+                                            </p:txEl>
+                                          </p:spTgt>
+                                        </p:tgtEl>
+                                        <p:attrNameLst>
+                                          <p:attrName>style.visibility</p:attrName>
+                                        </p:attrNameLst>
+                                      </p:cBhvr>
+                                      <p:to>
+                                        <p:strVal val="visible"/>
+                                      </p:to>
+                                    </p:set>
+                                    <p:animEffect transition="in" filter="fade">
+                                      <p:cBhvr>
+                                        <p:cTn id="32" dur="500"/>
+                                        <p:tgtEl>
+                                          <p:spTgt spid="3">
+                                            <p:txEl>
+                                              <p:pRg st="7" end="7"/>
+                                            </p:txEl>
+                                          </p:spTgt>
+                                        </p:tgtEl>
+                                      </p:cBhvr>
+                                    </p:animEffect>
+                                  </p:childTnLst>
+                                </p:cTn>
+                              </p:par>
+                            </p:childTnLst>
+                          </p:cTn>
+                        </p:par>
+                      </p:childTnLst>
+                    </p:cTn>
+                  </p:par>
+                </p:childTnLst>
+              </p:cTn>
+              <p:prevCondLst>
+                <p:cond evt="onPrev" delay="0">
+                  <p:tgtEl>
+                    <p:sldTgt/>
+                  </p:tgtEl>
+                </p:cond>
+              </p:prevCondLst>
+              <p:nextCondLst>
+                <p:cond evt="onNext" delay="0">
+                  <p:tgtEl>
+                    <p:sldTgt/>
+                  </p:tgtEl>
+                </p:cond>
+              </p:nextCondLst>
+            </p:seq>
+          </p:childTnLst>
+        </p:cTn>
+      </p:par>
+    </p:tnLst>
+    <p:bldLst>
+      <p:bldP spid="3" grpId="0" uiExpand="1" build="p"/>
+    </p:bldLst>
+  </p:timing>
+</p:sld>
+</file>
+
+<file path=ppt/slides/slide12.xml><?xml version="1.0" encoding="utf-8"?>
+<p:sld xmlns:a="http://schemas.openxmlformats.org/drawingml/2006/main" xmlns:r="http://schemas.openxmlformats.org/officeDocument/2006/relationships" xmlns:p="http://schemas.openxmlformats.org/presentationml/2006/main">
+  <p:cSld>
+    <p:spTree>
+      <p:nvGrpSpPr>
+        <p:cNvPr id="1" name=""/>
+        <p:cNvGrpSpPr/>
+        <p:nvPr/>
+      </p:nvGrpSpPr>
+      <p:grpSpPr>
+        <a:xfrm>
+          <a:off x="0" y="0"/>
+          <a:ext cx="0" cy="0"/>
+          <a:chOff x="0" y="0"/>
+          <a:chExt cx="0" cy="0"/>
+        </a:xfrm>
+      </p:grpSpPr>
+      <p:sp>
+        <p:nvSpPr>
+          <p:cNvPr id="2" name="Title 1">
+            <a:extLst>
+              <a:ext uri="{FF2B5EF4-FFF2-40B4-BE49-F238E27FC236}">
+                <a16:creationId xmlns:a16="http://schemas.microsoft.com/office/drawing/2014/main" id="{EC4C1BBA-418D-4C93-7A53-4A6DB9EC9FD1}"/>
+              </a:ext>
+            </a:extLst>
+          </p:cNvPr>
+          <p:cNvSpPr>
+            <a:spLocks noGrp="1"/>
+          </p:cNvSpPr>
+          <p:nvPr>
+            <p:ph type="title"/>
+          </p:nvPr>
+        </p:nvSpPr>
+        <p:spPr/>
+        <p:txBody>
+          <a:bodyPr/>
+          <a:lstStyle/>
+          <a:p>
+            <a:r>
+              <a:rPr lang="en-US" dirty="0"/>
+              <a:t>Unit 2 – Layout Using Grid</a:t>
+            </a:r>
+          </a:p>
+        </p:txBody>
+      </p:sp>
+      <p:sp>
+        <p:nvSpPr>
+          <p:cNvPr id="3" name="Content Placeholder 2">
+            <a:extLst>
+              <a:ext uri="{FF2B5EF4-FFF2-40B4-BE49-F238E27FC236}">
+                <a16:creationId xmlns:a16="http://schemas.microsoft.com/office/drawing/2014/main" id="{9D0A5760-A86C-7636-AE58-4122E4AB4254}"/>
+              </a:ext>
+            </a:extLst>
+          </p:cNvPr>
+          <p:cNvSpPr>
+            <a:spLocks noGrp="1"/>
+          </p:cNvSpPr>
+          <p:nvPr>
+            <p:ph idx="1"/>
+          </p:nvPr>
+        </p:nvSpPr>
+        <p:spPr/>
+        <p:txBody>
+          <a:bodyPr/>
+          <a:lstStyle/>
+          <a:p>
+            <a:r>
+              <a:rPr lang="en-US" dirty="0"/>
+              <a:t>Grid - Proportional Sizing	</a:t>
+            </a:r>
+          </a:p>
+          <a:p>
+            <a:pPr lvl="1"/>
+            <a:r>
+              <a:rPr lang="en-US" dirty="0"/>
+              <a:t>Row height and column width</a:t>
+            </a:r>
+          </a:p>
+          <a:p>
+            <a:pPr lvl="2"/>
+            <a:r>
+              <a:rPr lang="en-US" dirty="0"/>
+              <a:t>Default -- rows take up equal amounts of available vertical space</a:t>
+            </a:r>
+          </a:p>
+          <a:p>
+            <a:pPr lvl="2"/>
+            <a:r>
+              <a:rPr lang="en-US" dirty="0"/>
+              <a:t>Default -- columns take up equal amounts of available horizontal space</a:t>
+            </a:r>
+          </a:p>
+          <a:p>
+            <a:pPr lvl="1"/>
+            <a:r>
+              <a:rPr lang="en-US" dirty="0"/>
+              <a:t>Star sizing</a:t>
+            </a:r>
+          </a:p>
+          <a:p>
+            <a:pPr lvl="2"/>
+            <a:r>
+              <a:rPr lang="en-US" dirty="0"/>
+              <a:t>Use * to indicate that Row or Column takes up some percentage of the available space</a:t>
+            </a:r>
+          </a:p>
+          <a:p>
+            <a:pPr lvl="2"/>
+            <a:r>
+              <a:rPr lang="en-US" dirty="0"/>
+              <a:t>If each item is a single *, they get equal space</a:t>
+            </a:r>
+          </a:p>
+          <a:p>
+            <a:r>
+              <a:rPr lang="en-US" dirty="0">
+                <a:solidFill>
+                  <a:srgbClr val="00B050"/>
+                </a:solidFill>
+              </a:rPr>
+              <a:t>Example - Star Sizing Defaults</a:t>
+            </a:r>
+          </a:p>
+          <a:p>
+            <a:r>
+              <a:rPr lang="en-US" dirty="0">
+                <a:solidFill>
+                  <a:srgbClr val="00B050"/>
+                </a:solidFill>
+              </a:rPr>
+              <a:t>Example - Proportional Size with Star Sizing</a:t>
+            </a:r>
+          </a:p>
+          <a:p>
+            <a:endParaRPr lang="en-US" dirty="0"/>
+          </a:p>
+        </p:txBody>
+      </p:sp>
+    </p:spTree>
+    <p:extLst>
+      <p:ext uri="{BB962C8B-B14F-4D97-AF65-F5344CB8AC3E}">
+        <p14:creationId xmlns:p14="http://schemas.microsoft.com/office/powerpoint/2010/main" val="4021263657"/>
+      </p:ext>
+    </p:extLst>
+  </p:cSld>
+  <p:clrMapOvr>
+    <a:masterClrMapping/>
+  </p:clrMapOvr>
+  <p:timing>
+    <p:tnLst>
+      <p:par>
+        <p:cTn id="1" dur="indefinite" restart="never" nodeType="tmRoot">
+          <p:childTnLst>
+            <p:seq concurrent="1" nextAc="seek">
+              <p:cTn id="2" dur="indefinite" nodeType="mainSeq">
+                <p:childTnLst>
+                  <p:par>
+                    <p:cTn id="3" fill="hold">
+                      <p:stCondLst>
+                        <p:cond delay="indefinite"/>
+                      </p:stCondLst>
+                      <p:childTnLst>
+                        <p:par>
+                          <p:cTn id="4" fill="hold">
+                            <p:stCondLst>
+                              <p:cond delay="0"/>
+                            </p:stCondLst>
+                            <p:childTnLst>
+                              <p:par>
+                                <p:cTn id="5" presetID="10" presetClass="entr" presetSubtype="0" fill="hold" grpId="0" nodeType="clickEffect">
+                                  <p:stCondLst>
+                                    <p:cond delay="0"/>
+                                  </p:stCondLst>
+                                  <p:childTnLst>
+                                    <p:set>
+                                      <p:cBhvr>
+                                        <p:cTn id="6" dur="1" fill="hold">
+                                          <p:stCondLst>
+                                            <p:cond delay="0"/>
+                                          </p:stCondLst>
+                                        </p:cTn>
+                                        <p:tgtEl>
+                                          <p:spTgt spid="3">
+                                            <p:txEl>
+                                              <p:pRg st="0" end="0"/>
+                                            </p:txEl>
+                                          </p:spTgt>
+                                        </p:tgtEl>
+                                        <p:attrNameLst>
+                                          <p:attrName>style.visibility</p:attrName>
+                                        </p:attrNameLst>
+                                      </p:cBhvr>
+                                      <p:to>
+                                        <p:strVal val="visible"/>
+                                      </p:to>
+                                    </p:set>
+                                    <p:animEffect transition="in" filter="fade">
+                                      <p:cBhvr>
+                                        <p:cTn id="7" dur="500"/>
+                                        <p:tgtEl>
+                                          <p:spTgt spid="3">
+                                            <p:txEl>
+                                              <p:pRg st="0" end="0"/>
+                                            </p:txEl>
+                                          </p:spTgt>
+                                        </p:tgtEl>
+                                      </p:cBhvr>
+                                    </p:animEffect>
+                                  </p:childTnLst>
+                                </p:cTn>
+                              </p:par>
+                            </p:childTnLst>
+                          </p:cTn>
+                        </p:par>
+                      </p:childTnLst>
+                    </p:cTn>
+                  </p:par>
+                  <p:par>
+                    <p:cTn id="8" fill="hold">
+                      <p:stCondLst>
+                        <p:cond delay="indefinite"/>
+                      </p:stCondLst>
+                      <p:childTnLst>
+                        <p:par>
+                          <p:cTn id="9" fill="hold">
+                            <p:stCondLst>
+                              <p:cond delay="0"/>
+                            </p:stCondLst>
+                            <p:childTnLst>
+                              <p:par>
+                                <p:cTn id="10" presetID="10" presetClass="entr" presetSubtype="0" fill="hold" grpId="0" nodeType="clickEffect">
+                                  <p:stCondLst>
+                                    <p:cond delay="0"/>
+                                  </p:stCondLst>
+                                  <p:childTnLst>
+                                    <p:set>
+                                      <p:cBhvr>
+                                        <p:cTn id="11" dur="1" fill="hold">
+                                          <p:stCondLst>
+                                            <p:cond delay="0"/>
+                                          </p:stCondLst>
+                                        </p:cTn>
+                                        <p:tgtEl>
+                                          <p:spTgt spid="3">
+                                            <p:txEl>
+                                              <p:pRg st="1" end="1"/>
+                                            </p:txEl>
+                                          </p:spTgt>
+                                        </p:tgtEl>
+                                        <p:attrNameLst>
+                                          <p:attrName>style.visibility</p:attrName>
+                                        </p:attrNameLst>
+                                      </p:cBhvr>
+                                      <p:to>
+                                        <p:strVal val="visible"/>
+                                      </p:to>
+                                    </p:set>
+                                    <p:animEffect transition="in" filter="fade">
+                                      <p:cBhvr>
+                                        <p:cTn id="12" dur="500"/>
+                                        <p:tgtEl>
+                                          <p:spTgt spid="3">
+                                            <p:txEl>
+                                              <p:pRg st="1" end="1"/>
+                                            </p:txEl>
+                                          </p:spTgt>
+                                        </p:tgtEl>
+                                      </p:cBhvr>
+                                    </p:animEffect>
+                                  </p:childTnLst>
+                                </p:cTn>
+                              </p:par>
+                              <p:par>
+                                <p:cTn id="13" presetID="10" presetClass="entr" presetSubtype="0" fill="hold" grpId="0" nodeType="withEffect">
+                                  <p:stCondLst>
+                                    <p:cond delay="0"/>
+                                  </p:stCondLst>
+                                  <p:childTnLst>
+                                    <p:set>
+                                      <p:cBhvr>
+                                        <p:cTn id="14" dur="1" fill="hold">
+                                          <p:stCondLst>
+                                            <p:cond delay="0"/>
+                                          </p:stCondLst>
+                                        </p:cTn>
+                                        <p:tgtEl>
+                                          <p:spTgt spid="3">
+                                            <p:txEl>
+                                              <p:pRg st="2" end="2"/>
+                                            </p:txEl>
+                                          </p:spTgt>
+                                        </p:tgtEl>
+                                        <p:attrNameLst>
+                                          <p:attrName>style.visibility</p:attrName>
+                                        </p:attrNameLst>
+                                      </p:cBhvr>
+                                      <p:to>
+                                        <p:strVal val="visible"/>
+                                      </p:to>
+                                    </p:set>
+                                    <p:animEffect transition="in" filter="fade">
+                                      <p:cBhvr>
+                                        <p:cTn id="15" dur="500"/>
+                                        <p:tgtEl>
+                                          <p:spTgt spid="3">
+                                            <p:txEl>
+                                              <p:pRg st="2" end="2"/>
+                                            </p:txEl>
+                                          </p:spTgt>
+                                        </p:tgtEl>
+                                      </p:cBhvr>
+                                    </p:animEffect>
+                                  </p:childTnLst>
+                                </p:cTn>
+                              </p:par>
+                              <p:par>
+                                <p:cTn id="16" presetID="10" presetClass="entr" presetSubtype="0" fill="hold" grpId="0" nodeType="withEffect">
+                                  <p:stCondLst>
+                                    <p:cond delay="0"/>
+                                  </p:stCondLst>
+                                  <p:childTnLst>
+                                    <p:set>
+                                      <p:cBhvr>
+                                        <p:cTn id="17" dur="1" fill="hold">
+                                          <p:stCondLst>
+                                            <p:cond delay="0"/>
+                                          </p:stCondLst>
+                                        </p:cTn>
+                                        <p:tgtEl>
+                                          <p:spTgt spid="3">
+                                            <p:txEl>
+                                              <p:pRg st="3" end="3"/>
+                                            </p:txEl>
+                                          </p:spTgt>
+                                        </p:tgtEl>
+                                        <p:attrNameLst>
+                                          <p:attrName>style.visibility</p:attrName>
+                                        </p:attrNameLst>
+                                      </p:cBhvr>
+                                      <p:to>
+                                        <p:strVal val="visible"/>
+                                      </p:to>
+                                    </p:set>
+                                    <p:animEffect transition="in" filter="fade">
+                                      <p:cBhvr>
+                                        <p:cTn id="18" dur="500"/>
+                                        <p:tgtEl>
+                                          <p:spTgt spid="3">
+                                            <p:txEl>
+                                              <p:pRg st="3" end="3"/>
+                                            </p:txEl>
+                                          </p:spTgt>
+                                        </p:tgtEl>
+                                      </p:cBhvr>
+                                    </p:animEffect>
+                                  </p:childTnLst>
+                                </p:cTn>
+                              </p:par>
+                            </p:childTnLst>
+                          </p:cTn>
+                        </p:par>
+                      </p:childTnLst>
+                    </p:cTn>
+                  </p:par>
+                  <p:par>
+                    <p:cTn id="19" fill="hold">
+                      <p:stCondLst>
+                        <p:cond delay="indefinite"/>
+                      </p:stCondLst>
+                      <p:childTnLst>
+                        <p:par>
+                          <p:cTn id="20" fill="hold">
+                            <p:stCondLst>
+                              <p:cond delay="0"/>
+                            </p:stCondLst>
+                            <p:childTnLst>
+                              <p:par>
+                                <p:cTn id="21" presetID="10" presetClass="entr" presetSubtype="0" fill="hold" grpId="0" nodeType="clickEffect">
+                                  <p:stCondLst>
+                                    <p:cond delay="0"/>
+                                  </p:stCondLst>
+                                  <p:childTnLst>
+                                    <p:set>
+                                      <p:cBhvr>
+                                        <p:cTn id="22" dur="1" fill="hold">
+                                          <p:stCondLst>
+                                            <p:cond delay="0"/>
+                                          </p:stCondLst>
+                                        </p:cTn>
+                                        <p:tgtEl>
+                                          <p:spTgt spid="3">
+                                            <p:txEl>
+                                              <p:pRg st="4" end="4"/>
+                                            </p:txEl>
+                                          </p:spTgt>
+                                        </p:tgtEl>
+                                        <p:attrNameLst>
+                                          <p:attrName>style.visibility</p:attrName>
+                                        </p:attrNameLst>
+                                      </p:cBhvr>
+                                      <p:to>
+                                        <p:strVal val="visible"/>
+                                      </p:to>
+                                    </p:set>
+                                    <p:animEffect transition="in" filter="fade">
+                                      <p:cBhvr>
+                                        <p:cTn id="23" dur="500"/>
+                                        <p:tgtEl>
+                                          <p:spTgt spid="3">
+                                            <p:txEl>
+                                              <p:pRg st="4" end="4"/>
+                                            </p:txEl>
+                                          </p:spTgt>
+                                        </p:tgtEl>
+                                      </p:cBhvr>
+                                    </p:animEffect>
+                                  </p:childTnLst>
+                                </p:cTn>
+                              </p:par>
+                              <p:par>
+                                <p:cTn id="24" presetID="10" presetClass="entr" presetSubtype="0" fill="hold" grpId="0" nodeType="withEffect">
+                                  <p:stCondLst>
+                                    <p:cond delay="0"/>
+                                  </p:stCondLst>
+                                  <p:childTnLst>
+                                    <p:set>
+                                      <p:cBhvr>
+                                        <p:cTn id="25" dur="1" fill="hold">
+                                          <p:stCondLst>
+                                            <p:cond delay="0"/>
+                                          </p:stCondLst>
+                                        </p:cTn>
+                                        <p:tgtEl>
+                                          <p:spTgt spid="3">
+                                            <p:txEl>
+                                              <p:pRg st="5" end="5"/>
+                                            </p:txEl>
+                                          </p:spTgt>
+                                        </p:tgtEl>
+                                        <p:attrNameLst>
+                                          <p:attrName>style.visibility</p:attrName>
+                                        </p:attrNameLst>
+                                      </p:cBhvr>
+                                      <p:to>
+                                        <p:strVal val="visible"/>
+                                      </p:to>
+                                    </p:set>
+                                    <p:animEffect transition="in" filter="fade">
+                                      <p:cBhvr>
+                                        <p:cTn id="26" dur="500"/>
+                                        <p:tgtEl>
+                                          <p:spTgt spid="3">
+                                            <p:txEl>
+                                              <p:pRg st="5" end="5"/>
+                                            </p:txEl>
+                                          </p:spTgt>
+                                        </p:tgtEl>
+                                      </p:cBhvr>
+                                    </p:animEffect>
+                                  </p:childTnLst>
+                                </p:cTn>
+                              </p:par>
+                              <p:par>
+                                <p:cTn id="27" presetID="10" presetClass="entr" presetSubtype="0" fill="hold" grpId="0" nodeType="withEffect">
+                                  <p:stCondLst>
+                                    <p:cond delay="0"/>
+                                  </p:stCondLst>
+                                  <p:childTnLst>
+                                    <p:set>
+                                      <p:cBhvr>
+                                        <p:cTn id="28" dur="1" fill="hold">
+                                          <p:stCondLst>
+                                            <p:cond delay="0"/>
+                                          </p:stCondLst>
+                                        </p:cTn>
+                                        <p:tgtEl>
+                                          <p:spTgt spid="3">
+                                            <p:txEl>
+                                              <p:pRg st="6" end="6"/>
+                                            </p:txEl>
+                                          </p:spTgt>
+                                        </p:tgtEl>
+                                        <p:attrNameLst>
+                                          <p:attrName>style.visibility</p:attrName>
+                                        </p:attrNameLst>
+                                      </p:cBhvr>
+                                      <p:to>
+                                        <p:strVal val="visible"/>
+                                      </p:to>
+                                    </p:set>
+                                    <p:animEffect transition="in" filter="fade">
+                                      <p:cBhvr>
+                                        <p:cTn id="29" dur="500"/>
+                                        <p:tgtEl>
+                                          <p:spTgt spid="3">
+                                            <p:txEl>
+                                              <p:pRg st="6" end="6"/>
+                                            </p:txEl>
+                                          </p:spTgt>
+                                        </p:tgtEl>
+                                      </p:cBhvr>
+                                    </p:animEffect>
+                                  </p:childTnLst>
+                                </p:cTn>
+                              </p:par>
+                            </p:childTnLst>
+                          </p:cTn>
+                        </p:par>
+                      </p:childTnLst>
+                    </p:cTn>
+                  </p:par>
+                  <p:par>
+                    <p:cTn id="30" fill="hold">
+                      <p:stCondLst>
+                        <p:cond delay="indefinite"/>
+                      </p:stCondLst>
+                      <p:childTnLst>
+                        <p:par>
+                          <p:cTn id="31" fill="hold">
+                            <p:stCondLst>
+                              <p:cond delay="0"/>
+                            </p:stCondLst>
+                            <p:childTnLst>
+                              <p:par>
+                                <p:cTn id="32" presetID="10" presetClass="entr" presetSubtype="0" fill="hold" grpId="0" nodeType="clickEffect">
+                                  <p:stCondLst>
+                                    <p:cond delay="0"/>
+                                  </p:stCondLst>
+                                  <p:childTnLst>
+                                    <p:set>
+                                      <p:cBhvr>
+                                        <p:cTn id="33" dur="1" fill="hold">
+                                          <p:stCondLst>
+                                            <p:cond delay="0"/>
+                                          </p:stCondLst>
+                                        </p:cTn>
+                                        <p:tgtEl>
+                                          <p:spTgt spid="3">
+                                            <p:txEl>
+                                              <p:pRg st="7" end="7"/>
+                                            </p:txEl>
+                                          </p:spTgt>
+                                        </p:tgtEl>
+                                        <p:attrNameLst>
+                                          <p:attrName>style.visibility</p:attrName>
+                                        </p:attrNameLst>
+                                      </p:cBhvr>
+                                      <p:to>
+                                        <p:strVal val="visible"/>
+                                      </p:to>
+                                    </p:set>
+                                    <p:animEffect transition="in" filter="fade">
+                                      <p:cBhvr>
+                                        <p:cTn id="34" dur="500"/>
+                                        <p:tgtEl>
+                                          <p:spTgt spid="3">
+                                            <p:txEl>
+                                              <p:pRg st="7" end="7"/>
+                                            </p:txEl>
+                                          </p:spTgt>
+                                        </p:tgtEl>
+                                      </p:cBhvr>
+                                    </p:animEffect>
+                                  </p:childTnLst>
+                                </p:cTn>
+                              </p:par>
+                            </p:childTnLst>
+                          </p:cTn>
+                        </p:par>
+                      </p:childTnLst>
+                    </p:cTn>
+                  </p:par>
+                  <p:par>
+                    <p:cTn id="35" fill="hold">
+                      <p:stCondLst>
+                        <p:cond delay="indefinite"/>
+                      </p:stCondLst>
+                      <p:childTnLst>
+                        <p:par>
+                          <p:cTn id="36" fill="hold">
+                            <p:stCondLst>
+                              <p:cond delay="0"/>
+                            </p:stCondLst>
+                            <p:childTnLst>
+                              <p:par>
+                                <p:cTn id="37" presetID="10" presetClass="entr" presetSubtype="0" fill="hold" grpId="0" nodeType="clickEffect">
+                                  <p:stCondLst>
+                                    <p:cond delay="0"/>
+                                  </p:stCondLst>
+                                  <p:childTnLst>
+                                    <p:set>
+                                      <p:cBhvr>
+                                        <p:cTn id="38" dur="1" fill="hold">
+                                          <p:stCondLst>
+                                            <p:cond delay="0"/>
+                                          </p:stCondLst>
+                                        </p:cTn>
+                                        <p:tgtEl>
+                                          <p:spTgt spid="3">
+                                            <p:txEl>
+                                              <p:pRg st="8" end="8"/>
+                                            </p:txEl>
+                                          </p:spTgt>
+                                        </p:tgtEl>
+                                        <p:attrNameLst>
+                                          <p:attrName>style.visibility</p:attrName>
+                                        </p:attrNameLst>
+                                      </p:cBhvr>
+                                      <p:to>
+                                        <p:strVal val="visible"/>
+                                      </p:to>
+                                    </p:set>
+                                    <p:animEffect transition="in" filter="fade">
+                                      <p:cBhvr>
+                                        <p:cTn id="39" dur="500"/>
+                                        <p:tgtEl>
+                                          <p:spTgt spid="3">
+                                            <p:txEl>
+                                              <p:pRg st="8" end="8"/>
+                                            </p:txEl>
+                                          </p:spTgt>
+                                        </p:tgtEl>
+                                      </p:cBhvr>
+                                    </p:animEffect>
+                                  </p:childTnLst>
+                                </p:cTn>
+                              </p:par>
+                            </p:childTnLst>
+                          </p:cTn>
+                        </p:par>
+                      </p:childTnLst>
+                    </p:cTn>
+                  </p:par>
+                </p:childTnLst>
+              </p:cTn>
+              <p:prevCondLst>
+                <p:cond evt="onPrev" delay="0">
+                  <p:tgtEl>
+                    <p:sldTgt/>
+                  </p:tgtEl>
+                </p:cond>
+              </p:prevCondLst>
+              <p:nextCondLst>
+                <p:cond evt="onNext" delay="0">
+                  <p:tgtEl>
+                    <p:sldTgt/>
+                  </p:tgtEl>
+                </p:cond>
+              </p:nextCondLst>
+            </p:seq>
+          </p:childTnLst>
+        </p:cTn>
+      </p:par>
+    </p:tnLst>
+    <p:bldLst>
+      <p:bldP spid="3" grpId="0" uiExpand="1" build="p"/>
+    </p:bldLst>
+  </p:timing>
+</p:sld>
+</file>
+
+<file path=ppt/slides/slide13.xml><?xml version="1.0" encoding="utf-8"?>
+<p:sld xmlns:a="http://schemas.openxmlformats.org/drawingml/2006/main" xmlns:r="http://schemas.openxmlformats.org/officeDocument/2006/relationships" xmlns:p="http://schemas.openxmlformats.org/presentationml/2006/main">
+  <p:cSld>
+    <p:spTree>
+      <p:nvGrpSpPr>
+        <p:cNvPr id="1" name=""/>
+        <p:cNvGrpSpPr/>
+        <p:nvPr/>
+      </p:nvGrpSpPr>
+      <p:grpSpPr>
+        <a:xfrm>
+          <a:off x="0" y="0"/>
+          <a:ext cx="0" cy="0"/>
+          <a:chOff x="0" y="0"/>
+          <a:chExt cx="0" cy="0"/>
+        </a:xfrm>
+      </p:grpSpPr>
+      <p:sp>
+        <p:nvSpPr>
+          <p:cNvPr id="2" name="Title 1">
+            <a:extLst>
+              <a:ext uri="{FF2B5EF4-FFF2-40B4-BE49-F238E27FC236}">
+                <a16:creationId xmlns:a16="http://schemas.microsoft.com/office/drawing/2014/main" id="{A338AC80-32E4-BCFC-994D-C9145CF3298D}"/>
+              </a:ext>
+            </a:extLst>
+          </p:cNvPr>
+          <p:cNvSpPr>
+            <a:spLocks noGrp="1"/>
+          </p:cNvSpPr>
+          <p:nvPr>
+            <p:ph type="title"/>
+          </p:nvPr>
+        </p:nvSpPr>
+        <p:spPr/>
+        <p:txBody>
+          <a:bodyPr/>
+          <a:lstStyle/>
+          <a:p>
+            <a:r>
+              <a:rPr lang="en-US" dirty="0"/>
+              <a:t>Unit 2 – Layout Using Grid</a:t>
+            </a:r>
+          </a:p>
+        </p:txBody>
+      </p:sp>
+      <p:sp>
+        <p:nvSpPr>
+          <p:cNvPr id="3" name="Content Placeholder 2">
+            <a:extLst>
+              <a:ext uri="{FF2B5EF4-FFF2-40B4-BE49-F238E27FC236}">
+                <a16:creationId xmlns:a16="http://schemas.microsoft.com/office/drawing/2014/main" id="{49753D9D-9DF4-AD2F-B38D-D4829E8A4FCF}"/>
+              </a:ext>
+            </a:extLst>
+          </p:cNvPr>
+          <p:cNvSpPr>
+            <a:spLocks noGrp="1"/>
+          </p:cNvSpPr>
+          <p:nvPr>
+            <p:ph idx="1"/>
+          </p:nvPr>
+        </p:nvSpPr>
+        <p:spPr/>
+        <p:txBody>
+          <a:bodyPr>
+            <a:normAutofit lnSpcReduction="10000"/>
+          </a:bodyPr>
+          <a:lstStyle/>
+          <a:p>
+            <a:r>
+              <a:rPr lang="en-US" dirty="0"/>
+              <a:t>Grid – Auto Sizing</a:t>
+            </a:r>
+          </a:p>
+          <a:p>
+            <a:pPr lvl="1"/>
+            <a:r>
+              <a:rPr lang="en-US" dirty="0"/>
+              <a:t>Star Sizing - sets sizes based on total available space that Grid size</a:t>
+            </a:r>
+          </a:p>
+          <a:p>
+            <a:pPr lvl="1"/>
+            <a:r>
+              <a:rPr lang="en-US" dirty="0"/>
+              <a:t>Auto Sizing - sets sizes based on content</a:t>
+            </a:r>
+          </a:p>
+          <a:p>
+            <a:pPr lvl="2"/>
+            <a:r>
+              <a:rPr lang="en-US" dirty="0"/>
+              <a:t>Set rows or column as Auto sized to fit content</a:t>
+            </a:r>
+          </a:p>
+          <a:p>
+            <a:pPr lvl="2"/>
+            <a:r>
+              <a:rPr lang="en-US" dirty="0"/>
+              <a:t>Star Sizing then uses whatever is left</a:t>
+            </a:r>
+          </a:p>
+          <a:p>
+            <a:pPr lvl="1"/>
+            <a:r>
+              <a:rPr lang="en-US" dirty="0">
+                <a:solidFill>
+                  <a:srgbClr val="00B050"/>
+                </a:solidFill>
+              </a:rPr>
+              <a:t>Example – Auto Sizing</a:t>
+            </a:r>
+          </a:p>
+          <a:p>
+            <a:pPr lvl="1"/>
+            <a:r>
+              <a:rPr lang="en-US" dirty="0">
+                <a:solidFill>
+                  <a:schemeClr val="tx1"/>
+                </a:solidFill>
+              </a:rPr>
+              <a:t>How to use this</a:t>
+            </a:r>
+          </a:p>
+          <a:p>
+            <a:pPr lvl="2"/>
+            <a:r>
+              <a:rPr lang="en-US" dirty="0">
+                <a:solidFill>
+                  <a:schemeClr val="tx1"/>
+                </a:solidFill>
+              </a:rPr>
+              <a:t>Think about which areas of application are "work areas</a:t>
+            </a:r>
+          </a:p>
+          <a:p>
+            <a:pPr lvl="3"/>
+            <a:r>
+              <a:rPr lang="en-US" dirty="0">
+                <a:solidFill>
+                  <a:schemeClr val="tx1"/>
+                </a:solidFill>
+              </a:rPr>
+              <a:t>Those placed in star-sized rows or columns</a:t>
+            </a:r>
+          </a:p>
+          <a:p>
+            <a:pPr lvl="3"/>
+            <a:r>
+              <a:rPr lang="en-US" dirty="0">
+                <a:solidFill>
+                  <a:schemeClr val="tx1"/>
+                </a:solidFill>
+              </a:rPr>
+              <a:t>Workspace grows or shrinks when containing window changes size</a:t>
+            </a:r>
+          </a:p>
+          <a:p>
+            <a:pPr lvl="2"/>
+            <a:r>
+              <a:rPr lang="en-US" dirty="0">
+                <a:solidFill>
+                  <a:schemeClr val="tx1"/>
+                </a:solidFill>
+              </a:rPr>
+              <a:t>Non-work areas, e.g. widgets are typically Auto sized</a:t>
+            </a:r>
+          </a:p>
+        </p:txBody>
+      </p:sp>
+    </p:spTree>
+    <p:extLst>
+      <p:ext uri="{BB962C8B-B14F-4D97-AF65-F5344CB8AC3E}">
+        <p14:creationId xmlns:p14="http://schemas.microsoft.com/office/powerpoint/2010/main" val="1651441045"/>
+      </p:ext>
+    </p:extLst>
+  </p:cSld>
+  <p:clrMapOvr>
+    <a:masterClrMapping/>
+  </p:clrMapOvr>
+  <p:timing>
+    <p:tnLst>
+      <p:par>
+        <p:cTn id="1" dur="indefinite" restart="never" nodeType="tmRoot">
+          <p:childTnLst>
+            <p:seq concurrent="1" nextAc="seek">
+              <p:cTn id="2" dur="indefinite" nodeType="mainSeq">
+                <p:childTnLst>
+                  <p:par>
+                    <p:cTn id="3" fill="hold">
+                      <p:stCondLst>
+                        <p:cond delay="indefinite"/>
+                      </p:stCondLst>
+                      <p:childTnLst>
+                        <p:par>
+                          <p:cTn id="4" fill="hold">
+                            <p:stCondLst>
+                              <p:cond delay="0"/>
+                            </p:stCondLst>
+                            <p:childTnLst>
+                              <p:par>
+                                <p:cTn id="5" presetID="10" presetClass="entr" presetSubtype="0" fill="hold" grpId="0" nodeType="clickEffect">
+                                  <p:stCondLst>
+                                    <p:cond delay="0"/>
+                                  </p:stCondLst>
+                                  <p:childTnLst>
+                                    <p:set>
+                                      <p:cBhvr>
+                                        <p:cTn id="6" dur="1" fill="hold">
+                                          <p:stCondLst>
+                                            <p:cond delay="0"/>
+                                          </p:stCondLst>
+                                        </p:cTn>
+                                        <p:tgtEl>
+                                          <p:spTgt spid="3">
+                                            <p:txEl>
+                                              <p:pRg st="0" end="0"/>
+                                            </p:txEl>
+                                          </p:spTgt>
+                                        </p:tgtEl>
+                                        <p:attrNameLst>
+                                          <p:attrName>style.visibility</p:attrName>
+                                        </p:attrNameLst>
+                                      </p:cBhvr>
+                                      <p:to>
+                                        <p:strVal val="visible"/>
+                                      </p:to>
+                                    </p:set>
+                                    <p:animEffect transition="in" filter="fade">
+                                      <p:cBhvr>
+                                        <p:cTn id="7" dur="500"/>
+                                        <p:tgtEl>
+                                          <p:spTgt spid="3">
+                                            <p:txEl>
+                                              <p:pRg st="0" end="0"/>
+                                            </p:txEl>
+                                          </p:spTgt>
+                                        </p:tgtEl>
+                                      </p:cBhvr>
+                                    </p:animEffect>
+                                  </p:childTnLst>
+                                </p:cTn>
+                              </p:par>
+                              <p:par>
+                                <p:cTn id="8" presetID="10" presetClass="entr" presetSubtype="0" fill="hold" grpId="0" nodeType="withEffect">
+                                  <p:stCondLst>
+                                    <p:cond delay="0"/>
+                                  </p:stCondLst>
+                                  <p:childTnLst>
+                                    <p:set>
+                                      <p:cBhvr>
+                                        <p:cTn id="9" dur="1" fill="hold">
+                                          <p:stCondLst>
+                                            <p:cond delay="0"/>
+                                          </p:stCondLst>
+                                        </p:cTn>
+                                        <p:tgtEl>
+                                          <p:spTgt spid="3">
+                                            <p:txEl>
+                                              <p:pRg st="1" end="1"/>
+                                            </p:txEl>
+                                          </p:spTgt>
+                                        </p:tgtEl>
+                                        <p:attrNameLst>
+                                          <p:attrName>style.visibility</p:attrName>
+                                        </p:attrNameLst>
+                                      </p:cBhvr>
+                                      <p:to>
+                                        <p:strVal val="visible"/>
+                                      </p:to>
+                                    </p:set>
+                                    <p:animEffect transition="in" filter="fade">
+                                      <p:cBhvr>
+                                        <p:cTn id="10" dur="500"/>
+                                        <p:tgtEl>
+                                          <p:spTgt spid="3">
+                                            <p:txEl>
+                                              <p:pRg st="1" end="1"/>
+                                            </p:txEl>
+                                          </p:spTgt>
+                                        </p:tgtEl>
+                                      </p:cBhvr>
+                                    </p:animEffect>
+                                  </p:childTnLst>
+                                </p:cTn>
+                              </p:par>
+                            </p:childTnLst>
+                          </p:cTn>
+                        </p:par>
+                      </p:childTnLst>
+                    </p:cTn>
+                  </p:par>
+                  <p:par>
+                    <p:cTn id="11" fill="hold">
+                      <p:stCondLst>
+                        <p:cond delay="indefinite"/>
+                      </p:stCondLst>
+                      <p:childTnLst>
+                        <p:par>
+                          <p:cTn id="12" fill="hold">
+                            <p:stCondLst>
+                              <p:cond delay="0"/>
+                            </p:stCondLst>
+                            <p:childTnLst>
+                              <p:par>
+                                <p:cTn id="13" presetID="10" presetClass="entr" presetSubtype="0" fill="hold" grpId="0" nodeType="clickEffect">
+                                  <p:stCondLst>
+                                    <p:cond delay="0"/>
+                                  </p:stCondLst>
+                                  <p:childTnLst>
+                                    <p:set>
+                                      <p:cBhvr>
+                                        <p:cTn id="14" dur="1" fill="hold">
+                                          <p:stCondLst>
+                                            <p:cond delay="0"/>
+                                          </p:stCondLst>
+                                        </p:cTn>
+                                        <p:tgtEl>
+                                          <p:spTgt spid="3">
+                                            <p:txEl>
+                                              <p:pRg st="2" end="2"/>
+                                            </p:txEl>
+                                          </p:spTgt>
+                                        </p:tgtEl>
+                                        <p:attrNameLst>
+                                          <p:attrName>style.visibility</p:attrName>
+                                        </p:attrNameLst>
+                                      </p:cBhvr>
+                                      <p:to>
+                                        <p:strVal val="visible"/>
+                                      </p:to>
+                                    </p:set>
+                                    <p:animEffect transition="in" filter="fade">
+                                      <p:cBhvr>
+                                        <p:cTn id="15" dur="500"/>
+                                        <p:tgtEl>
+                                          <p:spTgt spid="3">
+                                            <p:txEl>
+                                              <p:pRg st="2" end="2"/>
+                                            </p:txEl>
+                                          </p:spTgt>
+                                        </p:tgtEl>
+                                      </p:cBhvr>
+                                    </p:animEffect>
+                                  </p:childTnLst>
+                                </p:cTn>
+                              </p:par>
+                              <p:par>
+                                <p:cTn id="16" presetID="10" presetClass="entr" presetSubtype="0" fill="hold" grpId="0" nodeType="withEffect">
+                                  <p:stCondLst>
+                                    <p:cond delay="0"/>
+                                  </p:stCondLst>
+                                  <p:childTnLst>
+                                    <p:set>
+                                      <p:cBhvr>
+                                        <p:cTn id="17" dur="1" fill="hold">
+                                          <p:stCondLst>
+                                            <p:cond delay="0"/>
+                                          </p:stCondLst>
+                                        </p:cTn>
+                                        <p:tgtEl>
+                                          <p:spTgt spid="3">
+                                            <p:txEl>
+                                              <p:pRg st="3" end="3"/>
+                                            </p:txEl>
+                                          </p:spTgt>
+                                        </p:tgtEl>
+                                        <p:attrNameLst>
+                                          <p:attrName>style.visibility</p:attrName>
+                                        </p:attrNameLst>
+                                      </p:cBhvr>
+                                      <p:to>
+                                        <p:strVal val="visible"/>
+                                      </p:to>
+                                    </p:set>
+                                    <p:animEffect transition="in" filter="fade">
+                                      <p:cBhvr>
+                                        <p:cTn id="18" dur="500"/>
+                                        <p:tgtEl>
+                                          <p:spTgt spid="3">
+                                            <p:txEl>
+                                              <p:pRg st="3" end="3"/>
+                                            </p:txEl>
+                                          </p:spTgt>
+                                        </p:tgtEl>
+                                      </p:cBhvr>
+                                    </p:animEffect>
+                                  </p:childTnLst>
+                                </p:cTn>
+                              </p:par>
+                              <p:par>
+                                <p:cTn id="19" presetID="10" presetClass="entr" presetSubtype="0" fill="hold" grpId="0" nodeType="withEffect">
+                                  <p:stCondLst>
+                                    <p:cond delay="0"/>
+                                  </p:stCondLst>
+                                  <p:childTnLst>
+                                    <p:set>
+                                      <p:cBhvr>
+                                        <p:cTn id="20" dur="1" fill="hold">
+                                          <p:stCondLst>
+                                            <p:cond delay="0"/>
+                                          </p:stCondLst>
+                                        </p:cTn>
+                                        <p:tgtEl>
+                                          <p:spTgt spid="3">
+                                            <p:txEl>
+                                              <p:pRg st="4" end="4"/>
+                                            </p:txEl>
+                                          </p:spTgt>
+                                        </p:tgtEl>
+                                        <p:attrNameLst>
+                                          <p:attrName>style.visibility</p:attrName>
+                                        </p:attrNameLst>
+                                      </p:cBhvr>
+                                      <p:to>
+                                        <p:strVal val="visible"/>
+                                      </p:to>
+                                    </p:set>
+                                    <p:animEffect transition="in" filter="fade">
+                                      <p:cBhvr>
+                                        <p:cTn id="21" dur="500"/>
+                                        <p:tgtEl>
+                                          <p:spTgt spid="3">
+                                            <p:txEl>
+                                              <p:pRg st="4" end="4"/>
+                                            </p:txEl>
+                                          </p:spTgt>
+                                        </p:tgtEl>
+                                      </p:cBhvr>
+                                    </p:animEffect>
+                                  </p:childTnLst>
+                                </p:cTn>
+                              </p:par>
+                            </p:childTnLst>
+                          </p:cTn>
+                        </p:par>
+                      </p:childTnLst>
+                    </p:cTn>
+                  </p:par>
+                  <p:par>
+                    <p:cTn id="22" fill="hold">
+                      <p:stCondLst>
+                        <p:cond delay="indefinite"/>
+                      </p:stCondLst>
+                      <p:childTnLst>
+                        <p:par>
+                          <p:cTn id="23" fill="hold">
+                            <p:stCondLst>
+                              <p:cond delay="0"/>
+                            </p:stCondLst>
+                            <p:childTnLst>
+                              <p:par>
+                                <p:cTn id="24" presetID="10" presetClass="entr" presetSubtype="0" fill="hold" grpId="0" nodeType="clickEffect">
+                                  <p:stCondLst>
+                                    <p:cond delay="0"/>
+                                  </p:stCondLst>
+                                  <p:childTnLst>
+                                    <p:set>
+                                      <p:cBhvr>
+                                        <p:cTn id="25" dur="1" fill="hold">
+                                          <p:stCondLst>
+                                            <p:cond delay="0"/>
+                                          </p:stCondLst>
+                                        </p:cTn>
+                                        <p:tgtEl>
+                                          <p:spTgt spid="3">
+                                            <p:txEl>
+                                              <p:pRg st="5" end="5"/>
+                                            </p:txEl>
+                                          </p:spTgt>
+                                        </p:tgtEl>
+                                        <p:attrNameLst>
+                                          <p:attrName>style.visibility</p:attrName>
+                                        </p:attrNameLst>
+                                      </p:cBhvr>
+                                      <p:to>
+                                        <p:strVal val="visible"/>
+                                      </p:to>
+                                    </p:set>
+                                    <p:animEffect transition="in" filter="fade">
+                                      <p:cBhvr>
+                                        <p:cTn id="26" dur="500"/>
+                                        <p:tgtEl>
+                                          <p:spTgt spid="3">
+                                            <p:txEl>
+                                              <p:pRg st="5" end="5"/>
+                                            </p:txEl>
+                                          </p:spTgt>
+                                        </p:tgtEl>
+                                      </p:cBhvr>
+                                    </p:animEffect>
+                                  </p:childTnLst>
+                                </p:cTn>
+                              </p:par>
+                            </p:childTnLst>
+                          </p:cTn>
+                        </p:par>
+                      </p:childTnLst>
+                    </p:cTn>
+                  </p:par>
+                  <p:par>
+                    <p:cTn id="27" fill="hold">
+                      <p:stCondLst>
+                        <p:cond delay="indefinite"/>
+                      </p:stCondLst>
+                      <p:childTnLst>
+                        <p:par>
+                          <p:cTn id="28" fill="hold">
+                            <p:stCondLst>
+                              <p:cond delay="0"/>
+                            </p:stCondLst>
+                            <p:childTnLst>
+                              <p:par>
+                                <p:cTn id="29" presetID="10" presetClass="entr" presetSubtype="0" fill="hold" grpId="0" nodeType="clickEffect">
+                                  <p:stCondLst>
+                                    <p:cond delay="0"/>
+                                  </p:stCondLst>
+                                  <p:childTnLst>
+                                    <p:set>
+                                      <p:cBhvr>
+                                        <p:cTn id="30" dur="1" fill="hold">
+                                          <p:stCondLst>
+                                            <p:cond delay="0"/>
+                                          </p:stCondLst>
+                                        </p:cTn>
+                                        <p:tgtEl>
+                                          <p:spTgt spid="3">
+                                            <p:txEl>
+                                              <p:pRg st="6" end="6"/>
+                                            </p:txEl>
+                                          </p:spTgt>
+                                        </p:tgtEl>
+                                        <p:attrNameLst>
+                                          <p:attrName>style.visibility</p:attrName>
+                                        </p:attrNameLst>
+                                      </p:cBhvr>
+                                      <p:to>
+                                        <p:strVal val="visible"/>
+                                      </p:to>
+                                    </p:set>
+                                    <p:animEffect transition="in" filter="fade">
+                                      <p:cBhvr>
+                                        <p:cTn id="31" dur="500"/>
+                                        <p:tgtEl>
+                                          <p:spTgt spid="3">
+                                            <p:txEl>
+                                              <p:pRg st="6" end="6"/>
+                                            </p:txEl>
+                                          </p:spTgt>
+                                        </p:tgtEl>
+                                      </p:cBhvr>
+                                    </p:animEffect>
+                                  </p:childTnLst>
+                                </p:cTn>
+                              </p:par>
+                              <p:par>
+                                <p:cTn id="32" presetID="10" presetClass="entr" presetSubtype="0" fill="hold" grpId="0" nodeType="withEffect">
+                                  <p:stCondLst>
+                                    <p:cond delay="0"/>
+                                  </p:stCondLst>
+                                  <p:childTnLst>
+                                    <p:set>
+                                      <p:cBhvr>
+                                        <p:cTn id="33" dur="1" fill="hold">
+                                          <p:stCondLst>
+                                            <p:cond delay="0"/>
+                                          </p:stCondLst>
+                                        </p:cTn>
+                                        <p:tgtEl>
+                                          <p:spTgt spid="3">
+                                            <p:txEl>
+                                              <p:pRg st="7" end="7"/>
+                                            </p:txEl>
+                                          </p:spTgt>
+                                        </p:tgtEl>
+                                        <p:attrNameLst>
+                                          <p:attrName>style.visibility</p:attrName>
+                                        </p:attrNameLst>
+                                      </p:cBhvr>
+                                      <p:to>
+                                        <p:strVal val="visible"/>
+                                      </p:to>
+                                    </p:set>
+                                    <p:animEffect transition="in" filter="fade">
+                                      <p:cBhvr>
+                                        <p:cTn id="34" dur="500"/>
+                                        <p:tgtEl>
+                                          <p:spTgt spid="3">
+                                            <p:txEl>
+                                              <p:pRg st="7" end="7"/>
+                                            </p:txEl>
+                                          </p:spTgt>
+                                        </p:tgtEl>
+                                      </p:cBhvr>
+                                    </p:animEffect>
+                                  </p:childTnLst>
+                                </p:cTn>
+                              </p:par>
+                              <p:par>
+                                <p:cTn id="35" presetID="10" presetClass="entr" presetSubtype="0" fill="hold" grpId="0" nodeType="withEffect">
+                                  <p:stCondLst>
+                                    <p:cond delay="0"/>
+                                  </p:stCondLst>
+                                  <p:childTnLst>
+                                    <p:set>
+                                      <p:cBhvr>
+                                        <p:cTn id="36" dur="1" fill="hold">
+                                          <p:stCondLst>
+                                            <p:cond delay="0"/>
+                                          </p:stCondLst>
+                                        </p:cTn>
+                                        <p:tgtEl>
+                                          <p:spTgt spid="3">
+                                            <p:txEl>
+                                              <p:pRg st="8" end="8"/>
+                                            </p:txEl>
+                                          </p:spTgt>
+                                        </p:tgtEl>
+                                        <p:attrNameLst>
+                                          <p:attrName>style.visibility</p:attrName>
+                                        </p:attrNameLst>
+                                      </p:cBhvr>
+                                      <p:to>
+                                        <p:strVal val="visible"/>
+                                      </p:to>
+                                    </p:set>
+                                    <p:animEffect transition="in" filter="fade">
+                                      <p:cBhvr>
+                                        <p:cTn id="37" dur="500"/>
+                                        <p:tgtEl>
+                                          <p:spTgt spid="3">
+                                            <p:txEl>
+                                              <p:pRg st="8" end="8"/>
+                                            </p:txEl>
+                                          </p:spTgt>
+                                        </p:tgtEl>
+                                      </p:cBhvr>
+                                    </p:animEffect>
+                                  </p:childTnLst>
+                                </p:cTn>
+                              </p:par>
+                              <p:par>
+                                <p:cTn id="38" presetID="10" presetClass="entr" presetSubtype="0" fill="hold" grpId="0" nodeType="withEffect">
+                                  <p:stCondLst>
+                                    <p:cond delay="0"/>
+                                  </p:stCondLst>
+                                  <p:childTnLst>
+                                    <p:set>
+                                      <p:cBhvr>
+                                        <p:cTn id="39" dur="1" fill="hold">
+                                          <p:stCondLst>
+                                            <p:cond delay="0"/>
+                                          </p:stCondLst>
+                                        </p:cTn>
+                                        <p:tgtEl>
+                                          <p:spTgt spid="3">
+                                            <p:txEl>
+                                              <p:pRg st="9" end="9"/>
+                                            </p:txEl>
+                                          </p:spTgt>
+                                        </p:tgtEl>
+                                        <p:attrNameLst>
+                                          <p:attrName>style.visibility</p:attrName>
+                                        </p:attrNameLst>
+                                      </p:cBhvr>
+                                      <p:to>
+                                        <p:strVal val="visible"/>
+                                      </p:to>
+                                    </p:set>
+                                    <p:animEffect transition="in" filter="fade">
+                                      <p:cBhvr>
+                                        <p:cTn id="40" dur="500"/>
+                                        <p:tgtEl>
+                                          <p:spTgt spid="3">
+                                            <p:txEl>
+                                              <p:pRg st="9" end="9"/>
+                                            </p:txEl>
+                                          </p:spTgt>
+                                        </p:tgtEl>
+                                      </p:cBhvr>
+                                    </p:animEffect>
+                                  </p:childTnLst>
+                                </p:cTn>
+                              </p:par>
+                            </p:childTnLst>
+                          </p:cTn>
+                        </p:par>
+                      </p:childTnLst>
+                    </p:cTn>
+                  </p:par>
+                  <p:par>
+                    <p:cTn id="41" fill="hold">
+                      <p:stCondLst>
+                        <p:cond delay="indefinite"/>
+                      </p:stCondLst>
+                      <p:childTnLst>
+                        <p:par>
+                          <p:cTn id="42" fill="hold">
+                            <p:stCondLst>
+                              <p:cond delay="0"/>
+                            </p:stCondLst>
+                            <p:childTnLst>
+                              <p:par>
+                                <p:cTn id="43" presetID="10" presetClass="entr" presetSubtype="0" fill="hold" grpId="0" nodeType="clickEffect">
+                                  <p:stCondLst>
+                                    <p:cond delay="0"/>
+                                  </p:stCondLst>
+                                  <p:childTnLst>
+                                    <p:set>
+                                      <p:cBhvr>
+                                        <p:cTn id="44" dur="1" fill="hold">
+                                          <p:stCondLst>
+                                            <p:cond delay="0"/>
+                                          </p:stCondLst>
+                                        </p:cTn>
+                                        <p:tgtEl>
+                                          <p:spTgt spid="3">
+                                            <p:txEl>
+                                              <p:pRg st="10" end="10"/>
+                                            </p:txEl>
+                                          </p:spTgt>
+                                        </p:tgtEl>
+                                        <p:attrNameLst>
+                                          <p:attrName>style.visibility</p:attrName>
+                                        </p:attrNameLst>
+                                      </p:cBhvr>
+                                      <p:to>
+                                        <p:strVal val="visible"/>
+                                      </p:to>
+                                    </p:set>
+                                    <p:animEffect transition="in" filter="fade">
+                                      <p:cBhvr>
+                                        <p:cTn id="45" dur="500"/>
+                                        <p:tgtEl>
+                                          <p:spTgt spid="3">
+                                            <p:txEl>
+                                              <p:pRg st="10" end="10"/>
+                                            </p:txEl>
+                                          </p:spTgt>
+                                        </p:tgtEl>
+                                      </p:cBhvr>
+                                    </p:animEffect>
+                                  </p:childTnLst>
+                                </p:cTn>
+                              </p:par>
+                            </p:childTnLst>
+                          </p:cTn>
+                        </p:par>
+                      </p:childTnLst>
+                    </p:cTn>
+                  </p:par>
+                </p:childTnLst>
+              </p:cTn>
+              <p:prevCondLst>
+                <p:cond evt="onPrev" delay="0">
+                  <p:tgtEl>
+                    <p:sldTgt/>
+                  </p:tgtEl>
+                </p:cond>
+              </p:prevCondLst>
+              <p:nextCondLst>
+                <p:cond evt="onNext" delay="0">
+                  <p:tgtEl>
+                    <p:sldTgt/>
+                  </p:tgtEl>
+                </p:cond>
+              </p:nextCondLst>
+            </p:seq>
+          </p:childTnLst>
+        </p:cTn>
+      </p:par>
+    </p:tnLst>
+    <p:bldLst>
+      <p:bldP spid="3" grpId="0" uiExpand="1" build="p"/>
+    </p:bldLst>
+  </p:timing>
+</p:sld>
+</file>
+
+<file path=ppt/slides/slide14.xml><?xml version="1.0" encoding="utf-8"?>
+<p:sld xmlns:a="http://schemas.openxmlformats.org/drawingml/2006/main" xmlns:r="http://schemas.openxmlformats.org/officeDocument/2006/relationships" xmlns:p="http://schemas.openxmlformats.org/presentationml/2006/main">
+  <p:cSld>
+    <p:spTree>
+      <p:nvGrpSpPr>
+        <p:cNvPr id="1" name=""/>
+        <p:cNvGrpSpPr/>
+        <p:nvPr/>
+      </p:nvGrpSpPr>
+      <p:grpSpPr>
+        <a:xfrm>
+          <a:off x="0" y="0"/>
+          <a:ext cx="0" cy="0"/>
+          <a:chOff x="0" y="0"/>
+          <a:chExt cx="0" cy="0"/>
+        </a:xfrm>
+      </p:grpSpPr>
+      <p:sp>
+        <p:nvSpPr>
+          <p:cNvPr id="2" name="Title 1">
+            <a:extLst>
+              <a:ext uri="{FF2B5EF4-FFF2-40B4-BE49-F238E27FC236}">
+                <a16:creationId xmlns:a16="http://schemas.microsoft.com/office/drawing/2014/main" id="{099F37DE-8AEB-180C-0270-717F376335E6}"/>
+              </a:ext>
+            </a:extLst>
+          </p:cNvPr>
+          <p:cNvSpPr>
+            <a:spLocks noGrp="1"/>
+          </p:cNvSpPr>
+          <p:nvPr>
+            <p:ph type="title"/>
+          </p:nvPr>
+        </p:nvSpPr>
+        <p:spPr/>
+        <p:txBody>
+          <a:bodyPr/>
+          <a:lstStyle/>
+          <a:p>
+            <a:r>
+              <a:rPr lang="en-US" dirty="0"/>
+              <a:t>Unit 2 – Layout Using Grid</a:t>
+            </a:r>
+          </a:p>
+        </p:txBody>
+      </p:sp>
+      <p:sp>
+        <p:nvSpPr>
+          <p:cNvPr id="3" name="Content Placeholder 2">
+            <a:extLst>
+              <a:ext uri="{FF2B5EF4-FFF2-40B4-BE49-F238E27FC236}">
+                <a16:creationId xmlns:a16="http://schemas.microsoft.com/office/drawing/2014/main" id="{F3C7BD12-F2CE-3720-C9D1-439A62E2BE21}"/>
+              </a:ext>
+            </a:extLst>
+          </p:cNvPr>
+          <p:cNvSpPr>
+            <a:spLocks noGrp="1"/>
+          </p:cNvSpPr>
+          <p:nvPr>
+            <p:ph idx="1"/>
+          </p:nvPr>
+        </p:nvSpPr>
+        <p:spPr/>
+        <p:txBody>
+          <a:bodyPr/>
+          <a:lstStyle/>
+          <a:p>
+            <a:r>
+              <a:rPr lang="en-US" dirty="0"/>
+              <a:t>Grid - Absolute Sizing</a:t>
+            </a:r>
+          </a:p>
+          <a:p>
+            <a:pPr lvl="1"/>
+            <a:r>
+              <a:rPr lang="en-US" dirty="0"/>
+              <a:t>Absolute sizing -- can also specify exact Height (rows) or Width (columns</a:t>
+            </a:r>
+          </a:p>
+          <a:p>
+            <a:pPr lvl="1"/>
+            <a:r>
+              <a:rPr lang="en-US" dirty="0"/>
+              <a:t>Discouraged -- better to size to content</a:t>
+            </a:r>
+          </a:p>
+          <a:p>
+            <a:r>
+              <a:rPr lang="en-US" dirty="0">
+                <a:solidFill>
+                  <a:srgbClr val="00B050"/>
+                </a:solidFill>
+              </a:rPr>
+              <a:t>Example - Absolute Sizing</a:t>
+            </a:r>
+          </a:p>
+        </p:txBody>
+      </p:sp>
+    </p:spTree>
+    <p:extLst>
+      <p:ext uri="{BB962C8B-B14F-4D97-AF65-F5344CB8AC3E}">
+        <p14:creationId xmlns:p14="http://schemas.microsoft.com/office/powerpoint/2010/main" val="1136218342"/>
+      </p:ext>
+    </p:extLst>
+  </p:cSld>
+  <p:clrMapOvr>
+    <a:masterClrMapping/>
+  </p:clrMapOvr>
+  <p:timing>
+    <p:tnLst>
+      <p:par>
+        <p:cTn id="1" dur="indefinite" restart="never" nodeType="tmRoot">
+          <p:childTnLst>
+            <p:seq concurrent="1" nextAc="seek">
+              <p:cTn id="2" dur="indefinite" nodeType="mainSeq">
+                <p:childTnLst>
+                  <p:par>
+                    <p:cTn id="3" fill="hold">
+                      <p:stCondLst>
+                        <p:cond delay="indefinite"/>
+                      </p:stCondLst>
+                      <p:childTnLst>
+                        <p:par>
+                          <p:cTn id="4" fill="hold">
+                            <p:stCondLst>
+                              <p:cond delay="0"/>
+                            </p:stCondLst>
+                            <p:childTnLst>
+                              <p:par>
+                                <p:cTn id="5" presetID="10" presetClass="entr" presetSubtype="0" fill="hold" grpId="0" nodeType="clickEffect">
+                                  <p:stCondLst>
+                                    <p:cond delay="0"/>
+                                  </p:stCondLst>
+                                  <p:childTnLst>
+                                    <p:set>
+                                      <p:cBhvr>
+                                        <p:cTn id="6" dur="1" fill="hold">
+                                          <p:stCondLst>
+                                            <p:cond delay="0"/>
+                                          </p:stCondLst>
+                                        </p:cTn>
+                                        <p:tgtEl>
+                                          <p:spTgt spid="3">
+                                            <p:txEl>
+                                              <p:pRg st="0" end="0"/>
+                                            </p:txEl>
+                                          </p:spTgt>
+                                        </p:tgtEl>
+                                        <p:attrNameLst>
+                                          <p:attrName>style.visibility</p:attrName>
+                                        </p:attrNameLst>
+                                      </p:cBhvr>
+                                      <p:to>
+                                        <p:strVal val="visible"/>
+                                      </p:to>
+                                    </p:set>
+                                    <p:animEffect transition="in" filter="fade">
+                                      <p:cBhvr>
+                                        <p:cTn id="7" dur="500"/>
+                                        <p:tgtEl>
+                                          <p:spTgt spid="3">
+                                            <p:txEl>
+                                              <p:pRg st="0" end="0"/>
+                                            </p:txEl>
+                                          </p:spTgt>
+                                        </p:tgtEl>
+                                      </p:cBhvr>
+                                    </p:animEffect>
+                                  </p:childTnLst>
+                                </p:cTn>
+                              </p:par>
+                              <p:par>
+                                <p:cTn id="8" presetID="10" presetClass="entr" presetSubtype="0" fill="hold" grpId="0" nodeType="withEffect">
+                                  <p:stCondLst>
+                                    <p:cond delay="0"/>
+                                  </p:stCondLst>
+                                  <p:childTnLst>
+                                    <p:set>
+                                      <p:cBhvr>
+                                        <p:cTn id="9" dur="1" fill="hold">
+                                          <p:stCondLst>
+                                            <p:cond delay="0"/>
+                                          </p:stCondLst>
+                                        </p:cTn>
+                                        <p:tgtEl>
+                                          <p:spTgt spid="3">
+                                            <p:txEl>
+                                              <p:pRg st="1" end="1"/>
+                                            </p:txEl>
+                                          </p:spTgt>
+                                        </p:tgtEl>
+                                        <p:attrNameLst>
+                                          <p:attrName>style.visibility</p:attrName>
+                                        </p:attrNameLst>
+                                      </p:cBhvr>
+                                      <p:to>
+                                        <p:strVal val="visible"/>
+                                      </p:to>
+                                    </p:set>
+                                    <p:animEffect transition="in" filter="fade">
+                                      <p:cBhvr>
+                                        <p:cTn id="10" dur="500"/>
+                                        <p:tgtEl>
+                                          <p:spTgt spid="3">
+                                            <p:txEl>
+                                              <p:pRg st="1" end="1"/>
+                                            </p:txEl>
+                                          </p:spTgt>
+                                        </p:tgtEl>
+                                      </p:cBhvr>
+                                    </p:animEffect>
+                                  </p:childTnLst>
+                                </p:cTn>
+                              </p:par>
+                              <p:par>
+                                <p:cTn id="11" presetID="10" presetClass="entr" presetSubtype="0" fill="hold" grpId="0" nodeType="withEffect">
+                                  <p:stCondLst>
+                                    <p:cond delay="0"/>
+                                  </p:stCondLst>
+                                  <p:childTnLst>
+                                    <p:set>
+                                      <p:cBhvr>
+                                        <p:cTn id="12" dur="1" fill="hold">
+                                          <p:stCondLst>
+                                            <p:cond delay="0"/>
+                                          </p:stCondLst>
+                                        </p:cTn>
+                                        <p:tgtEl>
+                                          <p:spTgt spid="3">
+                                            <p:txEl>
+                                              <p:pRg st="2" end="2"/>
+                                            </p:txEl>
+                                          </p:spTgt>
+                                        </p:tgtEl>
+                                        <p:attrNameLst>
+                                          <p:attrName>style.visibility</p:attrName>
+                                        </p:attrNameLst>
+                                      </p:cBhvr>
+                                      <p:to>
+                                        <p:strVal val="visible"/>
+                                      </p:to>
+                                    </p:set>
+                                    <p:animEffect transition="in" filter="fade">
+                                      <p:cBhvr>
+                                        <p:cTn id="13" dur="500"/>
+                                        <p:tgtEl>
+                                          <p:spTgt spid="3">
+                                            <p:txEl>
+                                              <p:pRg st="2" end="2"/>
+                                            </p:txEl>
+                                          </p:spTgt>
+                                        </p:tgtEl>
+                                      </p:cBhvr>
+                                    </p:animEffect>
+                                  </p:childTnLst>
+                                </p:cTn>
+                              </p:par>
+                            </p:childTnLst>
+                          </p:cTn>
+                        </p:par>
+                      </p:childTnLst>
+                    </p:cTn>
+                  </p:par>
+                  <p:par>
+                    <p:cTn id="14" fill="hold">
+                      <p:stCondLst>
+                        <p:cond delay="indefinite"/>
+                      </p:stCondLst>
+                      <p:childTnLst>
+                        <p:par>
+                          <p:cTn id="15" fill="hold">
+                            <p:stCondLst>
+                              <p:cond delay="0"/>
+                            </p:stCondLst>
+                            <p:childTnLst>
+                              <p:par>
+                                <p:cTn id="16" presetID="10" presetClass="entr" presetSubtype="0" fill="hold" grpId="0" nodeType="clickEffect">
+                                  <p:stCondLst>
+                                    <p:cond delay="0"/>
+                                  </p:stCondLst>
+                                  <p:childTnLst>
+                                    <p:set>
+                                      <p:cBhvr>
+                                        <p:cTn id="17" dur="1" fill="hold">
+                                          <p:stCondLst>
+                                            <p:cond delay="0"/>
+                                          </p:stCondLst>
+                                        </p:cTn>
+                                        <p:tgtEl>
+                                          <p:spTgt spid="3">
+                                            <p:txEl>
+                                              <p:pRg st="3" end="3"/>
+                                            </p:txEl>
+                                          </p:spTgt>
+                                        </p:tgtEl>
+                                        <p:attrNameLst>
+                                          <p:attrName>style.visibility</p:attrName>
+                                        </p:attrNameLst>
+                                      </p:cBhvr>
+                                      <p:to>
+                                        <p:strVal val="visible"/>
+                                      </p:to>
+                                    </p:set>
+                                    <p:animEffect transition="in" filter="fade">
+                                      <p:cBhvr>
+                                        <p:cTn id="18" dur="500"/>
+                                        <p:tgtEl>
+                                          <p:spTgt spid="3">
+                                            <p:txEl>
+                                              <p:pRg st="3" end="3"/>
+                                            </p:txEl>
+                                          </p:spTgt>
+                                        </p:tgtEl>
+                                      </p:cBhvr>
+                                    </p:animEffect>
+                                  </p:childTnLst>
+                                </p:cTn>
+                              </p:par>
+                            </p:childTnLst>
+                          </p:cTn>
+                        </p:par>
+                      </p:childTnLst>
+                    </p:cTn>
+                  </p:par>
+                </p:childTnLst>
+              </p:cTn>
+              <p:prevCondLst>
+                <p:cond evt="onPrev" delay="0">
+                  <p:tgtEl>
+                    <p:sldTgt/>
+                  </p:tgtEl>
+                </p:cond>
+              </p:prevCondLst>
+              <p:nextCondLst>
+                <p:cond evt="onNext" delay="0">
+                  <p:tgtEl>
+                    <p:sldTgt/>
+                  </p:tgtEl>
+                </p:cond>
+              </p:nextCondLst>
+            </p:seq>
+          </p:childTnLst>
+        </p:cTn>
+      </p:par>
+    </p:tnLst>
+    <p:bldLst>
+      <p:bldP spid="3" grpId="0" uiExpand="1" build="p"/>
+    </p:bldLst>
+  </p:timing>
+</p:sld>
+</file>
+
+<file path=ppt/slides/slide15.xml><?xml version="1.0" encoding="utf-8"?>
+<p:sld xmlns:a="http://schemas.openxmlformats.org/drawingml/2006/main" xmlns:r="http://schemas.openxmlformats.org/officeDocument/2006/relationships" xmlns:p="http://schemas.openxmlformats.org/presentationml/2006/main">
+  <p:cSld>
+    <p:spTree>
+      <p:nvGrpSpPr>
+        <p:cNvPr id="1" name=""/>
+        <p:cNvGrpSpPr/>
+        <p:nvPr/>
+      </p:nvGrpSpPr>
+      <p:grpSpPr>
+        <a:xfrm>
+          <a:off x="0" y="0"/>
+          <a:ext cx="0" cy="0"/>
+          <a:chOff x="0" y="0"/>
+          <a:chExt cx="0" cy="0"/>
+        </a:xfrm>
+      </p:grpSpPr>
+      <p:sp>
+        <p:nvSpPr>
+          <p:cNvPr id="2" name="Title 1">
+            <a:extLst>
+              <a:ext uri="{FF2B5EF4-FFF2-40B4-BE49-F238E27FC236}">
+                <a16:creationId xmlns:a16="http://schemas.microsoft.com/office/drawing/2014/main" id="{D820E5FD-8317-6AF1-28C5-B51ACC316E48}"/>
+              </a:ext>
+            </a:extLst>
+          </p:cNvPr>
+          <p:cNvSpPr>
+            <a:spLocks noGrp="1"/>
+          </p:cNvSpPr>
+          <p:nvPr>
+            <p:ph type="title"/>
+          </p:nvPr>
+        </p:nvSpPr>
+        <p:spPr/>
+        <p:txBody>
+          <a:bodyPr/>
+          <a:lstStyle/>
+          <a:p>
+            <a:r>
+              <a:rPr lang="en-US" dirty="0"/>
+              <a:t>Unit 2 – Layout Using Grid</a:t>
+            </a:r>
+          </a:p>
+        </p:txBody>
+      </p:sp>
+      <p:sp>
+        <p:nvSpPr>
+          <p:cNvPr id="3" name="Content Placeholder 2">
+            <a:extLst>
+              <a:ext uri="{FF2B5EF4-FFF2-40B4-BE49-F238E27FC236}">
+                <a16:creationId xmlns:a16="http://schemas.microsoft.com/office/drawing/2014/main" id="{4346CC46-1CE4-CDE9-E016-201D0E96CD96}"/>
+              </a:ext>
+            </a:extLst>
+          </p:cNvPr>
+          <p:cNvSpPr>
+            <a:spLocks noGrp="1"/>
+          </p:cNvSpPr>
+          <p:nvPr>
+            <p:ph idx="1"/>
+          </p:nvPr>
+        </p:nvSpPr>
+        <p:spPr/>
+        <p:txBody>
+          <a:bodyPr/>
+          <a:lstStyle/>
+          <a:p>
+            <a:r>
+              <a:rPr lang="en-US" dirty="0"/>
+              <a:t>Grid - Spanning Rows and Columns</a:t>
+            </a:r>
+          </a:p>
+          <a:p>
+            <a:pPr lvl="1"/>
+            <a:r>
+              <a:rPr lang="en-US" dirty="0"/>
+              <a:t>You can set controls to span multiple rows or columns</a:t>
+            </a:r>
+          </a:p>
+          <a:p>
+            <a:pPr lvl="1"/>
+            <a:r>
+              <a:rPr lang="en-US" dirty="0"/>
+              <a:t>Set spanning on child element that should span</a:t>
+            </a:r>
+          </a:p>
+          <a:p>
+            <a:pPr lvl="1"/>
+            <a:r>
+              <a:rPr lang="en-US" dirty="0" err="1"/>
+              <a:t>Grid.RowSpan</a:t>
+            </a:r>
+            <a:r>
+              <a:rPr lang="en-US" dirty="0"/>
+              <a:t>, </a:t>
+            </a:r>
+            <a:r>
+              <a:rPr lang="en-US" dirty="0" err="1"/>
+              <a:t>Grid.ColumnSpan</a:t>
+            </a:r>
+            <a:r>
+              <a:rPr lang="en-US" dirty="0"/>
+              <a:t> - and # columns</a:t>
+            </a:r>
+          </a:p>
+        </p:txBody>
+      </p:sp>
+    </p:spTree>
+    <p:extLst>
+      <p:ext uri="{BB962C8B-B14F-4D97-AF65-F5344CB8AC3E}">
+        <p14:creationId xmlns:p14="http://schemas.microsoft.com/office/powerpoint/2010/main" val="2852243770"/>
+      </p:ext>
+    </p:extLst>
+  </p:cSld>
+  <p:clrMapOvr>
+    <a:masterClrMapping/>
+  </p:clrMapOvr>
+  <p:timing>
+    <p:tnLst>
+      <p:par>
+        <p:cTn id="1" dur="indefinite" restart="never" nodeType="tmRoot">
+          <p:childTnLst>
+            <p:seq concurrent="1" nextAc="seek">
+              <p:cTn id="2" dur="indefinite" nodeType="mainSeq">
+                <p:childTnLst>
+                  <p:par>
+                    <p:cTn id="3" fill="hold">
+                      <p:stCondLst>
+                        <p:cond delay="indefinite"/>
+                      </p:stCondLst>
+                      <p:childTnLst>
+                        <p:par>
+                          <p:cTn id="4" fill="hold">
+                            <p:stCondLst>
+                              <p:cond delay="0"/>
+                            </p:stCondLst>
+                            <p:childTnLst>
+                              <p:par>
+                                <p:cTn id="5" presetID="10" presetClass="entr" presetSubtype="0" fill="hold" grpId="0" nodeType="clickEffect">
+                                  <p:stCondLst>
+                                    <p:cond delay="0"/>
+                                  </p:stCondLst>
+                                  <p:childTnLst>
+                                    <p:set>
+                                      <p:cBhvr>
+                                        <p:cTn id="6" dur="1" fill="hold">
+                                          <p:stCondLst>
+                                            <p:cond delay="0"/>
+                                          </p:stCondLst>
+                                        </p:cTn>
+                                        <p:tgtEl>
+                                          <p:spTgt spid="3">
+                                            <p:txEl>
+                                              <p:pRg st="0" end="0"/>
+                                            </p:txEl>
+                                          </p:spTgt>
+                                        </p:tgtEl>
+                                        <p:attrNameLst>
+                                          <p:attrName>style.visibility</p:attrName>
+                                        </p:attrNameLst>
+                                      </p:cBhvr>
+                                      <p:to>
+                                        <p:strVal val="visible"/>
+                                      </p:to>
+                                    </p:set>
+                                    <p:animEffect transition="in" filter="fade">
+                                      <p:cBhvr>
+                                        <p:cTn id="7" dur="500"/>
+                                        <p:tgtEl>
+                                          <p:spTgt spid="3">
+                                            <p:txEl>
+                                              <p:pRg st="0" end="0"/>
+                                            </p:txEl>
+                                          </p:spTgt>
+                                        </p:tgtEl>
+                                      </p:cBhvr>
+                                    </p:animEffect>
+                                  </p:childTnLst>
+                                </p:cTn>
+                              </p:par>
+                            </p:childTnLst>
+                          </p:cTn>
+                        </p:par>
+                      </p:childTnLst>
+                    </p:cTn>
+                  </p:par>
+                  <p:par>
+                    <p:cTn id="8" fill="hold">
+                      <p:stCondLst>
+                        <p:cond delay="indefinite"/>
+                      </p:stCondLst>
+                      <p:childTnLst>
+                        <p:par>
+                          <p:cTn id="9" fill="hold">
+                            <p:stCondLst>
+                              <p:cond delay="0"/>
+                            </p:stCondLst>
+                            <p:childTnLst>
+                              <p:par>
+                                <p:cTn id="10" presetID="10" presetClass="entr" presetSubtype="0" fill="hold" grpId="0" nodeType="clickEffect">
+                                  <p:stCondLst>
+                                    <p:cond delay="0"/>
+                                  </p:stCondLst>
+                                  <p:childTnLst>
+                                    <p:set>
+                                      <p:cBhvr>
+                                        <p:cTn id="11" dur="1" fill="hold">
+                                          <p:stCondLst>
+                                            <p:cond delay="0"/>
+                                          </p:stCondLst>
+                                        </p:cTn>
+                                        <p:tgtEl>
+                                          <p:spTgt spid="3">
+                                            <p:txEl>
+                                              <p:pRg st="1" end="1"/>
+                                            </p:txEl>
+                                          </p:spTgt>
+                                        </p:tgtEl>
+                                        <p:attrNameLst>
+                                          <p:attrName>style.visibility</p:attrName>
+                                        </p:attrNameLst>
+                                      </p:cBhvr>
+                                      <p:to>
+                                        <p:strVal val="visible"/>
+                                      </p:to>
+                                    </p:set>
+                                    <p:animEffect transition="in" filter="fade">
+                                      <p:cBhvr>
+                                        <p:cTn id="12" dur="500"/>
+                                        <p:tgtEl>
+                                          <p:spTgt spid="3">
+                                            <p:txEl>
+                                              <p:pRg st="1" end="1"/>
+                                            </p:txEl>
+                                          </p:spTgt>
+                                        </p:tgtEl>
+                                      </p:cBhvr>
+                                    </p:animEffect>
+                                  </p:childTnLst>
+                                </p:cTn>
+                              </p:par>
+                            </p:childTnLst>
+                          </p:cTn>
+                        </p:par>
+                      </p:childTnLst>
+                    </p:cTn>
+                  </p:par>
+                  <p:par>
+                    <p:cTn id="13" fill="hold">
+                      <p:stCondLst>
+                        <p:cond delay="indefinite"/>
+                      </p:stCondLst>
+                      <p:childTnLst>
+                        <p:par>
+                          <p:cTn id="14" fill="hold">
+                            <p:stCondLst>
+                              <p:cond delay="0"/>
+                            </p:stCondLst>
+                            <p:childTnLst>
+                              <p:par>
+                                <p:cTn id="15" presetID="10" presetClass="entr" presetSubtype="0" fill="hold" grpId="0" nodeType="clickEffect">
+                                  <p:stCondLst>
+                                    <p:cond delay="0"/>
+                                  </p:stCondLst>
+                                  <p:childTnLst>
+                                    <p:set>
+                                      <p:cBhvr>
+                                        <p:cTn id="16" dur="1" fill="hold">
+                                          <p:stCondLst>
+                                            <p:cond delay="0"/>
+                                          </p:stCondLst>
+                                        </p:cTn>
+                                        <p:tgtEl>
+                                          <p:spTgt spid="3">
+                                            <p:txEl>
+                                              <p:pRg st="2" end="2"/>
+                                            </p:txEl>
+                                          </p:spTgt>
+                                        </p:tgtEl>
+                                        <p:attrNameLst>
+                                          <p:attrName>style.visibility</p:attrName>
+                                        </p:attrNameLst>
+                                      </p:cBhvr>
+                                      <p:to>
+                                        <p:strVal val="visible"/>
+                                      </p:to>
+                                    </p:set>
+                                    <p:animEffect transition="in" filter="fade">
+                                      <p:cBhvr>
+                                        <p:cTn id="17" dur="500"/>
+                                        <p:tgtEl>
+                                          <p:spTgt spid="3">
+                                            <p:txEl>
+                                              <p:pRg st="2" end="2"/>
+                                            </p:txEl>
+                                          </p:spTgt>
+                                        </p:tgtEl>
+                                      </p:cBhvr>
+                                    </p:animEffect>
+                                  </p:childTnLst>
+                                </p:cTn>
+                              </p:par>
+                            </p:childTnLst>
+                          </p:cTn>
+                        </p:par>
+                      </p:childTnLst>
+                    </p:cTn>
+                  </p:par>
+                  <p:par>
+                    <p:cTn id="18" fill="hold">
+                      <p:stCondLst>
+                        <p:cond delay="indefinite"/>
+                      </p:stCondLst>
+                      <p:childTnLst>
+                        <p:par>
+                          <p:cTn id="19" fill="hold">
+                            <p:stCondLst>
+                              <p:cond delay="0"/>
+                            </p:stCondLst>
+                            <p:childTnLst>
+                              <p:par>
+                                <p:cTn id="20" presetID="10" presetClass="entr" presetSubtype="0" fill="hold" grpId="0" nodeType="clickEffect">
+                                  <p:stCondLst>
+                                    <p:cond delay="0"/>
+                                  </p:stCondLst>
+                                  <p:childTnLst>
+                                    <p:set>
+                                      <p:cBhvr>
+                                        <p:cTn id="21" dur="1" fill="hold">
+                                          <p:stCondLst>
+                                            <p:cond delay="0"/>
+                                          </p:stCondLst>
+                                        </p:cTn>
+                                        <p:tgtEl>
+                                          <p:spTgt spid="3">
+                                            <p:txEl>
+                                              <p:pRg st="3" end="3"/>
+                                            </p:txEl>
+                                          </p:spTgt>
+                                        </p:tgtEl>
+                                        <p:attrNameLst>
+                                          <p:attrName>style.visibility</p:attrName>
+                                        </p:attrNameLst>
+                                      </p:cBhvr>
+                                      <p:to>
+                                        <p:strVal val="visible"/>
+                                      </p:to>
+                                    </p:set>
+                                    <p:animEffect transition="in" filter="fade">
+                                      <p:cBhvr>
+                                        <p:cTn id="22" dur="500"/>
+                                        <p:tgtEl>
+                                          <p:spTgt spid="3">
+                                            <p:txEl>
+                                              <p:pRg st="3" end="3"/>
+                                            </p:txEl>
+                                          </p:spTgt>
+                                        </p:tgtEl>
+                                      </p:cBhvr>
+                                    </p:animEffect>
+                                  </p:childTnLst>
+                                </p:cTn>
+                              </p:par>
+                            </p:childTnLst>
+                          </p:cTn>
+                        </p:par>
+                      </p:childTnLst>
+                    </p:cTn>
+                  </p:par>
+                </p:childTnLst>
+              </p:cTn>
+              <p:prevCondLst>
+                <p:cond evt="onPrev" delay="0">
+                  <p:tgtEl>
+                    <p:sldTgt/>
+                  </p:tgtEl>
+                </p:cond>
+              </p:prevCondLst>
+              <p:nextCondLst>
+                <p:cond evt="onNext" delay="0">
+                  <p:tgtEl>
+                    <p:sldTgt/>
+                  </p:tgtEl>
+                </p:cond>
+              </p:nextCondLst>
+            </p:seq>
+          </p:childTnLst>
+        </p:cTn>
+      </p:par>
+    </p:tnLst>
+    <p:bldLst>
+      <p:bldP spid="3" grpId="0" uiExpand="1" build="p"/>
+    </p:bldLst>
+  </p:timing>
+</p:sld>
+</file>
+
+<file path=ppt/slides/slide16.xml><?xml version="1.0" encoding="utf-8"?>
+<p:sld xmlns:a="http://schemas.openxmlformats.org/drawingml/2006/main" xmlns:r="http://schemas.openxmlformats.org/officeDocument/2006/relationships" xmlns:p="http://schemas.openxmlformats.org/presentationml/2006/main">
+  <p:cSld>
+    <p:spTree>
+      <p:nvGrpSpPr>
+        <p:cNvPr id="1" name=""/>
+        <p:cNvGrpSpPr/>
+        <p:nvPr/>
+      </p:nvGrpSpPr>
+      <p:grpSpPr>
+        <a:xfrm>
+          <a:off x="0" y="0"/>
+          <a:ext cx="0" cy="0"/>
+          <a:chOff x="0" y="0"/>
+          <a:chExt cx="0" cy="0"/>
+        </a:xfrm>
+      </p:grpSpPr>
+      <p:sp>
+        <p:nvSpPr>
+          <p:cNvPr id="2" name="Title 1">
+            <a:extLst>
+              <a:ext uri="{FF2B5EF4-FFF2-40B4-BE49-F238E27FC236}">
+                <a16:creationId xmlns:a16="http://schemas.microsoft.com/office/drawing/2014/main" id="{0408F1B1-4452-136D-2291-987CA2375327}"/>
+              </a:ext>
+            </a:extLst>
+          </p:cNvPr>
+          <p:cNvSpPr>
+            <a:spLocks noGrp="1"/>
+          </p:cNvSpPr>
+          <p:nvPr>
+            <p:ph type="title"/>
+          </p:nvPr>
+        </p:nvSpPr>
+        <p:spPr/>
+        <p:txBody>
+          <a:bodyPr/>
+          <a:lstStyle/>
+          <a:p>
+            <a:r>
+              <a:rPr lang="en-US" dirty="0">
+                <a:solidFill>
+                  <a:schemeClr val="accent5">
+                    <a:lumMod val="75000"/>
+                  </a:schemeClr>
+                </a:solidFill>
+              </a:rPr>
+              <a:t>Exercise 2 – Layout Using Grid</a:t>
+            </a:r>
+          </a:p>
+        </p:txBody>
+      </p:sp>
+      <p:sp>
+        <p:nvSpPr>
+          <p:cNvPr id="3" name="Content Placeholder 2">
+            <a:extLst>
+              <a:ext uri="{FF2B5EF4-FFF2-40B4-BE49-F238E27FC236}">
+                <a16:creationId xmlns:a16="http://schemas.microsoft.com/office/drawing/2014/main" id="{8E115352-276E-D4B0-5E40-EE34C32ECBCB}"/>
+              </a:ext>
+            </a:extLst>
+          </p:cNvPr>
+          <p:cNvSpPr>
+            <a:spLocks noGrp="1"/>
+          </p:cNvSpPr>
+          <p:nvPr>
+            <p:ph idx="1"/>
+          </p:nvPr>
+        </p:nvSpPr>
+        <p:spPr/>
+        <p:txBody>
+          <a:bodyPr/>
+          <a:lstStyle/>
+          <a:p>
+            <a:r>
+              <a:rPr lang="en-US" dirty="0"/>
+              <a:t>What You’ll Learn</a:t>
+            </a:r>
+          </a:p>
+          <a:p>
+            <a:pPr lvl="1"/>
+            <a:r>
+              <a:rPr lang="en-US" dirty="0"/>
+              <a:t>How to arrange child controls in a Grid panel</a:t>
+            </a:r>
+          </a:p>
+          <a:p>
+            <a:r>
+              <a:rPr lang="en-US" dirty="0"/>
+              <a:t>Exercise</a:t>
+            </a:r>
+          </a:p>
+          <a:p>
+            <a:pPr lvl="1"/>
+            <a:r>
+              <a:rPr lang="en-US" dirty="0"/>
+              <a:t>Create new project or use existing</a:t>
+            </a:r>
+          </a:p>
+          <a:p>
+            <a:pPr lvl="1"/>
+            <a:r>
+              <a:rPr lang="en-US" dirty="0"/>
+              <a:t>Create controls in a Grid</a:t>
+            </a:r>
+          </a:p>
+          <a:p>
+            <a:pPr lvl="1"/>
+            <a:r>
+              <a:rPr lang="en-US" dirty="0"/>
+              <a:t>Extra credit</a:t>
+            </a:r>
+          </a:p>
+        </p:txBody>
+      </p:sp>
+    </p:spTree>
+    <p:extLst>
+      <p:ext uri="{BB962C8B-B14F-4D97-AF65-F5344CB8AC3E}">
+        <p14:creationId xmlns:p14="http://schemas.microsoft.com/office/powerpoint/2010/main" val="3098273416"/>
+      </p:ext>
+    </p:extLst>
+  </p:cSld>
+  <p:clrMapOvr>
+    <a:masterClrMapping/>
+  </p:clrMapOvr>
+</p:sld>
+</file>
+
 <file path=ppt/slides/slide2.xml><?xml version="1.0" encoding="utf-8"?>
 <p:sld xmlns:a="http://schemas.openxmlformats.org/drawingml/2006/main" xmlns:r="http://schemas.openxmlformats.org/officeDocument/2006/relationships" xmlns:p="http://schemas.openxmlformats.org/presentationml/2006/main">
   <p:cSld>
@@ -12134,7 +15642,7 @@
                   <a:srgbClr val="00B050"/>
                 </a:solidFill>
               </a:rPr>
-              <a:t>Example</a:t>
+              <a:t>Example - XAML</a:t>
             </a:r>
           </a:p>
         </p:txBody>

--- a/WPF-Workshop-Sexton-Oct2023.pptx
+++ b/WPF-Workshop-Sexton-Oct2023.pptx
@@ -5,7 +5,7 @@
     <p:sldMasterId id="2147483896" r:id="rId1"/>
   </p:sldMasterIdLst>
   <p:notesMasterIdLst>
-    <p:notesMasterId r:id="rId18"/>
+    <p:notesMasterId r:id="rId25"/>
   </p:notesMasterIdLst>
   <p:sldIdLst>
     <p:sldId id="256" r:id="rId2"/>
@@ -24,6 +24,13 @@
     <p:sldId id="270" r:id="rId15"/>
     <p:sldId id="271" r:id="rId16"/>
     <p:sldId id="272" r:id="rId17"/>
+    <p:sldId id="273" r:id="rId18"/>
+    <p:sldId id="274" r:id="rId19"/>
+    <p:sldId id="275" r:id="rId20"/>
+    <p:sldId id="276" r:id="rId21"/>
+    <p:sldId id="277" r:id="rId22"/>
+    <p:sldId id="278" r:id="rId23"/>
+    <p:sldId id="279" r:id="rId24"/>
   </p:sldIdLst>
   <p:sldSz cx="12192000" cy="6858000"/>
   <p:notesSz cx="6858000" cy="9144000"/>
@@ -1308,6 +1315,280 @@
 </p:notes>
 </file>
 
+<file path=ppt/notesSlides/notesSlide17.xml><?xml version="1.0" encoding="utf-8"?>
+<p:notes xmlns:a="http://schemas.openxmlformats.org/drawingml/2006/main" xmlns:r="http://schemas.openxmlformats.org/officeDocument/2006/relationships" xmlns:p="http://schemas.openxmlformats.org/presentationml/2006/main">
+  <p:cSld>
+    <p:spTree>
+      <p:nvGrpSpPr>
+        <p:cNvPr id="1" name=""/>
+        <p:cNvGrpSpPr/>
+        <p:nvPr/>
+      </p:nvGrpSpPr>
+      <p:grpSpPr>
+        <a:xfrm>
+          <a:off x="0" y="0"/>
+          <a:ext cx="0" cy="0"/>
+          <a:chOff x="0" y="0"/>
+          <a:chExt cx="0" cy="0"/>
+        </a:xfrm>
+      </p:grpSpPr>
+      <p:sp>
+        <p:nvSpPr>
+          <p:cNvPr id="2" name="Slide Image Placeholder 1"/>
+          <p:cNvSpPr>
+            <a:spLocks noGrp="1" noRot="1" noChangeAspect="1"/>
+          </p:cNvSpPr>
+          <p:nvPr>
+            <p:ph type="sldImg"/>
+          </p:nvPr>
+        </p:nvSpPr>
+        <p:spPr/>
+      </p:sp>
+      <p:sp>
+        <p:nvSpPr>
+          <p:cNvPr id="3" name="Notes Placeholder 2"/>
+          <p:cNvSpPr>
+            <a:spLocks noGrp="1"/>
+          </p:cNvSpPr>
+          <p:nvPr>
+            <p:ph type="body" idx="1"/>
+          </p:nvPr>
+        </p:nvSpPr>
+        <p:spPr/>
+        <p:txBody>
+          <a:bodyPr/>
+          <a:lstStyle/>
+          <a:p>
+            <a:r>
+              <a:rPr lang="en-US" dirty="0"/>
+              <a:t>e.g. a basic data entry application</a:t>
+            </a:r>
+          </a:p>
+          <a:p>
+            <a:r>
+              <a:rPr lang="en-US" dirty="0"/>
+              <a:t>LAST: Store that data back</a:t>
+            </a:r>
+            <a:br>
+              <a:rPr lang="en-US" dirty="0"/>
+            </a:br>
+            <a:r>
+              <a:rPr lang="en-US" dirty="0"/>
+              <a:t>- Question - what's the best architecture for this type of application?</a:t>
+            </a:r>
+          </a:p>
+        </p:txBody>
+      </p:sp>
+      <p:sp>
+        <p:nvSpPr>
+          <p:cNvPr id="4" name="Slide Number Placeholder 3"/>
+          <p:cNvSpPr>
+            <a:spLocks noGrp="1"/>
+          </p:cNvSpPr>
+          <p:nvPr>
+            <p:ph type="sldNum" sz="quarter" idx="5"/>
+          </p:nvPr>
+        </p:nvSpPr>
+        <p:spPr/>
+        <p:txBody>
+          <a:bodyPr/>
+          <a:lstStyle/>
+          <a:p>
+            <a:fld id="{52D86A8A-0D3B-4DD1-BCA4-15D29761E8A6}" type="slidenum">
+              <a:rPr lang="en-US" smtClean="0"/>
+              <a:t>17</a:t>
+            </a:fld>
+            <a:endParaRPr lang="en-US"/>
+          </a:p>
+        </p:txBody>
+      </p:sp>
+    </p:spTree>
+    <p:extLst>
+      <p:ext uri="{BB962C8B-B14F-4D97-AF65-F5344CB8AC3E}">
+        <p14:creationId xmlns:p14="http://schemas.microsoft.com/office/powerpoint/2010/main" val="1878715022"/>
+      </p:ext>
+    </p:extLst>
+  </p:cSld>
+  <p:clrMapOvr>
+    <a:masterClrMapping/>
+  </p:clrMapOvr>
+</p:notes>
+</file>
+
+<file path=ppt/notesSlides/notesSlide18.xml><?xml version="1.0" encoding="utf-8"?>
+<p:notes xmlns:a="http://schemas.openxmlformats.org/drawingml/2006/main" xmlns:r="http://schemas.openxmlformats.org/officeDocument/2006/relationships" xmlns:p="http://schemas.openxmlformats.org/presentationml/2006/main">
+  <p:cSld>
+    <p:spTree>
+      <p:nvGrpSpPr>
+        <p:cNvPr id="1" name=""/>
+        <p:cNvGrpSpPr/>
+        <p:nvPr/>
+      </p:nvGrpSpPr>
+      <p:grpSpPr>
+        <a:xfrm>
+          <a:off x="0" y="0"/>
+          <a:ext cx="0" cy="0"/>
+          <a:chOff x="0" y="0"/>
+          <a:chExt cx="0" cy="0"/>
+        </a:xfrm>
+      </p:grpSpPr>
+      <p:sp>
+        <p:nvSpPr>
+          <p:cNvPr id="2" name="Slide Image Placeholder 1"/>
+          <p:cNvSpPr>
+            <a:spLocks noGrp="1" noRot="1" noChangeAspect="1"/>
+          </p:cNvSpPr>
+          <p:nvPr>
+            <p:ph type="sldImg"/>
+          </p:nvPr>
+        </p:nvSpPr>
+        <p:spPr/>
+      </p:sp>
+      <p:sp>
+        <p:nvSpPr>
+          <p:cNvPr id="3" name="Notes Placeholder 2"/>
+          <p:cNvSpPr>
+            <a:spLocks noGrp="1"/>
+          </p:cNvSpPr>
+          <p:nvPr>
+            <p:ph type="body" idx="1"/>
+          </p:nvPr>
+        </p:nvSpPr>
+        <p:spPr/>
+        <p:txBody>
+          <a:bodyPr/>
+          <a:lstStyle/>
+          <a:p>
+            <a:r>
+              <a:rPr lang="en-US" dirty="0"/>
+              <a:t>LAST: Model takes</a:t>
+            </a:r>
+          </a:p>
+        </p:txBody>
+      </p:sp>
+      <p:sp>
+        <p:nvSpPr>
+          <p:cNvPr id="4" name="Slide Number Placeholder 3"/>
+          <p:cNvSpPr>
+            <a:spLocks noGrp="1"/>
+          </p:cNvSpPr>
+          <p:nvPr>
+            <p:ph type="sldNum" sz="quarter" idx="5"/>
+          </p:nvPr>
+        </p:nvSpPr>
+        <p:spPr/>
+        <p:txBody>
+          <a:bodyPr/>
+          <a:lstStyle/>
+          <a:p>
+            <a:fld id="{52D86A8A-0D3B-4DD1-BCA4-15D29761E8A6}" type="slidenum">
+              <a:rPr lang="en-US" smtClean="0"/>
+              <a:t>19</a:t>
+            </a:fld>
+            <a:endParaRPr lang="en-US"/>
+          </a:p>
+        </p:txBody>
+      </p:sp>
+    </p:spTree>
+    <p:extLst>
+      <p:ext uri="{BB962C8B-B14F-4D97-AF65-F5344CB8AC3E}">
+        <p14:creationId xmlns:p14="http://schemas.microsoft.com/office/powerpoint/2010/main" val="3801312271"/>
+      </p:ext>
+    </p:extLst>
+  </p:cSld>
+  <p:clrMapOvr>
+    <a:masterClrMapping/>
+  </p:clrMapOvr>
+</p:notes>
+</file>
+
+<file path=ppt/notesSlides/notesSlide19.xml><?xml version="1.0" encoding="utf-8"?>
+<p:notes xmlns:a="http://schemas.openxmlformats.org/drawingml/2006/main" xmlns:r="http://schemas.openxmlformats.org/officeDocument/2006/relationships" xmlns:p="http://schemas.openxmlformats.org/presentationml/2006/main">
+  <p:cSld>
+    <p:spTree>
+      <p:nvGrpSpPr>
+        <p:cNvPr id="1" name=""/>
+        <p:cNvGrpSpPr/>
+        <p:nvPr/>
+      </p:nvGrpSpPr>
+      <p:grpSpPr>
+        <a:xfrm>
+          <a:off x="0" y="0"/>
+          <a:ext cx="0" cy="0"/>
+          <a:chOff x="0" y="0"/>
+          <a:chExt cx="0" cy="0"/>
+        </a:xfrm>
+      </p:grpSpPr>
+      <p:sp>
+        <p:nvSpPr>
+          <p:cNvPr id="2" name="Slide Image Placeholder 1"/>
+          <p:cNvSpPr>
+            <a:spLocks noGrp="1" noRot="1" noChangeAspect="1"/>
+          </p:cNvSpPr>
+          <p:nvPr>
+            <p:ph type="sldImg"/>
+          </p:nvPr>
+        </p:nvSpPr>
+        <p:spPr/>
+      </p:sp>
+      <p:sp>
+        <p:nvSpPr>
+          <p:cNvPr id="3" name="Notes Placeholder 2"/>
+          <p:cNvSpPr>
+            <a:spLocks noGrp="1"/>
+          </p:cNvSpPr>
+          <p:nvPr>
+            <p:ph type="body" idx="1"/>
+          </p:nvPr>
+        </p:nvSpPr>
+        <p:spPr/>
+        <p:txBody>
+          <a:bodyPr/>
+          <a:lstStyle/>
+          <a:p>
+            <a:r>
+              <a:rPr lang="en-US" dirty="0"/>
+              <a:t>LAST: Quite common</a:t>
+            </a:r>
+          </a:p>
+        </p:txBody>
+      </p:sp>
+      <p:sp>
+        <p:nvSpPr>
+          <p:cNvPr id="4" name="Slide Number Placeholder 3"/>
+          <p:cNvSpPr>
+            <a:spLocks noGrp="1"/>
+          </p:cNvSpPr>
+          <p:nvPr>
+            <p:ph type="sldNum" sz="quarter" idx="5"/>
+          </p:nvPr>
+        </p:nvSpPr>
+        <p:spPr/>
+        <p:txBody>
+          <a:bodyPr/>
+          <a:lstStyle/>
+          <a:p>
+            <a:fld id="{52D86A8A-0D3B-4DD1-BCA4-15D29761E8A6}" type="slidenum">
+              <a:rPr lang="en-US" smtClean="0"/>
+              <a:t>20</a:t>
+            </a:fld>
+            <a:endParaRPr lang="en-US"/>
+          </a:p>
+        </p:txBody>
+      </p:sp>
+    </p:spTree>
+    <p:extLst>
+      <p:ext uri="{BB962C8B-B14F-4D97-AF65-F5344CB8AC3E}">
+        <p14:creationId xmlns:p14="http://schemas.microsoft.com/office/powerpoint/2010/main" val="1767865913"/>
+      </p:ext>
+    </p:extLst>
+  </p:cSld>
+  <p:clrMapOvr>
+    <a:masterClrMapping/>
+  </p:clrMapOvr>
+</p:notes>
+</file>
+
 <file path=ppt/notesSlides/notesSlide2.xml><?xml version="1.0" encoding="utf-8"?>
 <p:notes xmlns:a="http://schemas.openxmlformats.org/drawingml/2006/main" xmlns:r="http://schemas.openxmlformats.org/officeDocument/2006/relationships" xmlns:p="http://schemas.openxmlformats.org/presentationml/2006/main">
   <p:cSld>
@@ -1437,6 +1718,331 @@
     <p:extLst>
       <p:ext uri="{BB962C8B-B14F-4D97-AF65-F5344CB8AC3E}">
         <p14:creationId xmlns:p14="http://schemas.microsoft.com/office/powerpoint/2010/main" val="1452565925"/>
+      </p:ext>
+    </p:extLst>
+  </p:cSld>
+  <p:clrMapOvr>
+    <a:masterClrMapping/>
+  </p:clrMapOvr>
+</p:notes>
+</file>
+
+<file path=ppt/notesSlides/notesSlide20.xml><?xml version="1.0" encoding="utf-8"?>
+<p:notes xmlns:a="http://schemas.openxmlformats.org/drawingml/2006/main" xmlns:r="http://schemas.openxmlformats.org/officeDocument/2006/relationships" xmlns:p="http://schemas.openxmlformats.org/presentationml/2006/main">
+  <p:cSld>
+    <p:spTree>
+      <p:nvGrpSpPr>
+        <p:cNvPr id="1" name=""/>
+        <p:cNvGrpSpPr/>
+        <p:nvPr/>
+      </p:nvGrpSpPr>
+      <p:grpSpPr>
+        <a:xfrm>
+          <a:off x="0" y="0"/>
+          <a:ext cx="0" cy="0"/>
+          <a:chOff x="0" y="0"/>
+          <a:chExt cx="0" cy="0"/>
+        </a:xfrm>
+      </p:grpSpPr>
+      <p:sp>
+        <p:nvSpPr>
+          <p:cNvPr id="2" name="Slide Image Placeholder 1"/>
+          <p:cNvSpPr>
+            <a:spLocks noGrp="1" noRot="1" noChangeAspect="1"/>
+          </p:cNvSpPr>
+          <p:nvPr>
+            <p:ph type="sldImg"/>
+          </p:nvPr>
+        </p:nvSpPr>
+        <p:spPr/>
+      </p:sp>
+      <p:sp>
+        <p:nvSpPr>
+          <p:cNvPr id="3" name="Notes Placeholder 2"/>
+          <p:cNvSpPr>
+            <a:spLocks noGrp="1"/>
+          </p:cNvSpPr>
+          <p:nvPr>
+            <p:ph type="body" idx="1"/>
+          </p:nvPr>
+        </p:nvSpPr>
+        <p:spPr/>
+        <p:txBody>
+          <a:bodyPr/>
+          <a:lstStyle/>
+          <a:p>
+            <a:r>
+              <a:rPr lang="en-US" dirty="0"/>
+              <a:t>Where you might use modes</a:t>
+            </a:r>
+          </a:p>
+          <a:p>
+            <a:r>
+              <a:rPr lang="en-US" dirty="0"/>
+              <a:t>- </a:t>
+            </a:r>
+            <a:r>
+              <a:rPr lang="en-US" dirty="0" err="1"/>
+              <a:t>OneWay</a:t>
+            </a:r>
+            <a:r>
+              <a:rPr lang="en-US" dirty="0"/>
+              <a:t> - for populating UI on load, e.g. filling list with items, where user can't change the list</a:t>
+            </a:r>
+          </a:p>
+          <a:p>
+            <a:r>
+              <a:rPr lang="en-US" dirty="0"/>
+              <a:t>- </a:t>
+            </a:r>
+            <a:r>
+              <a:rPr lang="en-US" dirty="0" err="1"/>
+              <a:t>TwoWay</a:t>
+            </a:r>
+            <a:r>
+              <a:rPr lang="en-US" dirty="0"/>
+              <a:t> - typical user data entry, fill in </a:t>
+            </a:r>
+            <a:r>
+              <a:rPr lang="en-US" dirty="0" err="1"/>
+              <a:t>TextBox</a:t>
+            </a:r>
+            <a:r>
+              <a:rPr lang="en-US" dirty="0"/>
+              <a:t> on load, let user change it, update ViewModel</a:t>
+            </a:r>
+          </a:p>
+          <a:p>
+            <a:r>
+              <a:rPr lang="en-US" dirty="0"/>
+              <a:t>LAST: When is ViewModel</a:t>
+            </a:r>
+          </a:p>
+          <a:p>
+            <a:r>
+              <a:rPr lang="en-US" dirty="0"/>
+              <a:t>- </a:t>
+            </a:r>
+            <a:r>
+              <a:rPr lang="en-US" dirty="0" err="1"/>
+              <a:t>UpdateSourceTrigger</a:t>
+            </a:r>
+            <a:r>
+              <a:rPr lang="en-US" dirty="0"/>
+              <a:t> - E.g. when typing in </a:t>
+            </a:r>
+            <a:r>
+              <a:rPr lang="en-US" dirty="0" err="1"/>
+              <a:t>TextBox</a:t>
+            </a:r>
+            <a:endParaRPr lang="en-US" dirty="0"/>
+          </a:p>
+        </p:txBody>
+      </p:sp>
+      <p:sp>
+        <p:nvSpPr>
+          <p:cNvPr id="4" name="Slide Number Placeholder 3"/>
+          <p:cNvSpPr>
+            <a:spLocks noGrp="1"/>
+          </p:cNvSpPr>
+          <p:nvPr>
+            <p:ph type="sldNum" sz="quarter" idx="5"/>
+          </p:nvPr>
+        </p:nvSpPr>
+        <p:spPr/>
+        <p:txBody>
+          <a:bodyPr/>
+          <a:lstStyle/>
+          <a:p>
+            <a:fld id="{52D86A8A-0D3B-4DD1-BCA4-15D29761E8A6}" type="slidenum">
+              <a:rPr lang="en-US" smtClean="0"/>
+              <a:t>21</a:t>
+            </a:fld>
+            <a:endParaRPr lang="en-US"/>
+          </a:p>
+        </p:txBody>
+      </p:sp>
+    </p:spTree>
+    <p:extLst>
+      <p:ext uri="{BB962C8B-B14F-4D97-AF65-F5344CB8AC3E}">
+        <p14:creationId xmlns:p14="http://schemas.microsoft.com/office/powerpoint/2010/main" val="1997652249"/>
+      </p:ext>
+    </p:extLst>
+  </p:cSld>
+  <p:clrMapOvr>
+    <a:masterClrMapping/>
+  </p:clrMapOvr>
+</p:notes>
+</file>
+
+<file path=ppt/notesSlides/notesSlide21.xml><?xml version="1.0" encoding="utf-8"?>
+<p:notes xmlns:a="http://schemas.openxmlformats.org/drawingml/2006/main" xmlns:r="http://schemas.openxmlformats.org/officeDocument/2006/relationships" xmlns:p="http://schemas.openxmlformats.org/presentationml/2006/main">
+  <p:cSld>
+    <p:spTree>
+      <p:nvGrpSpPr>
+        <p:cNvPr id="1" name=""/>
+        <p:cNvGrpSpPr/>
+        <p:nvPr/>
+      </p:nvGrpSpPr>
+      <p:grpSpPr>
+        <a:xfrm>
+          <a:off x="0" y="0"/>
+          <a:ext cx="0" cy="0"/>
+          <a:chOff x="0" y="0"/>
+          <a:chExt cx="0" cy="0"/>
+        </a:xfrm>
+      </p:grpSpPr>
+      <p:sp>
+        <p:nvSpPr>
+          <p:cNvPr id="2" name="Slide Image Placeholder 1"/>
+          <p:cNvSpPr>
+            <a:spLocks noGrp="1" noRot="1" noChangeAspect="1"/>
+          </p:cNvSpPr>
+          <p:nvPr>
+            <p:ph type="sldImg"/>
+          </p:nvPr>
+        </p:nvSpPr>
+        <p:spPr/>
+      </p:sp>
+      <p:sp>
+        <p:nvSpPr>
+          <p:cNvPr id="3" name="Notes Placeholder 2"/>
+          <p:cNvSpPr>
+            <a:spLocks noGrp="1"/>
+          </p:cNvSpPr>
+          <p:nvPr>
+            <p:ph type="body" idx="1"/>
+          </p:nvPr>
+        </p:nvSpPr>
+        <p:spPr/>
+        <p:txBody>
+          <a:bodyPr/>
+          <a:lstStyle/>
+          <a:p>
+            <a:endParaRPr lang="en-US" dirty="0"/>
+          </a:p>
+        </p:txBody>
+      </p:sp>
+      <p:sp>
+        <p:nvSpPr>
+          <p:cNvPr id="4" name="Slide Number Placeholder 3"/>
+          <p:cNvSpPr>
+            <a:spLocks noGrp="1"/>
+          </p:cNvSpPr>
+          <p:nvPr>
+            <p:ph type="sldNum" sz="quarter" idx="5"/>
+          </p:nvPr>
+        </p:nvSpPr>
+        <p:spPr/>
+        <p:txBody>
+          <a:bodyPr/>
+          <a:lstStyle/>
+          <a:p>
+            <a:fld id="{52D86A8A-0D3B-4DD1-BCA4-15D29761E8A6}" type="slidenum">
+              <a:rPr lang="en-US" smtClean="0"/>
+              <a:t>22</a:t>
+            </a:fld>
+            <a:endParaRPr lang="en-US"/>
+          </a:p>
+        </p:txBody>
+      </p:sp>
+    </p:spTree>
+    <p:extLst>
+      <p:ext uri="{BB962C8B-B14F-4D97-AF65-F5344CB8AC3E}">
+        <p14:creationId xmlns:p14="http://schemas.microsoft.com/office/powerpoint/2010/main" val="2936175989"/>
+      </p:ext>
+    </p:extLst>
+  </p:cSld>
+  <p:clrMapOvr>
+    <a:masterClrMapping/>
+  </p:clrMapOvr>
+</p:notes>
+</file>
+
+<file path=ppt/notesSlides/notesSlide22.xml><?xml version="1.0" encoding="utf-8"?>
+<p:notes xmlns:a="http://schemas.openxmlformats.org/drawingml/2006/main" xmlns:r="http://schemas.openxmlformats.org/officeDocument/2006/relationships" xmlns:p="http://schemas.openxmlformats.org/presentationml/2006/main">
+  <p:cSld>
+    <p:spTree>
+      <p:nvGrpSpPr>
+        <p:cNvPr id="1" name=""/>
+        <p:cNvGrpSpPr/>
+        <p:nvPr/>
+      </p:nvGrpSpPr>
+      <p:grpSpPr>
+        <a:xfrm>
+          <a:off x="0" y="0"/>
+          <a:ext cx="0" cy="0"/>
+          <a:chOff x="0" y="0"/>
+          <a:chExt cx="0" cy="0"/>
+        </a:xfrm>
+      </p:grpSpPr>
+      <p:sp>
+        <p:nvSpPr>
+          <p:cNvPr id="2" name="Slide Image Placeholder 1"/>
+          <p:cNvSpPr>
+            <a:spLocks noGrp="1" noRot="1" noChangeAspect="1"/>
+          </p:cNvSpPr>
+          <p:nvPr>
+            <p:ph type="sldImg"/>
+          </p:nvPr>
+        </p:nvSpPr>
+        <p:spPr/>
+      </p:sp>
+      <p:sp>
+        <p:nvSpPr>
+          <p:cNvPr id="3" name="Notes Placeholder 2"/>
+          <p:cNvSpPr>
+            <a:spLocks noGrp="1"/>
+          </p:cNvSpPr>
+          <p:nvPr>
+            <p:ph type="body" idx="1"/>
+          </p:nvPr>
+        </p:nvSpPr>
+        <p:spPr/>
+        <p:txBody>
+          <a:bodyPr/>
+          <a:lstStyle/>
+          <a:p>
+            <a:r>
+              <a:rPr lang="en-US" dirty="0"/>
+              <a:t>LAST: Example</a:t>
+            </a:r>
+          </a:p>
+          <a:p>
+            <a:r>
+              <a:rPr lang="en-US" dirty="0"/>
+              <a:t>- Show ViewModel, setting DataContext, binding in View</a:t>
+            </a:r>
+          </a:p>
+        </p:txBody>
+      </p:sp>
+      <p:sp>
+        <p:nvSpPr>
+          <p:cNvPr id="4" name="Slide Number Placeholder 3"/>
+          <p:cNvSpPr>
+            <a:spLocks noGrp="1"/>
+          </p:cNvSpPr>
+          <p:nvPr>
+            <p:ph type="sldNum" sz="quarter" idx="5"/>
+          </p:nvPr>
+        </p:nvSpPr>
+        <p:spPr/>
+        <p:txBody>
+          <a:bodyPr/>
+          <a:lstStyle/>
+          <a:p>
+            <a:fld id="{52D86A8A-0D3B-4DD1-BCA4-15D29761E8A6}" type="slidenum">
+              <a:rPr lang="en-US" smtClean="0"/>
+              <a:t>23</a:t>
+            </a:fld>
+            <a:endParaRPr lang="en-US"/>
+          </a:p>
+        </p:txBody>
+      </p:sp>
+    </p:spTree>
+    <p:extLst>
+      <p:ext uri="{BB962C8B-B14F-4D97-AF65-F5344CB8AC3E}">
+        <p14:creationId xmlns:p14="http://schemas.microsoft.com/office/powerpoint/2010/main" val="3038833892"/>
       </p:ext>
     </p:extLst>
   </p:cSld>
@@ -12943,6 +13549,1506 @@
 </p:sld>
 </file>
 
+<file path=ppt/slides/slide17.xml><?xml version="1.0" encoding="utf-8"?>
+<p:sld xmlns:a="http://schemas.openxmlformats.org/drawingml/2006/main" xmlns:r="http://schemas.openxmlformats.org/officeDocument/2006/relationships" xmlns:p="http://schemas.openxmlformats.org/presentationml/2006/main">
+  <p:cSld>
+    <p:spTree>
+      <p:nvGrpSpPr>
+        <p:cNvPr id="1" name=""/>
+        <p:cNvGrpSpPr/>
+        <p:nvPr/>
+      </p:nvGrpSpPr>
+      <p:grpSpPr>
+        <a:xfrm>
+          <a:off x="0" y="0"/>
+          <a:ext cx="0" cy="0"/>
+          <a:chOff x="0" y="0"/>
+          <a:chExt cx="0" cy="0"/>
+        </a:xfrm>
+      </p:grpSpPr>
+      <p:sp>
+        <p:nvSpPr>
+          <p:cNvPr id="2" name="Title 1">
+            <a:extLst>
+              <a:ext uri="{FF2B5EF4-FFF2-40B4-BE49-F238E27FC236}">
+                <a16:creationId xmlns:a16="http://schemas.microsoft.com/office/drawing/2014/main" id="{8A216AE6-B08B-D61C-2E11-31273EF2A8DC}"/>
+              </a:ext>
+            </a:extLst>
+          </p:cNvPr>
+          <p:cNvSpPr>
+            <a:spLocks noGrp="1"/>
+          </p:cNvSpPr>
+          <p:nvPr>
+            <p:ph type="title"/>
+          </p:nvPr>
+        </p:nvSpPr>
+        <p:spPr/>
+        <p:txBody>
+          <a:bodyPr/>
+          <a:lstStyle/>
+          <a:p>
+            <a:r>
+              <a:rPr lang="en-US" dirty="0"/>
+              <a:t>Unit 3 – Data Binding</a:t>
+            </a:r>
+          </a:p>
+        </p:txBody>
+      </p:sp>
+      <p:sp>
+        <p:nvSpPr>
+          <p:cNvPr id="3" name="Content Placeholder 2">
+            <a:extLst>
+              <a:ext uri="{FF2B5EF4-FFF2-40B4-BE49-F238E27FC236}">
+                <a16:creationId xmlns:a16="http://schemas.microsoft.com/office/drawing/2014/main" id="{09F1FC3E-4DE4-5AF7-138D-293A8989DA8C}"/>
+              </a:ext>
+            </a:extLst>
+          </p:cNvPr>
+          <p:cNvSpPr>
+            <a:spLocks noGrp="1"/>
+          </p:cNvSpPr>
+          <p:nvPr>
+            <p:ph idx="1"/>
+          </p:nvPr>
+        </p:nvSpPr>
+        <p:spPr/>
+        <p:txBody>
+          <a:bodyPr/>
+          <a:lstStyle/>
+          <a:p>
+            <a:r>
+              <a:rPr lang="en-US" dirty="0"/>
+              <a:t>How UI-based Applications Work</a:t>
+            </a:r>
+          </a:p>
+          <a:p>
+            <a:pPr lvl="1"/>
+            <a:r>
+              <a:rPr lang="en-US" dirty="0"/>
+              <a:t>Bunch of widgets on the screen</a:t>
+            </a:r>
+          </a:p>
+          <a:p>
+            <a:pPr lvl="1"/>
+            <a:r>
+              <a:rPr lang="en-US" dirty="0"/>
+              <a:t>We load data into the widgets</a:t>
+            </a:r>
+          </a:p>
+          <a:p>
+            <a:pPr lvl="1"/>
+            <a:r>
+              <a:rPr lang="en-US" dirty="0"/>
+              <a:t>User works with the data, changing some state</a:t>
+            </a:r>
+          </a:p>
+          <a:p>
+            <a:pPr lvl="1"/>
+            <a:r>
+              <a:rPr lang="en-US" dirty="0"/>
+              <a:t>Store that data back to some data store</a:t>
+            </a:r>
+          </a:p>
+          <a:p>
+            <a:endParaRPr lang="en-US" dirty="0"/>
+          </a:p>
+        </p:txBody>
+      </p:sp>
+    </p:spTree>
+    <p:extLst>
+      <p:ext uri="{BB962C8B-B14F-4D97-AF65-F5344CB8AC3E}">
+        <p14:creationId xmlns:p14="http://schemas.microsoft.com/office/powerpoint/2010/main" val="626039066"/>
+      </p:ext>
+    </p:extLst>
+  </p:cSld>
+  <p:clrMapOvr>
+    <a:masterClrMapping/>
+  </p:clrMapOvr>
+  <p:timing>
+    <p:tnLst>
+      <p:par>
+        <p:cTn id="1" dur="indefinite" restart="never" nodeType="tmRoot">
+          <p:childTnLst>
+            <p:seq concurrent="1" nextAc="seek">
+              <p:cTn id="2" dur="indefinite" nodeType="mainSeq">
+                <p:childTnLst>
+                  <p:par>
+                    <p:cTn id="3" fill="hold">
+                      <p:stCondLst>
+                        <p:cond delay="indefinite"/>
+                      </p:stCondLst>
+                      <p:childTnLst>
+                        <p:par>
+                          <p:cTn id="4" fill="hold">
+                            <p:stCondLst>
+                              <p:cond delay="0"/>
+                            </p:stCondLst>
+                            <p:childTnLst>
+                              <p:par>
+                                <p:cTn id="5" presetID="10" presetClass="entr" presetSubtype="0" fill="hold" grpId="0" nodeType="clickEffect">
+                                  <p:stCondLst>
+                                    <p:cond delay="0"/>
+                                  </p:stCondLst>
+                                  <p:childTnLst>
+                                    <p:set>
+                                      <p:cBhvr>
+                                        <p:cTn id="6" dur="1" fill="hold">
+                                          <p:stCondLst>
+                                            <p:cond delay="0"/>
+                                          </p:stCondLst>
+                                        </p:cTn>
+                                        <p:tgtEl>
+                                          <p:spTgt spid="3">
+                                            <p:txEl>
+                                              <p:pRg st="0" end="0"/>
+                                            </p:txEl>
+                                          </p:spTgt>
+                                        </p:tgtEl>
+                                        <p:attrNameLst>
+                                          <p:attrName>style.visibility</p:attrName>
+                                        </p:attrNameLst>
+                                      </p:cBhvr>
+                                      <p:to>
+                                        <p:strVal val="visible"/>
+                                      </p:to>
+                                    </p:set>
+                                    <p:animEffect transition="in" filter="fade">
+                                      <p:cBhvr>
+                                        <p:cTn id="7" dur="500"/>
+                                        <p:tgtEl>
+                                          <p:spTgt spid="3">
+                                            <p:txEl>
+                                              <p:pRg st="0" end="0"/>
+                                            </p:txEl>
+                                          </p:spTgt>
+                                        </p:tgtEl>
+                                      </p:cBhvr>
+                                    </p:animEffect>
+                                  </p:childTnLst>
+                                </p:cTn>
+                              </p:par>
+                            </p:childTnLst>
+                          </p:cTn>
+                        </p:par>
+                      </p:childTnLst>
+                    </p:cTn>
+                  </p:par>
+                  <p:par>
+                    <p:cTn id="8" fill="hold">
+                      <p:stCondLst>
+                        <p:cond delay="indefinite"/>
+                      </p:stCondLst>
+                      <p:childTnLst>
+                        <p:par>
+                          <p:cTn id="9" fill="hold">
+                            <p:stCondLst>
+                              <p:cond delay="0"/>
+                            </p:stCondLst>
+                            <p:childTnLst>
+                              <p:par>
+                                <p:cTn id="10" presetID="10" presetClass="entr" presetSubtype="0" fill="hold" grpId="0" nodeType="clickEffect">
+                                  <p:stCondLst>
+                                    <p:cond delay="0"/>
+                                  </p:stCondLst>
+                                  <p:childTnLst>
+                                    <p:set>
+                                      <p:cBhvr>
+                                        <p:cTn id="11" dur="1" fill="hold">
+                                          <p:stCondLst>
+                                            <p:cond delay="0"/>
+                                          </p:stCondLst>
+                                        </p:cTn>
+                                        <p:tgtEl>
+                                          <p:spTgt spid="3">
+                                            <p:txEl>
+                                              <p:pRg st="1" end="1"/>
+                                            </p:txEl>
+                                          </p:spTgt>
+                                        </p:tgtEl>
+                                        <p:attrNameLst>
+                                          <p:attrName>style.visibility</p:attrName>
+                                        </p:attrNameLst>
+                                      </p:cBhvr>
+                                      <p:to>
+                                        <p:strVal val="visible"/>
+                                      </p:to>
+                                    </p:set>
+                                    <p:animEffect transition="in" filter="fade">
+                                      <p:cBhvr>
+                                        <p:cTn id="12" dur="500"/>
+                                        <p:tgtEl>
+                                          <p:spTgt spid="3">
+                                            <p:txEl>
+                                              <p:pRg st="1" end="1"/>
+                                            </p:txEl>
+                                          </p:spTgt>
+                                        </p:tgtEl>
+                                      </p:cBhvr>
+                                    </p:animEffect>
+                                  </p:childTnLst>
+                                </p:cTn>
+                              </p:par>
+                            </p:childTnLst>
+                          </p:cTn>
+                        </p:par>
+                      </p:childTnLst>
+                    </p:cTn>
+                  </p:par>
+                  <p:par>
+                    <p:cTn id="13" fill="hold">
+                      <p:stCondLst>
+                        <p:cond delay="indefinite"/>
+                      </p:stCondLst>
+                      <p:childTnLst>
+                        <p:par>
+                          <p:cTn id="14" fill="hold">
+                            <p:stCondLst>
+                              <p:cond delay="0"/>
+                            </p:stCondLst>
+                            <p:childTnLst>
+                              <p:par>
+                                <p:cTn id="15" presetID="10" presetClass="entr" presetSubtype="0" fill="hold" grpId="0" nodeType="clickEffect">
+                                  <p:stCondLst>
+                                    <p:cond delay="0"/>
+                                  </p:stCondLst>
+                                  <p:childTnLst>
+                                    <p:set>
+                                      <p:cBhvr>
+                                        <p:cTn id="16" dur="1" fill="hold">
+                                          <p:stCondLst>
+                                            <p:cond delay="0"/>
+                                          </p:stCondLst>
+                                        </p:cTn>
+                                        <p:tgtEl>
+                                          <p:spTgt spid="3">
+                                            <p:txEl>
+                                              <p:pRg st="2" end="2"/>
+                                            </p:txEl>
+                                          </p:spTgt>
+                                        </p:tgtEl>
+                                        <p:attrNameLst>
+                                          <p:attrName>style.visibility</p:attrName>
+                                        </p:attrNameLst>
+                                      </p:cBhvr>
+                                      <p:to>
+                                        <p:strVal val="visible"/>
+                                      </p:to>
+                                    </p:set>
+                                    <p:animEffect transition="in" filter="fade">
+                                      <p:cBhvr>
+                                        <p:cTn id="17" dur="500"/>
+                                        <p:tgtEl>
+                                          <p:spTgt spid="3">
+                                            <p:txEl>
+                                              <p:pRg st="2" end="2"/>
+                                            </p:txEl>
+                                          </p:spTgt>
+                                        </p:tgtEl>
+                                      </p:cBhvr>
+                                    </p:animEffect>
+                                  </p:childTnLst>
+                                </p:cTn>
+                              </p:par>
+                            </p:childTnLst>
+                          </p:cTn>
+                        </p:par>
+                      </p:childTnLst>
+                    </p:cTn>
+                  </p:par>
+                  <p:par>
+                    <p:cTn id="18" fill="hold">
+                      <p:stCondLst>
+                        <p:cond delay="indefinite"/>
+                      </p:stCondLst>
+                      <p:childTnLst>
+                        <p:par>
+                          <p:cTn id="19" fill="hold">
+                            <p:stCondLst>
+                              <p:cond delay="0"/>
+                            </p:stCondLst>
+                            <p:childTnLst>
+                              <p:par>
+                                <p:cTn id="20" presetID="10" presetClass="entr" presetSubtype="0" fill="hold" grpId="0" nodeType="clickEffect">
+                                  <p:stCondLst>
+                                    <p:cond delay="0"/>
+                                  </p:stCondLst>
+                                  <p:childTnLst>
+                                    <p:set>
+                                      <p:cBhvr>
+                                        <p:cTn id="21" dur="1" fill="hold">
+                                          <p:stCondLst>
+                                            <p:cond delay="0"/>
+                                          </p:stCondLst>
+                                        </p:cTn>
+                                        <p:tgtEl>
+                                          <p:spTgt spid="3">
+                                            <p:txEl>
+                                              <p:pRg st="3" end="3"/>
+                                            </p:txEl>
+                                          </p:spTgt>
+                                        </p:tgtEl>
+                                        <p:attrNameLst>
+                                          <p:attrName>style.visibility</p:attrName>
+                                        </p:attrNameLst>
+                                      </p:cBhvr>
+                                      <p:to>
+                                        <p:strVal val="visible"/>
+                                      </p:to>
+                                    </p:set>
+                                    <p:animEffect transition="in" filter="fade">
+                                      <p:cBhvr>
+                                        <p:cTn id="22" dur="500"/>
+                                        <p:tgtEl>
+                                          <p:spTgt spid="3">
+                                            <p:txEl>
+                                              <p:pRg st="3" end="3"/>
+                                            </p:txEl>
+                                          </p:spTgt>
+                                        </p:tgtEl>
+                                      </p:cBhvr>
+                                    </p:animEffect>
+                                  </p:childTnLst>
+                                </p:cTn>
+                              </p:par>
+                            </p:childTnLst>
+                          </p:cTn>
+                        </p:par>
+                      </p:childTnLst>
+                    </p:cTn>
+                  </p:par>
+                  <p:par>
+                    <p:cTn id="23" fill="hold">
+                      <p:stCondLst>
+                        <p:cond delay="indefinite"/>
+                      </p:stCondLst>
+                      <p:childTnLst>
+                        <p:par>
+                          <p:cTn id="24" fill="hold">
+                            <p:stCondLst>
+                              <p:cond delay="0"/>
+                            </p:stCondLst>
+                            <p:childTnLst>
+                              <p:par>
+                                <p:cTn id="25" presetID="10" presetClass="entr" presetSubtype="0" fill="hold" grpId="0" nodeType="clickEffect">
+                                  <p:stCondLst>
+                                    <p:cond delay="0"/>
+                                  </p:stCondLst>
+                                  <p:childTnLst>
+                                    <p:set>
+                                      <p:cBhvr>
+                                        <p:cTn id="26" dur="1" fill="hold">
+                                          <p:stCondLst>
+                                            <p:cond delay="0"/>
+                                          </p:stCondLst>
+                                        </p:cTn>
+                                        <p:tgtEl>
+                                          <p:spTgt spid="3">
+                                            <p:txEl>
+                                              <p:pRg st="4" end="4"/>
+                                            </p:txEl>
+                                          </p:spTgt>
+                                        </p:tgtEl>
+                                        <p:attrNameLst>
+                                          <p:attrName>style.visibility</p:attrName>
+                                        </p:attrNameLst>
+                                      </p:cBhvr>
+                                      <p:to>
+                                        <p:strVal val="visible"/>
+                                      </p:to>
+                                    </p:set>
+                                    <p:animEffect transition="in" filter="fade">
+                                      <p:cBhvr>
+                                        <p:cTn id="27" dur="500"/>
+                                        <p:tgtEl>
+                                          <p:spTgt spid="3">
+                                            <p:txEl>
+                                              <p:pRg st="4" end="4"/>
+                                            </p:txEl>
+                                          </p:spTgt>
+                                        </p:tgtEl>
+                                      </p:cBhvr>
+                                    </p:animEffect>
+                                  </p:childTnLst>
+                                </p:cTn>
+                              </p:par>
+                            </p:childTnLst>
+                          </p:cTn>
+                        </p:par>
+                      </p:childTnLst>
+                    </p:cTn>
+                  </p:par>
+                </p:childTnLst>
+              </p:cTn>
+              <p:prevCondLst>
+                <p:cond evt="onPrev" delay="0">
+                  <p:tgtEl>
+                    <p:sldTgt/>
+                  </p:tgtEl>
+                </p:cond>
+              </p:prevCondLst>
+              <p:nextCondLst>
+                <p:cond evt="onNext" delay="0">
+                  <p:tgtEl>
+                    <p:sldTgt/>
+                  </p:tgtEl>
+                </p:cond>
+              </p:nextCondLst>
+            </p:seq>
+          </p:childTnLst>
+        </p:cTn>
+      </p:par>
+    </p:tnLst>
+    <p:bldLst>
+      <p:bldP spid="3" grpId="0" uiExpand="1" build="p"/>
+    </p:bldLst>
+  </p:timing>
+</p:sld>
+</file>
+
+<file path=ppt/slides/slide18.xml><?xml version="1.0" encoding="utf-8"?>
+<p:sld xmlns:a="http://schemas.openxmlformats.org/drawingml/2006/main" xmlns:r="http://schemas.openxmlformats.org/officeDocument/2006/relationships" xmlns:p="http://schemas.openxmlformats.org/presentationml/2006/main">
+  <p:cSld>
+    <p:spTree>
+      <p:nvGrpSpPr>
+        <p:cNvPr id="1" name=""/>
+        <p:cNvGrpSpPr/>
+        <p:nvPr/>
+      </p:nvGrpSpPr>
+      <p:grpSpPr>
+        <a:xfrm>
+          <a:off x="0" y="0"/>
+          <a:ext cx="0" cy="0"/>
+          <a:chOff x="0" y="0"/>
+          <a:chExt cx="0" cy="0"/>
+        </a:xfrm>
+      </p:grpSpPr>
+      <p:sp>
+        <p:nvSpPr>
+          <p:cNvPr id="2" name="Title 1">
+            <a:extLst>
+              <a:ext uri="{FF2B5EF4-FFF2-40B4-BE49-F238E27FC236}">
+                <a16:creationId xmlns:a16="http://schemas.microsoft.com/office/drawing/2014/main" id="{BA06A963-1B3F-E67B-E63C-B1B547831589}"/>
+              </a:ext>
+            </a:extLst>
+          </p:cNvPr>
+          <p:cNvSpPr>
+            <a:spLocks noGrp="1"/>
+          </p:cNvSpPr>
+          <p:nvPr>
+            <p:ph type="title"/>
+          </p:nvPr>
+        </p:nvSpPr>
+        <p:spPr/>
+        <p:txBody>
+          <a:bodyPr/>
+          <a:lstStyle/>
+          <a:p>
+            <a:r>
+              <a:rPr lang="en-US" dirty="0"/>
+              <a:t>Unit 3 – Data Binding</a:t>
+            </a:r>
+          </a:p>
+        </p:txBody>
+      </p:sp>
+      <p:sp>
+        <p:nvSpPr>
+          <p:cNvPr id="3" name="Content Placeholder 2">
+            <a:extLst>
+              <a:ext uri="{FF2B5EF4-FFF2-40B4-BE49-F238E27FC236}">
+                <a16:creationId xmlns:a16="http://schemas.microsoft.com/office/drawing/2014/main" id="{DC6DEFFE-6626-521F-9D35-118ABBD62F35}"/>
+              </a:ext>
+            </a:extLst>
+          </p:cNvPr>
+          <p:cNvSpPr>
+            <a:spLocks noGrp="1"/>
+          </p:cNvSpPr>
+          <p:nvPr>
+            <p:ph idx="1"/>
+          </p:nvPr>
+        </p:nvSpPr>
+        <p:spPr/>
+        <p:txBody>
+          <a:bodyPr/>
+          <a:lstStyle/>
+          <a:p>
+            <a:r>
+              <a:rPr lang="en-US" dirty="0"/>
+              <a:t>MVVM (Model View ViewModel)</a:t>
+            </a:r>
+          </a:p>
+          <a:p>
+            <a:pPr lvl="1"/>
+            <a:r>
+              <a:rPr lang="en-US" dirty="0"/>
+              <a:t>MVVM is the typical architecture used for WPF application</a:t>
+            </a:r>
+          </a:p>
+          <a:p>
+            <a:pPr lvl="1"/>
+            <a:endParaRPr lang="en-US" dirty="0"/>
+          </a:p>
+          <a:p>
+            <a:pPr lvl="1"/>
+            <a:endParaRPr lang="en-US" dirty="0"/>
+          </a:p>
+          <a:p>
+            <a:pPr lvl="1"/>
+            <a:endParaRPr lang="en-US" dirty="0"/>
+          </a:p>
+          <a:p>
+            <a:pPr lvl="1"/>
+            <a:endParaRPr lang="en-US" dirty="0"/>
+          </a:p>
+          <a:p>
+            <a:pPr lvl="1"/>
+            <a:endParaRPr lang="en-US" dirty="0"/>
+          </a:p>
+          <a:p>
+            <a:pPr lvl="1"/>
+            <a:r>
+              <a:rPr lang="en-US" dirty="0"/>
+              <a:t>Separates business logic from UI behavior</a:t>
+            </a:r>
+          </a:p>
+          <a:p>
+            <a:pPr lvl="1"/>
+            <a:endParaRPr lang="en-US" dirty="0"/>
+          </a:p>
+        </p:txBody>
+      </p:sp>
+      <p:pic>
+        <p:nvPicPr>
+          <p:cNvPr id="4" name="Picture 3">
+            <a:extLst>
+              <a:ext uri="{FF2B5EF4-FFF2-40B4-BE49-F238E27FC236}">
+                <a16:creationId xmlns:a16="http://schemas.microsoft.com/office/drawing/2014/main" id="{167BF8EC-B2D0-4114-25A4-10BEBB2E52AE}"/>
+              </a:ext>
+            </a:extLst>
+          </p:cNvPr>
+          <p:cNvPicPr>
+            <a:picLocks noChangeAspect="1"/>
+          </p:cNvPicPr>
+          <p:nvPr/>
+        </p:nvPicPr>
+        <p:blipFill>
+          <a:blip r:embed="rId2"/>
+          <a:stretch>
+            <a:fillRect/>
+          </a:stretch>
+        </p:blipFill>
+        <p:spPr>
+          <a:xfrm>
+            <a:off x="3104114" y="2924589"/>
+            <a:ext cx="5705475" cy="1714500"/>
+          </a:xfrm>
+          <a:prstGeom prst="rect">
+            <a:avLst/>
+          </a:prstGeom>
+        </p:spPr>
+      </p:pic>
+    </p:spTree>
+    <p:extLst>
+      <p:ext uri="{BB962C8B-B14F-4D97-AF65-F5344CB8AC3E}">
+        <p14:creationId xmlns:p14="http://schemas.microsoft.com/office/powerpoint/2010/main" val="1515088931"/>
+      </p:ext>
+    </p:extLst>
+  </p:cSld>
+  <p:clrMapOvr>
+    <a:masterClrMapping/>
+  </p:clrMapOvr>
+  <p:timing>
+    <p:tnLst>
+      <p:par>
+        <p:cTn id="1" dur="indefinite" restart="never" nodeType="tmRoot">
+          <p:childTnLst>
+            <p:seq concurrent="1" nextAc="seek">
+              <p:cTn id="2" dur="indefinite" nodeType="mainSeq">
+                <p:childTnLst>
+                  <p:par>
+                    <p:cTn id="3" fill="hold">
+                      <p:stCondLst>
+                        <p:cond delay="indefinite"/>
+                        <p:cond evt="onBegin" delay="0">
+                          <p:tn val="2"/>
+                        </p:cond>
+                      </p:stCondLst>
+                      <p:childTnLst>
+                        <p:par>
+                          <p:cTn id="4" fill="hold">
+                            <p:stCondLst>
+                              <p:cond delay="0"/>
+                            </p:stCondLst>
+                            <p:childTnLst>
+                              <p:par>
+                                <p:cTn id="5" presetID="10" presetClass="entr" presetSubtype="0" fill="hold" grpId="0" nodeType="withEffect">
+                                  <p:stCondLst>
+                                    <p:cond delay="0"/>
+                                  </p:stCondLst>
+                                  <p:childTnLst>
+                                    <p:set>
+                                      <p:cBhvr>
+                                        <p:cTn id="6" dur="1" fill="hold">
+                                          <p:stCondLst>
+                                            <p:cond delay="0"/>
+                                          </p:stCondLst>
+                                        </p:cTn>
+                                        <p:tgtEl>
+                                          <p:spTgt spid="3">
+                                            <p:txEl>
+                                              <p:pRg st="0" end="0"/>
+                                            </p:txEl>
+                                          </p:spTgt>
+                                        </p:tgtEl>
+                                        <p:attrNameLst>
+                                          <p:attrName>style.visibility</p:attrName>
+                                        </p:attrNameLst>
+                                      </p:cBhvr>
+                                      <p:to>
+                                        <p:strVal val="visible"/>
+                                      </p:to>
+                                    </p:set>
+                                    <p:animEffect transition="in" filter="fade">
+                                      <p:cBhvr>
+                                        <p:cTn id="7" dur="500"/>
+                                        <p:tgtEl>
+                                          <p:spTgt spid="3">
+                                            <p:txEl>
+                                              <p:pRg st="0" end="0"/>
+                                            </p:txEl>
+                                          </p:spTgt>
+                                        </p:tgtEl>
+                                      </p:cBhvr>
+                                    </p:animEffect>
+                                  </p:childTnLst>
+                                </p:cTn>
+                              </p:par>
+                              <p:par>
+                                <p:cTn id="8" presetID="10" presetClass="entr" presetSubtype="0" fill="hold" grpId="0" nodeType="withEffect">
+                                  <p:stCondLst>
+                                    <p:cond delay="0"/>
+                                  </p:stCondLst>
+                                  <p:childTnLst>
+                                    <p:set>
+                                      <p:cBhvr>
+                                        <p:cTn id="9" dur="1" fill="hold">
+                                          <p:stCondLst>
+                                            <p:cond delay="0"/>
+                                          </p:stCondLst>
+                                        </p:cTn>
+                                        <p:tgtEl>
+                                          <p:spTgt spid="3">
+                                            <p:txEl>
+                                              <p:pRg st="1" end="1"/>
+                                            </p:txEl>
+                                          </p:spTgt>
+                                        </p:tgtEl>
+                                        <p:attrNameLst>
+                                          <p:attrName>style.visibility</p:attrName>
+                                        </p:attrNameLst>
+                                      </p:cBhvr>
+                                      <p:to>
+                                        <p:strVal val="visible"/>
+                                      </p:to>
+                                    </p:set>
+                                    <p:animEffect transition="in" filter="fade">
+                                      <p:cBhvr>
+                                        <p:cTn id="10" dur="500"/>
+                                        <p:tgtEl>
+                                          <p:spTgt spid="3">
+                                            <p:txEl>
+                                              <p:pRg st="1" end="1"/>
+                                            </p:txEl>
+                                          </p:spTgt>
+                                        </p:tgtEl>
+                                      </p:cBhvr>
+                                    </p:animEffect>
+                                  </p:childTnLst>
+                                </p:cTn>
+                              </p:par>
+                              <p:par>
+                                <p:cTn id="11" presetID="10" presetClass="entr" presetSubtype="0" fill="hold" grpId="0" nodeType="withEffect">
+                                  <p:stCondLst>
+                                    <p:cond delay="0"/>
+                                  </p:stCondLst>
+                                  <p:childTnLst>
+                                    <p:set>
+                                      <p:cBhvr>
+                                        <p:cTn id="12" dur="1" fill="hold">
+                                          <p:stCondLst>
+                                            <p:cond delay="0"/>
+                                          </p:stCondLst>
+                                        </p:cTn>
+                                        <p:tgtEl>
+                                          <p:spTgt spid="3">
+                                            <p:txEl>
+                                              <p:pRg st="7" end="7"/>
+                                            </p:txEl>
+                                          </p:spTgt>
+                                        </p:tgtEl>
+                                        <p:attrNameLst>
+                                          <p:attrName>style.visibility</p:attrName>
+                                        </p:attrNameLst>
+                                      </p:cBhvr>
+                                      <p:to>
+                                        <p:strVal val="visible"/>
+                                      </p:to>
+                                    </p:set>
+                                    <p:animEffect transition="in" filter="fade">
+                                      <p:cBhvr>
+                                        <p:cTn id="13" dur="500"/>
+                                        <p:tgtEl>
+                                          <p:spTgt spid="3">
+                                            <p:txEl>
+                                              <p:pRg st="7" end="7"/>
+                                            </p:txEl>
+                                          </p:spTgt>
+                                        </p:tgtEl>
+                                      </p:cBhvr>
+                                    </p:animEffect>
+                                  </p:childTnLst>
+                                </p:cTn>
+                              </p:par>
+                            </p:childTnLst>
+                          </p:cTn>
+                        </p:par>
+                      </p:childTnLst>
+                    </p:cTn>
+                  </p:par>
+                </p:childTnLst>
+              </p:cTn>
+              <p:prevCondLst>
+                <p:cond evt="onPrev" delay="0">
+                  <p:tgtEl>
+                    <p:sldTgt/>
+                  </p:tgtEl>
+                </p:cond>
+              </p:prevCondLst>
+              <p:nextCondLst>
+                <p:cond evt="onNext" delay="0">
+                  <p:tgtEl>
+                    <p:sldTgt/>
+                  </p:tgtEl>
+                </p:cond>
+              </p:nextCondLst>
+            </p:seq>
+          </p:childTnLst>
+        </p:cTn>
+      </p:par>
+    </p:tnLst>
+    <p:bldLst>
+      <p:bldP spid="3" grpId="0" uiExpand="1" build="allAtOnce"/>
+    </p:bldLst>
+  </p:timing>
+</p:sld>
+</file>
+
+<file path=ppt/slides/slide19.xml><?xml version="1.0" encoding="utf-8"?>
+<p:sld xmlns:a="http://schemas.openxmlformats.org/drawingml/2006/main" xmlns:r="http://schemas.openxmlformats.org/officeDocument/2006/relationships" xmlns:p="http://schemas.openxmlformats.org/presentationml/2006/main">
+  <p:cSld>
+    <p:spTree>
+      <p:nvGrpSpPr>
+        <p:cNvPr id="1" name=""/>
+        <p:cNvGrpSpPr/>
+        <p:nvPr/>
+      </p:nvGrpSpPr>
+      <p:grpSpPr>
+        <a:xfrm>
+          <a:off x="0" y="0"/>
+          <a:ext cx="0" cy="0"/>
+          <a:chOff x="0" y="0"/>
+          <a:chExt cx="0" cy="0"/>
+        </a:xfrm>
+      </p:grpSpPr>
+      <p:sp>
+        <p:nvSpPr>
+          <p:cNvPr id="2" name="Title 1">
+            <a:extLst>
+              <a:ext uri="{FF2B5EF4-FFF2-40B4-BE49-F238E27FC236}">
+                <a16:creationId xmlns:a16="http://schemas.microsoft.com/office/drawing/2014/main" id="{2C2119FC-1760-3AE3-0EB9-A16B9715903B}"/>
+              </a:ext>
+            </a:extLst>
+          </p:cNvPr>
+          <p:cNvSpPr>
+            <a:spLocks noGrp="1"/>
+          </p:cNvSpPr>
+          <p:nvPr>
+            <p:ph type="title"/>
+          </p:nvPr>
+        </p:nvSpPr>
+        <p:spPr/>
+        <p:txBody>
+          <a:bodyPr/>
+          <a:lstStyle/>
+          <a:p>
+            <a:r>
+              <a:rPr lang="en-US" dirty="0"/>
+              <a:t>Unit 3 – Data Binding</a:t>
+            </a:r>
+          </a:p>
+        </p:txBody>
+      </p:sp>
+      <p:sp>
+        <p:nvSpPr>
+          <p:cNvPr id="3" name="Content Placeholder 2">
+            <a:extLst>
+              <a:ext uri="{FF2B5EF4-FFF2-40B4-BE49-F238E27FC236}">
+                <a16:creationId xmlns:a16="http://schemas.microsoft.com/office/drawing/2014/main" id="{FC044B31-ED22-0B03-B47C-99FF408A2D5A}"/>
+              </a:ext>
+            </a:extLst>
+          </p:cNvPr>
+          <p:cNvSpPr>
+            <a:spLocks noGrp="1"/>
+          </p:cNvSpPr>
+          <p:nvPr>
+            <p:ph idx="1"/>
+          </p:nvPr>
+        </p:nvSpPr>
+        <p:spPr/>
+        <p:txBody>
+          <a:bodyPr>
+            <a:normAutofit/>
+          </a:bodyPr>
+          <a:lstStyle/>
+          <a:p>
+            <a:r>
+              <a:rPr lang="en-US" dirty="0"/>
+              <a:t>How MVVM Works</a:t>
+            </a:r>
+          </a:p>
+          <a:p>
+            <a:pPr lvl="1"/>
+            <a:r>
+              <a:rPr lang="en-US" dirty="0"/>
+              <a:t>The View contains the UI widgets that the user interacts with</a:t>
+            </a:r>
+          </a:p>
+          <a:p>
+            <a:pPr lvl="1"/>
+            <a:r>
+              <a:rPr lang="en-US" dirty="0"/>
+              <a:t>Data binding mechanism transfers data between View and ViewModel</a:t>
+            </a:r>
+          </a:p>
+          <a:p>
+            <a:pPr lvl="1"/>
+            <a:r>
+              <a:rPr lang="en-US" dirty="0"/>
+              <a:t>ViewModel contains a copy of the data being displayed in the View</a:t>
+            </a:r>
+          </a:p>
+          <a:p>
+            <a:pPr lvl="2"/>
+            <a:r>
+              <a:rPr lang="en-US" dirty="0"/>
+              <a:t>As user changes something in UI, property in ViewModel is updated</a:t>
+            </a:r>
+          </a:p>
+          <a:p>
+            <a:pPr lvl="2"/>
+            <a:r>
+              <a:rPr lang="en-US" dirty="0"/>
+              <a:t>If property changes in ViewModel (e.g. load object), UI controls are updated</a:t>
+            </a:r>
+          </a:p>
+          <a:p>
+            <a:pPr lvl="1"/>
+            <a:r>
+              <a:rPr lang="en-US" dirty="0"/>
+              <a:t>Model takes care of actual business logic</a:t>
+            </a:r>
+          </a:p>
+          <a:p>
+            <a:pPr lvl="2"/>
+            <a:r>
+              <a:rPr lang="en-US" dirty="0"/>
+              <a:t>Load / save data	</a:t>
+            </a:r>
+          </a:p>
+          <a:p>
+            <a:pPr lvl="2"/>
+            <a:r>
+              <a:rPr lang="en-US" dirty="0"/>
+              <a:t>Execute operations on data</a:t>
+            </a:r>
+          </a:p>
+          <a:p>
+            <a:pPr lvl="2"/>
+            <a:r>
+              <a:rPr lang="en-US" dirty="0"/>
+              <a:t>Manage dependencies between properties</a:t>
+            </a:r>
+          </a:p>
+          <a:p>
+            <a:pPr lvl="1"/>
+            <a:endParaRPr lang="en-US" dirty="0"/>
+          </a:p>
+        </p:txBody>
+      </p:sp>
+    </p:spTree>
+    <p:extLst>
+      <p:ext uri="{BB962C8B-B14F-4D97-AF65-F5344CB8AC3E}">
+        <p14:creationId xmlns:p14="http://schemas.microsoft.com/office/powerpoint/2010/main" val="3867100590"/>
+      </p:ext>
+    </p:extLst>
+  </p:cSld>
+  <p:clrMapOvr>
+    <a:masterClrMapping/>
+  </p:clrMapOvr>
+  <p:timing>
+    <p:tnLst>
+      <p:par>
+        <p:cTn id="1" dur="indefinite" restart="never" nodeType="tmRoot">
+          <p:childTnLst>
+            <p:seq concurrent="1" nextAc="seek">
+              <p:cTn id="2" dur="indefinite" nodeType="mainSeq">
+                <p:childTnLst>
+                  <p:par>
+                    <p:cTn id="3" fill="hold">
+                      <p:stCondLst>
+                        <p:cond delay="indefinite"/>
+                      </p:stCondLst>
+                      <p:childTnLst>
+                        <p:par>
+                          <p:cTn id="4" fill="hold">
+                            <p:stCondLst>
+                              <p:cond delay="0"/>
+                            </p:stCondLst>
+                            <p:childTnLst>
+                              <p:par>
+                                <p:cTn id="5" presetID="10" presetClass="entr" presetSubtype="0" fill="hold" grpId="0" nodeType="clickEffect">
+                                  <p:stCondLst>
+                                    <p:cond delay="0"/>
+                                  </p:stCondLst>
+                                  <p:childTnLst>
+                                    <p:set>
+                                      <p:cBhvr>
+                                        <p:cTn id="6" dur="1" fill="hold">
+                                          <p:stCondLst>
+                                            <p:cond delay="0"/>
+                                          </p:stCondLst>
+                                        </p:cTn>
+                                        <p:tgtEl>
+                                          <p:spTgt spid="3">
+                                            <p:txEl>
+                                              <p:pRg st="0" end="0"/>
+                                            </p:txEl>
+                                          </p:spTgt>
+                                        </p:tgtEl>
+                                        <p:attrNameLst>
+                                          <p:attrName>style.visibility</p:attrName>
+                                        </p:attrNameLst>
+                                      </p:cBhvr>
+                                      <p:to>
+                                        <p:strVal val="visible"/>
+                                      </p:to>
+                                    </p:set>
+                                    <p:animEffect transition="in" filter="fade">
+                                      <p:cBhvr>
+                                        <p:cTn id="7" dur="500"/>
+                                        <p:tgtEl>
+                                          <p:spTgt spid="3">
+                                            <p:txEl>
+                                              <p:pRg st="0" end="0"/>
+                                            </p:txEl>
+                                          </p:spTgt>
+                                        </p:tgtEl>
+                                      </p:cBhvr>
+                                    </p:animEffect>
+                                  </p:childTnLst>
+                                </p:cTn>
+                              </p:par>
+                            </p:childTnLst>
+                          </p:cTn>
+                        </p:par>
+                      </p:childTnLst>
+                    </p:cTn>
+                  </p:par>
+                  <p:par>
+                    <p:cTn id="8" fill="hold">
+                      <p:stCondLst>
+                        <p:cond delay="indefinite"/>
+                      </p:stCondLst>
+                      <p:childTnLst>
+                        <p:par>
+                          <p:cTn id="9" fill="hold">
+                            <p:stCondLst>
+                              <p:cond delay="0"/>
+                            </p:stCondLst>
+                            <p:childTnLst>
+                              <p:par>
+                                <p:cTn id="10" presetID="10" presetClass="entr" presetSubtype="0" fill="hold" grpId="0" nodeType="clickEffect">
+                                  <p:stCondLst>
+                                    <p:cond delay="0"/>
+                                  </p:stCondLst>
+                                  <p:childTnLst>
+                                    <p:set>
+                                      <p:cBhvr>
+                                        <p:cTn id="11" dur="1" fill="hold">
+                                          <p:stCondLst>
+                                            <p:cond delay="0"/>
+                                          </p:stCondLst>
+                                        </p:cTn>
+                                        <p:tgtEl>
+                                          <p:spTgt spid="3">
+                                            <p:txEl>
+                                              <p:pRg st="1" end="1"/>
+                                            </p:txEl>
+                                          </p:spTgt>
+                                        </p:tgtEl>
+                                        <p:attrNameLst>
+                                          <p:attrName>style.visibility</p:attrName>
+                                        </p:attrNameLst>
+                                      </p:cBhvr>
+                                      <p:to>
+                                        <p:strVal val="visible"/>
+                                      </p:to>
+                                    </p:set>
+                                    <p:animEffect transition="in" filter="fade">
+                                      <p:cBhvr>
+                                        <p:cTn id="12" dur="500"/>
+                                        <p:tgtEl>
+                                          <p:spTgt spid="3">
+                                            <p:txEl>
+                                              <p:pRg st="1" end="1"/>
+                                            </p:txEl>
+                                          </p:spTgt>
+                                        </p:tgtEl>
+                                      </p:cBhvr>
+                                    </p:animEffect>
+                                  </p:childTnLst>
+                                </p:cTn>
+                              </p:par>
+                            </p:childTnLst>
+                          </p:cTn>
+                        </p:par>
+                      </p:childTnLst>
+                    </p:cTn>
+                  </p:par>
+                  <p:par>
+                    <p:cTn id="13" fill="hold">
+                      <p:stCondLst>
+                        <p:cond delay="indefinite"/>
+                      </p:stCondLst>
+                      <p:childTnLst>
+                        <p:par>
+                          <p:cTn id="14" fill="hold">
+                            <p:stCondLst>
+                              <p:cond delay="0"/>
+                            </p:stCondLst>
+                            <p:childTnLst>
+                              <p:par>
+                                <p:cTn id="15" presetID="10" presetClass="entr" presetSubtype="0" fill="hold" grpId="0" nodeType="clickEffect">
+                                  <p:stCondLst>
+                                    <p:cond delay="0"/>
+                                  </p:stCondLst>
+                                  <p:childTnLst>
+                                    <p:set>
+                                      <p:cBhvr>
+                                        <p:cTn id="16" dur="1" fill="hold">
+                                          <p:stCondLst>
+                                            <p:cond delay="0"/>
+                                          </p:stCondLst>
+                                        </p:cTn>
+                                        <p:tgtEl>
+                                          <p:spTgt spid="3">
+                                            <p:txEl>
+                                              <p:pRg st="2" end="2"/>
+                                            </p:txEl>
+                                          </p:spTgt>
+                                        </p:tgtEl>
+                                        <p:attrNameLst>
+                                          <p:attrName>style.visibility</p:attrName>
+                                        </p:attrNameLst>
+                                      </p:cBhvr>
+                                      <p:to>
+                                        <p:strVal val="visible"/>
+                                      </p:to>
+                                    </p:set>
+                                    <p:animEffect transition="in" filter="fade">
+                                      <p:cBhvr>
+                                        <p:cTn id="17" dur="500"/>
+                                        <p:tgtEl>
+                                          <p:spTgt spid="3">
+                                            <p:txEl>
+                                              <p:pRg st="2" end="2"/>
+                                            </p:txEl>
+                                          </p:spTgt>
+                                        </p:tgtEl>
+                                      </p:cBhvr>
+                                    </p:animEffect>
+                                  </p:childTnLst>
+                                </p:cTn>
+                              </p:par>
+                            </p:childTnLst>
+                          </p:cTn>
+                        </p:par>
+                      </p:childTnLst>
+                    </p:cTn>
+                  </p:par>
+                  <p:par>
+                    <p:cTn id="18" fill="hold">
+                      <p:stCondLst>
+                        <p:cond delay="indefinite"/>
+                      </p:stCondLst>
+                      <p:childTnLst>
+                        <p:par>
+                          <p:cTn id="19" fill="hold">
+                            <p:stCondLst>
+                              <p:cond delay="0"/>
+                            </p:stCondLst>
+                            <p:childTnLst>
+                              <p:par>
+                                <p:cTn id="20" presetID="10" presetClass="entr" presetSubtype="0" fill="hold" grpId="0" nodeType="clickEffect">
+                                  <p:stCondLst>
+                                    <p:cond delay="0"/>
+                                  </p:stCondLst>
+                                  <p:childTnLst>
+                                    <p:set>
+                                      <p:cBhvr>
+                                        <p:cTn id="21" dur="1" fill="hold">
+                                          <p:stCondLst>
+                                            <p:cond delay="0"/>
+                                          </p:stCondLst>
+                                        </p:cTn>
+                                        <p:tgtEl>
+                                          <p:spTgt spid="3">
+                                            <p:txEl>
+                                              <p:pRg st="3" end="3"/>
+                                            </p:txEl>
+                                          </p:spTgt>
+                                        </p:tgtEl>
+                                        <p:attrNameLst>
+                                          <p:attrName>style.visibility</p:attrName>
+                                        </p:attrNameLst>
+                                      </p:cBhvr>
+                                      <p:to>
+                                        <p:strVal val="visible"/>
+                                      </p:to>
+                                    </p:set>
+                                    <p:animEffect transition="in" filter="fade">
+                                      <p:cBhvr>
+                                        <p:cTn id="22" dur="500"/>
+                                        <p:tgtEl>
+                                          <p:spTgt spid="3">
+                                            <p:txEl>
+                                              <p:pRg st="3" end="3"/>
+                                            </p:txEl>
+                                          </p:spTgt>
+                                        </p:tgtEl>
+                                      </p:cBhvr>
+                                    </p:animEffect>
+                                  </p:childTnLst>
+                                </p:cTn>
+                              </p:par>
+                              <p:par>
+                                <p:cTn id="23" presetID="10" presetClass="entr" presetSubtype="0" fill="hold" grpId="0" nodeType="withEffect">
+                                  <p:stCondLst>
+                                    <p:cond delay="0"/>
+                                  </p:stCondLst>
+                                  <p:childTnLst>
+                                    <p:set>
+                                      <p:cBhvr>
+                                        <p:cTn id="24" dur="1" fill="hold">
+                                          <p:stCondLst>
+                                            <p:cond delay="0"/>
+                                          </p:stCondLst>
+                                        </p:cTn>
+                                        <p:tgtEl>
+                                          <p:spTgt spid="3">
+                                            <p:txEl>
+                                              <p:pRg st="4" end="4"/>
+                                            </p:txEl>
+                                          </p:spTgt>
+                                        </p:tgtEl>
+                                        <p:attrNameLst>
+                                          <p:attrName>style.visibility</p:attrName>
+                                        </p:attrNameLst>
+                                      </p:cBhvr>
+                                      <p:to>
+                                        <p:strVal val="visible"/>
+                                      </p:to>
+                                    </p:set>
+                                    <p:animEffect transition="in" filter="fade">
+                                      <p:cBhvr>
+                                        <p:cTn id="25" dur="500"/>
+                                        <p:tgtEl>
+                                          <p:spTgt spid="3">
+                                            <p:txEl>
+                                              <p:pRg st="4" end="4"/>
+                                            </p:txEl>
+                                          </p:spTgt>
+                                        </p:tgtEl>
+                                      </p:cBhvr>
+                                    </p:animEffect>
+                                  </p:childTnLst>
+                                </p:cTn>
+                              </p:par>
+                              <p:par>
+                                <p:cTn id="26" presetID="10" presetClass="entr" presetSubtype="0" fill="hold" grpId="0" nodeType="withEffect">
+                                  <p:stCondLst>
+                                    <p:cond delay="0"/>
+                                  </p:stCondLst>
+                                  <p:childTnLst>
+                                    <p:set>
+                                      <p:cBhvr>
+                                        <p:cTn id="27" dur="1" fill="hold">
+                                          <p:stCondLst>
+                                            <p:cond delay="0"/>
+                                          </p:stCondLst>
+                                        </p:cTn>
+                                        <p:tgtEl>
+                                          <p:spTgt spid="3">
+                                            <p:txEl>
+                                              <p:pRg st="5" end="5"/>
+                                            </p:txEl>
+                                          </p:spTgt>
+                                        </p:tgtEl>
+                                        <p:attrNameLst>
+                                          <p:attrName>style.visibility</p:attrName>
+                                        </p:attrNameLst>
+                                      </p:cBhvr>
+                                      <p:to>
+                                        <p:strVal val="visible"/>
+                                      </p:to>
+                                    </p:set>
+                                    <p:animEffect transition="in" filter="fade">
+                                      <p:cBhvr>
+                                        <p:cTn id="28" dur="500"/>
+                                        <p:tgtEl>
+                                          <p:spTgt spid="3">
+                                            <p:txEl>
+                                              <p:pRg st="5" end="5"/>
+                                            </p:txEl>
+                                          </p:spTgt>
+                                        </p:tgtEl>
+                                      </p:cBhvr>
+                                    </p:animEffect>
+                                  </p:childTnLst>
+                                </p:cTn>
+                              </p:par>
+                            </p:childTnLst>
+                          </p:cTn>
+                        </p:par>
+                      </p:childTnLst>
+                    </p:cTn>
+                  </p:par>
+                  <p:par>
+                    <p:cTn id="29" fill="hold">
+                      <p:stCondLst>
+                        <p:cond delay="indefinite"/>
+                      </p:stCondLst>
+                      <p:childTnLst>
+                        <p:par>
+                          <p:cTn id="30" fill="hold">
+                            <p:stCondLst>
+                              <p:cond delay="0"/>
+                            </p:stCondLst>
+                            <p:childTnLst>
+                              <p:par>
+                                <p:cTn id="31" presetID="10" presetClass="entr" presetSubtype="0" fill="hold" grpId="0" nodeType="clickEffect">
+                                  <p:stCondLst>
+                                    <p:cond delay="0"/>
+                                  </p:stCondLst>
+                                  <p:childTnLst>
+                                    <p:set>
+                                      <p:cBhvr>
+                                        <p:cTn id="32" dur="1" fill="hold">
+                                          <p:stCondLst>
+                                            <p:cond delay="0"/>
+                                          </p:stCondLst>
+                                        </p:cTn>
+                                        <p:tgtEl>
+                                          <p:spTgt spid="3">
+                                            <p:txEl>
+                                              <p:pRg st="6" end="6"/>
+                                            </p:txEl>
+                                          </p:spTgt>
+                                        </p:tgtEl>
+                                        <p:attrNameLst>
+                                          <p:attrName>style.visibility</p:attrName>
+                                        </p:attrNameLst>
+                                      </p:cBhvr>
+                                      <p:to>
+                                        <p:strVal val="visible"/>
+                                      </p:to>
+                                    </p:set>
+                                    <p:animEffect transition="in" filter="fade">
+                                      <p:cBhvr>
+                                        <p:cTn id="33" dur="500"/>
+                                        <p:tgtEl>
+                                          <p:spTgt spid="3">
+                                            <p:txEl>
+                                              <p:pRg st="6" end="6"/>
+                                            </p:txEl>
+                                          </p:spTgt>
+                                        </p:tgtEl>
+                                      </p:cBhvr>
+                                    </p:animEffect>
+                                  </p:childTnLst>
+                                </p:cTn>
+                              </p:par>
+                              <p:par>
+                                <p:cTn id="34" presetID="10" presetClass="entr" presetSubtype="0" fill="hold" grpId="0" nodeType="withEffect">
+                                  <p:stCondLst>
+                                    <p:cond delay="0"/>
+                                  </p:stCondLst>
+                                  <p:childTnLst>
+                                    <p:set>
+                                      <p:cBhvr>
+                                        <p:cTn id="35" dur="1" fill="hold">
+                                          <p:stCondLst>
+                                            <p:cond delay="0"/>
+                                          </p:stCondLst>
+                                        </p:cTn>
+                                        <p:tgtEl>
+                                          <p:spTgt spid="3">
+                                            <p:txEl>
+                                              <p:pRg st="7" end="7"/>
+                                            </p:txEl>
+                                          </p:spTgt>
+                                        </p:tgtEl>
+                                        <p:attrNameLst>
+                                          <p:attrName>style.visibility</p:attrName>
+                                        </p:attrNameLst>
+                                      </p:cBhvr>
+                                      <p:to>
+                                        <p:strVal val="visible"/>
+                                      </p:to>
+                                    </p:set>
+                                    <p:animEffect transition="in" filter="fade">
+                                      <p:cBhvr>
+                                        <p:cTn id="36" dur="500"/>
+                                        <p:tgtEl>
+                                          <p:spTgt spid="3">
+                                            <p:txEl>
+                                              <p:pRg st="7" end="7"/>
+                                            </p:txEl>
+                                          </p:spTgt>
+                                        </p:tgtEl>
+                                      </p:cBhvr>
+                                    </p:animEffect>
+                                  </p:childTnLst>
+                                </p:cTn>
+                              </p:par>
+                              <p:par>
+                                <p:cTn id="37" presetID="10" presetClass="entr" presetSubtype="0" fill="hold" grpId="0" nodeType="withEffect">
+                                  <p:stCondLst>
+                                    <p:cond delay="0"/>
+                                  </p:stCondLst>
+                                  <p:childTnLst>
+                                    <p:set>
+                                      <p:cBhvr>
+                                        <p:cTn id="38" dur="1" fill="hold">
+                                          <p:stCondLst>
+                                            <p:cond delay="0"/>
+                                          </p:stCondLst>
+                                        </p:cTn>
+                                        <p:tgtEl>
+                                          <p:spTgt spid="3">
+                                            <p:txEl>
+                                              <p:pRg st="8" end="8"/>
+                                            </p:txEl>
+                                          </p:spTgt>
+                                        </p:tgtEl>
+                                        <p:attrNameLst>
+                                          <p:attrName>style.visibility</p:attrName>
+                                        </p:attrNameLst>
+                                      </p:cBhvr>
+                                      <p:to>
+                                        <p:strVal val="visible"/>
+                                      </p:to>
+                                    </p:set>
+                                    <p:animEffect transition="in" filter="fade">
+                                      <p:cBhvr>
+                                        <p:cTn id="39" dur="500"/>
+                                        <p:tgtEl>
+                                          <p:spTgt spid="3">
+                                            <p:txEl>
+                                              <p:pRg st="8" end="8"/>
+                                            </p:txEl>
+                                          </p:spTgt>
+                                        </p:tgtEl>
+                                      </p:cBhvr>
+                                    </p:animEffect>
+                                  </p:childTnLst>
+                                </p:cTn>
+                              </p:par>
+                              <p:par>
+                                <p:cTn id="40" presetID="10" presetClass="entr" presetSubtype="0" fill="hold" grpId="0" nodeType="withEffect">
+                                  <p:stCondLst>
+                                    <p:cond delay="0"/>
+                                  </p:stCondLst>
+                                  <p:childTnLst>
+                                    <p:set>
+                                      <p:cBhvr>
+                                        <p:cTn id="41" dur="1" fill="hold">
+                                          <p:stCondLst>
+                                            <p:cond delay="0"/>
+                                          </p:stCondLst>
+                                        </p:cTn>
+                                        <p:tgtEl>
+                                          <p:spTgt spid="3">
+                                            <p:txEl>
+                                              <p:pRg st="9" end="9"/>
+                                            </p:txEl>
+                                          </p:spTgt>
+                                        </p:tgtEl>
+                                        <p:attrNameLst>
+                                          <p:attrName>style.visibility</p:attrName>
+                                        </p:attrNameLst>
+                                      </p:cBhvr>
+                                      <p:to>
+                                        <p:strVal val="visible"/>
+                                      </p:to>
+                                    </p:set>
+                                    <p:animEffect transition="in" filter="fade">
+                                      <p:cBhvr>
+                                        <p:cTn id="42" dur="500"/>
+                                        <p:tgtEl>
+                                          <p:spTgt spid="3">
+                                            <p:txEl>
+                                              <p:pRg st="9" end="9"/>
+                                            </p:txEl>
+                                          </p:spTgt>
+                                        </p:tgtEl>
+                                      </p:cBhvr>
+                                    </p:animEffect>
+                                  </p:childTnLst>
+                                </p:cTn>
+                              </p:par>
+                            </p:childTnLst>
+                          </p:cTn>
+                        </p:par>
+                      </p:childTnLst>
+                    </p:cTn>
+                  </p:par>
+                </p:childTnLst>
+              </p:cTn>
+              <p:prevCondLst>
+                <p:cond evt="onPrev" delay="0">
+                  <p:tgtEl>
+                    <p:sldTgt/>
+                  </p:tgtEl>
+                </p:cond>
+              </p:prevCondLst>
+              <p:nextCondLst>
+                <p:cond evt="onNext" delay="0">
+                  <p:tgtEl>
+                    <p:sldTgt/>
+                  </p:tgtEl>
+                </p:cond>
+              </p:nextCondLst>
+            </p:seq>
+          </p:childTnLst>
+        </p:cTn>
+      </p:par>
+    </p:tnLst>
+    <p:bldLst>
+      <p:bldP spid="3" grpId="0" uiExpand="1" build="p"/>
+    </p:bldLst>
+  </p:timing>
+</p:sld>
+</file>
+
 <file path=ppt/slides/slide2.xml><?xml version="1.0" encoding="utf-8"?>
 <p:sld xmlns:a="http://schemas.openxmlformats.org/drawingml/2006/main" xmlns:r="http://schemas.openxmlformats.org/officeDocument/2006/relationships" xmlns:p="http://schemas.openxmlformats.org/presentationml/2006/main">
   <p:cSld>
@@ -13451,6 +15557,1714 @@
       <p:bldP spid="3" grpId="0" uiExpand="1" build="p"/>
     </p:bldLst>
   </p:timing>
+</p:sld>
+</file>
+
+<file path=ppt/slides/slide20.xml><?xml version="1.0" encoding="utf-8"?>
+<p:sld xmlns:a="http://schemas.openxmlformats.org/drawingml/2006/main" xmlns:r="http://schemas.openxmlformats.org/officeDocument/2006/relationships" xmlns:p="http://schemas.openxmlformats.org/presentationml/2006/main">
+  <p:cSld>
+    <p:spTree>
+      <p:nvGrpSpPr>
+        <p:cNvPr id="1" name=""/>
+        <p:cNvGrpSpPr/>
+        <p:nvPr/>
+      </p:nvGrpSpPr>
+      <p:grpSpPr>
+        <a:xfrm>
+          <a:off x="0" y="0"/>
+          <a:ext cx="0" cy="0"/>
+          <a:chOff x="0" y="0"/>
+          <a:chExt cx="0" cy="0"/>
+        </a:xfrm>
+      </p:grpSpPr>
+      <p:sp>
+        <p:nvSpPr>
+          <p:cNvPr id="2" name="Title 1">
+            <a:extLst>
+              <a:ext uri="{FF2B5EF4-FFF2-40B4-BE49-F238E27FC236}">
+                <a16:creationId xmlns:a16="http://schemas.microsoft.com/office/drawing/2014/main" id="{9352FA24-2F98-B235-D34E-F53793F96B66}"/>
+              </a:ext>
+            </a:extLst>
+          </p:cNvPr>
+          <p:cNvSpPr>
+            <a:spLocks noGrp="1"/>
+          </p:cNvSpPr>
+          <p:nvPr>
+            <p:ph type="title"/>
+          </p:nvPr>
+        </p:nvSpPr>
+        <p:spPr/>
+        <p:txBody>
+          <a:bodyPr/>
+          <a:lstStyle/>
+          <a:p>
+            <a:r>
+              <a:rPr lang="en-US" dirty="0"/>
+              <a:t>Unit 3 – Data Binding</a:t>
+            </a:r>
+          </a:p>
+        </p:txBody>
+      </p:sp>
+      <p:sp>
+        <p:nvSpPr>
+          <p:cNvPr id="3" name="Content Placeholder 2">
+            <a:extLst>
+              <a:ext uri="{FF2B5EF4-FFF2-40B4-BE49-F238E27FC236}">
+                <a16:creationId xmlns:a16="http://schemas.microsoft.com/office/drawing/2014/main" id="{354DC353-604A-E91D-E53C-908CF553D11F}"/>
+              </a:ext>
+            </a:extLst>
+          </p:cNvPr>
+          <p:cNvSpPr>
+            <a:spLocks noGrp="1"/>
+          </p:cNvSpPr>
+          <p:nvPr>
+            <p:ph idx="1"/>
+          </p:nvPr>
+        </p:nvSpPr>
+        <p:spPr/>
+        <p:txBody>
+          <a:bodyPr/>
+          <a:lstStyle/>
+          <a:p>
+            <a:r>
+              <a:rPr lang="en-US" dirty="0"/>
+              <a:t>MVVM</a:t>
+            </a:r>
+          </a:p>
+          <a:p>
+            <a:pPr lvl="1"/>
+            <a:r>
+              <a:rPr lang="en-US" dirty="0"/>
+              <a:t>This pattern can be as granular as you like</a:t>
+            </a:r>
+          </a:p>
+          <a:p>
+            <a:pPr lvl="2"/>
+            <a:r>
+              <a:rPr lang="en-US" dirty="0"/>
+              <a:t>View could be entire window, ViewModel contains data for everything</a:t>
+            </a:r>
+          </a:p>
+          <a:p>
+            <a:pPr lvl="2"/>
+            <a:r>
+              <a:rPr lang="en-US" dirty="0"/>
+              <a:t>Or window could contain a series of child views, each of which has their own ViewModel</a:t>
+            </a:r>
+          </a:p>
+          <a:p>
+            <a:pPr lvl="2"/>
+            <a:r>
+              <a:rPr lang="en-US" dirty="0"/>
+              <a:t>Quite common to have a hierarchy of Views/</a:t>
+            </a:r>
+            <a:r>
+              <a:rPr lang="en-US" dirty="0" err="1"/>
+              <a:t>ViewModels</a:t>
+            </a:r>
+            <a:r>
+              <a:rPr lang="en-US" dirty="0"/>
+              <a:t> in an application</a:t>
+            </a:r>
+          </a:p>
+          <a:p>
+            <a:pPr lvl="2"/>
+            <a:endParaRPr lang="en-US" dirty="0"/>
+          </a:p>
+        </p:txBody>
+      </p:sp>
+    </p:spTree>
+    <p:extLst>
+      <p:ext uri="{BB962C8B-B14F-4D97-AF65-F5344CB8AC3E}">
+        <p14:creationId xmlns:p14="http://schemas.microsoft.com/office/powerpoint/2010/main" val="951497690"/>
+      </p:ext>
+    </p:extLst>
+  </p:cSld>
+  <p:clrMapOvr>
+    <a:masterClrMapping/>
+  </p:clrMapOvr>
+  <p:timing>
+    <p:tnLst>
+      <p:par>
+        <p:cTn id="1" dur="indefinite" restart="never" nodeType="tmRoot">
+          <p:childTnLst>
+            <p:seq concurrent="1" nextAc="seek">
+              <p:cTn id="2" dur="indefinite" nodeType="mainSeq">
+                <p:childTnLst>
+                  <p:par>
+                    <p:cTn id="3" fill="hold">
+                      <p:stCondLst>
+                        <p:cond delay="indefinite"/>
+                      </p:stCondLst>
+                      <p:childTnLst>
+                        <p:par>
+                          <p:cTn id="4" fill="hold">
+                            <p:stCondLst>
+                              <p:cond delay="0"/>
+                            </p:stCondLst>
+                            <p:childTnLst>
+                              <p:par>
+                                <p:cTn id="5" presetID="10" presetClass="entr" presetSubtype="0" fill="hold" grpId="0" nodeType="clickEffect">
+                                  <p:stCondLst>
+                                    <p:cond delay="0"/>
+                                  </p:stCondLst>
+                                  <p:childTnLst>
+                                    <p:set>
+                                      <p:cBhvr>
+                                        <p:cTn id="6" dur="1" fill="hold">
+                                          <p:stCondLst>
+                                            <p:cond delay="0"/>
+                                          </p:stCondLst>
+                                        </p:cTn>
+                                        <p:tgtEl>
+                                          <p:spTgt spid="3">
+                                            <p:txEl>
+                                              <p:pRg st="0" end="0"/>
+                                            </p:txEl>
+                                          </p:spTgt>
+                                        </p:tgtEl>
+                                        <p:attrNameLst>
+                                          <p:attrName>style.visibility</p:attrName>
+                                        </p:attrNameLst>
+                                      </p:cBhvr>
+                                      <p:to>
+                                        <p:strVal val="visible"/>
+                                      </p:to>
+                                    </p:set>
+                                    <p:animEffect transition="in" filter="fade">
+                                      <p:cBhvr>
+                                        <p:cTn id="7" dur="500"/>
+                                        <p:tgtEl>
+                                          <p:spTgt spid="3">
+                                            <p:txEl>
+                                              <p:pRg st="0" end="0"/>
+                                            </p:txEl>
+                                          </p:spTgt>
+                                        </p:tgtEl>
+                                      </p:cBhvr>
+                                    </p:animEffect>
+                                  </p:childTnLst>
+                                </p:cTn>
+                              </p:par>
+                            </p:childTnLst>
+                          </p:cTn>
+                        </p:par>
+                      </p:childTnLst>
+                    </p:cTn>
+                  </p:par>
+                  <p:par>
+                    <p:cTn id="8" fill="hold">
+                      <p:stCondLst>
+                        <p:cond delay="indefinite"/>
+                      </p:stCondLst>
+                      <p:childTnLst>
+                        <p:par>
+                          <p:cTn id="9" fill="hold">
+                            <p:stCondLst>
+                              <p:cond delay="0"/>
+                            </p:stCondLst>
+                            <p:childTnLst>
+                              <p:par>
+                                <p:cTn id="10" presetID="10" presetClass="entr" presetSubtype="0" fill="hold" grpId="0" nodeType="clickEffect">
+                                  <p:stCondLst>
+                                    <p:cond delay="0"/>
+                                  </p:stCondLst>
+                                  <p:childTnLst>
+                                    <p:set>
+                                      <p:cBhvr>
+                                        <p:cTn id="11" dur="1" fill="hold">
+                                          <p:stCondLst>
+                                            <p:cond delay="0"/>
+                                          </p:stCondLst>
+                                        </p:cTn>
+                                        <p:tgtEl>
+                                          <p:spTgt spid="3">
+                                            <p:txEl>
+                                              <p:pRg st="1" end="1"/>
+                                            </p:txEl>
+                                          </p:spTgt>
+                                        </p:tgtEl>
+                                        <p:attrNameLst>
+                                          <p:attrName>style.visibility</p:attrName>
+                                        </p:attrNameLst>
+                                      </p:cBhvr>
+                                      <p:to>
+                                        <p:strVal val="visible"/>
+                                      </p:to>
+                                    </p:set>
+                                    <p:animEffect transition="in" filter="fade">
+                                      <p:cBhvr>
+                                        <p:cTn id="12" dur="500"/>
+                                        <p:tgtEl>
+                                          <p:spTgt spid="3">
+                                            <p:txEl>
+                                              <p:pRg st="1" end="1"/>
+                                            </p:txEl>
+                                          </p:spTgt>
+                                        </p:tgtEl>
+                                      </p:cBhvr>
+                                    </p:animEffect>
+                                  </p:childTnLst>
+                                </p:cTn>
+                              </p:par>
+                            </p:childTnLst>
+                          </p:cTn>
+                        </p:par>
+                      </p:childTnLst>
+                    </p:cTn>
+                  </p:par>
+                  <p:par>
+                    <p:cTn id="13" fill="hold">
+                      <p:stCondLst>
+                        <p:cond delay="indefinite"/>
+                      </p:stCondLst>
+                      <p:childTnLst>
+                        <p:par>
+                          <p:cTn id="14" fill="hold">
+                            <p:stCondLst>
+                              <p:cond delay="0"/>
+                            </p:stCondLst>
+                            <p:childTnLst>
+                              <p:par>
+                                <p:cTn id="15" presetID="10" presetClass="entr" presetSubtype="0" fill="hold" grpId="0" nodeType="clickEffect">
+                                  <p:stCondLst>
+                                    <p:cond delay="0"/>
+                                  </p:stCondLst>
+                                  <p:childTnLst>
+                                    <p:set>
+                                      <p:cBhvr>
+                                        <p:cTn id="16" dur="1" fill="hold">
+                                          <p:stCondLst>
+                                            <p:cond delay="0"/>
+                                          </p:stCondLst>
+                                        </p:cTn>
+                                        <p:tgtEl>
+                                          <p:spTgt spid="3">
+                                            <p:txEl>
+                                              <p:pRg st="2" end="2"/>
+                                            </p:txEl>
+                                          </p:spTgt>
+                                        </p:tgtEl>
+                                        <p:attrNameLst>
+                                          <p:attrName>style.visibility</p:attrName>
+                                        </p:attrNameLst>
+                                      </p:cBhvr>
+                                      <p:to>
+                                        <p:strVal val="visible"/>
+                                      </p:to>
+                                    </p:set>
+                                    <p:animEffect transition="in" filter="fade">
+                                      <p:cBhvr>
+                                        <p:cTn id="17" dur="500"/>
+                                        <p:tgtEl>
+                                          <p:spTgt spid="3">
+                                            <p:txEl>
+                                              <p:pRg st="2" end="2"/>
+                                            </p:txEl>
+                                          </p:spTgt>
+                                        </p:tgtEl>
+                                      </p:cBhvr>
+                                    </p:animEffect>
+                                  </p:childTnLst>
+                                </p:cTn>
+                              </p:par>
+                            </p:childTnLst>
+                          </p:cTn>
+                        </p:par>
+                      </p:childTnLst>
+                    </p:cTn>
+                  </p:par>
+                  <p:par>
+                    <p:cTn id="18" fill="hold">
+                      <p:stCondLst>
+                        <p:cond delay="indefinite"/>
+                      </p:stCondLst>
+                      <p:childTnLst>
+                        <p:par>
+                          <p:cTn id="19" fill="hold">
+                            <p:stCondLst>
+                              <p:cond delay="0"/>
+                            </p:stCondLst>
+                            <p:childTnLst>
+                              <p:par>
+                                <p:cTn id="20" presetID="10" presetClass="entr" presetSubtype="0" fill="hold" grpId="0" nodeType="clickEffect">
+                                  <p:stCondLst>
+                                    <p:cond delay="0"/>
+                                  </p:stCondLst>
+                                  <p:childTnLst>
+                                    <p:set>
+                                      <p:cBhvr>
+                                        <p:cTn id="21" dur="1" fill="hold">
+                                          <p:stCondLst>
+                                            <p:cond delay="0"/>
+                                          </p:stCondLst>
+                                        </p:cTn>
+                                        <p:tgtEl>
+                                          <p:spTgt spid="3">
+                                            <p:txEl>
+                                              <p:pRg st="3" end="3"/>
+                                            </p:txEl>
+                                          </p:spTgt>
+                                        </p:tgtEl>
+                                        <p:attrNameLst>
+                                          <p:attrName>style.visibility</p:attrName>
+                                        </p:attrNameLst>
+                                      </p:cBhvr>
+                                      <p:to>
+                                        <p:strVal val="visible"/>
+                                      </p:to>
+                                    </p:set>
+                                    <p:animEffect transition="in" filter="fade">
+                                      <p:cBhvr>
+                                        <p:cTn id="22" dur="500"/>
+                                        <p:tgtEl>
+                                          <p:spTgt spid="3">
+                                            <p:txEl>
+                                              <p:pRg st="3" end="3"/>
+                                            </p:txEl>
+                                          </p:spTgt>
+                                        </p:tgtEl>
+                                      </p:cBhvr>
+                                    </p:animEffect>
+                                  </p:childTnLst>
+                                </p:cTn>
+                              </p:par>
+                            </p:childTnLst>
+                          </p:cTn>
+                        </p:par>
+                      </p:childTnLst>
+                    </p:cTn>
+                  </p:par>
+                  <p:par>
+                    <p:cTn id="23" fill="hold">
+                      <p:stCondLst>
+                        <p:cond delay="indefinite"/>
+                      </p:stCondLst>
+                      <p:childTnLst>
+                        <p:par>
+                          <p:cTn id="24" fill="hold">
+                            <p:stCondLst>
+                              <p:cond delay="0"/>
+                            </p:stCondLst>
+                            <p:childTnLst>
+                              <p:par>
+                                <p:cTn id="25" presetID="10" presetClass="entr" presetSubtype="0" fill="hold" grpId="0" nodeType="clickEffect">
+                                  <p:stCondLst>
+                                    <p:cond delay="0"/>
+                                  </p:stCondLst>
+                                  <p:childTnLst>
+                                    <p:set>
+                                      <p:cBhvr>
+                                        <p:cTn id="26" dur="1" fill="hold">
+                                          <p:stCondLst>
+                                            <p:cond delay="0"/>
+                                          </p:stCondLst>
+                                        </p:cTn>
+                                        <p:tgtEl>
+                                          <p:spTgt spid="3">
+                                            <p:txEl>
+                                              <p:pRg st="4" end="4"/>
+                                            </p:txEl>
+                                          </p:spTgt>
+                                        </p:tgtEl>
+                                        <p:attrNameLst>
+                                          <p:attrName>style.visibility</p:attrName>
+                                        </p:attrNameLst>
+                                      </p:cBhvr>
+                                      <p:to>
+                                        <p:strVal val="visible"/>
+                                      </p:to>
+                                    </p:set>
+                                    <p:animEffect transition="in" filter="fade">
+                                      <p:cBhvr>
+                                        <p:cTn id="27" dur="500"/>
+                                        <p:tgtEl>
+                                          <p:spTgt spid="3">
+                                            <p:txEl>
+                                              <p:pRg st="4" end="4"/>
+                                            </p:txEl>
+                                          </p:spTgt>
+                                        </p:tgtEl>
+                                      </p:cBhvr>
+                                    </p:animEffect>
+                                  </p:childTnLst>
+                                </p:cTn>
+                              </p:par>
+                            </p:childTnLst>
+                          </p:cTn>
+                        </p:par>
+                      </p:childTnLst>
+                    </p:cTn>
+                  </p:par>
+                </p:childTnLst>
+              </p:cTn>
+              <p:prevCondLst>
+                <p:cond evt="onPrev" delay="0">
+                  <p:tgtEl>
+                    <p:sldTgt/>
+                  </p:tgtEl>
+                </p:cond>
+              </p:prevCondLst>
+              <p:nextCondLst>
+                <p:cond evt="onNext" delay="0">
+                  <p:tgtEl>
+                    <p:sldTgt/>
+                  </p:tgtEl>
+                </p:cond>
+              </p:nextCondLst>
+            </p:seq>
+          </p:childTnLst>
+        </p:cTn>
+      </p:par>
+    </p:tnLst>
+    <p:bldLst>
+      <p:bldP spid="3" grpId="0" uiExpand="1" build="p"/>
+    </p:bldLst>
+  </p:timing>
+</p:sld>
+</file>
+
+<file path=ppt/slides/slide21.xml><?xml version="1.0" encoding="utf-8"?>
+<p:sld xmlns:a="http://schemas.openxmlformats.org/drawingml/2006/main" xmlns:r="http://schemas.openxmlformats.org/officeDocument/2006/relationships" xmlns:p="http://schemas.openxmlformats.org/presentationml/2006/main">
+  <p:cSld>
+    <p:spTree>
+      <p:nvGrpSpPr>
+        <p:cNvPr id="1" name=""/>
+        <p:cNvGrpSpPr/>
+        <p:nvPr/>
+      </p:nvGrpSpPr>
+      <p:grpSpPr>
+        <a:xfrm>
+          <a:off x="0" y="0"/>
+          <a:ext cx="0" cy="0"/>
+          <a:chOff x="0" y="0"/>
+          <a:chExt cx="0" cy="0"/>
+        </a:xfrm>
+      </p:grpSpPr>
+      <p:sp>
+        <p:nvSpPr>
+          <p:cNvPr id="2" name="Title 1">
+            <a:extLst>
+              <a:ext uri="{FF2B5EF4-FFF2-40B4-BE49-F238E27FC236}">
+                <a16:creationId xmlns:a16="http://schemas.microsoft.com/office/drawing/2014/main" id="{07E3C454-81ED-E13A-D3E6-6FD1412570C5}"/>
+              </a:ext>
+            </a:extLst>
+          </p:cNvPr>
+          <p:cNvSpPr>
+            <a:spLocks noGrp="1"/>
+          </p:cNvSpPr>
+          <p:nvPr>
+            <p:ph type="title"/>
+          </p:nvPr>
+        </p:nvSpPr>
+        <p:spPr/>
+        <p:txBody>
+          <a:bodyPr/>
+          <a:lstStyle/>
+          <a:p>
+            <a:r>
+              <a:rPr lang="en-US" dirty="0"/>
+              <a:t>Unit 3 – Data Binding</a:t>
+            </a:r>
+          </a:p>
+        </p:txBody>
+      </p:sp>
+      <p:sp>
+        <p:nvSpPr>
+          <p:cNvPr id="3" name="Content Placeholder 2">
+            <a:extLst>
+              <a:ext uri="{FF2B5EF4-FFF2-40B4-BE49-F238E27FC236}">
+                <a16:creationId xmlns:a16="http://schemas.microsoft.com/office/drawing/2014/main" id="{6265C7C2-ADDF-D435-5DAC-5EC8267091C7}"/>
+              </a:ext>
+            </a:extLst>
+          </p:cNvPr>
+          <p:cNvSpPr>
+            <a:spLocks noGrp="1"/>
+          </p:cNvSpPr>
+          <p:nvPr>
+            <p:ph idx="1"/>
+          </p:nvPr>
+        </p:nvSpPr>
+        <p:spPr/>
+        <p:txBody>
+          <a:bodyPr>
+            <a:normAutofit fontScale="92500" lnSpcReduction="10000"/>
+          </a:bodyPr>
+          <a:lstStyle/>
+          <a:p>
+            <a:r>
+              <a:rPr lang="en-US" dirty="0"/>
+              <a:t>MVVM in WPF</a:t>
+            </a:r>
+          </a:p>
+          <a:p>
+            <a:pPr lvl="1"/>
+            <a:r>
+              <a:rPr lang="en-US" dirty="0"/>
+              <a:t>MVVM in WPF achieved using Data Binding</a:t>
+            </a:r>
+          </a:p>
+          <a:p>
+            <a:pPr lvl="2"/>
+            <a:r>
+              <a:rPr lang="en-US" dirty="0"/>
+              <a:t>UI element sets DataContext to instance of a ViewModel</a:t>
+            </a:r>
+          </a:p>
+          <a:p>
+            <a:pPr lvl="2"/>
+            <a:r>
+              <a:rPr lang="en-US" dirty="0"/>
+              <a:t>Properties of UI elements are data bound to properties in the ViewModel</a:t>
+            </a:r>
+          </a:p>
+          <a:p>
+            <a:pPr lvl="1"/>
+            <a:r>
+              <a:rPr lang="en-US" dirty="0"/>
+              <a:t>Binding modes</a:t>
+            </a:r>
+          </a:p>
+          <a:p>
+            <a:pPr lvl="2"/>
+            <a:r>
+              <a:rPr lang="en-US" dirty="0"/>
+              <a:t>Each data binding has a binding Mode dictating what direction data flows</a:t>
+            </a:r>
+          </a:p>
+          <a:p>
+            <a:pPr lvl="2"/>
+            <a:r>
+              <a:rPr lang="en-US" dirty="0" err="1"/>
+              <a:t>OneWay</a:t>
+            </a:r>
+            <a:r>
+              <a:rPr lang="en-US" dirty="0"/>
+              <a:t> - from ViewModel to View</a:t>
+            </a:r>
+          </a:p>
+          <a:p>
+            <a:pPr lvl="2"/>
+            <a:r>
+              <a:rPr lang="en-US" dirty="0" err="1"/>
+              <a:t>OneWayToSource</a:t>
+            </a:r>
+            <a:r>
+              <a:rPr lang="en-US" dirty="0"/>
+              <a:t> - from View to ViewModel</a:t>
+            </a:r>
+          </a:p>
+          <a:p>
+            <a:pPr lvl="2"/>
+            <a:r>
+              <a:rPr lang="en-US" dirty="0" err="1"/>
+              <a:t>TwoWay</a:t>
+            </a:r>
+            <a:r>
+              <a:rPr lang="en-US" dirty="0"/>
+              <a:t> - in both directions</a:t>
+            </a:r>
+          </a:p>
+          <a:p>
+            <a:pPr lvl="2"/>
+            <a:r>
+              <a:rPr lang="en-US" dirty="0" err="1"/>
+              <a:t>OneTime</a:t>
+            </a:r>
+            <a:r>
+              <a:rPr lang="en-US" dirty="0"/>
+              <a:t> - like </a:t>
+            </a:r>
+            <a:r>
+              <a:rPr lang="en-US" dirty="0" err="1"/>
+              <a:t>OneWay</a:t>
+            </a:r>
+            <a:r>
+              <a:rPr lang="en-US" dirty="0"/>
+              <a:t>, but just once  </a:t>
+            </a:r>
+            <a:r>
+              <a:rPr lang="en-US" i="1" dirty="0"/>
+              <a:t>(rarely used)</a:t>
+            </a:r>
+          </a:p>
+          <a:p>
+            <a:pPr lvl="1"/>
+            <a:r>
+              <a:rPr lang="en-US" dirty="0"/>
+              <a:t>When is ViewModel updated?</a:t>
+            </a:r>
+          </a:p>
+          <a:p>
+            <a:pPr lvl="2"/>
+            <a:r>
+              <a:rPr lang="en-US" dirty="0" err="1"/>
+              <a:t>UpdateSourceTrigger</a:t>
+            </a:r>
+            <a:r>
+              <a:rPr lang="en-US" dirty="0"/>
+              <a:t> - typically </a:t>
+            </a:r>
+            <a:r>
+              <a:rPr lang="en-US" dirty="0" err="1"/>
+              <a:t>LostFocus</a:t>
+            </a:r>
+            <a:r>
+              <a:rPr lang="en-US" dirty="0"/>
+              <a:t> or </a:t>
+            </a:r>
+            <a:r>
+              <a:rPr lang="en-US" dirty="0" err="1"/>
+              <a:t>PropertyChanged</a:t>
+            </a:r>
+            <a:endParaRPr lang="en-US" dirty="0"/>
+          </a:p>
+        </p:txBody>
+      </p:sp>
+    </p:spTree>
+    <p:extLst>
+      <p:ext uri="{BB962C8B-B14F-4D97-AF65-F5344CB8AC3E}">
+        <p14:creationId xmlns:p14="http://schemas.microsoft.com/office/powerpoint/2010/main" val="2153225792"/>
+      </p:ext>
+    </p:extLst>
+  </p:cSld>
+  <p:clrMapOvr>
+    <a:masterClrMapping/>
+  </p:clrMapOvr>
+  <p:timing>
+    <p:tnLst>
+      <p:par>
+        <p:cTn id="1" dur="indefinite" restart="never" nodeType="tmRoot">
+          <p:childTnLst>
+            <p:seq concurrent="1" nextAc="seek">
+              <p:cTn id="2" dur="indefinite" nodeType="mainSeq">
+                <p:childTnLst>
+                  <p:par>
+                    <p:cTn id="3" fill="hold">
+                      <p:stCondLst>
+                        <p:cond delay="indefinite"/>
+                      </p:stCondLst>
+                      <p:childTnLst>
+                        <p:par>
+                          <p:cTn id="4" fill="hold">
+                            <p:stCondLst>
+                              <p:cond delay="0"/>
+                            </p:stCondLst>
+                            <p:childTnLst>
+                              <p:par>
+                                <p:cTn id="5" presetID="10" presetClass="entr" presetSubtype="0" fill="hold" grpId="0" nodeType="clickEffect">
+                                  <p:stCondLst>
+                                    <p:cond delay="0"/>
+                                  </p:stCondLst>
+                                  <p:childTnLst>
+                                    <p:set>
+                                      <p:cBhvr>
+                                        <p:cTn id="6" dur="1" fill="hold">
+                                          <p:stCondLst>
+                                            <p:cond delay="0"/>
+                                          </p:stCondLst>
+                                        </p:cTn>
+                                        <p:tgtEl>
+                                          <p:spTgt spid="3">
+                                            <p:txEl>
+                                              <p:pRg st="0" end="0"/>
+                                            </p:txEl>
+                                          </p:spTgt>
+                                        </p:tgtEl>
+                                        <p:attrNameLst>
+                                          <p:attrName>style.visibility</p:attrName>
+                                        </p:attrNameLst>
+                                      </p:cBhvr>
+                                      <p:to>
+                                        <p:strVal val="visible"/>
+                                      </p:to>
+                                    </p:set>
+                                    <p:animEffect transition="in" filter="fade">
+                                      <p:cBhvr>
+                                        <p:cTn id="7" dur="500"/>
+                                        <p:tgtEl>
+                                          <p:spTgt spid="3">
+                                            <p:txEl>
+                                              <p:pRg st="0" end="0"/>
+                                            </p:txEl>
+                                          </p:spTgt>
+                                        </p:tgtEl>
+                                      </p:cBhvr>
+                                    </p:animEffect>
+                                  </p:childTnLst>
+                                </p:cTn>
+                              </p:par>
+                            </p:childTnLst>
+                          </p:cTn>
+                        </p:par>
+                      </p:childTnLst>
+                    </p:cTn>
+                  </p:par>
+                  <p:par>
+                    <p:cTn id="8" fill="hold">
+                      <p:stCondLst>
+                        <p:cond delay="indefinite"/>
+                      </p:stCondLst>
+                      <p:childTnLst>
+                        <p:par>
+                          <p:cTn id="9" fill="hold">
+                            <p:stCondLst>
+                              <p:cond delay="0"/>
+                            </p:stCondLst>
+                            <p:childTnLst>
+                              <p:par>
+                                <p:cTn id="10" presetID="10" presetClass="entr" presetSubtype="0" fill="hold" grpId="0" nodeType="clickEffect">
+                                  <p:stCondLst>
+                                    <p:cond delay="0"/>
+                                  </p:stCondLst>
+                                  <p:childTnLst>
+                                    <p:set>
+                                      <p:cBhvr>
+                                        <p:cTn id="11" dur="1" fill="hold">
+                                          <p:stCondLst>
+                                            <p:cond delay="0"/>
+                                          </p:stCondLst>
+                                        </p:cTn>
+                                        <p:tgtEl>
+                                          <p:spTgt spid="3">
+                                            <p:txEl>
+                                              <p:pRg st="1" end="1"/>
+                                            </p:txEl>
+                                          </p:spTgt>
+                                        </p:tgtEl>
+                                        <p:attrNameLst>
+                                          <p:attrName>style.visibility</p:attrName>
+                                        </p:attrNameLst>
+                                      </p:cBhvr>
+                                      <p:to>
+                                        <p:strVal val="visible"/>
+                                      </p:to>
+                                    </p:set>
+                                    <p:animEffect transition="in" filter="fade">
+                                      <p:cBhvr>
+                                        <p:cTn id="12" dur="500"/>
+                                        <p:tgtEl>
+                                          <p:spTgt spid="3">
+                                            <p:txEl>
+                                              <p:pRg st="1" end="1"/>
+                                            </p:txEl>
+                                          </p:spTgt>
+                                        </p:tgtEl>
+                                      </p:cBhvr>
+                                    </p:animEffect>
+                                  </p:childTnLst>
+                                </p:cTn>
+                              </p:par>
+                              <p:par>
+                                <p:cTn id="13" presetID="10" presetClass="entr" presetSubtype="0" fill="hold" grpId="0" nodeType="withEffect">
+                                  <p:stCondLst>
+                                    <p:cond delay="0"/>
+                                  </p:stCondLst>
+                                  <p:childTnLst>
+                                    <p:set>
+                                      <p:cBhvr>
+                                        <p:cTn id="14" dur="1" fill="hold">
+                                          <p:stCondLst>
+                                            <p:cond delay="0"/>
+                                          </p:stCondLst>
+                                        </p:cTn>
+                                        <p:tgtEl>
+                                          <p:spTgt spid="3">
+                                            <p:txEl>
+                                              <p:pRg st="2" end="2"/>
+                                            </p:txEl>
+                                          </p:spTgt>
+                                        </p:tgtEl>
+                                        <p:attrNameLst>
+                                          <p:attrName>style.visibility</p:attrName>
+                                        </p:attrNameLst>
+                                      </p:cBhvr>
+                                      <p:to>
+                                        <p:strVal val="visible"/>
+                                      </p:to>
+                                    </p:set>
+                                    <p:animEffect transition="in" filter="fade">
+                                      <p:cBhvr>
+                                        <p:cTn id="15" dur="500"/>
+                                        <p:tgtEl>
+                                          <p:spTgt spid="3">
+                                            <p:txEl>
+                                              <p:pRg st="2" end="2"/>
+                                            </p:txEl>
+                                          </p:spTgt>
+                                        </p:tgtEl>
+                                      </p:cBhvr>
+                                    </p:animEffect>
+                                  </p:childTnLst>
+                                </p:cTn>
+                              </p:par>
+                              <p:par>
+                                <p:cTn id="16" presetID="10" presetClass="entr" presetSubtype="0" fill="hold" grpId="0" nodeType="withEffect">
+                                  <p:stCondLst>
+                                    <p:cond delay="0"/>
+                                  </p:stCondLst>
+                                  <p:childTnLst>
+                                    <p:set>
+                                      <p:cBhvr>
+                                        <p:cTn id="17" dur="1" fill="hold">
+                                          <p:stCondLst>
+                                            <p:cond delay="0"/>
+                                          </p:stCondLst>
+                                        </p:cTn>
+                                        <p:tgtEl>
+                                          <p:spTgt spid="3">
+                                            <p:txEl>
+                                              <p:pRg st="3" end="3"/>
+                                            </p:txEl>
+                                          </p:spTgt>
+                                        </p:tgtEl>
+                                        <p:attrNameLst>
+                                          <p:attrName>style.visibility</p:attrName>
+                                        </p:attrNameLst>
+                                      </p:cBhvr>
+                                      <p:to>
+                                        <p:strVal val="visible"/>
+                                      </p:to>
+                                    </p:set>
+                                    <p:animEffect transition="in" filter="fade">
+                                      <p:cBhvr>
+                                        <p:cTn id="18" dur="500"/>
+                                        <p:tgtEl>
+                                          <p:spTgt spid="3">
+                                            <p:txEl>
+                                              <p:pRg st="3" end="3"/>
+                                            </p:txEl>
+                                          </p:spTgt>
+                                        </p:tgtEl>
+                                      </p:cBhvr>
+                                    </p:animEffect>
+                                  </p:childTnLst>
+                                </p:cTn>
+                              </p:par>
+                            </p:childTnLst>
+                          </p:cTn>
+                        </p:par>
+                      </p:childTnLst>
+                    </p:cTn>
+                  </p:par>
+                  <p:par>
+                    <p:cTn id="19" fill="hold">
+                      <p:stCondLst>
+                        <p:cond delay="indefinite"/>
+                      </p:stCondLst>
+                      <p:childTnLst>
+                        <p:par>
+                          <p:cTn id="20" fill="hold">
+                            <p:stCondLst>
+                              <p:cond delay="0"/>
+                            </p:stCondLst>
+                            <p:childTnLst>
+                              <p:par>
+                                <p:cTn id="21" presetID="10" presetClass="entr" presetSubtype="0" fill="hold" grpId="0" nodeType="clickEffect">
+                                  <p:stCondLst>
+                                    <p:cond delay="0"/>
+                                  </p:stCondLst>
+                                  <p:childTnLst>
+                                    <p:set>
+                                      <p:cBhvr>
+                                        <p:cTn id="22" dur="1" fill="hold">
+                                          <p:stCondLst>
+                                            <p:cond delay="0"/>
+                                          </p:stCondLst>
+                                        </p:cTn>
+                                        <p:tgtEl>
+                                          <p:spTgt spid="3">
+                                            <p:txEl>
+                                              <p:pRg st="4" end="4"/>
+                                            </p:txEl>
+                                          </p:spTgt>
+                                        </p:tgtEl>
+                                        <p:attrNameLst>
+                                          <p:attrName>style.visibility</p:attrName>
+                                        </p:attrNameLst>
+                                      </p:cBhvr>
+                                      <p:to>
+                                        <p:strVal val="visible"/>
+                                      </p:to>
+                                    </p:set>
+                                    <p:animEffect transition="in" filter="fade">
+                                      <p:cBhvr>
+                                        <p:cTn id="23" dur="500"/>
+                                        <p:tgtEl>
+                                          <p:spTgt spid="3">
+                                            <p:txEl>
+                                              <p:pRg st="4" end="4"/>
+                                            </p:txEl>
+                                          </p:spTgt>
+                                        </p:tgtEl>
+                                      </p:cBhvr>
+                                    </p:animEffect>
+                                  </p:childTnLst>
+                                </p:cTn>
+                              </p:par>
+                              <p:par>
+                                <p:cTn id="24" presetID="10" presetClass="entr" presetSubtype="0" fill="hold" grpId="0" nodeType="withEffect">
+                                  <p:stCondLst>
+                                    <p:cond delay="0"/>
+                                  </p:stCondLst>
+                                  <p:childTnLst>
+                                    <p:set>
+                                      <p:cBhvr>
+                                        <p:cTn id="25" dur="1" fill="hold">
+                                          <p:stCondLst>
+                                            <p:cond delay="0"/>
+                                          </p:stCondLst>
+                                        </p:cTn>
+                                        <p:tgtEl>
+                                          <p:spTgt spid="3">
+                                            <p:txEl>
+                                              <p:pRg st="5" end="5"/>
+                                            </p:txEl>
+                                          </p:spTgt>
+                                        </p:tgtEl>
+                                        <p:attrNameLst>
+                                          <p:attrName>style.visibility</p:attrName>
+                                        </p:attrNameLst>
+                                      </p:cBhvr>
+                                      <p:to>
+                                        <p:strVal val="visible"/>
+                                      </p:to>
+                                    </p:set>
+                                    <p:animEffect transition="in" filter="fade">
+                                      <p:cBhvr>
+                                        <p:cTn id="26" dur="500"/>
+                                        <p:tgtEl>
+                                          <p:spTgt spid="3">
+                                            <p:txEl>
+                                              <p:pRg st="5" end="5"/>
+                                            </p:txEl>
+                                          </p:spTgt>
+                                        </p:tgtEl>
+                                      </p:cBhvr>
+                                    </p:animEffect>
+                                  </p:childTnLst>
+                                </p:cTn>
+                              </p:par>
+                              <p:par>
+                                <p:cTn id="27" presetID="10" presetClass="entr" presetSubtype="0" fill="hold" grpId="0" nodeType="withEffect">
+                                  <p:stCondLst>
+                                    <p:cond delay="0"/>
+                                  </p:stCondLst>
+                                  <p:childTnLst>
+                                    <p:set>
+                                      <p:cBhvr>
+                                        <p:cTn id="28" dur="1" fill="hold">
+                                          <p:stCondLst>
+                                            <p:cond delay="0"/>
+                                          </p:stCondLst>
+                                        </p:cTn>
+                                        <p:tgtEl>
+                                          <p:spTgt spid="3">
+                                            <p:txEl>
+                                              <p:pRg st="6" end="6"/>
+                                            </p:txEl>
+                                          </p:spTgt>
+                                        </p:tgtEl>
+                                        <p:attrNameLst>
+                                          <p:attrName>style.visibility</p:attrName>
+                                        </p:attrNameLst>
+                                      </p:cBhvr>
+                                      <p:to>
+                                        <p:strVal val="visible"/>
+                                      </p:to>
+                                    </p:set>
+                                    <p:animEffect transition="in" filter="fade">
+                                      <p:cBhvr>
+                                        <p:cTn id="29" dur="500"/>
+                                        <p:tgtEl>
+                                          <p:spTgt spid="3">
+                                            <p:txEl>
+                                              <p:pRg st="6" end="6"/>
+                                            </p:txEl>
+                                          </p:spTgt>
+                                        </p:tgtEl>
+                                      </p:cBhvr>
+                                    </p:animEffect>
+                                  </p:childTnLst>
+                                </p:cTn>
+                              </p:par>
+                              <p:par>
+                                <p:cTn id="30" presetID="10" presetClass="entr" presetSubtype="0" fill="hold" grpId="0" nodeType="withEffect">
+                                  <p:stCondLst>
+                                    <p:cond delay="0"/>
+                                  </p:stCondLst>
+                                  <p:childTnLst>
+                                    <p:set>
+                                      <p:cBhvr>
+                                        <p:cTn id="31" dur="1" fill="hold">
+                                          <p:stCondLst>
+                                            <p:cond delay="0"/>
+                                          </p:stCondLst>
+                                        </p:cTn>
+                                        <p:tgtEl>
+                                          <p:spTgt spid="3">
+                                            <p:txEl>
+                                              <p:pRg st="7" end="7"/>
+                                            </p:txEl>
+                                          </p:spTgt>
+                                        </p:tgtEl>
+                                        <p:attrNameLst>
+                                          <p:attrName>style.visibility</p:attrName>
+                                        </p:attrNameLst>
+                                      </p:cBhvr>
+                                      <p:to>
+                                        <p:strVal val="visible"/>
+                                      </p:to>
+                                    </p:set>
+                                    <p:animEffect transition="in" filter="fade">
+                                      <p:cBhvr>
+                                        <p:cTn id="32" dur="500"/>
+                                        <p:tgtEl>
+                                          <p:spTgt spid="3">
+                                            <p:txEl>
+                                              <p:pRg st="7" end="7"/>
+                                            </p:txEl>
+                                          </p:spTgt>
+                                        </p:tgtEl>
+                                      </p:cBhvr>
+                                    </p:animEffect>
+                                  </p:childTnLst>
+                                </p:cTn>
+                              </p:par>
+                              <p:par>
+                                <p:cTn id="33" presetID="10" presetClass="entr" presetSubtype="0" fill="hold" grpId="0" nodeType="withEffect">
+                                  <p:stCondLst>
+                                    <p:cond delay="0"/>
+                                  </p:stCondLst>
+                                  <p:childTnLst>
+                                    <p:set>
+                                      <p:cBhvr>
+                                        <p:cTn id="34" dur="1" fill="hold">
+                                          <p:stCondLst>
+                                            <p:cond delay="0"/>
+                                          </p:stCondLst>
+                                        </p:cTn>
+                                        <p:tgtEl>
+                                          <p:spTgt spid="3">
+                                            <p:txEl>
+                                              <p:pRg st="8" end="8"/>
+                                            </p:txEl>
+                                          </p:spTgt>
+                                        </p:tgtEl>
+                                        <p:attrNameLst>
+                                          <p:attrName>style.visibility</p:attrName>
+                                        </p:attrNameLst>
+                                      </p:cBhvr>
+                                      <p:to>
+                                        <p:strVal val="visible"/>
+                                      </p:to>
+                                    </p:set>
+                                    <p:animEffect transition="in" filter="fade">
+                                      <p:cBhvr>
+                                        <p:cTn id="35" dur="500"/>
+                                        <p:tgtEl>
+                                          <p:spTgt spid="3">
+                                            <p:txEl>
+                                              <p:pRg st="8" end="8"/>
+                                            </p:txEl>
+                                          </p:spTgt>
+                                        </p:tgtEl>
+                                      </p:cBhvr>
+                                    </p:animEffect>
+                                  </p:childTnLst>
+                                </p:cTn>
+                              </p:par>
+                              <p:par>
+                                <p:cTn id="36" presetID="10" presetClass="entr" presetSubtype="0" fill="hold" grpId="0" nodeType="withEffect">
+                                  <p:stCondLst>
+                                    <p:cond delay="0"/>
+                                  </p:stCondLst>
+                                  <p:childTnLst>
+                                    <p:set>
+                                      <p:cBhvr>
+                                        <p:cTn id="37" dur="1" fill="hold">
+                                          <p:stCondLst>
+                                            <p:cond delay="0"/>
+                                          </p:stCondLst>
+                                        </p:cTn>
+                                        <p:tgtEl>
+                                          <p:spTgt spid="3">
+                                            <p:txEl>
+                                              <p:pRg st="9" end="9"/>
+                                            </p:txEl>
+                                          </p:spTgt>
+                                        </p:tgtEl>
+                                        <p:attrNameLst>
+                                          <p:attrName>style.visibility</p:attrName>
+                                        </p:attrNameLst>
+                                      </p:cBhvr>
+                                      <p:to>
+                                        <p:strVal val="visible"/>
+                                      </p:to>
+                                    </p:set>
+                                    <p:animEffect transition="in" filter="fade">
+                                      <p:cBhvr>
+                                        <p:cTn id="38" dur="500"/>
+                                        <p:tgtEl>
+                                          <p:spTgt spid="3">
+                                            <p:txEl>
+                                              <p:pRg st="9" end="9"/>
+                                            </p:txEl>
+                                          </p:spTgt>
+                                        </p:tgtEl>
+                                      </p:cBhvr>
+                                    </p:animEffect>
+                                  </p:childTnLst>
+                                </p:cTn>
+                              </p:par>
+                            </p:childTnLst>
+                          </p:cTn>
+                        </p:par>
+                      </p:childTnLst>
+                    </p:cTn>
+                  </p:par>
+                  <p:par>
+                    <p:cTn id="39" fill="hold">
+                      <p:stCondLst>
+                        <p:cond delay="indefinite"/>
+                      </p:stCondLst>
+                      <p:childTnLst>
+                        <p:par>
+                          <p:cTn id="40" fill="hold">
+                            <p:stCondLst>
+                              <p:cond delay="0"/>
+                            </p:stCondLst>
+                            <p:childTnLst>
+                              <p:par>
+                                <p:cTn id="41" presetID="10" presetClass="entr" presetSubtype="0" fill="hold" grpId="0" nodeType="clickEffect">
+                                  <p:stCondLst>
+                                    <p:cond delay="0"/>
+                                  </p:stCondLst>
+                                  <p:childTnLst>
+                                    <p:set>
+                                      <p:cBhvr>
+                                        <p:cTn id="42" dur="1" fill="hold">
+                                          <p:stCondLst>
+                                            <p:cond delay="0"/>
+                                          </p:stCondLst>
+                                        </p:cTn>
+                                        <p:tgtEl>
+                                          <p:spTgt spid="3">
+                                            <p:txEl>
+                                              <p:pRg st="10" end="10"/>
+                                            </p:txEl>
+                                          </p:spTgt>
+                                        </p:tgtEl>
+                                        <p:attrNameLst>
+                                          <p:attrName>style.visibility</p:attrName>
+                                        </p:attrNameLst>
+                                      </p:cBhvr>
+                                      <p:to>
+                                        <p:strVal val="visible"/>
+                                      </p:to>
+                                    </p:set>
+                                    <p:animEffect transition="in" filter="fade">
+                                      <p:cBhvr>
+                                        <p:cTn id="43" dur="500"/>
+                                        <p:tgtEl>
+                                          <p:spTgt spid="3">
+                                            <p:txEl>
+                                              <p:pRg st="10" end="10"/>
+                                            </p:txEl>
+                                          </p:spTgt>
+                                        </p:tgtEl>
+                                      </p:cBhvr>
+                                    </p:animEffect>
+                                  </p:childTnLst>
+                                </p:cTn>
+                              </p:par>
+                              <p:par>
+                                <p:cTn id="44" presetID="10" presetClass="entr" presetSubtype="0" fill="hold" grpId="0" nodeType="withEffect">
+                                  <p:stCondLst>
+                                    <p:cond delay="0"/>
+                                  </p:stCondLst>
+                                  <p:childTnLst>
+                                    <p:set>
+                                      <p:cBhvr>
+                                        <p:cTn id="45" dur="1" fill="hold">
+                                          <p:stCondLst>
+                                            <p:cond delay="0"/>
+                                          </p:stCondLst>
+                                        </p:cTn>
+                                        <p:tgtEl>
+                                          <p:spTgt spid="3">
+                                            <p:txEl>
+                                              <p:pRg st="11" end="11"/>
+                                            </p:txEl>
+                                          </p:spTgt>
+                                        </p:tgtEl>
+                                        <p:attrNameLst>
+                                          <p:attrName>style.visibility</p:attrName>
+                                        </p:attrNameLst>
+                                      </p:cBhvr>
+                                      <p:to>
+                                        <p:strVal val="visible"/>
+                                      </p:to>
+                                    </p:set>
+                                    <p:animEffect transition="in" filter="fade">
+                                      <p:cBhvr>
+                                        <p:cTn id="46" dur="500"/>
+                                        <p:tgtEl>
+                                          <p:spTgt spid="3">
+                                            <p:txEl>
+                                              <p:pRg st="11" end="11"/>
+                                            </p:txEl>
+                                          </p:spTgt>
+                                        </p:tgtEl>
+                                      </p:cBhvr>
+                                    </p:animEffect>
+                                  </p:childTnLst>
+                                </p:cTn>
+                              </p:par>
+                            </p:childTnLst>
+                          </p:cTn>
+                        </p:par>
+                      </p:childTnLst>
+                    </p:cTn>
+                  </p:par>
+                </p:childTnLst>
+              </p:cTn>
+              <p:prevCondLst>
+                <p:cond evt="onPrev" delay="0">
+                  <p:tgtEl>
+                    <p:sldTgt/>
+                  </p:tgtEl>
+                </p:cond>
+              </p:prevCondLst>
+              <p:nextCondLst>
+                <p:cond evt="onNext" delay="0">
+                  <p:tgtEl>
+                    <p:sldTgt/>
+                  </p:tgtEl>
+                </p:cond>
+              </p:nextCondLst>
+            </p:seq>
+          </p:childTnLst>
+        </p:cTn>
+      </p:par>
+    </p:tnLst>
+    <p:bldLst>
+      <p:bldP spid="3" grpId="0" uiExpand="1" build="p"/>
+    </p:bldLst>
+  </p:timing>
+</p:sld>
+</file>
+
+<file path=ppt/slides/slide22.xml><?xml version="1.0" encoding="utf-8"?>
+<p:sld xmlns:a="http://schemas.openxmlformats.org/drawingml/2006/main" xmlns:r="http://schemas.openxmlformats.org/officeDocument/2006/relationships" xmlns:p="http://schemas.openxmlformats.org/presentationml/2006/main">
+  <p:cSld>
+    <p:spTree>
+      <p:nvGrpSpPr>
+        <p:cNvPr id="1" name=""/>
+        <p:cNvGrpSpPr/>
+        <p:nvPr/>
+      </p:nvGrpSpPr>
+      <p:grpSpPr>
+        <a:xfrm>
+          <a:off x="0" y="0"/>
+          <a:ext cx="0" cy="0"/>
+          <a:chOff x="0" y="0"/>
+          <a:chExt cx="0" cy="0"/>
+        </a:xfrm>
+      </p:grpSpPr>
+      <p:sp>
+        <p:nvSpPr>
+          <p:cNvPr id="2" name="Title 1">
+            <a:extLst>
+              <a:ext uri="{FF2B5EF4-FFF2-40B4-BE49-F238E27FC236}">
+                <a16:creationId xmlns:a16="http://schemas.microsoft.com/office/drawing/2014/main" id="{914E8638-DC19-E97C-375D-B98684EA8D96}"/>
+              </a:ext>
+            </a:extLst>
+          </p:cNvPr>
+          <p:cNvSpPr>
+            <a:spLocks noGrp="1"/>
+          </p:cNvSpPr>
+          <p:nvPr>
+            <p:ph type="title"/>
+          </p:nvPr>
+        </p:nvSpPr>
+        <p:spPr/>
+        <p:txBody>
+          <a:bodyPr/>
+          <a:lstStyle/>
+          <a:p>
+            <a:r>
+              <a:rPr lang="en-US" dirty="0"/>
+              <a:t>Unit 3 – Data Binding</a:t>
+            </a:r>
+          </a:p>
+        </p:txBody>
+      </p:sp>
+      <p:sp>
+        <p:nvSpPr>
+          <p:cNvPr id="3" name="Content Placeholder 2">
+            <a:extLst>
+              <a:ext uri="{FF2B5EF4-FFF2-40B4-BE49-F238E27FC236}">
+                <a16:creationId xmlns:a16="http://schemas.microsoft.com/office/drawing/2014/main" id="{9C3B9301-309A-93E1-3CC6-8835BA81C688}"/>
+              </a:ext>
+            </a:extLst>
+          </p:cNvPr>
+          <p:cNvSpPr>
+            <a:spLocks noGrp="1"/>
+          </p:cNvSpPr>
+          <p:nvPr>
+            <p:ph idx="1"/>
+          </p:nvPr>
+        </p:nvSpPr>
+        <p:spPr>
+          <a:xfrm>
+            <a:off x="2589212" y="2133600"/>
+            <a:ext cx="5563386" cy="2357311"/>
+          </a:xfrm>
+        </p:spPr>
+        <p:txBody>
+          <a:bodyPr>
+            <a:normAutofit fontScale="92500" lnSpcReduction="10000"/>
+          </a:bodyPr>
+          <a:lstStyle/>
+          <a:p>
+            <a:r>
+              <a:rPr lang="en-US" dirty="0">
+                <a:solidFill>
+                  <a:schemeClr val="tx1"/>
+                </a:solidFill>
+              </a:rPr>
+              <a:t>Data Binding in action</a:t>
+            </a:r>
+          </a:p>
+          <a:p>
+            <a:pPr lvl="1"/>
+            <a:r>
+              <a:rPr lang="en-US" dirty="0"/>
+              <a:t>Data binding a </a:t>
+            </a:r>
+            <a:r>
+              <a:rPr lang="en-US" dirty="0" err="1"/>
+              <a:t>TextBox</a:t>
+            </a:r>
+            <a:r>
+              <a:rPr lang="en-US" dirty="0"/>
+              <a:t> to a string-based property in the ViewModel</a:t>
+            </a:r>
+          </a:p>
+          <a:p>
+            <a:pPr lvl="1"/>
+            <a:r>
+              <a:rPr lang="en-US" dirty="0"/>
+              <a:t>User enters last name, data bound to </a:t>
+            </a:r>
+            <a:r>
+              <a:rPr lang="en-US" dirty="0" err="1"/>
+              <a:t>LastName</a:t>
+            </a:r>
+            <a:r>
+              <a:rPr lang="en-US" dirty="0"/>
+              <a:t> property</a:t>
+            </a:r>
+          </a:p>
+          <a:p>
+            <a:pPr lvl="2"/>
+            <a:r>
+              <a:rPr lang="en-US" dirty="0"/>
+              <a:t>Two-way binding – getter and setter on C# property</a:t>
+            </a:r>
+          </a:p>
+          <a:p>
+            <a:pPr lvl="2"/>
+            <a:r>
+              <a:rPr lang="en-US" dirty="0"/>
+              <a:t>UI loads – uses getter to read value</a:t>
+            </a:r>
+          </a:p>
+          <a:p>
+            <a:pPr lvl="2"/>
+            <a:r>
+              <a:rPr lang="en-US" dirty="0"/>
+              <a:t>User changes value – setter called</a:t>
+            </a:r>
+          </a:p>
+          <a:p>
+            <a:endParaRPr lang="en-US" dirty="0"/>
+          </a:p>
+        </p:txBody>
+      </p:sp>
+      <p:pic>
+        <p:nvPicPr>
+          <p:cNvPr id="2050" name="Picture 2" descr="First Name: &#10;Last Name: Doe &#10;View &#10;Customer.xaml &#10;O references 1 0 changes I O authors, 0 changes &#10;public string LastName &#10;get =&gt; lastName; &#10;set =&gt; SetVaIueCref lastName , &#10;ViewModel &#10;CustomerViewModeI.cs &#10;value) ; ">
+            <a:extLst>
+              <a:ext uri="{FF2B5EF4-FFF2-40B4-BE49-F238E27FC236}">
+                <a16:creationId xmlns:a16="http://schemas.microsoft.com/office/drawing/2014/main" id="{6926E92F-F7D5-2131-2668-4D303E3C8462}"/>
+              </a:ext>
+            </a:extLst>
+          </p:cNvPr>
+          <p:cNvPicPr>
+            <a:picLocks noChangeAspect="1" noChangeArrowheads="1"/>
+          </p:cNvPicPr>
+          <p:nvPr/>
+        </p:nvPicPr>
+        <p:blipFill>
+          <a:blip r:embed="rId3">
+            <a:extLst>
+              <a:ext uri="{28A0092B-C50C-407E-A947-70E740481C1C}">
+                <a14:useLocalDpi xmlns:a14="http://schemas.microsoft.com/office/drawing/2010/main" val="0"/>
+              </a:ext>
+            </a:extLst>
+          </a:blip>
+          <a:srcRect/>
+          <a:stretch>
+            <a:fillRect/>
+          </a:stretch>
+        </p:blipFill>
+        <p:spPr bwMode="auto">
+          <a:xfrm>
+            <a:off x="2782955" y="4534441"/>
+            <a:ext cx="5282947" cy="1813845"/>
+          </a:xfrm>
+          <a:prstGeom prst="rect">
+            <a:avLst/>
+          </a:prstGeom>
+          <a:noFill/>
+          <a:extLst>
+            <a:ext uri="{909E8E84-426E-40DD-AFC4-6F175D3DCCD1}">
+              <a14:hiddenFill xmlns:a14="http://schemas.microsoft.com/office/drawing/2010/main">
+                <a:solidFill>
+                  <a:srgbClr val="FFFFFF"/>
+                </a:solidFill>
+              </a14:hiddenFill>
+            </a:ext>
+          </a:extLst>
+        </p:spPr>
+      </p:pic>
+    </p:spTree>
+    <p:extLst>
+      <p:ext uri="{BB962C8B-B14F-4D97-AF65-F5344CB8AC3E}">
+        <p14:creationId xmlns:p14="http://schemas.microsoft.com/office/powerpoint/2010/main" val="2523523483"/>
+      </p:ext>
+    </p:extLst>
+  </p:cSld>
+  <p:clrMapOvr>
+    <a:masterClrMapping/>
+  </p:clrMapOvr>
+</p:sld>
+</file>
+
+<file path=ppt/slides/slide23.xml><?xml version="1.0" encoding="utf-8"?>
+<p:sld xmlns:a="http://schemas.openxmlformats.org/drawingml/2006/main" xmlns:r="http://schemas.openxmlformats.org/officeDocument/2006/relationships" xmlns:p="http://schemas.openxmlformats.org/presentationml/2006/main">
+  <p:cSld>
+    <p:spTree>
+      <p:nvGrpSpPr>
+        <p:cNvPr id="1" name=""/>
+        <p:cNvGrpSpPr/>
+        <p:nvPr/>
+      </p:nvGrpSpPr>
+      <p:grpSpPr>
+        <a:xfrm>
+          <a:off x="0" y="0"/>
+          <a:ext cx="0" cy="0"/>
+          <a:chOff x="0" y="0"/>
+          <a:chExt cx="0" cy="0"/>
+        </a:xfrm>
+      </p:grpSpPr>
+      <p:sp>
+        <p:nvSpPr>
+          <p:cNvPr id="2" name="Title 1">
+            <a:extLst>
+              <a:ext uri="{FF2B5EF4-FFF2-40B4-BE49-F238E27FC236}">
+                <a16:creationId xmlns:a16="http://schemas.microsoft.com/office/drawing/2014/main" id="{86FEA3C1-CB00-E4C1-8871-7EC3AD1EBC7B}"/>
+              </a:ext>
+            </a:extLst>
+          </p:cNvPr>
+          <p:cNvSpPr>
+            <a:spLocks noGrp="1"/>
+          </p:cNvSpPr>
+          <p:nvPr>
+            <p:ph type="title"/>
+          </p:nvPr>
+        </p:nvSpPr>
+        <p:spPr/>
+        <p:txBody>
+          <a:bodyPr/>
+          <a:lstStyle/>
+          <a:p>
+            <a:r>
+              <a:rPr lang="en-US" dirty="0"/>
+              <a:t>Unit 3 – Data Binding</a:t>
+            </a:r>
+          </a:p>
+        </p:txBody>
+      </p:sp>
+      <p:sp>
+        <p:nvSpPr>
+          <p:cNvPr id="3" name="Content Placeholder 2">
+            <a:extLst>
+              <a:ext uri="{FF2B5EF4-FFF2-40B4-BE49-F238E27FC236}">
+                <a16:creationId xmlns:a16="http://schemas.microsoft.com/office/drawing/2014/main" id="{44E1EB92-14E0-85C7-4F62-A3A47FF5D10F}"/>
+              </a:ext>
+            </a:extLst>
+          </p:cNvPr>
+          <p:cNvSpPr>
+            <a:spLocks noGrp="1"/>
+          </p:cNvSpPr>
+          <p:nvPr>
+            <p:ph idx="1"/>
+          </p:nvPr>
+        </p:nvSpPr>
+        <p:spPr/>
+        <p:txBody>
+          <a:bodyPr>
+            <a:normAutofit fontScale="77500" lnSpcReduction="20000"/>
+          </a:bodyPr>
+          <a:lstStyle/>
+          <a:p>
+            <a:r>
+              <a:rPr lang="en-US" dirty="0"/>
+              <a:t>Data Binding – How To</a:t>
+            </a:r>
+          </a:p>
+          <a:p>
+            <a:pPr lvl="1"/>
+            <a:r>
+              <a:rPr lang="en-US" dirty="0"/>
+              <a:t>Create ViewModel</a:t>
+            </a:r>
+          </a:p>
+          <a:p>
+            <a:pPr lvl="2"/>
+            <a:r>
+              <a:rPr lang="en-US" dirty="0"/>
+              <a:t>C# class with properties that implements </a:t>
+            </a:r>
+            <a:r>
+              <a:rPr lang="en-US" dirty="0" err="1"/>
+              <a:t>INotifyPropertyChanged</a:t>
+            </a:r>
+            <a:endParaRPr lang="en-US" dirty="0"/>
+          </a:p>
+          <a:p>
+            <a:pPr lvl="2"/>
+            <a:r>
+              <a:rPr lang="en-US" dirty="0" err="1"/>
+              <a:t>INotifyPropertyChanged</a:t>
+            </a:r>
+            <a:r>
+              <a:rPr lang="en-US" dirty="0"/>
+              <a:t> - class fires </a:t>
+            </a:r>
+            <a:r>
+              <a:rPr lang="en-US" dirty="0" err="1"/>
+              <a:t>PropertyChanged</a:t>
+            </a:r>
+            <a:r>
+              <a:rPr lang="en-US" dirty="0"/>
+              <a:t> when a property value changes</a:t>
+            </a:r>
+          </a:p>
+          <a:p>
+            <a:pPr lvl="3"/>
+            <a:r>
+              <a:rPr lang="en-US" dirty="0"/>
+              <a:t>The magic sauce that makes WPF data binding work</a:t>
+            </a:r>
+          </a:p>
+          <a:p>
+            <a:pPr lvl="3"/>
+            <a:r>
+              <a:rPr lang="en-US" dirty="0"/>
+              <a:t>We'll encapsulate in </a:t>
+            </a:r>
+            <a:r>
+              <a:rPr lang="en-US" dirty="0" err="1"/>
+              <a:t>ViewModelBase</a:t>
+            </a:r>
+            <a:r>
+              <a:rPr lang="en-US" dirty="0"/>
+              <a:t> class</a:t>
+            </a:r>
+          </a:p>
+          <a:p>
+            <a:pPr lvl="2"/>
+            <a:r>
+              <a:rPr lang="en-US" dirty="0"/>
+              <a:t>Property for each thing you want to bind to</a:t>
+            </a:r>
+          </a:p>
+          <a:p>
+            <a:pPr lvl="1"/>
+            <a:r>
+              <a:rPr lang="en-US" dirty="0"/>
+              <a:t>Set DataContext for main window</a:t>
+            </a:r>
+          </a:p>
+          <a:p>
+            <a:pPr lvl="2"/>
+            <a:r>
+              <a:rPr lang="en-US" dirty="0"/>
+              <a:t>Do this in code-behind</a:t>
+            </a:r>
+          </a:p>
+          <a:p>
+            <a:pPr lvl="2"/>
+            <a:r>
+              <a:rPr lang="en-US" dirty="0"/>
+              <a:t>Create instance of ViewModel and set top-level Window's DataContext to it</a:t>
+            </a:r>
+          </a:p>
+          <a:p>
+            <a:pPr lvl="1"/>
+            <a:r>
+              <a:rPr lang="en-US" dirty="0"/>
+              <a:t>Create View</a:t>
+            </a:r>
+          </a:p>
+          <a:p>
+            <a:pPr lvl="2"/>
+            <a:r>
+              <a:rPr lang="en-US" dirty="0"/>
+              <a:t>Property on UI element binds to property in ViewModel</a:t>
+            </a:r>
+          </a:p>
+          <a:p>
+            <a:pPr lvl="2"/>
+            <a:r>
+              <a:rPr lang="en-US" dirty="0"/>
+              <a:t>Set </a:t>
+            </a:r>
+            <a:r>
+              <a:rPr lang="en-US" dirty="0" err="1"/>
+              <a:t>UpdateSourceTrigger</a:t>
+            </a:r>
+            <a:r>
+              <a:rPr lang="en-US" dirty="0"/>
+              <a:t>, if necessary</a:t>
+            </a:r>
+          </a:p>
+          <a:p>
+            <a:r>
+              <a:rPr lang="en-US" dirty="0">
+                <a:solidFill>
+                  <a:srgbClr val="00B050"/>
+                </a:solidFill>
+              </a:rPr>
+              <a:t>Example – Data Binding</a:t>
+            </a:r>
+          </a:p>
+        </p:txBody>
+      </p:sp>
+    </p:spTree>
+    <p:extLst>
+      <p:ext uri="{BB962C8B-B14F-4D97-AF65-F5344CB8AC3E}">
+        <p14:creationId xmlns:p14="http://schemas.microsoft.com/office/powerpoint/2010/main" val="3553102706"/>
+      </p:ext>
+    </p:extLst>
+  </p:cSld>
+  <p:clrMapOvr>
+    <a:masterClrMapping/>
+  </p:clrMapOvr>
 </p:sld>
 </file>
 

--- a/WPF-Workshop-Sexton-Oct2023.pptx
+++ b/WPF-Workshop-Sexton-Oct2023.pptx
@@ -5,7 +5,7 @@
     <p:sldMasterId id="2147483896" r:id="rId1"/>
   </p:sldMasterIdLst>
   <p:notesMasterIdLst>
-    <p:notesMasterId r:id="rId25"/>
+    <p:notesMasterId r:id="rId31"/>
   </p:notesMasterIdLst>
   <p:sldIdLst>
     <p:sldId id="256" r:id="rId2"/>
@@ -31,6 +31,12 @@
     <p:sldId id="277" r:id="rId22"/>
     <p:sldId id="278" r:id="rId23"/>
     <p:sldId id="279" r:id="rId24"/>
+    <p:sldId id="280" r:id="rId25"/>
+    <p:sldId id="281" r:id="rId26"/>
+    <p:sldId id="282" r:id="rId27"/>
+    <p:sldId id="283" r:id="rId28"/>
+    <p:sldId id="284" r:id="rId29"/>
+    <p:sldId id="285" r:id="rId30"/>
   </p:sldIdLst>
   <p:sldSz cx="12192000" cy="6858000"/>
   <p:notesSz cx="6858000" cy="9144000"/>
@@ -2043,6 +2049,479 @@
     <p:extLst>
       <p:ext uri="{BB962C8B-B14F-4D97-AF65-F5344CB8AC3E}">
         <p14:creationId xmlns:p14="http://schemas.microsoft.com/office/powerpoint/2010/main" val="3038833892"/>
+      </p:ext>
+    </p:extLst>
+  </p:cSld>
+  <p:clrMapOvr>
+    <a:masterClrMapping/>
+  </p:clrMapOvr>
+</p:notes>
+</file>
+
+<file path=ppt/notesSlides/notesSlide23.xml><?xml version="1.0" encoding="utf-8"?>
+<p:notes xmlns:a="http://schemas.openxmlformats.org/drawingml/2006/main" xmlns:r="http://schemas.openxmlformats.org/officeDocument/2006/relationships" xmlns:p="http://schemas.openxmlformats.org/presentationml/2006/main">
+  <p:cSld>
+    <p:spTree>
+      <p:nvGrpSpPr>
+        <p:cNvPr id="1" name=""/>
+        <p:cNvGrpSpPr/>
+        <p:nvPr/>
+      </p:nvGrpSpPr>
+      <p:grpSpPr>
+        <a:xfrm>
+          <a:off x="0" y="0"/>
+          <a:ext cx="0" cy="0"/>
+          <a:chOff x="0" y="0"/>
+          <a:chExt cx="0" cy="0"/>
+        </a:xfrm>
+      </p:grpSpPr>
+      <p:sp>
+        <p:nvSpPr>
+          <p:cNvPr id="2" name="Slide Image Placeholder 1"/>
+          <p:cNvSpPr>
+            <a:spLocks noGrp="1" noRot="1" noChangeAspect="1"/>
+          </p:cNvSpPr>
+          <p:nvPr>
+            <p:ph type="sldImg"/>
+          </p:nvPr>
+        </p:nvSpPr>
+        <p:spPr/>
+      </p:sp>
+      <p:sp>
+        <p:nvSpPr>
+          <p:cNvPr id="3" name="Notes Placeholder 2"/>
+          <p:cNvSpPr>
+            <a:spLocks noGrp="1"/>
+          </p:cNvSpPr>
+          <p:nvPr>
+            <p:ph type="body" idx="1"/>
+          </p:nvPr>
+        </p:nvSpPr>
+        <p:spPr/>
+        <p:txBody>
+          <a:bodyPr/>
+          <a:lstStyle/>
+          <a:p>
+            <a:pPr rtl="0" fontAlgn="ctr">
+              <a:spcBef>
+                <a:spcPts val="0"/>
+              </a:spcBef>
+              <a:spcAft>
+                <a:spcPts val="0"/>
+              </a:spcAft>
+              <a:buFont typeface="Arial" panose="020B0604020202020204" pitchFamily="34" charset="0"/>
+              <a:buNone/>
+            </a:pPr>
+            <a:r>
+              <a:rPr lang="en-US" sz="1800" i="1" dirty="0">
+                <a:effectLst/>
+                <a:latin typeface="Calibri" panose="020F0502020204030204" pitchFamily="34" charset="0"/>
+              </a:rPr>
+              <a:t>- Recall that everything in WPF is rendered through a graphics engine</a:t>
+            </a:r>
+            <a:endParaRPr lang="en-US" sz="1800" dirty="0">
+              <a:effectLst/>
+              <a:latin typeface="Calibri" panose="020F0502020204030204" pitchFamily="34" charset="0"/>
+            </a:endParaRPr>
+          </a:p>
+          <a:p>
+            <a:pPr rtl="0" fontAlgn="ctr">
+              <a:spcBef>
+                <a:spcPts val="0"/>
+              </a:spcBef>
+              <a:spcAft>
+                <a:spcPts val="0"/>
+              </a:spcAft>
+              <a:buFont typeface="Arial" panose="020B0604020202020204" pitchFamily="34" charset="0"/>
+              <a:buNone/>
+            </a:pPr>
+            <a:r>
+              <a:rPr lang="en-US" sz="1800" i="1" dirty="0">
+                <a:effectLst/>
+                <a:latin typeface="Calibri" panose="020F0502020204030204" pitchFamily="34" charset="0"/>
+              </a:rPr>
+              <a:t>- This means that everything runs through standard 2D graphics transforms</a:t>
+            </a:r>
+            <a:endParaRPr lang="en-US" sz="1800" dirty="0">
+              <a:effectLst/>
+              <a:latin typeface="Calibri" panose="020F0502020204030204" pitchFamily="34" charset="0"/>
+            </a:endParaRPr>
+          </a:p>
+          <a:p>
+            <a:pPr rtl="0" fontAlgn="ctr">
+              <a:spcBef>
+                <a:spcPts val="0"/>
+              </a:spcBef>
+              <a:spcAft>
+                <a:spcPts val="0"/>
+              </a:spcAft>
+              <a:buFont typeface="Arial" panose="020B0604020202020204" pitchFamily="34" charset="0"/>
+              <a:buNone/>
+            </a:pPr>
+            <a:r>
+              <a:rPr lang="en-US" sz="1800" i="1" dirty="0">
+                <a:effectLst/>
+                <a:latin typeface="Calibri" panose="020F0502020204030204" pitchFamily="34" charset="0"/>
+              </a:rPr>
+              <a:t>- So we can hook up to those transforms and use data binding to control them</a:t>
+            </a:r>
+            <a:endParaRPr lang="en-US" sz="1800" dirty="0">
+              <a:effectLst/>
+              <a:latin typeface="Calibri" panose="020F0502020204030204" pitchFamily="34" charset="0"/>
+            </a:endParaRPr>
+          </a:p>
+          <a:p>
+            <a:pPr rtl="0" fontAlgn="ctr">
+              <a:spcBef>
+                <a:spcPts val="0"/>
+              </a:spcBef>
+              <a:spcAft>
+                <a:spcPts val="0"/>
+              </a:spcAft>
+              <a:buFont typeface="Arial" panose="020B0604020202020204" pitchFamily="34" charset="0"/>
+              <a:buNone/>
+            </a:pPr>
+            <a:r>
+              <a:rPr lang="en-US" sz="1800" i="1" dirty="0">
+                <a:effectLst/>
+                <a:latin typeface="Calibri" panose="020F0502020204030204" pitchFamily="34" charset="0"/>
+              </a:rPr>
+              <a:t>- Perhaps a little silly; but the point is that we can bind to anything and how easy things are to wire up; this took just five minutes to create</a:t>
+            </a:r>
+            <a:endParaRPr lang="en-US" sz="1800" dirty="0">
+              <a:effectLst/>
+              <a:latin typeface="Calibri" panose="020F0502020204030204" pitchFamily="34" charset="0"/>
+            </a:endParaRPr>
+          </a:p>
+          <a:p>
+            <a:endParaRPr lang="en-US" dirty="0"/>
+          </a:p>
+        </p:txBody>
+      </p:sp>
+      <p:sp>
+        <p:nvSpPr>
+          <p:cNvPr id="4" name="Slide Number Placeholder 3"/>
+          <p:cNvSpPr>
+            <a:spLocks noGrp="1"/>
+          </p:cNvSpPr>
+          <p:nvPr>
+            <p:ph type="sldNum" sz="quarter" idx="5"/>
+          </p:nvPr>
+        </p:nvSpPr>
+        <p:spPr/>
+        <p:txBody>
+          <a:bodyPr/>
+          <a:lstStyle/>
+          <a:p>
+            <a:fld id="{52D86A8A-0D3B-4DD1-BCA4-15D29761E8A6}" type="slidenum">
+              <a:rPr lang="en-US" smtClean="0"/>
+              <a:t>26</a:t>
+            </a:fld>
+            <a:endParaRPr lang="en-US"/>
+          </a:p>
+        </p:txBody>
+      </p:sp>
+    </p:spTree>
+    <p:extLst>
+      <p:ext uri="{BB962C8B-B14F-4D97-AF65-F5344CB8AC3E}">
+        <p14:creationId xmlns:p14="http://schemas.microsoft.com/office/powerpoint/2010/main" val="94611158"/>
+      </p:ext>
+    </p:extLst>
+  </p:cSld>
+  <p:clrMapOvr>
+    <a:masterClrMapping/>
+  </p:clrMapOvr>
+</p:notes>
+</file>
+
+<file path=ppt/notesSlides/notesSlide24.xml><?xml version="1.0" encoding="utf-8"?>
+<p:notes xmlns:a="http://schemas.openxmlformats.org/drawingml/2006/main" xmlns:r="http://schemas.openxmlformats.org/officeDocument/2006/relationships" xmlns:p="http://schemas.openxmlformats.org/presentationml/2006/main">
+  <p:cSld>
+    <p:spTree>
+      <p:nvGrpSpPr>
+        <p:cNvPr id="1" name=""/>
+        <p:cNvGrpSpPr/>
+        <p:nvPr/>
+      </p:nvGrpSpPr>
+      <p:grpSpPr>
+        <a:xfrm>
+          <a:off x="0" y="0"/>
+          <a:ext cx="0" cy="0"/>
+          <a:chOff x="0" y="0"/>
+          <a:chExt cx="0" cy="0"/>
+        </a:xfrm>
+      </p:grpSpPr>
+      <p:sp>
+        <p:nvSpPr>
+          <p:cNvPr id="2" name="Slide Image Placeholder 1"/>
+          <p:cNvSpPr>
+            <a:spLocks noGrp="1" noRot="1" noChangeAspect="1"/>
+          </p:cNvSpPr>
+          <p:nvPr>
+            <p:ph type="sldImg"/>
+          </p:nvPr>
+        </p:nvSpPr>
+        <p:spPr/>
+      </p:sp>
+      <p:sp>
+        <p:nvSpPr>
+          <p:cNvPr id="3" name="Notes Placeholder 2"/>
+          <p:cNvSpPr>
+            <a:spLocks noGrp="1"/>
+          </p:cNvSpPr>
+          <p:nvPr>
+            <p:ph type="body" idx="1"/>
+          </p:nvPr>
+        </p:nvSpPr>
+        <p:spPr/>
+        <p:txBody>
+          <a:bodyPr/>
+          <a:lstStyle/>
+          <a:p>
+            <a:r>
+              <a:rPr lang="en-US" dirty="0"/>
+              <a:t>LAST: Example</a:t>
+            </a:r>
+          </a:p>
+          <a:p>
+            <a:pPr marL="0" marR="0" lvl="0" indent="0" algn="l" defTabSz="914400" rtl="0" eaLnBrk="1" fontAlgn="auto" latinLnBrk="0" hangingPunct="1">
+              <a:lnSpc>
+                <a:spcPct val="100000"/>
+              </a:lnSpc>
+              <a:spcBef>
+                <a:spcPts val="0"/>
+              </a:spcBef>
+              <a:spcAft>
+                <a:spcPts val="0"/>
+              </a:spcAft>
+              <a:buClrTx/>
+              <a:buSzTx/>
+              <a:buFontTx/>
+              <a:buNone/>
+              <a:tabLst/>
+              <a:defRPr/>
+            </a:pPr>
+            <a:r>
+              <a:rPr lang="en-US" i="0" dirty="0"/>
+              <a:t>- </a:t>
+            </a:r>
+            <a:r>
+              <a:rPr lang="en-US" sz="1800" i="0" dirty="0">
+                <a:effectLst/>
+                <a:latin typeface="Calibri" panose="020F0502020204030204" pitchFamily="34" charset="0"/>
+              </a:rPr>
+              <a:t>Show ViewModel, View, then run</a:t>
+            </a:r>
+          </a:p>
+          <a:p>
+            <a:endParaRPr lang="en-US" dirty="0"/>
+          </a:p>
+        </p:txBody>
+      </p:sp>
+      <p:sp>
+        <p:nvSpPr>
+          <p:cNvPr id="4" name="Slide Number Placeholder 3"/>
+          <p:cNvSpPr>
+            <a:spLocks noGrp="1"/>
+          </p:cNvSpPr>
+          <p:nvPr>
+            <p:ph type="sldNum" sz="quarter" idx="5"/>
+          </p:nvPr>
+        </p:nvSpPr>
+        <p:spPr/>
+        <p:txBody>
+          <a:bodyPr/>
+          <a:lstStyle/>
+          <a:p>
+            <a:fld id="{52D86A8A-0D3B-4DD1-BCA4-15D29761E8A6}" type="slidenum">
+              <a:rPr lang="en-US" smtClean="0"/>
+              <a:t>27</a:t>
+            </a:fld>
+            <a:endParaRPr lang="en-US"/>
+          </a:p>
+        </p:txBody>
+      </p:sp>
+    </p:spTree>
+    <p:extLst>
+      <p:ext uri="{BB962C8B-B14F-4D97-AF65-F5344CB8AC3E}">
+        <p14:creationId xmlns:p14="http://schemas.microsoft.com/office/powerpoint/2010/main" val="531610119"/>
+      </p:ext>
+    </p:extLst>
+  </p:cSld>
+  <p:clrMapOvr>
+    <a:masterClrMapping/>
+  </p:clrMapOvr>
+</p:notes>
+</file>
+
+<file path=ppt/notesSlides/notesSlide25.xml><?xml version="1.0" encoding="utf-8"?>
+<p:notes xmlns:a="http://schemas.openxmlformats.org/drawingml/2006/main" xmlns:r="http://schemas.openxmlformats.org/officeDocument/2006/relationships" xmlns:p="http://schemas.openxmlformats.org/presentationml/2006/main">
+  <p:cSld>
+    <p:spTree>
+      <p:nvGrpSpPr>
+        <p:cNvPr id="1" name=""/>
+        <p:cNvGrpSpPr/>
+        <p:nvPr/>
+      </p:nvGrpSpPr>
+      <p:grpSpPr>
+        <a:xfrm>
+          <a:off x="0" y="0"/>
+          <a:ext cx="0" cy="0"/>
+          <a:chOff x="0" y="0"/>
+          <a:chExt cx="0" cy="0"/>
+        </a:xfrm>
+      </p:grpSpPr>
+      <p:sp>
+        <p:nvSpPr>
+          <p:cNvPr id="2" name="Slide Image Placeholder 1"/>
+          <p:cNvSpPr>
+            <a:spLocks noGrp="1" noRot="1" noChangeAspect="1"/>
+          </p:cNvSpPr>
+          <p:nvPr>
+            <p:ph type="sldImg"/>
+          </p:nvPr>
+        </p:nvSpPr>
+        <p:spPr/>
+      </p:sp>
+      <p:sp>
+        <p:nvSpPr>
+          <p:cNvPr id="3" name="Notes Placeholder 2"/>
+          <p:cNvSpPr>
+            <a:spLocks noGrp="1"/>
+          </p:cNvSpPr>
+          <p:nvPr>
+            <p:ph type="body" idx="1"/>
+          </p:nvPr>
+        </p:nvSpPr>
+        <p:spPr/>
+        <p:txBody>
+          <a:bodyPr/>
+          <a:lstStyle/>
+          <a:p>
+            <a:r>
+              <a:rPr lang="en-US" dirty="0"/>
+              <a:t>LAST: Example</a:t>
+            </a:r>
+          </a:p>
+          <a:p>
+            <a:r>
+              <a:rPr lang="en-US" dirty="0"/>
+              <a:t>- Show example 3 -- ViewModel, View, runtime</a:t>
+            </a:r>
+          </a:p>
+        </p:txBody>
+      </p:sp>
+      <p:sp>
+        <p:nvSpPr>
+          <p:cNvPr id="4" name="Slide Number Placeholder 3"/>
+          <p:cNvSpPr>
+            <a:spLocks noGrp="1"/>
+          </p:cNvSpPr>
+          <p:nvPr>
+            <p:ph type="sldNum" sz="quarter" idx="5"/>
+          </p:nvPr>
+        </p:nvSpPr>
+        <p:spPr/>
+        <p:txBody>
+          <a:bodyPr/>
+          <a:lstStyle/>
+          <a:p>
+            <a:fld id="{52D86A8A-0D3B-4DD1-BCA4-15D29761E8A6}" type="slidenum">
+              <a:rPr lang="en-US" smtClean="0"/>
+              <a:t>28</a:t>
+            </a:fld>
+            <a:endParaRPr lang="en-US"/>
+          </a:p>
+        </p:txBody>
+      </p:sp>
+    </p:spTree>
+    <p:extLst>
+      <p:ext uri="{BB962C8B-B14F-4D97-AF65-F5344CB8AC3E}">
+        <p14:creationId xmlns:p14="http://schemas.microsoft.com/office/powerpoint/2010/main" val="507816259"/>
+      </p:ext>
+    </p:extLst>
+  </p:cSld>
+  <p:clrMapOvr>
+    <a:masterClrMapping/>
+  </p:clrMapOvr>
+</p:notes>
+</file>
+
+<file path=ppt/notesSlides/notesSlide26.xml><?xml version="1.0" encoding="utf-8"?>
+<p:notes xmlns:a="http://schemas.openxmlformats.org/drawingml/2006/main" xmlns:r="http://schemas.openxmlformats.org/officeDocument/2006/relationships" xmlns:p="http://schemas.openxmlformats.org/presentationml/2006/main">
+  <p:cSld>
+    <p:spTree>
+      <p:nvGrpSpPr>
+        <p:cNvPr id="1" name=""/>
+        <p:cNvGrpSpPr/>
+        <p:nvPr/>
+      </p:nvGrpSpPr>
+      <p:grpSpPr>
+        <a:xfrm>
+          <a:off x="0" y="0"/>
+          <a:ext cx="0" cy="0"/>
+          <a:chOff x="0" y="0"/>
+          <a:chExt cx="0" cy="0"/>
+        </a:xfrm>
+      </p:grpSpPr>
+      <p:sp>
+        <p:nvSpPr>
+          <p:cNvPr id="2" name="Slide Image Placeholder 1"/>
+          <p:cNvSpPr>
+            <a:spLocks noGrp="1" noRot="1" noChangeAspect="1"/>
+          </p:cNvSpPr>
+          <p:nvPr>
+            <p:ph type="sldImg"/>
+          </p:nvPr>
+        </p:nvSpPr>
+        <p:spPr/>
+      </p:sp>
+      <p:sp>
+        <p:nvSpPr>
+          <p:cNvPr id="3" name="Notes Placeholder 2"/>
+          <p:cNvSpPr>
+            <a:spLocks noGrp="1"/>
+          </p:cNvSpPr>
+          <p:nvPr>
+            <p:ph type="body" idx="1"/>
+          </p:nvPr>
+        </p:nvSpPr>
+        <p:spPr/>
+        <p:txBody>
+          <a:bodyPr/>
+          <a:lstStyle/>
+          <a:p>
+            <a:endParaRPr lang="en-US" dirty="0"/>
+          </a:p>
+        </p:txBody>
+      </p:sp>
+      <p:sp>
+        <p:nvSpPr>
+          <p:cNvPr id="4" name="Slide Number Placeholder 3"/>
+          <p:cNvSpPr>
+            <a:spLocks noGrp="1"/>
+          </p:cNvSpPr>
+          <p:nvPr>
+            <p:ph type="sldNum" sz="quarter" idx="5"/>
+          </p:nvPr>
+        </p:nvSpPr>
+        <p:spPr/>
+        <p:txBody>
+          <a:bodyPr/>
+          <a:lstStyle/>
+          <a:p>
+            <a:fld id="{52D86A8A-0D3B-4DD1-BCA4-15D29761E8A6}" type="slidenum">
+              <a:rPr lang="en-US" smtClean="0"/>
+              <a:t>29</a:t>
+            </a:fld>
+            <a:endParaRPr lang="en-US"/>
+          </a:p>
+        </p:txBody>
+      </p:sp>
+    </p:spTree>
+    <p:extLst>
+      <p:ext uri="{BB962C8B-B14F-4D97-AF65-F5344CB8AC3E}">
+        <p14:creationId xmlns:p14="http://schemas.microsoft.com/office/powerpoint/2010/main" val="1154638772"/>
       </p:ext>
     </p:extLst>
   </p:cSld>
@@ -17265,6 +17744,2705 @@
   <p:clrMapOvr>
     <a:masterClrMapping/>
   </p:clrMapOvr>
+  <p:timing>
+    <p:tnLst>
+      <p:par>
+        <p:cTn id="1" dur="indefinite" restart="never" nodeType="tmRoot">
+          <p:childTnLst>
+            <p:seq concurrent="1" nextAc="seek">
+              <p:cTn id="2" dur="indefinite" nodeType="mainSeq">
+                <p:childTnLst>
+                  <p:par>
+                    <p:cTn id="3" fill="hold">
+                      <p:stCondLst>
+                        <p:cond delay="indefinite"/>
+                      </p:stCondLst>
+                      <p:childTnLst>
+                        <p:par>
+                          <p:cTn id="4" fill="hold">
+                            <p:stCondLst>
+                              <p:cond delay="0"/>
+                            </p:stCondLst>
+                            <p:childTnLst>
+                              <p:par>
+                                <p:cTn id="5" presetID="10" presetClass="entr" presetSubtype="0" fill="hold" grpId="0" nodeType="clickEffect">
+                                  <p:stCondLst>
+                                    <p:cond delay="0"/>
+                                  </p:stCondLst>
+                                  <p:childTnLst>
+                                    <p:set>
+                                      <p:cBhvr>
+                                        <p:cTn id="6" dur="1" fill="hold">
+                                          <p:stCondLst>
+                                            <p:cond delay="0"/>
+                                          </p:stCondLst>
+                                        </p:cTn>
+                                        <p:tgtEl>
+                                          <p:spTgt spid="3">
+                                            <p:txEl>
+                                              <p:pRg st="0" end="0"/>
+                                            </p:txEl>
+                                          </p:spTgt>
+                                        </p:tgtEl>
+                                        <p:attrNameLst>
+                                          <p:attrName>style.visibility</p:attrName>
+                                        </p:attrNameLst>
+                                      </p:cBhvr>
+                                      <p:to>
+                                        <p:strVal val="visible"/>
+                                      </p:to>
+                                    </p:set>
+                                    <p:animEffect transition="in" filter="fade">
+                                      <p:cBhvr>
+                                        <p:cTn id="7" dur="500"/>
+                                        <p:tgtEl>
+                                          <p:spTgt spid="3">
+                                            <p:txEl>
+                                              <p:pRg st="0" end="0"/>
+                                            </p:txEl>
+                                          </p:spTgt>
+                                        </p:tgtEl>
+                                      </p:cBhvr>
+                                    </p:animEffect>
+                                  </p:childTnLst>
+                                </p:cTn>
+                              </p:par>
+                            </p:childTnLst>
+                          </p:cTn>
+                        </p:par>
+                      </p:childTnLst>
+                    </p:cTn>
+                  </p:par>
+                  <p:par>
+                    <p:cTn id="8" fill="hold">
+                      <p:stCondLst>
+                        <p:cond delay="indefinite"/>
+                      </p:stCondLst>
+                      <p:childTnLst>
+                        <p:par>
+                          <p:cTn id="9" fill="hold">
+                            <p:stCondLst>
+                              <p:cond delay="0"/>
+                            </p:stCondLst>
+                            <p:childTnLst>
+                              <p:par>
+                                <p:cTn id="10" presetID="10" presetClass="entr" presetSubtype="0" fill="hold" grpId="0" nodeType="clickEffect">
+                                  <p:stCondLst>
+                                    <p:cond delay="0"/>
+                                  </p:stCondLst>
+                                  <p:childTnLst>
+                                    <p:set>
+                                      <p:cBhvr>
+                                        <p:cTn id="11" dur="1" fill="hold">
+                                          <p:stCondLst>
+                                            <p:cond delay="0"/>
+                                          </p:stCondLst>
+                                        </p:cTn>
+                                        <p:tgtEl>
+                                          <p:spTgt spid="3">
+                                            <p:txEl>
+                                              <p:pRg st="1" end="1"/>
+                                            </p:txEl>
+                                          </p:spTgt>
+                                        </p:tgtEl>
+                                        <p:attrNameLst>
+                                          <p:attrName>style.visibility</p:attrName>
+                                        </p:attrNameLst>
+                                      </p:cBhvr>
+                                      <p:to>
+                                        <p:strVal val="visible"/>
+                                      </p:to>
+                                    </p:set>
+                                    <p:animEffect transition="in" filter="fade">
+                                      <p:cBhvr>
+                                        <p:cTn id="12" dur="500"/>
+                                        <p:tgtEl>
+                                          <p:spTgt spid="3">
+                                            <p:txEl>
+                                              <p:pRg st="1" end="1"/>
+                                            </p:txEl>
+                                          </p:spTgt>
+                                        </p:tgtEl>
+                                      </p:cBhvr>
+                                    </p:animEffect>
+                                  </p:childTnLst>
+                                </p:cTn>
+                              </p:par>
+                              <p:par>
+                                <p:cTn id="13" presetID="10" presetClass="entr" presetSubtype="0" fill="hold" grpId="0" nodeType="withEffect">
+                                  <p:stCondLst>
+                                    <p:cond delay="0"/>
+                                  </p:stCondLst>
+                                  <p:childTnLst>
+                                    <p:set>
+                                      <p:cBhvr>
+                                        <p:cTn id="14" dur="1" fill="hold">
+                                          <p:stCondLst>
+                                            <p:cond delay="0"/>
+                                          </p:stCondLst>
+                                        </p:cTn>
+                                        <p:tgtEl>
+                                          <p:spTgt spid="3">
+                                            <p:txEl>
+                                              <p:pRg st="2" end="2"/>
+                                            </p:txEl>
+                                          </p:spTgt>
+                                        </p:tgtEl>
+                                        <p:attrNameLst>
+                                          <p:attrName>style.visibility</p:attrName>
+                                        </p:attrNameLst>
+                                      </p:cBhvr>
+                                      <p:to>
+                                        <p:strVal val="visible"/>
+                                      </p:to>
+                                    </p:set>
+                                    <p:animEffect transition="in" filter="fade">
+                                      <p:cBhvr>
+                                        <p:cTn id="15" dur="500"/>
+                                        <p:tgtEl>
+                                          <p:spTgt spid="3">
+                                            <p:txEl>
+                                              <p:pRg st="2" end="2"/>
+                                            </p:txEl>
+                                          </p:spTgt>
+                                        </p:tgtEl>
+                                      </p:cBhvr>
+                                    </p:animEffect>
+                                  </p:childTnLst>
+                                </p:cTn>
+                              </p:par>
+                              <p:par>
+                                <p:cTn id="16" presetID="10" presetClass="entr" presetSubtype="0" fill="hold" grpId="0" nodeType="withEffect">
+                                  <p:stCondLst>
+                                    <p:cond delay="0"/>
+                                  </p:stCondLst>
+                                  <p:childTnLst>
+                                    <p:set>
+                                      <p:cBhvr>
+                                        <p:cTn id="17" dur="1" fill="hold">
+                                          <p:stCondLst>
+                                            <p:cond delay="0"/>
+                                          </p:stCondLst>
+                                        </p:cTn>
+                                        <p:tgtEl>
+                                          <p:spTgt spid="3">
+                                            <p:txEl>
+                                              <p:pRg st="3" end="3"/>
+                                            </p:txEl>
+                                          </p:spTgt>
+                                        </p:tgtEl>
+                                        <p:attrNameLst>
+                                          <p:attrName>style.visibility</p:attrName>
+                                        </p:attrNameLst>
+                                      </p:cBhvr>
+                                      <p:to>
+                                        <p:strVal val="visible"/>
+                                      </p:to>
+                                    </p:set>
+                                    <p:animEffect transition="in" filter="fade">
+                                      <p:cBhvr>
+                                        <p:cTn id="18" dur="500"/>
+                                        <p:tgtEl>
+                                          <p:spTgt spid="3">
+                                            <p:txEl>
+                                              <p:pRg st="3" end="3"/>
+                                            </p:txEl>
+                                          </p:spTgt>
+                                        </p:tgtEl>
+                                      </p:cBhvr>
+                                    </p:animEffect>
+                                  </p:childTnLst>
+                                </p:cTn>
+                              </p:par>
+                              <p:par>
+                                <p:cTn id="19" presetID="10" presetClass="entr" presetSubtype="0" fill="hold" grpId="0" nodeType="withEffect">
+                                  <p:stCondLst>
+                                    <p:cond delay="0"/>
+                                  </p:stCondLst>
+                                  <p:childTnLst>
+                                    <p:set>
+                                      <p:cBhvr>
+                                        <p:cTn id="20" dur="1" fill="hold">
+                                          <p:stCondLst>
+                                            <p:cond delay="0"/>
+                                          </p:stCondLst>
+                                        </p:cTn>
+                                        <p:tgtEl>
+                                          <p:spTgt spid="3">
+                                            <p:txEl>
+                                              <p:pRg st="4" end="4"/>
+                                            </p:txEl>
+                                          </p:spTgt>
+                                        </p:tgtEl>
+                                        <p:attrNameLst>
+                                          <p:attrName>style.visibility</p:attrName>
+                                        </p:attrNameLst>
+                                      </p:cBhvr>
+                                      <p:to>
+                                        <p:strVal val="visible"/>
+                                      </p:to>
+                                    </p:set>
+                                    <p:animEffect transition="in" filter="fade">
+                                      <p:cBhvr>
+                                        <p:cTn id="21" dur="500"/>
+                                        <p:tgtEl>
+                                          <p:spTgt spid="3">
+                                            <p:txEl>
+                                              <p:pRg st="4" end="4"/>
+                                            </p:txEl>
+                                          </p:spTgt>
+                                        </p:tgtEl>
+                                      </p:cBhvr>
+                                    </p:animEffect>
+                                  </p:childTnLst>
+                                </p:cTn>
+                              </p:par>
+                              <p:par>
+                                <p:cTn id="22" presetID="10" presetClass="entr" presetSubtype="0" fill="hold" grpId="0" nodeType="withEffect">
+                                  <p:stCondLst>
+                                    <p:cond delay="0"/>
+                                  </p:stCondLst>
+                                  <p:childTnLst>
+                                    <p:set>
+                                      <p:cBhvr>
+                                        <p:cTn id="23" dur="1" fill="hold">
+                                          <p:stCondLst>
+                                            <p:cond delay="0"/>
+                                          </p:stCondLst>
+                                        </p:cTn>
+                                        <p:tgtEl>
+                                          <p:spTgt spid="3">
+                                            <p:txEl>
+                                              <p:pRg st="5" end="5"/>
+                                            </p:txEl>
+                                          </p:spTgt>
+                                        </p:tgtEl>
+                                        <p:attrNameLst>
+                                          <p:attrName>style.visibility</p:attrName>
+                                        </p:attrNameLst>
+                                      </p:cBhvr>
+                                      <p:to>
+                                        <p:strVal val="visible"/>
+                                      </p:to>
+                                    </p:set>
+                                    <p:animEffect transition="in" filter="fade">
+                                      <p:cBhvr>
+                                        <p:cTn id="24" dur="500"/>
+                                        <p:tgtEl>
+                                          <p:spTgt spid="3">
+                                            <p:txEl>
+                                              <p:pRg st="5" end="5"/>
+                                            </p:txEl>
+                                          </p:spTgt>
+                                        </p:tgtEl>
+                                      </p:cBhvr>
+                                    </p:animEffect>
+                                  </p:childTnLst>
+                                </p:cTn>
+                              </p:par>
+                              <p:par>
+                                <p:cTn id="25" presetID="10" presetClass="entr" presetSubtype="0" fill="hold" grpId="0" nodeType="withEffect">
+                                  <p:stCondLst>
+                                    <p:cond delay="0"/>
+                                  </p:stCondLst>
+                                  <p:childTnLst>
+                                    <p:set>
+                                      <p:cBhvr>
+                                        <p:cTn id="26" dur="1" fill="hold">
+                                          <p:stCondLst>
+                                            <p:cond delay="0"/>
+                                          </p:stCondLst>
+                                        </p:cTn>
+                                        <p:tgtEl>
+                                          <p:spTgt spid="3">
+                                            <p:txEl>
+                                              <p:pRg st="6" end="6"/>
+                                            </p:txEl>
+                                          </p:spTgt>
+                                        </p:tgtEl>
+                                        <p:attrNameLst>
+                                          <p:attrName>style.visibility</p:attrName>
+                                        </p:attrNameLst>
+                                      </p:cBhvr>
+                                      <p:to>
+                                        <p:strVal val="visible"/>
+                                      </p:to>
+                                    </p:set>
+                                    <p:animEffect transition="in" filter="fade">
+                                      <p:cBhvr>
+                                        <p:cTn id="27" dur="500"/>
+                                        <p:tgtEl>
+                                          <p:spTgt spid="3">
+                                            <p:txEl>
+                                              <p:pRg st="6" end="6"/>
+                                            </p:txEl>
+                                          </p:spTgt>
+                                        </p:tgtEl>
+                                      </p:cBhvr>
+                                    </p:animEffect>
+                                  </p:childTnLst>
+                                </p:cTn>
+                              </p:par>
+                            </p:childTnLst>
+                          </p:cTn>
+                        </p:par>
+                      </p:childTnLst>
+                    </p:cTn>
+                  </p:par>
+                  <p:par>
+                    <p:cTn id="28" fill="hold">
+                      <p:stCondLst>
+                        <p:cond delay="indefinite"/>
+                      </p:stCondLst>
+                      <p:childTnLst>
+                        <p:par>
+                          <p:cTn id="29" fill="hold">
+                            <p:stCondLst>
+                              <p:cond delay="0"/>
+                            </p:stCondLst>
+                            <p:childTnLst>
+                              <p:par>
+                                <p:cTn id="30" presetID="10" presetClass="entr" presetSubtype="0" fill="hold" grpId="0" nodeType="clickEffect">
+                                  <p:stCondLst>
+                                    <p:cond delay="0"/>
+                                  </p:stCondLst>
+                                  <p:childTnLst>
+                                    <p:set>
+                                      <p:cBhvr>
+                                        <p:cTn id="31" dur="1" fill="hold">
+                                          <p:stCondLst>
+                                            <p:cond delay="0"/>
+                                          </p:stCondLst>
+                                        </p:cTn>
+                                        <p:tgtEl>
+                                          <p:spTgt spid="3">
+                                            <p:txEl>
+                                              <p:pRg st="7" end="7"/>
+                                            </p:txEl>
+                                          </p:spTgt>
+                                        </p:tgtEl>
+                                        <p:attrNameLst>
+                                          <p:attrName>style.visibility</p:attrName>
+                                        </p:attrNameLst>
+                                      </p:cBhvr>
+                                      <p:to>
+                                        <p:strVal val="visible"/>
+                                      </p:to>
+                                    </p:set>
+                                    <p:animEffect transition="in" filter="fade">
+                                      <p:cBhvr>
+                                        <p:cTn id="32" dur="500"/>
+                                        <p:tgtEl>
+                                          <p:spTgt spid="3">
+                                            <p:txEl>
+                                              <p:pRg st="7" end="7"/>
+                                            </p:txEl>
+                                          </p:spTgt>
+                                        </p:tgtEl>
+                                      </p:cBhvr>
+                                    </p:animEffect>
+                                  </p:childTnLst>
+                                </p:cTn>
+                              </p:par>
+                              <p:par>
+                                <p:cTn id="33" presetID="10" presetClass="entr" presetSubtype="0" fill="hold" grpId="0" nodeType="withEffect">
+                                  <p:stCondLst>
+                                    <p:cond delay="0"/>
+                                  </p:stCondLst>
+                                  <p:childTnLst>
+                                    <p:set>
+                                      <p:cBhvr>
+                                        <p:cTn id="34" dur="1" fill="hold">
+                                          <p:stCondLst>
+                                            <p:cond delay="0"/>
+                                          </p:stCondLst>
+                                        </p:cTn>
+                                        <p:tgtEl>
+                                          <p:spTgt spid="3">
+                                            <p:txEl>
+                                              <p:pRg st="8" end="8"/>
+                                            </p:txEl>
+                                          </p:spTgt>
+                                        </p:tgtEl>
+                                        <p:attrNameLst>
+                                          <p:attrName>style.visibility</p:attrName>
+                                        </p:attrNameLst>
+                                      </p:cBhvr>
+                                      <p:to>
+                                        <p:strVal val="visible"/>
+                                      </p:to>
+                                    </p:set>
+                                    <p:animEffect transition="in" filter="fade">
+                                      <p:cBhvr>
+                                        <p:cTn id="35" dur="500"/>
+                                        <p:tgtEl>
+                                          <p:spTgt spid="3">
+                                            <p:txEl>
+                                              <p:pRg st="8" end="8"/>
+                                            </p:txEl>
+                                          </p:spTgt>
+                                        </p:tgtEl>
+                                      </p:cBhvr>
+                                    </p:animEffect>
+                                  </p:childTnLst>
+                                </p:cTn>
+                              </p:par>
+                              <p:par>
+                                <p:cTn id="36" presetID="10" presetClass="entr" presetSubtype="0" fill="hold" grpId="0" nodeType="withEffect">
+                                  <p:stCondLst>
+                                    <p:cond delay="0"/>
+                                  </p:stCondLst>
+                                  <p:childTnLst>
+                                    <p:set>
+                                      <p:cBhvr>
+                                        <p:cTn id="37" dur="1" fill="hold">
+                                          <p:stCondLst>
+                                            <p:cond delay="0"/>
+                                          </p:stCondLst>
+                                        </p:cTn>
+                                        <p:tgtEl>
+                                          <p:spTgt spid="3">
+                                            <p:txEl>
+                                              <p:pRg st="9" end="9"/>
+                                            </p:txEl>
+                                          </p:spTgt>
+                                        </p:tgtEl>
+                                        <p:attrNameLst>
+                                          <p:attrName>style.visibility</p:attrName>
+                                        </p:attrNameLst>
+                                      </p:cBhvr>
+                                      <p:to>
+                                        <p:strVal val="visible"/>
+                                      </p:to>
+                                    </p:set>
+                                    <p:animEffect transition="in" filter="fade">
+                                      <p:cBhvr>
+                                        <p:cTn id="38" dur="500"/>
+                                        <p:tgtEl>
+                                          <p:spTgt spid="3">
+                                            <p:txEl>
+                                              <p:pRg st="9" end="9"/>
+                                            </p:txEl>
+                                          </p:spTgt>
+                                        </p:tgtEl>
+                                      </p:cBhvr>
+                                    </p:animEffect>
+                                  </p:childTnLst>
+                                </p:cTn>
+                              </p:par>
+                            </p:childTnLst>
+                          </p:cTn>
+                        </p:par>
+                      </p:childTnLst>
+                    </p:cTn>
+                  </p:par>
+                  <p:par>
+                    <p:cTn id="39" fill="hold">
+                      <p:stCondLst>
+                        <p:cond delay="indefinite"/>
+                      </p:stCondLst>
+                      <p:childTnLst>
+                        <p:par>
+                          <p:cTn id="40" fill="hold">
+                            <p:stCondLst>
+                              <p:cond delay="0"/>
+                            </p:stCondLst>
+                            <p:childTnLst>
+                              <p:par>
+                                <p:cTn id="41" presetID="10" presetClass="entr" presetSubtype="0" fill="hold" grpId="0" nodeType="clickEffect">
+                                  <p:stCondLst>
+                                    <p:cond delay="0"/>
+                                  </p:stCondLst>
+                                  <p:childTnLst>
+                                    <p:set>
+                                      <p:cBhvr>
+                                        <p:cTn id="42" dur="1" fill="hold">
+                                          <p:stCondLst>
+                                            <p:cond delay="0"/>
+                                          </p:stCondLst>
+                                        </p:cTn>
+                                        <p:tgtEl>
+                                          <p:spTgt spid="3">
+                                            <p:txEl>
+                                              <p:pRg st="10" end="10"/>
+                                            </p:txEl>
+                                          </p:spTgt>
+                                        </p:tgtEl>
+                                        <p:attrNameLst>
+                                          <p:attrName>style.visibility</p:attrName>
+                                        </p:attrNameLst>
+                                      </p:cBhvr>
+                                      <p:to>
+                                        <p:strVal val="visible"/>
+                                      </p:to>
+                                    </p:set>
+                                    <p:animEffect transition="in" filter="fade">
+                                      <p:cBhvr>
+                                        <p:cTn id="43" dur="500"/>
+                                        <p:tgtEl>
+                                          <p:spTgt spid="3">
+                                            <p:txEl>
+                                              <p:pRg st="10" end="10"/>
+                                            </p:txEl>
+                                          </p:spTgt>
+                                        </p:tgtEl>
+                                      </p:cBhvr>
+                                    </p:animEffect>
+                                  </p:childTnLst>
+                                </p:cTn>
+                              </p:par>
+                              <p:par>
+                                <p:cTn id="44" presetID="10" presetClass="entr" presetSubtype="0" fill="hold" grpId="0" nodeType="withEffect">
+                                  <p:stCondLst>
+                                    <p:cond delay="0"/>
+                                  </p:stCondLst>
+                                  <p:childTnLst>
+                                    <p:set>
+                                      <p:cBhvr>
+                                        <p:cTn id="45" dur="1" fill="hold">
+                                          <p:stCondLst>
+                                            <p:cond delay="0"/>
+                                          </p:stCondLst>
+                                        </p:cTn>
+                                        <p:tgtEl>
+                                          <p:spTgt spid="3">
+                                            <p:txEl>
+                                              <p:pRg st="11" end="11"/>
+                                            </p:txEl>
+                                          </p:spTgt>
+                                        </p:tgtEl>
+                                        <p:attrNameLst>
+                                          <p:attrName>style.visibility</p:attrName>
+                                        </p:attrNameLst>
+                                      </p:cBhvr>
+                                      <p:to>
+                                        <p:strVal val="visible"/>
+                                      </p:to>
+                                    </p:set>
+                                    <p:animEffect transition="in" filter="fade">
+                                      <p:cBhvr>
+                                        <p:cTn id="46" dur="500"/>
+                                        <p:tgtEl>
+                                          <p:spTgt spid="3">
+                                            <p:txEl>
+                                              <p:pRg st="11" end="11"/>
+                                            </p:txEl>
+                                          </p:spTgt>
+                                        </p:tgtEl>
+                                      </p:cBhvr>
+                                    </p:animEffect>
+                                  </p:childTnLst>
+                                </p:cTn>
+                              </p:par>
+                              <p:par>
+                                <p:cTn id="47" presetID="10" presetClass="entr" presetSubtype="0" fill="hold" grpId="0" nodeType="withEffect">
+                                  <p:stCondLst>
+                                    <p:cond delay="0"/>
+                                  </p:stCondLst>
+                                  <p:childTnLst>
+                                    <p:set>
+                                      <p:cBhvr>
+                                        <p:cTn id="48" dur="1" fill="hold">
+                                          <p:stCondLst>
+                                            <p:cond delay="0"/>
+                                          </p:stCondLst>
+                                        </p:cTn>
+                                        <p:tgtEl>
+                                          <p:spTgt spid="3">
+                                            <p:txEl>
+                                              <p:pRg st="12" end="12"/>
+                                            </p:txEl>
+                                          </p:spTgt>
+                                        </p:tgtEl>
+                                        <p:attrNameLst>
+                                          <p:attrName>style.visibility</p:attrName>
+                                        </p:attrNameLst>
+                                      </p:cBhvr>
+                                      <p:to>
+                                        <p:strVal val="visible"/>
+                                      </p:to>
+                                    </p:set>
+                                    <p:animEffect transition="in" filter="fade">
+                                      <p:cBhvr>
+                                        <p:cTn id="49" dur="500"/>
+                                        <p:tgtEl>
+                                          <p:spTgt spid="3">
+                                            <p:txEl>
+                                              <p:pRg st="12" end="12"/>
+                                            </p:txEl>
+                                          </p:spTgt>
+                                        </p:tgtEl>
+                                      </p:cBhvr>
+                                    </p:animEffect>
+                                  </p:childTnLst>
+                                </p:cTn>
+                              </p:par>
+                            </p:childTnLst>
+                          </p:cTn>
+                        </p:par>
+                      </p:childTnLst>
+                    </p:cTn>
+                  </p:par>
+                  <p:par>
+                    <p:cTn id="50" fill="hold">
+                      <p:stCondLst>
+                        <p:cond delay="indefinite"/>
+                      </p:stCondLst>
+                      <p:childTnLst>
+                        <p:par>
+                          <p:cTn id="51" fill="hold">
+                            <p:stCondLst>
+                              <p:cond delay="0"/>
+                            </p:stCondLst>
+                            <p:childTnLst>
+                              <p:par>
+                                <p:cTn id="52" presetID="10" presetClass="entr" presetSubtype="0" fill="hold" grpId="0" nodeType="clickEffect">
+                                  <p:stCondLst>
+                                    <p:cond delay="0"/>
+                                  </p:stCondLst>
+                                  <p:childTnLst>
+                                    <p:set>
+                                      <p:cBhvr>
+                                        <p:cTn id="53" dur="1" fill="hold">
+                                          <p:stCondLst>
+                                            <p:cond delay="0"/>
+                                          </p:stCondLst>
+                                        </p:cTn>
+                                        <p:tgtEl>
+                                          <p:spTgt spid="3">
+                                            <p:txEl>
+                                              <p:pRg st="13" end="13"/>
+                                            </p:txEl>
+                                          </p:spTgt>
+                                        </p:tgtEl>
+                                        <p:attrNameLst>
+                                          <p:attrName>style.visibility</p:attrName>
+                                        </p:attrNameLst>
+                                      </p:cBhvr>
+                                      <p:to>
+                                        <p:strVal val="visible"/>
+                                      </p:to>
+                                    </p:set>
+                                    <p:animEffect transition="in" filter="fade">
+                                      <p:cBhvr>
+                                        <p:cTn id="54" dur="500"/>
+                                        <p:tgtEl>
+                                          <p:spTgt spid="3">
+                                            <p:txEl>
+                                              <p:pRg st="13" end="13"/>
+                                            </p:txEl>
+                                          </p:spTgt>
+                                        </p:tgtEl>
+                                      </p:cBhvr>
+                                    </p:animEffect>
+                                  </p:childTnLst>
+                                </p:cTn>
+                              </p:par>
+                            </p:childTnLst>
+                          </p:cTn>
+                        </p:par>
+                      </p:childTnLst>
+                    </p:cTn>
+                  </p:par>
+                </p:childTnLst>
+              </p:cTn>
+              <p:prevCondLst>
+                <p:cond evt="onPrev" delay="0">
+                  <p:tgtEl>
+                    <p:sldTgt/>
+                  </p:tgtEl>
+                </p:cond>
+              </p:prevCondLst>
+              <p:nextCondLst>
+                <p:cond evt="onNext" delay="0">
+                  <p:tgtEl>
+                    <p:sldTgt/>
+                  </p:tgtEl>
+                </p:cond>
+              </p:nextCondLst>
+            </p:seq>
+          </p:childTnLst>
+        </p:cTn>
+      </p:par>
+    </p:tnLst>
+    <p:bldLst>
+      <p:bldP spid="3" grpId="0" uiExpand="1" build="p"/>
+    </p:bldLst>
+  </p:timing>
+</p:sld>
+</file>
+
+<file path=ppt/slides/slide24.xml><?xml version="1.0" encoding="utf-8"?>
+<p:sld xmlns:a="http://schemas.openxmlformats.org/drawingml/2006/main" xmlns:r="http://schemas.openxmlformats.org/officeDocument/2006/relationships" xmlns:p="http://schemas.openxmlformats.org/presentationml/2006/main">
+  <p:cSld>
+    <p:spTree>
+      <p:nvGrpSpPr>
+        <p:cNvPr id="1" name=""/>
+        <p:cNvGrpSpPr/>
+        <p:nvPr/>
+      </p:nvGrpSpPr>
+      <p:grpSpPr>
+        <a:xfrm>
+          <a:off x="0" y="0"/>
+          <a:ext cx="0" cy="0"/>
+          <a:chOff x="0" y="0"/>
+          <a:chExt cx="0" cy="0"/>
+        </a:xfrm>
+      </p:grpSpPr>
+      <p:sp>
+        <p:nvSpPr>
+          <p:cNvPr id="2" name="Title 1">
+            <a:extLst>
+              <a:ext uri="{FF2B5EF4-FFF2-40B4-BE49-F238E27FC236}">
+                <a16:creationId xmlns:a16="http://schemas.microsoft.com/office/drawing/2014/main" id="{1787459C-176C-76C2-33B6-1646CEC3E53E}"/>
+              </a:ext>
+            </a:extLst>
+          </p:cNvPr>
+          <p:cNvSpPr>
+            <a:spLocks noGrp="1"/>
+          </p:cNvSpPr>
+          <p:nvPr>
+            <p:ph type="title"/>
+          </p:nvPr>
+        </p:nvSpPr>
+        <p:spPr/>
+        <p:txBody>
+          <a:bodyPr/>
+          <a:lstStyle/>
+          <a:p>
+            <a:r>
+              <a:rPr lang="en-US" dirty="0">
+                <a:solidFill>
+                  <a:schemeClr val="accent5">
+                    <a:lumMod val="75000"/>
+                  </a:schemeClr>
+                </a:solidFill>
+              </a:rPr>
+              <a:t>Exercise 3 – Data Binding</a:t>
+            </a:r>
+          </a:p>
+        </p:txBody>
+      </p:sp>
+      <p:sp>
+        <p:nvSpPr>
+          <p:cNvPr id="3" name="Content Placeholder 2">
+            <a:extLst>
+              <a:ext uri="{FF2B5EF4-FFF2-40B4-BE49-F238E27FC236}">
+                <a16:creationId xmlns:a16="http://schemas.microsoft.com/office/drawing/2014/main" id="{AFD2AEB0-6C0D-34BF-F901-4E651A6E9AE6}"/>
+              </a:ext>
+            </a:extLst>
+          </p:cNvPr>
+          <p:cNvSpPr>
+            <a:spLocks noGrp="1"/>
+          </p:cNvSpPr>
+          <p:nvPr>
+            <p:ph idx="1"/>
+          </p:nvPr>
+        </p:nvSpPr>
+        <p:spPr/>
+        <p:txBody>
+          <a:bodyPr/>
+          <a:lstStyle/>
+          <a:p>
+            <a:r>
+              <a:rPr lang="en-US" dirty="0"/>
+              <a:t>What You’ll Learn</a:t>
+            </a:r>
+          </a:p>
+          <a:p>
+            <a:pPr lvl="1"/>
+            <a:r>
+              <a:rPr lang="en-US" dirty="0"/>
+              <a:t>How to use data binding to tie UI controls to properties in a ViewModel</a:t>
+            </a:r>
+          </a:p>
+          <a:p>
+            <a:r>
+              <a:rPr lang="en-US" dirty="0"/>
+              <a:t>Exercise</a:t>
+            </a:r>
+          </a:p>
+          <a:p>
+            <a:pPr lvl="1"/>
+            <a:r>
+              <a:rPr lang="en-US" dirty="0"/>
+              <a:t>Start from existing project: Exercise_3_DataBinding</a:t>
+            </a:r>
+          </a:p>
+          <a:p>
+            <a:pPr lvl="1"/>
+            <a:r>
+              <a:rPr lang="en-US" dirty="0"/>
+              <a:t>Create a ViewModel</a:t>
+            </a:r>
+          </a:p>
+          <a:p>
+            <a:pPr lvl="1"/>
+            <a:r>
+              <a:rPr lang="en-US" dirty="0"/>
+              <a:t>Set DataContext of main window</a:t>
+            </a:r>
+          </a:p>
+          <a:p>
+            <a:pPr lvl="1"/>
+            <a:r>
+              <a:rPr lang="en-US" dirty="0"/>
+              <a:t>Create controls in a grid</a:t>
+            </a:r>
+          </a:p>
+          <a:p>
+            <a:pPr lvl="1"/>
+            <a:r>
+              <a:rPr lang="en-US" dirty="0"/>
+              <a:t>Add other data bound labels</a:t>
+            </a:r>
+          </a:p>
+          <a:p>
+            <a:pPr lvl="1"/>
+            <a:r>
+              <a:rPr lang="en-US" dirty="0"/>
+              <a:t>Extra credit</a:t>
+            </a:r>
+          </a:p>
+        </p:txBody>
+      </p:sp>
+    </p:spTree>
+    <p:extLst>
+      <p:ext uri="{BB962C8B-B14F-4D97-AF65-F5344CB8AC3E}">
+        <p14:creationId xmlns:p14="http://schemas.microsoft.com/office/powerpoint/2010/main" val="3064677728"/>
+      </p:ext>
+    </p:extLst>
+  </p:cSld>
+  <p:clrMapOvr>
+    <a:masterClrMapping/>
+  </p:clrMapOvr>
+</p:sld>
+</file>
+
+<file path=ppt/slides/slide25.xml><?xml version="1.0" encoding="utf-8"?>
+<p:sld xmlns:a="http://schemas.openxmlformats.org/drawingml/2006/main" xmlns:r="http://schemas.openxmlformats.org/officeDocument/2006/relationships" xmlns:p="http://schemas.openxmlformats.org/presentationml/2006/main">
+  <p:cSld>
+    <p:spTree>
+      <p:nvGrpSpPr>
+        <p:cNvPr id="1" name=""/>
+        <p:cNvGrpSpPr/>
+        <p:nvPr/>
+      </p:nvGrpSpPr>
+      <p:grpSpPr>
+        <a:xfrm>
+          <a:off x="0" y="0"/>
+          <a:ext cx="0" cy="0"/>
+          <a:chOff x="0" y="0"/>
+          <a:chExt cx="0" cy="0"/>
+        </a:xfrm>
+      </p:grpSpPr>
+      <p:sp>
+        <p:nvSpPr>
+          <p:cNvPr id="2" name="Title 1">
+            <a:extLst>
+              <a:ext uri="{FF2B5EF4-FFF2-40B4-BE49-F238E27FC236}">
+                <a16:creationId xmlns:a16="http://schemas.microsoft.com/office/drawing/2014/main" id="{90239403-4197-DF61-EE82-19A20857DB51}"/>
+              </a:ext>
+            </a:extLst>
+          </p:cNvPr>
+          <p:cNvSpPr>
+            <a:spLocks noGrp="1"/>
+          </p:cNvSpPr>
+          <p:nvPr>
+            <p:ph type="title"/>
+          </p:nvPr>
+        </p:nvSpPr>
+        <p:spPr/>
+        <p:txBody>
+          <a:bodyPr/>
+          <a:lstStyle/>
+          <a:p>
+            <a:r>
+              <a:rPr lang="en-US" dirty="0"/>
+              <a:t>Unit 4 – Binding to List</a:t>
+            </a:r>
+          </a:p>
+        </p:txBody>
+      </p:sp>
+      <p:sp>
+        <p:nvSpPr>
+          <p:cNvPr id="3" name="Content Placeholder 2">
+            <a:extLst>
+              <a:ext uri="{FF2B5EF4-FFF2-40B4-BE49-F238E27FC236}">
+                <a16:creationId xmlns:a16="http://schemas.microsoft.com/office/drawing/2014/main" id="{06E7978C-9A6C-2703-A853-ACBDB1949FCF}"/>
+              </a:ext>
+            </a:extLst>
+          </p:cNvPr>
+          <p:cNvSpPr>
+            <a:spLocks noGrp="1"/>
+          </p:cNvSpPr>
+          <p:nvPr>
+            <p:ph idx="1"/>
+          </p:nvPr>
+        </p:nvSpPr>
+        <p:spPr/>
+        <p:txBody>
+          <a:bodyPr>
+            <a:normAutofit fontScale="70000" lnSpcReduction="20000"/>
+          </a:bodyPr>
+          <a:lstStyle/>
+          <a:p>
+            <a:r>
+              <a:rPr lang="en-US" dirty="0"/>
+              <a:t>What can you bind to?</a:t>
+            </a:r>
+          </a:p>
+          <a:p>
+            <a:pPr lvl="1"/>
+            <a:r>
+              <a:rPr lang="en-US" dirty="0"/>
+              <a:t>Almost any property on any XAML element  </a:t>
+            </a:r>
+            <a:r>
+              <a:rPr lang="en-US" i="1" dirty="0"/>
+              <a:t>(dependency properties)</a:t>
+            </a:r>
+          </a:p>
+          <a:p>
+            <a:pPr lvl="1"/>
+            <a:r>
+              <a:rPr lang="en-US" dirty="0"/>
+              <a:t>Data binding used </a:t>
+            </a:r>
+            <a:r>
+              <a:rPr lang="en-US" b="1" i="1" dirty="0"/>
+              <a:t>everywhere</a:t>
+            </a:r>
+            <a:endParaRPr lang="en-US" dirty="0"/>
+          </a:p>
+          <a:p>
+            <a:r>
+              <a:rPr lang="en-US" dirty="0"/>
+              <a:t>Most commonly bind to data oriented properties</a:t>
+            </a:r>
+          </a:p>
+          <a:p>
+            <a:pPr lvl="1"/>
+            <a:r>
+              <a:rPr lang="en-US" dirty="0"/>
+              <a:t>Displaying data to user, e.g. lists of choices</a:t>
+            </a:r>
+          </a:p>
+          <a:p>
+            <a:pPr lvl="1"/>
+            <a:r>
+              <a:rPr lang="en-US" dirty="0"/>
+              <a:t>Retrieving data entered by user</a:t>
+            </a:r>
+          </a:p>
+          <a:p>
+            <a:r>
+              <a:rPr lang="en-US" dirty="0"/>
+              <a:t>Other common binding scenarios</a:t>
+            </a:r>
+          </a:p>
+          <a:p>
+            <a:pPr lvl="1"/>
+            <a:r>
+              <a:rPr lang="en-US" dirty="0"/>
+              <a:t>Bind Visibility property based on </a:t>
+            </a:r>
+            <a:r>
+              <a:rPr lang="en-US" dirty="0" err="1"/>
+              <a:t>boolean</a:t>
+            </a:r>
+            <a:r>
+              <a:rPr lang="en-US" dirty="0"/>
+              <a:t> property (e.g. </a:t>
+            </a:r>
+            <a:r>
+              <a:rPr lang="en-US" dirty="0" err="1"/>
+              <a:t>ShowScope</a:t>
+            </a:r>
+            <a:r>
+              <a:rPr lang="en-US" dirty="0"/>
+              <a:t>)</a:t>
+            </a:r>
+          </a:p>
+          <a:p>
+            <a:pPr lvl="1"/>
+            <a:r>
+              <a:rPr lang="en-US" dirty="0"/>
+              <a:t>Bind </a:t>
+            </a:r>
+            <a:r>
+              <a:rPr lang="en-US" dirty="0" err="1"/>
+              <a:t>IsEnabled</a:t>
+            </a:r>
+            <a:r>
+              <a:rPr lang="en-US" dirty="0"/>
+              <a:t> property based on state, enabling/disabling controls</a:t>
+            </a:r>
+          </a:p>
+          <a:p>
+            <a:pPr lvl="1"/>
+            <a:r>
+              <a:rPr lang="en-US" dirty="0"/>
+              <a:t>Binding static labels to localized strings</a:t>
+            </a:r>
+          </a:p>
+          <a:p>
+            <a:pPr lvl="1"/>
+            <a:r>
+              <a:rPr lang="en-US" dirty="0"/>
+              <a:t>Binding to list of selectable items in a dropdown list, </a:t>
+            </a:r>
+            <a:r>
+              <a:rPr lang="en-US" dirty="0" err="1"/>
+              <a:t>listbox</a:t>
+            </a:r>
+            <a:r>
+              <a:rPr lang="en-US" dirty="0"/>
+              <a:t>, or grid</a:t>
+            </a:r>
+          </a:p>
+          <a:p>
+            <a:pPr lvl="1"/>
+            <a:r>
+              <a:rPr lang="en-US" dirty="0"/>
+              <a:t>Binding selected items--e.g. in list, selected tab, </a:t>
+            </a:r>
+            <a:r>
+              <a:rPr lang="en-US" dirty="0" err="1"/>
+              <a:t>etc</a:t>
+            </a:r>
+            <a:endParaRPr lang="en-US" dirty="0"/>
+          </a:p>
+          <a:p>
+            <a:pPr lvl="1"/>
+            <a:r>
+              <a:rPr lang="en-US" dirty="0"/>
+              <a:t>Binding layout properties, e.g. margins, padding, sizes</a:t>
+            </a:r>
+          </a:p>
+          <a:p>
+            <a:pPr lvl="1"/>
+            <a:r>
+              <a:rPr lang="en-US" dirty="0"/>
+              <a:t>Binding DataContext of child items (to child object in ViewModel)</a:t>
+            </a:r>
+          </a:p>
+        </p:txBody>
+      </p:sp>
+    </p:spTree>
+    <p:extLst>
+      <p:ext uri="{BB962C8B-B14F-4D97-AF65-F5344CB8AC3E}">
+        <p14:creationId xmlns:p14="http://schemas.microsoft.com/office/powerpoint/2010/main" val="3977926142"/>
+      </p:ext>
+    </p:extLst>
+  </p:cSld>
+  <p:clrMapOvr>
+    <a:masterClrMapping/>
+  </p:clrMapOvr>
+  <p:timing>
+    <p:tnLst>
+      <p:par>
+        <p:cTn id="1" dur="indefinite" restart="never" nodeType="tmRoot">
+          <p:childTnLst>
+            <p:seq concurrent="1" nextAc="seek">
+              <p:cTn id="2" dur="indefinite" nodeType="mainSeq">
+                <p:childTnLst>
+                  <p:par>
+                    <p:cTn id="3" fill="hold">
+                      <p:stCondLst>
+                        <p:cond delay="indefinite"/>
+                      </p:stCondLst>
+                      <p:childTnLst>
+                        <p:par>
+                          <p:cTn id="4" fill="hold">
+                            <p:stCondLst>
+                              <p:cond delay="0"/>
+                            </p:stCondLst>
+                            <p:childTnLst>
+                              <p:par>
+                                <p:cTn id="5" presetID="10" presetClass="entr" presetSubtype="0" fill="hold" grpId="0" nodeType="clickEffect">
+                                  <p:stCondLst>
+                                    <p:cond delay="0"/>
+                                  </p:stCondLst>
+                                  <p:childTnLst>
+                                    <p:set>
+                                      <p:cBhvr>
+                                        <p:cTn id="6" dur="1" fill="hold">
+                                          <p:stCondLst>
+                                            <p:cond delay="0"/>
+                                          </p:stCondLst>
+                                        </p:cTn>
+                                        <p:tgtEl>
+                                          <p:spTgt spid="3">
+                                            <p:txEl>
+                                              <p:pRg st="0" end="0"/>
+                                            </p:txEl>
+                                          </p:spTgt>
+                                        </p:tgtEl>
+                                        <p:attrNameLst>
+                                          <p:attrName>style.visibility</p:attrName>
+                                        </p:attrNameLst>
+                                      </p:cBhvr>
+                                      <p:to>
+                                        <p:strVal val="visible"/>
+                                      </p:to>
+                                    </p:set>
+                                    <p:animEffect transition="in" filter="fade">
+                                      <p:cBhvr>
+                                        <p:cTn id="7" dur="500"/>
+                                        <p:tgtEl>
+                                          <p:spTgt spid="3">
+                                            <p:txEl>
+                                              <p:pRg st="0" end="0"/>
+                                            </p:txEl>
+                                          </p:spTgt>
+                                        </p:tgtEl>
+                                      </p:cBhvr>
+                                    </p:animEffect>
+                                  </p:childTnLst>
+                                </p:cTn>
+                              </p:par>
+                              <p:par>
+                                <p:cTn id="8" presetID="10" presetClass="entr" presetSubtype="0" fill="hold" grpId="0" nodeType="withEffect">
+                                  <p:stCondLst>
+                                    <p:cond delay="0"/>
+                                  </p:stCondLst>
+                                  <p:childTnLst>
+                                    <p:set>
+                                      <p:cBhvr>
+                                        <p:cTn id="9" dur="1" fill="hold">
+                                          <p:stCondLst>
+                                            <p:cond delay="0"/>
+                                          </p:stCondLst>
+                                        </p:cTn>
+                                        <p:tgtEl>
+                                          <p:spTgt spid="3">
+                                            <p:txEl>
+                                              <p:pRg st="1" end="1"/>
+                                            </p:txEl>
+                                          </p:spTgt>
+                                        </p:tgtEl>
+                                        <p:attrNameLst>
+                                          <p:attrName>style.visibility</p:attrName>
+                                        </p:attrNameLst>
+                                      </p:cBhvr>
+                                      <p:to>
+                                        <p:strVal val="visible"/>
+                                      </p:to>
+                                    </p:set>
+                                    <p:animEffect transition="in" filter="fade">
+                                      <p:cBhvr>
+                                        <p:cTn id="10" dur="500"/>
+                                        <p:tgtEl>
+                                          <p:spTgt spid="3">
+                                            <p:txEl>
+                                              <p:pRg st="1" end="1"/>
+                                            </p:txEl>
+                                          </p:spTgt>
+                                        </p:tgtEl>
+                                      </p:cBhvr>
+                                    </p:animEffect>
+                                  </p:childTnLst>
+                                </p:cTn>
+                              </p:par>
+                              <p:par>
+                                <p:cTn id="11" presetID="10" presetClass="entr" presetSubtype="0" fill="hold" grpId="0" nodeType="withEffect">
+                                  <p:stCondLst>
+                                    <p:cond delay="0"/>
+                                  </p:stCondLst>
+                                  <p:childTnLst>
+                                    <p:set>
+                                      <p:cBhvr>
+                                        <p:cTn id="12" dur="1" fill="hold">
+                                          <p:stCondLst>
+                                            <p:cond delay="0"/>
+                                          </p:stCondLst>
+                                        </p:cTn>
+                                        <p:tgtEl>
+                                          <p:spTgt spid="3">
+                                            <p:txEl>
+                                              <p:pRg st="2" end="2"/>
+                                            </p:txEl>
+                                          </p:spTgt>
+                                        </p:tgtEl>
+                                        <p:attrNameLst>
+                                          <p:attrName>style.visibility</p:attrName>
+                                        </p:attrNameLst>
+                                      </p:cBhvr>
+                                      <p:to>
+                                        <p:strVal val="visible"/>
+                                      </p:to>
+                                    </p:set>
+                                    <p:animEffect transition="in" filter="fade">
+                                      <p:cBhvr>
+                                        <p:cTn id="13" dur="500"/>
+                                        <p:tgtEl>
+                                          <p:spTgt spid="3">
+                                            <p:txEl>
+                                              <p:pRg st="2" end="2"/>
+                                            </p:txEl>
+                                          </p:spTgt>
+                                        </p:tgtEl>
+                                      </p:cBhvr>
+                                    </p:animEffect>
+                                  </p:childTnLst>
+                                </p:cTn>
+                              </p:par>
+                            </p:childTnLst>
+                          </p:cTn>
+                        </p:par>
+                      </p:childTnLst>
+                    </p:cTn>
+                  </p:par>
+                  <p:par>
+                    <p:cTn id="14" fill="hold">
+                      <p:stCondLst>
+                        <p:cond delay="indefinite"/>
+                      </p:stCondLst>
+                      <p:childTnLst>
+                        <p:par>
+                          <p:cTn id="15" fill="hold">
+                            <p:stCondLst>
+                              <p:cond delay="0"/>
+                            </p:stCondLst>
+                            <p:childTnLst>
+                              <p:par>
+                                <p:cTn id="16" presetID="10" presetClass="entr" presetSubtype="0" fill="hold" grpId="0" nodeType="clickEffect">
+                                  <p:stCondLst>
+                                    <p:cond delay="0"/>
+                                  </p:stCondLst>
+                                  <p:childTnLst>
+                                    <p:set>
+                                      <p:cBhvr>
+                                        <p:cTn id="17" dur="1" fill="hold">
+                                          <p:stCondLst>
+                                            <p:cond delay="0"/>
+                                          </p:stCondLst>
+                                        </p:cTn>
+                                        <p:tgtEl>
+                                          <p:spTgt spid="3">
+                                            <p:txEl>
+                                              <p:pRg st="3" end="3"/>
+                                            </p:txEl>
+                                          </p:spTgt>
+                                        </p:tgtEl>
+                                        <p:attrNameLst>
+                                          <p:attrName>style.visibility</p:attrName>
+                                        </p:attrNameLst>
+                                      </p:cBhvr>
+                                      <p:to>
+                                        <p:strVal val="visible"/>
+                                      </p:to>
+                                    </p:set>
+                                    <p:animEffect transition="in" filter="fade">
+                                      <p:cBhvr>
+                                        <p:cTn id="18" dur="500"/>
+                                        <p:tgtEl>
+                                          <p:spTgt spid="3">
+                                            <p:txEl>
+                                              <p:pRg st="3" end="3"/>
+                                            </p:txEl>
+                                          </p:spTgt>
+                                        </p:tgtEl>
+                                      </p:cBhvr>
+                                    </p:animEffect>
+                                  </p:childTnLst>
+                                </p:cTn>
+                              </p:par>
+                              <p:par>
+                                <p:cTn id="19" presetID="10" presetClass="entr" presetSubtype="0" fill="hold" grpId="0" nodeType="withEffect">
+                                  <p:stCondLst>
+                                    <p:cond delay="0"/>
+                                  </p:stCondLst>
+                                  <p:childTnLst>
+                                    <p:set>
+                                      <p:cBhvr>
+                                        <p:cTn id="20" dur="1" fill="hold">
+                                          <p:stCondLst>
+                                            <p:cond delay="0"/>
+                                          </p:stCondLst>
+                                        </p:cTn>
+                                        <p:tgtEl>
+                                          <p:spTgt spid="3">
+                                            <p:txEl>
+                                              <p:pRg st="4" end="4"/>
+                                            </p:txEl>
+                                          </p:spTgt>
+                                        </p:tgtEl>
+                                        <p:attrNameLst>
+                                          <p:attrName>style.visibility</p:attrName>
+                                        </p:attrNameLst>
+                                      </p:cBhvr>
+                                      <p:to>
+                                        <p:strVal val="visible"/>
+                                      </p:to>
+                                    </p:set>
+                                    <p:animEffect transition="in" filter="fade">
+                                      <p:cBhvr>
+                                        <p:cTn id="21" dur="500"/>
+                                        <p:tgtEl>
+                                          <p:spTgt spid="3">
+                                            <p:txEl>
+                                              <p:pRg st="4" end="4"/>
+                                            </p:txEl>
+                                          </p:spTgt>
+                                        </p:tgtEl>
+                                      </p:cBhvr>
+                                    </p:animEffect>
+                                  </p:childTnLst>
+                                </p:cTn>
+                              </p:par>
+                              <p:par>
+                                <p:cTn id="22" presetID="10" presetClass="entr" presetSubtype="0" fill="hold" grpId="0" nodeType="withEffect">
+                                  <p:stCondLst>
+                                    <p:cond delay="0"/>
+                                  </p:stCondLst>
+                                  <p:childTnLst>
+                                    <p:set>
+                                      <p:cBhvr>
+                                        <p:cTn id="23" dur="1" fill="hold">
+                                          <p:stCondLst>
+                                            <p:cond delay="0"/>
+                                          </p:stCondLst>
+                                        </p:cTn>
+                                        <p:tgtEl>
+                                          <p:spTgt spid="3">
+                                            <p:txEl>
+                                              <p:pRg st="5" end="5"/>
+                                            </p:txEl>
+                                          </p:spTgt>
+                                        </p:tgtEl>
+                                        <p:attrNameLst>
+                                          <p:attrName>style.visibility</p:attrName>
+                                        </p:attrNameLst>
+                                      </p:cBhvr>
+                                      <p:to>
+                                        <p:strVal val="visible"/>
+                                      </p:to>
+                                    </p:set>
+                                    <p:animEffect transition="in" filter="fade">
+                                      <p:cBhvr>
+                                        <p:cTn id="24" dur="500"/>
+                                        <p:tgtEl>
+                                          <p:spTgt spid="3">
+                                            <p:txEl>
+                                              <p:pRg st="5" end="5"/>
+                                            </p:txEl>
+                                          </p:spTgt>
+                                        </p:tgtEl>
+                                      </p:cBhvr>
+                                    </p:animEffect>
+                                  </p:childTnLst>
+                                </p:cTn>
+                              </p:par>
+                            </p:childTnLst>
+                          </p:cTn>
+                        </p:par>
+                      </p:childTnLst>
+                    </p:cTn>
+                  </p:par>
+                  <p:par>
+                    <p:cTn id="25" fill="hold">
+                      <p:stCondLst>
+                        <p:cond delay="indefinite"/>
+                      </p:stCondLst>
+                      <p:childTnLst>
+                        <p:par>
+                          <p:cTn id="26" fill="hold">
+                            <p:stCondLst>
+                              <p:cond delay="0"/>
+                            </p:stCondLst>
+                            <p:childTnLst>
+                              <p:par>
+                                <p:cTn id="27" presetID="10" presetClass="entr" presetSubtype="0" fill="hold" grpId="0" nodeType="clickEffect">
+                                  <p:stCondLst>
+                                    <p:cond delay="0"/>
+                                  </p:stCondLst>
+                                  <p:childTnLst>
+                                    <p:set>
+                                      <p:cBhvr>
+                                        <p:cTn id="28" dur="1" fill="hold">
+                                          <p:stCondLst>
+                                            <p:cond delay="0"/>
+                                          </p:stCondLst>
+                                        </p:cTn>
+                                        <p:tgtEl>
+                                          <p:spTgt spid="3">
+                                            <p:txEl>
+                                              <p:pRg st="6" end="6"/>
+                                            </p:txEl>
+                                          </p:spTgt>
+                                        </p:tgtEl>
+                                        <p:attrNameLst>
+                                          <p:attrName>style.visibility</p:attrName>
+                                        </p:attrNameLst>
+                                      </p:cBhvr>
+                                      <p:to>
+                                        <p:strVal val="visible"/>
+                                      </p:to>
+                                    </p:set>
+                                    <p:animEffect transition="in" filter="fade">
+                                      <p:cBhvr>
+                                        <p:cTn id="29" dur="500"/>
+                                        <p:tgtEl>
+                                          <p:spTgt spid="3">
+                                            <p:txEl>
+                                              <p:pRg st="6" end="6"/>
+                                            </p:txEl>
+                                          </p:spTgt>
+                                        </p:tgtEl>
+                                      </p:cBhvr>
+                                    </p:animEffect>
+                                  </p:childTnLst>
+                                </p:cTn>
+                              </p:par>
+                              <p:par>
+                                <p:cTn id="30" presetID="10" presetClass="entr" presetSubtype="0" fill="hold" grpId="0" nodeType="withEffect">
+                                  <p:stCondLst>
+                                    <p:cond delay="0"/>
+                                  </p:stCondLst>
+                                  <p:childTnLst>
+                                    <p:set>
+                                      <p:cBhvr>
+                                        <p:cTn id="31" dur="1" fill="hold">
+                                          <p:stCondLst>
+                                            <p:cond delay="0"/>
+                                          </p:stCondLst>
+                                        </p:cTn>
+                                        <p:tgtEl>
+                                          <p:spTgt spid="3">
+                                            <p:txEl>
+                                              <p:pRg st="7" end="7"/>
+                                            </p:txEl>
+                                          </p:spTgt>
+                                        </p:tgtEl>
+                                        <p:attrNameLst>
+                                          <p:attrName>style.visibility</p:attrName>
+                                        </p:attrNameLst>
+                                      </p:cBhvr>
+                                      <p:to>
+                                        <p:strVal val="visible"/>
+                                      </p:to>
+                                    </p:set>
+                                    <p:animEffect transition="in" filter="fade">
+                                      <p:cBhvr>
+                                        <p:cTn id="32" dur="500"/>
+                                        <p:tgtEl>
+                                          <p:spTgt spid="3">
+                                            <p:txEl>
+                                              <p:pRg st="7" end="7"/>
+                                            </p:txEl>
+                                          </p:spTgt>
+                                        </p:tgtEl>
+                                      </p:cBhvr>
+                                    </p:animEffect>
+                                  </p:childTnLst>
+                                </p:cTn>
+                              </p:par>
+                              <p:par>
+                                <p:cTn id="33" presetID="10" presetClass="entr" presetSubtype="0" fill="hold" grpId="0" nodeType="withEffect">
+                                  <p:stCondLst>
+                                    <p:cond delay="0"/>
+                                  </p:stCondLst>
+                                  <p:childTnLst>
+                                    <p:set>
+                                      <p:cBhvr>
+                                        <p:cTn id="34" dur="1" fill="hold">
+                                          <p:stCondLst>
+                                            <p:cond delay="0"/>
+                                          </p:stCondLst>
+                                        </p:cTn>
+                                        <p:tgtEl>
+                                          <p:spTgt spid="3">
+                                            <p:txEl>
+                                              <p:pRg st="8" end="8"/>
+                                            </p:txEl>
+                                          </p:spTgt>
+                                        </p:tgtEl>
+                                        <p:attrNameLst>
+                                          <p:attrName>style.visibility</p:attrName>
+                                        </p:attrNameLst>
+                                      </p:cBhvr>
+                                      <p:to>
+                                        <p:strVal val="visible"/>
+                                      </p:to>
+                                    </p:set>
+                                    <p:animEffect transition="in" filter="fade">
+                                      <p:cBhvr>
+                                        <p:cTn id="35" dur="500"/>
+                                        <p:tgtEl>
+                                          <p:spTgt spid="3">
+                                            <p:txEl>
+                                              <p:pRg st="8" end="8"/>
+                                            </p:txEl>
+                                          </p:spTgt>
+                                        </p:tgtEl>
+                                      </p:cBhvr>
+                                    </p:animEffect>
+                                  </p:childTnLst>
+                                </p:cTn>
+                              </p:par>
+                              <p:par>
+                                <p:cTn id="36" presetID="10" presetClass="entr" presetSubtype="0" fill="hold" grpId="0" nodeType="withEffect">
+                                  <p:stCondLst>
+                                    <p:cond delay="0"/>
+                                  </p:stCondLst>
+                                  <p:childTnLst>
+                                    <p:set>
+                                      <p:cBhvr>
+                                        <p:cTn id="37" dur="1" fill="hold">
+                                          <p:stCondLst>
+                                            <p:cond delay="0"/>
+                                          </p:stCondLst>
+                                        </p:cTn>
+                                        <p:tgtEl>
+                                          <p:spTgt spid="3">
+                                            <p:txEl>
+                                              <p:pRg st="9" end="9"/>
+                                            </p:txEl>
+                                          </p:spTgt>
+                                        </p:tgtEl>
+                                        <p:attrNameLst>
+                                          <p:attrName>style.visibility</p:attrName>
+                                        </p:attrNameLst>
+                                      </p:cBhvr>
+                                      <p:to>
+                                        <p:strVal val="visible"/>
+                                      </p:to>
+                                    </p:set>
+                                    <p:animEffect transition="in" filter="fade">
+                                      <p:cBhvr>
+                                        <p:cTn id="38" dur="500"/>
+                                        <p:tgtEl>
+                                          <p:spTgt spid="3">
+                                            <p:txEl>
+                                              <p:pRg st="9" end="9"/>
+                                            </p:txEl>
+                                          </p:spTgt>
+                                        </p:tgtEl>
+                                      </p:cBhvr>
+                                    </p:animEffect>
+                                  </p:childTnLst>
+                                </p:cTn>
+                              </p:par>
+                              <p:par>
+                                <p:cTn id="39" presetID="10" presetClass="entr" presetSubtype="0" fill="hold" grpId="0" nodeType="withEffect">
+                                  <p:stCondLst>
+                                    <p:cond delay="0"/>
+                                  </p:stCondLst>
+                                  <p:childTnLst>
+                                    <p:set>
+                                      <p:cBhvr>
+                                        <p:cTn id="40" dur="1" fill="hold">
+                                          <p:stCondLst>
+                                            <p:cond delay="0"/>
+                                          </p:stCondLst>
+                                        </p:cTn>
+                                        <p:tgtEl>
+                                          <p:spTgt spid="3">
+                                            <p:txEl>
+                                              <p:pRg st="10" end="10"/>
+                                            </p:txEl>
+                                          </p:spTgt>
+                                        </p:tgtEl>
+                                        <p:attrNameLst>
+                                          <p:attrName>style.visibility</p:attrName>
+                                        </p:attrNameLst>
+                                      </p:cBhvr>
+                                      <p:to>
+                                        <p:strVal val="visible"/>
+                                      </p:to>
+                                    </p:set>
+                                    <p:animEffect transition="in" filter="fade">
+                                      <p:cBhvr>
+                                        <p:cTn id="41" dur="500"/>
+                                        <p:tgtEl>
+                                          <p:spTgt spid="3">
+                                            <p:txEl>
+                                              <p:pRg st="10" end="10"/>
+                                            </p:txEl>
+                                          </p:spTgt>
+                                        </p:tgtEl>
+                                      </p:cBhvr>
+                                    </p:animEffect>
+                                  </p:childTnLst>
+                                </p:cTn>
+                              </p:par>
+                              <p:par>
+                                <p:cTn id="42" presetID="10" presetClass="entr" presetSubtype="0" fill="hold" grpId="0" nodeType="withEffect">
+                                  <p:stCondLst>
+                                    <p:cond delay="0"/>
+                                  </p:stCondLst>
+                                  <p:childTnLst>
+                                    <p:set>
+                                      <p:cBhvr>
+                                        <p:cTn id="43" dur="1" fill="hold">
+                                          <p:stCondLst>
+                                            <p:cond delay="0"/>
+                                          </p:stCondLst>
+                                        </p:cTn>
+                                        <p:tgtEl>
+                                          <p:spTgt spid="3">
+                                            <p:txEl>
+                                              <p:pRg st="11" end="11"/>
+                                            </p:txEl>
+                                          </p:spTgt>
+                                        </p:tgtEl>
+                                        <p:attrNameLst>
+                                          <p:attrName>style.visibility</p:attrName>
+                                        </p:attrNameLst>
+                                      </p:cBhvr>
+                                      <p:to>
+                                        <p:strVal val="visible"/>
+                                      </p:to>
+                                    </p:set>
+                                    <p:animEffect transition="in" filter="fade">
+                                      <p:cBhvr>
+                                        <p:cTn id="44" dur="500"/>
+                                        <p:tgtEl>
+                                          <p:spTgt spid="3">
+                                            <p:txEl>
+                                              <p:pRg st="11" end="11"/>
+                                            </p:txEl>
+                                          </p:spTgt>
+                                        </p:tgtEl>
+                                      </p:cBhvr>
+                                    </p:animEffect>
+                                  </p:childTnLst>
+                                </p:cTn>
+                              </p:par>
+                              <p:par>
+                                <p:cTn id="45" presetID="10" presetClass="entr" presetSubtype="0" fill="hold" grpId="0" nodeType="withEffect">
+                                  <p:stCondLst>
+                                    <p:cond delay="0"/>
+                                  </p:stCondLst>
+                                  <p:childTnLst>
+                                    <p:set>
+                                      <p:cBhvr>
+                                        <p:cTn id="46" dur="1" fill="hold">
+                                          <p:stCondLst>
+                                            <p:cond delay="0"/>
+                                          </p:stCondLst>
+                                        </p:cTn>
+                                        <p:tgtEl>
+                                          <p:spTgt spid="3">
+                                            <p:txEl>
+                                              <p:pRg st="12" end="12"/>
+                                            </p:txEl>
+                                          </p:spTgt>
+                                        </p:tgtEl>
+                                        <p:attrNameLst>
+                                          <p:attrName>style.visibility</p:attrName>
+                                        </p:attrNameLst>
+                                      </p:cBhvr>
+                                      <p:to>
+                                        <p:strVal val="visible"/>
+                                      </p:to>
+                                    </p:set>
+                                    <p:animEffect transition="in" filter="fade">
+                                      <p:cBhvr>
+                                        <p:cTn id="47" dur="500"/>
+                                        <p:tgtEl>
+                                          <p:spTgt spid="3">
+                                            <p:txEl>
+                                              <p:pRg st="12" end="12"/>
+                                            </p:txEl>
+                                          </p:spTgt>
+                                        </p:tgtEl>
+                                      </p:cBhvr>
+                                    </p:animEffect>
+                                  </p:childTnLst>
+                                </p:cTn>
+                              </p:par>
+                              <p:par>
+                                <p:cTn id="48" presetID="10" presetClass="entr" presetSubtype="0" fill="hold" grpId="0" nodeType="withEffect">
+                                  <p:stCondLst>
+                                    <p:cond delay="0"/>
+                                  </p:stCondLst>
+                                  <p:childTnLst>
+                                    <p:set>
+                                      <p:cBhvr>
+                                        <p:cTn id="49" dur="1" fill="hold">
+                                          <p:stCondLst>
+                                            <p:cond delay="0"/>
+                                          </p:stCondLst>
+                                        </p:cTn>
+                                        <p:tgtEl>
+                                          <p:spTgt spid="3">
+                                            <p:txEl>
+                                              <p:pRg st="13" end="13"/>
+                                            </p:txEl>
+                                          </p:spTgt>
+                                        </p:tgtEl>
+                                        <p:attrNameLst>
+                                          <p:attrName>style.visibility</p:attrName>
+                                        </p:attrNameLst>
+                                      </p:cBhvr>
+                                      <p:to>
+                                        <p:strVal val="visible"/>
+                                      </p:to>
+                                    </p:set>
+                                    <p:animEffect transition="in" filter="fade">
+                                      <p:cBhvr>
+                                        <p:cTn id="50" dur="500"/>
+                                        <p:tgtEl>
+                                          <p:spTgt spid="3">
+                                            <p:txEl>
+                                              <p:pRg st="13" end="13"/>
+                                            </p:txEl>
+                                          </p:spTgt>
+                                        </p:tgtEl>
+                                      </p:cBhvr>
+                                    </p:animEffect>
+                                  </p:childTnLst>
+                                </p:cTn>
+                              </p:par>
+                            </p:childTnLst>
+                          </p:cTn>
+                        </p:par>
+                      </p:childTnLst>
+                    </p:cTn>
+                  </p:par>
+                </p:childTnLst>
+              </p:cTn>
+              <p:prevCondLst>
+                <p:cond evt="onPrev" delay="0">
+                  <p:tgtEl>
+                    <p:sldTgt/>
+                  </p:tgtEl>
+                </p:cond>
+              </p:prevCondLst>
+              <p:nextCondLst>
+                <p:cond evt="onNext" delay="0">
+                  <p:tgtEl>
+                    <p:sldTgt/>
+                  </p:tgtEl>
+                </p:cond>
+              </p:nextCondLst>
+            </p:seq>
+          </p:childTnLst>
+        </p:cTn>
+      </p:par>
+    </p:tnLst>
+    <p:bldLst>
+      <p:bldP spid="3" grpId="0" uiExpand="1" build="p"/>
+    </p:bldLst>
+  </p:timing>
+</p:sld>
+</file>
+
+<file path=ppt/slides/slide26.xml><?xml version="1.0" encoding="utf-8"?>
+<p:sld xmlns:a="http://schemas.openxmlformats.org/drawingml/2006/main" xmlns:r="http://schemas.openxmlformats.org/officeDocument/2006/relationships" xmlns:p="http://schemas.openxmlformats.org/presentationml/2006/main">
+  <p:cSld>
+    <p:spTree>
+      <p:nvGrpSpPr>
+        <p:cNvPr id="1" name=""/>
+        <p:cNvGrpSpPr/>
+        <p:nvPr/>
+      </p:nvGrpSpPr>
+      <p:grpSpPr>
+        <a:xfrm>
+          <a:off x="0" y="0"/>
+          <a:ext cx="0" cy="0"/>
+          <a:chOff x="0" y="0"/>
+          <a:chExt cx="0" cy="0"/>
+        </a:xfrm>
+      </p:grpSpPr>
+      <p:sp>
+        <p:nvSpPr>
+          <p:cNvPr id="2" name="Title 1">
+            <a:extLst>
+              <a:ext uri="{FF2B5EF4-FFF2-40B4-BE49-F238E27FC236}">
+                <a16:creationId xmlns:a16="http://schemas.microsoft.com/office/drawing/2014/main" id="{3353F6A8-EEA7-E58C-2282-8ADE7FB1EDD5}"/>
+              </a:ext>
+            </a:extLst>
+          </p:cNvPr>
+          <p:cNvSpPr>
+            <a:spLocks noGrp="1"/>
+          </p:cNvSpPr>
+          <p:nvPr>
+            <p:ph type="title"/>
+          </p:nvPr>
+        </p:nvSpPr>
+        <p:spPr/>
+        <p:txBody>
+          <a:bodyPr/>
+          <a:lstStyle/>
+          <a:p>
+            <a:r>
+              <a:rPr lang="en-US" dirty="0"/>
+              <a:t>Unit 4 – Binding to List</a:t>
+            </a:r>
+          </a:p>
+        </p:txBody>
+      </p:sp>
+      <p:sp>
+        <p:nvSpPr>
+          <p:cNvPr id="3" name="Content Placeholder 2">
+            <a:extLst>
+              <a:ext uri="{FF2B5EF4-FFF2-40B4-BE49-F238E27FC236}">
+                <a16:creationId xmlns:a16="http://schemas.microsoft.com/office/drawing/2014/main" id="{E01CAEA2-9678-70A3-EE50-0F14617624AE}"/>
+              </a:ext>
+            </a:extLst>
+          </p:cNvPr>
+          <p:cNvSpPr>
+            <a:spLocks noGrp="1"/>
+          </p:cNvSpPr>
+          <p:nvPr>
+            <p:ph idx="1"/>
+          </p:nvPr>
+        </p:nvSpPr>
+        <p:spPr/>
+        <p:txBody>
+          <a:bodyPr/>
+          <a:lstStyle/>
+          <a:p>
+            <a:r>
+              <a:rPr lang="en-US" dirty="0">
+                <a:solidFill>
+                  <a:srgbClr val="00B050"/>
+                </a:solidFill>
+              </a:rPr>
+              <a:t>Example - Binding to Layout Transforms</a:t>
+            </a:r>
+          </a:p>
+        </p:txBody>
+      </p:sp>
+    </p:spTree>
+    <p:extLst>
+      <p:ext uri="{BB962C8B-B14F-4D97-AF65-F5344CB8AC3E}">
+        <p14:creationId xmlns:p14="http://schemas.microsoft.com/office/powerpoint/2010/main" val="1059773887"/>
+      </p:ext>
+    </p:extLst>
+  </p:cSld>
+  <p:clrMapOvr>
+    <a:masterClrMapping/>
+  </p:clrMapOvr>
+</p:sld>
+</file>
+
+<file path=ppt/slides/slide27.xml><?xml version="1.0" encoding="utf-8"?>
+<p:sld xmlns:a="http://schemas.openxmlformats.org/drawingml/2006/main" xmlns:r="http://schemas.openxmlformats.org/officeDocument/2006/relationships" xmlns:p="http://schemas.openxmlformats.org/presentationml/2006/main">
+  <p:cSld>
+    <p:spTree>
+      <p:nvGrpSpPr>
+        <p:cNvPr id="1" name=""/>
+        <p:cNvGrpSpPr/>
+        <p:nvPr/>
+      </p:nvGrpSpPr>
+      <p:grpSpPr>
+        <a:xfrm>
+          <a:off x="0" y="0"/>
+          <a:ext cx="0" cy="0"/>
+          <a:chOff x="0" y="0"/>
+          <a:chExt cx="0" cy="0"/>
+        </a:xfrm>
+      </p:grpSpPr>
+      <p:sp>
+        <p:nvSpPr>
+          <p:cNvPr id="2" name="Title 1">
+            <a:extLst>
+              <a:ext uri="{FF2B5EF4-FFF2-40B4-BE49-F238E27FC236}">
+                <a16:creationId xmlns:a16="http://schemas.microsoft.com/office/drawing/2014/main" id="{165BB33B-3519-A3A1-527A-D2C10FE56860}"/>
+              </a:ext>
+            </a:extLst>
+          </p:cNvPr>
+          <p:cNvSpPr>
+            <a:spLocks noGrp="1"/>
+          </p:cNvSpPr>
+          <p:nvPr>
+            <p:ph type="title"/>
+          </p:nvPr>
+        </p:nvSpPr>
+        <p:spPr/>
+        <p:txBody>
+          <a:bodyPr/>
+          <a:lstStyle/>
+          <a:p>
+            <a:r>
+              <a:rPr lang="en-US" dirty="0"/>
+              <a:t>Unit 4 – Binding to List</a:t>
+            </a:r>
+          </a:p>
+        </p:txBody>
+      </p:sp>
+      <p:sp>
+        <p:nvSpPr>
+          <p:cNvPr id="3" name="Content Placeholder 2">
+            <a:extLst>
+              <a:ext uri="{FF2B5EF4-FFF2-40B4-BE49-F238E27FC236}">
+                <a16:creationId xmlns:a16="http://schemas.microsoft.com/office/drawing/2014/main" id="{4F4A48CB-9502-1992-7F57-562595543274}"/>
+              </a:ext>
+            </a:extLst>
+          </p:cNvPr>
+          <p:cNvSpPr>
+            <a:spLocks noGrp="1"/>
+          </p:cNvSpPr>
+          <p:nvPr>
+            <p:ph idx="1"/>
+          </p:nvPr>
+        </p:nvSpPr>
+        <p:spPr/>
+        <p:txBody>
+          <a:bodyPr/>
+          <a:lstStyle/>
+          <a:p>
+            <a:r>
+              <a:rPr lang="en-US" dirty="0"/>
+              <a:t>Binding to a list</a:t>
+            </a:r>
+          </a:p>
+          <a:p>
+            <a:pPr lvl="1"/>
+            <a:r>
+              <a:rPr lang="en-US" dirty="0"/>
+              <a:t>Populate a list by binding to a list of objects -- quite common</a:t>
+            </a:r>
+          </a:p>
+          <a:p>
+            <a:pPr lvl="1"/>
+            <a:r>
+              <a:rPr lang="en-US" dirty="0"/>
+              <a:t>Populating a </a:t>
+            </a:r>
+            <a:r>
+              <a:rPr lang="en-US" dirty="0" err="1"/>
+              <a:t>ListBox</a:t>
+            </a:r>
+            <a:endParaRPr lang="en-US" dirty="0"/>
+          </a:p>
+          <a:p>
+            <a:pPr lvl="2"/>
+            <a:r>
+              <a:rPr lang="en-US" dirty="0"/>
+              <a:t>In ViewModel, create property that is List&lt;T&gt; -- list of objects, of some type T</a:t>
+            </a:r>
+          </a:p>
+          <a:p>
+            <a:pPr lvl="2"/>
+            <a:r>
+              <a:rPr lang="en-US" dirty="0"/>
+              <a:t>In View, bind </a:t>
+            </a:r>
+            <a:r>
+              <a:rPr lang="en-US" dirty="0" err="1"/>
+              <a:t>ItemsSource</a:t>
+            </a:r>
+            <a:r>
+              <a:rPr lang="en-US" dirty="0"/>
+              <a:t> property of </a:t>
+            </a:r>
+            <a:r>
+              <a:rPr lang="en-US" dirty="0" err="1"/>
+              <a:t>ListBox</a:t>
+            </a:r>
+            <a:endParaRPr lang="en-US" dirty="0"/>
+          </a:p>
+          <a:p>
+            <a:r>
+              <a:rPr lang="en-US" dirty="0">
+                <a:solidFill>
+                  <a:srgbClr val="00B050"/>
+                </a:solidFill>
+              </a:rPr>
+              <a:t>Example – Binding to List</a:t>
+            </a:r>
+          </a:p>
+        </p:txBody>
+      </p:sp>
+    </p:spTree>
+    <p:extLst>
+      <p:ext uri="{BB962C8B-B14F-4D97-AF65-F5344CB8AC3E}">
+        <p14:creationId xmlns:p14="http://schemas.microsoft.com/office/powerpoint/2010/main" val="2716555905"/>
+      </p:ext>
+    </p:extLst>
+  </p:cSld>
+  <p:clrMapOvr>
+    <a:masterClrMapping/>
+  </p:clrMapOvr>
+  <p:timing>
+    <p:tnLst>
+      <p:par>
+        <p:cTn id="1" dur="indefinite" restart="never" nodeType="tmRoot">
+          <p:childTnLst>
+            <p:seq concurrent="1" nextAc="seek">
+              <p:cTn id="2" dur="indefinite" nodeType="mainSeq">
+                <p:childTnLst>
+                  <p:par>
+                    <p:cTn id="3" fill="hold">
+                      <p:stCondLst>
+                        <p:cond delay="indefinite"/>
+                      </p:stCondLst>
+                      <p:childTnLst>
+                        <p:par>
+                          <p:cTn id="4" fill="hold">
+                            <p:stCondLst>
+                              <p:cond delay="0"/>
+                            </p:stCondLst>
+                            <p:childTnLst>
+                              <p:par>
+                                <p:cTn id="5" presetID="10" presetClass="entr" presetSubtype="0" fill="hold" grpId="0" nodeType="clickEffect">
+                                  <p:stCondLst>
+                                    <p:cond delay="0"/>
+                                  </p:stCondLst>
+                                  <p:childTnLst>
+                                    <p:set>
+                                      <p:cBhvr>
+                                        <p:cTn id="6" dur="1" fill="hold">
+                                          <p:stCondLst>
+                                            <p:cond delay="0"/>
+                                          </p:stCondLst>
+                                        </p:cTn>
+                                        <p:tgtEl>
+                                          <p:spTgt spid="3">
+                                            <p:txEl>
+                                              <p:pRg st="0" end="0"/>
+                                            </p:txEl>
+                                          </p:spTgt>
+                                        </p:tgtEl>
+                                        <p:attrNameLst>
+                                          <p:attrName>style.visibility</p:attrName>
+                                        </p:attrNameLst>
+                                      </p:cBhvr>
+                                      <p:to>
+                                        <p:strVal val="visible"/>
+                                      </p:to>
+                                    </p:set>
+                                    <p:animEffect transition="in" filter="fade">
+                                      <p:cBhvr>
+                                        <p:cTn id="7" dur="500"/>
+                                        <p:tgtEl>
+                                          <p:spTgt spid="3">
+                                            <p:txEl>
+                                              <p:pRg st="0" end="0"/>
+                                            </p:txEl>
+                                          </p:spTgt>
+                                        </p:tgtEl>
+                                      </p:cBhvr>
+                                    </p:animEffect>
+                                  </p:childTnLst>
+                                </p:cTn>
+                              </p:par>
+                            </p:childTnLst>
+                          </p:cTn>
+                        </p:par>
+                      </p:childTnLst>
+                    </p:cTn>
+                  </p:par>
+                  <p:par>
+                    <p:cTn id="8" fill="hold">
+                      <p:stCondLst>
+                        <p:cond delay="indefinite"/>
+                      </p:stCondLst>
+                      <p:childTnLst>
+                        <p:par>
+                          <p:cTn id="9" fill="hold">
+                            <p:stCondLst>
+                              <p:cond delay="0"/>
+                            </p:stCondLst>
+                            <p:childTnLst>
+                              <p:par>
+                                <p:cTn id="10" presetID="10" presetClass="entr" presetSubtype="0" fill="hold" grpId="0" nodeType="clickEffect">
+                                  <p:stCondLst>
+                                    <p:cond delay="0"/>
+                                  </p:stCondLst>
+                                  <p:childTnLst>
+                                    <p:set>
+                                      <p:cBhvr>
+                                        <p:cTn id="11" dur="1" fill="hold">
+                                          <p:stCondLst>
+                                            <p:cond delay="0"/>
+                                          </p:stCondLst>
+                                        </p:cTn>
+                                        <p:tgtEl>
+                                          <p:spTgt spid="3">
+                                            <p:txEl>
+                                              <p:pRg st="1" end="1"/>
+                                            </p:txEl>
+                                          </p:spTgt>
+                                        </p:tgtEl>
+                                        <p:attrNameLst>
+                                          <p:attrName>style.visibility</p:attrName>
+                                        </p:attrNameLst>
+                                      </p:cBhvr>
+                                      <p:to>
+                                        <p:strVal val="visible"/>
+                                      </p:to>
+                                    </p:set>
+                                    <p:animEffect transition="in" filter="fade">
+                                      <p:cBhvr>
+                                        <p:cTn id="12" dur="500"/>
+                                        <p:tgtEl>
+                                          <p:spTgt spid="3">
+                                            <p:txEl>
+                                              <p:pRg st="1" end="1"/>
+                                            </p:txEl>
+                                          </p:spTgt>
+                                        </p:tgtEl>
+                                      </p:cBhvr>
+                                    </p:animEffect>
+                                  </p:childTnLst>
+                                </p:cTn>
+                              </p:par>
+                            </p:childTnLst>
+                          </p:cTn>
+                        </p:par>
+                      </p:childTnLst>
+                    </p:cTn>
+                  </p:par>
+                  <p:par>
+                    <p:cTn id="13" fill="hold">
+                      <p:stCondLst>
+                        <p:cond delay="indefinite"/>
+                      </p:stCondLst>
+                      <p:childTnLst>
+                        <p:par>
+                          <p:cTn id="14" fill="hold">
+                            <p:stCondLst>
+                              <p:cond delay="0"/>
+                            </p:stCondLst>
+                            <p:childTnLst>
+                              <p:par>
+                                <p:cTn id="15" presetID="10" presetClass="entr" presetSubtype="0" fill="hold" grpId="0" nodeType="clickEffect">
+                                  <p:stCondLst>
+                                    <p:cond delay="0"/>
+                                  </p:stCondLst>
+                                  <p:childTnLst>
+                                    <p:set>
+                                      <p:cBhvr>
+                                        <p:cTn id="16" dur="1" fill="hold">
+                                          <p:stCondLst>
+                                            <p:cond delay="0"/>
+                                          </p:stCondLst>
+                                        </p:cTn>
+                                        <p:tgtEl>
+                                          <p:spTgt spid="3">
+                                            <p:txEl>
+                                              <p:pRg st="2" end="2"/>
+                                            </p:txEl>
+                                          </p:spTgt>
+                                        </p:tgtEl>
+                                        <p:attrNameLst>
+                                          <p:attrName>style.visibility</p:attrName>
+                                        </p:attrNameLst>
+                                      </p:cBhvr>
+                                      <p:to>
+                                        <p:strVal val="visible"/>
+                                      </p:to>
+                                    </p:set>
+                                    <p:animEffect transition="in" filter="fade">
+                                      <p:cBhvr>
+                                        <p:cTn id="17" dur="500"/>
+                                        <p:tgtEl>
+                                          <p:spTgt spid="3">
+                                            <p:txEl>
+                                              <p:pRg st="2" end="2"/>
+                                            </p:txEl>
+                                          </p:spTgt>
+                                        </p:tgtEl>
+                                      </p:cBhvr>
+                                    </p:animEffect>
+                                  </p:childTnLst>
+                                </p:cTn>
+                              </p:par>
+                              <p:par>
+                                <p:cTn id="18" presetID="10" presetClass="entr" presetSubtype="0" fill="hold" grpId="0" nodeType="withEffect">
+                                  <p:stCondLst>
+                                    <p:cond delay="0"/>
+                                  </p:stCondLst>
+                                  <p:childTnLst>
+                                    <p:set>
+                                      <p:cBhvr>
+                                        <p:cTn id="19" dur="1" fill="hold">
+                                          <p:stCondLst>
+                                            <p:cond delay="0"/>
+                                          </p:stCondLst>
+                                        </p:cTn>
+                                        <p:tgtEl>
+                                          <p:spTgt spid="3">
+                                            <p:txEl>
+                                              <p:pRg st="3" end="3"/>
+                                            </p:txEl>
+                                          </p:spTgt>
+                                        </p:tgtEl>
+                                        <p:attrNameLst>
+                                          <p:attrName>style.visibility</p:attrName>
+                                        </p:attrNameLst>
+                                      </p:cBhvr>
+                                      <p:to>
+                                        <p:strVal val="visible"/>
+                                      </p:to>
+                                    </p:set>
+                                    <p:animEffect transition="in" filter="fade">
+                                      <p:cBhvr>
+                                        <p:cTn id="20" dur="500"/>
+                                        <p:tgtEl>
+                                          <p:spTgt spid="3">
+                                            <p:txEl>
+                                              <p:pRg st="3" end="3"/>
+                                            </p:txEl>
+                                          </p:spTgt>
+                                        </p:tgtEl>
+                                      </p:cBhvr>
+                                    </p:animEffect>
+                                  </p:childTnLst>
+                                </p:cTn>
+                              </p:par>
+                              <p:par>
+                                <p:cTn id="21" presetID="10" presetClass="entr" presetSubtype="0" fill="hold" grpId="0" nodeType="withEffect">
+                                  <p:stCondLst>
+                                    <p:cond delay="0"/>
+                                  </p:stCondLst>
+                                  <p:childTnLst>
+                                    <p:set>
+                                      <p:cBhvr>
+                                        <p:cTn id="22" dur="1" fill="hold">
+                                          <p:stCondLst>
+                                            <p:cond delay="0"/>
+                                          </p:stCondLst>
+                                        </p:cTn>
+                                        <p:tgtEl>
+                                          <p:spTgt spid="3">
+                                            <p:txEl>
+                                              <p:pRg st="4" end="4"/>
+                                            </p:txEl>
+                                          </p:spTgt>
+                                        </p:tgtEl>
+                                        <p:attrNameLst>
+                                          <p:attrName>style.visibility</p:attrName>
+                                        </p:attrNameLst>
+                                      </p:cBhvr>
+                                      <p:to>
+                                        <p:strVal val="visible"/>
+                                      </p:to>
+                                    </p:set>
+                                    <p:animEffect transition="in" filter="fade">
+                                      <p:cBhvr>
+                                        <p:cTn id="23" dur="500"/>
+                                        <p:tgtEl>
+                                          <p:spTgt spid="3">
+                                            <p:txEl>
+                                              <p:pRg st="4" end="4"/>
+                                            </p:txEl>
+                                          </p:spTgt>
+                                        </p:tgtEl>
+                                      </p:cBhvr>
+                                    </p:animEffect>
+                                  </p:childTnLst>
+                                </p:cTn>
+                              </p:par>
+                            </p:childTnLst>
+                          </p:cTn>
+                        </p:par>
+                      </p:childTnLst>
+                    </p:cTn>
+                  </p:par>
+                  <p:par>
+                    <p:cTn id="24" fill="hold">
+                      <p:stCondLst>
+                        <p:cond delay="indefinite"/>
+                      </p:stCondLst>
+                      <p:childTnLst>
+                        <p:par>
+                          <p:cTn id="25" fill="hold">
+                            <p:stCondLst>
+                              <p:cond delay="0"/>
+                            </p:stCondLst>
+                            <p:childTnLst>
+                              <p:par>
+                                <p:cTn id="26" presetID="10" presetClass="entr" presetSubtype="0" fill="hold" grpId="0" nodeType="clickEffect">
+                                  <p:stCondLst>
+                                    <p:cond delay="0"/>
+                                  </p:stCondLst>
+                                  <p:childTnLst>
+                                    <p:set>
+                                      <p:cBhvr>
+                                        <p:cTn id="27" dur="1" fill="hold">
+                                          <p:stCondLst>
+                                            <p:cond delay="0"/>
+                                          </p:stCondLst>
+                                        </p:cTn>
+                                        <p:tgtEl>
+                                          <p:spTgt spid="3">
+                                            <p:txEl>
+                                              <p:pRg st="5" end="5"/>
+                                            </p:txEl>
+                                          </p:spTgt>
+                                        </p:tgtEl>
+                                        <p:attrNameLst>
+                                          <p:attrName>style.visibility</p:attrName>
+                                        </p:attrNameLst>
+                                      </p:cBhvr>
+                                      <p:to>
+                                        <p:strVal val="visible"/>
+                                      </p:to>
+                                    </p:set>
+                                    <p:animEffect transition="in" filter="fade">
+                                      <p:cBhvr>
+                                        <p:cTn id="28" dur="500"/>
+                                        <p:tgtEl>
+                                          <p:spTgt spid="3">
+                                            <p:txEl>
+                                              <p:pRg st="5" end="5"/>
+                                            </p:txEl>
+                                          </p:spTgt>
+                                        </p:tgtEl>
+                                      </p:cBhvr>
+                                    </p:animEffect>
+                                  </p:childTnLst>
+                                </p:cTn>
+                              </p:par>
+                            </p:childTnLst>
+                          </p:cTn>
+                        </p:par>
+                      </p:childTnLst>
+                    </p:cTn>
+                  </p:par>
+                </p:childTnLst>
+              </p:cTn>
+              <p:prevCondLst>
+                <p:cond evt="onPrev" delay="0">
+                  <p:tgtEl>
+                    <p:sldTgt/>
+                  </p:tgtEl>
+                </p:cond>
+              </p:prevCondLst>
+              <p:nextCondLst>
+                <p:cond evt="onNext" delay="0">
+                  <p:tgtEl>
+                    <p:sldTgt/>
+                  </p:tgtEl>
+                </p:cond>
+              </p:nextCondLst>
+            </p:seq>
+          </p:childTnLst>
+        </p:cTn>
+      </p:par>
+    </p:tnLst>
+    <p:bldLst>
+      <p:bldP spid="3" grpId="0" uiExpand="1" build="p"/>
+    </p:bldLst>
+  </p:timing>
+</p:sld>
+</file>
+
+<file path=ppt/slides/slide28.xml><?xml version="1.0" encoding="utf-8"?>
+<p:sld xmlns:a="http://schemas.openxmlformats.org/drawingml/2006/main" xmlns:r="http://schemas.openxmlformats.org/officeDocument/2006/relationships" xmlns:p="http://schemas.openxmlformats.org/presentationml/2006/main">
+  <p:cSld>
+    <p:spTree>
+      <p:nvGrpSpPr>
+        <p:cNvPr id="1" name=""/>
+        <p:cNvGrpSpPr/>
+        <p:nvPr/>
+      </p:nvGrpSpPr>
+      <p:grpSpPr>
+        <a:xfrm>
+          <a:off x="0" y="0"/>
+          <a:ext cx="0" cy="0"/>
+          <a:chOff x="0" y="0"/>
+          <a:chExt cx="0" cy="0"/>
+        </a:xfrm>
+      </p:grpSpPr>
+      <p:sp>
+        <p:nvSpPr>
+          <p:cNvPr id="2" name="Title 1">
+            <a:extLst>
+              <a:ext uri="{FF2B5EF4-FFF2-40B4-BE49-F238E27FC236}">
+                <a16:creationId xmlns:a16="http://schemas.microsoft.com/office/drawing/2014/main" id="{115D9107-F124-841C-7948-02D0BFC7152F}"/>
+              </a:ext>
+            </a:extLst>
+          </p:cNvPr>
+          <p:cNvSpPr>
+            <a:spLocks noGrp="1"/>
+          </p:cNvSpPr>
+          <p:nvPr>
+            <p:ph type="title"/>
+          </p:nvPr>
+        </p:nvSpPr>
+        <p:spPr/>
+        <p:txBody>
+          <a:bodyPr/>
+          <a:lstStyle/>
+          <a:p>
+            <a:r>
+              <a:rPr lang="en-US" dirty="0"/>
+              <a:t>Unit 4 – Binding to List</a:t>
+            </a:r>
+          </a:p>
+        </p:txBody>
+      </p:sp>
+      <p:sp>
+        <p:nvSpPr>
+          <p:cNvPr id="3" name="Content Placeholder 2">
+            <a:extLst>
+              <a:ext uri="{FF2B5EF4-FFF2-40B4-BE49-F238E27FC236}">
+                <a16:creationId xmlns:a16="http://schemas.microsoft.com/office/drawing/2014/main" id="{DCC1E6EA-5BB3-A195-A198-2114C5F67049}"/>
+              </a:ext>
+            </a:extLst>
+          </p:cNvPr>
+          <p:cNvSpPr>
+            <a:spLocks noGrp="1"/>
+          </p:cNvSpPr>
+          <p:nvPr>
+            <p:ph idx="1"/>
+          </p:nvPr>
+        </p:nvSpPr>
+        <p:spPr/>
+        <p:txBody>
+          <a:bodyPr/>
+          <a:lstStyle/>
+          <a:p>
+            <a:r>
+              <a:rPr lang="en-US" dirty="0"/>
+              <a:t>Binding Selected Item in List</a:t>
+            </a:r>
+          </a:p>
+          <a:p>
+            <a:pPr lvl="1"/>
+            <a:r>
+              <a:rPr lang="en-US" dirty="0"/>
+              <a:t>We want to know what item in </a:t>
+            </a:r>
+            <a:r>
+              <a:rPr lang="en-US" dirty="0" err="1"/>
+              <a:t>ListBox</a:t>
+            </a:r>
+            <a:r>
+              <a:rPr lang="en-US" dirty="0"/>
+              <a:t> the user selected</a:t>
+            </a:r>
+          </a:p>
+          <a:p>
+            <a:pPr lvl="1"/>
+            <a:r>
+              <a:rPr lang="en-US" dirty="0"/>
+              <a:t>Steps</a:t>
+            </a:r>
+          </a:p>
+          <a:p>
+            <a:pPr lvl="2"/>
+            <a:r>
+              <a:rPr lang="en-US" dirty="0"/>
+              <a:t>In ViewModel, add property in ViewModel of type T  (type of object in list)</a:t>
+            </a:r>
+          </a:p>
+          <a:p>
+            <a:pPr lvl="2"/>
+            <a:r>
+              <a:rPr lang="en-US" dirty="0"/>
+              <a:t>In View, bind </a:t>
+            </a:r>
+            <a:r>
+              <a:rPr lang="en-US" dirty="0" err="1"/>
+              <a:t>SelectedItem</a:t>
+            </a:r>
+            <a:r>
+              <a:rPr lang="en-US" dirty="0"/>
+              <a:t> property of </a:t>
+            </a:r>
+            <a:r>
+              <a:rPr lang="en-US" dirty="0" err="1"/>
+              <a:t>ListBox</a:t>
+            </a:r>
+            <a:endParaRPr lang="en-US" dirty="0"/>
+          </a:p>
+          <a:p>
+            <a:r>
+              <a:rPr lang="en-US" dirty="0">
+                <a:solidFill>
+                  <a:srgbClr val="00B050"/>
+                </a:solidFill>
+              </a:rPr>
+              <a:t>Example – Binding to Selected Item</a:t>
+            </a:r>
+          </a:p>
+        </p:txBody>
+      </p:sp>
+    </p:spTree>
+    <p:extLst>
+      <p:ext uri="{BB962C8B-B14F-4D97-AF65-F5344CB8AC3E}">
+        <p14:creationId xmlns:p14="http://schemas.microsoft.com/office/powerpoint/2010/main" val="3343508095"/>
+      </p:ext>
+    </p:extLst>
+  </p:cSld>
+  <p:clrMapOvr>
+    <a:masterClrMapping/>
+  </p:clrMapOvr>
+</p:sld>
+</file>
+
+<file path=ppt/slides/slide29.xml><?xml version="1.0" encoding="utf-8"?>
+<p:sld xmlns:a="http://schemas.openxmlformats.org/drawingml/2006/main" xmlns:r="http://schemas.openxmlformats.org/officeDocument/2006/relationships" xmlns:p="http://schemas.openxmlformats.org/presentationml/2006/main">
+  <p:cSld>
+    <p:spTree>
+      <p:nvGrpSpPr>
+        <p:cNvPr id="1" name=""/>
+        <p:cNvGrpSpPr/>
+        <p:nvPr/>
+      </p:nvGrpSpPr>
+      <p:grpSpPr>
+        <a:xfrm>
+          <a:off x="0" y="0"/>
+          <a:ext cx="0" cy="0"/>
+          <a:chOff x="0" y="0"/>
+          <a:chExt cx="0" cy="0"/>
+        </a:xfrm>
+      </p:grpSpPr>
+      <p:sp>
+        <p:nvSpPr>
+          <p:cNvPr id="2" name="Title 1">
+            <a:extLst>
+              <a:ext uri="{FF2B5EF4-FFF2-40B4-BE49-F238E27FC236}">
+                <a16:creationId xmlns:a16="http://schemas.microsoft.com/office/drawing/2014/main" id="{2249022B-90B9-FBC1-E96A-15B0F32EC2DD}"/>
+              </a:ext>
+            </a:extLst>
+          </p:cNvPr>
+          <p:cNvSpPr>
+            <a:spLocks noGrp="1"/>
+          </p:cNvSpPr>
+          <p:nvPr>
+            <p:ph type="title"/>
+          </p:nvPr>
+        </p:nvSpPr>
+        <p:spPr/>
+        <p:txBody>
+          <a:bodyPr/>
+          <a:lstStyle/>
+          <a:p>
+            <a:r>
+              <a:rPr lang="en-US" dirty="0">
+                <a:solidFill>
+                  <a:schemeClr val="accent5">
+                    <a:lumMod val="75000"/>
+                  </a:schemeClr>
+                </a:solidFill>
+              </a:rPr>
+              <a:t>Exercise 4 – Binding to List</a:t>
+            </a:r>
+          </a:p>
+        </p:txBody>
+      </p:sp>
+      <p:sp>
+        <p:nvSpPr>
+          <p:cNvPr id="3" name="Content Placeholder 2">
+            <a:extLst>
+              <a:ext uri="{FF2B5EF4-FFF2-40B4-BE49-F238E27FC236}">
+                <a16:creationId xmlns:a16="http://schemas.microsoft.com/office/drawing/2014/main" id="{4EC0DF58-7926-E27C-9B1B-7A522DB0B81A}"/>
+              </a:ext>
+            </a:extLst>
+          </p:cNvPr>
+          <p:cNvSpPr>
+            <a:spLocks noGrp="1"/>
+          </p:cNvSpPr>
+          <p:nvPr>
+            <p:ph idx="1"/>
+          </p:nvPr>
+        </p:nvSpPr>
+        <p:spPr/>
+        <p:txBody>
+          <a:bodyPr/>
+          <a:lstStyle/>
+          <a:p>
+            <a:r>
+              <a:rPr lang="en-US" dirty="0"/>
+              <a:t>What You’ll Learn</a:t>
+            </a:r>
+          </a:p>
+          <a:p>
+            <a:pPr lvl="1"/>
+            <a:r>
+              <a:rPr lang="en-US" dirty="0"/>
+              <a:t>How to bind the items in a </a:t>
+            </a:r>
+            <a:r>
+              <a:rPr lang="en-US" dirty="0" err="1"/>
+              <a:t>ListBox</a:t>
+            </a:r>
+            <a:r>
+              <a:rPr lang="en-US" dirty="0"/>
+              <a:t> to a list of objects</a:t>
+            </a:r>
+          </a:p>
+          <a:p>
+            <a:pPr lvl="1"/>
+            <a:r>
+              <a:rPr lang="en-US" dirty="0"/>
+              <a:t>How to bind the selected item</a:t>
+            </a:r>
+          </a:p>
+          <a:p>
+            <a:r>
+              <a:rPr lang="en-US" dirty="0"/>
+              <a:t>Exercise</a:t>
+            </a:r>
+          </a:p>
+          <a:p>
+            <a:pPr lvl="1"/>
+            <a:r>
+              <a:rPr lang="en-US" dirty="0"/>
+              <a:t>Start from existing project: Exercise_4_BindingToList</a:t>
+            </a:r>
+          </a:p>
+          <a:p>
+            <a:pPr lvl="1"/>
+            <a:r>
+              <a:rPr lang="en-US" dirty="0"/>
+              <a:t>Create the ViewModel</a:t>
+            </a:r>
+          </a:p>
+          <a:p>
+            <a:pPr lvl="1"/>
+            <a:r>
+              <a:rPr lang="en-US" dirty="0"/>
+              <a:t>Set the DataContext</a:t>
+            </a:r>
+          </a:p>
+          <a:p>
+            <a:pPr lvl="1"/>
+            <a:r>
+              <a:rPr lang="en-US" dirty="0"/>
+              <a:t>Create the </a:t>
+            </a:r>
+            <a:r>
+              <a:rPr lang="en-US" dirty="0" err="1"/>
+              <a:t>ListBox</a:t>
+            </a:r>
+            <a:endParaRPr lang="en-US" dirty="0"/>
+          </a:p>
+          <a:p>
+            <a:pPr lvl="1"/>
+            <a:r>
+              <a:rPr lang="en-US" dirty="0"/>
+              <a:t>Fix the </a:t>
+            </a:r>
+            <a:r>
+              <a:rPr lang="en-US" dirty="0" err="1"/>
+              <a:t>ListBox</a:t>
+            </a:r>
+            <a:r>
+              <a:rPr lang="en-US" dirty="0"/>
+              <a:t> entries</a:t>
+            </a:r>
+          </a:p>
+          <a:p>
+            <a:pPr lvl="1"/>
+            <a:r>
+              <a:rPr lang="en-US" dirty="0"/>
+              <a:t>Display selected item info</a:t>
+            </a:r>
+          </a:p>
+        </p:txBody>
+      </p:sp>
+    </p:spTree>
+    <p:extLst>
+      <p:ext uri="{BB962C8B-B14F-4D97-AF65-F5344CB8AC3E}">
+        <p14:creationId xmlns:p14="http://schemas.microsoft.com/office/powerpoint/2010/main" val="60035143"/>
+      </p:ext>
+    </p:extLst>
+  </p:cSld>
+  <p:clrMapOvr>
+    <a:masterClrMapping/>
+  </p:clrMapOvr>
 </p:sld>
 </file>
 

--- a/WPF-Workshop-Sexton-Oct2023.pptx
+++ b/WPF-Workshop-Sexton-Oct2023.pptx
@@ -5,7 +5,7 @@
     <p:sldMasterId id="2147483896" r:id="rId1"/>
   </p:sldMasterIdLst>
   <p:notesMasterIdLst>
-    <p:notesMasterId r:id="rId31"/>
+    <p:notesMasterId r:id="rId37"/>
   </p:notesMasterIdLst>
   <p:sldIdLst>
     <p:sldId id="256" r:id="rId2"/>
@@ -37,6 +37,12 @@
     <p:sldId id="283" r:id="rId28"/>
     <p:sldId id="284" r:id="rId29"/>
     <p:sldId id="285" r:id="rId30"/>
+    <p:sldId id="286" r:id="rId31"/>
+    <p:sldId id="287" r:id="rId32"/>
+    <p:sldId id="288" r:id="rId33"/>
+    <p:sldId id="289" r:id="rId34"/>
+    <p:sldId id="290" r:id="rId35"/>
+    <p:sldId id="291" r:id="rId36"/>
   </p:sldIdLst>
   <p:sldSz cx="12192000" cy="6858000"/>
   <p:notesSz cx="6858000" cy="9144000"/>
@@ -2531,6 +2537,323 @@
 </p:notes>
 </file>
 
+<file path=ppt/notesSlides/notesSlide27.xml><?xml version="1.0" encoding="utf-8"?>
+<p:notes xmlns:a="http://schemas.openxmlformats.org/drawingml/2006/main" xmlns:r="http://schemas.openxmlformats.org/officeDocument/2006/relationships" xmlns:p="http://schemas.openxmlformats.org/presentationml/2006/main">
+  <p:cSld>
+    <p:spTree>
+      <p:nvGrpSpPr>
+        <p:cNvPr id="1" name=""/>
+        <p:cNvGrpSpPr/>
+        <p:nvPr/>
+      </p:nvGrpSpPr>
+      <p:grpSpPr>
+        <a:xfrm>
+          <a:off x="0" y="0"/>
+          <a:ext cx="0" cy="0"/>
+          <a:chOff x="0" y="0"/>
+          <a:chExt cx="0" cy="0"/>
+        </a:xfrm>
+      </p:grpSpPr>
+      <p:sp>
+        <p:nvSpPr>
+          <p:cNvPr id="2" name="Slide Image Placeholder 1"/>
+          <p:cNvSpPr>
+            <a:spLocks noGrp="1" noRot="1" noChangeAspect="1"/>
+          </p:cNvSpPr>
+          <p:nvPr>
+            <p:ph type="sldImg"/>
+          </p:nvPr>
+        </p:nvSpPr>
+        <p:spPr/>
+      </p:sp>
+      <p:sp>
+        <p:nvSpPr>
+          <p:cNvPr id="3" name="Notes Placeholder 2"/>
+          <p:cNvSpPr>
+            <a:spLocks noGrp="1"/>
+          </p:cNvSpPr>
+          <p:nvPr>
+            <p:ph type="body" idx="1"/>
+          </p:nvPr>
+        </p:nvSpPr>
+        <p:spPr/>
+        <p:txBody>
+          <a:bodyPr/>
+          <a:lstStyle/>
+          <a:p>
+            <a:r>
+              <a:rPr lang="en-US" dirty="0"/>
+              <a:t>Dictate - They are used in a variety of places, but we'll look at lists first</a:t>
+            </a:r>
+          </a:p>
+          <a:p>
+            <a:r>
+              <a:rPr lang="en-US" dirty="0"/>
+              <a:t>Text comes from - You saw this with the Person; w/o </a:t>
+            </a:r>
+            <a:r>
+              <a:rPr lang="en-US" dirty="0" err="1"/>
+              <a:t>ToString</a:t>
+            </a:r>
+            <a:r>
+              <a:rPr lang="en-US" dirty="0"/>
+              <a:t>, you just got the type of the object</a:t>
+            </a:r>
+          </a:p>
+          <a:p>
+            <a:r>
+              <a:rPr lang="en-US" dirty="0"/>
+              <a:t>LAST – Example</a:t>
+            </a:r>
+          </a:p>
+          <a:p>
+            <a:r>
+              <a:rPr lang="en-US" dirty="0"/>
+              <a:t>- Show ViewModel, View, then run-time</a:t>
+            </a:r>
+          </a:p>
+        </p:txBody>
+      </p:sp>
+      <p:sp>
+        <p:nvSpPr>
+          <p:cNvPr id="4" name="Slide Number Placeholder 3"/>
+          <p:cNvSpPr>
+            <a:spLocks noGrp="1"/>
+          </p:cNvSpPr>
+          <p:nvPr>
+            <p:ph type="sldNum" sz="quarter" idx="5"/>
+          </p:nvPr>
+        </p:nvSpPr>
+        <p:spPr/>
+        <p:txBody>
+          <a:bodyPr/>
+          <a:lstStyle/>
+          <a:p>
+            <a:fld id="{52D86A8A-0D3B-4DD1-BCA4-15D29761E8A6}" type="slidenum">
+              <a:rPr lang="en-US" smtClean="0"/>
+              <a:t>30</a:t>
+            </a:fld>
+            <a:endParaRPr lang="en-US"/>
+          </a:p>
+        </p:txBody>
+      </p:sp>
+    </p:spTree>
+    <p:extLst>
+      <p:ext uri="{BB962C8B-B14F-4D97-AF65-F5344CB8AC3E}">
+        <p14:creationId xmlns:p14="http://schemas.microsoft.com/office/powerpoint/2010/main" val="1710443305"/>
+      </p:ext>
+    </p:extLst>
+  </p:cSld>
+  <p:clrMapOvr>
+    <a:masterClrMapping/>
+  </p:clrMapOvr>
+</p:notes>
+</file>
+
+<file path=ppt/notesSlides/notesSlide28.xml><?xml version="1.0" encoding="utf-8"?>
+<p:notes xmlns:a="http://schemas.openxmlformats.org/drawingml/2006/main" xmlns:r="http://schemas.openxmlformats.org/officeDocument/2006/relationships" xmlns:p="http://schemas.openxmlformats.org/presentationml/2006/main">
+  <p:cSld>
+    <p:spTree>
+      <p:nvGrpSpPr>
+        <p:cNvPr id="1" name=""/>
+        <p:cNvGrpSpPr/>
+        <p:nvPr/>
+      </p:nvGrpSpPr>
+      <p:grpSpPr>
+        <a:xfrm>
+          <a:off x="0" y="0"/>
+          <a:ext cx="0" cy="0"/>
+          <a:chOff x="0" y="0"/>
+          <a:chExt cx="0" cy="0"/>
+        </a:xfrm>
+      </p:grpSpPr>
+      <p:sp>
+        <p:nvSpPr>
+          <p:cNvPr id="2" name="Slide Image Placeholder 1"/>
+          <p:cNvSpPr>
+            <a:spLocks noGrp="1" noRot="1" noChangeAspect="1"/>
+          </p:cNvSpPr>
+          <p:nvPr>
+            <p:ph type="sldImg"/>
+          </p:nvPr>
+        </p:nvSpPr>
+        <p:spPr/>
+      </p:sp>
+      <p:sp>
+        <p:nvSpPr>
+          <p:cNvPr id="3" name="Notes Placeholder 2"/>
+          <p:cNvSpPr>
+            <a:spLocks noGrp="1"/>
+          </p:cNvSpPr>
+          <p:nvPr>
+            <p:ph type="body" idx="1"/>
+          </p:nvPr>
+        </p:nvSpPr>
+        <p:spPr/>
+        <p:txBody>
+          <a:bodyPr/>
+          <a:lstStyle/>
+          <a:p>
+            <a:r>
+              <a:rPr lang="en-US" dirty="0"/>
+              <a:t>LAST: </a:t>
+            </a:r>
+            <a:r>
+              <a:rPr lang="en-US" dirty="0" err="1"/>
+              <a:t>ContentTemplate</a:t>
+            </a:r>
+            <a:endParaRPr lang="en-US" dirty="0"/>
+          </a:p>
+        </p:txBody>
+      </p:sp>
+      <p:sp>
+        <p:nvSpPr>
+          <p:cNvPr id="4" name="Slide Number Placeholder 3"/>
+          <p:cNvSpPr>
+            <a:spLocks noGrp="1"/>
+          </p:cNvSpPr>
+          <p:nvPr>
+            <p:ph type="sldNum" sz="quarter" idx="5"/>
+          </p:nvPr>
+        </p:nvSpPr>
+        <p:spPr/>
+        <p:txBody>
+          <a:bodyPr/>
+          <a:lstStyle/>
+          <a:p>
+            <a:fld id="{52D86A8A-0D3B-4DD1-BCA4-15D29761E8A6}" type="slidenum">
+              <a:rPr lang="en-US" smtClean="0"/>
+              <a:t>31</a:t>
+            </a:fld>
+            <a:endParaRPr lang="en-US"/>
+          </a:p>
+        </p:txBody>
+      </p:sp>
+    </p:spTree>
+    <p:extLst>
+      <p:ext uri="{BB962C8B-B14F-4D97-AF65-F5344CB8AC3E}">
+        <p14:creationId xmlns:p14="http://schemas.microsoft.com/office/powerpoint/2010/main" val="3300006305"/>
+      </p:ext>
+    </p:extLst>
+  </p:cSld>
+  <p:clrMapOvr>
+    <a:masterClrMapping/>
+  </p:clrMapOvr>
+</p:notes>
+</file>
+
+<file path=ppt/notesSlides/notesSlide29.xml><?xml version="1.0" encoding="utf-8"?>
+<p:notes xmlns:a="http://schemas.openxmlformats.org/drawingml/2006/main" xmlns:r="http://schemas.openxmlformats.org/officeDocument/2006/relationships" xmlns:p="http://schemas.openxmlformats.org/presentationml/2006/main">
+  <p:cSld>
+    <p:spTree>
+      <p:nvGrpSpPr>
+        <p:cNvPr id="1" name=""/>
+        <p:cNvGrpSpPr/>
+        <p:nvPr/>
+      </p:nvGrpSpPr>
+      <p:grpSpPr>
+        <a:xfrm>
+          <a:off x="0" y="0"/>
+          <a:ext cx="0" cy="0"/>
+          <a:chOff x="0" y="0"/>
+          <a:chExt cx="0" cy="0"/>
+        </a:xfrm>
+      </p:grpSpPr>
+      <p:sp>
+        <p:nvSpPr>
+          <p:cNvPr id="2" name="Slide Image Placeholder 1"/>
+          <p:cNvSpPr>
+            <a:spLocks noGrp="1" noRot="1" noChangeAspect="1"/>
+          </p:cNvSpPr>
+          <p:nvPr>
+            <p:ph type="sldImg"/>
+          </p:nvPr>
+        </p:nvSpPr>
+        <p:spPr/>
+      </p:sp>
+      <p:sp>
+        <p:nvSpPr>
+          <p:cNvPr id="3" name="Notes Placeholder 2"/>
+          <p:cNvSpPr>
+            <a:spLocks noGrp="1"/>
+          </p:cNvSpPr>
+          <p:nvPr>
+            <p:ph type="body" idx="1"/>
+          </p:nvPr>
+        </p:nvSpPr>
+        <p:spPr/>
+        <p:txBody>
+          <a:bodyPr/>
+          <a:lstStyle/>
+          <a:p>
+            <a:r>
+              <a:rPr lang="en-US" dirty="0"/>
+              <a:t>LAST: Benefits</a:t>
+            </a:r>
+          </a:p>
+          <a:p>
+            <a:r>
+              <a:rPr lang="en-US" dirty="0" err="1"/>
+              <a:t>CanExecute</a:t>
+            </a:r>
+            <a:r>
+              <a:rPr lang="en-US" dirty="0"/>
+              <a:t> - Build logic into command</a:t>
+            </a:r>
+          </a:p>
+          <a:p>
+            <a:r>
+              <a:rPr lang="en-US" dirty="0"/>
+              <a:t>    - Command can have state, or require certain pre-conditions</a:t>
+            </a:r>
+          </a:p>
+          <a:p>
+            <a:r>
+              <a:rPr lang="en-US" dirty="0"/>
+              <a:t>    - automatically used by UI controls to grey out controls when execution not possible</a:t>
+            </a:r>
+          </a:p>
+          <a:p>
+            <a:endParaRPr lang="en-US" dirty="0"/>
+          </a:p>
+        </p:txBody>
+      </p:sp>
+      <p:sp>
+        <p:nvSpPr>
+          <p:cNvPr id="4" name="Slide Number Placeholder 3"/>
+          <p:cNvSpPr>
+            <a:spLocks noGrp="1"/>
+          </p:cNvSpPr>
+          <p:nvPr>
+            <p:ph type="sldNum" sz="quarter" idx="5"/>
+          </p:nvPr>
+        </p:nvSpPr>
+        <p:spPr/>
+        <p:txBody>
+          <a:bodyPr/>
+          <a:lstStyle/>
+          <a:p>
+            <a:fld id="{52D86A8A-0D3B-4DD1-BCA4-15D29761E8A6}" type="slidenum">
+              <a:rPr lang="en-US" smtClean="0"/>
+              <a:t>33</a:t>
+            </a:fld>
+            <a:endParaRPr lang="en-US"/>
+          </a:p>
+        </p:txBody>
+      </p:sp>
+    </p:spTree>
+    <p:extLst>
+      <p:ext uri="{BB962C8B-B14F-4D97-AF65-F5344CB8AC3E}">
+        <p14:creationId xmlns:p14="http://schemas.microsoft.com/office/powerpoint/2010/main" val="3065635492"/>
+      </p:ext>
+    </p:extLst>
+  </p:cSld>
+  <p:clrMapOvr>
+    <a:masterClrMapping/>
+  </p:clrMapOvr>
+</p:notes>
+</file>
+
 <file path=ppt/notesSlides/notesSlide3.xml><?xml version="1.0" encoding="utf-8"?>
 <p:notes xmlns:a="http://schemas.openxmlformats.org/drawingml/2006/main" xmlns:r="http://schemas.openxmlformats.org/officeDocument/2006/relationships" xmlns:p="http://schemas.openxmlformats.org/presentationml/2006/main">
   <p:cSld>
@@ -2609,6 +2932,121 @@
     <p:extLst>
       <p:ext uri="{BB962C8B-B14F-4D97-AF65-F5344CB8AC3E}">
         <p14:creationId xmlns:p14="http://schemas.microsoft.com/office/powerpoint/2010/main" val="1411583224"/>
+      </p:ext>
+    </p:extLst>
+  </p:cSld>
+  <p:clrMapOvr>
+    <a:masterClrMapping/>
+  </p:clrMapOvr>
+</p:notes>
+</file>
+
+<file path=ppt/notesSlides/notesSlide30.xml><?xml version="1.0" encoding="utf-8"?>
+<p:notes xmlns:a="http://schemas.openxmlformats.org/drawingml/2006/main" xmlns:r="http://schemas.openxmlformats.org/officeDocument/2006/relationships" xmlns:p="http://schemas.openxmlformats.org/presentationml/2006/main">
+  <p:cSld>
+    <p:spTree>
+      <p:nvGrpSpPr>
+        <p:cNvPr id="1" name=""/>
+        <p:cNvGrpSpPr/>
+        <p:nvPr/>
+      </p:nvGrpSpPr>
+      <p:grpSpPr>
+        <a:xfrm>
+          <a:off x="0" y="0"/>
+          <a:ext cx="0" cy="0"/>
+          <a:chOff x="0" y="0"/>
+          <a:chExt cx="0" cy="0"/>
+        </a:xfrm>
+      </p:grpSpPr>
+      <p:sp>
+        <p:nvSpPr>
+          <p:cNvPr id="2" name="Slide Image Placeholder 1"/>
+          <p:cNvSpPr>
+            <a:spLocks noGrp="1" noRot="1" noChangeAspect="1"/>
+          </p:cNvSpPr>
+          <p:nvPr>
+            <p:ph type="sldImg"/>
+          </p:nvPr>
+        </p:nvSpPr>
+        <p:spPr/>
+      </p:sp>
+      <p:sp>
+        <p:nvSpPr>
+          <p:cNvPr id="3" name="Notes Placeholder 2"/>
+          <p:cNvSpPr>
+            <a:spLocks noGrp="1"/>
+          </p:cNvSpPr>
+          <p:nvPr>
+            <p:ph type="body" idx="1"/>
+          </p:nvPr>
+        </p:nvSpPr>
+        <p:spPr/>
+        <p:txBody>
+          <a:bodyPr/>
+          <a:lstStyle/>
+          <a:p>
+            <a:r>
+              <a:rPr lang="en-US" dirty="0"/>
+              <a:t>LAST: Example</a:t>
+            </a:r>
+          </a:p>
+          <a:p>
+            <a:r>
+              <a:rPr lang="en-US" dirty="0"/>
+              <a:t>- Look at </a:t>
+            </a:r>
+            <a:r>
+              <a:rPr lang="en-US" dirty="0" err="1"/>
+              <a:t>DelegateCommand</a:t>
+            </a:r>
+            <a:endParaRPr lang="en-US" dirty="0"/>
+          </a:p>
+          <a:p>
+            <a:r>
+              <a:rPr lang="en-US" i="0" dirty="0"/>
+              <a:t>- </a:t>
+            </a:r>
+            <a:r>
+              <a:rPr lang="en-US" sz="1800" i="0" dirty="0">
+                <a:effectLst/>
+                <a:latin typeface="Calibri" panose="020F0502020204030204" pitchFamily="34" charset="0"/>
+              </a:rPr>
+              <a:t>Look at ViewModel; NB lambdas could be methods</a:t>
+            </a:r>
+            <a:endParaRPr lang="en-US" i="0" dirty="0"/>
+          </a:p>
+          <a:p>
+            <a:endParaRPr lang="en-US" dirty="0"/>
+          </a:p>
+        </p:txBody>
+      </p:sp>
+      <p:sp>
+        <p:nvSpPr>
+          <p:cNvPr id="4" name="Slide Number Placeholder 3"/>
+          <p:cNvSpPr>
+            <a:spLocks noGrp="1"/>
+          </p:cNvSpPr>
+          <p:nvPr>
+            <p:ph type="sldNum" sz="quarter" idx="5"/>
+          </p:nvPr>
+        </p:nvSpPr>
+        <p:spPr/>
+        <p:txBody>
+          <a:bodyPr/>
+          <a:lstStyle/>
+          <a:p>
+            <a:fld id="{52D86A8A-0D3B-4DD1-BCA4-15D29761E8A6}" type="slidenum">
+              <a:rPr lang="en-US" smtClean="0"/>
+              <a:t>34</a:t>
+            </a:fld>
+            <a:endParaRPr lang="en-US"/>
+          </a:p>
+        </p:txBody>
+      </p:sp>
+    </p:spTree>
+    <p:extLst>
+      <p:ext uri="{BB962C8B-B14F-4D97-AF65-F5344CB8AC3E}">
+        <p14:creationId xmlns:p14="http://schemas.microsoft.com/office/powerpoint/2010/main" val="1509336187"/>
       </p:ext>
     </p:extLst>
   </p:cSld>
@@ -20856,6 +21294,3319 @@
 </p:sld>
 </file>
 
+<file path=ppt/slides/slide30.xml><?xml version="1.0" encoding="utf-8"?>
+<p:sld xmlns:a="http://schemas.openxmlformats.org/drawingml/2006/main" xmlns:r="http://schemas.openxmlformats.org/officeDocument/2006/relationships" xmlns:p="http://schemas.openxmlformats.org/presentationml/2006/main">
+  <p:cSld>
+    <p:spTree>
+      <p:nvGrpSpPr>
+        <p:cNvPr id="1" name=""/>
+        <p:cNvGrpSpPr/>
+        <p:nvPr/>
+      </p:nvGrpSpPr>
+      <p:grpSpPr>
+        <a:xfrm>
+          <a:off x="0" y="0"/>
+          <a:ext cx="0" cy="0"/>
+          <a:chOff x="0" y="0"/>
+          <a:chExt cx="0" cy="0"/>
+        </a:xfrm>
+      </p:grpSpPr>
+      <p:sp>
+        <p:nvSpPr>
+          <p:cNvPr id="2" name="Title 1">
+            <a:extLst>
+              <a:ext uri="{FF2B5EF4-FFF2-40B4-BE49-F238E27FC236}">
+                <a16:creationId xmlns:a16="http://schemas.microsoft.com/office/drawing/2014/main" id="{01A7E273-1AA8-F1E2-DC53-D9366CB098A0}"/>
+              </a:ext>
+            </a:extLst>
+          </p:cNvPr>
+          <p:cNvSpPr>
+            <a:spLocks noGrp="1"/>
+          </p:cNvSpPr>
+          <p:nvPr>
+            <p:ph type="title"/>
+          </p:nvPr>
+        </p:nvSpPr>
+        <p:spPr/>
+        <p:txBody>
+          <a:bodyPr/>
+          <a:lstStyle/>
+          <a:p>
+            <a:r>
+              <a:rPr lang="en-US" dirty="0"/>
+              <a:t>Unit 5 – Data Templates</a:t>
+            </a:r>
+          </a:p>
+        </p:txBody>
+      </p:sp>
+      <p:sp>
+        <p:nvSpPr>
+          <p:cNvPr id="3" name="Content Placeholder 2">
+            <a:extLst>
+              <a:ext uri="{FF2B5EF4-FFF2-40B4-BE49-F238E27FC236}">
+                <a16:creationId xmlns:a16="http://schemas.microsoft.com/office/drawing/2014/main" id="{6452C711-3751-289D-E62F-64E3F6D6BC96}"/>
+              </a:ext>
+            </a:extLst>
+          </p:cNvPr>
+          <p:cNvSpPr>
+            <a:spLocks noGrp="1"/>
+          </p:cNvSpPr>
+          <p:nvPr>
+            <p:ph idx="1"/>
+          </p:nvPr>
+        </p:nvSpPr>
+        <p:spPr/>
+        <p:txBody>
+          <a:bodyPr>
+            <a:normAutofit fontScale="77500" lnSpcReduction="20000"/>
+          </a:bodyPr>
+          <a:lstStyle/>
+          <a:p>
+            <a:r>
+              <a:rPr lang="en-US" dirty="0"/>
+              <a:t>Data templates dictate how to format objects in lists</a:t>
+            </a:r>
+          </a:p>
+          <a:p>
+            <a:r>
+              <a:rPr lang="en-US" dirty="0"/>
+              <a:t>Default behavior</a:t>
+            </a:r>
+          </a:p>
+          <a:p>
+            <a:pPr lvl="1"/>
+            <a:r>
+              <a:rPr lang="en-US" dirty="0"/>
+              <a:t>In a list, default data template is just text</a:t>
+            </a:r>
+          </a:p>
+          <a:p>
+            <a:pPr lvl="1"/>
+            <a:r>
+              <a:rPr lang="en-US" dirty="0"/>
+              <a:t>Text comes from calling </a:t>
+            </a:r>
+            <a:r>
+              <a:rPr lang="en-US" dirty="0" err="1"/>
+              <a:t>ToString</a:t>
+            </a:r>
+            <a:r>
+              <a:rPr lang="en-US" dirty="0"/>
+              <a:t> on the object</a:t>
+            </a:r>
+          </a:p>
+          <a:p>
+            <a:r>
+              <a:rPr lang="en-US" dirty="0"/>
+              <a:t>Override data template for a </a:t>
+            </a:r>
+            <a:r>
+              <a:rPr lang="en-US" dirty="0" err="1"/>
+              <a:t>ListBox</a:t>
+            </a:r>
+            <a:endParaRPr lang="en-US" dirty="0"/>
+          </a:p>
+          <a:p>
+            <a:pPr lvl="1"/>
+            <a:r>
+              <a:rPr lang="en-US" dirty="0"/>
+              <a:t>Each item in list binds to object of a particular type  (e.g. Person)</a:t>
+            </a:r>
+          </a:p>
+          <a:p>
+            <a:pPr lvl="1"/>
+            <a:r>
+              <a:rPr lang="en-US" dirty="0"/>
+              <a:t>You create data template to define how to display the data</a:t>
+            </a:r>
+          </a:p>
+          <a:p>
+            <a:r>
+              <a:rPr lang="en-US" dirty="0"/>
+              <a:t>ItemTemplate property of </a:t>
+            </a:r>
+            <a:r>
+              <a:rPr lang="en-US" dirty="0" err="1"/>
+              <a:t>ListBox</a:t>
+            </a:r>
+            <a:endParaRPr lang="en-US" dirty="0"/>
+          </a:p>
+          <a:p>
+            <a:pPr lvl="1"/>
+            <a:r>
+              <a:rPr lang="en-US" dirty="0"/>
+              <a:t>Set to a </a:t>
+            </a:r>
+            <a:r>
+              <a:rPr lang="en-US" dirty="0" err="1"/>
+              <a:t>DataTemplate</a:t>
+            </a:r>
+            <a:endParaRPr lang="en-US" dirty="0"/>
+          </a:p>
+          <a:p>
+            <a:pPr lvl="1"/>
+            <a:r>
+              <a:rPr lang="en-US" dirty="0"/>
+              <a:t>Data context of the data template is the item in the list  (e.g. Person)</a:t>
+            </a:r>
+          </a:p>
+          <a:p>
+            <a:pPr lvl="1"/>
+            <a:r>
+              <a:rPr lang="en-US" dirty="0"/>
+              <a:t>Use normal layout techniques</a:t>
+            </a:r>
+          </a:p>
+          <a:p>
+            <a:pPr lvl="1"/>
+            <a:r>
+              <a:rPr lang="en-US" dirty="0"/>
+              <a:t>Bind to properties on the item in the list  (e.g. Person)</a:t>
+            </a:r>
+          </a:p>
+          <a:p>
+            <a:r>
+              <a:rPr lang="en-US" dirty="0">
+                <a:solidFill>
+                  <a:srgbClr val="00B050"/>
+                </a:solidFill>
+              </a:rPr>
+              <a:t>Example - </a:t>
+            </a:r>
+            <a:r>
+              <a:rPr lang="en-US" dirty="0" err="1">
+                <a:solidFill>
+                  <a:srgbClr val="00B050"/>
+                </a:solidFill>
+              </a:rPr>
+              <a:t>DataTemplate</a:t>
+            </a:r>
+            <a:r>
+              <a:rPr lang="en-US" dirty="0">
+                <a:solidFill>
+                  <a:srgbClr val="00B050"/>
+                </a:solidFill>
+              </a:rPr>
+              <a:t> in a </a:t>
+            </a:r>
+            <a:r>
+              <a:rPr lang="en-US" dirty="0" err="1">
+                <a:solidFill>
+                  <a:srgbClr val="00B050"/>
+                </a:solidFill>
+              </a:rPr>
+              <a:t>ListBox</a:t>
+            </a:r>
+            <a:endParaRPr lang="en-US" dirty="0">
+              <a:solidFill>
+                <a:srgbClr val="00B050"/>
+              </a:solidFill>
+            </a:endParaRPr>
+          </a:p>
+          <a:p>
+            <a:endParaRPr lang="en-US" dirty="0"/>
+          </a:p>
+        </p:txBody>
+      </p:sp>
+    </p:spTree>
+    <p:extLst>
+      <p:ext uri="{BB962C8B-B14F-4D97-AF65-F5344CB8AC3E}">
+        <p14:creationId xmlns:p14="http://schemas.microsoft.com/office/powerpoint/2010/main" val="3573494172"/>
+      </p:ext>
+    </p:extLst>
+  </p:cSld>
+  <p:clrMapOvr>
+    <a:masterClrMapping/>
+  </p:clrMapOvr>
+  <p:timing>
+    <p:tnLst>
+      <p:par>
+        <p:cTn id="1" dur="indefinite" restart="never" nodeType="tmRoot">
+          <p:childTnLst>
+            <p:seq concurrent="1" nextAc="seek">
+              <p:cTn id="2" dur="indefinite" nodeType="mainSeq">
+                <p:childTnLst>
+                  <p:par>
+                    <p:cTn id="3" fill="hold">
+                      <p:stCondLst>
+                        <p:cond delay="indefinite"/>
+                      </p:stCondLst>
+                      <p:childTnLst>
+                        <p:par>
+                          <p:cTn id="4" fill="hold">
+                            <p:stCondLst>
+                              <p:cond delay="0"/>
+                            </p:stCondLst>
+                            <p:childTnLst>
+                              <p:par>
+                                <p:cTn id="5" presetID="10" presetClass="entr" presetSubtype="0" fill="hold" nodeType="clickEffect">
+                                  <p:stCondLst>
+                                    <p:cond delay="0"/>
+                                  </p:stCondLst>
+                                  <p:childTnLst>
+                                    <p:set>
+                                      <p:cBhvr>
+                                        <p:cTn id="6" dur="1" fill="hold">
+                                          <p:stCondLst>
+                                            <p:cond delay="0"/>
+                                          </p:stCondLst>
+                                        </p:cTn>
+                                        <p:tgtEl>
+                                          <p:spTgt spid="3">
+                                            <p:txEl>
+                                              <p:pRg st="0" end="0"/>
+                                            </p:txEl>
+                                          </p:spTgt>
+                                        </p:tgtEl>
+                                        <p:attrNameLst>
+                                          <p:attrName>style.visibility</p:attrName>
+                                        </p:attrNameLst>
+                                      </p:cBhvr>
+                                      <p:to>
+                                        <p:strVal val="visible"/>
+                                      </p:to>
+                                    </p:set>
+                                    <p:animEffect transition="in" filter="fade">
+                                      <p:cBhvr>
+                                        <p:cTn id="7" dur="500"/>
+                                        <p:tgtEl>
+                                          <p:spTgt spid="3">
+                                            <p:txEl>
+                                              <p:pRg st="0" end="0"/>
+                                            </p:txEl>
+                                          </p:spTgt>
+                                        </p:tgtEl>
+                                      </p:cBhvr>
+                                    </p:animEffect>
+                                  </p:childTnLst>
+                                </p:cTn>
+                              </p:par>
+                            </p:childTnLst>
+                          </p:cTn>
+                        </p:par>
+                      </p:childTnLst>
+                    </p:cTn>
+                  </p:par>
+                  <p:par>
+                    <p:cTn id="8" fill="hold">
+                      <p:stCondLst>
+                        <p:cond delay="indefinite"/>
+                      </p:stCondLst>
+                      <p:childTnLst>
+                        <p:par>
+                          <p:cTn id="9" fill="hold">
+                            <p:stCondLst>
+                              <p:cond delay="0"/>
+                            </p:stCondLst>
+                            <p:childTnLst>
+                              <p:par>
+                                <p:cTn id="10" presetID="10" presetClass="entr" presetSubtype="0" fill="hold" nodeType="clickEffect">
+                                  <p:stCondLst>
+                                    <p:cond delay="0"/>
+                                  </p:stCondLst>
+                                  <p:childTnLst>
+                                    <p:set>
+                                      <p:cBhvr>
+                                        <p:cTn id="11" dur="1" fill="hold">
+                                          <p:stCondLst>
+                                            <p:cond delay="0"/>
+                                          </p:stCondLst>
+                                        </p:cTn>
+                                        <p:tgtEl>
+                                          <p:spTgt spid="3">
+                                            <p:txEl>
+                                              <p:pRg st="1" end="1"/>
+                                            </p:txEl>
+                                          </p:spTgt>
+                                        </p:tgtEl>
+                                        <p:attrNameLst>
+                                          <p:attrName>style.visibility</p:attrName>
+                                        </p:attrNameLst>
+                                      </p:cBhvr>
+                                      <p:to>
+                                        <p:strVal val="visible"/>
+                                      </p:to>
+                                    </p:set>
+                                    <p:animEffect transition="in" filter="fade">
+                                      <p:cBhvr>
+                                        <p:cTn id="12" dur="500"/>
+                                        <p:tgtEl>
+                                          <p:spTgt spid="3">
+                                            <p:txEl>
+                                              <p:pRg st="1" end="1"/>
+                                            </p:txEl>
+                                          </p:spTgt>
+                                        </p:tgtEl>
+                                      </p:cBhvr>
+                                    </p:animEffect>
+                                  </p:childTnLst>
+                                </p:cTn>
+                              </p:par>
+                              <p:par>
+                                <p:cTn id="13" presetID="10" presetClass="entr" presetSubtype="0" fill="hold" nodeType="withEffect">
+                                  <p:stCondLst>
+                                    <p:cond delay="0"/>
+                                  </p:stCondLst>
+                                  <p:childTnLst>
+                                    <p:set>
+                                      <p:cBhvr>
+                                        <p:cTn id="14" dur="1" fill="hold">
+                                          <p:stCondLst>
+                                            <p:cond delay="0"/>
+                                          </p:stCondLst>
+                                        </p:cTn>
+                                        <p:tgtEl>
+                                          <p:spTgt spid="3">
+                                            <p:txEl>
+                                              <p:pRg st="2" end="2"/>
+                                            </p:txEl>
+                                          </p:spTgt>
+                                        </p:tgtEl>
+                                        <p:attrNameLst>
+                                          <p:attrName>style.visibility</p:attrName>
+                                        </p:attrNameLst>
+                                      </p:cBhvr>
+                                      <p:to>
+                                        <p:strVal val="visible"/>
+                                      </p:to>
+                                    </p:set>
+                                    <p:animEffect transition="in" filter="fade">
+                                      <p:cBhvr>
+                                        <p:cTn id="15" dur="500"/>
+                                        <p:tgtEl>
+                                          <p:spTgt spid="3">
+                                            <p:txEl>
+                                              <p:pRg st="2" end="2"/>
+                                            </p:txEl>
+                                          </p:spTgt>
+                                        </p:tgtEl>
+                                      </p:cBhvr>
+                                    </p:animEffect>
+                                  </p:childTnLst>
+                                </p:cTn>
+                              </p:par>
+                              <p:par>
+                                <p:cTn id="16" presetID="10" presetClass="entr" presetSubtype="0" fill="hold" nodeType="withEffect">
+                                  <p:stCondLst>
+                                    <p:cond delay="0"/>
+                                  </p:stCondLst>
+                                  <p:childTnLst>
+                                    <p:set>
+                                      <p:cBhvr>
+                                        <p:cTn id="17" dur="1" fill="hold">
+                                          <p:stCondLst>
+                                            <p:cond delay="0"/>
+                                          </p:stCondLst>
+                                        </p:cTn>
+                                        <p:tgtEl>
+                                          <p:spTgt spid="3">
+                                            <p:txEl>
+                                              <p:pRg st="3" end="3"/>
+                                            </p:txEl>
+                                          </p:spTgt>
+                                        </p:tgtEl>
+                                        <p:attrNameLst>
+                                          <p:attrName>style.visibility</p:attrName>
+                                        </p:attrNameLst>
+                                      </p:cBhvr>
+                                      <p:to>
+                                        <p:strVal val="visible"/>
+                                      </p:to>
+                                    </p:set>
+                                    <p:animEffect transition="in" filter="fade">
+                                      <p:cBhvr>
+                                        <p:cTn id="18" dur="500"/>
+                                        <p:tgtEl>
+                                          <p:spTgt spid="3">
+                                            <p:txEl>
+                                              <p:pRg st="3" end="3"/>
+                                            </p:txEl>
+                                          </p:spTgt>
+                                        </p:tgtEl>
+                                      </p:cBhvr>
+                                    </p:animEffect>
+                                  </p:childTnLst>
+                                </p:cTn>
+                              </p:par>
+                            </p:childTnLst>
+                          </p:cTn>
+                        </p:par>
+                      </p:childTnLst>
+                    </p:cTn>
+                  </p:par>
+                  <p:par>
+                    <p:cTn id="19" fill="hold">
+                      <p:stCondLst>
+                        <p:cond delay="indefinite"/>
+                      </p:stCondLst>
+                      <p:childTnLst>
+                        <p:par>
+                          <p:cTn id="20" fill="hold">
+                            <p:stCondLst>
+                              <p:cond delay="0"/>
+                            </p:stCondLst>
+                            <p:childTnLst>
+                              <p:par>
+                                <p:cTn id="21" presetID="10" presetClass="entr" presetSubtype="0" fill="hold" nodeType="clickEffect">
+                                  <p:stCondLst>
+                                    <p:cond delay="0"/>
+                                  </p:stCondLst>
+                                  <p:childTnLst>
+                                    <p:set>
+                                      <p:cBhvr>
+                                        <p:cTn id="22" dur="1" fill="hold">
+                                          <p:stCondLst>
+                                            <p:cond delay="0"/>
+                                          </p:stCondLst>
+                                        </p:cTn>
+                                        <p:tgtEl>
+                                          <p:spTgt spid="3">
+                                            <p:txEl>
+                                              <p:pRg st="4" end="4"/>
+                                            </p:txEl>
+                                          </p:spTgt>
+                                        </p:tgtEl>
+                                        <p:attrNameLst>
+                                          <p:attrName>style.visibility</p:attrName>
+                                        </p:attrNameLst>
+                                      </p:cBhvr>
+                                      <p:to>
+                                        <p:strVal val="visible"/>
+                                      </p:to>
+                                    </p:set>
+                                    <p:animEffect transition="in" filter="fade">
+                                      <p:cBhvr>
+                                        <p:cTn id="23" dur="500"/>
+                                        <p:tgtEl>
+                                          <p:spTgt spid="3">
+                                            <p:txEl>
+                                              <p:pRg st="4" end="4"/>
+                                            </p:txEl>
+                                          </p:spTgt>
+                                        </p:tgtEl>
+                                      </p:cBhvr>
+                                    </p:animEffect>
+                                  </p:childTnLst>
+                                </p:cTn>
+                              </p:par>
+                              <p:par>
+                                <p:cTn id="24" presetID="10" presetClass="entr" presetSubtype="0" fill="hold" nodeType="withEffect">
+                                  <p:stCondLst>
+                                    <p:cond delay="0"/>
+                                  </p:stCondLst>
+                                  <p:childTnLst>
+                                    <p:set>
+                                      <p:cBhvr>
+                                        <p:cTn id="25" dur="1" fill="hold">
+                                          <p:stCondLst>
+                                            <p:cond delay="0"/>
+                                          </p:stCondLst>
+                                        </p:cTn>
+                                        <p:tgtEl>
+                                          <p:spTgt spid="3">
+                                            <p:txEl>
+                                              <p:pRg st="5" end="5"/>
+                                            </p:txEl>
+                                          </p:spTgt>
+                                        </p:tgtEl>
+                                        <p:attrNameLst>
+                                          <p:attrName>style.visibility</p:attrName>
+                                        </p:attrNameLst>
+                                      </p:cBhvr>
+                                      <p:to>
+                                        <p:strVal val="visible"/>
+                                      </p:to>
+                                    </p:set>
+                                    <p:animEffect transition="in" filter="fade">
+                                      <p:cBhvr>
+                                        <p:cTn id="26" dur="500"/>
+                                        <p:tgtEl>
+                                          <p:spTgt spid="3">
+                                            <p:txEl>
+                                              <p:pRg st="5" end="5"/>
+                                            </p:txEl>
+                                          </p:spTgt>
+                                        </p:tgtEl>
+                                      </p:cBhvr>
+                                    </p:animEffect>
+                                  </p:childTnLst>
+                                </p:cTn>
+                              </p:par>
+                              <p:par>
+                                <p:cTn id="27" presetID="10" presetClass="entr" presetSubtype="0" fill="hold" nodeType="withEffect">
+                                  <p:stCondLst>
+                                    <p:cond delay="0"/>
+                                  </p:stCondLst>
+                                  <p:childTnLst>
+                                    <p:set>
+                                      <p:cBhvr>
+                                        <p:cTn id="28" dur="1" fill="hold">
+                                          <p:stCondLst>
+                                            <p:cond delay="0"/>
+                                          </p:stCondLst>
+                                        </p:cTn>
+                                        <p:tgtEl>
+                                          <p:spTgt spid="3">
+                                            <p:txEl>
+                                              <p:pRg st="6" end="6"/>
+                                            </p:txEl>
+                                          </p:spTgt>
+                                        </p:tgtEl>
+                                        <p:attrNameLst>
+                                          <p:attrName>style.visibility</p:attrName>
+                                        </p:attrNameLst>
+                                      </p:cBhvr>
+                                      <p:to>
+                                        <p:strVal val="visible"/>
+                                      </p:to>
+                                    </p:set>
+                                    <p:animEffect transition="in" filter="fade">
+                                      <p:cBhvr>
+                                        <p:cTn id="29" dur="500"/>
+                                        <p:tgtEl>
+                                          <p:spTgt spid="3">
+                                            <p:txEl>
+                                              <p:pRg st="6" end="6"/>
+                                            </p:txEl>
+                                          </p:spTgt>
+                                        </p:tgtEl>
+                                      </p:cBhvr>
+                                    </p:animEffect>
+                                  </p:childTnLst>
+                                </p:cTn>
+                              </p:par>
+                            </p:childTnLst>
+                          </p:cTn>
+                        </p:par>
+                      </p:childTnLst>
+                    </p:cTn>
+                  </p:par>
+                  <p:par>
+                    <p:cTn id="30" fill="hold">
+                      <p:stCondLst>
+                        <p:cond delay="indefinite"/>
+                      </p:stCondLst>
+                      <p:childTnLst>
+                        <p:par>
+                          <p:cTn id="31" fill="hold">
+                            <p:stCondLst>
+                              <p:cond delay="0"/>
+                            </p:stCondLst>
+                            <p:childTnLst>
+                              <p:par>
+                                <p:cTn id="32" presetID="10" presetClass="entr" presetSubtype="0" fill="hold" nodeType="clickEffect">
+                                  <p:stCondLst>
+                                    <p:cond delay="0"/>
+                                  </p:stCondLst>
+                                  <p:childTnLst>
+                                    <p:set>
+                                      <p:cBhvr>
+                                        <p:cTn id="33" dur="1" fill="hold">
+                                          <p:stCondLst>
+                                            <p:cond delay="0"/>
+                                          </p:stCondLst>
+                                        </p:cTn>
+                                        <p:tgtEl>
+                                          <p:spTgt spid="3">
+                                            <p:txEl>
+                                              <p:pRg st="7" end="7"/>
+                                            </p:txEl>
+                                          </p:spTgt>
+                                        </p:tgtEl>
+                                        <p:attrNameLst>
+                                          <p:attrName>style.visibility</p:attrName>
+                                        </p:attrNameLst>
+                                      </p:cBhvr>
+                                      <p:to>
+                                        <p:strVal val="visible"/>
+                                      </p:to>
+                                    </p:set>
+                                    <p:animEffect transition="in" filter="fade">
+                                      <p:cBhvr>
+                                        <p:cTn id="34" dur="500"/>
+                                        <p:tgtEl>
+                                          <p:spTgt spid="3">
+                                            <p:txEl>
+                                              <p:pRg st="7" end="7"/>
+                                            </p:txEl>
+                                          </p:spTgt>
+                                        </p:tgtEl>
+                                      </p:cBhvr>
+                                    </p:animEffect>
+                                  </p:childTnLst>
+                                </p:cTn>
+                              </p:par>
+                              <p:par>
+                                <p:cTn id="35" presetID="10" presetClass="entr" presetSubtype="0" fill="hold" nodeType="withEffect">
+                                  <p:stCondLst>
+                                    <p:cond delay="0"/>
+                                  </p:stCondLst>
+                                  <p:childTnLst>
+                                    <p:set>
+                                      <p:cBhvr>
+                                        <p:cTn id="36" dur="1" fill="hold">
+                                          <p:stCondLst>
+                                            <p:cond delay="0"/>
+                                          </p:stCondLst>
+                                        </p:cTn>
+                                        <p:tgtEl>
+                                          <p:spTgt spid="3">
+                                            <p:txEl>
+                                              <p:pRg st="8" end="8"/>
+                                            </p:txEl>
+                                          </p:spTgt>
+                                        </p:tgtEl>
+                                        <p:attrNameLst>
+                                          <p:attrName>style.visibility</p:attrName>
+                                        </p:attrNameLst>
+                                      </p:cBhvr>
+                                      <p:to>
+                                        <p:strVal val="visible"/>
+                                      </p:to>
+                                    </p:set>
+                                    <p:animEffect transition="in" filter="fade">
+                                      <p:cBhvr>
+                                        <p:cTn id="37" dur="500"/>
+                                        <p:tgtEl>
+                                          <p:spTgt spid="3">
+                                            <p:txEl>
+                                              <p:pRg st="8" end="8"/>
+                                            </p:txEl>
+                                          </p:spTgt>
+                                        </p:tgtEl>
+                                      </p:cBhvr>
+                                    </p:animEffect>
+                                  </p:childTnLst>
+                                </p:cTn>
+                              </p:par>
+                              <p:par>
+                                <p:cTn id="38" presetID="10" presetClass="entr" presetSubtype="0" fill="hold" nodeType="withEffect">
+                                  <p:stCondLst>
+                                    <p:cond delay="0"/>
+                                  </p:stCondLst>
+                                  <p:childTnLst>
+                                    <p:set>
+                                      <p:cBhvr>
+                                        <p:cTn id="39" dur="1" fill="hold">
+                                          <p:stCondLst>
+                                            <p:cond delay="0"/>
+                                          </p:stCondLst>
+                                        </p:cTn>
+                                        <p:tgtEl>
+                                          <p:spTgt spid="3">
+                                            <p:txEl>
+                                              <p:pRg st="9" end="9"/>
+                                            </p:txEl>
+                                          </p:spTgt>
+                                        </p:tgtEl>
+                                        <p:attrNameLst>
+                                          <p:attrName>style.visibility</p:attrName>
+                                        </p:attrNameLst>
+                                      </p:cBhvr>
+                                      <p:to>
+                                        <p:strVal val="visible"/>
+                                      </p:to>
+                                    </p:set>
+                                    <p:animEffect transition="in" filter="fade">
+                                      <p:cBhvr>
+                                        <p:cTn id="40" dur="500"/>
+                                        <p:tgtEl>
+                                          <p:spTgt spid="3">
+                                            <p:txEl>
+                                              <p:pRg st="9" end="9"/>
+                                            </p:txEl>
+                                          </p:spTgt>
+                                        </p:tgtEl>
+                                      </p:cBhvr>
+                                    </p:animEffect>
+                                  </p:childTnLst>
+                                </p:cTn>
+                              </p:par>
+                              <p:par>
+                                <p:cTn id="41" presetID="10" presetClass="entr" presetSubtype="0" fill="hold" nodeType="withEffect">
+                                  <p:stCondLst>
+                                    <p:cond delay="0"/>
+                                  </p:stCondLst>
+                                  <p:childTnLst>
+                                    <p:set>
+                                      <p:cBhvr>
+                                        <p:cTn id="42" dur="1" fill="hold">
+                                          <p:stCondLst>
+                                            <p:cond delay="0"/>
+                                          </p:stCondLst>
+                                        </p:cTn>
+                                        <p:tgtEl>
+                                          <p:spTgt spid="3">
+                                            <p:txEl>
+                                              <p:pRg st="10" end="10"/>
+                                            </p:txEl>
+                                          </p:spTgt>
+                                        </p:tgtEl>
+                                        <p:attrNameLst>
+                                          <p:attrName>style.visibility</p:attrName>
+                                        </p:attrNameLst>
+                                      </p:cBhvr>
+                                      <p:to>
+                                        <p:strVal val="visible"/>
+                                      </p:to>
+                                    </p:set>
+                                    <p:animEffect transition="in" filter="fade">
+                                      <p:cBhvr>
+                                        <p:cTn id="43" dur="500"/>
+                                        <p:tgtEl>
+                                          <p:spTgt spid="3">
+                                            <p:txEl>
+                                              <p:pRg st="10" end="10"/>
+                                            </p:txEl>
+                                          </p:spTgt>
+                                        </p:tgtEl>
+                                      </p:cBhvr>
+                                    </p:animEffect>
+                                  </p:childTnLst>
+                                </p:cTn>
+                              </p:par>
+                              <p:par>
+                                <p:cTn id="44" presetID="10" presetClass="entr" presetSubtype="0" fill="hold" nodeType="withEffect">
+                                  <p:stCondLst>
+                                    <p:cond delay="0"/>
+                                  </p:stCondLst>
+                                  <p:childTnLst>
+                                    <p:set>
+                                      <p:cBhvr>
+                                        <p:cTn id="45" dur="1" fill="hold">
+                                          <p:stCondLst>
+                                            <p:cond delay="0"/>
+                                          </p:stCondLst>
+                                        </p:cTn>
+                                        <p:tgtEl>
+                                          <p:spTgt spid="3">
+                                            <p:txEl>
+                                              <p:pRg st="11" end="11"/>
+                                            </p:txEl>
+                                          </p:spTgt>
+                                        </p:tgtEl>
+                                        <p:attrNameLst>
+                                          <p:attrName>style.visibility</p:attrName>
+                                        </p:attrNameLst>
+                                      </p:cBhvr>
+                                      <p:to>
+                                        <p:strVal val="visible"/>
+                                      </p:to>
+                                    </p:set>
+                                    <p:animEffect transition="in" filter="fade">
+                                      <p:cBhvr>
+                                        <p:cTn id="46" dur="500"/>
+                                        <p:tgtEl>
+                                          <p:spTgt spid="3">
+                                            <p:txEl>
+                                              <p:pRg st="11" end="11"/>
+                                            </p:txEl>
+                                          </p:spTgt>
+                                        </p:tgtEl>
+                                      </p:cBhvr>
+                                    </p:animEffect>
+                                  </p:childTnLst>
+                                </p:cTn>
+                              </p:par>
+                            </p:childTnLst>
+                          </p:cTn>
+                        </p:par>
+                      </p:childTnLst>
+                    </p:cTn>
+                  </p:par>
+                  <p:par>
+                    <p:cTn id="47" fill="hold">
+                      <p:stCondLst>
+                        <p:cond delay="indefinite"/>
+                      </p:stCondLst>
+                      <p:childTnLst>
+                        <p:par>
+                          <p:cTn id="48" fill="hold">
+                            <p:stCondLst>
+                              <p:cond delay="0"/>
+                            </p:stCondLst>
+                            <p:childTnLst>
+                              <p:par>
+                                <p:cTn id="49" presetID="10" presetClass="entr" presetSubtype="0" fill="hold" nodeType="clickEffect">
+                                  <p:stCondLst>
+                                    <p:cond delay="0"/>
+                                  </p:stCondLst>
+                                  <p:childTnLst>
+                                    <p:set>
+                                      <p:cBhvr>
+                                        <p:cTn id="50" dur="1" fill="hold">
+                                          <p:stCondLst>
+                                            <p:cond delay="0"/>
+                                          </p:stCondLst>
+                                        </p:cTn>
+                                        <p:tgtEl>
+                                          <p:spTgt spid="3">
+                                            <p:txEl>
+                                              <p:pRg st="12" end="12"/>
+                                            </p:txEl>
+                                          </p:spTgt>
+                                        </p:tgtEl>
+                                        <p:attrNameLst>
+                                          <p:attrName>style.visibility</p:attrName>
+                                        </p:attrNameLst>
+                                      </p:cBhvr>
+                                      <p:to>
+                                        <p:strVal val="visible"/>
+                                      </p:to>
+                                    </p:set>
+                                    <p:animEffect transition="in" filter="fade">
+                                      <p:cBhvr>
+                                        <p:cTn id="51" dur="500"/>
+                                        <p:tgtEl>
+                                          <p:spTgt spid="3">
+                                            <p:txEl>
+                                              <p:pRg st="12" end="12"/>
+                                            </p:txEl>
+                                          </p:spTgt>
+                                        </p:tgtEl>
+                                      </p:cBhvr>
+                                    </p:animEffect>
+                                  </p:childTnLst>
+                                </p:cTn>
+                              </p:par>
+                            </p:childTnLst>
+                          </p:cTn>
+                        </p:par>
+                      </p:childTnLst>
+                    </p:cTn>
+                  </p:par>
+                </p:childTnLst>
+              </p:cTn>
+              <p:prevCondLst>
+                <p:cond evt="onPrev" delay="0">
+                  <p:tgtEl>
+                    <p:sldTgt/>
+                  </p:tgtEl>
+                </p:cond>
+              </p:prevCondLst>
+              <p:nextCondLst>
+                <p:cond evt="onNext" delay="0">
+                  <p:tgtEl>
+                    <p:sldTgt/>
+                  </p:tgtEl>
+                </p:cond>
+              </p:nextCondLst>
+            </p:seq>
+          </p:childTnLst>
+        </p:cTn>
+      </p:par>
+    </p:tnLst>
+  </p:timing>
+</p:sld>
+</file>
+
+<file path=ppt/slides/slide31.xml><?xml version="1.0" encoding="utf-8"?>
+<p:sld xmlns:a="http://schemas.openxmlformats.org/drawingml/2006/main" xmlns:r="http://schemas.openxmlformats.org/officeDocument/2006/relationships" xmlns:p="http://schemas.openxmlformats.org/presentationml/2006/main">
+  <p:cSld>
+    <p:spTree>
+      <p:nvGrpSpPr>
+        <p:cNvPr id="1" name=""/>
+        <p:cNvGrpSpPr/>
+        <p:nvPr/>
+      </p:nvGrpSpPr>
+      <p:grpSpPr>
+        <a:xfrm>
+          <a:off x="0" y="0"/>
+          <a:ext cx="0" cy="0"/>
+          <a:chOff x="0" y="0"/>
+          <a:chExt cx="0" cy="0"/>
+        </a:xfrm>
+      </p:grpSpPr>
+      <p:sp>
+        <p:nvSpPr>
+          <p:cNvPr id="2" name="Title 1">
+            <a:extLst>
+              <a:ext uri="{FF2B5EF4-FFF2-40B4-BE49-F238E27FC236}">
+                <a16:creationId xmlns:a16="http://schemas.microsoft.com/office/drawing/2014/main" id="{E663141A-B776-67B8-CB94-BACAA27BF758}"/>
+              </a:ext>
+            </a:extLst>
+          </p:cNvPr>
+          <p:cNvSpPr>
+            <a:spLocks noGrp="1"/>
+          </p:cNvSpPr>
+          <p:nvPr>
+            <p:ph type="title"/>
+          </p:nvPr>
+        </p:nvSpPr>
+        <p:spPr/>
+        <p:txBody>
+          <a:bodyPr/>
+          <a:lstStyle/>
+          <a:p>
+            <a:r>
+              <a:rPr lang="en-US" dirty="0"/>
+              <a:t>Unit 5 – Data Templates</a:t>
+            </a:r>
+          </a:p>
+        </p:txBody>
+      </p:sp>
+      <p:sp>
+        <p:nvSpPr>
+          <p:cNvPr id="3" name="Content Placeholder 2">
+            <a:extLst>
+              <a:ext uri="{FF2B5EF4-FFF2-40B4-BE49-F238E27FC236}">
+                <a16:creationId xmlns:a16="http://schemas.microsoft.com/office/drawing/2014/main" id="{B01C3E1B-AD35-8B67-26FE-A843007FE719}"/>
+              </a:ext>
+            </a:extLst>
+          </p:cNvPr>
+          <p:cNvSpPr>
+            <a:spLocks noGrp="1"/>
+          </p:cNvSpPr>
+          <p:nvPr>
+            <p:ph idx="1"/>
+          </p:nvPr>
+        </p:nvSpPr>
+        <p:spPr/>
+        <p:txBody>
+          <a:bodyPr/>
+          <a:lstStyle/>
+          <a:p>
+            <a:r>
+              <a:rPr lang="en-US" dirty="0"/>
+              <a:t>Where you can define data templates</a:t>
+            </a:r>
+          </a:p>
+          <a:p>
+            <a:pPr lvl="1"/>
+            <a:r>
+              <a:rPr lang="en-US" dirty="0"/>
+              <a:t>ItemTemplate property of list-based controls</a:t>
+            </a:r>
+          </a:p>
+          <a:p>
+            <a:pPr lvl="2"/>
+            <a:r>
+              <a:rPr lang="en-US" dirty="0" err="1"/>
+              <a:t>ListBox</a:t>
+            </a:r>
+            <a:r>
+              <a:rPr lang="en-US" dirty="0"/>
+              <a:t>, </a:t>
+            </a:r>
+            <a:r>
+              <a:rPr lang="en-US" dirty="0" err="1"/>
+              <a:t>ComboBox</a:t>
+            </a:r>
+            <a:r>
+              <a:rPr lang="en-US" dirty="0"/>
+              <a:t>, </a:t>
+            </a:r>
+            <a:r>
+              <a:rPr lang="en-US" dirty="0" err="1"/>
+              <a:t>TabControl</a:t>
+            </a:r>
+            <a:r>
+              <a:rPr lang="en-US" dirty="0"/>
+              <a:t>, </a:t>
+            </a:r>
+            <a:r>
+              <a:rPr lang="en-US" dirty="0" err="1"/>
+              <a:t>etc</a:t>
+            </a:r>
+            <a:endParaRPr lang="en-US" dirty="0"/>
+          </a:p>
+          <a:p>
+            <a:pPr lvl="1"/>
+            <a:r>
+              <a:rPr lang="en-US" dirty="0" err="1"/>
+              <a:t>ContentTemplate</a:t>
+            </a:r>
+            <a:r>
+              <a:rPr lang="en-US" dirty="0"/>
+              <a:t> of control with Content property</a:t>
+            </a:r>
+          </a:p>
+          <a:p>
+            <a:pPr lvl="2"/>
+            <a:r>
+              <a:rPr lang="en-US" dirty="0"/>
+              <a:t>Label, Button</a:t>
+            </a:r>
+          </a:p>
+          <a:p>
+            <a:pPr lvl="2"/>
+            <a:r>
+              <a:rPr lang="en-US" dirty="0" err="1"/>
+              <a:t>ContentPresenter</a:t>
+            </a:r>
+            <a:r>
+              <a:rPr lang="en-US" dirty="0"/>
+              <a:t> -- allows reuse, shared template becomes custom control</a:t>
+            </a:r>
+          </a:p>
+          <a:p>
+            <a:pPr lvl="1"/>
+            <a:endParaRPr lang="en-US" dirty="0"/>
+          </a:p>
+        </p:txBody>
+      </p:sp>
+    </p:spTree>
+    <p:extLst>
+      <p:ext uri="{BB962C8B-B14F-4D97-AF65-F5344CB8AC3E}">
+        <p14:creationId xmlns:p14="http://schemas.microsoft.com/office/powerpoint/2010/main" val="1929417824"/>
+      </p:ext>
+    </p:extLst>
+  </p:cSld>
+  <p:clrMapOvr>
+    <a:masterClrMapping/>
+  </p:clrMapOvr>
+  <p:timing>
+    <p:tnLst>
+      <p:par>
+        <p:cTn id="1" dur="indefinite" restart="never" nodeType="tmRoot">
+          <p:childTnLst>
+            <p:seq concurrent="1" nextAc="seek">
+              <p:cTn id="2" dur="indefinite" nodeType="mainSeq">
+                <p:childTnLst>
+                  <p:par>
+                    <p:cTn id="3" fill="hold">
+                      <p:stCondLst>
+                        <p:cond delay="indefinite"/>
+                      </p:stCondLst>
+                      <p:childTnLst>
+                        <p:par>
+                          <p:cTn id="4" fill="hold">
+                            <p:stCondLst>
+                              <p:cond delay="0"/>
+                            </p:stCondLst>
+                            <p:childTnLst>
+                              <p:par>
+                                <p:cTn id="5" presetID="10" presetClass="entr" presetSubtype="0" fill="hold" grpId="0" nodeType="clickEffect">
+                                  <p:stCondLst>
+                                    <p:cond delay="0"/>
+                                  </p:stCondLst>
+                                  <p:childTnLst>
+                                    <p:set>
+                                      <p:cBhvr>
+                                        <p:cTn id="6" dur="1" fill="hold">
+                                          <p:stCondLst>
+                                            <p:cond delay="0"/>
+                                          </p:stCondLst>
+                                        </p:cTn>
+                                        <p:tgtEl>
+                                          <p:spTgt spid="3">
+                                            <p:txEl>
+                                              <p:pRg st="0" end="0"/>
+                                            </p:txEl>
+                                          </p:spTgt>
+                                        </p:tgtEl>
+                                        <p:attrNameLst>
+                                          <p:attrName>style.visibility</p:attrName>
+                                        </p:attrNameLst>
+                                      </p:cBhvr>
+                                      <p:to>
+                                        <p:strVal val="visible"/>
+                                      </p:to>
+                                    </p:set>
+                                    <p:animEffect transition="in" filter="fade">
+                                      <p:cBhvr>
+                                        <p:cTn id="7" dur="500"/>
+                                        <p:tgtEl>
+                                          <p:spTgt spid="3">
+                                            <p:txEl>
+                                              <p:pRg st="0" end="0"/>
+                                            </p:txEl>
+                                          </p:spTgt>
+                                        </p:tgtEl>
+                                      </p:cBhvr>
+                                    </p:animEffect>
+                                  </p:childTnLst>
+                                </p:cTn>
+                              </p:par>
+                            </p:childTnLst>
+                          </p:cTn>
+                        </p:par>
+                      </p:childTnLst>
+                    </p:cTn>
+                  </p:par>
+                  <p:par>
+                    <p:cTn id="8" fill="hold">
+                      <p:stCondLst>
+                        <p:cond delay="indefinite"/>
+                      </p:stCondLst>
+                      <p:childTnLst>
+                        <p:par>
+                          <p:cTn id="9" fill="hold">
+                            <p:stCondLst>
+                              <p:cond delay="0"/>
+                            </p:stCondLst>
+                            <p:childTnLst>
+                              <p:par>
+                                <p:cTn id="10" presetID="10" presetClass="entr" presetSubtype="0" fill="hold" grpId="0" nodeType="clickEffect">
+                                  <p:stCondLst>
+                                    <p:cond delay="0"/>
+                                  </p:stCondLst>
+                                  <p:childTnLst>
+                                    <p:set>
+                                      <p:cBhvr>
+                                        <p:cTn id="11" dur="1" fill="hold">
+                                          <p:stCondLst>
+                                            <p:cond delay="0"/>
+                                          </p:stCondLst>
+                                        </p:cTn>
+                                        <p:tgtEl>
+                                          <p:spTgt spid="3">
+                                            <p:txEl>
+                                              <p:pRg st="1" end="1"/>
+                                            </p:txEl>
+                                          </p:spTgt>
+                                        </p:tgtEl>
+                                        <p:attrNameLst>
+                                          <p:attrName>style.visibility</p:attrName>
+                                        </p:attrNameLst>
+                                      </p:cBhvr>
+                                      <p:to>
+                                        <p:strVal val="visible"/>
+                                      </p:to>
+                                    </p:set>
+                                    <p:animEffect transition="in" filter="fade">
+                                      <p:cBhvr>
+                                        <p:cTn id="12" dur="500"/>
+                                        <p:tgtEl>
+                                          <p:spTgt spid="3">
+                                            <p:txEl>
+                                              <p:pRg st="1" end="1"/>
+                                            </p:txEl>
+                                          </p:spTgt>
+                                        </p:tgtEl>
+                                      </p:cBhvr>
+                                    </p:animEffect>
+                                  </p:childTnLst>
+                                </p:cTn>
+                              </p:par>
+                              <p:par>
+                                <p:cTn id="13" presetID="10" presetClass="entr" presetSubtype="0" fill="hold" grpId="0" nodeType="withEffect">
+                                  <p:stCondLst>
+                                    <p:cond delay="0"/>
+                                  </p:stCondLst>
+                                  <p:childTnLst>
+                                    <p:set>
+                                      <p:cBhvr>
+                                        <p:cTn id="14" dur="1" fill="hold">
+                                          <p:stCondLst>
+                                            <p:cond delay="0"/>
+                                          </p:stCondLst>
+                                        </p:cTn>
+                                        <p:tgtEl>
+                                          <p:spTgt spid="3">
+                                            <p:txEl>
+                                              <p:pRg st="2" end="2"/>
+                                            </p:txEl>
+                                          </p:spTgt>
+                                        </p:tgtEl>
+                                        <p:attrNameLst>
+                                          <p:attrName>style.visibility</p:attrName>
+                                        </p:attrNameLst>
+                                      </p:cBhvr>
+                                      <p:to>
+                                        <p:strVal val="visible"/>
+                                      </p:to>
+                                    </p:set>
+                                    <p:animEffect transition="in" filter="fade">
+                                      <p:cBhvr>
+                                        <p:cTn id="15" dur="500"/>
+                                        <p:tgtEl>
+                                          <p:spTgt spid="3">
+                                            <p:txEl>
+                                              <p:pRg st="2" end="2"/>
+                                            </p:txEl>
+                                          </p:spTgt>
+                                        </p:tgtEl>
+                                      </p:cBhvr>
+                                    </p:animEffect>
+                                  </p:childTnLst>
+                                </p:cTn>
+                              </p:par>
+                            </p:childTnLst>
+                          </p:cTn>
+                        </p:par>
+                      </p:childTnLst>
+                    </p:cTn>
+                  </p:par>
+                  <p:par>
+                    <p:cTn id="16" fill="hold">
+                      <p:stCondLst>
+                        <p:cond delay="indefinite"/>
+                      </p:stCondLst>
+                      <p:childTnLst>
+                        <p:par>
+                          <p:cTn id="17" fill="hold">
+                            <p:stCondLst>
+                              <p:cond delay="0"/>
+                            </p:stCondLst>
+                            <p:childTnLst>
+                              <p:par>
+                                <p:cTn id="18" presetID="10" presetClass="entr" presetSubtype="0" fill="hold" grpId="0" nodeType="clickEffect">
+                                  <p:stCondLst>
+                                    <p:cond delay="0"/>
+                                  </p:stCondLst>
+                                  <p:childTnLst>
+                                    <p:set>
+                                      <p:cBhvr>
+                                        <p:cTn id="19" dur="1" fill="hold">
+                                          <p:stCondLst>
+                                            <p:cond delay="0"/>
+                                          </p:stCondLst>
+                                        </p:cTn>
+                                        <p:tgtEl>
+                                          <p:spTgt spid="3">
+                                            <p:txEl>
+                                              <p:pRg st="3" end="3"/>
+                                            </p:txEl>
+                                          </p:spTgt>
+                                        </p:tgtEl>
+                                        <p:attrNameLst>
+                                          <p:attrName>style.visibility</p:attrName>
+                                        </p:attrNameLst>
+                                      </p:cBhvr>
+                                      <p:to>
+                                        <p:strVal val="visible"/>
+                                      </p:to>
+                                    </p:set>
+                                    <p:animEffect transition="in" filter="fade">
+                                      <p:cBhvr>
+                                        <p:cTn id="20" dur="500"/>
+                                        <p:tgtEl>
+                                          <p:spTgt spid="3">
+                                            <p:txEl>
+                                              <p:pRg st="3" end="3"/>
+                                            </p:txEl>
+                                          </p:spTgt>
+                                        </p:tgtEl>
+                                      </p:cBhvr>
+                                    </p:animEffect>
+                                  </p:childTnLst>
+                                </p:cTn>
+                              </p:par>
+                              <p:par>
+                                <p:cTn id="21" presetID="10" presetClass="entr" presetSubtype="0" fill="hold" grpId="0" nodeType="withEffect">
+                                  <p:stCondLst>
+                                    <p:cond delay="0"/>
+                                  </p:stCondLst>
+                                  <p:childTnLst>
+                                    <p:set>
+                                      <p:cBhvr>
+                                        <p:cTn id="22" dur="1" fill="hold">
+                                          <p:stCondLst>
+                                            <p:cond delay="0"/>
+                                          </p:stCondLst>
+                                        </p:cTn>
+                                        <p:tgtEl>
+                                          <p:spTgt spid="3">
+                                            <p:txEl>
+                                              <p:pRg st="4" end="4"/>
+                                            </p:txEl>
+                                          </p:spTgt>
+                                        </p:tgtEl>
+                                        <p:attrNameLst>
+                                          <p:attrName>style.visibility</p:attrName>
+                                        </p:attrNameLst>
+                                      </p:cBhvr>
+                                      <p:to>
+                                        <p:strVal val="visible"/>
+                                      </p:to>
+                                    </p:set>
+                                    <p:animEffect transition="in" filter="fade">
+                                      <p:cBhvr>
+                                        <p:cTn id="23" dur="500"/>
+                                        <p:tgtEl>
+                                          <p:spTgt spid="3">
+                                            <p:txEl>
+                                              <p:pRg st="4" end="4"/>
+                                            </p:txEl>
+                                          </p:spTgt>
+                                        </p:tgtEl>
+                                      </p:cBhvr>
+                                    </p:animEffect>
+                                  </p:childTnLst>
+                                </p:cTn>
+                              </p:par>
+                              <p:par>
+                                <p:cTn id="24" presetID="10" presetClass="entr" presetSubtype="0" fill="hold" grpId="0" nodeType="withEffect">
+                                  <p:stCondLst>
+                                    <p:cond delay="0"/>
+                                  </p:stCondLst>
+                                  <p:childTnLst>
+                                    <p:set>
+                                      <p:cBhvr>
+                                        <p:cTn id="25" dur="1" fill="hold">
+                                          <p:stCondLst>
+                                            <p:cond delay="0"/>
+                                          </p:stCondLst>
+                                        </p:cTn>
+                                        <p:tgtEl>
+                                          <p:spTgt spid="3">
+                                            <p:txEl>
+                                              <p:pRg st="5" end="5"/>
+                                            </p:txEl>
+                                          </p:spTgt>
+                                        </p:tgtEl>
+                                        <p:attrNameLst>
+                                          <p:attrName>style.visibility</p:attrName>
+                                        </p:attrNameLst>
+                                      </p:cBhvr>
+                                      <p:to>
+                                        <p:strVal val="visible"/>
+                                      </p:to>
+                                    </p:set>
+                                    <p:animEffect transition="in" filter="fade">
+                                      <p:cBhvr>
+                                        <p:cTn id="26" dur="500"/>
+                                        <p:tgtEl>
+                                          <p:spTgt spid="3">
+                                            <p:txEl>
+                                              <p:pRg st="5" end="5"/>
+                                            </p:txEl>
+                                          </p:spTgt>
+                                        </p:tgtEl>
+                                      </p:cBhvr>
+                                    </p:animEffect>
+                                  </p:childTnLst>
+                                </p:cTn>
+                              </p:par>
+                            </p:childTnLst>
+                          </p:cTn>
+                        </p:par>
+                      </p:childTnLst>
+                    </p:cTn>
+                  </p:par>
+                </p:childTnLst>
+              </p:cTn>
+              <p:prevCondLst>
+                <p:cond evt="onPrev" delay="0">
+                  <p:tgtEl>
+                    <p:sldTgt/>
+                  </p:tgtEl>
+                </p:cond>
+              </p:prevCondLst>
+              <p:nextCondLst>
+                <p:cond evt="onNext" delay="0">
+                  <p:tgtEl>
+                    <p:sldTgt/>
+                  </p:tgtEl>
+                </p:cond>
+              </p:nextCondLst>
+            </p:seq>
+          </p:childTnLst>
+        </p:cTn>
+      </p:par>
+    </p:tnLst>
+    <p:bldLst>
+      <p:bldP spid="3" grpId="0" uiExpand="1" build="p"/>
+    </p:bldLst>
+  </p:timing>
+</p:sld>
+</file>
+
+<file path=ppt/slides/slide32.xml><?xml version="1.0" encoding="utf-8"?>
+<p:sld xmlns:a="http://schemas.openxmlformats.org/drawingml/2006/main" xmlns:r="http://schemas.openxmlformats.org/officeDocument/2006/relationships" xmlns:p="http://schemas.openxmlformats.org/presentationml/2006/main">
+  <p:cSld>
+    <p:spTree>
+      <p:nvGrpSpPr>
+        <p:cNvPr id="1" name=""/>
+        <p:cNvGrpSpPr/>
+        <p:nvPr/>
+      </p:nvGrpSpPr>
+      <p:grpSpPr>
+        <a:xfrm>
+          <a:off x="0" y="0"/>
+          <a:ext cx="0" cy="0"/>
+          <a:chOff x="0" y="0"/>
+          <a:chExt cx="0" cy="0"/>
+        </a:xfrm>
+      </p:grpSpPr>
+      <p:sp>
+        <p:nvSpPr>
+          <p:cNvPr id="2" name="Title 1">
+            <a:extLst>
+              <a:ext uri="{FF2B5EF4-FFF2-40B4-BE49-F238E27FC236}">
+                <a16:creationId xmlns:a16="http://schemas.microsoft.com/office/drawing/2014/main" id="{71AC9470-4C0D-0446-29FF-40F7150B4FD9}"/>
+              </a:ext>
+            </a:extLst>
+          </p:cNvPr>
+          <p:cNvSpPr>
+            <a:spLocks noGrp="1"/>
+          </p:cNvSpPr>
+          <p:nvPr>
+            <p:ph type="title"/>
+          </p:nvPr>
+        </p:nvSpPr>
+        <p:spPr/>
+        <p:txBody>
+          <a:bodyPr/>
+          <a:lstStyle/>
+          <a:p>
+            <a:r>
+              <a:rPr lang="en-US" dirty="0">
+                <a:solidFill>
+                  <a:schemeClr val="accent5">
+                    <a:lumMod val="75000"/>
+                  </a:schemeClr>
+                </a:solidFill>
+              </a:rPr>
+              <a:t>Exercise 5 – Data Templates</a:t>
+            </a:r>
+          </a:p>
+        </p:txBody>
+      </p:sp>
+      <p:sp>
+        <p:nvSpPr>
+          <p:cNvPr id="3" name="Content Placeholder 2">
+            <a:extLst>
+              <a:ext uri="{FF2B5EF4-FFF2-40B4-BE49-F238E27FC236}">
+                <a16:creationId xmlns:a16="http://schemas.microsoft.com/office/drawing/2014/main" id="{9E541936-5CD7-A9AD-7F63-EA0337371606}"/>
+              </a:ext>
+            </a:extLst>
+          </p:cNvPr>
+          <p:cNvSpPr>
+            <a:spLocks noGrp="1"/>
+          </p:cNvSpPr>
+          <p:nvPr>
+            <p:ph idx="1"/>
+          </p:nvPr>
+        </p:nvSpPr>
+        <p:spPr/>
+        <p:txBody>
+          <a:bodyPr/>
+          <a:lstStyle/>
+          <a:p>
+            <a:r>
+              <a:rPr lang="en-US" dirty="0"/>
+              <a:t>What You’ll Learn</a:t>
+            </a:r>
+          </a:p>
+          <a:p>
+            <a:pPr lvl="1"/>
+            <a:r>
+              <a:rPr lang="en-US" dirty="0"/>
+              <a:t>How to create a data template for items in a </a:t>
+            </a:r>
+            <a:r>
+              <a:rPr lang="en-US" dirty="0" err="1"/>
+              <a:t>ListBox</a:t>
+            </a:r>
+            <a:endParaRPr lang="en-US" dirty="0"/>
+          </a:p>
+          <a:p>
+            <a:r>
+              <a:rPr lang="en-US" dirty="0"/>
+              <a:t>Exercise</a:t>
+            </a:r>
+          </a:p>
+          <a:p>
+            <a:pPr lvl="1"/>
+            <a:r>
+              <a:rPr lang="en-US" dirty="0"/>
+              <a:t>Start from existing project: Exercise_5_DataTemplate</a:t>
+            </a:r>
+          </a:p>
+          <a:p>
+            <a:pPr lvl="1"/>
+            <a:r>
+              <a:rPr lang="en-US" dirty="0"/>
+              <a:t>Bind list to ItemTemplate</a:t>
+            </a:r>
+          </a:p>
+          <a:p>
+            <a:pPr lvl="1"/>
+            <a:r>
+              <a:rPr lang="en-US" dirty="0"/>
+              <a:t>Extra credit</a:t>
+            </a:r>
+          </a:p>
+        </p:txBody>
+      </p:sp>
+    </p:spTree>
+    <p:extLst>
+      <p:ext uri="{BB962C8B-B14F-4D97-AF65-F5344CB8AC3E}">
+        <p14:creationId xmlns:p14="http://schemas.microsoft.com/office/powerpoint/2010/main" val="2632699467"/>
+      </p:ext>
+    </p:extLst>
+  </p:cSld>
+  <p:clrMapOvr>
+    <a:masterClrMapping/>
+  </p:clrMapOvr>
+</p:sld>
+</file>
+
+<file path=ppt/slides/slide33.xml><?xml version="1.0" encoding="utf-8"?>
+<p:sld xmlns:a="http://schemas.openxmlformats.org/drawingml/2006/main" xmlns:r="http://schemas.openxmlformats.org/officeDocument/2006/relationships" xmlns:p="http://schemas.openxmlformats.org/presentationml/2006/main">
+  <p:cSld>
+    <p:spTree>
+      <p:nvGrpSpPr>
+        <p:cNvPr id="1" name=""/>
+        <p:cNvGrpSpPr/>
+        <p:nvPr/>
+      </p:nvGrpSpPr>
+      <p:grpSpPr>
+        <a:xfrm>
+          <a:off x="0" y="0"/>
+          <a:ext cx="0" cy="0"/>
+          <a:chOff x="0" y="0"/>
+          <a:chExt cx="0" cy="0"/>
+        </a:xfrm>
+      </p:grpSpPr>
+      <p:sp>
+        <p:nvSpPr>
+          <p:cNvPr id="2" name="Title 1">
+            <a:extLst>
+              <a:ext uri="{FF2B5EF4-FFF2-40B4-BE49-F238E27FC236}">
+                <a16:creationId xmlns:a16="http://schemas.microsoft.com/office/drawing/2014/main" id="{58AD8829-FD46-A879-2629-B2590C599187}"/>
+              </a:ext>
+            </a:extLst>
+          </p:cNvPr>
+          <p:cNvSpPr>
+            <a:spLocks noGrp="1"/>
+          </p:cNvSpPr>
+          <p:nvPr>
+            <p:ph type="title"/>
+          </p:nvPr>
+        </p:nvSpPr>
+        <p:spPr/>
+        <p:txBody>
+          <a:bodyPr/>
+          <a:lstStyle/>
+          <a:p>
+            <a:r>
+              <a:rPr lang="en-US" dirty="0"/>
+              <a:t>Unit 6 - Commands</a:t>
+            </a:r>
+          </a:p>
+        </p:txBody>
+      </p:sp>
+      <p:sp>
+        <p:nvSpPr>
+          <p:cNvPr id="3" name="Content Placeholder 2">
+            <a:extLst>
+              <a:ext uri="{FF2B5EF4-FFF2-40B4-BE49-F238E27FC236}">
+                <a16:creationId xmlns:a16="http://schemas.microsoft.com/office/drawing/2014/main" id="{99B17B6F-567C-21EC-21BA-2427E221CD88}"/>
+              </a:ext>
+            </a:extLst>
+          </p:cNvPr>
+          <p:cNvSpPr>
+            <a:spLocks noGrp="1"/>
+          </p:cNvSpPr>
+          <p:nvPr>
+            <p:ph idx="1"/>
+          </p:nvPr>
+        </p:nvSpPr>
+        <p:spPr/>
+        <p:txBody>
+          <a:bodyPr>
+            <a:normAutofit lnSpcReduction="10000"/>
+          </a:bodyPr>
+          <a:lstStyle/>
+          <a:p>
+            <a:r>
+              <a:rPr lang="en-US" dirty="0"/>
+              <a:t>Command - an object that executes some logic, independent from the UI</a:t>
+            </a:r>
+          </a:p>
+          <a:p>
+            <a:r>
+              <a:rPr lang="en-US" dirty="0"/>
+              <a:t>UI element (e.g. Button) can bind to a Command</a:t>
+            </a:r>
+          </a:p>
+          <a:p>
+            <a:pPr lvl="1"/>
+            <a:r>
+              <a:rPr lang="en-US" dirty="0"/>
+              <a:t>User interacts with the UI element, command logic is executed</a:t>
+            </a:r>
+          </a:p>
+          <a:p>
+            <a:r>
+              <a:rPr lang="en-US" dirty="0"/>
+              <a:t>Commands vs Event Handlers</a:t>
+            </a:r>
+          </a:p>
+          <a:p>
+            <a:pPr lvl="1"/>
+            <a:r>
+              <a:rPr lang="en-US" dirty="0"/>
+              <a:t>Command - View binds to a Command object in the ViewModel</a:t>
+            </a:r>
+          </a:p>
+          <a:p>
+            <a:pPr lvl="1"/>
+            <a:r>
+              <a:rPr lang="en-US" dirty="0"/>
+              <a:t>Event Handler - code-behind for UI element (e.g. Click handler) executes logic</a:t>
+            </a:r>
+          </a:p>
+          <a:p>
+            <a:r>
+              <a:rPr lang="en-US" dirty="0"/>
+              <a:t>Benefits of commands</a:t>
+            </a:r>
+          </a:p>
+          <a:p>
+            <a:pPr lvl="1"/>
+            <a:r>
+              <a:rPr lang="en-US" dirty="0"/>
+              <a:t>Separation of concerns -- logic of what the command does is outside of the View</a:t>
+            </a:r>
+          </a:p>
+          <a:p>
+            <a:pPr lvl="1"/>
+            <a:r>
+              <a:rPr lang="en-US" dirty="0"/>
+              <a:t>Reuse -- can use same command for multiple UI elements (e.g. menu, toolbar)</a:t>
+            </a:r>
+          </a:p>
+          <a:p>
+            <a:pPr lvl="1"/>
+            <a:r>
+              <a:rPr lang="en-US" dirty="0" err="1"/>
+              <a:t>CanExecute</a:t>
+            </a:r>
+            <a:r>
+              <a:rPr lang="en-US" dirty="0"/>
+              <a:t> property -- used to disable controls</a:t>
+            </a:r>
+          </a:p>
+        </p:txBody>
+      </p:sp>
+    </p:spTree>
+    <p:extLst>
+      <p:ext uri="{BB962C8B-B14F-4D97-AF65-F5344CB8AC3E}">
+        <p14:creationId xmlns:p14="http://schemas.microsoft.com/office/powerpoint/2010/main" val="2112032915"/>
+      </p:ext>
+    </p:extLst>
+  </p:cSld>
+  <p:clrMapOvr>
+    <a:masterClrMapping/>
+  </p:clrMapOvr>
+  <p:timing>
+    <p:tnLst>
+      <p:par>
+        <p:cTn id="1" dur="indefinite" restart="never" nodeType="tmRoot">
+          <p:childTnLst>
+            <p:seq concurrent="1" nextAc="seek">
+              <p:cTn id="2" dur="indefinite" nodeType="mainSeq">
+                <p:childTnLst>
+                  <p:par>
+                    <p:cTn id="3" fill="hold">
+                      <p:stCondLst>
+                        <p:cond delay="indefinite"/>
+                      </p:stCondLst>
+                      <p:childTnLst>
+                        <p:par>
+                          <p:cTn id="4" fill="hold">
+                            <p:stCondLst>
+                              <p:cond delay="0"/>
+                            </p:stCondLst>
+                            <p:childTnLst>
+                              <p:par>
+                                <p:cTn id="5" presetID="10" presetClass="entr" presetSubtype="0" fill="hold" grpId="0" nodeType="clickEffect">
+                                  <p:stCondLst>
+                                    <p:cond delay="0"/>
+                                  </p:stCondLst>
+                                  <p:childTnLst>
+                                    <p:set>
+                                      <p:cBhvr>
+                                        <p:cTn id="6" dur="1" fill="hold">
+                                          <p:stCondLst>
+                                            <p:cond delay="0"/>
+                                          </p:stCondLst>
+                                        </p:cTn>
+                                        <p:tgtEl>
+                                          <p:spTgt spid="3">
+                                            <p:txEl>
+                                              <p:pRg st="0" end="0"/>
+                                            </p:txEl>
+                                          </p:spTgt>
+                                        </p:tgtEl>
+                                        <p:attrNameLst>
+                                          <p:attrName>style.visibility</p:attrName>
+                                        </p:attrNameLst>
+                                      </p:cBhvr>
+                                      <p:to>
+                                        <p:strVal val="visible"/>
+                                      </p:to>
+                                    </p:set>
+                                    <p:animEffect transition="in" filter="fade">
+                                      <p:cBhvr>
+                                        <p:cTn id="7" dur="500"/>
+                                        <p:tgtEl>
+                                          <p:spTgt spid="3">
+                                            <p:txEl>
+                                              <p:pRg st="0" end="0"/>
+                                            </p:txEl>
+                                          </p:spTgt>
+                                        </p:tgtEl>
+                                      </p:cBhvr>
+                                    </p:animEffect>
+                                  </p:childTnLst>
+                                </p:cTn>
+                              </p:par>
+                            </p:childTnLst>
+                          </p:cTn>
+                        </p:par>
+                      </p:childTnLst>
+                    </p:cTn>
+                  </p:par>
+                  <p:par>
+                    <p:cTn id="8" fill="hold">
+                      <p:stCondLst>
+                        <p:cond delay="indefinite"/>
+                      </p:stCondLst>
+                      <p:childTnLst>
+                        <p:par>
+                          <p:cTn id="9" fill="hold">
+                            <p:stCondLst>
+                              <p:cond delay="0"/>
+                            </p:stCondLst>
+                            <p:childTnLst>
+                              <p:par>
+                                <p:cTn id="10" presetID="10" presetClass="entr" presetSubtype="0" fill="hold" grpId="0" nodeType="clickEffect">
+                                  <p:stCondLst>
+                                    <p:cond delay="0"/>
+                                  </p:stCondLst>
+                                  <p:childTnLst>
+                                    <p:set>
+                                      <p:cBhvr>
+                                        <p:cTn id="11" dur="1" fill="hold">
+                                          <p:stCondLst>
+                                            <p:cond delay="0"/>
+                                          </p:stCondLst>
+                                        </p:cTn>
+                                        <p:tgtEl>
+                                          <p:spTgt spid="3">
+                                            <p:txEl>
+                                              <p:pRg st="1" end="1"/>
+                                            </p:txEl>
+                                          </p:spTgt>
+                                        </p:tgtEl>
+                                        <p:attrNameLst>
+                                          <p:attrName>style.visibility</p:attrName>
+                                        </p:attrNameLst>
+                                      </p:cBhvr>
+                                      <p:to>
+                                        <p:strVal val="visible"/>
+                                      </p:to>
+                                    </p:set>
+                                    <p:animEffect transition="in" filter="fade">
+                                      <p:cBhvr>
+                                        <p:cTn id="12" dur="500"/>
+                                        <p:tgtEl>
+                                          <p:spTgt spid="3">
+                                            <p:txEl>
+                                              <p:pRg st="1" end="1"/>
+                                            </p:txEl>
+                                          </p:spTgt>
+                                        </p:tgtEl>
+                                      </p:cBhvr>
+                                    </p:animEffect>
+                                  </p:childTnLst>
+                                </p:cTn>
+                              </p:par>
+                              <p:par>
+                                <p:cTn id="13" presetID="10" presetClass="entr" presetSubtype="0" fill="hold" grpId="0" nodeType="withEffect">
+                                  <p:stCondLst>
+                                    <p:cond delay="0"/>
+                                  </p:stCondLst>
+                                  <p:childTnLst>
+                                    <p:set>
+                                      <p:cBhvr>
+                                        <p:cTn id="14" dur="1" fill="hold">
+                                          <p:stCondLst>
+                                            <p:cond delay="0"/>
+                                          </p:stCondLst>
+                                        </p:cTn>
+                                        <p:tgtEl>
+                                          <p:spTgt spid="3">
+                                            <p:txEl>
+                                              <p:pRg st="2" end="2"/>
+                                            </p:txEl>
+                                          </p:spTgt>
+                                        </p:tgtEl>
+                                        <p:attrNameLst>
+                                          <p:attrName>style.visibility</p:attrName>
+                                        </p:attrNameLst>
+                                      </p:cBhvr>
+                                      <p:to>
+                                        <p:strVal val="visible"/>
+                                      </p:to>
+                                    </p:set>
+                                    <p:animEffect transition="in" filter="fade">
+                                      <p:cBhvr>
+                                        <p:cTn id="15" dur="500"/>
+                                        <p:tgtEl>
+                                          <p:spTgt spid="3">
+                                            <p:txEl>
+                                              <p:pRg st="2" end="2"/>
+                                            </p:txEl>
+                                          </p:spTgt>
+                                        </p:tgtEl>
+                                      </p:cBhvr>
+                                    </p:animEffect>
+                                  </p:childTnLst>
+                                </p:cTn>
+                              </p:par>
+                            </p:childTnLst>
+                          </p:cTn>
+                        </p:par>
+                      </p:childTnLst>
+                    </p:cTn>
+                  </p:par>
+                  <p:par>
+                    <p:cTn id="16" fill="hold">
+                      <p:stCondLst>
+                        <p:cond delay="indefinite"/>
+                      </p:stCondLst>
+                      <p:childTnLst>
+                        <p:par>
+                          <p:cTn id="17" fill="hold">
+                            <p:stCondLst>
+                              <p:cond delay="0"/>
+                            </p:stCondLst>
+                            <p:childTnLst>
+                              <p:par>
+                                <p:cTn id="18" presetID="10" presetClass="entr" presetSubtype="0" fill="hold" grpId="0" nodeType="clickEffect">
+                                  <p:stCondLst>
+                                    <p:cond delay="0"/>
+                                  </p:stCondLst>
+                                  <p:childTnLst>
+                                    <p:set>
+                                      <p:cBhvr>
+                                        <p:cTn id="19" dur="1" fill="hold">
+                                          <p:stCondLst>
+                                            <p:cond delay="0"/>
+                                          </p:stCondLst>
+                                        </p:cTn>
+                                        <p:tgtEl>
+                                          <p:spTgt spid="3">
+                                            <p:txEl>
+                                              <p:pRg st="3" end="3"/>
+                                            </p:txEl>
+                                          </p:spTgt>
+                                        </p:tgtEl>
+                                        <p:attrNameLst>
+                                          <p:attrName>style.visibility</p:attrName>
+                                        </p:attrNameLst>
+                                      </p:cBhvr>
+                                      <p:to>
+                                        <p:strVal val="visible"/>
+                                      </p:to>
+                                    </p:set>
+                                    <p:animEffect transition="in" filter="fade">
+                                      <p:cBhvr>
+                                        <p:cTn id="20" dur="500"/>
+                                        <p:tgtEl>
+                                          <p:spTgt spid="3">
+                                            <p:txEl>
+                                              <p:pRg st="3" end="3"/>
+                                            </p:txEl>
+                                          </p:spTgt>
+                                        </p:tgtEl>
+                                      </p:cBhvr>
+                                    </p:animEffect>
+                                  </p:childTnLst>
+                                </p:cTn>
+                              </p:par>
+                              <p:par>
+                                <p:cTn id="21" presetID="10" presetClass="entr" presetSubtype="0" fill="hold" grpId="0" nodeType="withEffect">
+                                  <p:stCondLst>
+                                    <p:cond delay="0"/>
+                                  </p:stCondLst>
+                                  <p:childTnLst>
+                                    <p:set>
+                                      <p:cBhvr>
+                                        <p:cTn id="22" dur="1" fill="hold">
+                                          <p:stCondLst>
+                                            <p:cond delay="0"/>
+                                          </p:stCondLst>
+                                        </p:cTn>
+                                        <p:tgtEl>
+                                          <p:spTgt spid="3">
+                                            <p:txEl>
+                                              <p:pRg st="4" end="4"/>
+                                            </p:txEl>
+                                          </p:spTgt>
+                                        </p:tgtEl>
+                                        <p:attrNameLst>
+                                          <p:attrName>style.visibility</p:attrName>
+                                        </p:attrNameLst>
+                                      </p:cBhvr>
+                                      <p:to>
+                                        <p:strVal val="visible"/>
+                                      </p:to>
+                                    </p:set>
+                                    <p:animEffect transition="in" filter="fade">
+                                      <p:cBhvr>
+                                        <p:cTn id="23" dur="500"/>
+                                        <p:tgtEl>
+                                          <p:spTgt spid="3">
+                                            <p:txEl>
+                                              <p:pRg st="4" end="4"/>
+                                            </p:txEl>
+                                          </p:spTgt>
+                                        </p:tgtEl>
+                                      </p:cBhvr>
+                                    </p:animEffect>
+                                  </p:childTnLst>
+                                </p:cTn>
+                              </p:par>
+                              <p:par>
+                                <p:cTn id="24" presetID="10" presetClass="entr" presetSubtype="0" fill="hold" grpId="0" nodeType="withEffect">
+                                  <p:stCondLst>
+                                    <p:cond delay="0"/>
+                                  </p:stCondLst>
+                                  <p:childTnLst>
+                                    <p:set>
+                                      <p:cBhvr>
+                                        <p:cTn id="25" dur="1" fill="hold">
+                                          <p:stCondLst>
+                                            <p:cond delay="0"/>
+                                          </p:stCondLst>
+                                        </p:cTn>
+                                        <p:tgtEl>
+                                          <p:spTgt spid="3">
+                                            <p:txEl>
+                                              <p:pRg st="5" end="5"/>
+                                            </p:txEl>
+                                          </p:spTgt>
+                                        </p:tgtEl>
+                                        <p:attrNameLst>
+                                          <p:attrName>style.visibility</p:attrName>
+                                        </p:attrNameLst>
+                                      </p:cBhvr>
+                                      <p:to>
+                                        <p:strVal val="visible"/>
+                                      </p:to>
+                                    </p:set>
+                                    <p:animEffect transition="in" filter="fade">
+                                      <p:cBhvr>
+                                        <p:cTn id="26" dur="500"/>
+                                        <p:tgtEl>
+                                          <p:spTgt spid="3">
+                                            <p:txEl>
+                                              <p:pRg st="5" end="5"/>
+                                            </p:txEl>
+                                          </p:spTgt>
+                                        </p:tgtEl>
+                                      </p:cBhvr>
+                                    </p:animEffect>
+                                  </p:childTnLst>
+                                </p:cTn>
+                              </p:par>
+                            </p:childTnLst>
+                          </p:cTn>
+                        </p:par>
+                      </p:childTnLst>
+                    </p:cTn>
+                  </p:par>
+                  <p:par>
+                    <p:cTn id="27" fill="hold">
+                      <p:stCondLst>
+                        <p:cond delay="indefinite"/>
+                      </p:stCondLst>
+                      <p:childTnLst>
+                        <p:par>
+                          <p:cTn id="28" fill="hold">
+                            <p:stCondLst>
+                              <p:cond delay="0"/>
+                            </p:stCondLst>
+                            <p:childTnLst>
+                              <p:par>
+                                <p:cTn id="29" presetID="10" presetClass="entr" presetSubtype="0" fill="hold" grpId="0" nodeType="clickEffect">
+                                  <p:stCondLst>
+                                    <p:cond delay="0"/>
+                                  </p:stCondLst>
+                                  <p:childTnLst>
+                                    <p:set>
+                                      <p:cBhvr>
+                                        <p:cTn id="30" dur="1" fill="hold">
+                                          <p:stCondLst>
+                                            <p:cond delay="0"/>
+                                          </p:stCondLst>
+                                        </p:cTn>
+                                        <p:tgtEl>
+                                          <p:spTgt spid="3">
+                                            <p:txEl>
+                                              <p:pRg st="6" end="6"/>
+                                            </p:txEl>
+                                          </p:spTgt>
+                                        </p:tgtEl>
+                                        <p:attrNameLst>
+                                          <p:attrName>style.visibility</p:attrName>
+                                        </p:attrNameLst>
+                                      </p:cBhvr>
+                                      <p:to>
+                                        <p:strVal val="visible"/>
+                                      </p:to>
+                                    </p:set>
+                                    <p:animEffect transition="in" filter="fade">
+                                      <p:cBhvr>
+                                        <p:cTn id="31" dur="500"/>
+                                        <p:tgtEl>
+                                          <p:spTgt spid="3">
+                                            <p:txEl>
+                                              <p:pRg st="6" end="6"/>
+                                            </p:txEl>
+                                          </p:spTgt>
+                                        </p:tgtEl>
+                                      </p:cBhvr>
+                                    </p:animEffect>
+                                  </p:childTnLst>
+                                </p:cTn>
+                              </p:par>
+                              <p:par>
+                                <p:cTn id="32" presetID="10" presetClass="entr" presetSubtype="0" fill="hold" grpId="0" nodeType="withEffect">
+                                  <p:stCondLst>
+                                    <p:cond delay="0"/>
+                                  </p:stCondLst>
+                                  <p:childTnLst>
+                                    <p:set>
+                                      <p:cBhvr>
+                                        <p:cTn id="33" dur="1" fill="hold">
+                                          <p:stCondLst>
+                                            <p:cond delay="0"/>
+                                          </p:stCondLst>
+                                        </p:cTn>
+                                        <p:tgtEl>
+                                          <p:spTgt spid="3">
+                                            <p:txEl>
+                                              <p:pRg st="7" end="7"/>
+                                            </p:txEl>
+                                          </p:spTgt>
+                                        </p:tgtEl>
+                                        <p:attrNameLst>
+                                          <p:attrName>style.visibility</p:attrName>
+                                        </p:attrNameLst>
+                                      </p:cBhvr>
+                                      <p:to>
+                                        <p:strVal val="visible"/>
+                                      </p:to>
+                                    </p:set>
+                                    <p:animEffect transition="in" filter="fade">
+                                      <p:cBhvr>
+                                        <p:cTn id="34" dur="500"/>
+                                        <p:tgtEl>
+                                          <p:spTgt spid="3">
+                                            <p:txEl>
+                                              <p:pRg st="7" end="7"/>
+                                            </p:txEl>
+                                          </p:spTgt>
+                                        </p:tgtEl>
+                                      </p:cBhvr>
+                                    </p:animEffect>
+                                  </p:childTnLst>
+                                </p:cTn>
+                              </p:par>
+                              <p:par>
+                                <p:cTn id="35" presetID="10" presetClass="entr" presetSubtype="0" fill="hold" grpId="0" nodeType="withEffect">
+                                  <p:stCondLst>
+                                    <p:cond delay="0"/>
+                                  </p:stCondLst>
+                                  <p:childTnLst>
+                                    <p:set>
+                                      <p:cBhvr>
+                                        <p:cTn id="36" dur="1" fill="hold">
+                                          <p:stCondLst>
+                                            <p:cond delay="0"/>
+                                          </p:stCondLst>
+                                        </p:cTn>
+                                        <p:tgtEl>
+                                          <p:spTgt spid="3">
+                                            <p:txEl>
+                                              <p:pRg st="8" end="8"/>
+                                            </p:txEl>
+                                          </p:spTgt>
+                                        </p:tgtEl>
+                                        <p:attrNameLst>
+                                          <p:attrName>style.visibility</p:attrName>
+                                        </p:attrNameLst>
+                                      </p:cBhvr>
+                                      <p:to>
+                                        <p:strVal val="visible"/>
+                                      </p:to>
+                                    </p:set>
+                                    <p:animEffect transition="in" filter="fade">
+                                      <p:cBhvr>
+                                        <p:cTn id="37" dur="500"/>
+                                        <p:tgtEl>
+                                          <p:spTgt spid="3">
+                                            <p:txEl>
+                                              <p:pRg st="8" end="8"/>
+                                            </p:txEl>
+                                          </p:spTgt>
+                                        </p:tgtEl>
+                                      </p:cBhvr>
+                                    </p:animEffect>
+                                  </p:childTnLst>
+                                </p:cTn>
+                              </p:par>
+                              <p:par>
+                                <p:cTn id="38" presetID="10" presetClass="entr" presetSubtype="0" fill="hold" grpId="0" nodeType="withEffect">
+                                  <p:stCondLst>
+                                    <p:cond delay="0"/>
+                                  </p:stCondLst>
+                                  <p:childTnLst>
+                                    <p:set>
+                                      <p:cBhvr>
+                                        <p:cTn id="39" dur="1" fill="hold">
+                                          <p:stCondLst>
+                                            <p:cond delay="0"/>
+                                          </p:stCondLst>
+                                        </p:cTn>
+                                        <p:tgtEl>
+                                          <p:spTgt spid="3">
+                                            <p:txEl>
+                                              <p:pRg st="9" end="9"/>
+                                            </p:txEl>
+                                          </p:spTgt>
+                                        </p:tgtEl>
+                                        <p:attrNameLst>
+                                          <p:attrName>style.visibility</p:attrName>
+                                        </p:attrNameLst>
+                                      </p:cBhvr>
+                                      <p:to>
+                                        <p:strVal val="visible"/>
+                                      </p:to>
+                                    </p:set>
+                                    <p:animEffect transition="in" filter="fade">
+                                      <p:cBhvr>
+                                        <p:cTn id="40" dur="500"/>
+                                        <p:tgtEl>
+                                          <p:spTgt spid="3">
+                                            <p:txEl>
+                                              <p:pRg st="9" end="9"/>
+                                            </p:txEl>
+                                          </p:spTgt>
+                                        </p:tgtEl>
+                                      </p:cBhvr>
+                                    </p:animEffect>
+                                  </p:childTnLst>
+                                </p:cTn>
+                              </p:par>
+                            </p:childTnLst>
+                          </p:cTn>
+                        </p:par>
+                      </p:childTnLst>
+                    </p:cTn>
+                  </p:par>
+                </p:childTnLst>
+              </p:cTn>
+              <p:prevCondLst>
+                <p:cond evt="onPrev" delay="0">
+                  <p:tgtEl>
+                    <p:sldTgt/>
+                  </p:tgtEl>
+                </p:cond>
+              </p:prevCondLst>
+              <p:nextCondLst>
+                <p:cond evt="onNext" delay="0">
+                  <p:tgtEl>
+                    <p:sldTgt/>
+                  </p:tgtEl>
+                </p:cond>
+              </p:nextCondLst>
+            </p:seq>
+          </p:childTnLst>
+        </p:cTn>
+      </p:par>
+    </p:tnLst>
+    <p:bldLst>
+      <p:bldP spid="3" grpId="0" uiExpand="1" build="p"/>
+    </p:bldLst>
+  </p:timing>
+</p:sld>
+</file>
+
+<file path=ppt/slides/slide34.xml><?xml version="1.0" encoding="utf-8"?>
+<p:sld xmlns:a="http://schemas.openxmlformats.org/drawingml/2006/main" xmlns:r="http://schemas.openxmlformats.org/officeDocument/2006/relationships" xmlns:p="http://schemas.openxmlformats.org/presentationml/2006/main">
+  <p:cSld>
+    <p:spTree>
+      <p:nvGrpSpPr>
+        <p:cNvPr id="1" name=""/>
+        <p:cNvGrpSpPr/>
+        <p:nvPr/>
+      </p:nvGrpSpPr>
+      <p:grpSpPr>
+        <a:xfrm>
+          <a:off x="0" y="0"/>
+          <a:ext cx="0" cy="0"/>
+          <a:chOff x="0" y="0"/>
+          <a:chExt cx="0" cy="0"/>
+        </a:xfrm>
+      </p:grpSpPr>
+      <p:sp>
+        <p:nvSpPr>
+          <p:cNvPr id="2" name="Title 1">
+            <a:extLst>
+              <a:ext uri="{FF2B5EF4-FFF2-40B4-BE49-F238E27FC236}">
+                <a16:creationId xmlns:a16="http://schemas.microsoft.com/office/drawing/2014/main" id="{A5D34920-B7B0-87FC-6F07-4D616409BC9F}"/>
+              </a:ext>
+            </a:extLst>
+          </p:cNvPr>
+          <p:cNvSpPr>
+            <a:spLocks noGrp="1"/>
+          </p:cNvSpPr>
+          <p:nvPr>
+            <p:ph type="title"/>
+          </p:nvPr>
+        </p:nvSpPr>
+        <p:spPr/>
+        <p:txBody>
+          <a:bodyPr/>
+          <a:lstStyle/>
+          <a:p>
+            <a:r>
+              <a:rPr lang="en-US" dirty="0"/>
+              <a:t>Unit 6 - Commands</a:t>
+            </a:r>
+          </a:p>
+        </p:txBody>
+      </p:sp>
+      <p:sp>
+        <p:nvSpPr>
+          <p:cNvPr id="3" name="Content Placeholder 2">
+            <a:extLst>
+              <a:ext uri="{FF2B5EF4-FFF2-40B4-BE49-F238E27FC236}">
+                <a16:creationId xmlns:a16="http://schemas.microsoft.com/office/drawing/2014/main" id="{815D14F8-6FCF-75DC-89CE-AD9AE76F9465}"/>
+              </a:ext>
+            </a:extLst>
+          </p:cNvPr>
+          <p:cNvSpPr>
+            <a:spLocks noGrp="1"/>
+          </p:cNvSpPr>
+          <p:nvPr>
+            <p:ph idx="1"/>
+          </p:nvPr>
+        </p:nvSpPr>
+        <p:spPr/>
+        <p:txBody>
+          <a:bodyPr>
+            <a:normAutofit fontScale="70000" lnSpcReduction="20000"/>
+          </a:bodyPr>
+          <a:lstStyle/>
+          <a:p>
+            <a:r>
+              <a:rPr lang="en-US" dirty="0"/>
+              <a:t>Command class</a:t>
+            </a:r>
+          </a:p>
+          <a:p>
+            <a:pPr lvl="1"/>
+            <a:r>
+              <a:rPr lang="en-US" dirty="0"/>
+              <a:t>Must implement </a:t>
+            </a:r>
+            <a:r>
+              <a:rPr lang="en-US" dirty="0" err="1"/>
+              <a:t>ICommand</a:t>
+            </a:r>
+            <a:endParaRPr lang="en-US" dirty="0"/>
+          </a:p>
+          <a:p>
+            <a:pPr lvl="1"/>
+            <a:r>
+              <a:rPr lang="en-US" dirty="0"/>
+              <a:t>Execute - method that executes the command  (takes optional parameter)</a:t>
+            </a:r>
+          </a:p>
+          <a:p>
+            <a:pPr lvl="1"/>
+            <a:r>
+              <a:rPr lang="en-US" dirty="0" err="1"/>
+              <a:t>CanExecute</a:t>
+            </a:r>
+            <a:r>
+              <a:rPr lang="en-US" dirty="0"/>
+              <a:t> - method that determines whether command can execute, return bool</a:t>
+            </a:r>
+          </a:p>
+          <a:p>
+            <a:r>
+              <a:rPr lang="en-US" dirty="0" err="1"/>
+              <a:t>DelegateCommand</a:t>
+            </a:r>
+            <a:endParaRPr lang="en-US" dirty="0"/>
+          </a:p>
+          <a:p>
+            <a:pPr lvl="1"/>
+            <a:r>
+              <a:rPr lang="en-US" dirty="0"/>
+              <a:t>Helper class that implements </a:t>
+            </a:r>
+            <a:r>
+              <a:rPr lang="en-US" dirty="0" err="1"/>
+              <a:t>ICommand</a:t>
+            </a:r>
+            <a:endParaRPr lang="en-US" dirty="0"/>
+          </a:p>
+          <a:p>
+            <a:pPr lvl="1"/>
+            <a:r>
+              <a:rPr lang="en-US" dirty="0"/>
+              <a:t>Can use it everywhere you need a command</a:t>
+            </a:r>
+          </a:p>
+          <a:p>
+            <a:r>
+              <a:rPr lang="en-US" dirty="0"/>
+              <a:t>ViewModel</a:t>
+            </a:r>
+          </a:p>
+          <a:p>
+            <a:pPr lvl="1"/>
+            <a:r>
+              <a:rPr lang="en-US" dirty="0"/>
+              <a:t>Creates instance of the command</a:t>
+            </a:r>
+          </a:p>
+          <a:p>
+            <a:pPr lvl="1"/>
+            <a:r>
+              <a:rPr lang="en-US" dirty="0"/>
+              <a:t>Pass in delegates for Execute and </a:t>
+            </a:r>
+            <a:r>
+              <a:rPr lang="en-US" dirty="0" err="1"/>
+              <a:t>CanExecute</a:t>
+            </a:r>
+            <a:endParaRPr lang="en-US" dirty="0"/>
+          </a:p>
+          <a:p>
+            <a:pPr lvl="1"/>
+            <a:r>
+              <a:rPr lang="en-US" dirty="0"/>
+              <a:t>ViewModel provides the logic</a:t>
+            </a:r>
+          </a:p>
+          <a:p>
+            <a:r>
+              <a:rPr lang="en-US" dirty="0"/>
+              <a:t>View</a:t>
+            </a:r>
+          </a:p>
+          <a:p>
+            <a:pPr lvl="1"/>
+            <a:r>
+              <a:rPr lang="en-US" dirty="0"/>
+              <a:t>Bind Command property on UI element to a command property in ViewModel</a:t>
+            </a:r>
+          </a:p>
+          <a:p>
+            <a:r>
+              <a:rPr lang="en-US" dirty="0">
+                <a:solidFill>
+                  <a:srgbClr val="00B050"/>
+                </a:solidFill>
+              </a:rPr>
+              <a:t>Example – Implementing a Command</a:t>
+            </a:r>
+          </a:p>
+          <a:p>
+            <a:pPr lvl="1"/>
+            <a:endParaRPr lang="en-US" dirty="0"/>
+          </a:p>
+          <a:p>
+            <a:pPr lvl="1"/>
+            <a:endParaRPr lang="en-US" dirty="0"/>
+          </a:p>
+        </p:txBody>
+      </p:sp>
+    </p:spTree>
+    <p:extLst>
+      <p:ext uri="{BB962C8B-B14F-4D97-AF65-F5344CB8AC3E}">
+        <p14:creationId xmlns:p14="http://schemas.microsoft.com/office/powerpoint/2010/main" val="3262754024"/>
+      </p:ext>
+    </p:extLst>
+  </p:cSld>
+  <p:clrMapOvr>
+    <a:masterClrMapping/>
+  </p:clrMapOvr>
+  <p:timing>
+    <p:tnLst>
+      <p:par>
+        <p:cTn id="1" dur="indefinite" restart="never" nodeType="tmRoot">
+          <p:childTnLst>
+            <p:seq concurrent="1" nextAc="seek">
+              <p:cTn id="2" dur="indefinite" nodeType="mainSeq">
+                <p:childTnLst>
+                  <p:par>
+                    <p:cTn id="3" fill="hold">
+                      <p:stCondLst>
+                        <p:cond delay="indefinite"/>
+                      </p:stCondLst>
+                      <p:childTnLst>
+                        <p:par>
+                          <p:cTn id="4" fill="hold">
+                            <p:stCondLst>
+                              <p:cond delay="0"/>
+                            </p:stCondLst>
+                            <p:childTnLst>
+                              <p:par>
+                                <p:cTn id="5" presetID="10" presetClass="entr" presetSubtype="0" fill="hold" grpId="0" nodeType="clickEffect">
+                                  <p:stCondLst>
+                                    <p:cond delay="0"/>
+                                  </p:stCondLst>
+                                  <p:childTnLst>
+                                    <p:set>
+                                      <p:cBhvr>
+                                        <p:cTn id="6" dur="1" fill="hold">
+                                          <p:stCondLst>
+                                            <p:cond delay="0"/>
+                                          </p:stCondLst>
+                                        </p:cTn>
+                                        <p:tgtEl>
+                                          <p:spTgt spid="3">
+                                            <p:txEl>
+                                              <p:pRg st="0" end="0"/>
+                                            </p:txEl>
+                                          </p:spTgt>
+                                        </p:tgtEl>
+                                        <p:attrNameLst>
+                                          <p:attrName>style.visibility</p:attrName>
+                                        </p:attrNameLst>
+                                      </p:cBhvr>
+                                      <p:to>
+                                        <p:strVal val="visible"/>
+                                      </p:to>
+                                    </p:set>
+                                    <p:animEffect transition="in" filter="fade">
+                                      <p:cBhvr>
+                                        <p:cTn id="7" dur="500"/>
+                                        <p:tgtEl>
+                                          <p:spTgt spid="3">
+                                            <p:txEl>
+                                              <p:pRg st="0" end="0"/>
+                                            </p:txEl>
+                                          </p:spTgt>
+                                        </p:tgtEl>
+                                      </p:cBhvr>
+                                    </p:animEffect>
+                                  </p:childTnLst>
+                                </p:cTn>
+                              </p:par>
+                              <p:par>
+                                <p:cTn id="8" presetID="10" presetClass="entr" presetSubtype="0" fill="hold" grpId="0" nodeType="withEffect">
+                                  <p:stCondLst>
+                                    <p:cond delay="0"/>
+                                  </p:stCondLst>
+                                  <p:childTnLst>
+                                    <p:set>
+                                      <p:cBhvr>
+                                        <p:cTn id="9" dur="1" fill="hold">
+                                          <p:stCondLst>
+                                            <p:cond delay="0"/>
+                                          </p:stCondLst>
+                                        </p:cTn>
+                                        <p:tgtEl>
+                                          <p:spTgt spid="3">
+                                            <p:txEl>
+                                              <p:pRg st="1" end="1"/>
+                                            </p:txEl>
+                                          </p:spTgt>
+                                        </p:tgtEl>
+                                        <p:attrNameLst>
+                                          <p:attrName>style.visibility</p:attrName>
+                                        </p:attrNameLst>
+                                      </p:cBhvr>
+                                      <p:to>
+                                        <p:strVal val="visible"/>
+                                      </p:to>
+                                    </p:set>
+                                    <p:animEffect transition="in" filter="fade">
+                                      <p:cBhvr>
+                                        <p:cTn id="10" dur="500"/>
+                                        <p:tgtEl>
+                                          <p:spTgt spid="3">
+                                            <p:txEl>
+                                              <p:pRg st="1" end="1"/>
+                                            </p:txEl>
+                                          </p:spTgt>
+                                        </p:tgtEl>
+                                      </p:cBhvr>
+                                    </p:animEffect>
+                                  </p:childTnLst>
+                                </p:cTn>
+                              </p:par>
+                              <p:par>
+                                <p:cTn id="11" presetID="10" presetClass="entr" presetSubtype="0" fill="hold" grpId="0" nodeType="withEffect">
+                                  <p:stCondLst>
+                                    <p:cond delay="0"/>
+                                  </p:stCondLst>
+                                  <p:childTnLst>
+                                    <p:set>
+                                      <p:cBhvr>
+                                        <p:cTn id="12" dur="1" fill="hold">
+                                          <p:stCondLst>
+                                            <p:cond delay="0"/>
+                                          </p:stCondLst>
+                                        </p:cTn>
+                                        <p:tgtEl>
+                                          <p:spTgt spid="3">
+                                            <p:txEl>
+                                              <p:pRg st="2" end="2"/>
+                                            </p:txEl>
+                                          </p:spTgt>
+                                        </p:tgtEl>
+                                        <p:attrNameLst>
+                                          <p:attrName>style.visibility</p:attrName>
+                                        </p:attrNameLst>
+                                      </p:cBhvr>
+                                      <p:to>
+                                        <p:strVal val="visible"/>
+                                      </p:to>
+                                    </p:set>
+                                    <p:animEffect transition="in" filter="fade">
+                                      <p:cBhvr>
+                                        <p:cTn id="13" dur="500"/>
+                                        <p:tgtEl>
+                                          <p:spTgt spid="3">
+                                            <p:txEl>
+                                              <p:pRg st="2" end="2"/>
+                                            </p:txEl>
+                                          </p:spTgt>
+                                        </p:tgtEl>
+                                      </p:cBhvr>
+                                    </p:animEffect>
+                                  </p:childTnLst>
+                                </p:cTn>
+                              </p:par>
+                              <p:par>
+                                <p:cTn id="14" presetID="10" presetClass="entr" presetSubtype="0" fill="hold" grpId="0" nodeType="withEffect">
+                                  <p:stCondLst>
+                                    <p:cond delay="0"/>
+                                  </p:stCondLst>
+                                  <p:childTnLst>
+                                    <p:set>
+                                      <p:cBhvr>
+                                        <p:cTn id="15" dur="1" fill="hold">
+                                          <p:stCondLst>
+                                            <p:cond delay="0"/>
+                                          </p:stCondLst>
+                                        </p:cTn>
+                                        <p:tgtEl>
+                                          <p:spTgt spid="3">
+                                            <p:txEl>
+                                              <p:pRg st="3" end="3"/>
+                                            </p:txEl>
+                                          </p:spTgt>
+                                        </p:tgtEl>
+                                        <p:attrNameLst>
+                                          <p:attrName>style.visibility</p:attrName>
+                                        </p:attrNameLst>
+                                      </p:cBhvr>
+                                      <p:to>
+                                        <p:strVal val="visible"/>
+                                      </p:to>
+                                    </p:set>
+                                    <p:animEffect transition="in" filter="fade">
+                                      <p:cBhvr>
+                                        <p:cTn id="16" dur="500"/>
+                                        <p:tgtEl>
+                                          <p:spTgt spid="3">
+                                            <p:txEl>
+                                              <p:pRg st="3" end="3"/>
+                                            </p:txEl>
+                                          </p:spTgt>
+                                        </p:tgtEl>
+                                      </p:cBhvr>
+                                    </p:animEffect>
+                                  </p:childTnLst>
+                                </p:cTn>
+                              </p:par>
+                            </p:childTnLst>
+                          </p:cTn>
+                        </p:par>
+                      </p:childTnLst>
+                    </p:cTn>
+                  </p:par>
+                  <p:par>
+                    <p:cTn id="17" fill="hold">
+                      <p:stCondLst>
+                        <p:cond delay="indefinite"/>
+                      </p:stCondLst>
+                      <p:childTnLst>
+                        <p:par>
+                          <p:cTn id="18" fill="hold">
+                            <p:stCondLst>
+                              <p:cond delay="0"/>
+                            </p:stCondLst>
+                            <p:childTnLst>
+                              <p:par>
+                                <p:cTn id="19" presetID="10" presetClass="entr" presetSubtype="0" fill="hold" grpId="0" nodeType="clickEffect">
+                                  <p:stCondLst>
+                                    <p:cond delay="0"/>
+                                  </p:stCondLst>
+                                  <p:childTnLst>
+                                    <p:set>
+                                      <p:cBhvr>
+                                        <p:cTn id="20" dur="1" fill="hold">
+                                          <p:stCondLst>
+                                            <p:cond delay="0"/>
+                                          </p:stCondLst>
+                                        </p:cTn>
+                                        <p:tgtEl>
+                                          <p:spTgt spid="3">
+                                            <p:txEl>
+                                              <p:pRg st="4" end="4"/>
+                                            </p:txEl>
+                                          </p:spTgt>
+                                        </p:tgtEl>
+                                        <p:attrNameLst>
+                                          <p:attrName>style.visibility</p:attrName>
+                                        </p:attrNameLst>
+                                      </p:cBhvr>
+                                      <p:to>
+                                        <p:strVal val="visible"/>
+                                      </p:to>
+                                    </p:set>
+                                    <p:animEffect transition="in" filter="fade">
+                                      <p:cBhvr>
+                                        <p:cTn id="21" dur="500"/>
+                                        <p:tgtEl>
+                                          <p:spTgt spid="3">
+                                            <p:txEl>
+                                              <p:pRg st="4" end="4"/>
+                                            </p:txEl>
+                                          </p:spTgt>
+                                        </p:tgtEl>
+                                      </p:cBhvr>
+                                    </p:animEffect>
+                                  </p:childTnLst>
+                                </p:cTn>
+                              </p:par>
+                              <p:par>
+                                <p:cTn id="22" presetID="10" presetClass="entr" presetSubtype="0" fill="hold" grpId="0" nodeType="withEffect">
+                                  <p:stCondLst>
+                                    <p:cond delay="0"/>
+                                  </p:stCondLst>
+                                  <p:childTnLst>
+                                    <p:set>
+                                      <p:cBhvr>
+                                        <p:cTn id="23" dur="1" fill="hold">
+                                          <p:stCondLst>
+                                            <p:cond delay="0"/>
+                                          </p:stCondLst>
+                                        </p:cTn>
+                                        <p:tgtEl>
+                                          <p:spTgt spid="3">
+                                            <p:txEl>
+                                              <p:pRg st="5" end="5"/>
+                                            </p:txEl>
+                                          </p:spTgt>
+                                        </p:tgtEl>
+                                        <p:attrNameLst>
+                                          <p:attrName>style.visibility</p:attrName>
+                                        </p:attrNameLst>
+                                      </p:cBhvr>
+                                      <p:to>
+                                        <p:strVal val="visible"/>
+                                      </p:to>
+                                    </p:set>
+                                    <p:animEffect transition="in" filter="fade">
+                                      <p:cBhvr>
+                                        <p:cTn id="24" dur="500"/>
+                                        <p:tgtEl>
+                                          <p:spTgt spid="3">
+                                            <p:txEl>
+                                              <p:pRg st="5" end="5"/>
+                                            </p:txEl>
+                                          </p:spTgt>
+                                        </p:tgtEl>
+                                      </p:cBhvr>
+                                    </p:animEffect>
+                                  </p:childTnLst>
+                                </p:cTn>
+                              </p:par>
+                              <p:par>
+                                <p:cTn id="25" presetID="10" presetClass="entr" presetSubtype="0" fill="hold" grpId="0" nodeType="withEffect">
+                                  <p:stCondLst>
+                                    <p:cond delay="0"/>
+                                  </p:stCondLst>
+                                  <p:childTnLst>
+                                    <p:set>
+                                      <p:cBhvr>
+                                        <p:cTn id="26" dur="1" fill="hold">
+                                          <p:stCondLst>
+                                            <p:cond delay="0"/>
+                                          </p:stCondLst>
+                                        </p:cTn>
+                                        <p:tgtEl>
+                                          <p:spTgt spid="3">
+                                            <p:txEl>
+                                              <p:pRg st="6" end="6"/>
+                                            </p:txEl>
+                                          </p:spTgt>
+                                        </p:tgtEl>
+                                        <p:attrNameLst>
+                                          <p:attrName>style.visibility</p:attrName>
+                                        </p:attrNameLst>
+                                      </p:cBhvr>
+                                      <p:to>
+                                        <p:strVal val="visible"/>
+                                      </p:to>
+                                    </p:set>
+                                    <p:animEffect transition="in" filter="fade">
+                                      <p:cBhvr>
+                                        <p:cTn id="27" dur="500"/>
+                                        <p:tgtEl>
+                                          <p:spTgt spid="3">
+                                            <p:txEl>
+                                              <p:pRg st="6" end="6"/>
+                                            </p:txEl>
+                                          </p:spTgt>
+                                        </p:tgtEl>
+                                      </p:cBhvr>
+                                    </p:animEffect>
+                                  </p:childTnLst>
+                                </p:cTn>
+                              </p:par>
+                            </p:childTnLst>
+                          </p:cTn>
+                        </p:par>
+                      </p:childTnLst>
+                    </p:cTn>
+                  </p:par>
+                  <p:par>
+                    <p:cTn id="28" fill="hold">
+                      <p:stCondLst>
+                        <p:cond delay="indefinite"/>
+                      </p:stCondLst>
+                      <p:childTnLst>
+                        <p:par>
+                          <p:cTn id="29" fill="hold">
+                            <p:stCondLst>
+                              <p:cond delay="0"/>
+                            </p:stCondLst>
+                            <p:childTnLst>
+                              <p:par>
+                                <p:cTn id="30" presetID="10" presetClass="entr" presetSubtype="0" fill="hold" grpId="0" nodeType="clickEffect">
+                                  <p:stCondLst>
+                                    <p:cond delay="0"/>
+                                  </p:stCondLst>
+                                  <p:childTnLst>
+                                    <p:set>
+                                      <p:cBhvr>
+                                        <p:cTn id="31" dur="1" fill="hold">
+                                          <p:stCondLst>
+                                            <p:cond delay="0"/>
+                                          </p:stCondLst>
+                                        </p:cTn>
+                                        <p:tgtEl>
+                                          <p:spTgt spid="3">
+                                            <p:txEl>
+                                              <p:pRg st="7" end="7"/>
+                                            </p:txEl>
+                                          </p:spTgt>
+                                        </p:tgtEl>
+                                        <p:attrNameLst>
+                                          <p:attrName>style.visibility</p:attrName>
+                                        </p:attrNameLst>
+                                      </p:cBhvr>
+                                      <p:to>
+                                        <p:strVal val="visible"/>
+                                      </p:to>
+                                    </p:set>
+                                    <p:animEffect transition="in" filter="fade">
+                                      <p:cBhvr>
+                                        <p:cTn id="32" dur="500"/>
+                                        <p:tgtEl>
+                                          <p:spTgt spid="3">
+                                            <p:txEl>
+                                              <p:pRg st="7" end="7"/>
+                                            </p:txEl>
+                                          </p:spTgt>
+                                        </p:tgtEl>
+                                      </p:cBhvr>
+                                    </p:animEffect>
+                                  </p:childTnLst>
+                                </p:cTn>
+                              </p:par>
+                              <p:par>
+                                <p:cTn id="33" presetID="10" presetClass="entr" presetSubtype="0" fill="hold" grpId="0" nodeType="withEffect">
+                                  <p:stCondLst>
+                                    <p:cond delay="0"/>
+                                  </p:stCondLst>
+                                  <p:childTnLst>
+                                    <p:set>
+                                      <p:cBhvr>
+                                        <p:cTn id="34" dur="1" fill="hold">
+                                          <p:stCondLst>
+                                            <p:cond delay="0"/>
+                                          </p:stCondLst>
+                                        </p:cTn>
+                                        <p:tgtEl>
+                                          <p:spTgt spid="3">
+                                            <p:txEl>
+                                              <p:pRg st="8" end="8"/>
+                                            </p:txEl>
+                                          </p:spTgt>
+                                        </p:tgtEl>
+                                        <p:attrNameLst>
+                                          <p:attrName>style.visibility</p:attrName>
+                                        </p:attrNameLst>
+                                      </p:cBhvr>
+                                      <p:to>
+                                        <p:strVal val="visible"/>
+                                      </p:to>
+                                    </p:set>
+                                    <p:animEffect transition="in" filter="fade">
+                                      <p:cBhvr>
+                                        <p:cTn id="35" dur="500"/>
+                                        <p:tgtEl>
+                                          <p:spTgt spid="3">
+                                            <p:txEl>
+                                              <p:pRg st="8" end="8"/>
+                                            </p:txEl>
+                                          </p:spTgt>
+                                        </p:tgtEl>
+                                      </p:cBhvr>
+                                    </p:animEffect>
+                                  </p:childTnLst>
+                                </p:cTn>
+                              </p:par>
+                              <p:par>
+                                <p:cTn id="36" presetID="10" presetClass="entr" presetSubtype="0" fill="hold" grpId="0" nodeType="withEffect">
+                                  <p:stCondLst>
+                                    <p:cond delay="0"/>
+                                  </p:stCondLst>
+                                  <p:childTnLst>
+                                    <p:set>
+                                      <p:cBhvr>
+                                        <p:cTn id="37" dur="1" fill="hold">
+                                          <p:stCondLst>
+                                            <p:cond delay="0"/>
+                                          </p:stCondLst>
+                                        </p:cTn>
+                                        <p:tgtEl>
+                                          <p:spTgt spid="3">
+                                            <p:txEl>
+                                              <p:pRg st="9" end="9"/>
+                                            </p:txEl>
+                                          </p:spTgt>
+                                        </p:tgtEl>
+                                        <p:attrNameLst>
+                                          <p:attrName>style.visibility</p:attrName>
+                                        </p:attrNameLst>
+                                      </p:cBhvr>
+                                      <p:to>
+                                        <p:strVal val="visible"/>
+                                      </p:to>
+                                    </p:set>
+                                    <p:animEffect transition="in" filter="fade">
+                                      <p:cBhvr>
+                                        <p:cTn id="38" dur="500"/>
+                                        <p:tgtEl>
+                                          <p:spTgt spid="3">
+                                            <p:txEl>
+                                              <p:pRg st="9" end="9"/>
+                                            </p:txEl>
+                                          </p:spTgt>
+                                        </p:tgtEl>
+                                      </p:cBhvr>
+                                    </p:animEffect>
+                                  </p:childTnLst>
+                                </p:cTn>
+                              </p:par>
+                              <p:par>
+                                <p:cTn id="39" presetID="10" presetClass="entr" presetSubtype="0" fill="hold" grpId="0" nodeType="withEffect">
+                                  <p:stCondLst>
+                                    <p:cond delay="0"/>
+                                  </p:stCondLst>
+                                  <p:childTnLst>
+                                    <p:set>
+                                      <p:cBhvr>
+                                        <p:cTn id="40" dur="1" fill="hold">
+                                          <p:stCondLst>
+                                            <p:cond delay="0"/>
+                                          </p:stCondLst>
+                                        </p:cTn>
+                                        <p:tgtEl>
+                                          <p:spTgt spid="3">
+                                            <p:txEl>
+                                              <p:pRg st="10" end="10"/>
+                                            </p:txEl>
+                                          </p:spTgt>
+                                        </p:tgtEl>
+                                        <p:attrNameLst>
+                                          <p:attrName>style.visibility</p:attrName>
+                                        </p:attrNameLst>
+                                      </p:cBhvr>
+                                      <p:to>
+                                        <p:strVal val="visible"/>
+                                      </p:to>
+                                    </p:set>
+                                    <p:animEffect transition="in" filter="fade">
+                                      <p:cBhvr>
+                                        <p:cTn id="41" dur="500"/>
+                                        <p:tgtEl>
+                                          <p:spTgt spid="3">
+                                            <p:txEl>
+                                              <p:pRg st="10" end="10"/>
+                                            </p:txEl>
+                                          </p:spTgt>
+                                        </p:tgtEl>
+                                      </p:cBhvr>
+                                    </p:animEffect>
+                                  </p:childTnLst>
+                                </p:cTn>
+                              </p:par>
+                            </p:childTnLst>
+                          </p:cTn>
+                        </p:par>
+                      </p:childTnLst>
+                    </p:cTn>
+                  </p:par>
+                  <p:par>
+                    <p:cTn id="42" fill="hold">
+                      <p:stCondLst>
+                        <p:cond delay="indefinite"/>
+                      </p:stCondLst>
+                      <p:childTnLst>
+                        <p:par>
+                          <p:cTn id="43" fill="hold">
+                            <p:stCondLst>
+                              <p:cond delay="0"/>
+                            </p:stCondLst>
+                            <p:childTnLst>
+                              <p:par>
+                                <p:cTn id="44" presetID="10" presetClass="entr" presetSubtype="0" fill="hold" grpId="0" nodeType="clickEffect">
+                                  <p:stCondLst>
+                                    <p:cond delay="0"/>
+                                  </p:stCondLst>
+                                  <p:childTnLst>
+                                    <p:set>
+                                      <p:cBhvr>
+                                        <p:cTn id="45" dur="1" fill="hold">
+                                          <p:stCondLst>
+                                            <p:cond delay="0"/>
+                                          </p:stCondLst>
+                                        </p:cTn>
+                                        <p:tgtEl>
+                                          <p:spTgt spid="3">
+                                            <p:txEl>
+                                              <p:pRg st="11" end="11"/>
+                                            </p:txEl>
+                                          </p:spTgt>
+                                        </p:tgtEl>
+                                        <p:attrNameLst>
+                                          <p:attrName>style.visibility</p:attrName>
+                                        </p:attrNameLst>
+                                      </p:cBhvr>
+                                      <p:to>
+                                        <p:strVal val="visible"/>
+                                      </p:to>
+                                    </p:set>
+                                    <p:animEffect transition="in" filter="fade">
+                                      <p:cBhvr>
+                                        <p:cTn id="46" dur="500"/>
+                                        <p:tgtEl>
+                                          <p:spTgt spid="3">
+                                            <p:txEl>
+                                              <p:pRg st="11" end="11"/>
+                                            </p:txEl>
+                                          </p:spTgt>
+                                        </p:tgtEl>
+                                      </p:cBhvr>
+                                    </p:animEffect>
+                                  </p:childTnLst>
+                                </p:cTn>
+                              </p:par>
+                              <p:par>
+                                <p:cTn id="47" presetID="10" presetClass="entr" presetSubtype="0" fill="hold" grpId="0" nodeType="withEffect">
+                                  <p:stCondLst>
+                                    <p:cond delay="0"/>
+                                  </p:stCondLst>
+                                  <p:childTnLst>
+                                    <p:set>
+                                      <p:cBhvr>
+                                        <p:cTn id="48" dur="1" fill="hold">
+                                          <p:stCondLst>
+                                            <p:cond delay="0"/>
+                                          </p:stCondLst>
+                                        </p:cTn>
+                                        <p:tgtEl>
+                                          <p:spTgt spid="3">
+                                            <p:txEl>
+                                              <p:pRg st="12" end="12"/>
+                                            </p:txEl>
+                                          </p:spTgt>
+                                        </p:tgtEl>
+                                        <p:attrNameLst>
+                                          <p:attrName>style.visibility</p:attrName>
+                                        </p:attrNameLst>
+                                      </p:cBhvr>
+                                      <p:to>
+                                        <p:strVal val="visible"/>
+                                      </p:to>
+                                    </p:set>
+                                    <p:animEffect transition="in" filter="fade">
+                                      <p:cBhvr>
+                                        <p:cTn id="49" dur="500"/>
+                                        <p:tgtEl>
+                                          <p:spTgt spid="3">
+                                            <p:txEl>
+                                              <p:pRg st="12" end="12"/>
+                                            </p:txEl>
+                                          </p:spTgt>
+                                        </p:tgtEl>
+                                      </p:cBhvr>
+                                    </p:animEffect>
+                                  </p:childTnLst>
+                                </p:cTn>
+                              </p:par>
+                            </p:childTnLst>
+                          </p:cTn>
+                        </p:par>
+                      </p:childTnLst>
+                    </p:cTn>
+                  </p:par>
+                  <p:par>
+                    <p:cTn id="50" fill="hold">
+                      <p:stCondLst>
+                        <p:cond delay="indefinite"/>
+                      </p:stCondLst>
+                      <p:childTnLst>
+                        <p:par>
+                          <p:cTn id="51" fill="hold">
+                            <p:stCondLst>
+                              <p:cond delay="0"/>
+                            </p:stCondLst>
+                            <p:childTnLst>
+                              <p:par>
+                                <p:cTn id="52" presetID="10" presetClass="entr" presetSubtype="0" fill="hold" grpId="0" nodeType="clickEffect">
+                                  <p:stCondLst>
+                                    <p:cond delay="0"/>
+                                  </p:stCondLst>
+                                  <p:childTnLst>
+                                    <p:set>
+                                      <p:cBhvr>
+                                        <p:cTn id="53" dur="1" fill="hold">
+                                          <p:stCondLst>
+                                            <p:cond delay="0"/>
+                                          </p:stCondLst>
+                                        </p:cTn>
+                                        <p:tgtEl>
+                                          <p:spTgt spid="3">
+                                            <p:txEl>
+                                              <p:pRg st="13" end="13"/>
+                                            </p:txEl>
+                                          </p:spTgt>
+                                        </p:tgtEl>
+                                        <p:attrNameLst>
+                                          <p:attrName>style.visibility</p:attrName>
+                                        </p:attrNameLst>
+                                      </p:cBhvr>
+                                      <p:to>
+                                        <p:strVal val="visible"/>
+                                      </p:to>
+                                    </p:set>
+                                    <p:animEffect transition="in" filter="fade">
+                                      <p:cBhvr>
+                                        <p:cTn id="54" dur="500"/>
+                                        <p:tgtEl>
+                                          <p:spTgt spid="3">
+                                            <p:txEl>
+                                              <p:pRg st="13" end="13"/>
+                                            </p:txEl>
+                                          </p:spTgt>
+                                        </p:tgtEl>
+                                      </p:cBhvr>
+                                    </p:animEffect>
+                                  </p:childTnLst>
+                                </p:cTn>
+                              </p:par>
+                            </p:childTnLst>
+                          </p:cTn>
+                        </p:par>
+                      </p:childTnLst>
+                    </p:cTn>
+                  </p:par>
+                </p:childTnLst>
+              </p:cTn>
+              <p:prevCondLst>
+                <p:cond evt="onPrev" delay="0">
+                  <p:tgtEl>
+                    <p:sldTgt/>
+                  </p:tgtEl>
+                </p:cond>
+              </p:prevCondLst>
+              <p:nextCondLst>
+                <p:cond evt="onNext" delay="0">
+                  <p:tgtEl>
+                    <p:sldTgt/>
+                  </p:tgtEl>
+                </p:cond>
+              </p:nextCondLst>
+            </p:seq>
+          </p:childTnLst>
+        </p:cTn>
+      </p:par>
+    </p:tnLst>
+    <p:bldLst>
+      <p:bldP spid="3" grpId="0" uiExpand="1" build="p"/>
+    </p:bldLst>
+  </p:timing>
+</p:sld>
+</file>
+
+<file path=ppt/slides/slide35.xml><?xml version="1.0" encoding="utf-8"?>
+<p:sld xmlns:a="http://schemas.openxmlformats.org/drawingml/2006/main" xmlns:r="http://schemas.openxmlformats.org/officeDocument/2006/relationships" xmlns:p="http://schemas.openxmlformats.org/presentationml/2006/main">
+  <p:cSld>
+    <p:spTree>
+      <p:nvGrpSpPr>
+        <p:cNvPr id="1" name=""/>
+        <p:cNvGrpSpPr/>
+        <p:nvPr/>
+      </p:nvGrpSpPr>
+      <p:grpSpPr>
+        <a:xfrm>
+          <a:off x="0" y="0"/>
+          <a:ext cx="0" cy="0"/>
+          <a:chOff x="0" y="0"/>
+          <a:chExt cx="0" cy="0"/>
+        </a:xfrm>
+      </p:grpSpPr>
+      <p:sp>
+        <p:nvSpPr>
+          <p:cNvPr id="2" name="Title 1">
+            <a:extLst>
+              <a:ext uri="{FF2B5EF4-FFF2-40B4-BE49-F238E27FC236}">
+                <a16:creationId xmlns:a16="http://schemas.microsoft.com/office/drawing/2014/main" id="{FBD97A06-93BB-FE90-8547-65DA2112F90B}"/>
+              </a:ext>
+            </a:extLst>
+          </p:cNvPr>
+          <p:cNvSpPr>
+            <a:spLocks noGrp="1"/>
+          </p:cNvSpPr>
+          <p:nvPr>
+            <p:ph type="title"/>
+          </p:nvPr>
+        </p:nvSpPr>
+        <p:spPr/>
+        <p:txBody>
+          <a:bodyPr/>
+          <a:lstStyle/>
+          <a:p>
+            <a:r>
+              <a:rPr lang="en-US" dirty="0">
+                <a:solidFill>
+                  <a:schemeClr val="accent5">
+                    <a:lumMod val="75000"/>
+                  </a:schemeClr>
+                </a:solidFill>
+              </a:rPr>
+              <a:t>Exercise 6 - Commands</a:t>
+            </a:r>
+          </a:p>
+        </p:txBody>
+      </p:sp>
+      <p:sp>
+        <p:nvSpPr>
+          <p:cNvPr id="3" name="Content Placeholder 2">
+            <a:extLst>
+              <a:ext uri="{FF2B5EF4-FFF2-40B4-BE49-F238E27FC236}">
+                <a16:creationId xmlns:a16="http://schemas.microsoft.com/office/drawing/2014/main" id="{6E9ED6CA-AAAC-FB90-A4DB-029EDD0F9A12}"/>
+              </a:ext>
+            </a:extLst>
+          </p:cNvPr>
+          <p:cNvSpPr>
+            <a:spLocks noGrp="1"/>
+          </p:cNvSpPr>
+          <p:nvPr>
+            <p:ph idx="1"/>
+          </p:nvPr>
+        </p:nvSpPr>
+        <p:spPr/>
+        <p:txBody>
+          <a:bodyPr/>
+          <a:lstStyle/>
+          <a:p>
+            <a:r>
+              <a:rPr lang="en-US" dirty="0"/>
+              <a:t>What You’ll Learn</a:t>
+            </a:r>
+          </a:p>
+          <a:p>
+            <a:pPr lvl="1"/>
+            <a:r>
+              <a:rPr lang="en-US" dirty="0"/>
+              <a:t>How to bind a Button to a Command object</a:t>
+            </a:r>
+          </a:p>
+          <a:p>
+            <a:r>
+              <a:rPr lang="en-US" dirty="0"/>
+              <a:t>Exercise</a:t>
+            </a:r>
+          </a:p>
+          <a:p>
+            <a:pPr lvl="1"/>
+            <a:r>
+              <a:rPr lang="en-US" dirty="0"/>
+              <a:t>Start from existing project: Exercise_6_Commands</a:t>
+            </a:r>
+          </a:p>
+          <a:p>
+            <a:pPr lvl="1"/>
+            <a:r>
+              <a:rPr lang="en-US" dirty="0"/>
+              <a:t>Create </a:t>
+            </a:r>
+            <a:r>
+              <a:rPr lang="en-US" dirty="0" err="1"/>
+              <a:t>MyCommand</a:t>
+            </a:r>
+            <a:r>
+              <a:rPr lang="en-US" dirty="0"/>
+              <a:t> property in ViewModel</a:t>
+            </a:r>
+          </a:p>
+          <a:p>
+            <a:pPr lvl="1"/>
+            <a:r>
+              <a:rPr lang="en-US" dirty="0"/>
+              <a:t>Create Button in view, bind to command</a:t>
+            </a:r>
+          </a:p>
+          <a:p>
+            <a:pPr lvl="1"/>
+            <a:r>
+              <a:rPr lang="en-US" dirty="0"/>
+              <a:t>Implement </a:t>
+            </a:r>
+            <a:r>
+              <a:rPr lang="en-US" dirty="0" err="1"/>
+              <a:t>CanExecute</a:t>
+            </a:r>
+            <a:r>
+              <a:rPr lang="en-US" dirty="0"/>
+              <a:t>, tied to </a:t>
+            </a:r>
+            <a:r>
+              <a:rPr lang="en-US" dirty="0" err="1"/>
+              <a:t>CheckBox</a:t>
+            </a:r>
+            <a:endParaRPr lang="en-US" dirty="0"/>
+          </a:p>
+        </p:txBody>
+      </p:sp>
+    </p:spTree>
+    <p:extLst>
+      <p:ext uri="{BB962C8B-B14F-4D97-AF65-F5344CB8AC3E}">
+        <p14:creationId xmlns:p14="http://schemas.microsoft.com/office/powerpoint/2010/main" val="1607399576"/>
+      </p:ext>
+    </p:extLst>
+  </p:cSld>
+  <p:clrMapOvr>
+    <a:masterClrMapping/>
+  </p:clrMapOvr>
+</p:sld>
+</file>
+
 <file path=ppt/slides/slide4.xml><?xml version="1.0" encoding="utf-8"?>
 <p:sld xmlns:a="http://schemas.openxmlformats.org/drawingml/2006/main" xmlns:r="http://schemas.openxmlformats.org/officeDocument/2006/relationships" xmlns:p="http://schemas.openxmlformats.org/presentationml/2006/main">
   <p:cSld>

--- a/WPF-Workshop-Sexton-Oct2023.pptx
+++ b/WPF-Workshop-Sexton-Oct2023.pptx
@@ -5,7 +5,7 @@
     <p:sldMasterId id="2147483896" r:id="rId1"/>
   </p:sldMasterIdLst>
   <p:notesMasterIdLst>
-    <p:notesMasterId r:id="rId37"/>
+    <p:notesMasterId r:id="rId43"/>
   </p:notesMasterIdLst>
   <p:sldIdLst>
     <p:sldId id="256" r:id="rId2"/>
@@ -43,6 +43,12 @@
     <p:sldId id="289" r:id="rId34"/>
     <p:sldId id="290" r:id="rId35"/>
     <p:sldId id="291" r:id="rId36"/>
+    <p:sldId id="292" r:id="rId37"/>
+    <p:sldId id="293" r:id="rId38"/>
+    <p:sldId id="294" r:id="rId39"/>
+    <p:sldId id="295" r:id="rId40"/>
+    <p:sldId id="296" r:id="rId41"/>
+    <p:sldId id="297" r:id="rId42"/>
   </p:sldIdLst>
   <p:sldSz cx="12192000" cy="6858000"/>
   <p:notesSz cx="6858000" cy="9144000"/>
@@ -3047,6 +3053,652 @@
     <p:extLst>
       <p:ext uri="{BB962C8B-B14F-4D97-AF65-F5344CB8AC3E}">
         <p14:creationId xmlns:p14="http://schemas.microsoft.com/office/powerpoint/2010/main" val="1509336187"/>
+      </p:ext>
+    </p:extLst>
+  </p:cSld>
+  <p:clrMapOvr>
+    <a:masterClrMapping/>
+  </p:clrMapOvr>
+</p:notes>
+</file>
+
+<file path=ppt/notesSlides/notesSlide31.xml><?xml version="1.0" encoding="utf-8"?>
+<p:notes xmlns:a="http://schemas.openxmlformats.org/drawingml/2006/main" xmlns:r="http://schemas.openxmlformats.org/officeDocument/2006/relationships" xmlns:p="http://schemas.openxmlformats.org/presentationml/2006/main">
+  <p:cSld>
+    <p:spTree>
+      <p:nvGrpSpPr>
+        <p:cNvPr id="1" name=""/>
+        <p:cNvGrpSpPr/>
+        <p:nvPr/>
+      </p:nvGrpSpPr>
+      <p:grpSpPr>
+        <a:xfrm>
+          <a:off x="0" y="0"/>
+          <a:ext cx="0" cy="0"/>
+          <a:chOff x="0" y="0"/>
+          <a:chExt cx="0" cy="0"/>
+        </a:xfrm>
+      </p:grpSpPr>
+      <p:sp>
+        <p:nvSpPr>
+          <p:cNvPr id="2" name="Slide Image Placeholder 1"/>
+          <p:cNvSpPr>
+            <a:spLocks noGrp="1" noRot="1" noChangeAspect="1"/>
+          </p:cNvSpPr>
+          <p:nvPr>
+            <p:ph type="sldImg"/>
+          </p:nvPr>
+        </p:nvSpPr>
+        <p:spPr/>
+      </p:sp>
+      <p:sp>
+        <p:nvSpPr>
+          <p:cNvPr id="3" name="Notes Placeholder 2"/>
+          <p:cNvSpPr>
+            <a:spLocks noGrp="1"/>
+          </p:cNvSpPr>
+          <p:nvPr>
+            <p:ph type="body" idx="1"/>
+          </p:nvPr>
+        </p:nvSpPr>
+        <p:spPr/>
+        <p:txBody>
+          <a:bodyPr/>
+          <a:lstStyle/>
+          <a:p>
+            <a:r>
+              <a:rPr lang="en-US" dirty="0"/>
+              <a:t>LAST: Styles</a:t>
+            </a:r>
+          </a:p>
+        </p:txBody>
+      </p:sp>
+      <p:sp>
+        <p:nvSpPr>
+          <p:cNvPr id="4" name="Slide Number Placeholder 3"/>
+          <p:cNvSpPr>
+            <a:spLocks noGrp="1"/>
+          </p:cNvSpPr>
+          <p:nvPr>
+            <p:ph type="sldNum" sz="quarter" idx="5"/>
+          </p:nvPr>
+        </p:nvSpPr>
+        <p:spPr/>
+        <p:txBody>
+          <a:bodyPr/>
+          <a:lstStyle/>
+          <a:p>
+            <a:fld id="{52D86A8A-0D3B-4DD1-BCA4-15D29761E8A6}" type="slidenum">
+              <a:rPr lang="en-US" smtClean="0"/>
+              <a:t>36</a:t>
+            </a:fld>
+            <a:endParaRPr lang="en-US"/>
+          </a:p>
+        </p:txBody>
+      </p:sp>
+    </p:spTree>
+    <p:extLst>
+      <p:ext uri="{BB962C8B-B14F-4D97-AF65-F5344CB8AC3E}">
+        <p14:creationId xmlns:p14="http://schemas.microsoft.com/office/powerpoint/2010/main" val="1818049886"/>
+      </p:ext>
+    </p:extLst>
+  </p:cSld>
+  <p:clrMapOvr>
+    <a:masterClrMapping/>
+  </p:clrMapOvr>
+</p:notes>
+</file>
+
+<file path=ppt/notesSlides/notesSlide32.xml><?xml version="1.0" encoding="utf-8"?>
+<p:notes xmlns:a="http://schemas.openxmlformats.org/drawingml/2006/main" xmlns:r="http://schemas.openxmlformats.org/officeDocument/2006/relationships" xmlns:p="http://schemas.openxmlformats.org/presentationml/2006/main">
+  <p:cSld>
+    <p:spTree>
+      <p:nvGrpSpPr>
+        <p:cNvPr id="1" name=""/>
+        <p:cNvGrpSpPr/>
+        <p:nvPr/>
+      </p:nvGrpSpPr>
+      <p:grpSpPr>
+        <a:xfrm>
+          <a:off x="0" y="0"/>
+          <a:ext cx="0" cy="0"/>
+          <a:chOff x="0" y="0"/>
+          <a:chExt cx="0" cy="0"/>
+        </a:xfrm>
+      </p:grpSpPr>
+      <p:sp>
+        <p:nvSpPr>
+          <p:cNvPr id="2" name="Slide Image Placeholder 1"/>
+          <p:cNvSpPr>
+            <a:spLocks noGrp="1" noRot="1" noChangeAspect="1"/>
+          </p:cNvSpPr>
+          <p:nvPr>
+            <p:ph type="sldImg"/>
+          </p:nvPr>
+        </p:nvSpPr>
+        <p:spPr/>
+      </p:sp>
+      <p:sp>
+        <p:nvSpPr>
+          <p:cNvPr id="3" name="Notes Placeholder 2"/>
+          <p:cNvSpPr>
+            <a:spLocks noGrp="1"/>
+          </p:cNvSpPr>
+          <p:nvPr>
+            <p:ph type="body" idx="1"/>
+          </p:nvPr>
+        </p:nvSpPr>
+        <p:spPr/>
+        <p:txBody>
+          <a:bodyPr/>
+          <a:lstStyle/>
+          <a:p>
+            <a:r>
+              <a:rPr lang="en-US" dirty="0"/>
+              <a:t>LAST: Example</a:t>
+            </a:r>
+          </a:p>
+          <a:p>
+            <a:r>
+              <a:rPr lang="en-US" dirty="0"/>
+              <a:t>- Ex 1 - without resources - different ways to specify a property value</a:t>
+            </a:r>
+          </a:p>
+          <a:p>
+            <a:r>
+              <a:rPr lang="en-US" dirty="0"/>
+              <a:t>- Ex 2 - with resources - now using </a:t>
+            </a:r>
+            <a:r>
+              <a:rPr lang="en-US" dirty="0" err="1"/>
+              <a:t>StaticResource</a:t>
+            </a:r>
+            <a:endParaRPr lang="en-US" dirty="0"/>
+          </a:p>
+          <a:p>
+            <a:r>
+              <a:rPr lang="en-US" dirty="0"/>
+              <a:t>- Then change to new color</a:t>
+            </a:r>
+          </a:p>
+          <a:p>
+            <a:r>
+              <a:rPr lang="en-US" dirty="0"/>
+              <a:t>- Note: change on the fly, w/o restarting application</a:t>
+            </a:r>
+          </a:p>
+          <a:p>
+            <a:r>
+              <a:rPr lang="en-US" dirty="0"/>
+              <a:t>- Note: Would normally move this to </a:t>
+            </a:r>
+            <a:r>
+              <a:rPr lang="en-US" dirty="0" err="1"/>
+              <a:t>ResourceDictionary</a:t>
+            </a:r>
+            <a:r>
+              <a:rPr lang="en-US" dirty="0"/>
+              <a:t> in external file</a:t>
+            </a:r>
+          </a:p>
+          <a:p>
+            <a:r>
+              <a:rPr lang="en-US" dirty="0"/>
+              <a:t>- Q: </a:t>
+            </a:r>
+            <a:r>
+              <a:rPr lang="en-US" dirty="0" err="1"/>
+              <a:t>DynamicResource</a:t>
+            </a:r>
+            <a:r>
+              <a:rPr lang="en-US" dirty="0"/>
+              <a:t>?  </a:t>
+            </a:r>
+            <a:r>
+              <a:rPr lang="en-US" dirty="0" err="1"/>
+              <a:t>StaticResource</a:t>
+            </a:r>
+            <a:r>
+              <a:rPr lang="en-US" dirty="0"/>
+              <a:t> resolves at load time, vs Dynamic resolved at run-time</a:t>
+            </a:r>
+          </a:p>
+          <a:p>
+            <a:r>
+              <a:rPr lang="en-US" dirty="0"/>
+              <a:t>- Almost always static, dynamic if value comes from something you load later; or performance savings, if control not immediately loaded</a:t>
+            </a:r>
+          </a:p>
+          <a:p>
+            <a:endParaRPr lang="en-US" dirty="0"/>
+          </a:p>
+        </p:txBody>
+      </p:sp>
+      <p:sp>
+        <p:nvSpPr>
+          <p:cNvPr id="4" name="Slide Number Placeholder 3"/>
+          <p:cNvSpPr>
+            <a:spLocks noGrp="1"/>
+          </p:cNvSpPr>
+          <p:nvPr>
+            <p:ph type="sldNum" sz="quarter" idx="5"/>
+          </p:nvPr>
+        </p:nvSpPr>
+        <p:spPr/>
+        <p:txBody>
+          <a:bodyPr/>
+          <a:lstStyle/>
+          <a:p>
+            <a:fld id="{52D86A8A-0D3B-4DD1-BCA4-15D29761E8A6}" type="slidenum">
+              <a:rPr lang="en-US" smtClean="0"/>
+              <a:t>37</a:t>
+            </a:fld>
+            <a:endParaRPr lang="en-US"/>
+          </a:p>
+        </p:txBody>
+      </p:sp>
+    </p:spTree>
+    <p:extLst>
+      <p:ext uri="{BB962C8B-B14F-4D97-AF65-F5344CB8AC3E}">
+        <p14:creationId xmlns:p14="http://schemas.microsoft.com/office/powerpoint/2010/main" val="3496533343"/>
+      </p:ext>
+    </p:extLst>
+  </p:cSld>
+  <p:clrMapOvr>
+    <a:masterClrMapping/>
+  </p:clrMapOvr>
+</p:notes>
+</file>
+
+<file path=ppt/notesSlides/notesSlide33.xml><?xml version="1.0" encoding="utf-8"?>
+<p:notes xmlns:a="http://schemas.openxmlformats.org/drawingml/2006/main" xmlns:r="http://schemas.openxmlformats.org/officeDocument/2006/relationships" xmlns:p="http://schemas.openxmlformats.org/presentationml/2006/main">
+  <p:cSld>
+    <p:spTree>
+      <p:nvGrpSpPr>
+        <p:cNvPr id="1" name=""/>
+        <p:cNvGrpSpPr/>
+        <p:nvPr/>
+      </p:nvGrpSpPr>
+      <p:grpSpPr>
+        <a:xfrm>
+          <a:off x="0" y="0"/>
+          <a:ext cx="0" cy="0"/>
+          <a:chOff x="0" y="0"/>
+          <a:chExt cx="0" cy="0"/>
+        </a:xfrm>
+      </p:grpSpPr>
+      <p:sp>
+        <p:nvSpPr>
+          <p:cNvPr id="2" name="Slide Image Placeholder 1"/>
+          <p:cNvSpPr>
+            <a:spLocks noGrp="1" noRot="1" noChangeAspect="1"/>
+          </p:cNvSpPr>
+          <p:nvPr>
+            <p:ph type="sldImg"/>
+          </p:nvPr>
+        </p:nvSpPr>
+        <p:spPr/>
+      </p:sp>
+      <p:sp>
+        <p:nvSpPr>
+          <p:cNvPr id="3" name="Notes Placeholder 2"/>
+          <p:cNvSpPr>
+            <a:spLocks noGrp="1"/>
+          </p:cNvSpPr>
+          <p:nvPr>
+            <p:ph type="body" idx="1"/>
+          </p:nvPr>
+        </p:nvSpPr>
+        <p:spPr/>
+        <p:txBody>
+          <a:bodyPr/>
+          <a:lstStyle/>
+          <a:p>
+            <a:r>
+              <a:rPr lang="en-US" dirty="0"/>
+              <a:t>LAST: Example</a:t>
+            </a:r>
+          </a:p>
+          <a:p>
+            <a:r>
+              <a:rPr lang="en-US" dirty="0"/>
+              <a:t>- Show XAML - defining and using style</a:t>
+            </a:r>
+          </a:p>
+          <a:p>
+            <a:r>
+              <a:rPr lang="en-US" dirty="0"/>
+              <a:t>- NB: Much cleaner, not repeating all of those styles</a:t>
+            </a:r>
+          </a:p>
+          <a:p>
+            <a:r>
+              <a:rPr lang="en-US" dirty="0"/>
+              <a:t>- NB: Style can itself reference resources</a:t>
+            </a:r>
+          </a:p>
+          <a:p>
+            <a:endParaRPr lang="en-US" dirty="0"/>
+          </a:p>
+        </p:txBody>
+      </p:sp>
+      <p:sp>
+        <p:nvSpPr>
+          <p:cNvPr id="4" name="Slide Number Placeholder 3"/>
+          <p:cNvSpPr>
+            <a:spLocks noGrp="1"/>
+          </p:cNvSpPr>
+          <p:nvPr>
+            <p:ph type="sldNum" sz="quarter" idx="5"/>
+          </p:nvPr>
+        </p:nvSpPr>
+        <p:spPr/>
+        <p:txBody>
+          <a:bodyPr/>
+          <a:lstStyle/>
+          <a:p>
+            <a:fld id="{52D86A8A-0D3B-4DD1-BCA4-15D29761E8A6}" type="slidenum">
+              <a:rPr lang="en-US" smtClean="0"/>
+              <a:t>38</a:t>
+            </a:fld>
+            <a:endParaRPr lang="en-US"/>
+          </a:p>
+        </p:txBody>
+      </p:sp>
+    </p:spTree>
+    <p:extLst>
+      <p:ext uri="{BB962C8B-B14F-4D97-AF65-F5344CB8AC3E}">
+        <p14:creationId xmlns:p14="http://schemas.microsoft.com/office/powerpoint/2010/main" val="1128755736"/>
+      </p:ext>
+    </p:extLst>
+  </p:cSld>
+  <p:clrMapOvr>
+    <a:masterClrMapping/>
+  </p:clrMapOvr>
+</p:notes>
+</file>
+
+<file path=ppt/notesSlides/notesSlide34.xml><?xml version="1.0" encoding="utf-8"?>
+<p:notes xmlns:a="http://schemas.openxmlformats.org/drawingml/2006/main" xmlns:r="http://schemas.openxmlformats.org/officeDocument/2006/relationships" xmlns:p="http://schemas.openxmlformats.org/presentationml/2006/main">
+  <p:cSld>
+    <p:spTree>
+      <p:nvGrpSpPr>
+        <p:cNvPr id="1" name=""/>
+        <p:cNvGrpSpPr/>
+        <p:nvPr/>
+      </p:nvGrpSpPr>
+      <p:grpSpPr>
+        <a:xfrm>
+          <a:off x="0" y="0"/>
+          <a:ext cx="0" cy="0"/>
+          <a:chOff x="0" y="0"/>
+          <a:chExt cx="0" cy="0"/>
+        </a:xfrm>
+      </p:grpSpPr>
+      <p:sp>
+        <p:nvSpPr>
+          <p:cNvPr id="2" name="Slide Image Placeholder 1"/>
+          <p:cNvSpPr>
+            <a:spLocks noGrp="1" noRot="1" noChangeAspect="1"/>
+          </p:cNvSpPr>
+          <p:nvPr>
+            <p:ph type="sldImg"/>
+          </p:nvPr>
+        </p:nvSpPr>
+        <p:spPr/>
+      </p:sp>
+      <p:sp>
+        <p:nvSpPr>
+          <p:cNvPr id="3" name="Notes Placeholder 2"/>
+          <p:cNvSpPr>
+            <a:spLocks noGrp="1"/>
+          </p:cNvSpPr>
+          <p:nvPr>
+            <p:ph type="body" idx="1"/>
+          </p:nvPr>
+        </p:nvSpPr>
+        <p:spPr/>
+        <p:txBody>
+          <a:bodyPr/>
+          <a:lstStyle/>
+          <a:p>
+            <a:r>
+              <a:rPr lang="en-US" dirty="0"/>
+              <a:t>LAST: Example</a:t>
+            </a:r>
+          </a:p>
+          <a:p>
+            <a:r>
+              <a:rPr lang="en-US" dirty="0"/>
+              <a:t>-  Show XAML</a:t>
+            </a:r>
+          </a:p>
+          <a:p>
+            <a:r>
+              <a:rPr lang="en-US" dirty="0"/>
+              <a:t>- Child styles can add or override other property setters</a:t>
+            </a:r>
+          </a:p>
+        </p:txBody>
+      </p:sp>
+      <p:sp>
+        <p:nvSpPr>
+          <p:cNvPr id="4" name="Slide Number Placeholder 3"/>
+          <p:cNvSpPr>
+            <a:spLocks noGrp="1"/>
+          </p:cNvSpPr>
+          <p:nvPr>
+            <p:ph type="sldNum" sz="quarter" idx="5"/>
+          </p:nvPr>
+        </p:nvSpPr>
+        <p:spPr/>
+        <p:txBody>
+          <a:bodyPr/>
+          <a:lstStyle/>
+          <a:p>
+            <a:fld id="{52D86A8A-0D3B-4DD1-BCA4-15D29761E8A6}" type="slidenum">
+              <a:rPr lang="en-US" smtClean="0"/>
+              <a:t>39</a:t>
+            </a:fld>
+            <a:endParaRPr lang="en-US"/>
+          </a:p>
+        </p:txBody>
+      </p:sp>
+    </p:spTree>
+    <p:extLst>
+      <p:ext uri="{BB962C8B-B14F-4D97-AF65-F5344CB8AC3E}">
+        <p14:creationId xmlns:p14="http://schemas.microsoft.com/office/powerpoint/2010/main" val="2408310933"/>
+      </p:ext>
+    </p:extLst>
+  </p:cSld>
+  <p:clrMapOvr>
+    <a:masterClrMapping/>
+  </p:clrMapOvr>
+</p:notes>
+</file>
+
+<file path=ppt/notesSlides/notesSlide35.xml><?xml version="1.0" encoding="utf-8"?>
+<p:notes xmlns:a="http://schemas.openxmlformats.org/drawingml/2006/main" xmlns:r="http://schemas.openxmlformats.org/officeDocument/2006/relationships" xmlns:p="http://schemas.openxmlformats.org/presentationml/2006/main">
+  <p:cSld>
+    <p:spTree>
+      <p:nvGrpSpPr>
+        <p:cNvPr id="1" name=""/>
+        <p:cNvGrpSpPr/>
+        <p:nvPr/>
+      </p:nvGrpSpPr>
+      <p:grpSpPr>
+        <a:xfrm>
+          <a:off x="0" y="0"/>
+          <a:ext cx="0" cy="0"/>
+          <a:chOff x="0" y="0"/>
+          <a:chExt cx="0" cy="0"/>
+        </a:xfrm>
+      </p:grpSpPr>
+      <p:sp>
+        <p:nvSpPr>
+          <p:cNvPr id="2" name="Slide Image Placeholder 1"/>
+          <p:cNvSpPr>
+            <a:spLocks noGrp="1" noRot="1" noChangeAspect="1"/>
+          </p:cNvSpPr>
+          <p:nvPr>
+            <p:ph type="sldImg"/>
+          </p:nvPr>
+        </p:nvSpPr>
+        <p:spPr/>
+      </p:sp>
+      <p:sp>
+        <p:nvSpPr>
+          <p:cNvPr id="3" name="Notes Placeholder 2"/>
+          <p:cNvSpPr>
+            <a:spLocks noGrp="1"/>
+          </p:cNvSpPr>
+          <p:nvPr>
+            <p:ph type="body" idx="1"/>
+          </p:nvPr>
+        </p:nvSpPr>
+        <p:spPr/>
+        <p:txBody>
+          <a:bodyPr/>
+          <a:lstStyle/>
+          <a:p>
+            <a:r>
+              <a:rPr lang="en-US" dirty="0"/>
+              <a:t>LAST: Example</a:t>
+            </a:r>
+          </a:p>
+          <a:p>
+            <a:r>
+              <a:rPr lang="en-US" dirty="0"/>
+              <a:t>-  Show XAML </a:t>
+            </a:r>
+          </a:p>
+          <a:p>
+            <a:r>
+              <a:rPr lang="en-US" dirty="0"/>
+              <a:t>- NB: Named style inheriting from default style requires that </a:t>
+            </a:r>
+            <a:r>
+              <a:rPr lang="en-US" dirty="0" err="1"/>
+              <a:t>BasedOn</a:t>
+            </a:r>
+            <a:r>
+              <a:rPr lang="en-US" dirty="0"/>
+              <a:t> mentions a type</a:t>
+            </a:r>
+          </a:p>
+        </p:txBody>
+      </p:sp>
+      <p:sp>
+        <p:nvSpPr>
+          <p:cNvPr id="4" name="Slide Number Placeholder 3"/>
+          <p:cNvSpPr>
+            <a:spLocks noGrp="1"/>
+          </p:cNvSpPr>
+          <p:nvPr>
+            <p:ph type="sldNum" sz="quarter" idx="5"/>
+          </p:nvPr>
+        </p:nvSpPr>
+        <p:spPr/>
+        <p:txBody>
+          <a:bodyPr/>
+          <a:lstStyle/>
+          <a:p>
+            <a:fld id="{52D86A8A-0D3B-4DD1-BCA4-15D29761E8A6}" type="slidenum">
+              <a:rPr lang="en-US" smtClean="0"/>
+              <a:t>40</a:t>
+            </a:fld>
+            <a:endParaRPr lang="en-US"/>
+          </a:p>
+        </p:txBody>
+      </p:sp>
+    </p:spTree>
+    <p:extLst>
+      <p:ext uri="{BB962C8B-B14F-4D97-AF65-F5344CB8AC3E}">
+        <p14:creationId xmlns:p14="http://schemas.microsoft.com/office/powerpoint/2010/main" val="1150926509"/>
+      </p:ext>
+    </p:extLst>
+  </p:cSld>
+  <p:clrMapOvr>
+    <a:masterClrMapping/>
+  </p:clrMapOvr>
+</p:notes>
+</file>
+
+<file path=ppt/notesSlides/notesSlide36.xml><?xml version="1.0" encoding="utf-8"?>
+<p:notes xmlns:a="http://schemas.openxmlformats.org/drawingml/2006/main" xmlns:r="http://schemas.openxmlformats.org/officeDocument/2006/relationships" xmlns:p="http://schemas.openxmlformats.org/presentationml/2006/main">
+  <p:cSld>
+    <p:spTree>
+      <p:nvGrpSpPr>
+        <p:cNvPr id="1" name=""/>
+        <p:cNvGrpSpPr/>
+        <p:nvPr/>
+      </p:nvGrpSpPr>
+      <p:grpSpPr>
+        <a:xfrm>
+          <a:off x="0" y="0"/>
+          <a:ext cx="0" cy="0"/>
+          <a:chOff x="0" y="0"/>
+          <a:chExt cx="0" cy="0"/>
+        </a:xfrm>
+      </p:grpSpPr>
+      <p:sp>
+        <p:nvSpPr>
+          <p:cNvPr id="2" name="Slide Image Placeholder 1"/>
+          <p:cNvSpPr>
+            <a:spLocks noGrp="1" noRot="1" noChangeAspect="1"/>
+          </p:cNvSpPr>
+          <p:nvPr>
+            <p:ph type="sldImg"/>
+          </p:nvPr>
+        </p:nvSpPr>
+        <p:spPr/>
+      </p:sp>
+      <p:sp>
+        <p:nvSpPr>
+          <p:cNvPr id="3" name="Notes Placeholder 2"/>
+          <p:cNvSpPr>
+            <a:spLocks noGrp="1"/>
+          </p:cNvSpPr>
+          <p:nvPr>
+            <p:ph type="body" idx="1"/>
+          </p:nvPr>
+        </p:nvSpPr>
+        <p:spPr/>
+        <p:txBody>
+          <a:bodyPr/>
+          <a:lstStyle/>
+          <a:p>
+            <a:endParaRPr lang="en-US"/>
+          </a:p>
+        </p:txBody>
+      </p:sp>
+      <p:sp>
+        <p:nvSpPr>
+          <p:cNvPr id="4" name="Slide Number Placeholder 3"/>
+          <p:cNvSpPr>
+            <a:spLocks noGrp="1"/>
+          </p:cNvSpPr>
+          <p:nvPr>
+            <p:ph type="sldNum" sz="quarter" idx="5"/>
+          </p:nvPr>
+        </p:nvSpPr>
+        <p:spPr/>
+        <p:txBody>
+          <a:bodyPr/>
+          <a:lstStyle/>
+          <a:p>
+            <a:fld id="{52D86A8A-0D3B-4DD1-BCA4-15D29761E8A6}" type="slidenum">
+              <a:rPr lang="en-US" smtClean="0"/>
+              <a:t>41</a:t>
+            </a:fld>
+            <a:endParaRPr lang="en-US"/>
+          </a:p>
+        </p:txBody>
+      </p:sp>
+    </p:spTree>
+    <p:extLst>
+      <p:ext uri="{BB962C8B-B14F-4D97-AF65-F5344CB8AC3E}">
+        <p14:creationId xmlns:p14="http://schemas.microsoft.com/office/powerpoint/2010/main" val="905484214"/>
       </p:ext>
     </p:extLst>
   </p:cSld>
@@ -24607,6 +25259,2221 @@
 </p:sld>
 </file>
 
+<file path=ppt/slides/slide36.xml><?xml version="1.0" encoding="utf-8"?>
+<p:sld xmlns:a="http://schemas.openxmlformats.org/drawingml/2006/main" xmlns:r="http://schemas.openxmlformats.org/officeDocument/2006/relationships" xmlns:p="http://schemas.openxmlformats.org/presentationml/2006/main">
+  <p:cSld>
+    <p:spTree>
+      <p:nvGrpSpPr>
+        <p:cNvPr id="1" name=""/>
+        <p:cNvGrpSpPr/>
+        <p:nvPr/>
+      </p:nvGrpSpPr>
+      <p:grpSpPr>
+        <a:xfrm>
+          <a:off x="0" y="0"/>
+          <a:ext cx="0" cy="0"/>
+          <a:chOff x="0" y="0"/>
+          <a:chExt cx="0" cy="0"/>
+        </a:xfrm>
+      </p:grpSpPr>
+      <p:sp>
+        <p:nvSpPr>
+          <p:cNvPr id="2" name="Title 1">
+            <a:extLst>
+              <a:ext uri="{FF2B5EF4-FFF2-40B4-BE49-F238E27FC236}">
+                <a16:creationId xmlns:a16="http://schemas.microsoft.com/office/drawing/2014/main" id="{CE208DA4-CE42-5723-CA08-7FA0818B3743}"/>
+              </a:ext>
+            </a:extLst>
+          </p:cNvPr>
+          <p:cNvSpPr>
+            <a:spLocks noGrp="1"/>
+          </p:cNvSpPr>
+          <p:nvPr>
+            <p:ph type="title"/>
+          </p:nvPr>
+        </p:nvSpPr>
+        <p:spPr/>
+        <p:txBody>
+          <a:bodyPr/>
+          <a:lstStyle/>
+          <a:p>
+            <a:r>
+              <a:rPr lang="en-US" dirty="0"/>
+              <a:t>Unit 7 – Resources and Styles</a:t>
+            </a:r>
+          </a:p>
+        </p:txBody>
+      </p:sp>
+      <p:sp>
+        <p:nvSpPr>
+          <p:cNvPr id="3" name="Content Placeholder 2">
+            <a:extLst>
+              <a:ext uri="{FF2B5EF4-FFF2-40B4-BE49-F238E27FC236}">
+                <a16:creationId xmlns:a16="http://schemas.microsoft.com/office/drawing/2014/main" id="{657277D4-82E1-C094-7543-9C45A2A253A2}"/>
+              </a:ext>
+            </a:extLst>
+          </p:cNvPr>
+          <p:cNvSpPr>
+            <a:spLocks noGrp="1"/>
+          </p:cNvSpPr>
+          <p:nvPr>
+            <p:ph idx="1"/>
+          </p:nvPr>
+        </p:nvSpPr>
+        <p:spPr/>
+        <p:txBody>
+          <a:bodyPr/>
+          <a:lstStyle/>
+          <a:p>
+            <a:r>
+              <a:rPr lang="en-US" dirty="0"/>
+              <a:t>Hard-coding attribute values in XAML</a:t>
+            </a:r>
+          </a:p>
+          <a:p>
+            <a:pPr lvl="1"/>
+            <a:r>
+              <a:rPr lang="en-US" dirty="0"/>
+              <a:t>Can't easily share values</a:t>
+            </a:r>
+          </a:p>
+          <a:p>
+            <a:pPr lvl="1"/>
+            <a:r>
+              <a:rPr lang="en-US" dirty="0"/>
+              <a:t>Can't apply sets of values</a:t>
+            </a:r>
+          </a:p>
+          <a:p>
+            <a:r>
+              <a:rPr lang="en-US" dirty="0"/>
+              <a:t>Resources - name and reuse attribute values</a:t>
+            </a:r>
+          </a:p>
+          <a:p>
+            <a:r>
+              <a:rPr lang="en-US" dirty="0"/>
+              <a:t>Styles - name and reuse sets of attribute values</a:t>
+            </a:r>
+          </a:p>
+        </p:txBody>
+      </p:sp>
+    </p:spTree>
+    <p:extLst>
+      <p:ext uri="{BB962C8B-B14F-4D97-AF65-F5344CB8AC3E}">
+        <p14:creationId xmlns:p14="http://schemas.microsoft.com/office/powerpoint/2010/main" val="1325647635"/>
+      </p:ext>
+    </p:extLst>
+  </p:cSld>
+  <p:clrMapOvr>
+    <a:masterClrMapping/>
+  </p:clrMapOvr>
+  <p:timing>
+    <p:tnLst>
+      <p:par>
+        <p:cTn id="1" dur="indefinite" restart="never" nodeType="tmRoot">
+          <p:childTnLst>
+            <p:seq concurrent="1" nextAc="seek">
+              <p:cTn id="2" dur="indefinite" nodeType="mainSeq">
+                <p:childTnLst>
+                  <p:par>
+                    <p:cTn id="3" fill="hold">
+                      <p:stCondLst>
+                        <p:cond delay="indefinite"/>
+                      </p:stCondLst>
+                      <p:childTnLst>
+                        <p:par>
+                          <p:cTn id="4" fill="hold">
+                            <p:stCondLst>
+                              <p:cond delay="0"/>
+                            </p:stCondLst>
+                            <p:childTnLst>
+                              <p:par>
+                                <p:cTn id="5" presetID="10" presetClass="entr" presetSubtype="0" fill="hold" grpId="0" nodeType="clickEffect">
+                                  <p:stCondLst>
+                                    <p:cond delay="0"/>
+                                  </p:stCondLst>
+                                  <p:childTnLst>
+                                    <p:set>
+                                      <p:cBhvr>
+                                        <p:cTn id="6" dur="1" fill="hold">
+                                          <p:stCondLst>
+                                            <p:cond delay="0"/>
+                                          </p:stCondLst>
+                                        </p:cTn>
+                                        <p:tgtEl>
+                                          <p:spTgt spid="3">
+                                            <p:txEl>
+                                              <p:pRg st="0" end="0"/>
+                                            </p:txEl>
+                                          </p:spTgt>
+                                        </p:tgtEl>
+                                        <p:attrNameLst>
+                                          <p:attrName>style.visibility</p:attrName>
+                                        </p:attrNameLst>
+                                      </p:cBhvr>
+                                      <p:to>
+                                        <p:strVal val="visible"/>
+                                      </p:to>
+                                    </p:set>
+                                    <p:animEffect transition="in" filter="fade">
+                                      <p:cBhvr>
+                                        <p:cTn id="7" dur="500"/>
+                                        <p:tgtEl>
+                                          <p:spTgt spid="3">
+                                            <p:txEl>
+                                              <p:pRg st="0" end="0"/>
+                                            </p:txEl>
+                                          </p:spTgt>
+                                        </p:tgtEl>
+                                      </p:cBhvr>
+                                    </p:animEffect>
+                                  </p:childTnLst>
+                                </p:cTn>
+                              </p:par>
+                              <p:par>
+                                <p:cTn id="8" presetID="10" presetClass="entr" presetSubtype="0" fill="hold" grpId="0" nodeType="withEffect">
+                                  <p:stCondLst>
+                                    <p:cond delay="0"/>
+                                  </p:stCondLst>
+                                  <p:childTnLst>
+                                    <p:set>
+                                      <p:cBhvr>
+                                        <p:cTn id="9" dur="1" fill="hold">
+                                          <p:stCondLst>
+                                            <p:cond delay="0"/>
+                                          </p:stCondLst>
+                                        </p:cTn>
+                                        <p:tgtEl>
+                                          <p:spTgt spid="3">
+                                            <p:txEl>
+                                              <p:pRg st="1" end="1"/>
+                                            </p:txEl>
+                                          </p:spTgt>
+                                        </p:tgtEl>
+                                        <p:attrNameLst>
+                                          <p:attrName>style.visibility</p:attrName>
+                                        </p:attrNameLst>
+                                      </p:cBhvr>
+                                      <p:to>
+                                        <p:strVal val="visible"/>
+                                      </p:to>
+                                    </p:set>
+                                    <p:animEffect transition="in" filter="fade">
+                                      <p:cBhvr>
+                                        <p:cTn id="10" dur="500"/>
+                                        <p:tgtEl>
+                                          <p:spTgt spid="3">
+                                            <p:txEl>
+                                              <p:pRg st="1" end="1"/>
+                                            </p:txEl>
+                                          </p:spTgt>
+                                        </p:tgtEl>
+                                      </p:cBhvr>
+                                    </p:animEffect>
+                                  </p:childTnLst>
+                                </p:cTn>
+                              </p:par>
+                              <p:par>
+                                <p:cTn id="11" presetID="10" presetClass="entr" presetSubtype="0" fill="hold" grpId="0" nodeType="withEffect">
+                                  <p:stCondLst>
+                                    <p:cond delay="0"/>
+                                  </p:stCondLst>
+                                  <p:childTnLst>
+                                    <p:set>
+                                      <p:cBhvr>
+                                        <p:cTn id="12" dur="1" fill="hold">
+                                          <p:stCondLst>
+                                            <p:cond delay="0"/>
+                                          </p:stCondLst>
+                                        </p:cTn>
+                                        <p:tgtEl>
+                                          <p:spTgt spid="3">
+                                            <p:txEl>
+                                              <p:pRg st="2" end="2"/>
+                                            </p:txEl>
+                                          </p:spTgt>
+                                        </p:tgtEl>
+                                        <p:attrNameLst>
+                                          <p:attrName>style.visibility</p:attrName>
+                                        </p:attrNameLst>
+                                      </p:cBhvr>
+                                      <p:to>
+                                        <p:strVal val="visible"/>
+                                      </p:to>
+                                    </p:set>
+                                    <p:animEffect transition="in" filter="fade">
+                                      <p:cBhvr>
+                                        <p:cTn id="13" dur="500"/>
+                                        <p:tgtEl>
+                                          <p:spTgt spid="3">
+                                            <p:txEl>
+                                              <p:pRg st="2" end="2"/>
+                                            </p:txEl>
+                                          </p:spTgt>
+                                        </p:tgtEl>
+                                      </p:cBhvr>
+                                    </p:animEffect>
+                                  </p:childTnLst>
+                                </p:cTn>
+                              </p:par>
+                            </p:childTnLst>
+                          </p:cTn>
+                        </p:par>
+                      </p:childTnLst>
+                    </p:cTn>
+                  </p:par>
+                  <p:par>
+                    <p:cTn id="14" fill="hold">
+                      <p:stCondLst>
+                        <p:cond delay="indefinite"/>
+                      </p:stCondLst>
+                      <p:childTnLst>
+                        <p:par>
+                          <p:cTn id="15" fill="hold">
+                            <p:stCondLst>
+                              <p:cond delay="0"/>
+                            </p:stCondLst>
+                            <p:childTnLst>
+                              <p:par>
+                                <p:cTn id="16" presetID="10" presetClass="entr" presetSubtype="0" fill="hold" grpId="0" nodeType="clickEffect">
+                                  <p:stCondLst>
+                                    <p:cond delay="0"/>
+                                  </p:stCondLst>
+                                  <p:childTnLst>
+                                    <p:set>
+                                      <p:cBhvr>
+                                        <p:cTn id="17" dur="1" fill="hold">
+                                          <p:stCondLst>
+                                            <p:cond delay="0"/>
+                                          </p:stCondLst>
+                                        </p:cTn>
+                                        <p:tgtEl>
+                                          <p:spTgt spid="3">
+                                            <p:txEl>
+                                              <p:pRg st="3" end="3"/>
+                                            </p:txEl>
+                                          </p:spTgt>
+                                        </p:tgtEl>
+                                        <p:attrNameLst>
+                                          <p:attrName>style.visibility</p:attrName>
+                                        </p:attrNameLst>
+                                      </p:cBhvr>
+                                      <p:to>
+                                        <p:strVal val="visible"/>
+                                      </p:to>
+                                    </p:set>
+                                    <p:animEffect transition="in" filter="fade">
+                                      <p:cBhvr>
+                                        <p:cTn id="18" dur="500"/>
+                                        <p:tgtEl>
+                                          <p:spTgt spid="3">
+                                            <p:txEl>
+                                              <p:pRg st="3" end="3"/>
+                                            </p:txEl>
+                                          </p:spTgt>
+                                        </p:tgtEl>
+                                      </p:cBhvr>
+                                    </p:animEffect>
+                                  </p:childTnLst>
+                                </p:cTn>
+                              </p:par>
+                            </p:childTnLst>
+                          </p:cTn>
+                        </p:par>
+                      </p:childTnLst>
+                    </p:cTn>
+                  </p:par>
+                  <p:par>
+                    <p:cTn id="19" fill="hold">
+                      <p:stCondLst>
+                        <p:cond delay="indefinite"/>
+                      </p:stCondLst>
+                      <p:childTnLst>
+                        <p:par>
+                          <p:cTn id="20" fill="hold">
+                            <p:stCondLst>
+                              <p:cond delay="0"/>
+                            </p:stCondLst>
+                            <p:childTnLst>
+                              <p:par>
+                                <p:cTn id="21" presetID="10" presetClass="entr" presetSubtype="0" fill="hold" grpId="0" nodeType="clickEffect">
+                                  <p:stCondLst>
+                                    <p:cond delay="0"/>
+                                  </p:stCondLst>
+                                  <p:childTnLst>
+                                    <p:set>
+                                      <p:cBhvr>
+                                        <p:cTn id="22" dur="1" fill="hold">
+                                          <p:stCondLst>
+                                            <p:cond delay="0"/>
+                                          </p:stCondLst>
+                                        </p:cTn>
+                                        <p:tgtEl>
+                                          <p:spTgt spid="3">
+                                            <p:txEl>
+                                              <p:pRg st="4" end="4"/>
+                                            </p:txEl>
+                                          </p:spTgt>
+                                        </p:tgtEl>
+                                        <p:attrNameLst>
+                                          <p:attrName>style.visibility</p:attrName>
+                                        </p:attrNameLst>
+                                      </p:cBhvr>
+                                      <p:to>
+                                        <p:strVal val="visible"/>
+                                      </p:to>
+                                    </p:set>
+                                    <p:animEffect transition="in" filter="fade">
+                                      <p:cBhvr>
+                                        <p:cTn id="23" dur="500"/>
+                                        <p:tgtEl>
+                                          <p:spTgt spid="3">
+                                            <p:txEl>
+                                              <p:pRg st="4" end="4"/>
+                                            </p:txEl>
+                                          </p:spTgt>
+                                        </p:tgtEl>
+                                      </p:cBhvr>
+                                    </p:animEffect>
+                                  </p:childTnLst>
+                                </p:cTn>
+                              </p:par>
+                            </p:childTnLst>
+                          </p:cTn>
+                        </p:par>
+                      </p:childTnLst>
+                    </p:cTn>
+                  </p:par>
+                </p:childTnLst>
+              </p:cTn>
+              <p:prevCondLst>
+                <p:cond evt="onPrev" delay="0">
+                  <p:tgtEl>
+                    <p:sldTgt/>
+                  </p:tgtEl>
+                </p:cond>
+              </p:prevCondLst>
+              <p:nextCondLst>
+                <p:cond evt="onNext" delay="0">
+                  <p:tgtEl>
+                    <p:sldTgt/>
+                  </p:tgtEl>
+                </p:cond>
+              </p:nextCondLst>
+            </p:seq>
+          </p:childTnLst>
+        </p:cTn>
+      </p:par>
+    </p:tnLst>
+    <p:bldLst>
+      <p:bldP spid="3" grpId="0" uiExpand="1" build="p"/>
+    </p:bldLst>
+  </p:timing>
+</p:sld>
+</file>
+
+<file path=ppt/slides/slide37.xml><?xml version="1.0" encoding="utf-8"?>
+<p:sld xmlns:a="http://schemas.openxmlformats.org/drawingml/2006/main" xmlns:r="http://schemas.openxmlformats.org/officeDocument/2006/relationships" xmlns:p="http://schemas.openxmlformats.org/presentationml/2006/main">
+  <p:cSld>
+    <p:spTree>
+      <p:nvGrpSpPr>
+        <p:cNvPr id="1" name=""/>
+        <p:cNvGrpSpPr/>
+        <p:nvPr/>
+      </p:nvGrpSpPr>
+      <p:grpSpPr>
+        <a:xfrm>
+          <a:off x="0" y="0"/>
+          <a:ext cx="0" cy="0"/>
+          <a:chOff x="0" y="0"/>
+          <a:chExt cx="0" cy="0"/>
+        </a:xfrm>
+      </p:grpSpPr>
+      <p:sp>
+        <p:nvSpPr>
+          <p:cNvPr id="2" name="Title 1">
+            <a:extLst>
+              <a:ext uri="{FF2B5EF4-FFF2-40B4-BE49-F238E27FC236}">
+                <a16:creationId xmlns:a16="http://schemas.microsoft.com/office/drawing/2014/main" id="{BF955379-A8C3-B8B1-25F3-1E7E931819DF}"/>
+              </a:ext>
+            </a:extLst>
+          </p:cNvPr>
+          <p:cNvSpPr>
+            <a:spLocks noGrp="1"/>
+          </p:cNvSpPr>
+          <p:nvPr>
+            <p:ph type="title"/>
+          </p:nvPr>
+        </p:nvSpPr>
+        <p:spPr/>
+        <p:txBody>
+          <a:bodyPr/>
+          <a:lstStyle/>
+          <a:p>
+            <a:r>
+              <a:rPr lang="en-US" dirty="0"/>
+              <a:t>Unit 7 – Resources and Styles</a:t>
+            </a:r>
+          </a:p>
+        </p:txBody>
+      </p:sp>
+      <p:sp>
+        <p:nvSpPr>
+          <p:cNvPr id="3" name="Content Placeholder 2">
+            <a:extLst>
+              <a:ext uri="{FF2B5EF4-FFF2-40B4-BE49-F238E27FC236}">
+                <a16:creationId xmlns:a16="http://schemas.microsoft.com/office/drawing/2014/main" id="{E0F291F2-1DD2-0403-D3D2-8D2848954651}"/>
+              </a:ext>
+            </a:extLst>
+          </p:cNvPr>
+          <p:cNvSpPr>
+            <a:spLocks noGrp="1"/>
+          </p:cNvSpPr>
+          <p:nvPr>
+            <p:ph idx="1"/>
+          </p:nvPr>
+        </p:nvSpPr>
+        <p:spPr/>
+        <p:txBody>
+          <a:bodyPr/>
+          <a:lstStyle/>
+          <a:p>
+            <a:r>
+              <a:rPr lang="en-US" dirty="0"/>
+              <a:t>Resources</a:t>
+            </a:r>
+          </a:p>
+          <a:p>
+            <a:pPr lvl="1"/>
+            <a:r>
+              <a:rPr lang="en-US" dirty="0"/>
+              <a:t>Resources - object that can be reused in different places in application</a:t>
+            </a:r>
+          </a:p>
+          <a:p>
+            <a:pPr lvl="1"/>
+            <a:r>
+              <a:rPr lang="en-US" dirty="0"/>
+              <a:t>Defining a Resource</a:t>
+            </a:r>
+          </a:p>
+          <a:p>
+            <a:pPr lvl="2"/>
+            <a:r>
+              <a:rPr lang="en-US" dirty="0"/>
+              <a:t>Define in </a:t>
+            </a:r>
+            <a:r>
+              <a:rPr lang="en-US" dirty="0" err="1"/>
+              <a:t>ResourceDictionary</a:t>
+            </a:r>
+            <a:r>
+              <a:rPr lang="en-US" dirty="0"/>
+              <a:t> (separate file) or in Resources property of parent</a:t>
+            </a:r>
+          </a:p>
+          <a:p>
+            <a:pPr lvl="2"/>
+            <a:r>
+              <a:rPr lang="en-US" dirty="0"/>
+              <a:t>Define element normally, but add x:Key attribute, to give it a name</a:t>
+            </a:r>
+          </a:p>
+          <a:p>
+            <a:pPr lvl="1"/>
+            <a:r>
+              <a:rPr lang="en-US" dirty="0"/>
+              <a:t>Using a Resource</a:t>
+            </a:r>
+          </a:p>
+          <a:p>
+            <a:pPr lvl="2"/>
+            <a:r>
+              <a:rPr lang="en-US" dirty="0"/>
+              <a:t>Use </a:t>
+            </a:r>
+            <a:r>
+              <a:rPr lang="en-US" dirty="0" err="1"/>
+              <a:t>StaticResource</a:t>
+            </a:r>
+            <a:r>
+              <a:rPr lang="en-US" dirty="0"/>
+              <a:t> markup extension</a:t>
+            </a:r>
+          </a:p>
+          <a:p>
+            <a:r>
+              <a:rPr lang="en-US" dirty="0">
+                <a:solidFill>
+                  <a:srgbClr val="00B050"/>
+                </a:solidFill>
+              </a:rPr>
+              <a:t>Example - Resources</a:t>
+            </a:r>
+          </a:p>
+        </p:txBody>
+      </p:sp>
+    </p:spTree>
+    <p:extLst>
+      <p:ext uri="{BB962C8B-B14F-4D97-AF65-F5344CB8AC3E}">
+        <p14:creationId xmlns:p14="http://schemas.microsoft.com/office/powerpoint/2010/main" val="2100091513"/>
+      </p:ext>
+    </p:extLst>
+  </p:cSld>
+  <p:clrMapOvr>
+    <a:masterClrMapping/>
+  </p:clrMapOvr>
+  <p:timing>
+    <p:tnLst>
+      <p:par>
+        <p:cTn id="1" dur="indefinite" restart="never" nodeType="tmRoot">
+          <p:childTnLst>
+            <p:seq concurrent="1" nextAc="seek">
+              <p:cTn id="2" dur="indefinite" nodeType="mainSeq">
+                <p:childTnLst>
+                  <p:par>
+                    <p:cTn id="3" fill="hold">
+                      <p:stCondLst>
+                        <p:cond delay="indefinite"/>
+                      </p:stCondLst>
+                      <p:childTnLst>
+                        <p:par>
+                          <p:cTn id="4" fill="hold">
+                            <p:stCondLst>
+                              <p:cond delay="0"/>
+                            </p:stCondLst>
+                            <p:childTnLst>
+                              <p:par>
+                                <p:cTn id="5" presetID="10" presetClass="entr" presetSubtype="0" fill="hold" grpId="0" nodeType="clickEffect">
+                                  <p:stCondLst>
+                                    <p:cond delay="0"/>
+                                  </p:stCondLst>
+                                  <p:childTnLst>
+                                    <p:set>
+                                      <p:cBhvr>
+                                        <p:cTn id="6" dur="1" fill="hold">
+                                          <p:stCondLst>
+                                            <p:cond delay="0"/>
+                                          </p:stCondLst>
+                                        </p:cTn>
+                                        <p:tgtEl>
+                                          <p:spTgt spid="3">
+                                            <p:txEl>
+                                              <p:pRg st="0" end="0"/>
+                                            </p:txEl>
+                                          </p:spTgt>
+                                        </p:tgtEl>
+                                        <p:attrNameLst>
+                                          <p:attrName>style.visibility</p:attrName>
+                                        </p:attrNameLst>
+                                      </p:cBhvr>
+                                      <p:to>
+                                        <p:strVal val="visible"/>
+                                      </p:to>
+                                    </p:set>
+                                    <p:animEffect transition="in" filter="fade">
+                                      <p:cBhvr>
+                                        <p:cTn id="7" dur="500"/>
+                                        <p:tgtEl>
+                                          <p:spTgt spid="3">
+                                            <p:txEl>
+                                              <p:pRg st="0" end="0"/>
+                                            </p:txEl>
+                                          </p:spTgt>
+                                        </p:tgtEl>
+                                      </p:cBhvr>
+                                    </p:animEffect>
+                                  </p:childTnLst>
+                                </p:cTn>
+                              </p:par>
+                            </p:childTnLst>
+                          </p:cTn>
+                        </p:par>
+                      </p:childTnLst>
+                    </p:cTn>
+                  </p:par>
+                  <p:par>
+                    <p:cTn id="8" fill="hold">
+                      <p:stCondLst>
+                        <p:cond delay="indefinite"/>
+                      </p:stCondLst>
+                      <p:childTnLst>
+                        <p:par>
+                          <p:cTn id="9" fill="hold">
+                            <p:stCondLst>
+                              <p:cond delay="0"/>
+                            </p:stCondLst>
+                            <p:childTnLst>
+                              <p:par>
+                                <p:cTn id="10" presetID="10" presetClass="entr" presetSubtype="0" fill="hold" grpId="0" nodeType="clickEffect">
+                                  <p:stCondLst>
+                                    <p:cond delay="0"/>
+                                  </p:stCondLst>
+                                  <p:childTnLst>
+                                    <p:set>
+                                      <p:cBhvr>
+                                        <p:cTn id="11" dur="1" fill="hold">
+                                          <p:stCondLst>
+                                            <p:cond delay="0"/>
+                                          </p:stCondLst>
+                                        </p:cTn>
+                                        <p:tgtEl>
+                                          <p:spTgt spid="3">
+                                            <p:txEl>
+                                              <p:pRg st="1" end="1"/>
+                                            </p:txEl>
+                                          </p:spTgt>
+                                        </p:tgtEl>
+                                        <p:attrNameLst>
+                                          <p:attrName>style.visibility</p:attrName>
+                                        </p:attrNameLst>
+                                      </p:cBhvr>
+                                      <p:to>
+                                        <p:strVal val="visible"/>
+                                      </p:to>
+                                    </p:set>
+                                    <p:animEffect transition="in" filter="fade">
+                                      <p:cBhvr>
+                                        <p:cTn id="12" dur="500"/>
+                                        <p:tgtEl>
+                                          <p:spTgt spid="3">
+                                            <p:txEl>
+                                              <p:pRg st="1" end="1"/>
+                                            </p:txEl>
+                                          </p:spTgt>
+                                        </p:tgtEl>
+                                      </p:cBhvr>
+                                    </p:animEffect>
+                                  </p:childTnLst>
+                                </p:cTn>
+                              </p:par>
+                            </p:childTnLst>
+                          </p:cTn>
+                        </p:par>
+                      </p:childTnLst>
+                    </p:cTn>
+                  </p:par>
+                  <p:par>
+                    <p:cTn id="13" fill="hold">
+                      <p:stCondLst>
+                        <p:cond delay="indefinite"/>
+                      </p:stCondLst>
+                      <p:childTnLst>
+                        <p:par>
+                          <p:cTn id="14" fill="hold">
+                            <p:stCondLst>
+                              <p:cond delay="0"/>
+                            </p:stCondLst>
+                            <p:childTnLst>
+                              <p:par>
+                                <p:cTn id="15" presetID="10" presetClass="entr" presetSubtype="0" fill="hold" grpId="0" nodeType="clickEffect">
+                                  <p:stCondLst>
+                                    <p:cond delay="0"/>
+                                  </p:stCondLst>
+                                  <p:childTnLst>
+                                    <p:set>
+                                      <p:cBhvr>
+                                        <p:cTn id="16" dur="1" fill="hold">
+                                          <p:stCondLst>
+                                            <p:cond delay="0"/>
+                                          </p:stCondLst>
+                                        </p:cTn>
+                                        <p:tgtEl>
+                                          <p:spTgt spid="3">
+                                            <p:txEl>
+                                              <p:pRg st="2" end="2"/>
+                                            </p:txEl>
+                                          </p:spTgt>
+                                        </p:tgtEl>
+                                        <p:attrNameLst>
+                                          <p:attrName>style.visibility</p:attrName>
+                                        </p:attrNameLst>
+                                      </p:cBhvr>
+                                      <p:to>
+                                        <p:strVal val="visible"/>
+                                      </p:to>
+                                    </p:set>
+                                    <p:animEffect transition="in" filter="fade">
+                                      <p:cBhvr>
+                                        <p:cTn id="17" dur="500"/>
+                                        <p:tgtEl>
+                                          <p:spTgt spid="3">
+                                            <p:txEl>
+                                              <p:pRg st="2" end="2"/>
+                                            </p:txEl>
+                                          </p:spTgt>
+                                        </p:tgtEl>
+                                      </p:cBhvr>
+                                    </p:animEffect>
+                                  </p:childTnLst>
+                                </p:cTn>
+                              </p:par>
+                              <p:par>
+                                <p:cTn id="18" presetID="10" presetClass="entr" presetSubtype="0" fill="hold" grpId="0" nodeType="withEffect">
+                                  <p:stCondLst>
+                                    <p:cond delay="0"/>
+                                  </p:stCondLst>
+                                  <p:childTnLst>
+                                    <p:set>
+                                      <p:cBhvr>
+                                        <p:cTn id="19" dur="1" fill="hold">
+                                          <p:stCondLst>
+                                            <p:cond delay="0"/>
+                                          </p:stCondLst>
+                                        </p:cTn>
+                                        <p:tgtEl>
+                                          <p:spTgt spid="3">
+                                            <p:txEl>
+                                              <p:pRg st="3" end="3"/>
+                                            </p:txEl>
+                                          </p:spTgt>
+                                        </p:tgtEl>
+                                        <p:attrNameLst>
+                                          <p:attrName>style.visibility</p:attrName>
+                                        </p:attrNameLst>
+                                      </p:cBhvr>
+                                      <p:to>
+                                        <p:strVal val="visible"/>
+                                      </p:to>
+                                    </p:set>
+                                    <p:animEffect transition="in" filter="fade">
+                                      <p:cBhvr>
+                                        <p:cTn id="20" dur="500"/>
+                                        <p:tgtEl>
+                                          <p:spTgt spid="3">
+                                            <p:txEl>
+                                              <p:pRg st="3" end="3"/>
+                                            </p:txEl>
+                                          </p:spTgt>
+                                        </p:tgtEl>
+                                      </p:cBhvr>
+                                    </p:animEffect>
+                                  </p:childTnLst>
+                                </p:cTn>
+                              </p:par>
+                              <p:par>
+                                <p:cTn id="21" presetID="10" presetClass="entr" presetSubtype="0" fill="hold" grpId="0" nodeType="withEffect">
+                                  <p:stCondLst>
+                                    <p:cond delay="0"/>
+                                  </p:stCondLst>
+                                  <p:childTnLst>
+                                    <p:set>
+                                      <p:cBhvr>
+                                        <p:cTn id="22" dur="1" fill="hold">
+                                          <p:stCondLst>
+                                            <p:cond delay="0"/>
+                                          </p:stCondLst>
+                                        </p:cTn>
+                                        <p:tgtEl>
+                                          <p:spTgt spid="3">
+                                            <p:txEl>
+                                              <p:pRg st="4" end="4"/>
+                                            </p:txEl>
+                                          </p:spTgt>
+                                        </p:tgtEl>
+                                        <p:attrNameLst>
+                                          <p:attrName>style.visibility</p:attrName>
+                                        </p:attrNameLst>
+                                      </p:cBhvr>
+                                      <p:to>
+                                        <p:strVal val="visible"/>
+                                      </p:to>
+                                    </p:set>
+                                    <p:animEffect transition="in" filter="fade">
+                                      <p:cBhvr>
+                                        <p:cTn id="23" dur="500"/>
+                                        <p:tgtEl>
+                                          <p:spTgt spid="3">
+                                            <p:txEl>
+                                              <p:pRg st="4" end="4"/>
+                                            </p:txEl>
+                                          </p:spTgt>
+                                        </p:tgtEl>
+                                      </p:cBhvr>
+                                    </p:animEffect>
+                                  </p:childTnLst>
+                                </p:cTn>
+                              </p:par>
+                            </p:childTnLst>
+                          </p:cTn>
+                        </p:par>
+                      </p:childTnLst>
+                    </p:cTn>
+                  </p:par>
+                  <p:par>
+                    <p:cTn id="24" fill="hold">
+                      <p:stCondLst>
+                        <p:cond delay="indefinite"/>
+                      </p:stCondLst>
+                      <p:childTnLst>
+                        <p:par>
+                          <p:cTn id="25" fill="hold">
+                            <p:stCondLst>
+                              <p:cond delay="0"/>
+                            </p:stCondLst>
+                            <p:childTnLst>
+                              <p:par>
+                                <p:cTn id="26" presetID="10" presetClass="entr" presetSubtype="0" fill="hold" grpId="0" nodeType="clickEffect">
+                                  <p:stCondLst>
+                                    <p:cond delay="0"/>
+                                  </p:stCondLst>
+                                  <p:childTnLst>
+                                    <p:set>
+                                      <p:cBhvr>
+                                        <p:cTn id="27" dur="1" fill="hold">
+                                          <p:stCondLst>
+                                            <p:cond delay="0"/>
+                                          </p:stCondLst>
+                                        </p:cTn>
+                                        <p:tgtEl>
+                                          <p:spTgt spid="3">
+                                            <p:txEl>
+                                              <p:pRg st="5" end="5"/>
+                                            </p:txEl>
+                                          </p:spTgt>
+                                        </p:tgtEl>
+                                        <p:attrNameLst>
+                                          <p:attrName>style.visibility</p:attrName>
+                                        </p:attrNameLst>
+                                      </p:cBhvr>
+                                      <p:to>
+                                        <p:strVal val="visible"/>
+                                      </p:to>
+                                    </p:set>
+                                    <p:animEffect transition="in" filter="fade">
+                                      <p:cBhvr>
+                                        <p:cTn id="28" dur="500"/>
+                                        <p:tgtEl>
+                                          <p:spTgt spid="3">
+                                            <p:txEl>
+                                              <p:pRg st="5" end="5"/>
+                                            </p:txEl>
+                                          </p:spTgt>
+                                        </p:tgtEl>
+                                      </p:cBhvr>
+                                    </p:animEffect>
+                                  </p:childTnLst>
+                                </p:cTn>
+                              </p:par>
+                              <p:par>
+                                <p:cTn id="29" presetID="10" presetClass="entr" presetSubtype="0" fill="hold" grpId="0" nodeType="withEffect">
+                                  <p:stCondLst>
+                                    <p:cond delay="0"/>
+                                  </p:stCondLst>
+                                  <p:childTnLst>
+                                    <p:set>
+                                      <p:cBhvr>
+                                        <p:cTn id="30" dur="1" fill="hold">
+                                          <p:stCondLst>
+                                            <p:cond delay="0"/>
+                                          </p:stCondLst>
+                                        </p:cTn>
+                                        <p:tgtEl>
+                                          <p:spTgt spid="3">
+                                            <p:txEl>
+                                              <p:pRg st="6" end="6"/>
+                                            </p:txEl>
+                                          </p:spTgt>
+                                        </p:tgtEl>
+                                        <p:attrNameLst>
+                                          <p:attrName>style.visibility</p:attrName>
+                                        </p:attrNameLst>
+                                      </p:cBhvr>
+                                      <p:to>
+                                        <p:strVal val="visible"/>
+                                      </p:to>
+                                    </p:set>
+                                    <p:animEffect transition="in" filter="fade">
+                                      <p:cBhvr>
+                                        <p:cTn id="31" dur="500"/>
+                                        <p:tgtEl>
+                                          <p:spTgt spid="3">
+                                            <p:txEl>
+                                              <p:pRg st="6" end="6"/>
+                                            </p:txEl>
+                                          </p:spTgt>
+                                        </p:tgtEl>
+                                      </p:cBhvr>
+                                    </p:animEffect>
+                                  </p:childTnLst>
+                                </p:cTn>
+                              </p:par>
+                            </p:childTnLst>
+                          </p:cTn>
+                        </p:par>
+                      </p:childTnLst>
+                    </p:cTn>
+                  </p:par>
+                  <p:par>
+                    <p:cTn id="32" fill="hold">
+                      <p:stCondLst>
+                        <p:cond delay="indefinite"/>
+                      </p:stCondLst>
+                      <p:childTnLst>
+                        <p:par>
+                          <p:cTn id="33" fill="hold">
+                            <p:stCondLst>
+                              <p:cond delay="0"/>
+                            </p:stCondLst>
+                            <p:childTnLst>
+                              <p:par>
+                                <p:cTn id="34" presetID="10" presetClass="entr" presetSubtype="0" fill="hold" grpId="0" nodeType="clickEffect">
+                                  <p:stCondLst>
+                                    <p:cond delay="0"/>
+                                  </p:stCondLst>
+                                  <p:childTnLst>
+                                    <p:set>
+                                      <p:cBhvr>
+                                        <p:cTn id="35" dur="1" fill="hold">
+                                          <p:stCondLst>
+                                            <p:cond delay="0"/>
+                                          </p:stCondLst>
+                                        </p:cTn>
+                                        <p:tgtEl>
+                                          <p:spTgt spid="3">
+                                            <p:txEl>
+                                              <p:pRg st="7" end="7"/>
+                                            </p:txEl>
+                                          </p:spTgt>
+                                        </p:tgtEl>
+                                        <p:attrNameLst>
+                                          <p:attrName>style.visibility</p:attrName>
+                                        </p:attrNameLst>
+                                      </p:cBhvr>
+                                      <p:to>
+                                        <p:strVal val="visible"/>
+                                      </p:to>
+                                    </p:set>
+                                    <p:animEffect transition="in" filter="fade">
+                                      <p:cBhvr>
+                                        <p:cTn id="36" dur="500"/>
+                                        <p:tgtEl>
+                                          <p:spTgt spid="3">
+                                            <p:txEl>
+                                              <p:pRg st="7" end="7"/>
+                                            </p:txEl>
+                                          </p:spTgt>
+                                        </p:tgtEl>
+                                      </p:cBhvr>
+                                    </p:animEffect>
+                                  </p:childTnLst>
+                                </p:cTn>
+                              </p:par>
+                            </p:childTnLst>
+                          </p:cTn>
+                        </p:par>
+                      </p:childTnLst>
+                    </p:cTn>
+                  </p:par>
+                </p:childTnLst>
+              </p:cTn>
+              <p:prevCondLst>
+                <p:cond evt="onPrev" delay="0">
+                  <p:tgtEl>
+                    <p:sldTgt/>
+                  </p:tgtEl>
+                </p:cond>
+              </p:prevCondLst>
+              <p:nextCondLst>
+                <p:cond evt="onNext" delay="0">
+                  <p:tgtEl>
+                    <p:sldTgt/>
+                  </p:tgtEl>
+                </p:cond>
+              </p:nextCondLst>
+            </p:seq>
+          </p:childTnLst>
+        </p:cTn>
+      </p:par>
+    </p:tnLst>
+    <p:bldLst>
+      <p:bldP spid="3" grpId="0" uiExpand="1" build="p"/>
+    </p:bldLst>
+  </p:timing>
+</p:sld>
+</file>
+
+<file path=ppt/slides/slide38.xml><?xml version="1.0" encoding="utf-8"?>
+<p:sld xmlns:a="http://schemas.openxmlformats.org/drawingml/2006/main" xmlns:r="http://schemas.openxmlformats.org/officeDocument/2006/relationships" xmlns:p="http://schemas.openxmlformats.org/presentationml/2006/main">
+  <p:cSld>
+    <p:spTree>
+      <p:nvGrpSpPr>
+        <p:cNvPr id="1" name=""/>
+        <p:cNvGrpSpPr/>
+        <p:nvPr/>
+      </p:nvGrpSpPr>
+      <p:grpSpPr>
+        <a:xfrm>
+          <a:off x="0" y="0"/>
+          <a:ext cx="0" cy="0"/>
+          <a:chOff x="0" y="0"/>
+          <a:chExt cx="0" cy="0"/>
+        </a:xfrm>
+      </p:grpSpPr>
+      <p:sp>
+        <p:nvSpPr>
+          <p:cNvPr id="2" name="Title 1">
+            <a:extLst>
+              <a:ext uri="{FF2B5EF4-FFF2-40B4-BE49-F238E27FC236}">
+                <a16:creationId xmlns:a16="http://schemas.microsoft.com/office/drawing/2014/main" id="{AD80C5C6-6B55-52E7-1A12-AA0FD9F3C64E}"/>
+              </a:ext>
+            </a:extLst>
+          </p:cNvPr>
+          <p:cNvSpPr>
+            <a:spLocks noGrp="1"/>
+          </p:cNvSpPr>
+          <p:nvPr>
+            <p:ph type="title"/>
+          </p:nvPr>
+        </p:nvSpPr>
+        <p:spPr/>
+        <p:txBody>
+          <a:bodyPr/>
+          <a:lstStyle/>
+          <a:p>
+            <a:r>
+              <a:rPr lang="en-US" dirty="0"/>
+              <a:t>Unit 7 – Resources and Styles</a:t>
+            </a:r>
+          </a:p>
+        </p:txBody>
+      </p:sp>
+      <p:sp>
+        <p:nvSpPr>
+          <p:cNvPr id="3" name="Content Placeholder 2">
+            <a:extLst>
+              <a:ext uri="{FF2B5EF4-FFF2-40B4-BE49-F238E27FC236}">
+                <a16:creationId xmlns:a16="http://schemas.microsoft.com/office/drawing/2014/main" id="{A624AD30-408C-0867-E689-30934C4E84D4}"/>
+              </a:ext>
+            </a:extLst>
+          </p:cNvPr>
+          <p:cNvSpPr>
+            <a:spLocks noGrp="1"/>
+          </p:cNvSpPr>
+          <p:nvPr>
+            <p:ph idx="1"/>
+          </p:nvPr>
+        </p:nvSpPr>
+        <p:spPr/>
+        <p:txBody>
+          <a:bodyPr>
+            <a:normAutofit fontScale="92500" lnSpcReduction="10000"/>
+          </a:bodyPr>
+          <a:lstStyle/>
+          <a:p>
+            <a:r>
+              <a:rPr lang="en-US" dirty="0"/>
+              <a:t>Styles</a:t>
+            </a:r>
+          </a:p>
+          <a:p>
+            <a:pPr lvl="1"/>
+            <a:r>
+              <a:rPr lang="en-US" dirty="0"/>
+              <a:t>A named set of property values</a:t>
+            </a:r>
+          </a:p>
+          <a:p>
+            <a:pPr lvl="1"/>
+            <a:r>
+              <a:rPr lang="en-US" dirty="0"/>
+              <a:t>Encourages reuse</a:t>
+            </a:r>
+          </a:p>
+          <a:p>
+            <a:r>
+              <a:rPr lang="en-US" dirty="0"/>
+              <a:t>Defining a style</a:t>
+            </a:r>
+          </a:p>
+          <a:p>
+            <a:pPr lvl="1"/>
+            <a:r>
+              <a:rPr lang="en-US" dirty="0"/>
+              <a:t>Define in </a:t>
+            </a:r>
+            <a:r>
+              <a:rPr lang="en-US" dirty="0" err="1"/>
+              <a:t>ResourceDictionary</a:t>
+            </a:r>
+            <a:r>
+              <a:rPr lang="en-US" dirty="0"/>
+              <a:t> or .Resources</a:t>
+            </a:r>
+          </a:p>
+          <a:p>
+            <a:pPr lvl="1"/>
+            <a:r>
+              <a:rPr lang="en-US" dirty="0"/>
+              <a:t>&lt;Style&gt; tag and set of &lt;Setter&gt; tags</a:t>
+            </a:r>
+          </a:p>
+          <a:p>
+            <a:pPr lvl="1"/>
+            <a:r>
+              <a:rPr lang="en-US" dirty="0"/>
+              <a:t>Specify x:Key and </a:t>
+            </a:r>
+            <a:r>
+              <a:rPr lang="en-US" dirty="0" err="1"/>
+              <a:t>TargetType</a:t>
+            </a:r>
+            <a:endParaRPr lang="en-US" dirty="0"/>
+          </a:p>
+          <a:p>
+            <a:pPr lvl="1"/>
+            <a:r>
+              <a:rPr lang="en-US" dirty="0"/>
+              <a:t>Each &lt;Setter&gt; sets Property and Value</a:t>
+            </a:r>
+          </a:p>
+          <a:p>
+            <a:r>
+              <a:rPr lang="en-US" dirty="0"/>
+              <a:t>Using a Style</a:t>
+            </a:r>
+          </a:p>
+          <a:p>
+            <a:pPr lvl="1"/>
+            <a:r>
+              <a:rPr lang="en-US" dirty="0"/>
+              <a:t>Set Style attribute, use </a:t>
+            </a:r>
+            <a:r>
+              <a:rPr lang="en-US" dirty="0" err="1"/>
+              <a:t>StaticResource</a:t>
+            </a:r>
+            <a:r>
+              <a:rPr lang="en-US" dirty="0"/>
+              <a:t> markup extension, reference style's key</a:t>
+            </a:r>
+          </a:p>
+          <a:p>
+            <a:r>
+              <a:rPr lang="en-US" dirty="0">
+                <a:solidFill>
+                  <a:srgbClr val="00B050"/>
+                </a:solidFill>
+              </a:rPr>
+              <a:t>Example - Styles</a:t>
+            </a:r>
+          </a:p>
+        </p:txBody>
+      </p:sp>
+    </p:spTree>
+    <p:extLst>
+      <p:ext uri="{BB962C8B-B14F-4D97-AF65-F5344CB8AC3E}">
+        <p14:creationId xmlns:p14="http://schemas.microsoft.com/office/powerpoint/2010/main" val="2411172984"/>
+      </p:ext>
+    </p:extLst>
+  </p:cSld>
+  <p:clrMapOvr>
+    <a:masterClrMapping/>
+  </p:clrMapOvr>
+  <p:timing>
+    <p:tnLst>
+      <p:par>
+        <p:cTn id="1" dur="indefinite" restart="never" nodeType="tmRoot">
+          <p:childTnLst>
+            <p:seq concurrent="1" nextAc="seek">
+              <p:cTn id="2" dur="indefinite" nodeType="mainSeq">
+                <p:childTnLst>
+                  <p:par>
+                    <p:cTn id="3" fill="hold">
+                      <p:stCondLst>
+                        <p:cond delay="indefinite"/>
+                      </p:stCondLst>
+                      <p:childTnLst>
+                        <p:par>
+                          <p:cTn id="4" fill="hold">
+                            <p:stCondLst>
+                              <p:cond delay="0"/>
+                            </p:stCondLst>
+                            <p:childTnLst>
+                              <p:par>
+                                <p:cTn id="5" presetID="10" presetClass="entr" presetSubtype="0" fill="hold" grpId="0" nodeType="clickEffect">
+                                  <p:stCondLst>
+                                    <p:cond delay="0"/>
+                                  </p:stCondLst>
+                                  <p:childTnLst>
+                                    <p:set>
+                                      <p:cBhvr>
+                                        <p:cTn id="6" dur="1" fill="hold">
+                                          <p:stCondLst>
+                                            <p:cond delay="0"/>
+                                          </p:stCondLst>
+                                        </p:cTn>
+                                        <p:tgtEl>
+                                          <p:spTgt spid="3">
+                                            <p:txEl>
+                                              <p:pRg st="0" end="0"/>
+                                            </p:txEl>
+                                          </p:spTgt>
+                                        </p:tgtEl>
+                                        <p:attrNameLst>
+                                          <p:attrName>style.visibility</p:attrName>
+                                        </p:attrNameLst>
+                                      </p:cBhvr>
+                                      <p:to>
+                                        <p:strVal val="visible"/>
+                                      </p:to>
+                                    </p:set>
+                                    <p:animEffect transition="in" filter="fade">
+                                      <p:cBhvr>
+                                        <p:cTn id="7" dur="500"/>
+                                        <p:tgtEl>
+                                          <p:spTgt spid="3">
+                                            <p:txEl>
+                                              <p:pRg st="0" end="0"/>
+                                            </p:txEl>
+                                          </p:spTgt>
+                                        </p:tgtEl>
+                                      </p:cBhvr>
+                                    </p:animEffect>
+                                  </p:childTnLst>
+                                </p:cTn>
+                              </p:par>
+                              <p:par>
+                                <p:cTn id="8" presetID="10" presetClass="entr" presetSubtype="0" fill="hold" grpId="0" nodeType="withEffect">
+                                  <p:stCondLst>
+                                    <p:cond delay="0"/>
+                                  </p:stCondLst>
+                                  <p:childTnLst>
+                                    <p:set>
+                                      <p:cBhvr>
+                                        <p:cTn id="9" dur="1" fill="hold">
+                                          <p:stCondLst>
+                                            <p:cond delay="0"/>
+                                          </p:stCondLst>
+                                        </p:cTn>
+                                        <p:tgtEl>
+                                          <p:spTgt spid="3">
+                                            <p:txEl>
+                                              <p:pRg st="1" end="1"/>
+                                            </p:txEl>
+                                          </p:spTgt>
+                                        </p:tgtEl>
+                                        <p:attrNameLst>
+                                          <p:attrName>style.visibility</p:attrName>
+                                        </p:attrNameLst>
+                                      </p:cBhvr>
+                                      <p:to>
+                                        <p:strVal val="visible"/>
+                                      </p:to>
+                                    </p:set>
+                                    <p:animEffect transition="in" filter="fade">
+                                      <p:cBhvr>
+                                        <p:cTn id="10" dur="500"/>
+                                        <p:tgtEl>
+                                          <p:spTgt spid="3">
+                                            <p:txEl>
+                                              <p:pRg st="1" end="1"/>
+                                            </p:txEl>
+                                          </p:spTgt>
+                                        </p:tgtEl>
+                                      </p:cBhvr>
+                                    </p:animEffect>
+                                  </p:childTnLst>
+                                </p:cTn>
+                              </p:par>
+                              <p:par>
+                                <p:cTn id="11" presetID="10" presetClass="entr" presetSubtype="0" fill="hold" grpId="0" nodeType="withEffect">
+                                  <p:stCondLst>
+                                    <p:cond delay="0"/>
+                                  </p:stCondLst>
+                                  <p:childTnLst>
+                                    <p:set>
+                                      <p:cBhvr>
+                                        <p:cTn id="12" dur="1" fill="hold">
+                                          <p:stCondLst>
+                                            <p:cond delay="0"/>
+                                          </p:stCondLst>
+                                        </p:cTn>
+                                        <p:tgtEl>
+                                          <p:spTgt spid="3">
+                                            <p:txEl>
+                                              <p:pRg st="2" end="2"/>
+                                            </p:txEl>
+                                          </p:spTgt>
+                                        </p:tgtEl>
+                                        <p:attrNameLst>
+                                          <p:attrName>style.visibility</p:attrName>
+                                        </p:attrNameLst>
+                                      </p:cBhvr>
+                                      <p:to>
+                                        <p:strVal val="visible"/>
+                                      </p:to>
+                                    </p:set>
+                                    <p:animEffect transition="in" filter="fade">
+                                      <p:cBhvr>
+                                        <p:cTn id="13" dur="500"/>
+                                        <p:tgtEl>
+                                          <p:spTgt spid="3">
+                                            <p:txEl>
+                                              <p:pRg st="2" end="2"/>
+                                            </p:txEl>
+                                          </p:spTgt>
+                                        </p:tgtEl>
+                                      </p:cBhvr>
+                                    </p:animEffect>
+                                  </p:childTnLst>
+                                </p:cTn>
+                              </p:par>
+                            </p:childTnLst>
+                          </p:cTn>
+                        </p:par>
+                      </p:childTnLst>
+                    </p:cTn>
+                  </p:par>
+                  <p:par>
+                    <p:cTn id="14" fill="hold">
+                      <p:stCondLst>
+                        <p:cond delay="indefinite"/>
+                      </p:stCondLst>
+                      <p:childTnLst>
+                        <p:par>
+                          <p:cTn id="15" fill="hold">
+                            <p:stCondLst>
+                              <p:cond delay="0"/>
+                            </p:stCondLst>
+                            <p:childTnLst>
+                              <p:par>
+                                <p:cTn id="16" presetID="10" presetClass="entr" presetSubtype="0" fill="hold" grpId="0" nodeType="clickEffect">
+                                  <p:stCondLst>
+                                    <p:cond delay="0"/>
+                                  </p:stCondLst>
+                                  <p:childTnLst>
+                                    <p:set>
+                                      <p:cBhvr>
+                                        <p:cTn id="17" dur="1" fill="hold">
+                                          <p:stCondLst>
+                                            <p:cond delay="0"/>
+                                          </p:stCondLst>
+                                        </p:cTn>
+                                        <p:tgtEl>
+                                          <p:spTgt spid="3">
+                                            <p:txEl>
+                                              <p:pRg st="3" end="3"/>
+                                            </p:txEl>
+                                          </p:spTgt>
+                                        </p:tgtEl>
+                                        <p:attrNameLst>
+                                          <p:attrName>style.visibility</p:attrName>
+                                        </p:attrNameLst>
+                                      </p:cBhvr>
+                                      <p:to>
+                                        <p:strVal val="visible"/>
+                                      </p:to>
+                                    </p:set>
+                                    <p:animEffect transition="in" filter="fade">
+                                      <p:cBhvr>
+                                        <p:cTn id="18" dur="500"/>
+                                        <p:tgtEl>
+                                          <p:spTgt spid="3">
+                                            <p:txEl>
+                                              <p:pRg st="3" end="3"/>
+                                            </p:txEl>
+                                          </p:spTgt>
+                                        </p:tgtEl>
+                                      </p:cBhvr>
+                                    </p:animEffect>
+                                  </p:childTnLst>
+                                </p:cTn>
+                              </p:par>
+                              <p:par>
+                                <p:cTn id="19" presetID="10" presetClass="entr" presetSubtype="0" fill="hold" grpId="0" nodeType="withEffect">
+                                  <p:stCondLst>
+                                    <p:cond delay="0"/>
+                                  </p:stCondLst>
+                                  <p:childTnLst>
+                                    <p:set>
+                                      <p:cBhvr>
+                                        <p:cTn id="20" dur="1" fill="hold">
+                                          <p:stCondLst>
+                                            <p:cond delay="0"/>
+                                          </p:stCondLst>
+                                        </p:cTn>
+                                        <p:tgtEl>
+                                          <p:spTgt spid="3">
+                                            <p:txEl>
+                                              <p:pRg st="4" end="4"/>
+                                            </p:txEl>
+                                          </p:spTgt>
+                                        </p:tgtEl>
+                                        <p:attrNameLst>
+                                          <p:attrName>style.visibility</p:attrName>
+                                        </p:attrNameLst>
+                                      </p:cBhvr>
+                                      <p:to>
+                                        <p:strVal val="visible"/>
+                                      </p:to>
+                                    </p:set>
+                                    <p:animEffect transition="in" filter="fade">
+                                      <p:cBhvr>
+                                        <p:cTn id="21" dur="500"/>
+                                        <p:tgtEl>
+                                          <p:spTgt spid="3">
+                                            <p:txEl>
+                                              <p:pRg st="4" end="4"/>
+                                            </p:txEl>
+                                          </p:spTgt>
+                                        </p:tgtEl>
+                                      </p:cBhvr>
+                                    </p:animEffect>
+                                  </p:childTnLst>
+                                </p:cTn>
+                              </p:par>
+                              <p:par>
+                                <p:cTn id="22" presetID="10" presetClass="entr" presetSubtype="0" fill="hold" grpId="0" nodeType="withEffect">
+                                  <p:stCondLst>
+                                    <p:cond delay="0"/>
+                                  </p:stCondLst>
+                                  <p:childTnLst>
+                                    <p:set>
+                                      <p:cBhvr>
+                                        <p:cTn id="23" dur="1" fill="hold">
+                                          <p:stCondLst>
+                                            <p:cond delay="0"/>
+                                          </p:stCondLst>
+                                        </p:cTn>
+                                        <p:tgtEl>
+                                          <p:spTgt spid="3">
+                                            <p:txEl>
+                                              <p:pRg st="5" end="5"/>
+                                            </p:txEl>
+                                          </p:spTgt>
+                                        </p:tgtEl>
+                                        <p:attrNameLst>
+                                          <p:attrName>style.visibility</p:attrName>
+                                        </p:attrNameLst>
+                                      </p:cBhvr>
+                                      <p:to>
+                                        <p:strVal val="visible"/>
+                                      </p:to>
+                                    </p:set>
+                                    <p:animEffect transition="in" filter="fade">
+                                      <p:cBhvr>
+                                        <p:cTn id="24" dur="500"/>
+                                        <p:tgtEl>
+                                          <p:spTgt spid="3">
+                                            <p:txEl>
+                                              <p:pRg st="5" end="5"/>
+                                            </p:txEl>
+                                          </p:spTgt>
+                                        </p:tgtEl>
+                                      </p:cBhvr>
+                                    </p:animEffect>
+                                  </p:childTnLst>
+                                </p:cTn>
+                              </p:par>
+                              <p:par>
+                                <p:cTn id="25" presetID="10" presetClass="entr" presetSubtype="0" fill="hold" grpId="0" nodeType="withEffect">
+                                  <p:stCondLst>
+                                    <p:cond delay="0"/>
+                                  </p:stCondLst>
+                                  <p:childTnLst>
+                                    <p:set>
+                                      <p:cBhvr>
+                                        <p:cTn id="26" dur="1" fill="hold">
+                                          <p:stCondLst>
+                                            <p:cond delay="0"/>
+                                          </p:stCondLst>
+                                        </p:cTn>
+                                        <p:tgtEl>
+                                          <p:spTgt spid="3">
+                                            <p:txEl>
+                                              <p:pRg st="6" end="6"/>
+                                            </p:txEl>
+                                          </p:spTgt>
+                                        </p:tgtEl>
+                                        <p:attrNameLst>
+                                          <p:attrName>style.visibility</p:attrName>
+                                        </p:attrNameLst>
+                                      </p:cBhvr>
+                                      <p:to>
+                                        <p:strVal val="visible"/>
+                                      </p:to>
+                                    </p:set>
+                                    <p:animEffect transition="in" filter="fade">
+                                      <p:cBhvr>
+                                        <p:cTn id="27" dur="500"/>
+                                        <p:tgtEl>
+                                          <p:spTgt spid="3">
+                                            <p:txEl>
+                                              <p:pRg st="6" end="6"/>
+                                            </p:txEl>
+                                          </p:spTgt>
+                                        </p:tgtEl>
+                                      </p:cBhvr>
+                                    </p:animEffect>
+                                  </p:childTnLst>
+                                </p:cTn>
+                              </p:par>
+                              <p:par>
+                                <p:cTn id="28" presetID="10" presetClass="entr" presetSubtype="0" fill="hold" grpId="0" nodeType="withEffect">
+                                  <p:stCondLst>
+                                    <p:cond delay="0"/>
+                                  </p:stCondLst>
+                                  <p:childTnLst>
+                                    <p:set>
+                                      <p:cBhvr>
+                                        <p:cTn id="29" dur="1" fill="hold">
+                                          <p:stCondLst>
+                                            <p:cond delay="0"/>
+                                          </p:stCondLst>
+                                        </p:cTn>
+                                        <p:tgtEl>
+                                          <p:spTgt spid="3">
+                                            <p:txEl>
+                                              <p:pRg st="7" end="7"/>
+                                            </p:txEl>
+                                          </p:spTgt>
+                                        </p:tgtEl>
+                                        <p:attrNameLst>
+                                          <p:attrName>style.visibility</p:attrName>
+                                        </p:attrNameLst>
+                                      </p:cBhvr>
+                                      <p:to>
+                                        <p:strVal val="visible"/>
+                                      </p:to>
+                                    </p:set>
+                                    <p:animEffect transition="in" filter="fade">
+                                      <p:cBhvr>
+                                        <p:cTn id="30" dur="500"/>
+                                        <p:tgtEl>
+                                          <p:spTgt spid="3">
+                                            <p:txEl>
+                                              <p:pRg st="7" end="7"/>
+                                            </p:txEl>
+                                          </p:spTgt>
+                                        </p:tgtEl>
+                                      </p:cBhvr>
+                                    </p:animEffect>
+                                  </p:childTnLst>
+                                </p:cTn>
+                              </p:par>
+                            </p:childTnLst>
+                          </p:cTn>
+                        </p:par>
+                      </p:childTnLst>
+                    </p:cTn>
+                  </p:par>
+                  <p:par>
+                    <p:cTn id="31" fill="hold">
+                      <p:stCondLst>
+                        <p:cond delay="indefinite"/>
+                      </p:stCondLst>
+                      <p:childTnLst>
+                        <p:par>
+                          <p:cTn id="32" fill="hold">
+                            <p:stCondLst>
+                              <p:cond delay="0"/>
+                            </p:stCondLst>
+                            <p:childTnLst>
+                              <p:par>
+                                <p:cTn id="33" presetID="10" presetClass="entr" presetSubtype="0" fill="hold" grpId="0" nodeType="clickEffect">
+                                  <p:stCondLst>
+                                    <p:cond delay="0"/>
+                                  </p:stCondLst>
+                                  <p:childTnLst>
+                                    <p:set>
+                                      <p:cBhvr>
+                                        <p:cTn id="34" dur="1" fill="hold">
+                                          <p:stCondLst>
+                                            <p:cond delay="0"/>
+                                          </p:stCondLst>
+                                        </p:cTn>
+                                        <p:tgtEl>
+                                          <p:spTgt spid="3">
+                                            <p:txEl>
+                                              <p:pRg st="8" end="8"/>
+                                            </p:txEl>
+                                          </p:spTgt>
+                                        </p:tgtEl>
+                                        <p:attrNameLst>
+                                          <p:attrName>style.visibility</p:attrName>
+                                        </p:attrNameLst>
+                                      </p:cBhvr>
+                                      <p:to>
+                                        <p:strVal val="visible"/>
+                                      </p:to>
+                                    </p:set>
+                                    <p:animEffect transition="in" filter="fade">
+                                      <p:cBhvr>
+                                        <p:cTn id="35" dur="500"/>
+                                        <p:tgtEl>
+                                          <p:spTgt spid="3">
+                                            <p:txEl>
+                                              <p:pRg st="8" end="8"/>
+                                            </p:txEl>
+                                          </p:spTgt>
+                                        </p:tgtEl>
+                                      </p:cBhvr>
+                                    </p:animEffect>
+                                  </p:childTnLst>
+                                </p:cTn>
+                              </p:par>
+                              <p:par>
+                                <p:cTn id="36" presetID="10" presetClass="entr" presetSubtype="0" fill="hold" grpId="0" nodeType="withEffect">
+                                  <p:stCondLst>
+                                    <p:cond delay="0"/>
+                                  </p:stCondLst>
+                                  <p:childTnLst>
+                                    <p:set>
+                                      <p:cBhvr>
+                                        <p:cTn id="37" dur="1" fill="hold">
+                                          <p:stCondLst>
+                                            <p:cond delay="0"/>
+                                          </p:stCondLst>
+                                        </p:cTn>
+                                        <p:tgtEl>
+                                          <p:spTgt spid="3">
+                                            <p:txEl>
+                                              <p:pRg st="9" end="9"/>
+                                            </p:txEl>
+                                          </p:spTgt>
+                                        </p:tgtEl>
+                                        <p:attrNameLst>
+                                          <p:attrName>style.visibility</p:attrName>
+                                        </p:attrNameLst>
+                                      </p:cBhvr>
+                                      <p:to>
+                                        <p:strVal val="visible"/>
+                                      </p:to>
+                                    </p:set>
+                                    <p:animEffect transition="in" filter="fade">
+                                      <p:cBhvr>
+                                        <p:cTn id="38" dur="500"/>
+                                        <p:tgtEl>
+                                          <p:spTgt spid="3">
+                                            <p:txEl>
+                                              <p:pRg st="9" end="9"/>
+                                            </p:txEl>
+                                          </p:spTgt>
+                                        </p:tgtEl>
+                                      </p:cBhvr>
+                                    </p:animEffect>
+                                  </p:childTnLst>
+                                </p:cTn>
+                              </p:par>
+                            </p:childTnLst>
+                          </p:cTn>
+                        </p:par>
+                      </p:childTnLst>
+                    </p:cTn>
+                  </p:par>
+                  <p:par>
+                    <p:cTn id="39" fill="hold">
+                      <p:stCondLst>
+                        <p:cond delay="indefinite"/>
+                      </p:stCondLst>
+                      <p:childTnLst>
+                        <p:par>
+                          <p:cTn id="40" fill="hold">
+                            <p:stCondLst>
+                              <p:cond delay="0"/>
+                            </p:stCondLst>
+                            <p:childTnLst>
+                              <p:par>
+                                <p:cTn id="41" presetID="10" presetClass="entr" presetSubtype="0" fill="hold" grpId="0" nodeType="clickEffect">
+                                  <p:stCondLst>
+                                    <p:cond delay="0"/>
+                                  </p:stCondLst>
+                                  <p:childTnLst>
+                                    <p:set>
+                                      <p:cBhvr>
+                                        <p:cTn id="42" dur="1" fill="hold">
+                                          <p:stCondLst>
+                                            <p:cond delay="0"/>
+                                          </p:stCondLst>
+                                        </p:cTn>
+                                        <p:tgtEl>
+                                          <p:spTgt spid="3">
+                                            <p:txEl>
+                                              <p:pRg st="10" end="10"/>
+                                            </p:txEl>
+                                          </p:spTgt>
+                                        </p:tgtEl>
+                                        <p:attrNameLst>
+                                          <p:attrName>style.visibility</p:attrName>
+                                        </p:attrNameLst>
+                                      </p:cBhvr>
+                                      <p:to>
+                                        <p:strVal val="visible"/>
+                                      </p:to>
+                                    </p:set>
+                                    <p:animEffect transition="in" filter="fade">
+                                      <p:cBhvr>
+                                        <p:cTn id="43" dur="500"/>
+                                        <p:tgtEl>
+                                          <p:spTgt spid="3">
+                                            <p:txEl>
+                                              <p:pRg st="10" end="10"/>
+                                            </p:txEl>
+                                          </p:spTgt>
+                                        </p:tgtEl>
+                                      </p:cBhvr>
+                                    </p:animEffect>
+                                  </p:childTnLst>
+                                </p:cTn>
+                              </p:par>
+                            </p:childTnLst>
+                          </p:cTn>
+                        </p:par>
+                      </p:childTnLst>
+                    </p:cTn>
+                  </p:par>
+                </p:childTnLst>
+              </p:cTn>
+              <p:prevCondLst>
+                <p:cond evt="onPrev" delay="0">
+                  <p:tgtEl>
+                    <p:sldTgt/>
+                  </p:tgtEl>
+                </p:cond>
+              </p:prevCondLst>
+              <p:nextCondLst>
+                <p:cond evt="onNext" delay="0">
+                  <p:tgtEl>
+                    <p:sldTgt/>
+                  </p:tgtEl>
+                </p:cond>
+              </p:nextCondLst>
+            </p:seq>
+          </p:childTnLst>
+        </p:cTn>
+      </p:par>
+    </p:tnLst>
+    <p:bldLst>
+      <p:bldP spid="3" grpId="0" uiExpand="1" build="p"/>
+    </p:bldLst>
+  </p:timing>
+</p:sld>
+</file>
+
+<file path=ppt/slides/slide39.xml><?xml version="1.0" encoding="utf-8"?>
+<p:sld xmlns:a="http://schemas.openxmlformats.org/drawingml/2006/main" xmlns:r="http://schemas.openxmlformats.org/officeDocument/2006/relationships" xmlns:p="http://schemas.openxmlformats.org/presentationml/2006/main">
+  <p:cSld>
+    <p:spTree>
+      <p:nvGrpSpPr>
+        <p:cNvPr id="1" name=""/>
+        <p:cNvGrpSpPr/>
+        <p:nvPr/>
+      </p:nvGrpSpPr>
+      <p:grpSpPr>
+        <a:xfrm>
+          <a:off x="0" y="0"/>
+          <a:ext cx="0" cy="0"/>
+          <a:chOff x="0" y="0"/>
+          <a:chExt cx="0" cy="0"/>
+        </a:xfrm>
+      </p:grpSpPr>
+      <p:sp>
+        <p:nvSpPr>
+          <p:cNvPr id="2" name="Title 1">
+            <a:extLst>
+              <a:ext uri="{FF2B5EF4-FFF2-40B4-BE49-F238E27FC236}">
+                <a16:creationId xmlns:a16="http://schemas.microsoft.com/office/drawing/2014/main" id="{D65E478C-0FFE-90B4-2EE1-E82C9CCCD096}"/>
+              </a:ext>
+            </a:extLst>
+          </p:cNvPr>
+          <p:cNvSpPr>
+            <a:spLocks noGrp="1"/>
+          </p:cNvSpPr>
+          <p:nvPr>
+            <p:ph type="title"/>
+          </p:nvPr>
+        </p:nvSpPr>
+        <p:spPr/>
+        <p:txBody>
+          <a:bodyPr/>
+          <a:lstStyle/>
+          <a:p>
+            <a:r>
+              <a:rPr lang="en-US" dirty="0"/>
+              <a:t>Unit 7 – Resources and Styles</a:t>
+            </a:r>
+          </a:p>
+        </p:txBody>
+      </p:sp>
+      <p:sp>
+        <p:nvSpPr>
+          <p:cNvPr id="3" name="Content Placeholder 2">
+            <a:extLst>
+              <a:ext uri="{FF2B5EF4-FFF2-40B4-BE49-F238E27FC236}">
+                <a16:creationId xmlns:a16="http://schemas.microsoft.com/office/drawing/2014/main" id="{92D3E223-8041-23DB-76B6-4523BC8A5D57}"/>
+              </a:ext>
+            </a:extLst>
+          </p:cNvPr>
+          <p:cNvSpPr>
+            <a:spLocks noGrp="1"/>
+          </p:cNvSpPr>
+          <p:nvPr>
+            <p:ph idx="1"/>
+          </p:nvPr>
+        </p:nvSpPr>
+        <p:spPr/>
+        <p:txBody>
+          <a:bodyPr/>
+          <a:lstStyle/>
+          <a:p>
+            <a:r>
+              <a:rPr lang="en-US" dirty="0"/>
+              <a:t>Styles Based on Other Styles</a:t>
+            </a:r>
+          </a:p>
+          <a:p>
+            <a:pPr lvl="1"/>
+            <a:r>
+              <a:rPr lang="en-US" dirty="0"/>
+              <a:t>Style can inherit from another style using the </a:t>
+            </a:r>
+            <a:r>
+              <a:rPr lang="en-US" dirty="0" err="1"/>
+              <a:t>BasedOn</a:t>
+            </a:r>
+            <a:r>
+              <a:rPr lang="en-US" dirty="0"/>
+              <a:t> attribute</a:t>
+            </a:r>
+          </a:p>
+          <a:p>
+            <a:pPr lvl="1"/>
+            <a:r>
+              <a:rPr lang="en-US" dirty="0"/>
+              <a:t>Allows styles in different scopes--e.g. entire application, one window, portion of window</a:t>
+            </a:r>
+          </a:p>
+          <a:p>
+            <a:pPr lvl="1"/>
+            <a:r>
+              <a:rPr lang="en-US" dirty="0"/>
+              <a:t>This is quite common in production WPF applications</a:t>
+            </a:r>
+          </a:p>
+          <a:p>
+            <a:r>
+              <a:rPr lang="en-US" dirty="0">
+                <a:solidFill>
+                  <a:srgbClr val="00B050"/>
+                </a:solidFill>
+              </a:rPr>
+              <a:t>Example - </a:t>
+            </a:r>
+            <a:r>
+              <a:rPr lang="en-US" dirty="0" err="1">
+                <a:solidFill>
+                  <a:srgbClr val="00B050"/>
+                </a:solidFill>
+              </a:rPr>
+              <a:t>BasedOn</a:t>
+            </a:r>
+            <a:endParaRPr lang="en-US" dirty="0">
+              <a:solidFill>
+                <a:srgbClr val="00B050"/>
+              </a:solidFill>
+            </a:endParaRPr>
+          </a:p>
+        </p:txBody>
+      </p:sp>
+    </p:spTree>
+    <p:extLst>
+      <p:ext uri="{BB962C8B-B14F-4D97-AF65-F5344CB8AC3E}">
+        <p14:creationId xmlns:p14="http://schemas.microsoft.com/office/powerpoint/2010/main" val="2679255486"/>
+      </p:ext>
+    </p:extLst>
+  </p:cSld>
+  <p:clrMapOvr>
+    <a:masterClrMapping/>
+  </p:clrMapOvr>
+  <p:timing>
+    <p:tnLst>
+      <p:par>
+        <p:cTn id="1" dur="indefinite" restart="never" nodeType="tmRoot">
+          <p:childTnLst>
+            <p:seq concurrent="1" nextAc="seek">
+              <p:cTn id="2" dur="indefinite" nodeType="mainSeq">
+                <p:childTnLst>
+                  <p:par>
+                    <p:cTn id="3" fill="hold">
+                      <p:stCondLst>
+                        <p:cond delay="indefinite"/>
+                      </p:stCondLst>
+                      <p:childTnLst>
+                        <p:par>
+                          <p:cTn id="4" fill="hold">
+                            <p:stCondLst>
+                              <p:cond delay="0"/>
+                            </p:stCondLst>
+                            <p:childTnLst>
+                              <p:par>
+                                <p:cTn id="5" presetID="10" presetClass="entr" presetSubtype="0" fill="hold" grpId="0" nodeType="clickEffect">
+                                  <p:stCondLst>
+                                    <p:cond delay="0"/>
+                                  </p:stCondLst>
+                                  <p:childTnLst>
+                                    <p:set>
+                                      <p:cBhvr>
+                                        <p:cTn id="6" dur="1" fill="hold">
+                                          <p:stCondLst>
+                                            <p:cond delay="0"/>
+                                          </p:stCondLst>
+                                        </p:cTn>
+                                        <p:tgtEl>
+                                          <p:spTgt spid="3">
+                                            <p:txEl>
+                                              <p:pRg st="0" end="0"/>
+                                            </p:txEl>
+                                          </p:spTgt>
+                                        </p:tgtEl>
+                                        <p:attrNameLst>
+                                          <p:attrName>style.visibility</p:attrName>
+                                        </p:attrNameLst>
+                                      </p:cBhvr>
+                                      <p:to>
+                                        <p:strVal val="visible"/>
+                                      </p:to>
+                                    </p:set>
+                                    <p:animEffect transition="in" filter="fade">
+                                      <p:cBhvr>
+                                        <p:cTn id="7" dur="500"/>
+                                        <p:tgtEl>
+                                          <p:spTgt spid="3">
+                                            <p:txEl>
+                                              <p:pRg st="0" end="0"/>
+                                            </p:txEl>
+                                          </p:spTgt>
+                                        </p:tgtEl>
+                                      </p:cBhvr>
+                                    </p:animEffect>
+                                  </p:childTnLst>
+                                </p:cTn>
+                              </p:par>
+                              <p:par>
+                                <p:cTn id="8" presetID="10" presetClass="entr" presetSubtype="0" fill="hold" grpId="0" nodeType="withEffect">
+                                  <p:stCondLst>
+                                    <p:cond delay="0"/>
+                                  </p:stCondLst>
+                                  <p:childTnLst>
+                                    <p:set>
+                                      <p:cBhvr>
+                                        <p:cTn id="9" dur="1" fill="hold">
+                                          <p:stCondLst>
+                                            <p:cond delay="0"/>
+                                          </p:stCondLst>
+                                        </p:cTn>
+                                        <p:tgtEl>
+                                          <p:spTgt spid="3">
+                                            <p:txEl>
+                                              <p:pRg st="1" end="1"/>
+                                            </p:txEl>
+                                          </p:spTgt>
+                                        </p:tgtEl>
+                                        <p:attrNameLst>
+                                          <p:attrName>style.visibility</p:attrName>
+                                        </p:attrNameLst>
+                                      </p:cBhvr>
+                                      <p:to>
+                                        <p:strVal val="visible"/>
+                                      </p:to>
+                                    </p:set>
+                                    <p:animEffect transition="in" filter="fade">
+                                      <p:cBhvr>
+                                        <p:cTn id="10" dur="500"/>
+                                        <p:tgtEl>
+                                          <p:spTgt spid="3">
+                                            <p:txEl>
+                                              <p:pRg st="1" end="1"/>
+                                            </p:txEl>
+                                          </p:spTgt>
+                                        </p:tgtEl>
+                                      </p:cBhvr>
+                                    </p:animEffect>
+                                  </p:childTnLst>
+                                </p:cTn>
+                              </p:par>
+                              <p:par>
+                                <p:cTn id="11" presetID="10" presetClass="entr" presetSubtype="0" fill="hold" grpId="0" nodeType="withEffect">
+                                  <p:stCondLst>
+                                    <p:cond delay="0"/>
+                                  </p:stCondLst>
+                                  <p:childTnLst>
+                                    <p:set>
+                                      <p:cBhvr>
+                                        <p:cTn id="12" dur="1" fill="hold">
+                                          <p:stCondLst>
+                                            <p:cond delay="0"/>
+                                          </p:stCondLst>
+                                        </p:cTn>
+                                        <p:tgtEl>
+                                          <p:spTgt spid="3">
+                                            <p:txEl>
+                                              <p:pRg st="2" end="2"/>
+                                            </p:txEl>
+                                          </p:spTgt>
+                                        </p:tgtEl>
+                                        <p:attrNameLst>
+                                          <p:attrName>style.visibility</p:attrName>
+                                        </p:attrNameLst>
+                                      </p:cBhvr>
+                                      <p:to>
+                                        <p:strVal val="visible"/>
+                                      </p:to>
+                                    </p:set>
+                                    <p:animEffect transition="in" filter="fade">
+                                      <p:cBhvr>
+                                        <p:cTn id="13" dur="500"/>
+                                        <p:tgtEl>
+                                          <p:spTgt spid="3">
+                                            <p:txEl>
+                                              <p:pRg st="2" end="2"/>
+                                            </p:txEl>
+                                          </p:spTgt>
+                                        </p:tgtEl>
+                                      </p:cBhvr>
+                                    </p:animEffect>
+                                  </p:childTnLst>
+                                </p:cTn>
+                              </p:par>
+                              <p:par>
+                                <p:cTn id="14" presetID="10" presetClass="entr" presetSubtype="0" fill="hold" grpId="0" nodeType="withEffect">
+                                  <p:stCondLst>
+                                    <p:cond delay="0"/>
+                                  </p:stCondLst>
+                                  <p:childTnLst>
+                                    <p:set>
+                                      <p:cBhvr>
+                                        <p:cTn id="15" dur="1" fill="hold">
+                                          <p:stCondLst>
+                                            <p:cond delay="0"/>
+                                          </p:stCondLst>
+                                        </p:cTn>
+                                        <p:tgtEl>
+                                          <p:spTgt spid="3">
+                                            <p:txEl>
+                                              <p:pRg st="3" end="3"/>
+                                            </p:txEl>
+                                          </p:spTgt>
+                                        </p:tgtEl>
+                                        <p:attrNameLst>
+                                          <p:attrName>style.visibility</p:attrName>
+                                        </p:attrNameLst>
+                                      </p:cBhvr>
+                                      <p:to>
+                                        <p:strVal val="visible"/>
+                                      </p:to>
+                                    </p:set>
+                                    <p:animEffect transition="in" filter="fade">
+                                      <p:cBhvr>
+                                        <p:cTn id="16" dur="500"/>
+                                        <p:tgtEl>
+                                          <p:spTgt spid="3">
+                                            <p:txEl>
+                                              <p:pRg st="3" end="3"/>
+                                            </p:txEl>
+                                          </p:spTgt>
+                                        </p:tgtEl>
+                                      </p:cBhvr>
+                                    </p:animEffect>
+                                  </p:childTnLst>
+                                </p:cTn>
+                              </p:par>
+                            </p:childTnLst>
+                          </p:cTn>
+                        </p:par>
+                      </p:childTnLst>
+                    </p:cTn>
+                  </p:par>
+                  <p:par>
+                    <p:cTn id="17" fill="hold">
+                      <p:stCondLst>
+                        <p:cond delay="indefinite"/>
+                      </p:stCondLst>
+                      <p:childTnLst>
+                        <p:par>
+                          <p:cTn id="18" fill="hold">
+                            <p:stCondLst>
+                              <p:cond delay="0"/>
+                            </p:stCondLst>
+                            <p:childTnLst>
+                              <p:par>
+                                <p:cTn id="19" presetID="10" presetClass="entr" presetSubtype="0" fill="hold" grpId="0" nodeType="clickEffect">
+                                  <p:stCondLst>
+                                    <p:cond delay="0"/>
+                                  </p:stCondLst>
+                                  <p:childTnLst>
+                                    <p:set>
+                                      <p:cBhvr>
+                                        <p:cTn id="20" dur="1" fill="hold">
+                                          <p:stCondLst>
+                                            <p:cond delay="0"/>
+                                          </p:stCondLst>
+                                        </p:cTn>
+                                        <p:tgtEl>
+                                          <p:spTgt spid="3">
+                                            <p:txEl>
+                                              <p:pRg st="4" end="4"/>
+                                            </p:txEl>
+                                          </p:spTgt>
+                                        </p:tgtEl>
+                                        <p:attrNameLst>
+                                          <p:attrName>style.visibility</p:attrName>
+                                        </p:attrNameLst>
+                                      </p:cBhvr>
+                                      <p:to>
+                                        <p:strVal val="visible"/>
+                                      </p:to>
+                                    </p:set>
+                                    <p:animEffect transition="in" filter="fade">
+                                      <p:cBhvr>
+                                        <p:cTn id="21" dur="500"/>
+                                        <p:tgtEl>
+                                          <p:spTgt spid="3">
+                                            <p:txEl>
+                                              <p:pRg st="4" end="4"/>
+                                            </p:txEl>
+                                          </p:spTgt>
+                                        </p:tgtEl>
+                                      </p:cBhvr>
+                                    </p:animEffect>
+                                  </p:childTnLst>
+                                </p:cTn>
+                              </p:par>
+                            </p:childTnLst>
+                          </p:cTn>
+                        </p:par>
+                      </p:childTnLst>
+                    </p:cTn>
+                  </p:par>
+                </p:childTnLst>
+              </p:cTn>
+              <p:prevCondLst>
+                <p:cond evt="onPrev" delay="0">
+                  <p:tgtEl>
+                    <p:sldTgt/>
+                  </p:tgtEl>
+                </p:cond>
+              </p:prevCondLst>
+              <p:nextCondLst>
+                <p:cond evt="onNext" delay="0">
+                  <p:tgtEl>
+                    <p:sldTgt/>
+                  </p:tgtEl>
+                </p:cond>
+              </p:nextCondLst>
+            </p:seq>
+          </p:childTnLst>
+        </p:cTn>
+      </p:par>
+    </p:tnLst>
+    <p:bldLst>
+      <p:bldP spid="3" grpId="0" uiExpand="1" build="p"/>
+    </p:bldLst>
+  </p:timing>
+</p:sld>
+</file>
+
 <file path=ppt/slides/slide4.xml><?xml version="1.0" encoding="utf-8"?>
 <p:sld xmlns:a="http://schemas.openxmlformats.org/drawingml/2006/main" xmlns:r="http://schemas.openxmlformats.org/officeDocument/2006/relationships" xmlns:p="http://schemas.openxmlformats.org/presentationml/2006/main">
   <p:cSld>
@@ -25406,6 +28273,758 @@
       <p:bldP spid="3" grpId="0" uiExpand="1" build="p"/>
     </p:bldLst>
   </p:timing>
+</p:sld>
+</file>
+
+<file path=ppt/slides/slide40.xml><?xml version="1.0" encoding="utf-8"?>
+<p:sld xmlns:a="http://schemas.openxmlformats.org/drawingml/2006/main" xmlns:r="http://schemas.openxmlformats.org/officeDocument/2006/relationships" xmlns:p="http://schemas.openxmlformats.org/presentationml/2006/main">
+  <p:cSld>
+    <p:spTree>
+      <p:nvGrpSpPr>
+        <p:cNvPr id="1" name=""/>
+        <p:cNvGrpSpPr/>
+        <p:nvPr/>
+      </p:nvGrpSpPr>
+      <p:grpSpPr>
+        <a:xfrm>
+          <a:off x="0" y="0"/>
+          <a:ext cx="0" cy="0"/>
+          <a:chOff x="0" y="0"/>
+          <a:chExt cx="0" cy="0"/>
+        </a:xfrm>
+      </p:grpSpPr>
+      <p:sp>
+        <p:nvSpPr>
+          <p:cNvPr id="2" name="Title 1">
+            <a:extLst>
+              <a:ext uri="{FF2B5EF4-FFF2-40B4-BE49-F238E27FC236}">
+                <a16:creationId xmlns:a16="http://schemas.microsoft.com/office/drawing/2014/main" id="{91CE4F80-854E-39EE-765C-52A051738EDE}"/>
+              </a:ext>
+            </a:extLst>
+          </p:cNvPr>
+          <p:cNvSpPr>
+            <a:spLocks noGrp="1"/>
+          </p:cNvSpPr>
+          <p:nvPr>
+            <p:ph type="title"/>
+          </p:nvPr>
+        </p:nvSpPr>
+        <p:spPr/>
+        <p:txBody>
+          <a:bodyPr/>
+          <a:lstStyle/>
+          <a:p>
+            <a:r>
+              <a:rPr lang="en-US" dirty="0"/>
+              <a:t>Unit 7 – Resources and Styles</a:t>
+            </a:r>
+          </a:p>
+        </p:txBody>
+      </p:sp>
+      <p:sp>
+        <p:nvSpPr>
+          <p:cNvPr id="3" name="Content Placeholder 2">
+            <a:extLst>
+              <a:ext uri="{FF2B5EF4-FFF2-40B4-BE49-F238E27FC236}">
+                <a16:creationId xmlns:a16="http://schemas.microsoft.com/office/drawing/2014/main" id="{ECFE8794-34DF-2386-CA8A-DAF29F17FA52}"/>
+              </a:ext>
+            </a:extLst>
+          </p:cNvPr>
+          <p:cNvSpPr>
+            <a:spLocks noGrp="1"/>
+          </p:cNvSpPr>
+          <p:nvPr>
+            <p:ph idx="1"/>
+          </p:nvPr>
+        </p:nvSpPr>
+        <p:spPr/>
+        <p:txBody>
+          <a:bodyPr/>
+          <a:lstStyle/>
+          <a:p>
+            <a:r>
+              <a:rPr lang="en-US" dirty="0"/>
+              <a:t>Default Styles</a:t>
+            </a:r>
+          </a:p>
+          <a:p>
+            <a:pPr lvl="1"/>
+            <a:r>
+              <a:rPr lang="en-US" dirty="0"/>
+              <a:t>Define a style that automatically applies to all elements of a given type</a:t>
+            </a:r>
+          </a:p>
+          <a:p>
+            <a:pPr lvl="1"/>
+            <a:r>
+              <a:rPr lang="en-US" dirty="0"/>
+              <a:t>Default style has a type but no name</a:t>
+            </a:r>
+          </a:p>
+          <a:p>
+            <a:pPr lvl="1"/>
+            <a:r>
+              <a:rPr lang="en-US" dirty="0"/>
+              <a:t>Element does not need to reference the style</a:t>
+            </a:r>
+          </a:p>
+          <a:p>
+            <a:r>
+              <a:rPr lang="en-US" dirty="0"/>
+              <a:t>Property Value Precedence</a:t>
+            </a:r>
+          </a:p>
+          <a:p>
+            <a:pPr lvl="1"/>
+            <a:r>
+              <a:rPr lang="en-US" dirty="0"/>
+              <a:t>Property values in named styles override default property values -- normal default or from default style</a:t>
+            </a:r>
+          </a:p>
+          <a:p>
+            <a:pPr lvl="1"/>
+            <a:r>
+              <a:rPr lang="en-US" dirty="0"/>
+              <a:t>Property values in element override values in a style</a:t>
+            </a:r>
+          </a:p>
+          <a:p>
+            <a:pPr lvl="1"/>
+            <a:r>
+              <a:rPr lang="en-US" dirty="0"/>
+              <a:t>There's a fairly complicated chain of precedence</a:t>
+            </a:r>
+          </a:p>
+          <a:p>
+            <a:r>
+              <a:rPr lang="en-US" dirty="0">
+                <a:solidFill>
+                  <a:srgbClr val="00B050"/>
+                </a:solidFill>
+              </a:rPr>
+              <a:t>Example – Default Style</a:t>
+            </a:r>
+          </a:p>
+        </p:txBody>
+      </p:sp>
+    </p:spTree>
+    <p:extLst>
+      <p:ext uri="{BB962C8B-B14F-4D97-AF65-F5344CB8AC3E}">
+        <p14:creationId xmlns:p14="http://schemas.microsoft.com/office/powerpoint/2010/main" val="1498630836"/>
+      </p:ext>
+    </p:extLst>
+  </p:cSld>
+  <p:clrMapOvr>
+    <a:masterClrMapping/>
+  </p:clrMapOvr>
+  <p:timing>
+    <p:tnLst>
+      <p:par>
+        <p:cTn id="1" dur="indefinite" restart="never" nodeType="tmRoot">
+          <p:childTnLst>
+            <p:seq concurrent="1" nextAc="seek">
+              <p:cTn id="2" dur="indefinite" nodeType="mainSeq">
+                <p:childTnLst>
+                  <p:par>
+                    <p:cTn id="3" fill="hold">
+                      <p:stCondLst>
+                        <p:cond delay="indefinite"/>
+                      </p:stCondLst>
+                      <p:childTnLst>
+                        <p:par>
+                          <p:cTn id="4" fill="hold">
+                            <p:stCondLst>
+                              <p:cond delay="0"/>
+                            </p:stCondLst>
+                            <p:childTnLst>
+                              <p:par>
+                                <p:cTn id="5" presetID="10" presetClass="entr" presetSubtype="0" fill="hold" grpId="0" nodeType="clickEffect">
+                                  <p:stCondLst>
+                                    <p:cond delay="0"/>
+                                  </p:stCondLst>
+                                  <p:childTnLst>
+                                    <p:set>
+                                      <p:cBhvr>
+                                        <p:cTn id="6" dur="1" fill="hold">
+                                          <p:stCondLst>
+                                            <p:cond delay="0"/>
+                                          </p:stCondLst>
+                                        </p:cTn>
+                                        <p:tgtEl>
+                                          <p:spTgt spid="3">
+                                            <p:txEl>
+                                              <p:pRg st="0" end="0"/>
+                                            </p:txEl>
+                                          </p:spTgt>
+                                        </p:tgtEl>
+                                        <p:attrNameLst>
+                                          <p:attrName>style.visibility</p:attrName>
+                                        </p:attrNameLst>
+                                      </p:cBhvr>
+                                      <p:to>
+                                        <p:strVal val="visible"/>
+                                      </p:to>
+                                    </p:set>
+                                    <p:animEffect transition="in" filter="fade">
+                                      <p:cBhvr>
+                                        <p:cTn id="7" dur="500"/>
+                                        <p:tgtEl>
+                                          <p:spTgt spid="3">
+                                            <p:txEl>
+                                              <p:pRg st="0" end="0"/>
+                                            </p:txEl>
+                                          </p:spTgt>
+                                        </p:tgtEl>
+                                      </p:cBhvr>
+                                    </p:animEffect>
+                                  </p:childTnLst>
+                                </p:cTn>
+                              </p:par>
+                              <p:par>
+                                <p:cTn id="8" presetID="10" presetClass="entr" presetSubtype="0" fill="hold" grpId="0" nodeType="withEffect">
+                                  <p:stCondLst>
+                                    <p:cond delay="0"/>
+                                  </p:stCondLst>
+                                  <p:childTnLst>
+                                    <p:set>
+                                      <p:cBhvr>
+                                        <p:cTn id="9" dur="1" fill="hold">
+                                          <p:stCondLst>
+                                            <p:cond delay="0"/>
+                                          </p:stCondLst>
+                                        </p:cTn>
+                                        <p:tgtEl>
+                                          <p:spTgt spid="3">
+                                            <p:txEl>
+                                              <p:pRg st="1" end="1"/>
+                                            </p:txEl>
+                                          </p:spTgt>
+                                        </p:tgtEl>
+                                        <p:attrNameLst>
+                                          <p:attrName>style.visibility</p:attrName>
+                                        </p:attrNameLst>
+                                      </p:cBhvr>
+                                      <p:to>
+                                        <p:strVal val="visible"/>
+                                      </p:to>
+                                    </p:set>
+                                    <p:animEffect transition="in" filter="fade">
+                                      <p:cBhvr>
+                                        <p:cTn id="10" dur="500"/>
+                                        <p:tgtEl>
+                                          <p:spTgt spid="3">
+                                            <p:txEl>
+                                              <p:pRg st="1" end="1"/>
+                                            </p:txEl>
+                                          </p:spTgt>
+                                        </p:tgtEl>
+                                      </p:cBhvr>
+                                    </p:animEffect>
+                                  </p:childTnLst>
+                                </p:cTn>
+                              </p:par>
+                              <p:par>
+                                <p:cTn id="11" presetID="10" presetClass="entr" presetSubtype="0" fill="hold" grpId="0" nodeType="withEffect">
+                                  <p:stCondLst>
+                                    <p:cond delay="0"/>
+                                  </p:stCondLst>
+                                  <p:childTnLst>
+                                    <p:set>
+                                      <p:cBhvr>
+                                        <p:cTn id="12" dur="1" fill="hold">
+                                          <p:stCondLst>
+                                            <p:cond delay="0"/>
+                                          </p:stCondLst>
+                                        </p:cTn>
+                                        <p:tgtEl>
+                                          <p:spTgt spid="3">
+                                            <p:txEl>
+                                              <p:pRg st="2" end="2"/>
+                                            </p:txEl>
+                                          </p:spTgt>
+                                        </p:tgtEl>
+                                        <p:attrNameLst>
+                                          <p:attrName>style.visibility</p:attrName>
+                                        </p:attrNameLst>
+                                      </p:cBhvr>
+                                      <p:to>
+                                        <p:strVal val="visible"/>
+                                      </p:to>
+                                    </p:set>
+                                    <p:animEffect transition="in" filter="fade">
+                                      <p:cBhvr>
+                                        <p:cTn id="13" dur="500"/>
+                                        <p:tgtEl>
+                                          <p:spTgt spid="3">
+                                            <p:txEl>
+                                              <p:pRg st="2" end="2"/>
+                                            </p:txEl>
+                                          </p:spTgt>
+                                        </p:tgtEl>
+                                      </p:cBhvr>
+                                    </p:animEffect>
+                                  </p:childTnLst>
+                                </p:cTn>
+                              </p:par>
+                              <p:par>
+                                <p:cTn id="14" presetID="10" presetClass="entr" presetSubtype="0" fill="hold" grpId="0" nodeType="withEffect">
+                                  <p:stCondLst>
+                                    <p:cond delay="0"/>
+                                  </p:stCondLst>
+                                  <p:childTnLst>
+                                    <p:set>
+                                      <p:cBhvr>
+                                        <p:cTn id="15" dur="1" fill="hold">
+                                          <p:stCondLst>
+                                            <p:cond delay="0"/>
+                                          </p:stCondLst>
+                                        </p:cTn>
+                                        <p:tgtEl>
+                                          <p:spTgt spid="3">
+                                            <p:txEl>
+                                              <p:pRg st="3" end="3"/>
+                                            </p:txEl>
+                                          </p:spTgt>
+                                        </p:tgtEl>
+                                        <p:attrNameLst>
+                                          <p:attrName>style.visibility</p:attrName>
+                                        </p:attrNameLst>
+                                      </p:cBhvr>
+                                      <p:to>
+                                        <p:strVal val="visible"/>
+                                      </p:to>
+                                    </p:set>
+                                    <p:animEffect transition="in" filter="fade">
+                                      <p:cBhvr>
+                                        <p:cTn id="16" dur="500"/>
+                                        <p:tgtEl>
+                                          <p:spTgt spid="3">
+                                            <p:txEl>
+                                              <p:pRg st="3" end="3"/>
+                                            </p:txEl>
+                                          </p:spTgt>
+                                        </p:tgtEl>
+                                      </p:cBhvr>
+                                    </p:animEffect>
+                                  </p:childTnLst>
+                                </p:cTn>
+                              </p:par>
+                            </p:childTnLst>
+                          </p:cTn>
+                        </p:par>
+                      </p:childTnLst>
+                    </p:cTn>
+                  </p:par>
+                  <p:par>
+                    <p:cTn id="17" fill="hold">
+                      <p:stCondLst>
+                        <p:cond delay="indefinite"/>
+                      </p:stCondLst>
+                      <p:childTnLst>
+                        <p:par>
+                          <p:cTn id="18" fill="hold">
+                            <p:stCondLst>
+                              <p:cond delay="0"/>
+                            </p:stCondLst>
+                            <p:childTnLst>
+                              <p:par>
+                                <p:cTn id="19" presetID="10" presetClass="entr" presetSubtype="0" fill="hold" grpId="0" nodeType="clickEffect">
+                                  <p:stCondLst>
+                                    <p:cond delay="0"/>
+                                  </p:stCondLst>
+                                  <p:childTnLst>
+                                    <p:set>
+                                      <p:cBhvr>
+                                        <p:cTn id="20" dur="1" fill="hold">
+                                          <p:stCondLst>
+                                            <p:cond delay="0"/>
+                                          </p:stCondLst>
+                                        </p:cTn>
+                                        <p:tgtEl>
+                                          <p:spTgt spid="3">
+                                            <p:txEl>
+                                              <p:pRg st="4" end="4"/>
+                                            </p:txEl>
+                                          </p:spTgt>
+                                        </p:tgtEl>
+                                        <p:attrNameLst>
+                                          <p:attrName>style.visibility</p:attrName>
+                                        </p:attrNameLst>
+                                      </p:cBhvr>
+                                      <p:to>
+                                        <p:strVal val="visible"/>
+                                      </p:to>
+                                    </p:set>
+                                    <p:animEffect transition="in" filter="fade">
+                                      <p:cBhvr>
+                                        <p:cTn id="21" dur="500"/>
+                                        <p:tgtEl>
+                                          <p:spTgt spid="3">
+                                            <p:txEl>
+                                              <p:pRg st="4" end="4"/>
+                                            </p:txEl>
+                                          </p:spTgt>
+                                        </p:tgtEl>
+                                      </p:cBhvr>
+                                    </p:animEffect>
+                                  </p:childTnLst>
+                                </p:cTn>
+                              </p:par>
+                              <p:par>
+                                <p:cTn id="22" presetID="10" presetClass="entr" presetSubtype="0" fill="hold" grpId="0" nodeType="withEffect">
+                                  <p:stCondLst>
+                                    <p:cond delay="0"/>
+                                  </p:stCondLst>
+                                  <p:childTnLst>
+                                    <p:set>
+                                      <p:cBhvr>
+                                        <p:cTn id="23" dur="1" fill="hold">
+                                          <p:stCondLst>
+                                            <p:cond delay="0"/>
+                                          </p:stCondLst>
+                                        </p:cTn>
+                                        <p:tgtEl>
+                                          <p:spTgt spid="3">
+                                            <p:txEl>
+                                              <p:pRg st="5" end="5"/>
+                                            </p:txEl>
+                                          </p:spTgt>
+                                        </p:tgtEl>
+                                        <p:attrNameLst>
+                                          <p:attrName>style.visibility</p:attrName>
+                                        </p:attrNameLst>
+                                      </p:cBhvr>
+                                      <p:to>
+                                        <p:strVal val="visible"/>
+                                      </p:to>
+                                    </p:set>
+                                    <p:animEffect transition="in" filter="fade">
+                                      <p:cBhvr>
+                                        <p:cTn id="24" dur="500"/>
+                                        <p:tgtEl>
+                                          <p:spTgt spid="3">
+                                            <p:txEl>
+                                              <p:pRg st="5" end="5"/>
+                                            </p:txEl>
+                                          </p:spTgt>
+                                        </p:tgtEl>
+                                      </p:cBhvr>
+                                    </p:animEffect>
+                                  </p:childTnLst>
+                                </p:cTn>
+                              </p:par>
+                              <p:par>
+                                <p:cTn id="25" presetID="10" presetClass="entr" presetSubtype="0" fill="hold" grpId="0" nodeType="withEffect">
+                                  <p:stCondLst>
+                                    <p:cond delay="0"/>
+                                  </p:stCondLst>
+                                  <p:childTnLst>
+                                    <p:set>
+                                      <p:cBhvr>
+                                        <p:cTn id="26" dur="1" fill="hold">
+                                          <p:stCondLst>
+                                            <p:cond delay="0"/>
+                                          </p:stCondLst>
+                                        </p:cTn>
+                                        <p:tgtEl>
+                                          <p:spTgt spid="3">
+                                            <p:txEl>
+                                              <p:pRg st="6" end="6"/>
+                                            </p:txEl>
+                                          </p:spTgt>
+                                        </p:tgtEl>
+                                        <p:attrNameLst>
+                                          <p:attrName>style.visibility</p:attrName>
+                                        </p:attrNameLst>
+                                      </p:cBhvr>
+                                      <p:to>
+                                        <p:strVal val="visible"/>
+                                      </p:to>
+                                    </p:set>
+                                    <p:animEffect transition="in" filter="fade">
+                                      <p:cBhvr>
+                                        <p:cTn id="27" dur="500"/>
+                                        <p:tgtEl>
+                                          <p:spTgt spid="3">
+                                            <p:txEl>
+                                              <p:pRg st="6" end="6"/>
+                                            </p:txEl>
+                                          </p:spTgt>
+                                        </p:tgtEl>
+                                      </p:cBhvr>
+                                    </p:animEffect>
+                                  </p:childTnLst>
+                                </p:cTn>
+                              </p:par>
+                              <p:par>
+                                <p:cTn id="28" presetID="10" presetClass="entr" presetSubtype="0" fill="hold" grpId="0" nodeType="withEffect">
+                                  <p:stCondLst>
+                                    <p:cond delay="0"/>
+                                  </p:stCondLst>
+                                  <p:childTnLst>
+                                    <p:set>
+                                      <p:cBhvr>
+                                        <p:cTn id="29" dur="1" fill="hold">
+                                          <p:stCondLst>
+                                            <p:cond delay="0"/>
+                                          </p:stCondLst>
+                                        </p:cTn>
+                                        <p:tgtEl>
+                                          <p:spTgt spid="3">
+                                            <p:txEl>
+                                              <p:pRg st="7" end="7"/>
+                                            </p:txEl>
+                                          </p:spTgt>
+                                        </p:tgtEl>
+                                        <p:attrNameLst>
+                                          <p:attrName>style.visibility</p:attrName>
+                                        </p:attrNameLst>
+                                      </p:cBhvr>
+                                      <p:to>
+                                        <p:strVal val="visible"/>
+                                      </p:to>
+                                    </p:set>
+                                    <p:animEffect transition="in" filter="fade">
+                                      <p:cBhvr>
+                                        <p:cTn id="30" dur="500"/>
+                                        <p:tgtEl>
+                                          <p:spTgt spid="3">
+                                            <p:txEl>
+                                              <p:pRg st="7" end="7"/>
+                                            </p:txEl>
+                                          </p:spTgt>
+                                        </p:tgtEl>
+                                      </p:cBhvr>
+                                    </p:animEffect>
+                                  </p:childTnLst>
+                                </p:cTn>
+                              </p:par>
+                            </p:childTnLst>
+                          </p:cTn>
+                        </p:par>
+                      </p:childTnLst>
+                    </p:cTn>
+                  </p:par>
+                  <p:par>
+                    <p:cTn id="31" fill="hold">
+                      <p:stCondLst>
+                        <p:cond delay="indefinite"/>
+                      </p:stCondLst>
+                      <p:childTnLst>
+                        <p:par>
+                          <p:cTn id="32" fill="hold">
+                            <p:stCondLst>
+                              <p:cond delay="0"/>
+                            </p:stCondLst>
+                            <p:childTnLst>
+                              <p:par>
+                                <p:cTn id="33" presetID="10" presetClass="entr" presetSubtype="0" fill="hold" grpId="0" nodeType="clickEffect">
+                                  <p:stCondLst>
+                                    <p:cond delay="0"/>
+                                  </p:stCondLst>
+                                  <p:childTnLst>
+                                    <p:set>
+                                      <p:cBhvr>
+                                        <p:cTn id="34" dur="1" fill="hold">
+                                          <p:stCondLst>
+                                            <p:cond delay="0"/>
+                                          </p:stCondLst>
+                                        </p:cTn>
+                                        <p:tgtEl>
+                                          <p:spTgt spid="3">
+                                            <p:txEl>
+                                              <p:pRg st="8" end="8"/>
+                                            </p:txEl>
+                                          </p:spTgt>
+                                        </p:tgtEl>
+                                        <p:attrNameLst>
+                                          <p:attrName>style.visibility</p:attrName>
+                                        </p:attrNameLst>
+                                      </p:cBhvr>
+                                      <p:to>
+                                        <p:strVal val="visible"/>
+                                      </p:to>
+                                    </p:set>
+                                    <p:animEffect transition="in" filter="fade">
+                                      <p:cBhvr>
+                                        <p:cTn id="35" dur="500"/>
+                                        <p:tgtEl>
+                                          <p:spTgt spid="3">
+                                            <p:txEl>
+                                              <p:pRg st="8" end="8"/>
+                                            </p:txEl>
+                                          </p:spTgt>
+                                        </p:tgtEl>
+                                      </p:cBhvr>
+                                    </p:animEffect>
+                                  </p:childTnLst>
+                                </p:cTn>
+                              </p:par>
+                            </p:childTnLst>
+                          </p:cTn>
+                        </p:par>
+                      </p:childTnLst>
+                    </p:cTn>
+                  </p:par>
+                </p:childTnLst>
+              </p:cTn>
+              <p:prevCondLst>
+                <p:cond evt="onPrev" delay="0">
+                  <p:tgtEl>
+                    <p:sldTgt/>
+                  </p:tgtEl>
+                </p:cond>
+              </p:prevCondLst>
+              <p:nextCondLst>
+                <p:cond evt="onNext" delay="0">
+                  <p:tgtEl>
+                    <p:sldTgt/>
+                  </p:tgtEl>
+                </p:cond>
+              </p:nextCondLst>
+            </p:seq>
+          </p:childTnLst>
+        </p:cTn>
+      </p:par>
+    </p:tnLst>
+    <p:bldLst>
+      <p:bldP spid="3" grpId="0" uiExpand="1" build="p"/>
+    </p:bldLst>
+  </p:timing>
+</p:sld>
+</file>
+
+<file path=ppt/slides/slide41.xml><?xml version="1.0" encoding="utf-8"?>
+<p:sld xmlns:a="http://schemas.openxmlformats.org/drawingml/2006/main" xmlns:r="http://schemas.openxmlformats.org/officeDocument/2006/relationships" xmlns:p="http://schemas.openxmlformats.org/presentationml/2006/main">
+  <p:cSld>
+    <p:spTree>
+      <p:nvGrpSpPr>
+        <p:cNvPr id="1" name=""/>
+        <p:cNvGrpSpPr/>
+        <p:nvPr/>
+      </p:nvGrpSpPr>
+      <p:grpSpPr>
+        <a:xfrm>
+          <a:off x="0" y="0"/>
+          <a:ext cx="0" cy="0"/>
+          <a:chOff x="0" y="0"/>
+          <a:chExt cx="0" cy="0"/>
+        </a:xfrm>
+      </p:grpSpPr>
+      <p:sp>
+        <p:nvSpPr>
+          <p:cNvPr id="2" name="Title 1">
+            <a:extLst>
+              <a:ext uri="{FF2B5EF4-FFF2-40B4-BE49-F238E27FC236}">
+                <a16:creationId xmlns:a16="http://schemas.microsoft.com/office/drawing/2014/main" id="{6C36D941-AA42-DC86-19B7-C1507297E0AC}"/>
+              </a:ext>
+            </a:extLst>
+          </p:cNvPr>
+          <p:cNvSpPr>
+            <a:spLocks noGrp="1"/>
+          </p:cNvSpPr>
+          <p:nvPr>
+            <p:ph type="title"/>
+          </p:nvPr>
+        </p:nvSpPr>
+        <p:spPr/>
+        <p:txBody>
+          <a:bodyPr/>
+          <a:lstStyle/>
+          <a:p>
+            <a:r>
+              <a:rPr lang="en-US" dirty="0"/>
+              <a:t>Exercise 7 – Resources and Styles</a:t>
+            </a:r>
+          </a:p>
+        </p:txBody>
+      </p:sp>
+      <p:sp>
+        <p:nvSpPr>
+          <p:cNvPr id="3" name="Content Placeholder 2">
+            <a:extLst>
+              <a:ext uri="{FF2B5EF4-FFF2-40B4-BE49-F238E27FC236}">
+                <a16:creationId xmlns:a16="http://schemas.microsoft.com/office/drawing/2014/main" id="{B4616C01-73B6-CF87-0BE9-66AE1B6B5E13}"/>
+              </a:ext>
+            </a:extLst>
+          </p:cNvPr>
+          <p:cNvSpPr>
+            <a:spLocks noGrp="1"/>
+          </p:cNvSpPr>
+          <p:nvPr>
+            <p:ph idx="1"/>
+          </p:nvPr>
+        </p:nvSpPr>
+        <p:spPr/>
+        <p:txBody>
+          <a:bodyPr/>
+          <a:lstStyle/>
+          <a:p>
+            <a:r>
+              <a:rPr lang="en-US" dirty="0"/>
+              <a:t>What You’ll Learn</a:t>
+            </a:r>
+          </a:p>
+          <a:p>
+            <a:pPr lvl="1"/>
+            <a:r>
+              <a:rPr lang="en-US" dirty="0"/>
+              <a:t>How to define and use a static resource</a:t>
+            </a:r>
+          </a:p>
+          <a:p>
+            <a:pPr lvl="1"/>
+            <a:r>
+              <a:rPr lang="en-US" dirty="0"/>
+              <a:t>How to define and use a style</a:t>
+            </a:r>
+          </a:p>
+          <a:p>
+            <a:r>
+              <a:rPr lang="en-US" dirty="0"/>
+              <a:t>Exercise</a:t>
+            </a:r>
+          </a:p>
+          <a:p>
+            <a:pPr lvl="1"/>
+            <a:r>
+              <a:rPr lang="en-US" dirty="0"/>
+              <a:t>Create a new project</a:t>
+            </a:r>
+          </a:p>
+          <a:p>
+            <a:pPr lvl="1"/>
+            <a:r>
+              <a:rPr lang="en-US" dirty="0"/>
+              <a:t>Part 1 - Create and use a Resource</a:t>
+            </a:r>
+          </a:p>
+          <a:p>
+            <a:pPr lvl="1"/>
+            <a:r>
+              <a:rPr lang="en-US" dirty="0"/>
+              <a:t>Part 2 - Define and use a Style</a:t>
+            </a:r>
+          </a:p>
+          <a:p>
+            <a:pPr lvl="1"/>
+            <a:r>
+              <a:rPr lang="en-US" dirty="0"/>
+              <a:t>Part 3 - Create a Default Style</a:t>
+            </a:r>
+          </a:p>
+        </p:txBody>
+      </p:sp>
+    </p:spTree>
+    <p:extLst>
+      <p:ext uri="{BB962C8B-B14F-4D97-AF65-F5344CB8AC3E}">
+        <p14:creationId xmlns:p14="http://schemas.microsoft.com/office/powerpoint/2010/main" val="430974822"/>
+      </p:ext>
+    </p:extLst>
+  </p:cSld>
+  <p:clrMapOvr>
+    <a:masterClrMapping/>
+  </p:clrMapOvr>
 </p:sld>
 </file>
 

--- a/WPF-Workshop-Sexton-Oct2023.pptx
+++ b/WPF-Workshop-Sexton-Oct2023.pptx
@@ -5,7 +5,7 @@
     <p:sldMasterId id="2147483896" r:id="rId1"/>
   </p:sldMasterIdLst>
   <p:notesMasterIdLst>
-    <p:notesMasterId r:id="rId43"/>
+    <p:notesMasterId r:id="rId51"/>
   </p:notesMasterIdLst>
   <p:sldIdLst>
     <p:sldId id="256" r:id="rId2"/>
@@ -49,6 +49,14 @@
     <p:sldId id="295" r:id="rId40"/>
     <p:sldId id="296" r:id="rId41"/>
     <p:sldId id="297" r:id="rId42"/>
+    <p:sldId id="298" r:id="rId43"/>
+    <p:sldId id="299" r:id="rId44"/>
+    <p:sldId id="300" r:id="rId45"/>
+    <p:sldId id="301" r:id="rId46"/>
+    <p:sldId id="302" r:id="rId47"/>
+    <p:sldId id="303" r:id="rId48"/>
+    <p:sldId id="304" r:id="rId49"/>
+    <p:sldId id="305" r:id="rId50"/>
   </p:sldIdLst>
   <p:sldSz cx="12192000" cy="6858000"/>
   <p:notesSz cx="6858000" cy="9144000"/>
@@ -3699,6 +3707,90 @@
     <p:extLst>
       <p:ext uri="{BB962C8B-B14F-4D97-AF65-F5344CB8AC3E}">
         <p14:creationId xmlns:p14="http://schemas.microsoft.com/office/powerpoint/2010/main" val="905484214"/>
+      </p:ext>
+    </p:extLst>
+  </p:cSld>
+  <p:clrMapOvr>
+    <a:masterClrMapping/>
+  </p:clrMapOvr>
+</p:notes>
+</file>
+
+<file path=ppt/notesSlides/notesSlide37.xml><?xml version="1.0" encoding="utf-8"?>
+<p:notes xmlns:a="http://schemas.openxmlformats.org/drawingml/2006/main" xmlns:r="http://schemas.openxmlformats.org/officeDocument/2006/relationships" xmlns:p="http://schemas.openxmlformats.org/presentationml/2006/main">
+  <p:cSld>
+    <p:spTree>
+      <p:nvGrpSpPr>
+        <p:cNvPr id="1" name=""/>
+        <p:cNvGrpSpPr/>
+        <p:nvPr/>
+      </p:nvGrpSpPr>
+      <p:grpSpPr>
+        <a:xfrm>
+          <a:off x="0" y="0"/>
+          <a:ext cx="0" cy="0"/>
+          <a:chOff x="0" y="0"/>
+          <a:chExt cx="0" cy="0"/>
+        </a:xfrm>
+      </p:grpSpPr>
+      <p:sp>
+        <p:nvSpPr>
+          <p:cNvPr id="2" name="Slide Image Placeholder 1"/>
+          <p:cNvSpPr>
+            <a:spLocks noGrp="1" noRot="1" noChangeAspect="1"/>
+          </p:cNvSpPr>
+          <p:nvPr>
+            <p:ph type="sldImg"/>
+          </p:nvPr>
+        </p:nvSpPr>
+        <p:spPr/>
+      </p:sp>
+      <p:sp>
+        <p:nvSpPr>
+          <p:cNvPr id="3" name="Notes Placeholder 2"/>
+          <p:cNvSpPr>
+            <a:spLocks noGrp="1"/>
+          </p:cNvSpPr>
+          <p:nvPr>
+            <p:ph type="body" idx="1"/>
+          </p:nvPr>
+        </p:nvSpPr>
+        <p:spPr/>
+        <p:txBody>
+          <a:bodyPr/>
+          <a:lstStyle/>
+          <a:p>
+            <a:endParaRPr lang="en-US" dirty="0"/>
+          </a:p>
+        </p:txBody>
+      </p:sp>
+      <p:sp>
+        <p:nvSpPr>
+          <p:cNvPr id="4" name="Slide Number Placeholder 3"/>
+          <p:cNvSpPr>
+            <a:spLocks noGrp="1"/>
+          </p:cNvSpPr>
+          <p:nvPr>
+            <p:ph type="sldNum" sz="quarter" idx="5"/>
+          </p:nvPr>
+        </p:nvSpPr>
+        <p:spPr/>
+        <p:txBody>
+          <a:bodyPr/>
+          <a:lstStyle/>
+          <a:p>
+            <a:fld id="{52D86A8A-0D3B-4DD1-BCA4-15D29761E8A6}" type="slidenum">
+              <a:rPr lang="en-US" smtClean="0"/>
+              <a:t>45</a:t>
+            </a:fld>
+            <a:endParaRPr lang="en-US"/>
+          </a:p>
+        </p:txBody>
+      </p:sp>
+    </p:spTree>
+    <p:extLst>
+      <p:ext uri="{BB962C8B-B14F-4D97-AF65-F5344CB8AC3E}">
+        <p14:creationId xmlns:p14="http://schemas.microsoft.com/office/powerpoint/2010/main" val="162492078"/>
       </p:ext>
     </p:extLst>
   </p:cSld>
@@ -28933,8 +29025,18 @@
           <a:lstStyle/>
           <a:p>
             <a:r>
-              <a:rPr lang="en-US" dirty="0"/>
-              <a:t>Exercise 7 – Resources and Styles</a:t>
+              <a:rPr lang="en-US" dirty="0">
+                <a:solidFill>
+                  <a:schemeClr val="accent5">
+                    <a:lumMod val="75000"/>
+                  </a:schemeClr>
+                </a:solidFill>
+              </a:rPr>
+              <a:t>Exercise 7 – Resources and St</a:t>
+            </a:r>
+            <a:r>
+              <a:rPr lang="en-US" dirty="0"/>
+              <a:t>yles</a:t>
             </a:r>
           </a:p>
         </p:txBody>
@@ -29019,6 +29121,1733 @@
     <p:extLst>
       <p:ext uri="{BB962C8B-B14F-4D97-AF65-F5344CB8AC3E}">
         <p14:creationId xmlns:p14="http://schemas.microsoft.com/office/powerpoint/2010/main" val="430974822"/>
+      </p:ext>
+    </p:extLst>
+  </p:cSld>
+  <p:clrMapOvr>
+    <a:masterClrMapping/>
+  </p:clrMapOvr>
+</p:sld>
+</file>
+
+<file path=ppt/slides/slide42.xml><?xml version="1.0" encoding="utf-8"?>
+<p:sld xmlns:a="http://schemas.openxmlformats.org/drawingml/2006/main" xmlns:r="http://schemas.openxmlformats.org/officeDocument/2006/relationships" xmlns:p="http://schemas.openxmlformats.org/presentationml/2006/main">
+  <p:cSld>
+    <p:spTree>
+      <p:nvGrpSpPr>
+        <p:cNvPr id="1" name=""/>
+        <p:cNvGrpSpPr/>
+        <p:nvPr/>
+      </p:nvGrpSpPr>
+      <p:grpSpPr>
+        <a:xfrm>
+          <a:off x="0" y="0"/>
+          <a:ext cx="0" cy="0"/>
+          <a:chOff x="0" y="0"/>
+          <a:chExt cx="0" cy="0"/>
+        </a:xfrm>
+      </p:grpSpPr>
+      <p:sp>
+        <p:nvSpPr>
+          <p:cNvPr id="2" name="Title 1">
+            <a:extLst>
+              <a:ext uri="{FF2B5EF4-FFF2-40B4-BE49-F238E27FC236}">
+                <a16:creationId xmlns:a16="http://schemas.microsoft.com/office/drawing/2014/main" id="{63A735CD-ADE2-3A66-13FF-2DCBBFA8F55E}"/>
+              </a:ext>
+            </a:extLst>
+          </p:cNvPr>
+          <p:cNvSpPr>
+            <a:spLocks noGrp="1"/>
+          </p:cNvSpPr>
+          <p:nvPr>
+            <p:ph type="title"/>
+          </p:nvPr>
+        </p:nvSpPr>
+        <p:spPr/>
+        <p:txBody>
+          <a:bodyPr/>
+          <a:lstStyle/>
+          <a:p>
+            <a:r>
+              <a:rPr lang="en-US" dirty="0"/>
+              <a:t>Unit 8 – Control Survey</a:t>
+            </a:r>
+          </a:p>
+        </p:txBody>
+      </p:sp>
+      <p:sp>
+        <p:nvSpPr>
+          <p:cNvPr id="3" name="Content Placeholder 2">
+            <a:extLst>
+              <a:ext uri="{FF2B5EF4-FFF2-40B4-BE49-F238E27FC236}">
+                <a16:creationId xmlns:a16="http://schemas.microsoft.com/office/drawing/2014/main" id="{C7D20E74-8665-F147-FF61-25AED1B89646}"/>
+              </a:ext>
+            </a:extLst>
+          </p:cNvPr>
+          <p:cNvSpPr>
+            <a:spLocks noGrp="1"/>
+          </p:cNvSpPr>
+          <p:nvPr>
+            <p:ph idx="1"/>
+          </p:nvPr>
+        </p:nvSpPr>
+        <p:spPr/>
+        <p:txBody>
+          <a:bodyPr/>
+          <a:lstStyle/>
+          <a:p>
+            <a:r>
+              <a:rPr lang="en-US" dirty="0"/>
+              <a:t>Survey of various WPF controls</a:t>
+            </a:r>
+          </a:p>
+          <a:p>
+            <a:pPr lvl="1"/>
+            <a:r>
+              <a:rPr lang="en-US" dirty="0"/>
+              <a:t>Most of these are fairly typical of other UI frameworks</a:t>
+            </a:r>
+          </a:p>
+          <a:p>
+            <a:r>
+              <a:rPr lang="en-US" dirty="0"/>
+              <a:t>&lt;Button&gt; - click on button to perform action</a:t>
+            </a:r>
+          </a:p>
+          <a:p>
+            <a:endParaRPr lang="en-US" dirty="0"/>
+          </a:p>
+          <a:p>
+            <a:r>
+              <a:rPr lang="en-US" dirty="0"/>
+              <a:t>&lt;</a:t>
+            </a:r>
+            <a:r>
+              <a:rPr lang="en-US" dirty="0" err="1"/>
+              <a:t>CheckBox</a:t>
+            </a:r>
+            <a:r>
+              <a:rPr lang="en-US" dirty="0"/>
+              <a:t>&gt; - allow user to change state</a:t>
+            </a:r>
+          </a:p>
+          <a:p>
+            <a:endParaRPr lang="en-US" dirty="0"/>
+          </a:p>
+          <a:p>
+            <a:r>
+              <a:rPr lang="en-US" dirty="0"/>
+              <a:t>&lt;</a:t>
+            </a:r>
+            <a:r>
+              <a:rPr lang="en-US" dirty="0" err="1"/>
+              <a:t>RadioButton</a:t>
+            </a:r>
+            <a:r>
+              <a:rPr lang="en-US" dirty="0"/>
+              <a:t>&gt; and &lt;</a:t>
+            </a:r>
+            <a:r>
+              <a:rPr lang="en-US" dirty="0" err="1"/>
+              <a:t>GroupBox</a:t>
+            </a:r>
+            <a:r>
+              <a:rPr lang="en-US" dirty="0"/>
+              <a:t>&gt; - select exactly one of a set of options</a:t>
+            </a:r>
+          </a:p>
+          <a:p>
+            <a:endParaRPr lang="en-US" dirty="0"/>
+          </a:p>
+          <a:p>
+            <a:endParaRPr lang="en-US" dirty="0"/>
+          </a:p>
+        </p:txBody>
+      </p:sp>
+      <p:pic>
+        <p:nvPicPr>
+          <p:cNvPr id="5" name="Picture 4">
+            <a:extLst>
+              <a:ext uri="{FF2B5EF4-FFF2-40B4-BE49-F238E27FC236}">
+                <a16:creationId xmlns:a16="http://schemas.microsoft.com/office/drawing/2014/main" id="{6C429D7E-7C47-5BC0-748C-2215E08C7510}"/>
+              </a:ext>
+            </a:extLst>
+          </p:cNvPr>
+          <p:cNvPicPr>
+            <a:picLocks noChangeAspect="1"/>
+          </p:cNvPicPr>
+          <p:nvPr/>
+        </p:nvPicPr>
+        <p:blipFill>
+          <a:blip r:embed="rId2"/>
+          <a:stretch>
+            <a:fillRect/>
+          </a:stretch>
+        </p:blipFill>
+        <p:spPr>
+          <a:xfrm>
+            <a:off x="3182385" y="3355661"/>
+            <a:ext cx="847725" cy="323850"/>
+          </a:xfrm>
+          <a:prstGeom prst="rect">
+            <a:avLst/>
+          </a:prstGeom>
+        </p:spPr>
+      </p:pic>
+      <p:pic>
+        <p:nvPicPr>
+          <p:cNvPr id="7" name="Picture 6">
+            <a:extLst>
+              <a:ext uri="{FF2B5EF4-FFF2-40B4-BE49-F238E27FC236}">
+                <a16:creationId xmlns:a16="http://schemas.microsoft.com/office/drawing/2014/main" id="{205C7B56-9EED-6159-DFBF-DECFEDD834F5}"/>
+              </a:ext>
+            </a:extLst>
+          </p:cNvPr>
+          <p:cNvPicPr>
+            <a:picLocks noChangeAspect="1"/>
+          </p:cNvPicPr>
+          <p:nvPr/>
+        </p:nvPicPr>
+        <p:blipFill>
+          <a:blip r:embed="rId3"/>
+          <a:stretch>
+            <a:fillRect/>
+          </a:stretch>
+        </p:blipFill>
+        <p:spPr>
+          <a:xfrm>
+            <a:off x="3182385" y="4151620"/>
+            <a:ext cx="781050" cy="228600"/>
+          </a:xfrm>
+          <a:prstGeom prst="rect">
+            <a:avLst/>
+          </a:prstGeom>
+        </p:spPr>
+      </p:pic>
+      <p:pic>
+        <p:nvPicPr>
+          <p:cNvPr id="1026" name="Picture 2" descr="Mode &#10;@ Walk &#10;O ">
+            <a:extLst>
+              <a:ext uri="{FF2B5EF4-FFF2-40B4-BE49-F238E27FC236}">
+                <a16:creationId xmlns:a16="http://schemas.microsoft.com/office/drawing/2014/main" id="{240C2C10-E42A-6C73-875F-E7A3AEEC05F3}"/>
+              </a:ext>
+            </a:extLst>
+          </p:cNvPr>
+          <p:cNvPicPr>
+            <a:picLocks noChangeAspect="1" noChangeArrowheads="1"/>
+          </p:cNvPicPr>
+          <p:nvPr/>
+        </p:nvPicPr>
+        <p:blipFill>
+          <a:blip r:embed="rId4">
+            <a:extLst>
+              <a:ext uri="{28A0092B-C50C-407E-A947-70E740481C1C}">
+                <a14:useLocalDpi xmlns:a14="http://schemas.microsoft.com/office/drawing/2010/main" val="0"/>
+              </a:ext>
+            </a:extLst>
+          </a:blip>
+          <a:srcRect/>
+          <a:stretch>
+            <a:fillRect/>
+          </a:stretch>
+        </p:blipFill>
+        <p:spPr bwMode="auto">
+          <a:xfrm>
+            <a:off x="3182385" y="4940990"/>
+            <a:ext cx="1085850" cy="742950"/>
+          </a:xfrm>
+          <a:prstGeom prst="rect">
+            <a:avLst/>
+          </a:prstGeom>
+          <a:noFill/>
+          <a:extLst>
+            <a:ext uri="{909E8E84-426E-40DD-AFC4-6F175D3DCCD1}">
+              <a14:hiddenFill xmlns:a14="http://schemas.microsoft.com/office/drawing/2010/main">
+                <a:solidFill>
+                  <a:srgbClr val="FFFFFF"/>
+                </a:solidFill>
+              </a14:hiddenFill>
+            </a:ext>
+          </a:extLst>
+        </p:spPr>
+      </p:pic>
+    </p:spTree>
+    <p:extLst>
+      <p:ext uri="{BB962C8B-B14F-4D97-AF65-F5344CB8AC3E}">
+        <p14:creationId xmlns:p14="http://schemas.microsoft.com/office/powerpoint/2010/main" val="1024177944"/>
+      </p:ext>
+    </p:extLst>
+  </p:cSld>
+  <p:clrMapOvr>
+    <a:masterClrMapping/>
+  </p:clrMapOvr>
+</p:sld>
+</file>
+
+<file path=ppt/slides/slide43.xml><?xml version="1.0" encoding="utf-8"?>
+<p:sld xmlns:a="http://schemas.openxmlformats.org/drawingml/2006/main" xmlns:r="http://schemas.openxmlformats.org/officeDocument/2006/relationships" xmlns:p="http://schemas.openxmlformats.org/presentationml/2006/main">
+  <p:cSld>
+    <p:spTree>
+      <p:nvGrpSpPr>
+        <p:cNvPr id="1" name=""/>
+        <p:cNvGrpSpPr/>
+        <p:nvPr/>
+      </p:nvGrpSpPr>
+      <p:grpSpPr>
+        <a:xfrm>
+          <a:off x="0" y="0"/>
+          <a:ext cx="0" cy="0"/>
+          <a:chOff x="0" y="0"/>
+          <a:chExt cx="0" cy="0"/>
+        </a:xfrm>
+      </p:grpSpPr>
+      <p:sp>
+        <p:nvSpPr>
+          <p:cNvPr id="2" name="Title 1">
+            <a:extLst>
+              <a:ext uri="{FF2B5EF4-FFF2-40B4-BE49-F238E27FC236}">
+                <a16:creationId xmlns:a16="http://schemas.microsoft.com/office/drawing/2014/main" id="{9C54BF0D-9706-86A7-B647-4A19A2A242C1}"/>
+              </a:ext>
+            </a:extLst>
+          </p:cNvPr>
+          <p:cNvSpPr>
+            <a:spLocks noGrp="1"/>
+          </p:cNvSpPr>
+          <p:nvPr>
+            <p:ph type="title"/>
+          </p:nvPr>
+        </p:nvSpPr>
+        <p:spPr/>
+        <p:txBody>
+          <a:bodyPr/>
+          <a:lstStyle/>
+          <a:p>
+            <a:r>
+              <a:rPr lang="en-US" dirty="0"/>
+              <a:t>Unit 8 – Control Survey</a:t>
+            </a:r>
+          </a:p>
+        </p:txBody>
+      </p:sp>
+      <p:sp>
+        <p:nvSpPr>
+          <p:cNvPr id="3" name="Content Placeholder 2">
+            <a:extLst>
+              <a:ext uri="{FF2B5EF4-FFF2-40B4-BE49-F238E27FC236}">
+                <a16:creationId xmlns:a16="http://schemas.microsoft.com/office/drawing/2014/main" id="{AD2FC855-63DF-B37A-03E5-84F2917D7C92}"/>
+              </a:ext>
+            </a:extLst>
+          </p:cNvPr>
+          <p:cNvSpPr>
+            <a:spLocks noGrp="1"/>
+          </p:cNvSpPr>
+          <p:nvPr>
+            <p:ph idx="1"/>
+          </p:nvPr>
+        </p:nvSpPr>
+        <p:spPr/>
+        <p:txBody>
+          <a:bodyPr/>
+          <a:lstStyle/>
+          <a:p>
+            <a:r>
+              <a:rPr lang="en-US" dirty="0"/>
+              <a:t>&lt;</a:t>
+            </a:r>
+            <a:r>
+              <a:rPr lang="en-US" dirty="0" err="1"/>
+              <a:t>TextBlock</a:t>
+            </a:r>
+            <a:r>
+              <a:rPr lang="en-US" dirty="0"/>
+              <a:t>&gt; and &lt;Label&gt;</a:t>
+            </a:r>
+          </a:p>
+          <a:p>
+            <a:pPr lvl="1"/>
+            <a:r>
+              <a:rPr lang="en-US" dirty="0"/>
+              <a:t>&lt;</a:t>
+            </a:r>
+            <a:r>
+              <a:rPr lang="en-US" dirty="0" err="1"/>
+              <a:t>TextBlock</a:t>
+            </a:r>
+            <a:r>
+              <a:rPr lang="en-US" dirty="0"/>
+              <a:t>&gt; - simple text </a:t>
+            </a:r>
+            <a:r>
+              <a:rPr lang="en-US" dirty="0" err="1"/>
+              <a:t>labe</a:t>
+            </a:r>
+            <a:endParaRPr lang="en-US" dirty="0"/>
+          </a:p>
+          <a:p>
+            <a:pPr lvl="1"/>
+            <a:r>
+              <a:rPr lang="en-US" dirty="0"/>
+              <a:t>&lt;Label&gt; - label that can have more complex content</a:t>
+            </a:r>
+          </a:p>
+          <a:p>
+            <a:r>
+              <a:rPr lang="en-US" dirty="0"/>
+              <a:t>&lt;ToolTip&gt; - Provide info when user hovers over control</a:t>
+            </a:r>
+          </a:p>
+          <a:p>
+            <a:endParaRPr lang="en-US" dirty="0"/>
+          </a:p>
+          <a:p>
+            <a:endParaRPr lang="en-US" dirty="0"/>
+          </a:p>
+          <a:p>
+            <a:r>
+              <a:rPr lang="en-US" dirty="0"/>
+              <a:t>&lt;Expander&gt; - user clicks expander to show/hide child controls</a:t>
+            </a:r>
+          </a:p>
+          <a:p>
+            <a:endParaRPr lang="en-US" dirty="0"/>
+          </a:p>
+        </p:txBody>
+      </p:sp>
+      <p:pic>
+        <p:nvPicPr>
+          <p:cNvPr id="2050" name="Picture 2" descr="This button doesn't do much ">
+            <a:extLst>
+              <a:ext uri="{FF2B5EF4-FFF2-40B4-BE49-F238E27FC236}">
+                <a16:creationId xmlns:a16="http://schemas.microsoft.com/office/drawing/2014/main" id="{236D4F85-54E9-5363-CF1A-7373D8ACF271}"/>
+              </a:ext>
+            </a:extLst>
+          </p:cNvPr>
+          <p:cNvPicPr>
+            <a:picLocks noChangeAspect="1" noChangeArrowheads="1"/>
+          </p:cNvPicPr>
+          <p:nvPr/>
+        </p:nvPicPr>
+        <p:blipFill>
+          <a:blip r:embed="rId2">
+            <a:extLst>
+              <a:ext uri="{28A0092B-C50C-407E-A947-70E740481C1C}">
+                <a14:useLocalDpi xmlns:a14="http://schemas.microsoft.com/office/drawing/2010/main" val="0"/>
+              </a:ext>
+            </a:extLst>
+          </a:blip>
+          <a:srcRect/>
+          <a:stretch>
+            <a:fillRect/>
+          </a:stretch>
+        </p:blipFill>
+        <p:spPr bwMode="auto">
+          <a:xfrm>
+            <a:off x="3102458" y="3674748"/>
+            <a:ext cx="2200275" cy="695325"/>
+          </a:xfrm>
+          <a:prstGeom prst="rect">
+            <a:avLst/>
+          </a:prstGeom>
+          <a:noFill/>
+          <a:extLst>
+            <a:ext uri="{909E8E84-426E-40DD-AFC4-6F175D3DCCD1}">
+              <a14:hiddenFill xmlns:a14="http://schemas.microsoft.com/office/drawing/2010/main">
+                <a:solidFill>
+                  <a:srgbClr val="FFFFFF"/>
+                </a:solidFill>
+              </a14:hiddenFill>
+            </a:ext>
+          </a:extLst>
+        </p:spPr>
+      </p:pic>
+      <p:pic>
+        <p:nvPicPr>
+          <p:cNvPr id="2052" name="Picture 4" descr="Goals &#10;Re3d l]lysses &#10;'v%sit Fiji &#10;Take out Trash ">
+            <a:extLst>
+              <a:ext uri="{FF2B5EF4-FFF2-40B4-BE49-F238E27FC236}">
+                <a16:creationId xmlns:a16="http://schemas.microsoft.com/office/drawing/2014/main" id="{3C1E7A6A-6E9F-A978-E9A1-C772379835AF}"/>
+              </a:ext>
+            </a:extLst>
+          </p:cNvPr>
+          <p:cNvPicPr>
+            <a:picLocks noChangeAspect="1" noChangeArrowheads="1"/>
+          </p:cNvPicPr>
+          <p:nvPr/>
+        </p:nvPicPr>
+        <p:blipFill>
+          <a:blip r:embed="rId3">
+            <a:extLst>
+              <a:ext uri="{28A0092B-C50C-407E-A947-70E740481C1C}">
+                <a14:useLocalDpi xmlns:a14="http://schemas.microsoft.com/office/drawing/2010/main" val="0"/>
+              </a:ext>
+            </a:extLst>
+          </a:blip>
+          <a:srcRect/>
+          <a:stretch>
+            <a:fillRect/>
+          </a:stretch>
+        </p:blipFill>
+        <p:spPr bwMode="auto">
+          <a:xfrm>
+            <a:off x="3102458" y="4919870"/>
+            <a:ext cx="1304925" cy="914400"/>
+          </a:xfrm>
+          <a:prstGeom prst="rect">
+            <a:avLst/>
+          </a:prstGeom>
+          <a:noFill/>
+          <a:extLst>
+            <a:ext uri="{909E8E84-426E-40DD-AFC4-6F175D3DCCD1}">
+              <a14:hiddenFill xmlns:a14="http://schemas.microsoft.com/office/drawing/2010/main">
+                <a:solidFill>
+                  <a:srgbClr val="FFFFFF"/>
+                </a:solidFill>
+              </a14:hiddenFill>
+            </a:ext>
+          </a:extLst>
+        </p:spPr>
+      </p:pic>
+    </p:spTree>
+    <p:extLst>
+      <p:ext uri="{BB962C8B-B14F-4D97-AF65-F5344CB8AC3E}">
+        <p14:creationId xmlns:p14="http://schemas.microsoft.com/office/powerpoint/2010/main" val="2253617249"/>
+      </p:ext>
+    </p:extLst>
+  </p:cSld>
+  <p:clrMapOvr>
+    <a:masterClrMapping/>
+  </p:clrMapOvr>
+</p:sld>
+</file>
+
+<file path=ppt/slides/slide44.xml><?xml version="1.0" encoding="utf-8"?>
+<p:sld xmlns:a="http://schemas.openxmlformats.org/drawingml/2006/main" xmlns:r="http://schemas.openxmlformats.org/officeDocument/2006/relationships" xmlns:p="http://schemas.openxmlformats.org/presentationml/2006/main">
+  <p:cSld>
+    <p:spTree>
+      <p:nvGrpSpPr>
+        <p:cNvPr id="1" name=""/>
+        <p:cNvGrpSpPr/>
+        <p:nvPr/>
+      </p:nvGrpSpPr>
+      <p:grpSpPr>
+        <a:xfrm>
+          <a:off x="0" y="0"/>
+          <a:ext cx="0" cy="0"/>
+          <a:chOff x="0" y="0"/>
+          <a:chExt cx="0" cy="0"/>
+        </a:xfrm>
+      </p:grpSpPr>
+      <p:sp>
+        <p:nvSpPr>
+          <p:cNvPr id="2" name="Title 1">
+            <a:extLst>
+              <a:ext uri="{FF2B5EF4-FFF2-40B4-BE49-F238E27FC236}">
+                <a16:creationId xmlns:a16="http://schemas.microsoft.com/office/drawing/2014/main" id="{8F0F374B-CB3D-BE95-6BF6-CF469CCAFB5E}"/>
+              </a:ext>
+            </a:extLst>
+          </p:cNvPr>
+          <p:cNvSpPr>
+            <a:spLocks noGrp="1"/>
+          </p:cNvSpPr>
+          <p:nvPr>
+            <p:ph type="title"/>
+          </p:nvPr>
+        </p:nvSpPr>
+        <p:spPr/>
+        <p:txBody>
+          <a:bodyPr/>
+          <a:lstStyle/>
+          <a:p>
+            <a:r>
+              <a:rPr lang="en-US" dirty="0"/>
+              <a:t>Unit 8 – Control Survey</a:t>
+            </a:r>
+          </a:p>
+        </p:txBody>
+      </p:sp>
+      <p:sp>
+        <p:nvSpPr>
+          <p:cNvPr id="3" name="Content Placeholder 2">
+            <a:extLst>
+              <a:ext uri="{FF2B5EF4-FFF2-40B4-BE49-F238E27FC236}">
+                <a16:creationId xmlns:a16="http://schemas.microsoft.com/office/drawing/2014/main" id="{AF4FAF27-2126-A65D-C135-6392E256BAB5}"/>
+              </a:ext>
+            </a:extLst>
+          </p:cNvPr>
+          <p:cNvSpPr>
+            <a:spLocks noGrp="1"/>
+          </p:cNvSpPr>
+          <p:nvPr>
+            <p:ph idx="1"/>
+          </p:nvPr>
+        </p:nvSpPr>
+        <p:spPr>
+          <a:xfrm>
+            <a:off x="2592925" y="2123660"/>
+            <a:ext cx="8915400" cy="3777622"/>
+          </a:xfrm>
+        </p:spPr>
+        <p:txBody>
+          <a:bodyPr/>
+          <a:lstStyle/>
+          <a:p>
+            <a:r>
+              <a:rPr lang="en-US" dirty="0"/>
+              <a:t>&lt;</a:t>
+            </a:r>
+            <a:r>
+              <a:rPr lang="en-US" dirty="0" err="1"/>
+              <a:t>ComboBox</a:t>
+            </a:r>
+            <a:r>
+              <a:rPr lang="en-US" dirty="0"/>
+              <a:t>&gt; - select one item from dropdown list</a:t>
+            </a:r>
+          </a:p>
+          <a:p>
+            <a:endParaRPr lang="en-US" dirty="0"/>
+          </a:p>
+          <a:p>
+            <a:endParaRPr lang="en-US" dirty="0"/>
+          </a:p>
+          <a:p>
+            <a:r>
+              <a:rPr lang="en-US" dirty="0"/>
+              <a:t>&lt;</a:t>
+            </a:r>
+            <a:r>
+              <a:rPr lang="en-US" dirty="0" err="1"/>
+              <a:t>ListBox</a:t>
+            </a:r>
+            <a:r>
+              <a:rPr lang="en-US" dirty="0"/>
+              <a:t>&gt; - select one or more items from a list, w/optional scrollbar</a:t>
+            </a:r>
+          </a:p>
+          <a:p>
+            <a:endParaRPr lang="en-US" dirty="0"/>
+          </a:p>
+          <a:p>
+            <a:endParaRPr lang="en-US" dirty="0"/>
+          </a:p>
+          <a:p>
+            <a:r>
+              <a:rPr lang="en-US" dirty="0"/>
+              <a:t>&lt;</a:t>
+            </a:r>
+            <a:r>
+              <a:rPr lang="en-US" dirty="0" err="1"/>
+              <a:t>ListView</a:t>
+            </a:r>
+            <a:r>
+              <a:rPr lang="en-US" dirty="0"/>
+              <a:t>&gt; - list items with properties, support different views (like File Explorer</a:t>
+            </a:r>
+          </a:p>
+          <a:p>
+            <a:endParaRPr lang="en-US" dirty="0"/>
+          </a:p>
+        </p:txBody>
+      </p:sp>
+      <p:pic>
+        <p:nvPicPr>
+          <p:cNvPr id="3074" name="Picture 2" descr="uaua•L &#10;sa6 ">
+            <a:extLst>
+              <a:ext uri="{FF2B5EF4-FFF2-40B4-BE49-F238E27FC236}">
+                <a16:creationId xmlns:a16="http://schemas.microsoft.com/office/drawing/2014/main" id="{889B7CDD-62DB-3881-6ABB-51DEEC76B6AD}"/>
+              </a:ext>
+            </a:extLst>
+          </p:cNvPr>
+          <p:cNvPicPr>
+            <a:picLocks noChangeAspect="1" noChangeArrowheads="1"/>
+          </p:cNvPicPr>
+          <p:nvPr/>
+        </p:nvPicPr>
+        <p:blipFill>
+          <a:blip r:embed="rId2">
+            <a:extLst>
+              <a:ext uri="{28A0092B-C50C-407E-A947-70E740481C1C}">
+                <a14:useLocalDpi xmlns:a14="http://schemas.microsoft.com/office/drawing/2010/main" val="0"/>
+              </a:ext>
+            </a:extLst>
+          </a:blip>
+          <a:srcRect/>
+          <a:stretch>
+            <a:fillRect/>
+          </a:stretch>
+        </p:blipFill>
+        <p:spPr bwMode="auto">
+          <a:xfrm>
+            <a:off x="2996855" y="2497829"/>
+            <a:ext cx="1228725" cy="828675"/>
+          </a:xfrm>
+          <a:prstGeom prst="rect">
+            <a:avLst/>
+          </a:prstGeom>
+          <a:noFill/>
+          <a:extLst>
+            <a:ext uri="{909E8E84-426E-40DD-AFC4-6F175D3DCCD1}">
+              <a14:hiddenFill xmlns:a14="http://schemas.microsoft.com/office/drawing/2010/main">
+                <a:solidFill>
+                  <a:srgbClr val="FFFFFF"/>
+                </a:solidFill>
+              </a14:hiddenFill>
+            </a:ext>
+          </a:extLst>
+        </p:spPr>
+      </p:pic>
+      <p:pic>
+        <p:nvPicPr>
+          <p:cNvPr id="3076" name="Picture 4" descr="F ries ">
+            <a:extLst>
+              <a:ext uri="{FF2B5EF4-FFF2-40B4-BE49-F238E27FC236}">
+                <a16:creationId xmlns:a16="http://schemas.microsoft.com/office/drawing/2014/main" id="{7AEBBB4D-6C56-E694-F731-902B44D8ECF3}"/>
+              </a:ext>
+            </a:extLst>
+          </p:cNvPr>
+          <p:cNvPicPr>
+            <a:picLocks noChangeAspect="1" noChangeArrowheads="1"/>
+          </p:cNvPicPr>
+          <p:nvPr/>
+        </p:nvPicPr>
+        <p:blipFill>
+          <a:blip r:embed="rId3">
+            <a:extLst>
+              <a:ext uri="{28A0092B-C50C-407E-A947-70E740481C1C}">
+                <a14:useLocalDpi xmlns:a14="http://schemas.microsoft.com/office/drawing/2010/main" val="0"/>
+              </a:ext>
+            </a:extLst>
+          </a:blip>
+          <a:srcRect/>
+          <a:stretch>
+            <a:fillRect/>
+          </a:stretch>
+        </p:blipFill>
+        <p:spPr bwMode="auto">
+          <a:xfrm>
+            <a:off x="3060218" y="3700673"/>
+            <a:ext cx="942975" cy="800100"/>
+          </a:xfrm>
+          <a:prstGeom prst="rect">
+            <a:avLst/>
+          </a:prstGeom>
+          <a:noFill/>
+          <a:extLst>
+            <a:ext uri="{909E8E84-426E-40DD-AFC4-6F175D3DCCD1}">
+              <a14:hiddenFill xmlns:a14="http://schemas.microsoft.com/office/drawing/2010/main">
+                <a:solidFill>
+                  <a:srgbClr val="FFFFFF"/>
+                </a:solidFill>
+              </a14:hiddenFill>
+            </a:ext>
+          </a:extLst>
+        </p:spPr>
+      </p:pic>
+      <p:pic>
+        <p:nvPicPr>
+          <p:cNvPr id="3078" name="Picture 6" descr="Temer &#10;Border Collie &#10;Retriever &#10;Name &#10;Kirby &#10;Gus &#10;Color &#10;Mixed &#10;Black &#10;Golden ">
+            <a:extLst>
+              <a:ext uri="{FF2B5EF4-FFF2-40B4-BE49-F238E27FC236}">
+                <a16:creationId xmlns:a16="http://schemas.microsoft.com/office/drawing/2014/main" id="{E4907781-BAAA-1341-89C3-A9C3BA5EFF8D}"/>
+              </a:ext>
+            </a:extLst>
+          </p:cNvPr>
+          <p:cNvPicPr>
+            <a:picLocks noChangeAspect="1" noChangeArrowheads="1"/>
+          </p:cNvPicPr>
+          <p:nvPr/>
+        </p:nvPicPr>
+        <p:blipFill>
+          <a:blip r:embed="rId4">
+            <a:extLst>
+              <a:ext uri="{28A0092B-C50C-407E-A947-70E740481C1C}">
+                <a14:useLocalDpi xmlns:a14="http://schemas.microsoft.com/office/drawing/2010/main" val="0"/>
+              </a:ext>
+            </a:extLst>
+          </a:blip>
+          <a:srcRect/>
+          <a:stretch>
+            <a:fillRect/>
+          </a:stretch>
+        </p:blipFill>
+        <p:spPr bwMode="auto">
+          <a:xfrm>
+            <a:off x="2996855" y="5246751"/>
+            <a:ext cx="2466975" cy="1028700"/>
+          </a:xfrm>
+          <a:prstGeom prst="rect">
+            <a:avLst/>
+          </a:prstGeom>
+          <a:noFill/>
+          <a:extLst>
+            <a:ext uri="{909E8E84-426E-40DD-AFC4-6F175D3DCCD1}">
+              <a14:hiddenFill xmlns:a14="http://schemas.microsoft.com/office/drawing/2010/main">
+                <a:solidFill>
+                  <a:srgbClr val="FFFFFF"/>
+                </a:solidFill>
+              </a14:hiddenFill>
+            </a:ext>
+          </a:extLst>
+        </p:spPr>
+      </p:pic>
+    </p:spTree>
+    <p:extLst>
+      <p:ext uri="{BB962C8B-B14F-4D97-AF65-F5344CB8AC3E}">
+        <p14:creationId xmlns:p14="http://schemas.microsoft.com/office/powerpoint/2010/main" val="1077241885"/>
+      </p:ext>
+    </p:extLst>
+  </p:cSld>
+  <p:clrMapOvr>
+    <a:masterClrMapping/>
+  </p:clrMapOvr>
+</p:sld>
+</file>
+
+<file path=ppt/slides/slide45.xml><?xml version="1.0" encoding="utf-8"?>
+<p:sld xmlns:a="http://schemas.openxmlformats.org/drawingml/2006/main" xmlns:r="http://schemas.openxmlformats.org/officeDocument/2006/relationships" xmlns:p="http://schemas.openxmlformats.org/presentationml/2006/main">
+  <p:cSld>
+    <p:spTree>
+      <p:nvGrpSpPr>
+        <p:cNvPr id="1" name=""/>
+        <p:cNvGrpSpPr/>
+        <p:nvPr/>
+      </p:nvGrpSpPr>
+      <p:grpSpPr>
+        <a:xfrm>
+          <a:off x="0" y="0"/>
+          <a:ext cx="0" cy="0"/>
+          <a:chOff x="0" y="0"/>
+          <a:chExt cx="0" cy="0"/>
+        </a:xfrm>
+      </p:grpSpPr>
+      <p:sp>
+        <p:nvSpPr>
+          <p:cNvPr id="2" name="Title 1">
+            <a:extLst>
+              <a:ext uri="{FF2B5EF4-FFF2-40B4-BE49-F238E27FC236}">
+                <a16:creationId xmlns:a16="http://schemas.microsoft.com/office/drawing/2014/main" id="{AD30007B-6995-FF5C-A9F4-0DD2264F7D42}"/>
+              </a:ext>
+            </a:extLst>
+          </p:cNvPr>
+          <p:cNvSpPr>
+            <a:spLocks noGrp="1"/>
+          </p:cNvSpPr>
+          <p:nvPr>
+            <p:ph type="title"/>
+          </p:nvPr>
+        </p:nvSpPr>
+        <p:spPr>
+          <a:xfrm>
+            <a:off x="2592925" y="609823"/>
+            <a:ext cx="8911687" cy="1280890"/>
+          </a:xfrm>
+        </p:spPr>
+        <p:txBody>
+          <a:bodyPr/>
+          <a:lstStyle/>
+          <a:p>
+            <a:r>
+              <a:rPr lang="en-US" dirty="0"/>
+              <a:t>Unit 8 – Control Survey</a:t>
+            </a:r>
+          </a:p>
+        </p:txBody>
+      </p:sp>
+      <p:sp>
+        <p:nvSpPr>
+          <p:cNvPr id="3" name="Content Placeholder 2">
+            <a:extLst>
+              <a:ext uri="{FF2B5EF4-FFF2-40B4-BE49-F238E27FC236}">
+                <a16:creationId xmlns:a16="http://schemas.microsoft.com/office/drawing/2014/main" id="{D1E4A412-F8C1-B272-DA07-E8D024D017C2}"/>
+              </a:ext>
+            </a:extLst>
+          </p:cNvPr>
+          <p:cNvSpPr>
+            <a:spLocks noGrp="1"/>
+          </p:cNvSpPr>
+          <p:nvPr>
+            <p:ph idx="1"/>
+          </p:nvPr>
+        </p:nvSpPr>
+        <p:spPr/>
+        <p:txBody>
+          <a:bodyPr/>
+          <a:lstStyle/>
+          <a:p>
+            <a:r>
+              <a:rPr lang="en-US" dirty="0"/>
+              <a:t>&lt;</a:t>
+            </a:r>
+            <a:r>
+              <a:rPr lang="en-US" dirty="0" err="1"/>
+              <a:t>TabControl</a:t>
+            </a:r>
+            <a:r>
+              <a:rPr lang="en-US" dirty="0"/>
+              <a:t>&gt; - each tab contains collection of controls</a:t>
+            </a:r>
+          </a:p>
+          <a:p>
+            <a:endParaRPr lang="en-US" dirty="0"/>
+          </a:p>
+          <a:p>
+            <a:endParaRPr lang="en-US" dirty="0"/>
+          </a:p>
+          <a:p>
+            <a:endParaRPr lang="en-US" dirty="0"/>
+          </a:p>
+          <a:p>
+            <a:r>
+              <a:rPr lang="en-US" dirty="0"/>
+              <a:t>	&lt;DataGrid&gt; - grid of data items, typically bound to collection of objects</a:t>
+            </a:r>
+            <a:br>
+              <a:rPr lang="en-US" dirty="0"/>
+            </a:br>
+            <a:endParaRPr lang="en-US" dirty="0"/>
+          </a:p>
+        </p:txBody>
+      </p:sp>
+      <p:pic>
+        <p:nvPicPr>
+          <p:cNvPr id="4098" name="Picture 2" descr="Friends Photos V' &#10;Content goes here„ ">
+            <a:extLst>
+              <a:ext uri="{FF2B5EF4-FFF2-40B4-BE49-F238E27FC236}">
+                <a16:creationId xmlns:a16="http://schemas.microsoft.com/office/drawing/2014/main" id="{DE64CDC5-B8B3-6874-2CF4-9FAA113591A1}"/>
+              </a:ext>
+            </a:extLst>
+          </p:cNvPr>
+          <p:cNvPicPr>
+            <a:picLocks noChangeAspect="1" noChangeArrowheads="1"/>
+          </p:cNvPicPr>
+          <p:nvPr/>
+        </p:nvPicPr>
+        <p:blipFill>
+          <a:blip r:embed="rId3">
+            <a:extLst>
+              <a:ext uri="{28A0092B-C50C-407E-A947-70E740481C1C}">
+                <a14:useLocalDpi xmlns:a14="http://schemas.microsoft.com/office/drawing/2010/main" val="0"/>
+              </a:ext>
+            </a:extLst>
+          </a:blip>
+          <a:srcRect/>
+          <a:stretch>
+            <a:fillRect/>
+          </a:stretch>
+        </p:blipFill>
+        <p:spPr bwMode="auto">
+          <a:xfrm>
+            <a:off x="2992093" y="2528888"/>
+            <a:ext cx="1924050" cy="1114425"/>
+          </a:xfrm>
+          <a:prstGeom prst="rect">
+            <a:avLst/>
+          </a:prstGeom>
+          <a:noFill/>
+          <a:extLst>
+            <a:ext uri="{909E8E84-426E-40DD-AFC4-6F175D3DCCD1}">
+              <a14:hiddenFill xmlns:a14="http://schemas.microsoft.com/office/drawing/2010/main">
+                <a:solidFill>
+                  <a:srgbClr val="FFFFFF"/>
+                </a:solidFill>
+              </a14:hiddenFill>
+            </a:ext>
+          </a:extLst>
+        </p:spPr>
+      </p:pic>
+      <p:pic>
+        <p:nvPicPr>
+          <p:cNvPr id="4100" name="Picture 4" descr="Temer &#10;Name &#10;Jack &#10;Border Collie Kirby &#10;Retriever Gus &#10;Color &#10;Mixed &#10;alack &#10;Golden ">
+            <a:extLst>
+              <a:ext uri="{FF2B5EF4-FFF2-40B4-BE49-F238E27FC236}">
+                <a16:creationId xmlns:a16="http://schemas.microsoft.com/office/drawing/2014/main" id="{1427A160-717E-9A82-82EB-FC498F0E94F2}"/>
+              </a:ext>
+            </a:extLst>
+          </p:cNvPr>
+          <p:cNvPicPr>
+            <a:picLocks noChangeAspect="1" noChangeArrowheads="1"/>
+          </p:cNvPicPr>
+          <p:nvPr/>
+        </p:nvPicPr>
+        <p:blipFill>
+          <a:blip r:embed="rId4">
+            <a:extLst>
+              <a:ext uri="{28A0092B-C50C-407E-A947-70E740481C1C}">
+                <a14:useLocalDpi xmlns:a14="http://schemas.microsoft.com/office/drawing/2010/main" val="0"/>
+              </a:ext>
+            </a:extLst>
+          </a:blip>
+          <a:srcRect/>
+          <a:stretch>
+            <a:fillRect/>
+          </a:stretch>
+        </p:blipFill>
+        <p:spPr bwMode="auto">
+          <a:xfrm>
+            <a:off x="3099352" y="4134678"/>
+            <a:ext cx="2514600" cy="914400"/>
+          </a:xfrm>
+          <a:prstGeom prst="rect">
+            <a:avLst/>
+          </a:prstGeom>
+          <a:noFill/>
+          <a:extLst>
+            <a:ext uri="{909E8E84-426E-40DD-AFC4-6F175D3DCCD1}">
+              <a14:hiddenFill xmlns:a14="http://schemas.microsoft.com/office/drawing/2010/main">
+                <a:solidFill>
+                  <a:srgbClr val="FFFFFF"/>
+                </a:solidFill>
+              </a14:hiddenFill>
+            </a:ext>
+          </a:extLst>
+        </p:spPr>
+      </p:pic>
+    </p:spTree>
+    <p:extLst>
+      <p:ext uri="{BB962C8B-B14F-4D97-AF65-F5344CB8AC3E}">
+        <p14:creationId xmlns:p14="http://schemas.microsoft.com/office/powerpoint/2010/main" val="1286498036"/>
+      </p:ext>
+    </p:extLst>
+  </p:cSld>
+  <p:clrMapOvr>
+    <a:masterClrMapping/>
+  </p:clrMapOvr>
+</p:sld>
+</file>
+
+<file path=ppt/slides/slide46.xml><?xml version="1.0" encoding="utf-8"?>
+<p:sld xmlns:a="http://schemas.openxmlformats.org/drawingml/2006/main" xmlns:r="http://schemas.openxmlformats.org/officeDocument/2006/relationships" xmlns:p="http://schemas.openxmlformats.org/presentationml/2006/main">
+  <p:cSld>
+    <p:spTree>
+      <p:nvGrpSpPr>
+        <p:cNvPr id="1" name=""/>
+        <p:cNvGrpSpPr/>
+        <p:nvPr/>
+      </p:nvGrpSpPr>
+      <p:grpSpPr>
+        <a:xfrm>
+          <a:off x="0" y="0"/>
+          <a:ext cx="0" cy="0"/>
+          <a:chOff x="0" y="0"/>
+          <a:chExt cx="0" cy="0"/>
+        </a:xfrm>
+      </p:grpSpPr>
+      <p:sp>
+        <p:nvSpPr>
+          <p:cNvPr id="2" name="Title 1">
+            <a:extLst>
+              <a:ext uri="{FF2B5EF4-FFF2-40B4-BE49-F238E27FC236}">
+                <a16:creationId xmlns:a16="http://schemas.microsoft.com/office/drawing/2014/main" id="{80F61E4D-2212-1127-3871-C281B5193472}"/>
+              </a:ext>
+            </a:extLst>
+          </p:cNvPr>
+          <p:cNvSpPr>
+            <a:spLocks noGrp="1"/>
+          </p:cNvSpPr>
+          <p:nvPr>
+            <p:ph type="title"/>
+          </p:nvPr>
+        </p:nvSpPr>
+        <p:spPr/>
+        <p:txBody>
+          <a:bodyPr/>
+          <a:lstStyle/>
+          <a:p>
+            <a:r>
+              <a:rPr lang="en-US" dirty="0"/>
+              <a:t>Unit 8 – Control Survey</a:t>
+            </a:r>
+          </a:p>
+        </p:txBody>
+      </p:sp>
+      <p:sp>
+        <p:nvSpPr>
+          <p:cNvPr id="3" name="Content Placeholder 2">
+            <a:extLst>
+              <a:ext uri="{FF2B5EF4-FFF2-40B4-BE49-F238E27FC236}">
+                <a16:creationId xmlns:a16="http://schemas.microsoft.com/office/drawing/2014/main" id="{0750F6A6-3C95-ACF2-E6BD-77B895FB4B46}"/>
+              </a:ext>
+            </a:extLst>
+          </p:cNvPr>
+          <p:cNvSpPr>
+            <a:spLocks noGrp="1"/>
+          </p:cNvSpPr>
+          <p:nvPr>
+            <p:ph idx="1"/>
+          </p:nvPr>
+        </p:nvSpPr>
+        <p:spPr/>
+        <p:txBody>
+          <a:bodyPr/>
+          <a:lstStyle/>
+          <a:p>
+            <a:r>
+              <a:rPr lang="en-US" dirty="0"/>
+              <a:t>&lt;</a:t>
+            </a:r>
+            <a:r>
+              <a:rPr lang="en-US" dirty="0" err="1"/>
+              <a:t>TreeView</a:t>
+            </a:r>
+            <a:r>
+              <a:rPr lang="en-US" dirty="0"/>
+              <a:t>&gt; - hierarchical tree, with expandable nodes</a:t>
+            </a:r>
+          </a:p>
+          <a:p>
+            <a:endParaRPr lang="en-US" dirty="0"/>
+          </a:p>
+          <a:p>
+            <a:endParaRPr lang="en-US" dirty="0"/>
+          </a:p>
+          <a:p>
+            <a:endParaRPr lang="en-US" dirty="0"/>
+          </a:p>
+          <a:p>
+            <a:endParaRPr lang="en-US" dirty="0"/>
+          </a:p>
+          <a:p>
+            <a:r>
+              <a:rPr lang="en-US" dirty="0"/>
+              <a:t>&lt;</a:t>
+            </a:r>
+            <a:r>
+              <a:rPr lang="en-US" dirty="0" err="1"/>
+              <a:t>TextBox</a:t>
+            </a:r>
+            <a:r>
+              <a:rPr lang="en-US" dirty="0"/>
+              <a:t>&gt; - editable text</a:t>
+            </a:r>
+          </a:p>
+          <a:p>
+            <a:endParaRPr lang="en-US" dirty="0"/>
+          </a:p>
+          <a:p>
+            <a:endParaRPr lang="en-US" dirty="0"/>
+          </a:p>
+        </p:txBody>
+      </p:sp>
+      <p:pic>
+        <p:nvPicPr>
+          <p:cNvPr id="5122" name="Picture 2" descr="Authors &#10;Hemingway ">
+            <a:extLst>
+              <a:ext uri="{FF2B5EF4-FFF2-40B4-BE49-F238E27FC236}">
+                <a16:creationId xmlns:a16="http://schemas.microsoft.com/office/drawing/2014/main" id="{43DEDD0A-2234-6312-F7D2-D952654F8674}"/>
+              </a:ext>
+            </a:extLst>
+          </p:cNvPr>
+          <p:cNvPicPr>
+            <a:picLocks noChangeAspect="1" noChangeArrowheads="1"/>
+          </p:cNvPicPr>
+          <p:nvPr/>
+        </p:nvPicPr>
+        <p:blipFill>
+          <a:blip r:embed="rId2">
+            <a:extLst>
+              <a:ext uri="{28A0092B-C50C-407E-A947-70E740481C1C}">
+                <a14:useLocalDpi xmlns:a14="http://schemas.microsoft.com/office/drawing/2010/main" val="0"/>
+              </a:ext>
+            </a:extLst>
+          </a:blip>
+          <a:srcRect/>
+          <a:stretch>
+            <a:fillRect/>
+          </a:stretch>
+        </p:blipFill>
+        <p:spPr bwMode="auto">
+          <a:xfrm>
+            <a:off x="3111776" y="2552494"/>
+            <a:ext cx="1257300" cy="1514475"/>
+          </a:xfrm>
+          <a:prstGeom prst="rect">
+            <a:avLst/>
+          </a:prstGeom>
+          <a:noFill/>
+          <a:extLst>
+            <a:ext uri="{909E8E84-426E-40DD-AFC4-6F175D3DCCD1}">
+              <a14:hiddenFill xmlns:a14="http://schemas.microsoft.com/office/drawing/2010/main">
+                <a:solidFill>
+                  <a:srgbClr val="FFFFFF"/>
+                </a:solidFill>
+              </a14:hiddenFill>
+            </a:ext>
+          </a:extLst>
+        </p:spPr>
+      </p:pic>
+      <p:pic>
+        <p:nvPicPr>
+          <p:cNvPr id="5124" name="Picture 4" descr="Call me &#10;years ago--never mind &#10;how long precisely-having &#10;little or no money in my &#10;purse, and nothing &#10;particular to interest me on ">
+            <a:extLst>
+              <a:ext uri="{FF2B5EF4-FFF2-40B4-BE49-F238E27FC236}">
+                <a16:creationId xmlns:a16="http://schemas.microsoft.com/office/drawing/2014/main" id="{3BE3D156-1C2A-AD42-F4BD-0CBDDB18B0BD}"/>
+              </a:ext>
+            </a:extLst>
+          </p:cNvPr>
+          <p:cNvPicPr>
+            <a:picLocks noChangeAspect="1" noChangeArrowheads="1"/>
+          </p:cNvPicPr>
+          <p:nvPr/>
+        </p:nvPicPr>
+        <p:blipFill>
+          <a:blip r:embed="rId3">
+            <a:extLst>
+              <a:ext uri="{28A0092B-C50C-407E-A947-70E740481C1C}">
+                <a14:useLocalDpi xmlns:a14="http://schemas.microsoft.com/office/drawing/2010/main" val="0"/>
+              </a:ext>
+            </a:extLst>
+          </a:blip>
+          <a:srcRect/>
+          <a:stretch>
+            <a:fillRect/>
+          </a:stretch>
+        </p:blipFill>
+        <p:spPr bwMode="auto">
+          <a:xfrm>
+            <a:off x="3111776" y="4630185"/>
+            <a:ext cx="1571625" cy="1076325"/>
+          </a:xfrm>
+          <a:prstGeom prst="rect">
+            <a:avLst/>
+          </a:prstGeom>
+          <a:noFill/>
+          <a:extLst>
+            <a:ext uri="{909E8E84-426E-40DD-AFC4-6F175D3DCCD1}">
+              <a14:hiddenFill xmlns:a14="http://schemas.microsoft.com/office/drawing/2010/main">
+                <a:solidFill>
+                  <a:srgbClr val="FFFFFF"/>
+                </a:solidFill>
+              </a14:hiddenFill>
+            </a:ext>
+          </a:extLst>
+        </p:spPr>
+      </p:pic>
+    </p:spTree>
+    <p:extLst>
+      <p:ext uri="{BB962C8B-B14F-4D97-AF65-F5344CB8AC3E}">
+        <p14:creationId xmlns:p14="http://schemas.microsoft.com/office/powerpoint/2010/main" val="4159636948"/>
+      </p:ext>
+    </p:extLst>
+  </p:cSld>
+  <p:clrMapOvr>
+    <a:masterClrMapping/>
+  </p:clrMapOvr>
+</p:sld>
+</file>
+
+<file path=ppt/slides/slide47.xml><?xml version="1.0" encoding="utf-8"?>
+<p:sld xmlns:a="http://schemas.openxmlformats.org/drawingml/2006/main" xmlns:r="http://schemas.openxmlformats.org/officeDocument/2006/relationships" xmlns:p="http://schemas.openxmlformats.org/presentationml/2006/main">
+  <p:cSld>
+    <p:spTree>
+      <p:nvGrpSpPr>
+        <p:cNvPr id="1" name=""/>
+        <p:cNvGrpSpPr/>
+        <p:nvPr/>
+      </p:nvGrpSpPr>
+      <p:grpSpPr>
+        <a:xfrm>
+          <a:off x="0" y="0"/>
+          <a:ext cx="0" cy="0"/>
+          <a:chOff x="0" y="0"/>
+          <a:chExt cx="0" cy="0"/>
+        </a:xfrm>
+      </p:grpSpPr>
+      <p:sp>
+        <p:nvSpPr>
+          <p:cNvPr id="2" name="Title 1">
+            <a:extLst>
+              <a:ext uri="{FF2B5EF4-FFF2-40B4-BE49-F238E27FC236}">
+                <a16:creationId xmlns:a16="http://schemas.microsoft.com/office/drawing/2014/main" id="{D8943537-A737-BFED-5D55-27CB94DAA6DF}"/>
+              </a:ext>
+            </a:extLst>
+          </p:cNvPr>
+          <p:cNvSpPr>
+            <a:spLocks noGrp="1"/>
+          </p:cNvSpPr>
+          <p:nvPr>
+            <p:ph type="title"/>
+          </p:nvPr>
+        </p:nvSpPr>
+        <p:spPr/>
+        <p:txBody>
+          <a:bodyPr/>
+          <a:lstStyle/>
+          <a:p>
+            <a:r>
+              <a:rPr lang="en-US" dirty="0"/>
+              <a:t>Unit 8 – Control Survey</a:t>
+            </a:r>
+          </a:p>
+        </p:txBody>
+      </p:sp>
+      <p:sp>
+        <p:nvSpPr>
+          <p:cNvPr id="3" name="Content Placeholder 2">
+            <a:extLst>
+              <a:ext uri="{FF2B5EF4-FFF2-40B4-BE49-F238E27FC236}">
+                <a16:creationId xmlns:a16="http://schemas.microsoft.com/office/drawing/2014/main" id="{CD720548-BBD2-464F-398F-AE48D86B1EF9}"/>
+              </a:ext>
+            </a:extLst>
+          </p:cNvPr>
+          <p:cNvSpPr>
+            <a:spLocks noGrp="1"/>
+          </p:cNvSpPr>
+          <p:nvPr>
+            <p:ph idx="1"/>
+          </p:nvPr>
+        </p:nvSpPr>
+        <p:spPr>
+          <a:xfrm>
+            <a:off x="2589212" y="2128630"/>
+            <a:ext cx="8915400" cy="3777622"/>
+          </a:xfrm>
+        </p:spPr>
+        <p:txBody>
+          <a:bodyPr/>
+          <a:lstStyle/>
+          <a:p>
+            <a:r>
+              <a:rPr lang="en-US" dirty="0"/>
+              <a:t>&lt;Slider&gt; - Slide to set different values</a:t>
+            </a:r>
+          </a:p>
+          <a:p>
+            <a:endParaRPr lang="en-US" dirty="0"/>
+          </a:p>
+          <a:p>
+            <a:r>
+              <a:rPr lang="en-US" dirty="0"/>
+              <a:t>&lt;</a:t>
+            </a:r>
+            <a:r>
+              <a:rPr lang="en-US" dirty="0" err="1"/>
+              <a:t>ProgressBar</a:t>
+            </a:r>
+            <a:r>
+              <a:rPr lang="en-US" dirty="0"/>
+              <a:t>&gt; - show progress, determine or indeterminate</a:t>
+            </a:r>
+          </a:p>
+          <a:p>
+            <a:endParaRPr lang="en-US" dirty="0"/>
+          </a:p>
+          <a:p>
+            <a:endParaRPr lang="en-US" dirty="0"/>
+          </a:p>
+          <a:p>
+            <a:r>
+              <a:rPr lang="en-US" dirty="0"/>
+              <a:t>&lt;</a:t>
+            </a:r>
+            <a:r>
+              <a:rPr lang="en-US" dirty="0" err="1"/>
+              <a:t>DatePicker</a:t>
+            </a:r>
+            <a:r>
+              <a:rPr lang="en-US" dirty="0"/>
+              <a:t>&gt; - select a date</a:t>
+            </a:r>
+          </a:p>
+          <a:p>
+            <a:endParaRPr lang="en-US" dirty="0"/>
+          </a:p>
+          <a:p>
+            <a:endParaRPr lang="en-US" dirty="0"/>
+          </a:p>
+        </p:txBody>
+      </p:sp>
+      <p:pic>
+        <p:nvPicPr>
+          <p:cNvPr id="5" name="Picture 4">
+            <a:extLst>
+              <a:ext uri="{FF2B5EF4-FFF2-40B4-BE49-F238E27FC236}">
+                <a16:creationId xmlns:a16="http://schemas.microsoft.com/office/drawing/2014/main" id="{7A5004BA-4E68-C3E8-BB83-6FBFE6A2277D}"/>
+              </a:ext>
+            </a:extLst>
+          </p:cNvPr>
+          <p:cNvPicPr>
+            <a:picLocks noChangeAspect="1"/>
+          </p:cNvPicPr>
+          <p:nvPr/>
+        </p:nvPicPr>
+        <p:blipFill>
+          <a:blip r:embed="rId2"/>
+          <a:stretch>
+            <a:fillRect/>
+          </a:stretch>
+        </p:blipFill>
+        <p:spPr>
+          <a:xfrm>
+            <a:off x="3068499" y="2542968"/>
+            <a:ext cx="1095375" cy="390525"/>
+          </a:xfrm>
+          <a:prstGeom prst="rect">
+            <a:avLst/>
+          </a:prstGeom>
+        </p:spPr>
+      </p:pic>
+      <p:pic>
+        <p:nvPicPr>
+          <p:cNvPr id="6146" name="Picture 2" descr="Working . ">
+            <a:extLst>
+              <a:ext uri="{FF2B5EF4-FFF2-40B4-BE49-F238E27FC236}">
+                <a16:creationId xmlns:a16="http://schemas.microsoft.com/office/drawing/2014/main" id="{B63B8F07-B408-A0FC-8D18-56167FC7E176}"/>
+              </a:ext>
+            </a:extLst>
+          </p:cNvPr>
+          <p:cNvPicPr>
+            <a:picLocks noChangeAspect="1" noChangeArrowheads="1"/>
+          </p:cNvPicPr>
+          <p:nvPr/>
+        </p:nvPicPr>
+        <p:blipFill>
+          <a:blip r:embed="rId3">
+            <a:extLst>
+              <a:ext uri="{28A0092B-C50C-407E-A947-70E740481C1C}">
+                <a14:useLocalDpi xmlns:a14="http://schemas.microsoft.com/office/drawing/2010/main" val="0"/>
+              </a:ext>
+            </a:extLst>
+          </a:blip>
+          <a:srcRect/>
+          <a:stretch>
+            <a:fillRect/>
+          </a:stretch>
+        </p:blipFill>
+        <p:spPr bwMode="auto">
+          <a:xfrm>
+            <a:off x="3068499" y="3342861"/>
+            <a:ext cx="1514475" cy="523875"/>
+          </a:xfrm>
+          <a:prstGeom prst="rect">
+            <a:avLst/>
+          </a:prstGeom>
+          <a:noFill/>
+          <a:extLst>
+            <a:ext uri="{909E8E84-426E-40DD-AFC4-6F175D3DCCD1}">
+              <a14:hiddenFill xmlns:a14="http://schemas.microsoft.com/office/drawing/2010/main">
+                <a:solidFill>
+                  <a:srgbClr val="FFFFFF"/>
+                </a:solidFill>
+              </a14:hiddenFill>
+            </a:ext>
+          </a:extLst>
+        </p:spPr>
+      </p:pic>
+      <p:pic>
+        <p:nvPicPr>
+          <p:cNvPr id="6148" name="Picture 4" descr="S el ect a date &#10;August. 2010 &#10;Tu We &#10;Su MO &#10;25 26 &#10;27 &#10;10 &#10;17 &#10;24 &#10;31 &#10;28 &#10;11 &#10;18 &#10;as &#10;29 &#10;12 &#10;19 &#10;26 &#10;30 &#10;13 &#10;20 &#10;27 &#10;sa &#10;31 &#10;14 &#10;21 &#10;28 &#10;22 &#10;29 &#10;16 &#10;23 &#10;30 ">
+            <a:extLst>
+              <a:ext uri="{FF2B5EF4-FFF2-40B4-BE49-F238E27FC236}">
+                <a16:creationId xmlns:a16="http://schemas.microsoft.com/office/drawing/2014/main" id="{15ECE390-56A7-C671-B0F6-6797B7BD034A}"/>
+              </a:ext>
+            </a:extLst>
+          </p:cNvPr>
+          <p:cNvPicPr>
+            <a:picLocks noChangeAspect="1" noChangeArrowheads="1"/>
+          </p:cNvPicPr>
+          <p:nvPr/>
+        </p:nvPicPr>
+        <p:blipFill>
+          <a:blip r:embed="rId4">
+            <a:extLst>
+              <a:ext uri="{28A0092B-C50C-407E-A947-70E740481C1C}">
+                <a14:useLocalDpi xmlns:a14="http://schemas.microsoft.com/office/drawing/2010/main" val="0"/>
+              </a:ext>
+            </a:extLst>
+          </a:blip>
+          <a:srcRect/>
+          <a:stretch>
+            <a:fillRect/>
+          </a:stretch>
+        </p:blipFill>
+        <p:spPr bwMode="auto">
+          <a:xfrm>
+            <a:off x="3000168" y="4543632"/>
+            <a:ext cx="1838325" cy="1895475"/>
+          </a:xfrm>
+          <a:prstGeom prst="rect">
+            <a:avLst/>
+          </a:prstGeom>
+          <a:noFill/>
+          <a:extLst>
+            <a:ext uri="{909E8E84-426E-40DD-AFC4-6F175D3DCCD1}">
+              <a14:hiddenFill xmlns:a14="http://schemas.microsoft.com/office/drawing/2010/main">
+                <a:solidFill>
+                  <a:srgbClr val="FFFFFF"/>
+                </a:solidFill>
+              </a14:hiddenFill>
+            </a:ext>
+          </a:extLst>
+        </p:spPr>
+      </p:pic>
+    </p:spTree>
+    <p:extLst>
+      <p:ext uri="{BB962C8B-B14F-4D97-AF65-F5344CB8AC3E}">
+        <p14:creationId xmlns:p14="http://schemas.microsoft.com/office/powerpoint/2010/main" val="1536388918"/>
+      </p:ext>
+    </p:extLst>
+  </p:cSld>
+  <p:clrMapOvr>
+    <a:masterClrMapping/>
+  </p:clrMapOvr>
+</p:sld>
+</file>
+
+<file path=ppt/slides/slide48.xml><?xml version="1.0" encoding="utf-8"?>
+<p:sld xmlns:a="http://schemas.openxmlformats.org/drawingml/2006/main" xmlns:r="http://schemas.openxmlformats.org/officeDocument/2006/relationships" xmlns:p="http://schemas.openxmlformats.org/presentationml/2006/main">
+  <p:cSld>
+    <p:spTree>
+      <p:nvGrpSpPr>
+        <p:cNvPr id="1" name=""/>
+        <p:cNvGrpSpPr/>
+        <p:nvPr/>
+      </p:nvGrpSpPr>
+      <p:grpSpPr>
+        <a:xfrm>
+          <a:off x="0" y="0"/>
+          <a:ext cx="0" cy="0"/>
+          <a:chOff x="0" y="0"/>
+          <a:chExt cx="0" cy="0"/>
+        </a:xfrm>
+      </p:grpSpPr>
+      <p:sp>
+        <p:nvSpPr>
+          <p:cNvPr id="2" name="Title 1">
+            <a:extLst>
+              <a:ext uri="{FF2B5EF4-FFF2-40B4-BE49-F238E27FC236}">
+                <a16:creationId xmlns:a16="http://schemas.microsoft.com/office/drawing/2014/main" id="{E0B97F94-BBB4-09BB-A367-D69178AA8CE7}"/>
+              </a:ext>
+            </a:extLst>
+          </p:cNvPr>
+          <p:cNvSpPr>
+            <a:spLocks noGrp="1"/>
+          </p:cNvSpPr>
+          <p:nvPr>
+            <p:ph type="title"/>
+          </p:nvPr>
+        </p:nvSpPr>
+        <p:spPr/>
+        <p:txBody>
+          <a:bodyPr/>
+          <a:lstStyle/>
+          <a:p>
+            <a:r>
+              <a:rPr lang="en-US" dirty="0"/>
+              <a:t>Unit 8 – Control Survey</a:t>
+            </a:r>
+          </a:p>
+        </p:txBody>
+      </p:sp>
+      <p:sp>
+        <p:nvSpPr>
+          <p:cNvPr id="3" name="Content Placeholder 2">
+            <a:extLst>
+              <a:ext uri="{FF2B5EF4-FFF2-40B4-BE49-F238E27FC236}">
+                <a16:creationId xmlns:a16="http://schemas.microsoft.com/office/drawing/2014/main" id="{820C3C22-98AA-CCB7-F328-64AE09B1AC62}"/>
+              </a:ext>
+            </a:extLst>
+          </p:cNvPr>
+          <p:cNvSpPr>
+            <a:spLocks noGrp="1"/>
+          </p:cNvSpPr>
+          <p:nvPr>
+            <p:ph idx="1"/>
+          </p:nvPr>
+        </p:nvSpPr>
+        <p:spPr/>
+        <p:txBody>
+          <a:bodyPr/>
+          <a:lstStyle/>
+          <a:p>
+            <a:r>
+              <a:rPr lang="en-US" dirty="0" err="1"/>
+              <a:t>MTS.Controls</a:t>
+            </a:r>
+            <a:endParaRPr lang="en-US" dirty="0"/>
+          </a:p>
+          <a:p>
+            <a:pPr lvl="1"/>
+            <a:r>
+              <a:rPr lang="en-US" dirty="0"/>
+              <a:t>For MTS products, we also make use of custom controls from </a:t>
+            </a:r>
+            <a:r>
+              <a:rPr lang="en-US" dirty="0" err="1"/>
+              <a:t>MTS.Controls</a:t>
+            </a:r>
+            <a:r>
+              <a:rPr lang="en-US" dirty="0"/>
+              <a:t> project</a:t>
+            </a:r>
+          </a:p>
+          <a:p>
+            <a:pPr lvl="1"/>
+            <a:r>
+              <a:rPr lang="en-US" dirty="0"/>
+              <a:t>These are all customized versions of standard WPF controls</a:t>
+            </a:r>
+          </a:p>
+          <a:p>
+            <a:pPr lvl="2"/>
+            <a:r>
+              <a:rPr lang="en-US" dirty="0"/>
+              <a:t>Some composite controls, built up from basic controls</a:t>
+            </a:r>
+          </a:p>
+          <a:p>
+            <a:pPr lvl="1"/>
+            <a:r>
+              <a:rPr lang="en-US" dirty="0"/>
+              <a:t>Also default styles for built-in controls</a:t>
+            </a:r>
+          </a:p>
+          <a:p>
+            <a:pPr lvl="1"/>
+            <a:r>
+              <a:rPr lang="en-US" dirty="0"/>
+              <a:t>Can run Test App, found in </a:t>
+            </a:r>
+            <a:r>
+              <a:rPr lang="en-US" dirty="0" err="1"/>
+              <a:t>MTS.Controls</a:t>
+            </a:r>
+            <a:r>
+              <a:rPr lang="en-US" dirty="0"/>
+              <a:t> repo</a:t>
+            </a:r>
+          </a:p>
+        </p:txBody>
+      </p:sp>
+    </p:spTree>
+    <p:extLst>
+      <p:ext uri="{BB962C8B-B14F-4D97-AF65-F5344CB8AC3E}">
+        <p14:creationId xmlns:p14="http://schemas.microsoft.com/office/powerpoint/2010/main" val="3084536743"/>
+      </p:ext>
+    </p:extLst>
+  </p:cSld>
+  <p:clrMapOvr>
+    <a:masterClrMapping/>
+  </p:clrMapOvr>
+</p:sld>
+</file>
+
+<file path=ppt/slides/slide49.xml><?xml version="1.0" encoding="utf-8"?>
+<p:sld xmlns:a="http://schemas.openxmlformats.org/drawingml/2006/main" xmlns:r="http://schemas.openxmlformats.org/officeDocument/2006/relationships" xmlns:p="http://schemas.openxmlformats.org/presentationml/2006/main">
+  <p:cSld>
+    <p:spTree>
+      <p:nvGrpSpPr>
+        <p:cNvPr id="1" name=""/>
+        <p:cNvGrpSpPr/>
+        <p:nvPr/>
+      </p:nvGrpSpPr>
+      <p:grpSpPr>
+        <a:xfrm>
+          <a:off x="0" y="0"/>
+          <a:ext cx="0" cy="0"/>
+          <a:chOff x="0" y="0"/>
+          <a:chExt cx="0" cy="0"/>
+        </a:xfrm>
+      </p:grpSpPr>
+      <p:sp>
+        <p:nvSpPr>
+          <p:cNvPr id="2" name="Title 1">
+            <a:extLst>
+              <a:ext uri="{FF2B5EF4-FFF2-40B4-BE49-F238E27FC236}">
+                <a16:creationId xmlns:a16="http://schemas.microsoft.com/office/drawing/2014/main" id="{5E78A3C9-D59D-A5EF-B5E8-CF5CDF2A3E93}"/>
+              </a:ext>
+            </a:extLst>
+          </p:cNvPr>
+          <p:cNvSpPr>
+            <a:spLocks noGrp="1"/>
+          </p:cNvSpPr>
+          <p:nvPr>
+            <p:ph type="title"/>
+          </p:nvPr>
+        </p:nvSpPr>
+        <p:spPr/>
+        <p:txBody>
+          <a:bodyPr/>
+          <a:lstStyle/>
+          <a:p>
+            <a:r>
+              <a:rPr lang="en-US" dirty="0">
+                <a:solidFill>
+                  <a:schemeClr val="accent5">
+                    <a:lumMod val="75000"/>
+                  </a:schemeClr>
+                </a:solidFill>
+              </a:rPr>
+              <a:t>Exercise 8 – Control Survey</a:t>
+            </a:r>
+          </a:p>
+        </p:txBody>
+      </p:sp>
+      <p:sp>
+        <p:nvSpPr>
+          <p:cNvPr id="3" name="Content Placeholder 2">
+            <a:extLst>
+              <a:ext uri="{FF2B5EF4-FFF2-40B4-BE49-F238E27FC236}">
+                <a16:creationId xmlns:a16="http://schemas.microsoft.com/office/drawing/2014/main" id="{5E4C398A-2184-8928-1C5A-38F6C9F14782}"/>
+              </a:ext>
+            </a:extLst>
+          </p:cNvPr>
+          <p:cNvSpPr>
+            <a:spLocks noGrp="1"/>
+          </p:cNvSpPr>
+          <p:nvPr>
+            <p:ph idx="1"/>
+          </p:nvPr>
+        </p:nvSpPr>
+        <p:spPr/>
+        <p:txBody>
+          <a:bodyPr/>
+          <a:lstStyle/>
+          <a:p>
+            <a:r>
+              <a:rPr lang="en-US" dirty="0"/>
+              <a:t>What You’ll Learn</a:t>
+            </a:r>
+          </a:p>
+          <a:p>
+            <a:pPr lvl="1"/>
+            <a:r>
+              <a:rPr lang="en-US" dirty="0"/>
+              <a:t>What the main WPF controls are that you can use in an application</a:t>
+            </a:r>
+          </a:p>
+          <a:p>
+            <a:r>
+              <a:rPr lang="en-US" dirty="0"/>
+              <a:t>Exercise</a:t>
+            </a:r>
+          </a:p>
+          <a:p>
+            <a:pPr lvl="1"/>
+            <a:r>
+              <a:rPr lang="en-US" dirty="0"/>
+              <a:t>Create a new WPF project</a:t>
+            </a:r>
+          </a:p>
+          <a:p>
+            <a:pPr lvl="1"/>
+            <a:r>
+              <a:rPr lang="en-US" dirty="0"/>
+              <a:t>Experiment with different types of controls</a:t>
+            </a:r>
+          </a:p>
+          <a:p>
+            <a:pPr lvl="1"/>
+            <a:r>
+              <a:rPr lang="en-US" dirty="0"/>
+              <a:t>See project Exercise_8_Control_Survey_Solution for examples</a:t>
+            </a:r>
+          </a:p>
+        </p:txBody>
+      </p:sp>
+    </p:spTree>
+    <p:extLst>
+      <p:ext uri="{BB962C8B-B14F-4D97-AF65-F5344CB8AC3E}">
+        <p14:creationId xmlns:p14="http://schemas.microsoft.com/office/powerpoint/2010/main" val="3734995151"/>
       </p:ext>
     </p:extLst>
   </p:cSld>

--- a/WPF-Workshop-Sexton-Oct2023.pptx
+++ b/WPF-Workshop-Sexton-Oct2023.pptx
@@ -5,7 +5,7 @@
     <p:sldMasterId id="2147483896" r:id="rId1"/>
   </p:sldMasterIdLst>
   <p:notesMasterIdLst>
-    <p:notesMasterId r:id="rId51"/>
+    <p:notesMasterId r:id="rId61"/>
   </p:notesMasterIdLst>
   <p:sldIdLst>
     <p:sldId id="256" r:id="rId2"/>
@@ -57,6 +57,16 @@
     <p:sldId id="303" r:id="rId48"/>
     <p:sldId id="304" r:id="rId49"/>
     <p:sldId id="305" r:id="rId50"/>
+    <p:sldId id="306" r:id="rId51"/>
+    <p:sldId id="307" r:id="rId52"/>
+    <p:sldId id="308" r:id="rId53"/>
+    <p:sldId id="309" r:id="rId54"/>
+    <p:sldId id="310" r:id="rId55"/>
+    <p:sldId id="311" r:id="rId56"/>
+    <p:sldId id="312" r:id="rId57"/>
+    <p:sldId id="313" r:id="rId58"/>
+    <p:sldId id="314" r:id="rId59"/>
+    <p:sldId id="315" r:id="rId60"/>
   </p:sldIdLst>
   <p:sldSz cx="12192000" cy="6858000"/>
   <p:notesSz cx="6858000" cy="9144000"/>
@@ -3800,6 +3810,271 @@
 </p:notes>
 </file>
 
+<file path=ppt/notesSlides/notesSlide38.xml><?xml version="1.0" encoding="utf-8"?>
+<p:notes xmlns:a="http://schemas.openxmlformats.org/drawingml/2006/main" xmlns:r="http://schemas.openxmlformats.org/officeDocument/2006/relationships" xmlns:p="http://schemas.openxmlformats.org/presentationml/2006/main">
+  <p:cSld>
+    <p:spTree>
+      <p:nvGrpSpPr>
+        <p:cNvPr id="1" name=""/>
+        <p:cNvGrpSpPr/>
+        <p:nvPr/>
+      </p:nvGrpSpPr>
+      <p:grpSpPr>
+        <a:xfrm>
+          <a:off x="0" y="0"/>
+          <a:ext cx="0" cy="0"/>
+          <a:chOff x="0" y="0"/>
+          <a:chExt cx="0" cy="0"/>
+        </a:xfrm>
+      </p:grpSpPr>
+      <p:sp>
+        <p:nvSpPr>
+          <p:cNvPr id="2" name="Slide Image Placeholder 1"/>
+          <p:cNvSpPr>
+            <a:spLocks noGrp="1" noRot="1" noChangeAspect="1"/>
+          </p:cNvSpPr>
+          <p:nvPr>
+            <p:ph type="sldImg"/>
+          </p:nvPr>
+        </p:nvSpPr>
+        <p:spPr/>
+      </p:sp>
+      <p:sp>
+        <p:nvSpPr>
+          <p:cNvPr id="3" name="Notes Placeholder 2"/>
+          <p:cNvSpPr>
+            <a:spLocks noGrp="1"/>
+          </p:cNvSpPr>
+          <p:nvPr>
+            <p:ph type="body" idx="1"/>
+          </p:nvPr>
+        </p:nvSpPr>
+        <p:spPr/>
+        <p:txBody>
+          <a:bodyPr/>
+          <a:lstStyle/>
+          <a:p>
+            <a:r>
+              <a:rPr lang="en-US" dirty="0"/>
+              <a:t>LAST: Example</a:t>
+            </a:r>
+          </a:p>
+          <a:p>
+            <a:r>
+              <a:rPr lang="en-US" dirty="0"/>
+              <a:t>-  Look at Button and </a:t>
+            </a:r>
+            <a:r>
+              <a:rPr lang="en-US" dirty="0" err="1"/>
+              <a:t>TextBlock</a:t>
+            </a:r>
+            <a:endParaRPr lang="en-US" dirty="0"/>
+          </a:p>
+          <a:p>
+            <a:r>
+              <a:rPr lang="en-US" dirty="0"/>
+              <a:t>-  Ctrl-Shift</a:t>
+            </a:r>
+          </a:p>
+          <a:p>
+            <a:r>
+              <a:rPr lang="en-US" dirty="0"/>
+              <a:t>-  So a Button is built up from constituent controls</a:t>
+            </a:r>
+          </a:p>
+          <a:p>
+            <a:r>
+              <a:rPr lang="en-US" dirty="0"/>
+              <a:t>-  Visual tree</a:t>
+            </a:r>
+          </a:p>
+          <a:p>
+            <a:endParaRPr lang="en-US" dirty="0"/>
+          </a:p>
+        </p:txBody>
+      </p:sp>
+      <p:sp>
+        <p:nvSpPr>
+          <p:cNvPr id="4" name="Slide Number Placeholder 3"/>
+          <p:cNvSpPr>
+            <a:spLocks noGrp="1"/>
+          </p:cNvSpPr>
+          <p:nvPr>
+            <p:ph type="sldNum" sz="quarter" idx="5"/>
+          </p:nvPr>
+        </p:nvSpPr>
+        <p:spPr/>
+        <p:txBody>
+          <a:bodyPr/>
+          <a:lstStyle/>
+          <a:p>
+            <a:fld id="{52D86A8A-0D3B-4DD1-BCA4-15D29761E8A6}" type="slidenum">
+              <a:rPr lang="en-US" smtClean="0"/>
+              <a:t>50</a:t>
+            </a:fld>
+            <a:endParaRPr lang="en-US"/>
+          </a:p>
+        </p:txBody>
+      </p:sp>
+    </p:spTree>
+    <p:extLst>
+      <p:ext uri="{BB962C8B-B14F-4D97-AF65-F5344CB8AC3E}">
+        <p14:creationId xmlns:p14="http://schemas.microsoft.com/office/powerpoint/2010/main" val="1521262102"/>
+      </p:ext>
+    </p:extLst>
+  </p:cSld>
+  <p:clrMapOvr>
+    <a:masterClrMapping/>
+  </p:clrMapOvr>
+</p:notes>
+</file>
+
+<file path=ppt/notesSlides/notesSlide39.xml><?xml version="1.0" encoding="utf-8"?>
+<p:notes xmlns:a="http://schemas.openxmlformats.org/drawingml/2006/main" xmlns:r="http://schemas.openxmlformats.org/officeDocument/2006/relationships" xmlns:p="http://schemas.openxmlformats.org/presentationml/2006/main">
+  <p:cSld>
+    <p:spTree>
+      <p:nvGrpSpPr>
+        <p:cNvPr id="1" name=""/>
+        <p:cNvGrpSpPr/>
+        <p:nvPr/>
+      </p:nvGrpSpPr>
+      <p:grpSpPr>
+        <a:xfrm>
+          <a:off x="0" y="0"/>
+          <a:ext cx="0" cy="0"/>
+          <a:chOff x="0" y="0"/>
+          <a:chExt cx="0" cy="0"/>
+        </a:xfrm>
+      </p:grpSpPr>
+      <p:sp>
+        <p:nvSpPr>
+          <p:cNvPr id="2" name="Slide Image Placeholder 1"/>
+          <p:cNvSpPr>
+            <a:spLocks noGrp="1" noRot="1" noChangeAspect="1"/>
+          </p:cNvSpPr>
+          <p:nvPr>
+            <p:ph type="sldImg"/>
+          </p:nvPr>
+        </p:nvSpPr>
+        <p:spPr/>
+      </p:sp>
+      <p:sp>
+        <p:nvSpPr>
+          <p:cNvPr id="3" name="Notes Placeholder 2"/>
+          <p:cNvSpPr>
+            <a:spLocks noGrp="1"/>
+          </p:cNvSpPr>
+          <p:nvPr>
+            <p:ph type="body" idx="1"/>
+          </p:nvPr>
+        </p:nvSpPr>
+        <p:spPr/>
+        <p:txBody>
+          <a:bodyPr/>
+          <a:lstStyle/>
+          <a:p>
+            <a:r>
+              <a:rPr lang="en-US" dirty="0"/>
+              <a:t>LAST: Example</a:t>
+            </a:r>
+          </a:p>
+          <a:p>
+            <a:r>
+              <a:rPr lang="en-US" dirty="0"/>
+              <a:t>-  Walk thru steps above</a:t>
+            </a:r>
+          </a:p>
+          <a:p>
+            <a:r>
+              <a:rPr lang="en-US" dirty="0"/>
+              <a:t>-  Talk through pieces of control template, starting with the Button</a:t>
+            </a:r>
+          </a:p>
+          <a:p>
+            <a:r>
+              <a:rPr lang="en-US" dirty="0"/>
+              <a:t>-  Can see logic for what happens when you hover over button</a:t>
+            </a:r>
+          </a:p>
+          <a:p>
+            <a:r>
+              <a:rPr lang="en-US" dirty="0"/>
+              <a:t>-  Triggers - when property changes, change something else</a:t>
+            </a:r>
+          </a:p>
+          <a:p>
+            <a:r>
+              <a:rPr lang="en-US" dirty="0"/>
+              <a:t>-  </a:t>
+            </a:r>
+            <a:r>
+              <a:rPr lang="en-US" dirty="0" err="1"/>
+              <a:t>ContentPresenter</a:t>
+            </a:r>
+            <a:r>
+              <a:rPr lang="en-US" dirty="0"/>
+              <a:t> - placeholder for control's Content</a:t>
+            </a:r>
+          </a:p>
+          <a:p>
+            <a:r>
+              <a:rPr lang="en-US" dirty="0"/>
+              <a:t>-  Note Content property--just text</a:t>
+            </a:r>
+          </a:p>
+          <a:p>
+            <a:r>
+              <a:rPr lang="en-US" dirty="0"/>
+              <a:t>-  This gives you an idea of what's possible--overriding look and feel of a control </a:t>
+            </a:r>
+          </a:p>
+          <a:p>
+            <a:r>
+              <a:rPr lang="en-US" dirty="0"/>
+              <a:t>    - And some behaviors</a:t>
+            </a:r>
+          </a:p>
+          <a:p>
+            <a:endParaRPr lang="en-US" dirty="0"/>
+          </a:p>
+        </p:txBody>
+      </p:sp>
+      <p:sp>
+        <p:nvSpPr>
+          <p:cNvPr id="4" name="Slide Number Placeholder 3"/>
+          <p:cNvSpPr>
+            <a:spLocks noGrp="1"/>
+          </p:cNvSpPr>
+          <p:nvPr>
+            <p:ph type="sldNum" sz="quarter" idx="5"/>
+          </p:nvPr>
+        </p:nvSpPr>
+        <p:spPr/>
+        <p:txBody>
+          <a:bodyPr/>
+          <a:lstStyle/>
+          <a:p>
+            <a:fld id="{52D86A8A-0D3B-4DD1-BCA4-15D29761E8A6}" type="slidenum">
+              <a:rPr lang="en-US" smtClean="0"/>
+              <a:t>51</a:t>
+            </a:fld>
+            <a:endParaRPr lang="en-US"/>
+          </a:p>
+        </p:txBody>
+      </p:sp>
+    </p:spTree>
+    <p:extLst>
+      <p:ext uri="{BB962C8B-B14F-4D97-AF65-F5344CB8AC3E}">
+        <p14:creationId xmlns:p14="http://schemas.microsoft.com/office/powerpoint/2010/main" val="3879459969"/>
+      </p:ext>
+    </p:extLst>
+  </p:cSld>
+  <p:clrMapOvr>
+    <a:masterClrMapping/>
+  </p:clrMapOvr>
+</p:notes>
+</file>
+
 <file path=ppt/notesSlides/notesSlide4.xml><?xml version="1.0" encoding="utf-8"?>
 <p:notes xmlns:a="http://schemas.openxmlformats.org/drawingml/2006/main" xmlns:r="http://schemas.openxmlformats.org/officeDocument/2006/relationships" xmlns:p="http://schemas.openxmlformats.org/presentationml/2006/main">
   <p:cSld>
@@ -3878,6 +4153,438 @@
     <p:extLst>
       <p:ext uri="{BB962C8B-B14F-4D97-AF65-F5344CB8AC3E}">
         <p14:creationId xmlns:p14="http://schemas.microsoft.com/office/powerpoint/2010/main" val="3213769857"/>
+      </p:ext>
+    </p:extLst>
+  </p:cSld>
+  <p:clrMapOvr>
+    <a:masterClrMapping/>
+  </p:clrMapOvr>
+</p:notes>
+</file>
+
+<file path=ppt/notesSlides/notesSlide40.xml><?xml version="1.0" encoding="utf-8"?>
+<p:notes xmlns:a="http://schemas.openxmlformats.org/drawingml/2006/main" xmlns:r="http://schemas.openxmlformats.org/officeDocument/2006/relationships" xmlns:p="http://schemas.openxmlformats.org/presentationml/2006/main">
+  <p:cSld>
+    <p:spTree>
+      <p:nvGrpSpPr>
+        <p:cNvPr id="1" name=""/>
+        <p:cNvGrpSpPr/>
+        <p:nvPr/>
+      </p:nvGrpSpPr>
+      <p:grpSpPr>
+        <a:xfrm>
+          <a:off x="0" y="0"/>
+          <a:ext cx="0" cy="0"/>
+          <a:chOff x="0" y="0"/>
+          <a:chExt cx="0" cy="0"/>
+        </a:xfrm>
+      </p:grpSpPr>
+      <p:sp>
+        <p:nvSpPr>
+          <p:cNvPr id="2" name="Slide Image Placeholder 1"/>
+          <p:cNvSpPr>
+            <a:spLocks noGrp="1" noRot="1" noChangeAspect="1"/>
+          </p:cNvSpPr>
+          <p:nvPr>
+            <p:ph type="sldImg"/>
+          </p:nvPr>
+        </p:nvSpPr>
+        <p:spPr/>
+      </p:sp>
+      <p:sp>
+        <p:nvSpPr>
+          <p:cNvPr id="3" name="Notes Placeholder 2"/>
+          <p:cNvSpPr>
+            <a:spLocks noGrp="1"/>
+          </p:cNvSpPr>
+          <p:nvPr>
+            <p:ph type="body" idx="1"/>
+          </p:nvPr>
+        </p:nvSpPr>
+        <p:spPr/>
+        <p:txBody>
+          <a:bodyPr/>
+          <a:lstStyle/>
+          <a:p>
+            <a:r>
+              <a:rPr lang="en-US" dirty="0"/>
+              <a:t>LAST: It is very common</a:t>
+            </a:r>
+          </a:p>
+          <a:p>
+            <a:endParaRPr lang="en-US" dirty="0"/>
+          </a:p>
+        </p:txBody>
+      </p:sp>
+      <p:sp>
+        <p:nvSpPr>
+          <p:cNvPr id="4" name="Slide Number Placeholder 3"/>
+          <p:cNvSpPr>
+            <a:spLocks noGrp="1"/>
+          </p:cNvSpPr>
+          <p:nvPr>
+            <p:ph type="sldNum" sz="quarter" idx="5"/>
+          </p:nvPr>
+        </p:nvSpPr>
+        <p:spPr/>
+        <p:txBody>
+          <a:bodyPr/>
+          <a:lstStyle/>
+          <a:p>
+            <a:fld id="{52D86A8A-0D3B-4DD1-BCA4-15D29761E8A6}" type="slidenum">
+              <a:rPr lang="en-US" smtClean="0"/>
+              <a:t>52</a:t>
+            </a:fld>
+            <a:endParaRPr lang="en-US"/>
+          </a:p>
+        </p:txBody>
+      </p:sp>
+    </p:spTree>
+    <p:extLst>
+      <p:ext uri="{BB962C8B-B14F-4D97-AF65-F5344CB8AC3E}">
+        <p14:creationId xmlns:p14="http://schemas.microsoft.com/office/powerpoint/2010/main" val="2844434021"/>
+      </p:ext>
+    </p:extLst>
+  </p:cSld>
+  <p:clrMapOvr>
+    <a:masterClrMapping/>
+  </p:clrMapOvr>
+</p:notes>
+</file>
+
+<file path=ppt/notesSlides/notesSlide41.xml><?xml version="1.0" encoding="utf-8"?>
+<p:notes xmlns:a="http://schemas.openxmlformats.org/drawingml/2006/main" xmlns:r="http://schemas.openxmlformats.org/officeDocument/2006/relationships" xmlns:p="http://schemas.openxmlformats.org/presentationml/2006/main">
+  <p:cSld>
+    <p:spTree>
+      <p:nvGrpSpPr>
+        <p:cNvPr id="1" name=""/>
+        <p:cNvGrpSpPr/>
+        <p:nvPr/>
+      </p:nvGrpSpPr>
+      <p:grpSpPr>
+        <a:xfrm>
+          <a:off x="0" y="0"/>
+          <a:ext cx="0" cy="0"/>
+          <a:chOff x="0" y="0"/>
+          <a:chExt cx="0" cy="0"/>
+        </a:xfrm>
+      </p:grpSpPr>
+      <p:sp>
+        <p:nvSpPr>
+          <p:cNvPr id="2" name="Slide Image Placeholder 1"/>
+          <p:cNvSpPr>
+            <a:spLocks noGrp="1" noRot="1" noChangeAspect="1"/>
+          </p:cNvSpPr>
+          <p:nvPr>
+            <p:ph type="sldImg"/>
+          </p:nvPr>
+        </p:nvSpPr>
+        <p:spPr/>
+      </p:sp>
+      <p:sp>
+        <p:nvSpPr>
+          <p:cNvPr id="3" name="Notes Placeholder 2"/>
+          <p:cNvSpPr>
+            <a:spLocks noGrp="1"/>
+          </p:cNvSpPr>
+          <p:nvPr>
+            <p:ph type="body" idx="1"/>
+          </p:nvPr>
+        </p:nvSpPr>
+        <p:spPr/>
+        <p:txBody>
+          <a:bodyPr/>
+          <a:lstStyle/>
+          <a:p>
+            <a:r>
+              <a:rPr lang="en-US" dirty="0"/>
+              <a:t>LAST: Alternatives</a:t>
+            </a:r>
+          </a:p>
+        </p:txBody>
+      </p:sp>
+      <p:sp>
+        <p:nvSpPr>
+          <p:cNvPr id="4" name="Slide Number Placeholder 3"/>
+          <p:cNvSpPr>
+            <a:spLocks noGrp="1"/>
+          </p:cNvSpPr>
+          <p:nvPr>
+            <p:ph type="sldNum" sz="quarter" idx="5"/>
+          </p:nvPr>
+        </p:nvSpPr>
+        <p:spPr/>
+        <p:txBody>
+          <a:bodyPr/>
+          <a:lstStyle/>
+          <a:p>
+            <a:fld id="{52D86A8A-0D3B-4DD1-BCA4-15D29761E8A6}" type="slidenum">
+              <a:rPr lang="en-US" smtClean="0"/>
+              <a:t>53</a:t>
+            </a:fld>
+            <a:endParaRPr lang="en-US"/>
+          </a:p>
+        </p:txBody>
+      </p:sp>
+    </p:spTree>
+    <p:extLst>
+      <p:ext uri="{BB962C8B-B14F-4D97-AF65-F5344CB8AC3E}">
+        <p14:creationId xmlns:p14="http://schemas.microsoft.com/office/powerpoint/2010/main" val="1948620501"/>
+      </p:ext>
+    </p:extLst>
+  </p:cSld>
+  <p:clrMapOvr>
+    <a:masterClrMapping/>
+  </p:clrMapOvr>
+</p:notes>
+</file>
+
+<file path=ppt/notesSlides/notesSlide42.xml><?xml version="1.0" encoding="utf-8"?>
+<p:notes xmlns:a="http://schemas.openxmlformats.org/drawingml/2006/main" xmlns:r="http://schemas.openxmlformats.org/officeDocument/2006/relationships" xmlns:p="http://schemas.openxmlformats.org/presentationml/2006/main">
+  <p:cSld>
+    <p:spTree>
+      <p:nvGrpSpPr>
+        <p:cNvPr id="1" name=""/>
+        <p:cNvGrpSpPr/>
+        <p:nvPr/>
+      </p:nvGrpSpPr>
+      <p:grpSpPr>
+        <a:xfrm>
+          <a:off x="0" y="0"/>
+          <a:ext cx="0" cy="0"/>
+          <a:chOff x="0" y="0"/>
+          <a:chExt cx="0" cy="0"/>
+        </a:xfrm>
+      </p:grpSpPr>
+      <p:sp>
+        <p:nvSpPr>
+          <p:cNvPr id="2" name="Slide Image Placeholder 1"/>
+          <p:cNvSpPr>
+            <a:spLocks noGrp="1" noRot="1" noChangeAspect="1"/>
+          </p:cNvSpPr>
+          <p:nvPr>
+            <p:ph type="sldImg"/>
+          </p:nvPr>
+        </p:nvSpPr>
+        <p:spPr/>
+      </p:sp>
+      <p:sp>
+        <p:nvSpPr>
+          <p:cNvPr id="3" name="Notes Placeholder 2"/>
+          <p:cNvSpPr>
+            <a:spLocks noGrp="1"/>
+          </p:cNvSpPr>
+          <p:nvPr>
+            <p:ph type="body" idx="1"/>
+          </p:nvPr>
+        </p:nvSpPr>
+        <p:spPr/>
+        <p:txBody>
+          <a:bodyPr/>
+          <a:lstStyle/>
+          <a:p>
+            <a:r>
+              <a:rPr lang="en-US" dirty="0"/>
+              <a:t>- Just pointing out that we've just barely scratched the surface; this stuff is all common in a typical WPF production application</a:t>
+            </a:r>
+          </a:p>
+        </p:txBody>
+      </p:sp>
+      <p:sp>
+        <p:nvSpPr>
+          <p:cNvPr id="4" name="Slide Number Placeholder 3"/>
+          <p:cNvSpPr>
+            <a:spLocks noGrp="1"/>
+          </p:cNvSpPr>
+          <p:nvPr>
+            <p:ph type="sldNum" sz="quarter" idx="5"/>
+          </p:nvPr>
+        </p:nvSpPr>
+        <p:spPr/>
+        <p:txBody>
+          <a:bodyPr/>
+          <a:lstStyle/>
+          <a:p>
+            <a:fld id="{52D86A8A-0D3B-4DD1-BCA4-15D29761E8A6}" type="slidenum">
+              <a:rPr lang="en-US" smtClean="0"/>
+              <a:t>56</a:t>
+            </a:fld>
+            <a:endParaRPr lang="en-US"/>
+          </a:p>
+        </p:txBody>
+      </p:sp>
+    </p:spTree>
+    <p:extLst>
+      <p:ext uri="{BB962C8B-B14F-4D97-AF65-F5344CB8AC3E}">
+        <p14:creationId xmlns:p14="http://schemas.microsoft.com/office/powerpoint/2010/main" val="2037246118"/>
+      </p:ext>
+    </p:extLst>
+  </p:cSld>
+  <p:clrMapOvr>
+    <a:masterClrMapping/>
+  </p:clrMapOvr>
+</p:notes>
+</file>
+
+<file path=ppt/notesSlides/notesSlide43.xml><?xml version="1.0" encoding="utf-8"?>
+<p:notes xmlns:a="http://schemas.openxmlformats.org/drawingml/2006/main" xmlns:r="http://schemas.openxmlformats.org/officeDocument/2006/relationships" xmlns:p="http://schemas.openxmlformats.org/presentationml/2006/main">
+  <p:cSld>
+    <p:spTree>
+      <p:nvGrpSpPr>
+        <p:cNvPr id="1" name=""/>
+        <p:cNvGrpSpPr/>
+        <p:nvPr/>
+      </p:nvGrpSpPr>
+      <p:grpSpPr>
+        <a:xfrm>
+          <a:off x="0" y="0"/>
+          <a:ext cx="0" cy="0"/>
+          <a:chOff x="0" y="0"/>
+          <a:chExt cx="0" cy="0"/>
+        </a:xfrm>
+      </p:grpSpPr>
+      <p:sp>
+        <p:nvSpPr>
+          <p:cNvPr id="2" name="Slide Image Placeholder 1"/>
+          <p:cNvSpPr>
+            <a:spLocks noGrp="1" noRot="1" noChangeAspect="1"/>
+          </p:cNvSpPr>
+          <p:nvPr>
+            <p:ph type="sldImg"/>
+          </p:nvPr>
+        </p:nvSpPr>
+        <p:spPr/>
+      </p:sp>
+      <p:sp>
+        <p:nvSpPr>
+          <p:cNvPr id="3" name="Notes Placeholder 2"/>
+          <p:cNvSpPr>
+            <a:spLocks noGrp="1"/>
+          </p:cNvSpPr>
+          <p:nvPr>
+            <p:ph type="body" idx="1"/>
+          </p:nvPr>
+        </p:nvSpPr>
+        <p:spPr/>
+        <p:txBody>
+          <a:bodyPr/>
+          <a:lstStyle/>
+          <a:p>
+            <a:endParaRPr lang="en-US" dirty="0"/>
+          </a:p>
+        </p:txBody>
+      </p:sp>
+      <p:sp>
+        <p:nvSpPr>
+          <p:cNvPr id="4" name="Slide Number Placeholder 3"/>
+          <p:cNvSpPr>
+            <a:spLocks noGrp="1"/>
+          </p:cNvSpPr>
+          <p:nvPr>
+            <p:ph type="sldNum" sz="quarter" idx="5"/>
+          </p:nvPr>
+        </p:nvSpPr>
+        <p:spPr/>
+        <p:txBody>
+          <a:bodyPr/>
+          <a:lstStyle/>
+          <a:p>
+            <a:fld id="{52D86A8A-0D3B-4DD1-BCA4-15D29761E8A6}" type="slidenum">
+              <a:rPr lang="en-US" smtClean="0"/>
+              <a:t>58</a:t>
+            </a:fld>
+            <a:endParaRPr lang="en-US"/>
+          </a:p>
+        </p:txBody>
+      </p:sp>
+    </p:spTree>
+    <p:extLst>
+      <p:ext uri="{BB962C8B-B14F-4D97-AF65-F5344CB8AC3E}">
+        <p14:creationId xmlns:p14="http://schemas.microsoft.com/office/powerpoint/2010/main" val="3998156340"/>
+      </p:ext>
+    </p:extLst>
+  </p:cSld>
+  <p:clrMapOvr>
+    <a:masterClrMapping/>
+  </p:clrMapOvr>
+</p:notes>
+</file>
+
+<file path=ppt/notesSlides/notesSlide44.xml><?xml version="1.0" encoding="utf-8"?>
+<p:notes xmlns:a="http://schemas.openxmlformats.org/drawingml/2006/main" xmlns:r="http://schemas.openxmlformats.org/officeDocument/2006/relationships" xmlns:p="http://schemas.openxmlformats.org/presentationml/2006/main">
+  <p:cSld>
+    <p:spTree>
+      <p:nvGrpSpPr>
+        <p:cNvPr id="1" name=""/>
+        <p:cNvGrpSpPr/>
+        <p:nvPr/>
+      </p:nvGrpSpPr>
+      <p:grpSpPr>
+        <a:xfrm>
+          <a:off x="0" y="0"/>
+          <a:ext cx="0" cy="0"/>
+          <a:chOff x="0" y="0"/>
+          <a:chExt cx="0" cy="0"/>
+        </a:xfrm>
+      </p:grpSpPr>
+      <p:sp>
+        <p:nvSpPr>
+          <p:cNvPr id="2" name="Slide Image Placeholder 1"/>
+          <p:cNvSpPr>
+            <a:spLocks noGrp="1" noRot="1" noChangeAspect="1"/>
+          </p:cNvSpPr>
+          <p:nvPr>
+            <p:ph type="sldImg"/>
+          </p:nvPr>
+        </p:nvSpPr>
+        <p:spPr/>
+      </p:sp>
+      <p:sp>
+        <p:nvSpPr>
+          <p:cNvPr id="3" name="Notes Placeholder 2"/>
+          <p:cNvSpPr>
+            <a:spLocks noGrp="1"/>
+          </p:cNvSpPr>
+          <p:nvPr>
+            <p:ph type="body" idx="1"/>
+          </p:nvPr>
+        </p:nvSpPr>
+        <p:spPr/>
+        <p:txBody>
+          <a:bodyPr/>
+          <a:lstStyle/>
+          <a:p>
+            <a:endParaRPr lang="en-US" dirty="0"/>
+          </a:p>
+        </p:txBody>
+      </p:sp>
+      <p:sp>
+        <p:nvSpPr>
+          <p:cNvPr id="4" name="Slide Number Placeholder 3"/>
+          <p:cNvSpPr>
+            <a:spLocks noGrp="1"/>
+          </p:cNvSpPr>
+          <p:nvPr>
+            <p:ph type="sldNum" sz="quarter" idx="5"/>
+          </p:nvPr>
+        </p:nvSpPr>
+        <p:spPr/>
+        <p:txBody>
+          <a:bodyPr/>
+          <a:lstStyle/>
+          <a:p>
+            <a:fld id="{52D86A8A-0D3B-4DD1-BCA4-15D29761E8A6}" type="slidenum">
+              <a:rPr lang="en-US" smtClean="0"/>
+              <a:t>59</a:t>
+            </a:fld>
+            <a:endParaRPr lang="en-US"/>
+          </a:p>
+        </p:txBody>
+      </p:sp>
+    </p:spTree>
+    <p:extLst>
+      <p:ext uri="{BB962C8B-B14F-4D97-AF65-F5344CB8AC3E}">
+        <p14:creationId xmlns:p14="http://schemas.microsoft.com/office/powerpoint/2010/main" val="1088505115"/>
       </p:ext>
     </p:extLst>
   </p:cSld>
@@ -30728,6 +31435,387 @@
   <p:clrMapOvr>
     <a:masterClrMapping/>
   </p:clrMapOvr>
+  <p:timing>
+    <p:tnLst>
+      <p:par>
+        <p:cTn id="1" dur="indefinite" restart="never" nodeType="tmRoot">
+          <p:childTnLst>
+            <p:seq concurrent="1" nextAc="seek">
+              <p:cTn id="2" dur="indefinite" nodeType="mainSeq">
+                <p:childTnLst>
+                  <p:par>
+                    <p:cTn id="3" fill="hold">
+                      <p:stCondLst>
+                        <p:cond delay="indefinite"/>
+                      </p:stCondLst>
+                      <p:childTnLst>
+                        <p:par>
+                          <p:cTn id="4" fill="hold">
+                            <p:stCondLst>
+                              <p:cond delay="0"/>
+                            </p:stCondLst>
+                            <p:childTnLst>
+                              <p:par>
+                                <p:cTn id="5" presetID="10" presetClass="entr" presetSubtype="0" fill="hold" grpId="0" nodeType="clickEffect">
+                                  <p:stCondLst>
+                                    <p:cond delay="0"/>
+                                  </p:stCondLst>
+                                  <p:childTnLst>
+                                    <p:set>
+                                      <p:cBhvr>
+                                        <p:cTn id="6" dur="1" fill="hold">
+                                          <p:stCondLst>
+                                            <p:cond delay="0"/>
+                                          </p:stCondLst>
+                                        </p:cTn>
+                                        <p:tgtEl>
+                                          <p:spTgt spid="3">
+                                            <p:txEl>
+                                              <p:pRg st="0" end="0"/>
+                                            </p:txEl>
+                                          </p:spTgt>
+                                        </p:tgtEl>
+                                        <p:attrNameLst>
+                                          <p:attrName>style.visibility</p:attrName>
+                                        </p:attrNameLst>
+                                      </p:cBhvr>
+                                      <p:to>
+                                        <p:strVal val="visible"/>
+                                      </p:to>
+                                    </p:set>
+                                    <p:animEffect transition="in" filter="fade">
+                                      <p:cBhvr>
+                                        <p:cTn id="7" dur="500"/>
+                                        <p:tgtEl>
+                                          <p:spTgt spid="3">
+                                            <p:txEl>
+                                              <p:pRg st="0" end="0"/>
+                                            </p:txEl>
+                                          </p:spTgt>
+                                        </p:tgtEl>
+                                      </p:cBhvr>
+                                    </p:animEffect>
+                                  </p:childTnLst>
+                                </p:cTn>
+                              </p:par>
+                            </p:childTnLst>
+                          </p:cTn>
+                        </p:par>
+                      </p:childTnLst>
+                    </p:cTn>
+                  </p:par>
+                  <p:par>
+                    <p:cTn id="8" fill="hold">
+                      <p:stCondLst>
+                        <p:cond delay="indefinite"/>
+                      </p:stCondLst>
+                      <p:childTnLst>
+                        <p:par>
+                          <p:cTn id="9" fill="hold">
+                            <p:stCondLst>
+                              <p:cond delay="0"/>
+                            </p:stCondLst>
+                            <p:childTnLst>
+                              <p:par>
+                                <p:cTn id="10" presetID="10" presetClass="entr" presetSubtype="0" fill="hold" grpId="0" nodeType="clickEffect">
+                                  <p:stCondLst>
+                                    <p:cond delay="0"/>
+                                  </p:stCondLst>
+                                  <p:childTnLst>
+                                    <p:set>
+                                      <p:cBhvr>
+                                        <p:cTn id="11" dur="1" fill="hold">
+                                          <p:stCondLst>
+                                            <p:cond delay="0"/>
+                                          </p:stCondLst>
+                                        </p:cTn>
+                                        <p:tgtEl>
+                                          <p:spTgt spid="3">
+                                            <p:txEl>
+                                              <p:pRg st="1" end="1"/>
+                                            </p:txEl>
+                                          </p:spTgt>
+                                        </p:tgtEl>
+                                        <p:attrNameLst>
+                                          <p:attrName>style.visibility</p:attrName>
+                                        </p:attrNameLst>
+                                      </p:cBhvr>
+                                      <p:to>
+                                        <p:strVal val="visible"/>
+                                      </p:to>
+                                    </p:set>
+                                    <p:animEffect transition="in" filter="fade">
+                                      <p:cBhvr>
+                                        <p:cTn id="12" dur="500"/>
+                                        <p:tgtEl>
+                                          <p:spTgt spid="3">
+                                            <p:txEl>
+                                              <p:pRg st="1" end="1"/>
+                                            </p:txEl>
+                                          </p:spTgt>
+                                        </p:tgtEl>
+                                      </p:cBhvr>
+                                    </p:animEffect>
+                                  </p:childTnLst>
+                                </p:cTn>
+                              </p:par>
+                            </p:childTnLst>
+                          </p:cTn>
+                        </p:par>
+                      </p:childTnLst>
+                    </p:cTn>
+                  </p:par>
+                  <p:par>
+                    <p:cTn id="13" fill="hold">
+                      <p:stCondLst>
+                        <p:cond delay="indefinite"/>
+                      </p:stCondLst>
+                      <p:childTnLst>
+                        <p:par>
+                          <p:cTn id="14" fill="hold">
+                            <p:stCondLst>
+                              <p:cond delay="0"/>
+                            </p:stCondLst>
+                            <p:childTnLst>
+                              <p:par>
+                                <p:cTn id="15" presetID="10" presetClass="entr" presetSubtype="0" fill="hold" grpId="0" nodeType="clickEffect">
+                                  <p:stCondLst>
+                                    <p:cond delay="0"/>
+                                  </p:stCondLst>
+                                  <p:childTnLst>
+                                    <p:set>
+                                      <p:cBhvr>
+                                        <p:cTn id="16" dur="1" fill="hold">
+                                          <p:stCondLst>
+                                            <p:cond delay="0"/>
+                                          </p:stCondLst>
+                                        </p:cTn>
+                                        <p:tgtEl>
+                                          <p:spTgt spid="3">
+                                            <p:txEl>
+                                              <p:pRg st="2" end="2"/>
+                                            </p:txEl>
+                                          </p:spTgt>
+                                        </p:tgtEl>
+                                        <p:attrNameLst>
+                                          <p:attrName>style.visibility</p:attrName>
+                                        </p:attrNameLst>
+                                      </p:cBhvr>
+                                      <p:to>
+                                        <p:strVal val="visible"/>
+                                      </p:to>
+                                    </p:set>
+                                    <p:animEffect transition="in" filter="fade">
+                                      <p:cBhvr>
+                                        <p:cTn id="17" dur="500"/>
+                                        <p:tgtEl>
+                                          <p:spTgt spid="3">
+                                            <p:txEl>
+                                              <p:pRg st="2" end="2"/>
+                                            </p:txEl>
+                                          </p:spTgt>
+                                        </p:tgtEl>
+                                      </p:cBhvr>
+                                    </p:animEffect>
+                                  </p:childTnLst>
+                                </p:cTn>
+                              </p:par>
+                              <p:par>
+                                <p:cTn id="18" presetID="10" presetClass="entr" presetSubtype="0" fill="hold" grpId="0" nodeType="withEffect">
+                                  <p:stCondLst>
+                                    <p:cond delay="0"/>
+                                  </p:stCondLst>
+                                  <p:childTnLst>
+                                    <p:set>
+                                      <p:cBhvr>
+                                        <p:cTn id="19" dur="1" fill="hold">
+                                          <p:stCondLst>
+                                            <p:cond delay="0"/>
+                                          </p:stCondLst>
+                                        </p:cTn>
+                                        <p:tgtEl>
+                                          <p:spTgt spid="3">
+                                            <p:txEl>
+                                              <p:pRg st="3" end="3"/>
+                                            </p:txEl>
+                                          </p:spTgt>
+                                        </p:tgtEl>
+                                        <p:attrNameLst>
+                                          <p:attrName>style.visibility</p:attrName>
+                                        </p:attrNameLst>
+                                      </p:cBhvr>
+                                      <p:to>
+                                        <p:strVal val="visible"/>
+                                      </p:to>
+                                    </p:set>
+                                    <p:animEffect transition="in" filter="fade">
+                                      <p:cBhvr>
+                                        <p:cTn id="20" dur="500"/>
+                                        <p:tgtEl>
+                                          <p:spTgt spid="3">
+                                            <p:txEl>
+                                              <p:pRg st="3" end="3"/>
+                                            </p:txEl>
+                                          </p:spTgt>
+                                        </p:tgtEl>
+                                      </p:cBhvr>
+                                    </p:animEffect>
+                                  </p:childTnLst>
+                                </p:cTn>
+                              </p:par>
+                            </p:childTnLst>
+                          </p:cTn>
+                        </p:par>
+                      </p:childTnLst>
+                    </p:cTn>
+                  </p:par>
+                  <p:par>
+                    <p:cTn id="21" fill="hold">
+                      <p:stCondLst>
+                        <p:cond delay="indefinite"/>
+                      </p:stCondLst>
+                      <p:childTnLst>
+                        <p:par>
+                          <p:cTn id="22" fill="hold">
+                            <p:stCondLst>
+                              <p:cond delay="0"/>
+                            </p:stCondLst>
+                            <p:childTnLst>
+                              <p:par>
+                                <p:cTn id="23" presetID="10" presetClass="entr" presetSubtype="0" fill="hold" grpId="0" nodeType="clickEffect">
+                                  <p:stCondLst>
+                                    <p:cond delay="0"/>
+                                  </p:stCondLst>
+                                  <p:childTnLst>
+                                    <p:set>
+                                      <p:cBhvr>
+                                        <p:cTn id="24" dur="1" fill="hold">
+                                          <p:stCondLst>
+                                            <p:cond delay="0"/>
+                                          </p:stCondLst>
+                                        </p:cTn>
+                                        <p:tgtEl>
+                                          <p:spTgt spid="3">
+                                            <p:txEl>
+                                              <p:pRg st="4" end="4"/>
+                                            </p:txEl>
+                                          </p:spTgt>
+                                        </p:tgtEl>
+                                        <p:attrNameLst>
+                                          <p:attrName>style.visibility</p:attrName>
+                                        </p:attrNameLst>
+                                      </p:cBhvr>
+                                      <p:to>
+                                        <p:strVal val="visible"/>
+                                      </p:to>
+                                    </p:set>
+                                    <p:animEffect transition="in" filter="fade">
+                                      <p:cBhvr>
+                                        <p:cTn id="25" dur="500"/>
+                                        <p:tgtEl>
+                                          <p:spTgt spid="3">
+                                            <p:txEl>
+                                              <p:pRg st="4" end="4"/>
+                                            </p:txEl>
+                                          </p:spTgt>
+                                        </p:tgtEl>
+                                      </p:cBhvr>
+                                    </p:animEffect>
+                                  </p:childTnLst>
+                                </p:cTn>
+                              </p:par>
+                            </p:childTnLst>
+                          </p:cTn>
+                        </p:par>
+                      </p:childTnLst>
+                    </p:cTn>
+                  </p:par>
+                  <p:par>
+                    <p:cTn id="26" fill="hold">
+                      <p:stCondLst>
+                        <p:cond delay="indefinite"/>
+                      </p:stCondLst>
+                      <p:childTnLst>
+                        <p:par>
+                          <p:cTn id="27" fill="hold">
+                            <p:stCondLst>
+                              <p:cond delay="0"/>
+                            </p:stCondLst>
+                            <p:childTnLst>
+                              <p:par>
+                                <p:cTn id="28" presetID="10" presetClass="entr" presetSubtype="0" fill="hold" grpId="0" nodeType="clickEffect">
+                                  <p:stCondLst>
+                                    <p:cond delay="0"/>
+                                  </p:stCondLst>
+                                  <p:childTnLst>
+                                    <p:set>
+                                      <p:cBhvr>
+                                        <p:cTn id="29" dur="1" fill="hold">
+                                          <p:stCondLst>
+                                            <p:cond delay="0"/>
+                                          </p:stCondLst>
+                                        </p:cTn>
+                                        <p:tgtEl>
+                                          <p:spTgt spid="3">
+                                            <p:txEl>
+                                              <p:pRg st="5" end="5"/>
+                                            </p:txEl>
+                                          </p:spTgt>
+                                        </p:tgtEl>
+                                        <p:attrNameLst>
+                                          <p:attrName>style.visibility</p:attrName>
+                                        </p:attrNameLst>
+                                      </p:cBhvr>
+                                      <p:to>
+                                        <p:strVal val="visible"/>
+                                      </p:to>
+                                    </p:set>
+                                    <p:animEffect transition="in" filter="fade">
+                                      <p:cBhvr>
+                                        <p:cTn id="30" dur="500"/>
+                                        <p:tgtEl>
+                                          <p:spTgt spid="3">
+                                            <p:txEl>
+                                              <p:pRg st="5" end="5"/>
+                                            </p:txEl>
+                                          </p:spTgt>
+                                        </p:tgtEl>
+                                      </p:cBhvr>
+                                    </p:animEffect>
+                                  </p:childTnLst>
+                                </p:cTn>
+                              </p:par>
+                            </p:childTnLst>
+                          </p:cTn>
+                        </p:par>
+                      </p:childTnLst>
+                    </p:cTn>
+                  </p:par>
+                </p:childTnLst>
+              </p:cTn>
+              <p:prevCondLst>
+                <p:cond evt="onPrev" delay="0">
+                  <p:tgtEl>
+                    <p:sldTgt/>
+                  </p:tgtEl>
+                </p:cond>
+              </p:prevCondLst>
+              <p:nextCondLst>
+                <p:cond evt="onNext" delay="0">
+                  <p:tgtEl>
+                    <p:sldTgt/>
+                  </p:tgtEl>
+                </p:cond>
+              </p:nextCondLst>
+            </p:seq>
+          </p:childTnLst>
+        </p:cTn>
+      </p:par>
+    </p:tnLst>
+    <p:bldLst>
+      <p:bldP spid="3" grpId="0" uiExpand="1" build="p"/>
+    </p:bldLst>
+  </p:timing>
 </p:sld>
 </file>
 
@@ -31675,6 +32763,3534 @@
       <p:bldP spid="3" grpId="0" uiExpand="1" build="p"/>
     </p:bldLst>
   </p:timing>
+</p:sld>
+</file>
+
+<file path=ppt/slides/slide50.xml><?xml version="1.0" encoding="utf-8"?>
+<p:sld xmlns:a="http://schemas.openxmlformats.org/drawingml/2006/main" xmlns:r="http://schemas.openxmlformats.org/officeDocument/2006/relationships" xmlns:p="http://schemas.openxmlformats.org/presentationml/2006/main">
+  <p:cSld>
+    <p:spTree>
+      <p:nvGrpSpPr>
+        <p:cNvPr id="1" name=""/>
+        <p:cNvGrpSpPr/>
+        <p:nvPr/>
+      </p:nvGrpSpPr>
+      <p:grpSpPr>
+        <a:xfrm>
+          <a:off x="0" y="0"/>
+          <a:ext cx="0" cy="0"/>
+          <a:chOff x="0" y="0"/>
+          <a:chExt cx="0" cy="0"/>
+        </a:xfrm>
+      </p:grpSpPr>
+      <p:sp>
+        <p:nvSpPr>
+          <p:cNvPr id="2" name="Title 1">
+            <a:extLst>
+              <a:ext uri="{FF2B5EF4-FFF2-40B4-BE49-F238E27FC236}">
+                <a16:creationId xmlns:a16="http://schemas.microsoft.com/office/drawing/2014/main" id="{61E9E0B2-9C47-73E0-2F31-0D23D41D72B6}"/>
+              </a:ext>
+            </a:extLst>
+          </p:cNvPr>
+          <p:cNvSpPr>
+            <a:spLocks noGrp="1"/>
+          </p:cNvSpPr>
+          <p:nvPr>
+            <p:ph type="title"/>
+          </p:nvPr>
+        </p:nvSpPr>
+        <p:spPr/>
+        <p:txBody>
+          <a:bodyPr/>
+          <a:lstStyle/>
+          <a:p>
+            <a:r>
+              <a:rPr lang="en-US" dirty="0"/>
+              <a:t>Unit 9 – Control Templates</a:t>
+            </a:r>
+          </a:p>
+        </p:txBody>
+      </p:sp>
+      <p:sp>
+        <p:nvSpPr>
+          <p:cNvPr id="3" name="Content Placeholder 2">
+            <a:extLst>
+              <a:ext uri="{FF2B5EF4-FFF2-40B4-BE49-F238E27FC236}">
+                <a16:creationId xmlns:a16="http://schemas.microsoft.com/office/drawing/2014/main" id="{2ED59342-7D44-ED11-04F6-4D7A5BB98236}"/>
+              </a:ext>
+            </a:extLst>
+          </p:cNvPr>
+          <p:cNvSpPr>
+            <a:spLocks noGrp="1"/>
+          </p:cNvSpPr>
+          <p:nvPr>
+            <p:ph idx="1"/>
+          </p:nvPr>
+        </p:nvSpPr>
+        <p:spPr/>
+        <p:txBody>
+          <a:bodyPr>
+            <a:normAutofit fontScale="92500" lnSpcReduction="10000"/>
+          </a:bodyPr>
+          <a:lstStyle/>
+          <a:p>
+            <a:r>
+              <a:rPr lang="en-US" dirty="0"/>
+              <a:t>Two ways to customize built-in controls</a:t>
+            </a:r>
+          </a:p>
+          <a:p>
+            <a:pPr lvl="1"/>
+            <a:r>
+              <a:rPr lang="en-US" dirty="0"/>
+              <a:t>Apply a style -- set a bunch of property values</a:t>
+            </a:r>
+          </a:p>
+          <a:p>
+            <a:pPr lvl="1"/>
+            <a:r>
+              <a:rPr lang="en-US" dirty="0"/>
+              <a:t>Override control template -- change how the control is </a:t>
+            </a:r>
+            <a:r>
+              <a:rPr lang="en-US" dirty="0" err="1"/>
+              <a:t>constructe</a:t>
+            </a:r>
+            <a:endParaRPr lang="en-US" dirty="0"/>
+          </a:p>
+          <a:p>
+            <a:r>
+              <a:rPr lang="en-US" dirty="0"/>
+              <a:t>Control templates</a:t>
+            </a:r>
+          </a:p>
+          <a:p>
+            <a:pPr lvl="1"/>
+            <a:r>
+              <a:rPr lang="en-US" dirty="0"/>
+              <a:t>Every control has a default control template</a:t>
+            </a:r>
+          </a:p>
+          <a:p>
+            <a:pPr lvl="2"/>
+            <a:r>
+              <a:rPr lang="en-US" dirty="0"/>
+              <a:t>Full definition of the visual appearance of the control</a:t>
+            </a:r>
+          </a:p>
+          <a:p>
+            <a:pPr lvl="1"/>
+            <a:r>
+              <a:rPr lang="en-US" dirty="0"/>
+              <a:t>Every control is comprised of smaller pieces</a:t>
+            </a:r>
+          </a:p>
+          <a:p>
+            <a:r>
+              <a:rPr lang="en-US" dirty="0"/>
+              <a:t>Logical tree and visual tree</a:t>
+            </a:r>
+          </a:p>
+          <a:p>
+            <a:pPr lvl="1"/>
+            <a:r>
+              <a:rPr lang="en-US" dirty="0"/>
+              <a:t>What you see in XAML is the </a:t>
+            </a:r>
+            <a:r>
+              <a:rPr lang="en-US" i="1" dirty="0"/>
+              <a:t>logical tree </a:t>
+            </a:r>
+            <a:r>
+              <a:rPr lang="en-US" dirty="0"/>
+              <a:t>-- elements that you define</a:t>
+            </a:r>
+          </a:p>
+          <a:p>
+            <a:pPr lvl="1"/>
+            <a:r>
+              <a:rPr lang="en-US" dirty="0"/>
+              <a:t>At a lower level is the </a:t>
+            </a:r>
+            <a:r>
+              <a:rPr lang="en-US" i="1" dirty="0"/>
+              <a:t>visual tree </a:t>
+            </a:r>
+            <a:r>
+              <a:rPr lang="en-US" dirty="0"/>
+              <a:t>-- the actual low-level elements</a:t>
+            </a:r>
+          </a:p>
+          <a:p>
+            <a:r>
+              <a:rPr lang="en-US" dirty="0">
+                <a:solidFill>
+                  <a:srgbClr val="00B050"/>
+                </a:solidFill>
+              </a:rPr>
+              <a:t>Example – Using Snoop</a:t>
+            </a:r>
+          </a:p>
+        </p:txBody>
+      </p:sp>
+    </p:spTree>
+    <p:extLst>
+      <p:ext uri="{BB962C8B-B14F-4D97-AF65-F5344CB8AC3E}">
+        <p14:creationId xmlns:p14="http://schemas.microsoft.com/office/powerpoint/2010/main" val="339714021"/>
+      </p:ext>
+    </p:extLst>
+  </p:cSld>
+  <p:clrMapOvr>
+    <a:masterClrMapping/>
+  </p:clrMapOvr>
+  <p:timing>
+    <p:tnLst>
+      <p:par>
+        <p:cTn id="1" dur="indefinite" restart="never" nodeType="tmRoot">
+          <p:childTnLst>
+            <p:seq concurrent="1" nextAc="seek">
+              <p:cTn id="2" dur="indefinite" nodeType="mainSeq">
+                <p:childTnLst>
+                  <p:par>
+                    <p:cTn id="3" fill="hold">
+                      <p:stCondLst>
+                        <p:cond delay="indefinite"/>
+                      </p:stCondLst>
+                      <p:childTnLst>
+                        <p:par>
+                          <p:cTn id="4" fill="hold">
+                            <p:stCondLst>
+                              <p:cond delay="0"/>
+                            </p:stCondLst>
+                            <p:childTnLst>
+                              <p:par>
+                                <p:cTn id="5" presetID="10" presetClass="entr" presetSubtype="0" fill="hold" grpId="0" nodeType="clickEffect">
+                                  <p:stCondLst>
+                                    <p:cond delay="0"/>
+                                  </p:stCondLst>
+                                  <p:childTnLst>
+                                    <p:set>
+                                      <p:cBhvr>
+                                        <p:cTn id="6" dur="1" fill="hold">
+                                          <p:stCondLst>
+                                            <p:cond delay="0"/>
+                                          </p:stCondLst>
+                                        </p:cTn>
+                                        <p:tgtEl>
+                                          <p:spTgt spid="3">
+                                            <p:txEl>
+                                              <p:pRg st="0" end="0"/>
+                                            </p:txEl>
+                                          </p:spTgt>
+                                        </p:tgtEl>
+                                        <p:attrNameLst>
+                                          <p:attrName>style.visibility</p:attrName>
+                                        </p:attrNameLst>
+                                      </p:cBhvr>
+                                      <p:to>
+                                        <p:strVal val="visible"/>
+                                      </p:to>
+                                    </p:set>
+                                    <p:animEffect transition="in" filter="fade">
+                                      <p:cBhvr>
+                                        <p:cTn id="7" dur="500"/>
+                                        <p:tgtEl>
+                                          <p:spTgt spid="3">
+                                            <p:txEl>
+                                              <p:pRg st="0" end="0"/>
+                                            </p:txEl>
+                                          </p:spTgt>
+                                        </p:tgtEl>
+                                      </p:cBhvr>
+                                    </p:animEffect>
+                                  </p:childTnLst>
+                                </p:cTn>
+                              </p:par>
+                              <p:par>
+                                <p:cTn id="8" presetID="10" presetClass="entr" presetSubtype="0" fill="hold" grpId="0" nodeType="withEffect">
+                                  <p:stCondLst>
+                                    <p:cond delay="0"/>
+                                  </p:stCondLst>
+                                  <p:childTnLst>
+                                    <p:set>
+                                      <p:cBhvr>
+                                        <p:cTn id="9" dur="1" fill="hold">
+                                          <p:stCondLst>
+                                            <p:cond delay="0"/>
+                                          </p:stCondLst>
+                                        </p:cTn>
+                                        <p:tgtEl>
+                                          <p:spTgt spid="3">
+                                            <p:txEl>
+                                              <p:pRg st="1" end="1"/>
+                                            </p:txEl>
+                                          </p:spTgt>
+                                        </p:tgtEl>
+                                        <p:attrNameLst>
+                                          <p:attrName>style.visibility</p:attrName>
+                                        </p:attrNameLst>
+                                      </p:cBhvr>
+                                      <p:to>
+                                        <p:strVal val="visible"/>
+                                      </p:to>
+                                    </p:set>
+                                    <p:animEffect transition="in" filter="fade">
+                                      <p:cBhvr>
+                                        <p:cTn id="10" dur="500"/>
+                                        <p:tgtEl>
+                                          <p:spTgt spid="3">
+                                            <p:txEl>
+                                              <p:pRg st="1" end="1"/>
+                                            </p:txEl>
+                                          </p:spTgt>
+                                        </p:tgtEl>
+                                      </p:cBhvr>
+                                    </p:animEffect>
+                                  </p:childTnLst>
+                                </p:cTn>
+                              </p:par>
+                              <p:par>
+                                <p:cTn id="11" presetID="10" presetClass="entr" presetSubtype="0" fill="hold" grpId="0" nodeType="withEffect">
+                                  <p:stCondLst>
+                                    <p:cond delay="0"/>
+                                  </p:stCondLst>
+                                  <p:childTnLst>
+                                    <p:set>
+                                      <p:cBhvr>
+                                        <p:cTn id="12" dur="1" fill="hold">
+                                          <p:stCondLst>
+                                            <p:cond delay="0"/>
+                                          </p:stCondLst>
+                                        </p:cTn>
+                                        <p:tgtEl>
+                                          <p:spTgt spid="3">
+                                            <p:txEl>
+                                              <p:pRg st="2" end="2"/>
+                                            </p:txEl>
+                                          </p:spTgt>
+                                        </p:tgtEl>
+                                        <p:attrNameLst>
+                                          <p:attrName>style.visibility</p:attrName>
+                                        </p:attrNameLst>
+                                      </p:cBhvr>
+                                      <p:to>
+                                        <p:strVal val="visible"/>
+                                      </p:to>
+                                    </p:set>
+                                    <p:animEffect transition="in" filter="fade">
+                                      <p:cBhvr>
+                                        <p:cTn id="13" dur="500"/>
+                                        <p:tgtEl>
+                                          <p:spTgt spid="3">
+                                            <p:txEl>
+                                              <p:pRg st="2" end="2"/>
+                                            </p:txEl>
+                                          </p:spTgt>
+                                        </p:tgtEl>
+                                      </p:cBhvr>
+                                    </p:animEffect>
+                                  </p:childTnLst>
+                                </p:cTn>
+                              </p:par>
+                            </p:childTnLst>
+                          </p:cTn>
+                        </p:par>
+                      </p:childTnLst>
+                    </p:cTn>
+                  </p:par>
+                  <p:par>
+                    <p:cTn id="14" fill="hold">
+                      <p:stCondLst>
+                        <p:cond delay="indefinite"/>
+                      </p:stCondLst>
+                      <p:childTnLst>
+                        <p:par>
+                          <p:cTn id="15" fill="hold">
+                            <p:stCondLst>
+                              <p:cond delay="0"/>
+                            </p:stCondLst>
+                            <p:childTnLst>
+                              <p:par>
+                                <p:cTn id="16" presetID="10" presetClass="entr" presetSubtype="0" fill="hold" grpId="0" nodeType="clickEffect">
+                                  <p:stCondLst>
+                                    <p:cond delay="0"/>
+                                  </p:stCondLst>
+                                  <p:childTnLst>
+                                    <p:set>
+                                      <p:cBhvr>
+                                        <p:cTn id="17" dur="1" fill="hold">
+                                          <p:stCondLst>
+                                            <p:cond delay="0"/>
+                                          </p:stCondLst>
+                                        </p:cTn>
+                                        <p:tgtEl>
+                                          <p:spTgt spid="3">
+                                            <p:txEl>
+                                              <p:pRg st="3" end="3"/>
+                                            </p:txEl>
+                                          </p:spTgt>
+                                        </p:tgtEl>
+                                        <p:attrNameLst>
+                                          <p:attrName>style.visibility</p:attrName>
+                                        </p:attrNameLst>
+                                      </p:cBhvr>
+                                      <p:to>
+                                        <p:strVal val="visible"/>
+                                      </p:to>
+                                    </p:set>
+                                    <p:animEffect transition="in" filter="fade">
+                                      <p:cBhvr>
+                                        <p:cTn id="18" dur="500"/>
+                                        <p:tgtEl>
+                                          <p:spTgt spid="3">
+                                            <p:txEl>
+                                              <p:pRg st="3" end="3"/>
+                                            </p:txEl>
+                                          </p:spTgt>
+                                        </p:tgtEl>
+                                      </p:cBhvr>
+                                    </p:animEffect>
+                                  </p:childTnLst>
+                                </p:cTn>
+                              </p:par>
+                              <p:par>
+                                <p:cTn id="19" presetID="10" presetClass="entr" presetSubtype="0" fill="hold" grpId="0" nodeType="withEffect">
+                                  <p:stCondLst>
+                                    <p:cond delay="0"/>
+                                  </p:stCondLst>
+                                  <p:childTnLst>
+                                    <p:set>
+                                      <p:cBhvr>
+                                        <p:cTn id="20" dur="1" fill="hold">
+                                          <p:stCondLst>
+                                            <p:cond delay="0"/>
+                                          </p:stCondLst>
+                                        </p:cTn>
+                                        <p:tgtEl>
+                                          <p:spTgt spid="3">
+                                            <p:txEl>
+                                              <p:pRg st="4" end="4"/>
+                                            </p:txEl>
+                                          </p:spTgt>
+                                        </p:tgtEl>
+                                        <p:attrNameLst>
+                                          <p:attrName>style.visibility</p:attrName>
+                                        </p:attrNameLst>
+                                      </p:cBhvr>
+                                      <p:to>
+                                        <p:strVal val="visible"/>
+                                      </p:to>
+                                    </p:set>
+                                    <p:animEffect transition="in" filter="fade">
+                                      <p:cBhvr>
+                                        <p:cTn id="21" dur="500"/>
+                                        <p:tgtEl>
+                                          <p:spTgt spid="3">
+                                            <p:txEl>
+                                              <p:pRg st="4" end="4"/>
+                                            </p:txEl>
+                                          </p:spTgt>
+                                        </p:tgtEl>
+                                      </p:cBhvr>
+                                    </p:animEffect>
+                                  </p:childTnLst>
+                                </p:cTn>
+                              </p:par>
+                              <p:par>
+                                <p:cTn id="22" presetID="10" presetClass="entr" presetSubtype="0" fill="hold" grpId="0" nodeType="withEffect">
+                                  <p:stCondLst>
+                                    <p:cond delay="0"/>
+                                  </p:stCondLst>
+                                  <p:childTnLst>
+                                    <p:set>
+                                      <p:cBhvr>
+                                        <p:cTn id="23" dur="1" fill="hold">
+                                          <p:stCondLst>
+                                            <p:cond delay="0"/>
+                                          </p:stCondLst>
+                                        </p:cTn>
+                                        <p:tgtEl>
+                                          <p:spTgt spid="3">
+                                            <p:txEl>
+                                              <p:pRg st="5" end="5"/>
+                                            </p:txEl>
+                                          </p:spTgt>
+                                        </p:tgtEl>
+                                        <p:attrNameLst>
+                                          <p:attrName>style.visibility</p:attrName>
+                                        </p:attrNameLst>
+                                      </p:cBhvr>
+                                      <p:to>
+                                        <p:strVal val="visible"/>
+                                      </p:to>
+                                    </p:set>
+                                    <p:animEffect transition="in" filter="fade">
+                                      <p:cBhvr>
+                                        <p:cTn id="24" dur="500"/>
+                                        <p:tgtEl>
+                                          <p:spTgt spid="3">
+                                            <p:txEl>
+                                              <p:pRg st="5" end="5"/>
+                                            </p:txEl>
+                                          </p:spTgt>
+                                        </p:tgtEl>
+                                      </p:cBhvr>
+                                    </p:animEffect>
+                                  </p:childTnLst>
+                                </p:cTn>
+                              </p:par>
+                              <p:par>
+                                <p:cTn id="25" presetID="10" presetClass="entr" presetSubtype="0" fill="hold" grpId="0" nodeType="withEffect">
+                                  <p:stCondLst>
+                                    <p:cond delay="0"/>
+                                  </p:stCondLst>
+                                  <p:childTnLst>
+                                    <p:set>
+                                      <p:cBhvr>
+                                        <p:cTn id="26" dur="1" fill="hold">
+                                          <p:stCondLst>
+                                            <p:cond delay="0"/>
+                                          </p:stCondLst>
+                                        </p:cTn>
+                                        <p:tgtEl>
+                                          <p:spTgt spid="3">
+                                            <p:txEl>
+                                              <p:pRg st="6" end="6"/>
+                                            </p:txEl>
+                                          </p:spTgt>
+                                        </p:tgtEl>
+                                        <p:attrNameLst>
+                                          <p:attrName>style.visibility</p:attrName>
+                                        </p:attrNameLst>
+                                      </p:cBhvr>
+                                      <p:to>
+                                        <p:strVal val="visible"/>
+                                      </p:to>
+                                    </p:set>
+                                    <p:animEffect transition="in" filter="fade">
+                                      <p:cBhvr>
+                                        <p:cTn id="27" dur="500"/>
+                                        <p:tgtEl>
+                                          <p:spTgt spid="3">
+                                            <p:txEl>
+                                              <p:pRg st="6" end="6"/>
+                                            </p:txEl>
+                                          </p:spTgt>
+                                        </p:tgtEl>
+                                      </p:cBhvr>
+                                    </p:animEffect>
+                                  </p:childTnLst>
+                                </p:cTn>
+                              </p:par>
+                            </p:childTnLst>
+                          </p:cTn>
+                        </p:par>
+                      </p:childTnLst>
+                    </p:cTn>
+                  </p:par>
+                  <p:par>
+                    <p:cTn id="28" fill="hold">
+                      <p:stCondLst>
+                        <p:cond delay="indefinite"/>
+                      </p:stCondLst>
+                      <p:childTnLst>
+                        <p:par>
+                          <p:cTn id="29" fill="hold">
+                            <p:stCondLst>
+                              <p:cond delay="0"/>
+                            </p:stCondLst>
+                            <p:childTnLst>
+                              <p:par>
+                                <p:cTn id="30" presetID="10" presetClass="entr" presetSubtype="0" fill="hold" grpId="0" nodeType="clickEffect">
+                                  <p:stCondLst>
+                                    <p:cond delay="0"/>
+                                  </p:stCondLst>
+                                  <p:childTnLst>
+                                    <p:set>
+                                      <p:cBhvr>
+                                        <p:cTn id="31" dur="1" fill="hold">
+                                          <p:stCondLst>
+                                            <p:cond delay="0"/>
+                                          </p:stCondLst>
+                                        </p:cTn>
+                                        <p:tgtEl>
+                                          <p:spTgt spid="3">
+                                            <p:txEl>
+                                              <p:pRg st="7" end="7"/>
+                                            </p:txEl>
+                                          </p:spTgt>
+                                        </p:tgtEl>
+                                        <p:attrNameLst>
+                                          <p:attrName>style.visibility</p:attrName>
+                                        </p:attrNameLst>
+                                      </p:cBhvr>
+                                      <p:to>
+                                        <p:strVal val="visible"/>
+                                      </p:to>
+                                    </p:set>
+                                    <p:animEffect transition="in" filter="fade">
+                                      <p:cBhvr>
+                                        <p:cTn id="32" dur="500"/>
+                                        <p:tgtEl>
+                                          <p:spTgt spid="3">
+                                            <p:txEl>
+                                              <p:pRg st="7" end="7"/>
+                                            </p:txEl>
+                                          </p:spTgt>
+                                        </p:tgtEl>
+                                      </p:cBhvr>
+                                    </p:animEffect>
+                                  </p:childTnLst>
+                                </p:cTn>
+                              </p:par>
+                              <p:par>
+                                <p:cTn id="33" presetID="10" presetClass="entr" presetSubtype="0" fill="hold" grpId="0" nodeType="withEffect">
+                                  <p:stCondLst>
+                                    <p:cond delay="0"/>
+                                  </p:stCondLst>
+                                  <p:childTnLst>
+                                    <p:set>
+                                      <p:cBhvr>
+                                        <p:cTn id="34" dur="1" fill="hold">
+                                          <p:stCondLst>
+                                            <p:cond delay="0"/>
+                                          </p:stCondLst>
+                                        </p:cTn>
+                                        <p:tgtEl>
+                                          <p:spTgt spid="3">
+                                            <p:txEl>
+                                              <p:pRg st="8" end="8"/>
+                                            </p:txEl>
+                                          </p:spTgt>
+                                        </p:tgtEl>
+                                        <p:attrNameLst>
+                                          <p:attrName>style.visibility</p:attrName>
+                                        </p:attrNameLst>
+                                      </p:cBhvr>
+                                      <p:to>
+                                        <p:strVal val="visible"/>
+                                      </p:to>
+                                    </p:set>
+                                    <p:animEffect transition="in" filter="fade">
+                                      <p:cBhvr>
+                                        <p:cTn id="35" dur="500"/>
+                                        <p:tgtEl>
+                                          <p:spTgt spid="3">
+                                            <p:txEl>
+                                              <p:pRg st="8" end="8"/>
+                                            </p:txEl>
+                                          </p:spTgt>
+                                        </p:tgtEl>
+                                      </p:cBhvr>
+                                    </p:animEffect>
+                                  </p:childTnLst>
+                                </p:cTn>
+                              </p:par>
+                              <p:par>
+                                <p:cTn id="36" presetID="10" presetClass="entr" presetSubtype="0" fill="hold" grpId="0" nodeType="withEffect">
+                                  <p:stCondLst>
+                                    <p:cond delay="0"/>
+                                  </p:stCondLst>
+                                  <p:childTnLst>
+                                    <p:set>
+                                      <p:cBhvr>
+                                        <p:cTn id="37" dur="1" fill="hold">
+                                          <p:stCondLst>
+                                            <p:cond delay="0"/>
+                                          </p:stCondLst>
+                                        </p:cTn>
+                                        <p:tgtEl>
+                                          <p:spTgt spid="3">
+                                            <p:txEl>
+                                              <p:pRg st="9" end="9"/>
+                                            </p:txEl>
+                                          </p:spTgt>
+                                        </p:tgtEl>
+                                        <p:attrNameLst>
+                                          <p:attrName>style.visibility</p:attrName>
+                                        </p:attrNameLst>
+                                      </p:cBhvr>
+                                      <p:to>
+                                        <p:strVal val="visible"/>
+                                      </p:to>
+                                    </p:set>
+                                    <p:animEffect transition="in" filter="fade">
+                                      <p:cBhvr>
+                                        <p:cTn id="38" dur="500"/>
+                                        <p:tgtEl>
+                                          <p:spTgt spid="3">
+                                            <p:txEl>
+                                              <p:pRg st="9" end="9"/>
+                                            </p:txEl>
+                                          </p:spTgt>
+                                        </p:tgtEl>
+                                      </p:cBhvr>
+                                    </p:animEffect>
+                                  </p:childTnLst>
+                                </p:cTn>
+                              </p:par>
+                            </p:childTnLst>
+                          </p:cTn>
+                        </p:par>
+                      </p:childTnLst>
+                    </p:cTn>
+                  </p:par>
+                  <p:par>
+                    <p:cTn id="39" fill="hold">
+                      <p:stCondLst>
+                        <p:cond delay="indefinite"/>
+                      </p:stCondLst>
+                      <p:childTnLst>
+                        <p:par>
+                          <p:cTn id="40" fill="hold">
+                            <p:stCondLst>
+                              <p:cond delay="0"/>
+                            </p:stCondLst>
+                            <p:childTnLst>
+                              <p:par>
+                                <p:cTn id="41" presetID="10" presetClass="entr" presetSubtype="0" fill="hold" grpId="0" nodeType="clickEffect">
+                                  <p:stCondLst>
+                                    <p:cond delay="0"/>
+                                  </p:stCondLst>
+                                  <p:childTnLst>
+                                    <p:set>
+                                      <p:cBhvr>
+                                        <p:cTn id="42" dur="1" fill="hold">
+                                          <p:stCondLst>
+                                            <p:cond delay="0"/>
+                                          </p:stCondLst>
+                                        </p:cTn>
+                                        <p:tgtEl>
+                                          <p:spTgt spid="3">
+                                            <p:txEl>
+                                              <p:pRg st="10" end="10"/>
+                                            </p:txEl>
+                                          </p:spTgt>
+                                        </p:tgtEl>
+                                        <p:attrNameLst>
+                                          <p:attrName>style.visibility</p:attrName>
+                                        </p:attrNameLst>
+                                      </p:cBhvr>
+                                      <p:to>
+                                        <p:strVal val="visible"/>
+                                      </p:to>
+                                    </p:set>
+                                    <p:animEffect transition="in" filter="fade">
+                                      <p:cBhvr>
+                                        <p:cTn id="43" dur="500"/>
+                                        <p:tgtEl>
+                                          <p:spTgt spid="3">
+                                            <p:txEl>
+                                              <p:pRg st="10" end="10"/>
+                                            </p:txEl>
+                                          </p:spTgt>
+                                        </p:tgtEl>
+                                      </p:cBhvr>
+                                    </p:animEffect>
+                                  </p:childTnLst>
+                                </p:cTn>
+                              </p:par>
+                            </p:childTnLst>
+                          </p:cTn>
+                        </p:par>
+                      </p:childTnLst>
+                    </p:cTn>
+                  </p:par>
+                </p:childTnLst>
+              </p:cTn>
+              <p:prevCondLst>
+                <p:cond evt="onPrev" delay="0">
+                  <p:tgtEl>
+                    <p:sldTgt/>
+                  </p:tgtEl>
+                </p:cond>
+              </p:prevCondLst>
+              <p:nextCondLst>
+                <p:cond evt="onNext" delay="0">
+                  <p:tgtEl>
+                    <p:sldTgt/>
+                  </p:tgtEl>
+                </p:cond>
+              </p:nextCondLst>
+            </p:seq>
+          </p:childTnLst>
+        </p:cTn>
+      </p:par>
+    </p:tnLst>
+    <p:bldLst>
+      <p:bldP spid="3" grpId="0" uiExpand="1" build="p"/>
+    </p:bldLst>
+  </p:timing>
+</p:sld>
+</file>
+
+<file path=ppt/slides/slide51.xml><?xml version="1.0" encoding="utf-8"?>
+<p:sld xmlns:a="http://schemas.openxmlformats.org/drawingml/2006/main" xmlns:r="http://schemas.openxmlformats.org/officeDocument/2006/relationships" xmlns:p="http://schemas.openxmlformats.org/presentationml/2006/main">
+  <p:cSld>
+    <p:spTree>
+      <p:nvGrpSpPr>
+        <p:cNvPr id="1" name=""/>
+        <p:cNvGrpSpPr/>
+        <p:nvPr/>
+      </p:nvGrpSpPr>
+      <p:grpSpPr>
+        <a:xfrm>
+          <a:off x="0" y="0"/>
+          <a:ext cx="0" cy="0"/>
+          <a:chOff x="0" y="0"/>
+          <a:chExt cx="0" cy="0"/>
+        </a:xfrm>
+      </p:grpSpPr>
+      <p:sp>
+        <p:nvSpPr>
+          <p:cNvPr id="2" name="Title 1">
+            <a:extLst>
+              <a:ext uri="{FF2B5EF4-FFF2-40B4-BE49-F238E27FC236}">
+                <a16:creationId xmlns:a16="http://schemas.microsoft.com/office/drawing/2014/main" id="{3BAD8753-C607-4735-7895-DB22BF1F885B}"/>
+              </a:ext>
+            </a:extLst>
+          </p:cNvPr>
+          <p:cNvSpPr>
+            <a:spLocks noGrp="1"/>
+          </p:cNvSpPr>
+          <p:nvPr>
+            <p:ph type="title"/>
+          </p:nvPr>
+        </p:nvSpPr>
+        <p:spPr/>
+        <p:txBody>
+          <a:bodyPr/>
+          <a:lstStyle/>
+          <a:p>
+            <a:r>
+              <a:rPr lang="en-US" dirty="0"/>
+              <a:t>Unit 9 – Control Templates</a:t>
+            </a:r>
+          </a:p>
+        </p:txBody>
+      </p:sp>
+      <p:sp>
+        <p:nvSpPr>
+          <p:cNvPr id="3" name="Content Placeholder 2">
+            <a:extLst>
+              <a:ext uri="{FF2B5EF4-FFF2-40B4-BE49-F238E27FC236}">
+                <a16:creationId xmlns:a16="http://schemas.microsoft.com/office/drawing/2014/main" id="{19155667-282E-1AF4-E4A8-C95859C92D53}"/>
+              </a:ext>
+            </a:extLst>
+          </p:cNvPr>
+          <p:cNvSpPr>
+            <a:spLocks noGrp="1"/>
+          </p:cNvSpPr>
+          <p:nvPr>
+            <p:ph idx="1"/>
+          </p:nvPr>
+        </p:nvSpPr>
+        <p:spPr/>
+        <p:txBody>
+          <a:bodyPr>
+            <a:normAutofit fontScale="70000" lnSpcReduction="20000"/>
+          </a:bodyPr>
+          <a:lstStyle/>
+          <a:p>
+            <a:r>
+              <a:rPr lang="en-US" dirty="0"/>
+              <a:t>Overriding a control template</a:t>
+            </a:r>
+          </a:p>
+          <a:p>
+            <a:pPr lvl="1"/>
+            <a:r>
+              <a:rPr lang="en-US" dirty="0"/>
+              <a:t>You can override a control template and then modify it</a:t>
+            </a:r>
+          </a:p>
+          <a:p>
+            <a:pPr lvl="1"/>
+            <a:r>
+              <a:rPr lang="en-US" dirty="0"/>
+              <a:t>It's "all or nothing" -- use as is or replace</a:t>
+            </a:r>
+          </a:p>
+          <a:p>
+            <a:r>
+              <a:rPr lang="en-US" dirty="0"/>
+              <a:t>How to override control template</a:t>
+            </a:r>
+          </a:p>
+          <a:p>
+            <a:pPr lvl="1"/>
+            <a:r>
+              <a:rPr lang="en-US" dirty="0"/>
+              <a:t>Open XAML containing control to override  (e.g. Button)</a:t>
+            </a:r>
+          </a:p>
+          <a:p>
+            <a:pPr lvl="1"/>
+            <a:r>
+              <a:rPr lang="en-US" dirty="0"/>
+              <a:t>Rt-click on control and select View Designer</a:t>
+            </a:r>
+          </a:p>
+          <a:p>
+            <a:pPr lvl="2"/>
+            <a:r>
+              <a:rPr lang="en-US" dirty="0"/>
+              <a:t>Designer window opens, with design at top, XAML at bottom</a:t>
+            </a:r>
+          </a:p>
+          <a:p>
+            <a:pPr lvl="1"/>
+            <a:r>
+              <a:rPr lang="en-US" dirty="0"/>
+              <a:t>Left-click on the control, in the bottom window</a:t>
+            </a:r>
+          </a:p>
+          <a:p>
+            <a:pPr lvl="2"/>
+            <a:r>
+              <a:rPr lang="en-US" dirty="0"/>
+              <a:t>Properties window appears</a:t>
+            </a:r>
+          </a:p>
+          <a:p>
+            <a:pPr lvl="1"/>
+            <a:r>
+              <a:rPr lang="en-US" dirty="0"/>
+              <a:t>In Properties window, find Template, under Miscellaneous section</a:t>
+            </a:r>
+          </a:p>
+          <a:p>
+            <a:pPr lvl="1"/>
+            <a:r>
+              <a:rPr lang="en-US" dirty="0"/>
+              <a:t>Click dropdown to right of New button, Convert to New Resource</a:t>
+            </a:r>
+          </a:p>
+          <a:p>
+            <a:pPr lvl="1"/>
+            <a:r>
+              <a:rPr lang="en-US" dirty="0"/>
+              <a:t>Accept defaults, click OK</a:t>
+            </a:r>
+          </a:p>
+          <a:p>
+            <a:pPr lvl="2"/>
+            <a:r>
+              <a:rPr lang="en-US" dirty="0"/>
+              <a:t>A </a:t>
+            </a:r>
+            <a:r>
+              <a:rPr lang="en-US" dirty="0" err="1"/>
+              <a:t>ControlTemplate</a:t>
+            </a:r>
+            <a:r>
+              <a:rPr lang="en-US" dirty="0"/>
+              <a:t> is added to XAML file and the Button references it</a:t>
+            </a:r>
+          </a:p>
+          <a:p>
+            <a:r>
+              <a:rPr lang="en-US" dirty="0">
+                <a:solidFill>
+                  <a:srgbClr val="00B050"/>
+                </a:solidFill>
+              </a:rPr>
+              <a:t>Example – Copy of Control Template</a:t>
+            </a:r>
+          </a:p>
+          <a:p>
+            <a:pPr lvl="2"/>
+            <a:endParaRPr lang="en-US" dirty="0"/>
+          </a:p>
+        </p:txBody>
+      </p:sp>
+    </p:spTree>
+    <p:extLst>
+      <p:ext uri="{BB962C8B-B14F-4D97-AF65-F5344CB8AC3E}">
+        <p14:creationId xmlns:p14="http://schemas.microsoft.com/office/powerpoint/2010/main" val="1129592060"/>
+      </p:ext>
+    </p:extLst>
+  </p:cSld>
+  <p:clrMapOvr>
+    <a:masterClrMapping/>
+  </p:clrMapOvr>
+  <p:timing>
+    <p:tnLst>
+      <p:par>
+        <p:cTn id="1" dur="indefinite" restart="never" nodeType="tmRoot">
+          <p:childTnLst>
+            <p:seq concurrent="1" nextAc="seek">
+              <p:cTn id="2" dur="indefinite" nodeType="mainSeq">
+                <p:childTnLst>
+                  <p:par>
+                    <p:cTn id="3" fill="hold">
+                      <p:stCondLst>
+                        <p:cond delay="indefinite"/>
+                      </p:stCondLst>
+                      <p:childTnLst>
+                        <p:par>
+                          <p:cTn id="4" fill="hold">
+                            <p:stCondLst>
+                              <p:cond delay="0"/>
+                            </p:stCondLst>
+                            <p:childTnLst>
+                              <p:par>
+                                <p:cTn id="5" presetID="10" presetClass="entr" presetSubtype="0" fill="hold" grpId="0" nodeType="clickEffect">
+                                  <p:stCondLst>
+                                    <p:cond delay="0"/>
+                                  </p:stCondLst>
+                                  <p:childTnLst>
+                                    <p:set>
+                                      <p:cBhvr>
+                                        <p:cTn id="6" dur="1" fill="hold">
+                                          <p:stCondLst>
+                                            <p:cond delay="0"/>
+                                          </p:stCondLst>
+                                        </p:cTn>
+                                        <p:tgtEl>
+                                          <p:spTgt spid="3">
+                                            <p:txEl>
+                                              <p:pRg st="0" end="0"/>
+                                            </p:txEl>
+                                          </p:spTgt>
+                                        </p:tgtEl>
+                                        <p:attrNameLst>
+                                          <p:attrName>style.visibility</p:attrName>
+                                        </p:attrNameLst>
+                                      </p:cBhvr>
+                                      <p:to>
+                                        <p:strVal val="visible"/>
+                                      </p:to>
+                                    </p:set>
+                                    <p:animEffect transition="in" filter="fade">
+                                      <p:cBhvr>
+                                        <p:cTn id="7" dur="500"/>
+                                        <p:tgtEl>
+                                          <p:spTgt spid="3">
+                                            <p:txEl>
+                                              <p:pRg st="0" end="0"/>
+                                            </p:txEl>
+                                          </p:spTgt>
+                                        </p:tgtEl>
+                                      </p:cBhvr>
+                                    </p:animEffect>
+                                  </p:childTnLst>
+                                </p:cTn>
+                              </p:par>
+                              <p:par>
+                                <p:cTn id="8" presetID="10" presetClass="entr" presetSubtype="0" fill="hold" grpId="0" nodeType="withEffect">
+                                  <p:stCondLst>
+                                    <p:cond delay="0"/>
+                                  </p:stCondLst>
+                                  <p:childTnLst>
+                                    <p:set>
+                                      <p:cBhvr>
+                                        <p:cTn id="9" dur="1" fill="hold">
+                                          <p:stCondLst>
+                                            <p:cond delay="0"/>
+                                          </p:stCondLst>
+                                        </p:cTn>
+                                        <p:tgtEl>
+                                          <p:spTgt spid="3">
+                                            <p:txEl>
+                                              <p:pRg st="1" end="1"/>
+                                            </p:txEl>
+                                          </p:spTgt>
+                                        </p:tgtEl>
+                                        <p:attrNameLst>
+                                          <p:attrName>style.visibility</p:attrName>
+                                        </p:attrNameLst>
+                                      </p:cBhvr>
+                                      <p:to>
+                                        <p:strVal val="visible"/>
+                                      </p:to>
+                                    </p:set>
+                                    <p:animEffect transition="in" filter="fade">
+                                      <p:cBhvr>
+                                        <p:cTn id="10" dur="500"/>
+                                        <p:tgtEl>
+                                          <p:spTgt spid="3">
+                                            <p:txEl>
+                                              <p:pRg st="1" end="1"/>
+                                            </p:txEl>
+                                          </p:spTgt>
+                                        </p:tgtEl>
+                                      </p:cBhvr>
+                                    </p:animEffect>
+                                  </p:childTnLst>
+                                </p:cTn>
+                              </p:par>
+                              <p:par>
+                                <p:cTn id="11" presetID="10" presetClass="entr" presetSubtype="0" fill="hold" grpId="0" nodeType="withEffect">
+                                  <p:stCondLst>
+                                    <p:cond delay="0"/>
+                                  </p:stCondLst>
+                                  <p:childTnLst>
+                                    <p:set>
+                                      <p:cBhvr>
+                                        <p:cTn id="12" dur="1" fill="hold">
+                                          <p:stCondLst>
+                                            <p:cond delay="0"/>
+                                          </p:stCondLst>
+                                        </p:cTn>
+                                        <p:tgtEl>
+                                          <p:spTgt spid="3">
+                                            <p:txEl>
+                                              <p:pRg st="2" end="2"/>
+                                            </p:txEl>
+                                          </p:spTgt>
+                                        </p:tgtEl>
+                                        <p:attrNameLst>
+                                          <p:attrName>style.visibility</p:attrName>
+                                        </p:attrNameLst>
+                                      </p:cBhvr>
+                                      <p:to>
+                                        <p:strVal val="visible"/>
+                                      </p:to>
+                                    </p:set>
+                                    <p:animEffect transition="in" filter="fade">
+                                      <p:cBhvr>
+                                        <p:cTn id="13" dur="500"/>
+                                        <p:tgtEl>
+                                          <p:spTgt spid="3">
+                                            <p:txEl>
+                                              <p:pRg st="2" end="2"/>
+                                            </p:txEl>
+                                          </p:spTgt>
+                                        </p:tgtEl>
+                                      </p:cBhvr>
+                                    </p:animEffect>
+                                  </p:childTnLst>
+                                </p:cTn>
+                              </p:par>
+                            </p:childTnLst>
+                          </p:cTn>
+                        </p:par>
+                      </p:childTnLst>
+                    </p:cTn>
+                  </p:par>
+                  <p:par>
+                    <p:cTn id="14" fill="hold">
+                      <p:stCondLst>
+                        <p:cond delay="indefinite"/>
+                      </p:stCondLst>
+                      <p:childTnLst>
+                        <p:par>
+                          <p:cTn id="15" fill="hold">
+                            <p:stCondLst>
+                              <p:cond delay="0"/>
+                            </p:stCondLst>
+                            <p:childTnLst>
+                              <p:par>
+                                <p:cTn id="16" presetID="10" presetClass="entr" presetSubtype="0" fill="hold" grpId="0" nodeType="clickEffect">
+                                  <p:stCondLst>
+                                    <p:cond delay="0"/>
+                                  </p:stCondLst>
+                                  <p:childTnLst>
+                                    <p:set>
+                                      <p:cBhvr>
+                                        <p:cTn id="17" dur="1" fill="hold">
+                                          <p:stCondLst>
+                                            <p:cond delay="0"/>
+                                          </p:stCondLst>
+                                        </p:cTn>
+                                        <p:tgtEl>
+                                          <p:spTgt spid="3">
+                                            <p:txEl>
+                                              <p:pRg st="3" end="3"/>
+                                            </p:txEl>
+                                          </p:spTgt>
+                                        </p:tgtEl>
+                                        <p:attrNameLst>
+                                          <p:attrName>style.visibility</p:attrName>
+                                        </p:attrNameLst>
+                                      </p:cBhvr>
+                                      <p:to>
+                                        <p:strVal val="visible"/>
+                                      </p:to>
+                                    </p:set>
+                                    <p:animEffect transition="in" filter="fade">
+                                      <p:cBhvr>
+                                        <p:cTn id="18" dur="500"/>
+                                        <p:tgtEl>
+                                          <p:spTgt spid="3">
+                                            <p:txEl>
+                                              <p:pRg st="3" end="3"/>
+                                            </p:txEl>
+                                          </p:spTgt>
+                                        </p:tgtEl>
+                                      </p:cBhvr>
+                                    </p:animEffect>
+                                  </p:childTnLst>
+                                </p:cTn>
+                              </p:par>
+                              <p:par>
+                                <p:cTn id="19" presetID="10" presetClass="entr" presetSubtype="0" fill="hold" grpId="0" nodeType="withEffect">
+                                  <p:stCondLst>
+                                    <p:cond delay="0"/>
+                                  </p:stCondLst>
+                                  <p:childTnLst>
+                                    <p:set>
+                                      <p:cBhvr>
+                                        <p:cTn id="20" dur="1" fill="hold">
+                                          <p:stCondLst>
+                                            <p:cond delay="0"/>
+                                          </p:stCondLst>
+                                        </p:cTn>
+                                        <p:tgtEl>
+                                          <p:spTgt spid="3">
+                                            <p:txEl>
+                                              <p:pRg st="4" end="4"/>
+                                            </p:txEl>
+                                          </p:spTgt>
+                                        </p:tgtEl>
+                                        <p:attrNameLst>
+                                          <p:attrName>style.visibility</p:attrName>
+                                        </p:attrNameLst>
+                                      </p:cBhvr>
+                                      <p:to>
+                                        <p:strVal val="visible"/>
+                                      </p:to>
+                                    </p:set>
+                                    <p:animEffect transition="in" filter="fade">
+                                      <p:cBhvr>
+                                        <p:cTn id="21" dur="500"/>
+                                        <p:tgtEl>
+                                          <p:spTgt spid="3">
+                                            <p:txEl>
+                                              <p:pRg st="4" end="4"/>
+                                            </p:txEl>
+                                          </p:spTgt>
+                                        </p:tgtEl>
+                                      </p:cBhvr>
+                                    </p:animEffect>
+                                  </p:childTnLst>
+                                </p:cTn>
+                              </p:par>
+                              <p:par>
+                                <p:cTn id="22" presetID="10" presetClass="entr" presetSubtype="0" fill="hold" grpId="0" nodeType="withEffect">
+                                  <p:stCondLst>
+                                    <p:cond delay="0"/>
+                                  </p:stCondLst>
+                                  <p:childTnLst>
+                                    <p:set>
+                                      <p:cBhvr>
+                                        <p:cTn id="23" dur="1" fill="hold">
+                                          <p:stCondLst>
+                                            <p:cond delay="0"/>
+                                          </p:stCondLst>
+                                        </p:cTn>
+                                        <p:tgtEl>
+                                          <p:spTgt spid="3">
+                                            <p:txEl>
+                                              <p:pRg st="5" end="5"/>
+                                            </p:txEl>
+                                          </p:spTgt>
+                                        </p:tgtEl>
+                                        <p:attrNameLst>
+                                          <p:attrName>style.visibility</p:attrName>
+                                        </p:attrNameLst>
+                                      </p:cBhvr>
+                                      <p:to>
+                                        <p:strVal val="visible"/>
+                                      </p:to>
+                                    </p:set>
+                                    <p:animEffect transition="in" filter="fade">
+                                      <p:cBhvr>
+                                        <p:cTn id="24" dur="500"/>
+                                        <p:tgtEl>
+                                          <p:spTgt spid="3">
+                                            <p:txEl>
+                                              <p:pRg st="5" end="5"/>
+                                            </p:txEl>
+                                          </p:spTgt>
+                                        </p:tgtEl>
+                                      </p:cBhvr>
+                                    </p:animEffect>
+                                  </p:childTnLst>
+                                </p:cTn>
+                              </p:par>
+                              <p:par>
+                                <p:cTn id="25" presetID="10" presetClass="entr" presetSubtype="0" fill="hold" grpId="0" nodeType="withEffect">
+                                  <p:stCondLst>
+                                    <p:cond delay="0"/>
+                                  </p:stCondLst>
+                                  <p:childTnLst>
+                                    <p:set>
+                                      <p:cBhvr>
+                                        <p:cTn id="26" dur="1" fill="hold">
+                                          <p:stCondLst>
+                                            <p:cond delay="0"/>
+                                          </p:stCondLst>
+                                        </p:cTn>
+                                        <p:tgtEl>
+                                          <p:spTgt spid="3">
+                                            <p:txEl>
+                                              <p:pRg st="6" end="6"/>
+                                            </p:txEl>
+                                          </p:spTgt>
+                                        </p:tgtEl>
+                                        <p:attrNameLst>
+                                          <p:attrName>style.visibility</p:attrName>
+                                        </p:attrNameLst>
+                                      </p:cBhvr>
+                                      <p:to>
+                                        <p:strVal val="visible"/>
+                                      </p:to>
+                                    </p:set>
+                                    <p:animEffect transition="in" filter="fade">
+                                      <p:cBhvr>
+                                        <p:cTn id="27" dur="500"/>
+                                        <p:tgtEl>
+                                          <p:spTgt spid="3">
+                                            <p:txEl>
+                                              <p:pRg st="6" end="6"/>
+                                            </p:txEl>
+                                          </p:spTgt>
+                                        </p:tgtEl>
+                                      </p:cBhvr>
+                                    </p:animEffect>
+                                  </p:childTnLst>
+                                </p:cTn>
+                              </p:par>
+                              <p:par>
+                                <p:cTn id="28" presetID="10" presetClass="entr" presetSubtype="0" fill="hold" grpId="0" nodeType="withEffect">
+                                  <p:stCondLst>
+                                    <p:cond delay="0"/>
+                                  </p:stCondLst>
+                                  <p:childTnLst>
+                                    <p:set>
+                                      <p:cBhvr>
+                                        <p:cTn id="29" dur="1" fill="hold">
+                                          <p:stCondLst>
+                                            <p:cond delay="0"/>
+                                          </p:stCondLst>
+                                        </p:cTn>
+                                        <p:tgtEl>
+                                          <p:spTgt spid="3">
+                                            <p:txEl>
+                                              <p:pRg st="7" end="7"/>
+                                            </p:txEl>
+                                          </p:spTgt>
+                                        </p:tgtEl>
+                                        <p:attrNameLst>
+                                          <p:attrName>style.visibility</p:attrName>
+                                        </p:attrNameLst>
+                                      </p:cBhvr>
+                                      <p:to>
+                                        <p:strVal val="visible"/>
+                                      </p:to>
+                                    </p:set>
+                                    <p:animEffect transition="in" filter="fade">
+                                      <p:cBhvr>
+                                        <p:cTn id="30" dur="500"/>
+                                        <p:tgtEl>
+                                          <p:spTgt spid="3">
+                                            <p:txEl>
+                                              <p:pRg st="7" end="7"/>
+                                            </p:txEl>
+                                          </p:spTgt>
+                                        </p:tgtEl>
+                                      </p:cBhvr>
+                                    </p:animEffect>
+                                  </p:childTnLst>
+                                </p:cTn>
+                              </p:par>
+                              <p:par>
+                                <p:cTn id="31" presetID="10" presetClass="entr" presetSubtype="0" fill="hold" grpId="0" nodeType="withEffect">
+                                  <p:stCondLst>
+                                    <p:cond delay="0"/>
+                                  </p:stCondLst>
+                                  <p:childTnLst>
+                                    <p:set>
+                                      <p:cBhvr>
+                                        <p:cTn id="32" dur="1" fill="hold">
+                                          <p:stCondLst>
+                                            <p:cond delay="0"/>
+                                          </p:stCondLst>
+                                        </p:cTn>
+                                        <p:tgtEl>
+                                          <p:spTgt spid="3">
+                                            <p:txEl>
+                                              <p:pRg st="8" end="8"/>
+                                            </p:txEl>
+                                          </p:spTgt>
+                                        </p:tgtEl>
+                                        <p:attrNameLst>
+                                          <p:attrName>style.visibility</p:attrName>
+                                        </p:attrNameLst>
+                                      </p:cBhvr>
+                                      <p:to>
+                                        <p:strVal val="visible"/>
+                                      </p:to>
+                                    </p:set>
+                                    <p:animEffect transition="in" filter="fade">
+                                      <p:cBhvr>
+                                        <p:cTn id="33" dur="500"/>
+                                        <p:tgtEl>
+                                          <p:spTgt spid="3">
+                                            <p:txEl>
+                                              <p:pRg st="8" end="8"/>
+                                            </p:txEl>
+                                          </p:spTgt>
+                                        </p:tgtEl>
+                                      </p:cBhvr>
+                                    </p:animEffect>
+                                  </p:childTnLst>
+                                </p:cTn>
+                              </p:par>
+                              <p:par>
+                                <p:cTn id="34" presetID="10" presetClass="entr" presetSubtype="0" fill="hold" grpId="0" nodeType="withEffect">
+                                  <p:stCondLst>
+                                    <p:cond delay="0"/>
+                                  </p:stCondLst>
+                                  <p:childTnLst>
+                                    <p:set>
+                                      <p:cBhvr>
+                                        <p:cTn id="35" dur="1" fill="hold">
+                                          <p:stCondLst>
+                                            <p:cond delay="0"/>
+                                          </p:stCondLst>
+                                        </p:cTn>
+                                        <p:tgtEl>
+                                          <p:spTgt spid="3">
+                                            <p:txEl>
+                                              <p:pRg st="9" end="9"/>
+                                            </p:txEl>
+                                          </p:spTgt>
+                                        </p:tgtEl>
+                                        <p:attrNameLst>
+                                          <p:attrName>style.visibility</p:attrName>
+                                        </p:attrNameLst>
+                                      </p:cBhvr>
+                                      <p:to>
+                                        <p:strVal val="visible"/>
+                                      </p:to>
+                                    </p:set>
+                                    <p:animEffect transition="in" filter="fade">
+                                      <p:cBhvr>
+                                        <p:cTn id="36" dur="500"/>
+                                        <p:tgtEl>
+                                          <p:spTgt spid="3">
+                                            <p:txEl>
+                                              <p:pRg st="9" end="9"/>
+                                            </p:txEl>
+                                          </p:spTgt>
+                                        </p:tgtEl>
+                                      </p:cBhvr>
+                                    </p:animEffect>
+                                  </p:childTnLst>
+                                </p:cTn>
+                              </p:par>
+                              <p:par>
+                                <p:cTn id="37" presetID="10" presetClass="entr" presetSubtype="0" fill="hold" grpId="0" nodeType="withEffect">
+                                  <p:stCondLst>
+                                    <p:cond delay="0"/>
+                                  </p:stCondLst>
+                                  <p:childTnLst>
+                                    <p:set>
+                                      <p:cBhvr>
+                                        <p:cTn id="38" dur="1" fill="hold">
+                                          <p:stCondLst>
+                                            <p:cond delay="0"/>
+                                          </p:stCondLst>
+                                        </p:cTn>
+                                        <p:tgtEl>
+                                          <p:spTgt spid="3">
+                                            <p:txEl>
+                                              <p:pRg st="10" end="10"/>
+                                            </p:txEl>
+                                          </p:spTgt>
+                                        </p:tgtEl>
+                                        <p:attrNameLst>
+                                          <p:attrName>style.visibility</p:attrName>
+                                        </p:attrNameLst>
+                                      </p:cBhvr>
+                                      <p:to>
+                                        <p:strVal val="visible"/>
+                                      </p:to>
+                                    </p:set>
+                                    <p:animEffect transition="in" filter="fade">
+                                      <p:cBhvr>
+                                        <p:cTn id="39" dur="500"/>
+                                        <p:tgtEl>
+                                          <p:spTgt spid="3">
+                                            <p:txEl>
+                                              <p:pRg st="10" end="10"/>
+                                            </p:txEl>
+                                          </p:spTgt>
+                                        </p:tgtEl>
+                                      </p:cBhvr>
+                                    </p:animEffect>
+                                  </p:childTnLst>
+                                </p:cTn>
+                              </p:par>
+                              <p:par>
+                                <p:cTn id="40" presetID="10" presetClass="entr" presetSubtype="0" fill="hold" grpId="0" nodeType="withEffect">
+                                  <p:stCondLst>
+                                    <p:cond delay="0"/>
+                                  </p:stCondLst>
+                                  <p:childTnLst>
+                                    <p:set>
+                                      <p:cBhvr>
+                                        <p:cTn id="41" dur="1" fill="hold">
+                                          <p:stCondLst>
+                                            <p:cond delay="0"/>
+                                          </p:stCondLst>
+                                        </p:cTn>
+                                        <p:tgtEl>
+                                          <p:spTgt spid="3">
+                                            <p:txEl>
+                                              <p:pRg st="11" end="11"/>
+                                            </p:txEl>
+                                          </p:spTgt>
+                                        </p:tgtEl>
+                                        <p:attrNameLst>
+                                          <p:attrName>style.visibility</p:attrName>
+                                        </p:attrNameLst>
+                                      </p:cBhvr>
+                                      <p:to>
+                                        <p:strVal val="visible"/>
+                                      </p:to>
+                                    </p:set>
+                                    <p:animEffect transition="in" filter="fade">
+                                      <p:cBhvr>
+                                        <p:cTn id="42" dur="500"/>
+                                        <p:tgtEl>
+                                          <p:spTgt spid="3">
+                                            <p:txEl>
+                                              <p:pRg st="11" end="11"/>
+                                            </p:txEl>
+                                          </p:spTgt>
+                                        </p:tgtEl>
+                                      </p:cBhvr>
+                                    </p:animEffect>
+                                  </p:childTnLst>
+                                </p:cTn>
+                              </p:par>
+                              <p:par>
+                                <p:cTn id="43" presetID="10" presetClass="entr" presetSubtype="0" fill="hold" grpId="0" nodeType="withEffect">
+                                  <p:stCondLst>
+                                    <p:cond delay="0"/>
+                                  </p:stCondLst>
+                                  <p:childTnLst>
+                                    <p:set>
+                                      <p:cBhvr>
+                                        <p:cTn id="44" dur="1" fill="hold">
+                                          <p:stCondLst>
+                                            <p:cond delay="0"/>
+                                          </p:stCondLst>
+                                        </p:cTn>
+                                        <p:tgtEl>
+                                          <p:spTgt spid="3">
+                                            <p:txEl>
+                                              <p:pRg st="12" end="12"/>
+                                            </p:txEl>
+                                          </p:spTgt>
+                                        </p:tgtEl>
+                                        <p:attrNameLst>
+                                          <p:attrName>style.visibility</p:attrName>
+                                        </p:attrNameLst>
+                                      </p:cBhvr>
+                                      <p:to>
+                                        <p:strVal val="visible"/>
+                                      </p:to>
+                                    </p:set>
+                                    <p:animEffect transition="in" filter="fade">
+                                      <p:cBhvr>
+                                        <p:cTn id="45" dur="500"/>
+                                        <p:tgtEl>
+                                          <p:spTgt spid="3">
+                                            <p:txEl>
+                                              <p:pRg st="12" end="12"/>
+                                            </p:txEl>
+                                          </p:spTgt>
+                                        </p:tgtEl>
+                                      </p:cBhvr>
+                                    </p:animEffect>
+                                  </p:childTnLst>
+                                </p:cTn>
+                              </p:par>
+                            </p:childTnLst>
+                          </p:cTn>
+                        </p:par>
+                      </p:childTnLst>
+                    </p:cTn>
+                  </p:par>
+                  <p:par>
+                    <p:cTn id="46" fill="hold">
+                      <p:stCondLst>
+                        <p:cond delay="indefinite"/>
+                      </p:stCondLst>
+                      <p:childTnLst>
+                        <p:par>
+                          <p:cTn id="47" fill="hold">
+                            <p:stCondLst>
+                              <p:cond delay="0"/>
+                            </p:stCondLst>
+                            <p:childTnLst>
+                              <p:par>
+                                <p:cTn id="48" presetID="10" presetClass="entr" presetSubtype="0" fill="hold" grpId="0" nodeType="clickEffect">
+                                  <p:stCondLst>
+                                    <p:cond delay="0"/>
+                                  </p:stCondLst>
+                                  <p:childTnLst>
+                                    <p:set>
+                                      <p:cBhvr>
+                                        <p:cTn id="49" dur="1" fill="hold">
+                                          <p:stCondLst>
+                                            <p:cond delay="0"/>
+                                          </p:stCondLst>
+                                        </p:cTn>
+                                        <p:tgtEl>
+                                          <p:spTgt spid="3">
+                                            <p:txEl>
+                                              <p:pRg st="13" end="13"/>
+                                            </p:txEl>
+                                          </p:spTgt>
+                                        </p:tgtEl>
+                                        <p:attrNameLst>
+                                          <p:attrName>style.visibility</p:attrName>
+                                        </p:attrNameLst>
+                                      </p:cBhvr>
+                                      <p:to>
+                                        <p:strVal val="visible"/>
+                                      </p:to>
+                                    </p:set>
+                                    <p:animEffect transition="in" filter="fade">
+                                      <p:cBhvr>
+                                        <p:cTn id="50" dur="500"/>
+                                        <p:tgtEl>
+                                          <p:spTgt spid="3">
+                                            <p:txEl>
+                                              <p:pRg st="13" end="13"/>
+                                            </p:txEl>
+                                          </p:spTgt>
+                                        </p:tgtEl>
+                                      </p:cBhvr>
+                                    </p:animEffect>
+                                  </p:childTnLst>
+                                </p:cTn>
+                              </p:par>
+                            </p:childTnLst>
+                          </p:cTn>
+                        </p:par>
+                      </p:childTnLst>
+                    </p:cTn>
+                  </p:par>
+                </p:childTnLst>
+              </p:cTn>
+              <p:prevCondLst>
+                <p:cond evt="onPrev" delay="0">
+                  <p:tgtEl>
+                    <p:sldTgt/>
+                  </p:tgtEl>
+                </p:cond>
+              </p:prevCondLst>
+              <p:nextCondLst>
+                <p:cond evt="onNext" delay="0">
+                  <p:tgtEl>
+                    <p:sldTgt/>
+                  </p:tgtEl>
+                </p:cond>
+              </p:nextCondLst>
+            </p:seq>
+          </p:childTnLst>
+        </p:cTn>
+      </p:par>
+    </p:tnLst>
+    <p:bldLst>
+      <p:bldP spid="3" grpId="0" uiExpand="1" build="p"/>
+    </p:bldLst>
+  </p:timing>
+</p:sld>
+</file>
+
+<file path=ppt/slides/slide52.xml><?xml version="1.0" encoding="utf-8"?>
+<p:sld xmlns:a="http://schemas.openxmlformats.org/drawingml/2006/main" xmlns:r="http://schemas.openxmlformats.org/officeDocument/2006/relationships" xmlns:p="http://schemas.openxmlformats.org/presentationml/2006/main">
+  <p:cSld>
+    <p:spTree>
+      <p:nvGrpSpPr>
+        <p:cNvPr id="1" name=""/>
+        <p:cNvGrpSpPr/>
+        <p:nvPr/>
+      </p:nvGrpSpPr>
+      <p:grpSpPr>
+        <a:xfrm>
+          <a:off x="0" y="0"/>
+          <a:ext cx="0" cy="0"/>
+          <a:chOff x="0" y="0"/>
+          <a:chExt cx="0" cy="0"/>
+        </a:xfrm>
+      </p:grpSpPr>
+      <p:sp>
+        <p:nvSpPr>
+          <p:cNvPr id="2" name="Title 1">
+            <a:extLst>
+              <a:ext uri="{FF2B5EF4-FFF2-40B4-BE49-F238E27FC236}">
+                <a16:creationId xmlns:a16="http://schemas.microsoft.com/office/drawing/2014/main" id="{857D1496-3EEA-9F2C-D61E-20F7A35E1CE8}"/>
+              </a:ext>
+            </a:extLst>
+          </p:cNvPr>
+          <p:cNvSpPr>
+            <a:spLocks noGrp="1"/>
+          </p:cNvSpPr>
+          <p:nvPr>
+            <p:ph type="title"/>
+          </p:nvPr>
+        </p:nvSpPr>
+        <p:spPr/>
+        <p:txBody>
+          <a:bodyPr/>
+          <a:lstStyle/>
+          <a:p>
+            <a:r>
+              <a:rPr lang="en-US" dirty="0"/>
+              <a:t>Unit 9 – Control Templates</a:t>
+            </a:r>
+          </a:p>
+        </p:txBody>
+      </p:sp>
+      <p:sp>
+        <p:nvSpPr>
+          <p:cNvPr id="3" name="Content Placeholder 2">
+            <a:extLst>
+              <a:ext uri="{FF2B5EF4-FFF2-40B4-BE49-F238E27FC236}">
+                <a16:creationId xmlns:a16="http://schemas.microsoft.com/office/drawing/2014/main" id="{18030AB0-524B-BAEB-66D7-6D7523D20518}"/>
+              </a:ext>
+            </a:extLst>
+          </p:cNvPr>
+          <p:cNvSpPr>
+            <a:spLocks noGrp="1"/>
+          </p:cNvSpPr>
+          <p:nvPr>
+            <p:ph idx="1"/>
+          </p:nvPr>
+        </p:nvSpPr>
+        <p:spPr/>
+        <p:txBody>
+          <a:bodyPr/>
+          <a:lstStyle/>
+          <a:p>
+            <a:r>
+              <a:rPr lang="en-US" dirty="0"/>
+              <a:t>Why / when to override a control template</a:t>
+            </a:r>
+          </a:p>
+          <a:p>
+            <a:pPr lvl="1"/>
+            <a:r>
+              <a:rPr lang="en-US" dirty="0"/>
+              <a:t>Customize appearance, e.g. add child controls within the parent control</a:t>
+            </a:r>
+          </a:p>
+          <a:p>
+            <a:pPr lvl="1"/>
+            <a:r>
+              <a:rPr lang="en-US" dirty="0"/>
+              <a:t>Customize behavior, e.g. change basic triggers</a:t>
+            </a:r>
+          </a:p>
+          <a:p>
+            <a:r>
+              <a:rPr lang="en-US" dirty="0"/>
+              <a:t>It is very common to override control templates for common controls	</a:t>
+            </a:r>
+          </a:p>
+          <a:p>
+            <a:pPr lvl="1"/>
+            <a:r>
+              <a:rPr lang="en-US" dirty="0"/>
+              <a:t>For MTS products, this is done in </a:t>
+            </a:r>
+            <a:r>
+              <a:rPr lang="en-US" dirty="0" err="1"/>
+              <a:t>MTS.Controls</a:t>
+            </a:r>
+            <a:r>
+              <a:rPr lang="en-US" dirty="0"/>
+              <a:t> and applications like Connect</a:t>
+            </a:r>
+          </a:p>
+        </p:txBody>
+      </p:sp>
+    </p:spTree>
+    <p:extLst>
+      <p:ext uri="{BB962C8B-B14F-4D97-AF65-F5344CB8AC3E}">
+        <p14:creationId xmlns:p14="http://schemas.microsoft.com/office/powerpoint/2010/main" val="2008243583"/>
+      </p:ext>
+    </p:extLst>
+  </p:cSld>
+  <p:clrMapOvr>
+    <a:masterClrMapping/>
+  </p:clrMapOvr>
+  <p:timing>
+    <p:tnLst>
+      <p:par>
+        <p:cTn id="1" dur="indefinite" restart="never" nodeType="tmRoot">
+          <p:childTnLst>
+            <p:seq concurrent="1" nextAc="seek">
+              <p:cTn id="2" dur="indefinite" nodeType="mainSeq">
+                <p:childTnLst>
+                  <p:par>
+                    <p:cTn id="3" fill="hold">
+                      <p:stCondLst>
+                        <p:cond delay="indefinite"/>
+                      </p:stCondLst>
+                      <p:childTnLst>
+                        <p:par>
+                          <p:cTn id="4" fill="hold">
+                            <p:stCondLst>
+                              <p:cond delay="0"/>
+                            </p:stCondLst>
+                            <p:childTnLst>
+                              <p:par>
+                                <p:cTn id="5" presetID="10" presetClass="entr" presetSubtype="0" fill="hold" grpId="0" nodeType="clickEffect">
+                                  <p:stCondLst>
+                                    <p:cond delay="0"/>
+                                  </p:stCondLst>
+                                  <p:childTnLst>
+                                    <p:set>
+                                      <p:cBhvr>
+                                        <p:cTn id="6" dur="1" fill="hold">
+                                          <p:stCondLst>
+                                            <p:cond delay="0"/>
+                                          </p:stCondLst>
+                                        </p:cTn>
+                                        <p:tgtEl>
+                                          <p:spTgt spid="3">
+                                            <p:txEl>
+                                              <p:pRg st="0" end="0"/>
+                                            </p:txEl>
+                                          </p:spTgt>
+                                        </p:tgtEl>
+                                        <p:attrNameLst>
+                                          <p:attrName>style.visibility</p:attrName>
+                                        </p:attrNameLst>
+                                      </p:cBhvr>
+                                      <p:to>
+                                        <p:strVal val="visible"/>
+                                      </p:to>
+                                    </p:set>
+                                    <p:animEffect transition="in" filter="fade">
+                                      <p:cBhvr>
+                                        <p:cTn id="7" dur="500"/>
+                                        <p:tgtEl>
+                                          <p:spTgt spid="3">
+                                            <p:txEl>
+                                              <p:pRg st="0" end="0"/>
+                                            </p:txEl>
+                                          </p:spTgt>
+                                        </p:tgtEl>
+                                      </p:cBhvr>
+                                    </p:animEffect>
+                                  </p:childTnLst>
+                                </p:cTn>
+                              </p:par>
+                              <p:par>
+                                <p:cTn id="8" presetID="10" presetClass="entr" presetSubtype="0" fill="hold" grpId="0" nodeType="withEffect">
+                                  <p:stCondLst>
+                                    <p:cond delay="0"/>
+                                  </p:stCondLst>
+                                  <p:childTnLst>
+                                    <p:set>
+                                      <p:cBhvr>
+                                        <p:cTn id="9" dur="1" fill="hold">
+                                          <p:stCondLst>
+                                            <p:cond delay="0"/>
+                                          </p:stCondLst>
+                                        </p:cTn>
+                                        <p:tgtEl>
+                                          <p:spTgt spid="3">
+                                            <p:txEl>
+                                              <p:pRg st="1" end="1"/>
+                                            </p:txEl>
+                                          </p:spTgt>
+                                        </p:tgtEl>
+                                        <p:attrNameLst>
+                                          <p:attrName>style.visibility</p:attrName>
+                                        </p:attrNameLst>
+                                      </p:cBhvr>
+                                      <p:to>
+                                        <p:strVal val="visible"/>
+                                      </p:to>
+                                    </p:set>
+                                    <p:animEffect transition="in" filter="fade">
+                                      <p:cBhvr>
+                                        <p:cTn id="10" dur="500"/>
+                                        <p:tgtEl>
+                                          <p:spTgt spid="3">
+                                            <p:txEl>
+                                              <p:pRg st="1" end="1"/>
+                                            </p:txEl>
+                                          </p:spTgt>
+                                        </p:tgtEl>
+                                      </p:cBhvr>
+                                    </p:animEffect>
+                                  </p:childTnLst>
+                                </p:cTn>
+                              </p:par>
+                              <p:par>
+                                <p:cTn id="11" presetID="10" presetClass="entr" presetSubtype="0" fill="hold" grpId="0" nodeType="withEffect">
+                                  <p:stCondLst>
+                                    <p:cond delay="0"/>
+                                  </p:stCondLst>
+                                  <p:childTnLst>
+                                    <p:set>
+                                      <p:cBhvr>
+                                        <p:cTn id="12" dur="1" fill="hold">
+                                          <p:stCondLst>
+                                            <p:cond delay="0"/>
+                                          </p:stCondLst>
+                                        </p:cTn>
+                                        <p:tgtEl>
+                                          <p:spTgt spid="3">
+                                            <p:txEl>
+                                              <p:pRg st="2" end="2"/>
+                                            </p:txEl>
+                                          </p:spTgt>
+                                        </p:tgtEl>
+                                        <p:attrNameLst>
+                                          <p:attrName>style.visibility</p:attrName>
+                                        </p:attrNameLst>
+                                      </p:cBhvr>
+                                      <p:to>
+                                        <p:strVal val="visible"/>
+                                      </p:to>
+                                    </p:set>
+                                    <p:animEffect transition="in" filter="fade">
+                                      <p:cBhvr>
+                                        <p:cTn id="13" dur="500"/>
+                                        <p:tgtEl>
+                                          <p:spTgt spid="3">
+                                            <p:txEl>
+                                              <p:pRg st="2" end="2"/>
+                                            </p:txEl>
+                                          </p:spTgt>
+                                        </p:tgtEl>
+                                      </p:cBhvr>
+                                    </p:animEffect>
+                                  </p:childTnLst>
+                                </p:cTn>
+                              </p:par>
+                            </p:childTnLst>
+                          </p:cTn>
+                        </p:par>
+                      </p:childTnLst>
+                    </p:cTn>
+                  </p:par>
+                  <p:par>
+                    <p:cTn id="14" fill="hold">
+                      <p:stCondLst>
+                        <p:cond delay="indefinite"/>
+                      </p:stCondLst>
+                      <p:childTnLst>
+                        <p:par>
+                          <p:cTn id="15" fill="hold">
+                            <p:stCondLst>
+                              <p:cond delay="0"/>
+                            </p:stCondLst>
+                            <p:childTnLst>
+                              <p:par>
+                                <p:cTn id="16" presetID="10" presetClass="entr" presetSubtype="0" fill="hold" grpId="0" nodeType="clickEffect">
+                                  <p:stCondLst>
+                                    <p:cond delay="0"/>
+                                  </p:stCondLst>
+                                  <p:childTnLst>
+                                    <p:set>
+                                      <p:cBhvr>
+                                        <p:cTn id="17" dur="1" fill="hold">
+                                          <p:stCondLst>
+                                            <p:cond delay="0"/>
+                                          </p:stCondLst>
+                                        </p:cTn>
+                                        <p:tgtEl>
+                                          <p:spTgt spid="3">
+                                            <p:txEl>
+                                              <p:pRg st="3" end="3"/>
+                                            </p:txEl>
+                                          </p:spTgt>
+                                        </p:tgtEl>
+                                        <p:attrNameLst>
+                                          <p:attrName>style.visibility</p:attrName>
+                                        </p:attrNameLst>
+                                      </p:cBhvr>
+                                      <p:to>
+                                        <p:strVal val="visible"/>
+                                      </p:to>
+                                    </p:set>
+                                    <p:animEffect transition="in" filter="fade">
+                                      <p:cBhvr>
+                                        <p:cTn id="18" dur="500"/>
+                                        <p:tgtEl>
+                                          <p:spTgt spid="3">
+                                            <p:txEl>
+                                              <p:pRg st="3" end="3"/>
+                                            </p:txEl>
+                                          </p:spTgt>
+                                        </p:tgtEl>
+                                      </p:cBhvr>
+                                    </p:animEffect>
+                                  </p:childTnLst>
+                                </p:cTn>
+                              </p:par>
+                              <p:par>
+                                <p:cTn id="19" presetID="10" presetClass="entr" presetSubtype="0" fill="hold" grpId="0" nodeType="withEffect">
+                                  <p:stCondLst>
+                                    <p:cond delay="0"/>
+                                  </p:stCondLst>
+                                  <p:childTnLst>
+                                    <p:set>
+                                      <p:cBhvr>
+                                        <p:cTn id="20" dur="1" fill="hold">
+                                          <p:stCondLst>
+                                            <p:cond delay="0"/>
+                                          </p:stCondLst>
+                                        </p:cTn>
+                                        <p:tgtEl>
+                                          <p:spTgt spid="3">
+                                            <p:txEl>
+                                              <p:pRg st="4" end="4"/>
+                                            </p:txEl>
+                                          </p:spTgt>
+                                        </p:tgtEl>
+                                        <p:attrNameLst>
+                                          <p:attrName>style.visibility</p:attrName>
+                                        </p:attrNameLst>
+                                      </p:cBhvr>
+                                      <p:to>
+                                        <p:strVal val="visible"/>
+                                      </p:to>
+                                    </p:set>
+                                    <p:animEffect transition="in" filter="fade">
+                                      <p:cBhvr>
+                                        <p:cTn id="21" dur="500"/>
+                                        <p:tgtEl>
+                                          <p:spTgt spid="3">
+                                            <p:txEl>
+                                              <p:pRg st="4" end="4"/>
+                                            </p:txEl>
+                                          </p:spTgt>
+                                        </p:tgtEl>
+                                      </p:cBhvr>
+                                    </p:animEffect>
+                                  </p:childTnLst>
+                                </p:cTn>
+                              </p:par>
+                            </p:childTnLst>
+                          </p:cTn>
+                        </p:par>
+                      </p:childTnLst>
+                    </p:cTn>
+                  </p:par>
+                </p:childTnLst>
+              </p:cTn>
+              <p:prevCondLst>
+                <p:cond evt="onPrev" delay="0">
+                  <p:tgtEl>
+                    <p:sldTgt/>
+                  </p:tgtEl>
+                </p:cond>
+              </p:prevCondLst>
+              <p:nextCondLst>
+                <p:cond evt="onNext" delay="0">
+                  <p:tgtEl>
+                    <p:sldTgt/>
+                  </p:tgtEl>
+                </p:cond>
+              </p:nextCondLst>
+            </p:seq>
+          </p:childTnLst>
+        </p:cTn>
+      </p:par>
+    </p:tnLst>
+    <p:bldLst>
+      <p:bldP spid="3" grpId="0" uiExpand="1" build="p"/>
+    </p:bldLst>
+  </p:timing>
+</p:sld>
+</file>
+
+<file path=ppt/slides/slide53.xml><?xml version="1.0" encoding="utf-8"?>
+<p:sld xmlns:a="http://schemas.openxmlformats.org/drawingml/2006/main" xmlns:r="http://schemas.openxmlformats.org/officeDocument/2006/relationships" xmlns:p="http://schemas.openxmlformats.org/presentationml/2006/main">
+  <p:cSld>
+    <p:spTree>
+      <p:nvGrpSpPr>
+        <p:cNvPr id="1" name=""/>
+        <p:cNvGrpSpPr/>
+        <p:nvPr/>
+      </p:nvGrpSpPr>
+      <p:grpSpPr>
+        <a:xfrm>
+          <a:off x="0" y="0"/>
+          <a:ext cx="0" cy="0"/>
+          <a:chOff x="0" y="0"/>
+          <a:chExt cx="0" cy="0"/>
+        </a:xfrm>
+      </p:grpSpPr>
+      <p:sp>
+        <p:nvSpPr>
+          <p:cNvPr id="2" name="Title 1">
+            <a:extLst>
+              <a:ext uri="{FF2B5EF4-FFF2-40B4-BE49-F238E27FC236}">
+                <a16:creationId xmlns:a16="http://schemas.microsoft.com/office/drawing/2014/main" id="{F59FF877-20E4-8B4A-449E-6623E202252E}"/>
+              </a:ext>
+            </a:extLst>
+          </p:cNvPr>
+          <p:cNvSpPr>
+            <a:spLocks noGrp="1"/>
+          </p:cNvSpPr>
+          <p:nvPr>
+            <p:ph type="title"/>
+          </p:nvPr>
+        </p:nvSpPr>
+        <p:spPr/>
+        <p:txBody>
+          <a:bodyPr/>
+          <a:lstStyle/>
+          <a:p>
+            <a:r>
+              <a:rPr lang="en-US" dirty="0"/>
+              <a:t>Unit 9 – Control Templates</a:t>
+            </a:r>
+          </a:p>
+        </p:txBody>
+      </p:sp>
+      <p:sp>
+        <p:nvSpPr>
+          <p:cNvPr id="3" name="Content Placeholder 2">
+            <a:extLst>
+              <a:ext uri="{FF2B5EF4-FFF2-40B4-BE49-F238E27FC236}">
+                <a16:creationId xmlns:a16="http://schemas.microsoft.com/office/drawing/2014/main" id="{0868871B-176D-F38E-E427-624BB5851CDA}"/>
+              </a:ext>
+            </a:extLst>
+          </p:cNvPr>
+          <p:cNvSpPr>
+            <a:spLocks noGrp="1"/>
+          </p:cNvSpPr>
+          <p:nvPr>
+            <p:ph idx="1"/>
+          </p:nvPr>
+        </p:nvSpPr>
+        <p:spPr/>
+        <p:txBody>
+          <a:bodyPr/>
+          <a:lstStyle/>
+          <a:p>
+            <a:r>
+              <a:rPr lang="en-US" dirty="0"/>
+              <a:t>Custom Controls</a:t>
+            </a:r>
+          </a:p>
+          <a:p>
+            <a:pPr lvl="1"/>
+            <a:r>
+              <a:rPr lang="en-US" dirty="0"/>
+              <a:t>Can also create new controls, deriving from existing</a:t>
+            </a:r>
+          </a:p>
+          <a:p>
+            <a:pPr lvl="1"/>
+            <a:r>
+              <a:rPr lang="en-US" dirty="0"/>
+              <a:t>Less common than you would think</a:t>
+            </a:r>
+          </a:p>
+          <a:p>
+            <a:pPr lvl="1"/>
+            <a:r>
+              <a:rPr lang="en-US" dirty="0"/>
+              <a:t>Alternatives to a new control</a:t>
+            </a:r>
+          </a:p>
+          <a:p>
+            <a:pPr lvl="2"/>
+            <a:r>
+              <a:rPr lang="en-US" dirty="0"/>
+              <a:t>Modify properties</a:t>
+            </a:r>
+          </a:p>
+          <a:p>
+            <a:pPr lvl="2"/>
+            <a:r>
+              <a:rPr lang="en-US" dirty="0"/>
+              <a:t>Custom data template</a:t>
+            </a:r>
+          </a:p>
+          <a:p>
+            <a:pPr lvl="2"/>
+            <a:r>
+              <a:rPr lang="en-US" dirty="0"/>
+              <a:t>Custom control template, with new layout and/or triggers</a:t>
+            </a:r>
+          </a:p>
+          <a:p>
+            <a:pPr lvl="2"/>
+            <a:r>
+              <a:rPr lang="en-US" dirty="0"/>
+              <a:t>Custom behavior -- code you write that acts based on events that fire</a:t>
+            </a:r>
+          </a:p>
+        </p:txBody>
+      </p:sp>
+    </p:spTree>
+    <p:extLst>
+      <p:ext uri="{BB962C8B-B14F-4D97-AF65-F5344CB8AC3E}">
+        <p14:creationId xmlns:p14="http://schemas.microsoft.com/office/powerpoint/2010/main" val="2936349123"/>
+      </p:ext>
+    </p:extLst>
+  </p:cSld>
+  <p:clrMapOvr>
+    <a:masterClrMapping/>
+  </p:clrMapOvr>
+  <p:timing>
+    <p:tnLst>
+      <p:par>
+        <p:cTn id="1" dur="indefinite" restart="never" nodeType="tmRoot">
+          <p:childTnLst>
+            <p:seq concurrent="1" nextAc="seek">
+              <p:cTn id="2" dur="indefinite" nodeType="mainSeq">
+                <p:childTnLst>
+                  <p:par>
+                    <p:cTn id="3" fill="hold">
+                      <p:stCondLst>
+                        <p:cond delay="indefinite"/>
+                      </p:stCondLst>
+                      <p:childTnLst>
+                        <p:par>
+                          <p:cTn id="4" fill="hold">
+                            <p:stCondLst>
+                              <p:cond delay="0"/>
+                            </p:stCondLst>
+                            <p:childTnLst>
+                              <p:par>
+                                <p:cTn id="5" presetID="10" presetClass="entr" presetSubtype="0" fill="hold" grpId="0" nodeType="clickEffect">
+                                  <p:stCondLst>
+                                    <p:cond delay="0"/>
+                                  </p:stCondLst>
+                                  <p:childTnLst>
+                                    <p:set>
+                                      <p:cBhvr>
+                                        <p:cTn id="6" dur="1" fill="hold">
+                                          <p:stCondLst>
+                                            <p:cond delay="0"/>
+                                          </p:stCondLst>
+                                        </p:cTn>
+                                        <p:tgtEl>
+                                          <p:spTgt spid="3">
+                                            <p:txEl>
+                                              <p:pRg st="0" end="0"/>
+                                            </p:txEl>
+                                          </p:spTgt>
+                                        </p:tgtEl>
+                                        <p:attrNameLst>
+                                          <p:attrName>style.visibility</p:attrName>
+                                        </p:attrNameLst>
+                                      </p:cBhvr>
+                                      <p:to>
+                                        <p:strVal val="visible"/>
+                                      </p:to>
+                                    </p:set>
+                                    <p:animEffect transition="in" filter="fade">
+                                      <p:cBhvr>
+                                        <p:cTn id="7" dur="500"/>
+                                        <p:tgtEl>
+                                          <p:spTgt spid="3">
+                                            <p:txEl>
+                                              <p:pRg st="0" end="0"/>
+                                            </p:txEl>
+                                          </p:spTgt>
+                                        </p:tgtEl>
+                                      </p:cBhvr>
+                                    </p:animEffect>
+                                  </p:childTnLst>
+                                </p:cTn>
+                              </p:par>
+                            </p:childTnLst>
+                          </p:cTn>
+                        </p:par>
+                      </p:childTnLst>
+                    </p:cTn>
+                  </p:par>
+                  <p:par>
+                    <p:cTn id="8" fill="hold">
+                      <p:stCondLst>
+                        <p:cond delay="indefinite"/>
+                      </p:stCondLst>
+                      <p:childTnLst>
+                        <p:par>
+                          <p:cTn id="9" fill="hold">
+                            <p:stCondLst>
+                              <p:cond delay="0"/>
+                            </p:stCondLst>
+                            <p:childTnLst>
+                              <p:par>
+                                <p:cTn id="10" presetID="10" presetClass="entr" presetSubtype="0" fill="hold" grpId="0" nodeType="clickEffect">
+                                  <p:stCondLst>
+                                    <p:cond delay="0"/>
+                                  </p:stCondLst>
+                                  <p:childTnLst>
+                                    <p:set>
+                                      <p:cBhvr>
+                                        <p:cTn id="11" dur="1" fill="hold">
+                                          <p:stCondLst>
+                                            <p:cond delay="0"/>
+                                          </p:stCondLst>
+                                        </p:cTn>
+                                        <p:tgtEl>
+                                          <p:spTgt spid="3">
+                                            <p:txEl>
+                                              <p:pRg st="1" end="1"/>
+                                            </p:txEl>
+                                          </p:spTgt>
+                                        </p:tgtEl>
+                                        <p:attrNameLst>
+                                          <p:attrName>style.visibility</p:attrName>
+                                        </p:attrNameLst>
+                                      </p:cBhvr>
+                                      <p:to>
+                                        <p:strVal val="visible"/>
+                                      </p:to>
+                                    </p:set>
+                                    <p:animEffect transition="in" filter="fade">
+                                      <p:cBhvr>
+                                        <p:cTn id="12" dur="500"/>
+                                        <p:tgtEl>
+                                          <p:spTgt spid="3">
+                                            <p:txEl>
+                                              <p:pRg st="1" end="1"/>
+                                            </p:txEl>
+                                          </p:spTgt>
+                                        </p:tgtEl>
+                                      </p:cBhvr>
+                                    </p:animEffect>
+                                  </p:childTnLst>
+                                </p:cTn>
+                              </p:par>
+                            </p:childTnLst>
+                          </p:cTn>
+                        </p:par>
+                      </p:childTnLst>
+                    </p:cTn>
+                  </p:par>
+                  <p:par>
+                    <p:cTn id="13" fill="hold">
+                      <p:stCondLst>
+                        <p:cond delay="indefinite"/>
+                      </p:stCondLst>
+                      <p:childTnLst>
+                        <p:par>
+                          <p:cTn id="14" fill="hold">
+                            <p:stCondLst>
+                              <p:cond delay="0"/>
+                            </p:stCondLst>
+                            <p:childTnLst>
+                              <p:par>
+                                <p:cTn id="15" presetID="10" presetClass="entr" presetSubtype="0" fill="hold" grpId="0" nodeType="clickEffect">
+                                  <p:stCondLst>
+                                    <p:cond delay="0"/>
+                                  </p:stCondLst>
+                                  <p:childTnLst>
+                                    <p:set>
+                                      <p:cBhvr>
+                                        <p:cTn id="16" dur="1" fill="hold">
+                                          <p:stCondLst>
+                                            <p:cond delay="0"/>
+                                          </p:stCondLst>
+                                        </p:cTn>
+                                        <p:tgtEl>
+                                          <p:spTgt spid="3">
+                                            <p:txEl>
+                                              <p:pRg st="2" end="2"/>
+                                            </p:txEl>
+                                          </p:spTgt>
+                                        </p:tgtEl>
+                                        <p:attrNameLst>
+                                          <p:attrName>style.visibility</p:attrName>
+                                        </p:attrNameLst>
+                                      </p:cBhvr>
+                                      <p:to>
+                                        <p:strVal val="visible"/>
+                                      </p:to>
+                                    </p:set>
+                                    <p:animEffect transition="in" filter="fade">
+                                      <p:cBhvr>
+                                        <p:cTn id="17" dur="500"/>
+                                        <p:tgtEl>
+                                          <p:spTgt spid="3">
+                                            <p:txEl>
+                                              <p:pRg st="2" end="2"/>
+                                            </p:txEl>
+                                          </p:spTgt>
+                                        </p:tgtEl>
+                                      </p:cBhvr>
+                                    </p:animEffect>
+                                  </p:childTnLst>
+                                </p:cTn>
+                              </p:par>
+                            </p:childTnLst>
+                          </p:cTn>
+                        </p:par>
+                      </p:childTnLst>
+                    </p:cTn>
+                  </p:par>
+                  <p:par>
+                    <p:cTn id="18" fill="hold">
+                      <p:stCondLst>
+                        <p:cond delay="indefinite"/>
+                      </p:stCondLst>
+                      <p:childTnLst>
+                        <p:par>
+                          <p:cTn id="19" fill="hold">
+                            <p:stCondLst>
+                              <p:cond delay="0"/>
+                            </p:stCondLst>
+                            <p:childTnLst>
+                              <p:par>
+                                <p:cTn id="20" presetID="10" presetClass="entr" presetSubtype="0" fill="hold" grpId="0" nodeType="clickEffect">
+                                  <p:stCondLst>
+                                    <p:cond delay="0"/>
+                                  </p:stCondLst>
+                                  <p:childTnLst>
+                                    <p:set>
+                                      <p:cBhvr>
+                                        <p:cTn id="21" dur="1" fill="hold">
+                                          <p:stCondLst>
+                                            <p:cond delay="0"/>
+                                          </p:stCondLst>
+                                        </p:cTn>
+                                        <p:tgtEl>
+                                          <p:spTgt spid="3">
+                                            <p:txEl>
+                                              <p:pRg st="3" end="3"/>
+                                            </p:txEl>
+                                          </p:spTgt>
+                                        </p:tgtEl>
+                                        <p:attrNameLst>
+                                          <p:attrName>style.visibility</p:attrName>
+                                        </p:attrNameLst>
+                                      </p:cBhvr>
+                                      <p:to>
+                                        <p:strVal val="visible"/>
+                                      </p:to>
+                                    </p:set>
+                                    <p:animEffect transition="in" filter="fade">
+                                      <p:cBhvr>
+                                        <p:cTn id="22" dur="500"/>
+                                        <p:tgtEl>
+                                          <p:spTgt spid="3">
+                                            <p:txEl>
+                                              <p:pRg st="3" end="3"/>
+                                            </p:txEl>
+                                          </p:spTgt>
+                                        </p:tgtEl>
+                                      </p:cBhvr>
+                                    </p:animEffect>
+                                  </p:childTnLst>
+                                </p:cTn>
+                              </p:par>
+                              <p:par>
+                                <p:cTn id="23" presetID="10" presetClass="entr" presetSubtype="0" fill="hold" grpId="0" nodeType="withEffect">
+                                  <p:stCondLst>
+                                    <p:cond delay="0"/>
+                                  </p:stCondLst>
+                                  <p:childTnLst>
+                                    <p:set>
+                                      <p:cBhvr>
+                                        <p:cTn id="24" dur="1" fill="hold">
+                                          <p:stCondLst>
+                                            <p:cond delay="0"/>
+                                          </p:stCondLst>
+                                        </p:cTn>
+                                        <p:tgtEl>
+                                          <p:spTgt spid="3">
+                                            <p:txEl>
+                                              <p:pRg st="4" end="4"/>
+                                            </p:txEl>
+                                          </p:spTgt>
+                                        </p:tgtEl>
+                                        <p:attrNameLst>
+                                          <p:attrName>style.visibility</p:attrName>
+                                        </p:attrNameLst>
+                                      </p:cBhvr>
+                                      <p:to>
+                                        <p:strVal val="visible"/>
+                                      </p:to>
+                                    </p:set>
+                                    <p:animEffect transition="in" filter="fade">
+                                      <p:cBhvr>
+                                        <p:cTn id="25" dur="500"/>
+                                        <p:tgtEl>
+                                          <p:spTgt spid="3">
+                                            <p:txEl>
+                                              <p:pRg st="4" end="4"/>
+                                            </p:txEl>
+                                          </p:spTgt>
+                                        </p:tgtEl>
+                                      </p:cBhvr>
+                                    </p:animEffect>
+                                  </p:childTnLst>
+                                </p:cTn>
+                              </p:par>
+                              <p:par>
+                                <p:cTn id="26" presetID="10" presetClass="entr" presetSubtype="0" fill="hold" grpId="0" nodeType="withEffect">
+                                  <p:stCondLst>
+                                    <p:cond delay="0"/>
+                                  </p:stCondLst>
+                                  <p:childTnLst>
+                                    <p:set>
+                                      <p:cBhvr>
+                                        <p:cTn id="27" dur="1" fill="hold">
+                                          <p:stCondLst>
+                                            <p:cond delay="0"/>
+                                          </p:stCondLst>
+                                        </p:cTn>
+                                        <p:tgtEl>
+                                          <p:spTgt spid="3">
+                                            <p:txEl>
+                                              <p:pRg st="5" end="5"/>
+                                            </p:txEl>
+                                          </p:spTgt>
+                                        </p:tgtEl>
+                                        <p:attrNameLst>
+                                          <p:attrName>style.visibility</p:attrName>
+                                        </p:attrNameLst>
+                                      </p:cBhvr>
+                                      <p:to>
+                                        <p:strVal val="visible"/>
+                                      </p:to>
+                                    </p:set>
+                                    <p:animEffect transition="in" filter="fade">
+                                      <p:cBhvr>
+                                        <p:cTn id="28" dur="500"/>
+                                        <p:tgtEl>
+                                          <p:spTgt spid="3">
+                                            <p:txEl>
+                                              <p:pRg st="5" end="5"/>
+                                            </p:txEl>
+                                          </p:spTgt>
+                                        </p:tgtEl>
+                                      </p:cBhvr>
+                                    </p:animEffect>
+                                  </p:childTnLst>
+                                </p:cTn>
+                              </p:par>
+                              <p:par>
+                                <p:cTn id="29" presetID="10" presetClass="entr" presetSubtype="0" fill="hold" grpId="0" nodeType="withEffect">
+                                  <p:stCondLst>
+                                    <p:cond delay="0"/>
+                                  </p:stCondLst>
+                                  <p:childTnLst>
+                                    <p:set>
+                                      <p:cBhvr>
+                                        <p:cTn id="30" dur="1" fill="hold">
+                                          <p:stCondLst>
+                                            <p:cond delay="0"/>
+                                          </p:stCondLst>
+                                        </p:cTn>
+                                        <p:tgtEl>
+                                          <p:spTgt spid="3">
+                                            <p:txEl>
+                                              <p:pRg st="6" end="6"/>
+                                            </p:txEl>
+                                          </p:spTgt>
+                                        </p:tgtEl>
+                                        <p:attrNameLst>
+                                          <p:attrName>style.visibility</p:attrName>
+                                        </p:attrNameLst>
+                                      </p:cBhvr>
+                                      <p:to>
+                                        <p:strVal val="visible"/>
+                                      </p:to>
+                                    </p:set>
+                                    <p:animEffect transition="in" filter="fade">
+                                      <p:cBhvr>
+                                        <p:cTn id="31" dur="500"/>
+                                        <p:tgtEl>
+                                          <p:spTgt spid="3">
+                                            <p:txEl>
+                                              <p:pRg st="6" end="6"/>
+                                            </p:txEl>
+                                          </p:spTgt>
+                                        </p:tgtEl>
+                                      </p:cBhvr>
+                                    </p:animEffect>
+                                  </p:childTnLst>
+                                </p:cTn>
+                              </p:par>
+                              <p:par>
+                                <p:cTn id="32" presetID="10" presetClass="entr" presetSubtype="0" fill="hold" grpId="0" nodeType="withEffect">
+                                  <p:stCondLst>
+                                    <p:cond delay="0"/>
+                                  </p:stCondLst>
+                                  <p:childTnLst>
+                                    <p:set>
+                                      <p:cBhvr>
+                                        <p:cTn id="33" dur="1" fill="hold">
+                                          <p:stCondLst>
+                                            <p:cond delay="0"/>
+                                          </p:stCondLst>
+                                        </p:cTn>
+                                        <p:tgtEl>
+                                          <p:spTgt spid="3">
+                                            <p:txEl>
+                                              <p:pRg st="7" end="7"/>
+                                            </p:txEl>
+                                          </p:spTgt>
+                                        </p:tgtEl>
+                                        <p:attrNameLst>
+                                          <p:attrName>style.visibility</p:attrName>
+                                        </p:attrNameLst>
+                                      </p:cBhvr>
+                                      <p:to>
+                                        <p:strVal val="visible"/>
+                                      </p:to>
+                                    </p:set>
+                                    <p:animEffect transition="in" filter="fade">
+                                      <p:cBhvr>
+                                        <p:cTn id="34" dur="500"/>
+                                        <p:tgtEl>
+                                          <p:spTgt spid="3">
+                                            <p:txEl>
+                                              <p:pRg st="7" end="7"/>
+                                            </p:txEl>
+                                          </p:spTgt>
+                                        </p:tgtEl>
+                                      </p:cBhvr>
+                                    </p:animEffect>
+                                  </p:childTnLst>
+                                </p:cTn>
+                              </p:par>
+                            </p:childTnLst>
+                          </p:cTn>
+                        </p:par>
+                      </p:childTnLst>
+                    </p:cTn>
+                  </p:par>
+                </p:childTnLst>
+              </p:cTn>
+              <p:prevCondLst>
+                <p:cond evt="onPrev" delay="0">
+                  <p:tgtEl>
+                    <p:sldTgt/>
+                  </p:tgtEl>
+                </p:cond>
+              </p:prevCondLst>
+              <p:nextCondLst>
+                <p:cond evt="onNext" delay="0">
+                  <p:tgtEl>
+                    <p:sldTgt/>
+                  </p:tgtEl>
+                </p:cond>
+              </p:nextCondLst>
+            </p:seq>
+          </p:childTnLst>
+        </p:cTn>
+      </p:par>
+    </p:tnLst>
+    <p:bldLst>
+      <p:bldP spid="3" grpId="0" uiExpand="1" build="p"/>
+    </p:bldLst>
+  </p:timing>
+</p:sld>
+</file>
+
+<file path=ppt/slides/slide54.xml><?xml version="1.0" encoding="utf-8"?>
+<p:sld xmlns:a="http://schemas.openxmlformats.org/drawingml/2006/main" xmlns:r="http://schemas.openxmlformats.org/officeDocument/2006/relationships" xmlns:p="http://schemas.openxmlformats.org/presentationml/2006/main">
+  <p:cSld>
+    <p:spTree>
+      <p:nvGrpSpPr>
+        <p:cNvPr id="1" name=""/>
+        <p:cNvGrpSpPr/>
+        <p:nvPr/>
+      </p:nvGrpSpPr>
+      <p:grpSpPr>
+        <a:xfrm>
+          <a:off x="0" y="0"/>
+          <a:ext cx="0" cy="0"/>
+          <a:chOff x="0" y="0"/>
+          <a:chExt cx="0" cy="0"/>
+        </a:xfrm>
+      </p:grpSpPr>
+      <p:sp>
+        <p:nvSpPr>
+          <p:cNvPr id="2" name="Title 1">
+            <a:extLst>
+              <a:ext uri="{FF2B5EF4-FFF2-40B4-BE49-F238E27FC236}">
+                <a16:creationId xmlns:a16="http://schemas.microsoft.com/office/drawing/2014/main" id="{DAB2E2A9-A919-23DC-05E9-34152C57034B}"/>
+              </a:ext>
+            </a:extLst>
+          </p:cNvPr>
+          <p:cNvSpPr>
+            <a:spLocks noGrp="1"/>
+          </p:cNvSpPr>
+          <p:nvPr>
+            <p:ph type="title"/>
+          </p:nvPr>
+        </p:nvSpPr>
+        <p:spPr/>
+        <p:txBody>
+          <a:bodyPr/>
+          <a:lstStyle/>
+          <a:p>
+            <a:r>
+              <a:rPr lang="en-US" dirty="0">
+                <a:solidFill>
+                  <a:schemeClr val="accent5">
+                    <a:lumMod val="75000"/>
+                  </a:schemeClr>
+                </a:solidFill>
+              </a:rPr>
+              <a:t>Exercise 9 – Control Templates</a:t>
+            </a:r>
+          </a:p>
+        </p:txBody>
+      </p:sp>
+      <p:sp>
+        <p:nvSpPr>
+          <p:cNvPr id="3" name="Content Placeholder 2">
+            <a:extLst>
+              <a:ext uri="{FF2B5EF4-FFF2-40B4-BE49-F238E27FC236}">
+                <a16:creationId xmlns:a16="http://schemas.microsoft.com/office/drawing/2014/main" id="{16E1AD3B-3883-78D8-D579-5B1EB3804C9C}"/>
+              </a:ext>
+            </a:extLst>
+          </p:cNvPr>
+          <p:cNvSpPr>
+            <a:spLocks noGrp="1"/>
+          </p:cNvSpPr>
+          <p:nvPr>
+            <p:ph idx="1"/>
+          </p:nvPr>
+        </p:nvSpPr>
+        <p:spPr/>
+        <p:txBody>
+          <a:bodyPr/>
+          <a:lstStyle/>
+          <a:p>
+            <a:r>
+              <a:rPr lang="en-US" dirty="0"/>
+              <a:t>What You’ll Learn</a:t>
+            </a:r>
+          </a:p>
+          <a:p>
+            <a:pPr lvl="1"/>
+            <a:r>
+              <a:rPr lang="en-US" dirty="0"/>
+              <a:t>How to override a default control template</a:t>
+            </a:r>
+          </a:p>
+          <a:p>
+            <a:r>
+              <a:rPr lang="en-US" dirty="0"/>
+              <a:t>Exercise</a:t>
+            </a:r>
+          </a:p>
+          <a:p>
+            <a:pPr lvl="1"/>
+            <a:r>
+              <a:rPr lang="en-US" dirty="0"/>
+              <a:t>Create a new WPF Application project</a:t>
+            </a:r>
+          </a:p>
+          <a:p>
+            <a:pPr lvl="1"/>
+            <a:r>
+              <a:rPr lang="en-US" dirty="0"/>
+              <a:t>Add a Button to the project</a:t>
+            </a:r>
+          </a:p>
+          <a:p>
+            <a:pPr lvl="1"/>
+            <a:r>
+              <a:rPr lang="en-US" dirty="0"/>
+              <a:t>Override the control template for the Button</a:t>
+            </a:r>
+          </a:p>
+          <a:p>
+            <a:pPr lvl="1"/>
+            <a:r>
+              <a:rPr lang="en-US" dirty="0"/>
+              <a:t>Verify that the application still functions as expected</a:t>
+            </a:r>
+          </a:p>
+          <a:p>
+            <a:pPr lvl="1"/>
+            <a:r>
+              <a:rPr lang="en-US" dirty="0"/>
+              <a:t>Modifications to control template</a:t>
+            </a:r>
+          </a:p>
+        </p:txBody>
+      </p:sp>
+    </p:spTree>
+    <p:extLst>
+      <p:ext uri="{BB962C8B-B14F-4D97-AF65-F5344CB8AC3E}">
+        <p14:creationId xmlns:p14="http://schemas.microsoft.com/office/powerpoint/2010/main" val="1151517676"/>
+      </p:ext>
+    </p:extLst>
+  </p:cSld>
+  <p:clrMapOvr>
+    <a:masterClrMapping/>
+  </p:clrMapOvr>
+</p:sld>
+</file>
+
+<file path=ppt/slides/slide55.xml><?xml version="1.0" encoding="utf-8"?>
+<p:sld xmlns:a="http://schemas.openxmlformats.org/drawingml/2006/main" xmlns:r="http://schemas.openxmlformats.org/officeDocument/2006/relationships" xmlns:p="http://schemas.openxmlformats.org/presentationml/2006/main">
+  <p:cSld>
+    <p:spTree>
+      <p:nvGrpSpPr>
+        <p:cNvPr id="1" name=""/>
+        <p:cNvGrpSpPr/>
+        <p:nvPr/>
+      </p:nvGrpSpPr>
+      <p:grpSpPr>
+        <a:xfrm>
+          <a:off x="0" y="0"/>
+          <a:ext cx="0" cy="0"/>
+          <a:chOff x="0" y="0"/>
+          <a:chExt cx="0" cy="0"/>
+        </a:xfrm>
+      </p:grpSpPr>
+      <p:sp>
+        <p:nvSpPr>
+          <p:cNvPr id="2" name="Title 1">
+            <a:extLst>
+              <a:ext uri="{FF2B5EF4-FFF2-40B4-BE49-F238E27FC236}">
+                <a16:creationId xmlns:a16="http://schemas.microsoft.com/office/drawing/2014/main" id="{DCC41D7C-26CA-9771-A162-2B75073DF19E}"/>
+              </a:ext>
+            </a:extLst>
+          </p:cNvPr>
+          <p:cNvSpPr>
+            <a:spLocks noGrp="1"/>
+          </p:cNvSpPr>
+          <p:nvPr>
+            <p:ph type="title"/>
+          </p:nvPr>
+        </p:nvSpPr>
+        <p:spPr/>
+        <p:txBody>
+          <a:bodyPr/>
+          <a:lstStyle/>
+          <a:p>
+            <a:r>
+              <a:rPr lang="en-US" dirty="0"/>
+              <a:t>Summary</a:t>
+            </a:r>
+          </a:p>
+        </p:txBody>
+      </p:sp>
+      <p:sp>
+        <p:nvSpPr>
+          <p:cNvPr id="3" name="Content Placeholder 2">
+            <a:extLst>
+              <a:ext uri="{FF2B5EF4-FFF2-40B4-BE49-F238E27FC236}">
+                <a16:creationId xmlns:a16="http://schemas.microsoft.com/office/drawing/2014/main" id="{5993DAB6-9FB3-C466-2E24-87FE49605FB4}"/>
+              </a:ext>
+            </a:extLst>
+          </p:cNvPr>
+          <p:cNvSpPr>
+            <a:spLocks noGrp="1"/>
+          </p:cNvSpPr>
+          <p:nvPr>
+            <p:ph idx="1"/>
+          </p:nvPr>
+        </p:nvSpPr>
+        <p:spPr/>
+        <p:txBody>
+          <a:bodyPr/>
+          <a:lstStyle/>
+          <a:p>
+            <a:r>
+              <a:rPr lang="en-US" dirty="0"/>
+              <a:t>What We've Learned</a:t>
+            </a:r>
+          </a:p>
+          <a:p>
+            <a:pPr lvl="1"/>
+            <a:r>
+              <a:rPr lang="en-US" dirty="0"/>
+              <a:t>Core WPF topics + some best practices</a:t>
+            </a:r>
+          </a:p>
+          <a:p>
+            <a:pPr lvl="1"/>
+            <a:r>
+              <a:rPr lang="en-US" dirty="0"/>
+              <a:t>Enough to build a basic WPF application</a:t>
+            </a:r>
+          </a:p>
+        </p:txBody>
+      </p:sp>
+    </p:spTree>
+    <p:extLst>
+      <p:ext uri="{BB962C8B-B14F-4D97-AF65-F5344CB8AC3E}">
+        <p14:creationId xmlns:p14="http://schemas.microsoft.com/office/powerpoint/2010/main" val="3128347606"/>
+      </p:ext>
+    </p:extLst>
+  </p:cSld>
+  <p:clrMapOvr>
+    <a:masterClrMapping/>
+  </p:clrMapOvr>
+</p:sld>
+</file>
+
+<file path=ppt/slides/slide56.xml><?xml version="1.0" encoding="utf-8"?>
+<p:sld xmlns:a="http://schemas.openxmlformats.org/drawingml/2006/main" xmlns:r="http://schemas.openxmlformats.org/officeDocument/2006/relationships" xmlns:p="http://schemas.openxmlformats.org/presentationml/2006/main">
+  <p:cSld>
+    <p:spTree>
+      <p:nvGrpSpPr>
+        <p:cNvPr id="1" name=""/>
+        <p:cNvGrpSpPr/>
+        <p:nvPr/>
+      </p:nvGrpSpPr>
+      <p:grpSpPr>
+        <a:xfrm>
+          <a:off x="0" y="0"/>
+          <a:ext cx="0" cy="0"/>
+          <a:chOff x="0" y="0"/>
+          <a:chExt cx="0" cy="0"/>
+        </a:xfrm>
+      </p:grpSpPr>
+      <p:sp>
+        <p:nvSpPr>
+          <p:cNvPr id="2" name="Title 1">
+            <a:extLst>
+              <a:ext uri="{FF2B5EF4-FFF2-40B4-BE49-F238E27FC236}">
+                <a16:creationId xmlns:a16="http://schemas.microsoft.com/office/drawing/2014/main" id="{08D352D9-E1DB-9874-CCC0-B29DBB573F0C}"/>
+              </a:ext>
+            </a:extLst>
+          </p:cNvPr>
+          <p:cNvSpPr>
+            <a:spLocks noGrp="1"/>
+          </p:cNvSpPr>
+          <p:nvPr>
+            <p:ph type="title"/>
+          </p:nvPr>
+        </p:nvSpPr>
+        <p:spPr/>
+        <p:txBody>
+          <a:bodyPr/>
+          <a:lstStyle/>
+          <a:p>
+            <a:r>
+              <a:rPr lang="en-US" dirty="0"/>
+              <a:t>Summary</a:t>
+            </a:r>
+          </a:p>
+        </p:txBody>
+      </p:sp>
+      <p:sp>
+        <p:nvSpPr>
+          <p:cNvPr id="3" name="Content Placeholder 2">
+            <a:extLst>
+              <a:ext uri="{FF2B5EF4-FFF2-40B4-BE49-F238E27FC236}">
+                <a16:creationId xmlns:a16="http://schemas.microsoft.com/office/drawing/2014/main" id="{FD21A499-6705-F3E5-AA2B-64890C3C687C}"/>
+              </a:ext>
+            </a:extLst>
+          </p:cNvPr>
+          <p:cNvSpPr>
+            <a:spLocks noGrp="1"/>
+          </p:cNvSpPr>
+          <p:nvPr>
+            <p:ph idx="1"/>
+          </p:nvPr>
+        </p:nvSpPr>
+        <p:spPr/>
+        <p:txBody>
+          <a:bodyPr>
+            <a:normAutofit fontScale="92500" lnSpcReduction="20000"/>
+          </a:bodyPr>
+          <a:lstStyle/>
+          <a:p>
+            <a:r>
+              <a:rPr lang="en-US" dirty="0"/>
+              <a:t>Not Covered – Other WPF core topics</a:t>
+            </a:r>
+          </a:p>
+          <a:p>
+            <a:pPr lvl="1"/>
+            <a:r>
+              <a:rPr lang="en-US" dirty="0"/>
+              <a:t>Other layout containers -- </a:t>
+            </a:r>
+            <a:r>
+              <a:rPr lang="en-US" dirty="0" err="1"/>
+              <a:t>DockPanel</a:t>
+            </a:r>
+            <a:r>
+              <a:rPr lang="en-US" dirty="0"/>
+              <a:t>, </a:t>
+            </a:r>
+            <a:r>
+              <a:rPr lang="en-US" dirty="0" err="1"/>
+              <a:t>WrapPanel</a:t>
+            </a:r>
+            <a:r>
+              <a:rPr lang="en-US" dirty="0"/>
+              <a:t> et al</a:t>
+            </a:r>
+          </a:p>
+          <a:p>
+            <a:pPr lvl="1"/>
+            <a:r>
+              <a:rPr lang="en-US" dirty="0" err="1"/>
+              <a:t>GridSplitter</a:t>
+            </a:r>
+            <a:r>
+              <a:rPr lang="en-US" dirty="0"/>
+              <a:t>, Routed events, custom controls, dependency properties</a:t>
+            </a:r>
+          </a:p>
+          <a:p>
+            <a:pPr lvl="1"/>
+            <a:r>
+              <a:rPr lang="en-US" dirty="0"/>
+              <a:t>Keyboard input and focus, fonts, gradient brushes, alpha channel in color</a:t>
+            </a:r>
+          </a:p>
+          <a:p>
+            <a:pPr lvl="1"/>
+            <a:r>
+              <a:rPr lang="en-US" dirty="0"/>
+              <a:t>Embedding resources, pack URIs, localization support</a:t>
+            </a:r>
+          </a:p>
+          <a:p>
+            <a:pPr lvl="1"/>
+            <a:r>
+              <a:rPr lang="en-US" dirty="0"/>
+              <a:t>Data binding - </a:t>
+            </a:r>
+            <a:r>
+              <a:rPr lang="en-US" dirty="0" err="1"/>
+              <a:t>TemplateBinding</a:t>
+            </a:r>
+            <a:r>
+              <a:rPr lang="en-US" dirty="0"/>
+              <a:t>, Source, </a:t>
+            </a:r>
+            <a:r>
+              <a:rPr lang="en-US" dirty="0" err="1"/>
+              <a:t>RelativeSource</a:t>
+            </a:r>
+            <a:endParaRPr lang="en-US" dirty="0"/>
+          </a:p>
+          <a:p>
+            <a:pPr lvl="1"/>
+            <a:r>
+              <a:rPr lang="en-US" dirty="0"/>
+              <a:t>Resource management - </a:t>
+            </a:r>
+            <a:r>
+              <a:rPr lang="en-US" dirty="0" err="1"/>
+              <a:t>ResourceDictionary</a:t>
+            </a:r>
+            <a:r>
+              <a:rPr lang="en-US" dirty="0"/>
+              <a:t>, dictionaries from code</a:t>
+            </a:r>
+          </a:p>
+          <a:p>
+            <a:pPr lvl="1"/>
+            <a:r>
+              <a:rPr lang="en-US" dirty="0"/>
+              <a:t>Triggers, Behaviors, Value converters</a:t>
+            </a:r>
+          </a:p>
+          <a:p>
+            <a:pPr lvl="1"/>
+            <a:r>
+              <a:rPr lang="en-US" dirty="0"/>
+              <a:t>Icons and images, validation</a:t>
+            </a:r>
+          </a:p>
+          <a:p>
+            <a:pPr lvl="1"/>
+            <a:r>
+              <a:rPr lang="en-US" dirty="0" err="1"/>
+              <a:t>ContentPresenter</a:t>
+            </a:r>
+            <a:r>
+              <a:rPr lang="en-US" dirty="0"/>
+              <a:t>, content templates, data template selectors</a:t>
+            </a:r>
+          </a:p>
+          <a:p>
+            <a:pPr lvl="1"/>
+            <a:r>
+              <a:rPr lang="en-US" dirty="0"/>
+              <a:t>Menus, Toolbars, Ribbons</a:t>
+            </a:r>
+          </a:p>
+          <a:p>
+            <a:pPr lvl="1"/>
+            <a:r>
+              <a:rPr lang="en-US" dirty="0"/>
+              <a:t>Asynchronous programming</a:t>
+            </a:r>
+          </a:p>
+          <a:p>
+            <a:pPr lvl="1"/>
+            <a:endParaRPr lang="en-US" dirty="0"/>
+          </a:p>
+          <a:p>
+            <a:pPr lvl="1"/>
+            <a:endParaRPr lang="en-US" dirty="0"/>
+          </a:p>
+        </p:txBody>
+      </p:sp>
+    </p:spTree>
+    <p:extLst>
+      <p:ext uri="{BB962C8B-B14F-4D97-AF65-F5344CB8AC3E}">
+        <p14:creationId xmlns:p14="http://schemas.microsoft.com/office/powerpoint/2010/main" val="2705254462"/>
+      </p:ext>
+    </p:extLst>
+  </p:cSld>
+  <p:clrMapOvr>
+    <a:masterClrMapping/>
+  </p:clrMapOvr>
+</p:sld>
+</file>
+
+<file path=ppt/slides/slide57.xml><?xml version="1.0" encoding="utf-8"?>
+<p:sld xmlns:a="http://schemas.openxmlformats.org/drawingml/2006/main" xmlns:r="http://schemas.openxmlformats.org/officeDocument/2006/relationships" xmlns:p="http://schemas.openxmlformats.org/presentationml/2006/main">
+  <p:cSld>
+    <p:spTree>
+      <p:nvGrpSpPr>
+        <p:cNvPr id="1" name=""/>
+        <p:cNvGrpSpPr/>
+        <p:nvPr/>
+      </p:nvGrpSpPr>
+      <p:grpSpPr>
+        <a:xfrm>
+          <a:off x="0" y="0"/>
+          <a:ext cx="0" cy="0"/>
+          <a:chOff x="0" y="0"/>
+          <a:chExt cx="0" cy="0"/>
+        </a:xfrm>
+      </p:grpSpPr>
+      <p:sp>
+        <p:nvSpPr>
+          <p:cNvPr id="2" name="Title 1">
+            <a:extLst>
+              <a:ext uri="{FF2B5EF4-FFF2-40B4-BE49-F238E27FC236}">
+                <a16:creationId xmlns:a16="http://schemas.microsoft.com/office/drawing/2014/main" id="{6D185DBF-80FF-C45E-6F3C-11DB24B36758}"/>
+              </a:ext>
+            </a:extLst>
+          </p:cNvPr>
+          <p:cNvSpPr>
+            <a:spLocks noGrp="1"/>
+          </p:cNvSpPr>
+          <p:nvPr>
+            <p:ph type="title"/>
+          </p:nvPr>
+        </p:nvSpPr>
+        <p:spPr/>
+        <p:txBody>
+          <a:bodyPr/>
+          <a:lstStyle/>
+          <a:p>
+            <a:r>
+              <a:rPr lang="en-US" dirty="0"/>
+              <a:t>Summary</a:t>
+            </a:r>
+          </a:p>
+        </p:txBody>
+      </p:sp>
+      <p:sp>
+        <p:nvSpPr>
+          <p:cNvPr id="3" name="Content Placeholder 2">
+            <a:extLst>
+              <a:ext uri="{FF2B5EF4-FFF2-40B4-BE49-F238E27FC236}">
+                <a16:creationId xmlns:a16="http://schemas.microsoft.com/office/drawing/2014/main" id="{9E25807D-DB63-976C-D645-2525C430D1AB}"/>
+              </a:ext>
+            </a:extLst>
+          </p:cNvPr>
+          <p:cNvSpPr>
+            <a:spLocks noGrp="1"/>
+          </p:cNvSpPr>
+          <p:nvPr>
+            <p:ph idx="1"/>
+          </p:nvPr>
+        </p:nvSpPr>
+        <p:spPr/>
+        <p:txBody>
+          <a:bodyPr/>
+          <a:lstStyle/>
+          <a:p>
+            <a:r>
+              <a:rPr lang="en-US" dirty="0"/>
+              <a:t>Not covered – outside WPF</a:t>
+            </a:r>
+          </a:p>
+          <a:p>
+            <a:pPr lvl="1"/>
+            <a:r>
+              <a:rPr lang="en-US" dirty="0"/>
+              <a:t>Patterns for dirty, load / save</a:t>
+            </a:r>
+          </a:p>
+          <a:p>
+            <a:pPr lvl="1"/>
+            <a:r>
+              <a:rPr lang="en-US" dirty="0"/>
+              <a:t>File IO</a:t>
+            </a:r>
+          </a:p>
+          <a:p>
+            <a:pPr lvl="1"/>
+            <a:r>
+              <a:rPr lang="en-US" dirty="0"/>
+              <a:t>C# patterns and practices</a:t>
+            </a:r>
+          </a:p>
+          <a:p>
+            <a:pPr lvl="1"/>
+            <a:r>
+              <a:rPr lang="en-US" dirty="0"/>
+              <a:t>Architecture - patterns for Model layer</a:t>
+            </a:r>
+          </a:p>
+          <a:p>
+            <a:pPr lvl="1"/>
+            <a:r>
+              <a:rPr lang="en-US" dirty="0"/>
+              <a:t>Deployment</a:t>
+            </a:r>
+          </a:p>
+        </p:txBody>
+      </p:sp>
+    </p:spTree>
+    <p:extLst>
+      <p:ext uri="{BB962C8B-B14F-4D97-AF65-F5344CB8AC3E}">
+        <p14:creationId xmlns:p14="http://schemas.microsoft.com/office/powerpoint/2010/main" val="2446652650"/>
+      </p:ext>
+    </p:extLst>
+  </p:cSld>
+  <p:clrMapOvr>
+    <a:masterClrMapping/>
+  </p:clrMapOvr>
+</p:sld>
+</file>
+
+<file path=ppt/slides/slide58.xml><?xml version="1.0" encoding="utf-8"?>
+<p:sld xmlns:a="http://schemas.openxmlformats.org/drawingml/2006/main" xmlns:r="http://schemas.openxmlformats.org/officeDocument/2006/relationships" xmlns:p="http://schemas.openxmlformats.org/presentationml/2006/main">
+  <p:cSld>
+    <p:spTree>
+      <p:nvGrpSpPr>
+        <p:cNvPr id="1" name=""/>
+        <p:cNvGrpSpPr/>
+        <p:nvPr/>
+      </p:nvGrpSpPr>
+      <p:grpSpPr>
+        <a:xfrm>
+          <a:off x="0" y="0"/>
+          <a:ext cx="0" cy="0"/>
+          <a:chOff x="0" y="0"/>
+          <a:chExt cx="0" cy="0"/>
+        </a:xfrm>
+      </p:grpSpPr>
+      <p:sp>
+        <p:nvSpPr>
+          <p:cNvPr id="2" name="Title 1">
+            <a:extLst>
+              <a:ext uri="{FF2B5EF4-FFF2-40B4-BE49-F238E27FC236}">
+                <a16:creationId xmlns:a16="http://schemas.microsoft.com/office/drawing/2014/main" id="{7F151C4E-91F2-BBF6-45E4-5D3173551F0D}"/>
+              </a:ext>
+            </a:extLst>
+          </p:cNvPr>
+          <p:cNvSpPr>
+            <a:spLocks noGrp="1"/>
+          </p:cNvSpPr>
+          <p:nvPr>
+            <p:ph type="title"/>
+          </p:nvPr>
+        </p:nvSpPr>
+        <p:spPr/>
+        <p:txBody>
+          <a:bodyPr/>
+          <a:lstStyle/>
+          <a:p>
+            <a:r>
+              <a:rPr lang="en-US" dirty="0"/>
+              <a:t>Summary</a:t>
+            </a:r>
+          </a:p>
+        </p:txBody>
+      </p:sp>
+      <p:sp>
+        <p:nvSpPr>
+          <p:cNvPr id="3" name="Content Placeholder 2">
+            <a:extLst>
+              <a:ext uri="{FF2B5EF4-FFF2-40B4-BE49-F238E27FC236}">
+                <a16:creationId xmlns:a16="http://schemas.microsoft.com/office/drawing/2014/main" id="{7783314F-35A8-5969-1FEC-75B805536C7D}"/>
+              </a:ext>
+            </a:extLst>
+          </p:cNvPr>
+          <p:cNvSpPr>
+            <a:spLocks noGrp="1"/>
+          </p:cNvSpPr>
+          <p:nvPr>
+            <p:ph idx="1"/>
+          </p:nvPr>
+        </p:nvSpPr>
+        <p:spPr/>
+        <p:txBody>
+          <a:bodyPr/>
+          <a:lstStyle/>
+          <a:p>
+            <a:r>
+              <a:rPr lang="en-US" dirty="0"/>
+              <a:t>Takeaways</a:t>
+            </a:r>
+          </a:p>
+          <a:p>
+            <a:pPr lvl="1"/>
+            <a:r>
+              <a:rPr lang="en-US" dirty="0"/>
+              <a:t>Is UI easy or difficult with WPF?</a:t>
+            </a:r>
+          </a:p>
+          <a:p>
+            <a:pPr lvl="1"/>
+            <a:r>
+              <a:rPr lang="en-US" dirty="0"/>
+              <a:t>Powerful - easy to quickly create custom </a:t>
+            </a:r>
+            <a:r>
+              <a:rPr lang="en-US" dirty="0" err="1"/>
+              <a:t>Uis</a:t>
+            </a:r>
+            <a:endParaRPr lang="en-US" dirty="0"/>
+          </a:p>
+          <a:p>
+            <a:pPr lvl="1"/>
+            <a:r>
+              <a:rPr lang="en-US" dirty="0"/>
+              <a:t>Challenge - still takes considerable time</a:t>
+            </a:r>
+          </a:p>
+          <a:p>
+            <a:pPr lvl="2"/>
+            <a:r>
+              <a:rPr lang="en-US" dirty="0"/>
+              <a:t>Not because it's WPF, not due to doing custom stuff</a:t>
+            </a:r>
+          </a:p>
+          <a:p>
+            <a:pPr lvl="2"/>
+            <a:r>
+              <a:rPr lang="en-US" b="1" dirty="0"/>
+              <a:t>Implementing UI patterns takes time </a:t>
+            </a:r>
+            <a:r>
+              <a:rPr lang="en-US" dirty="0"/>
+              <a:t>-- on any platform</a:t>
+            </a:r>
+          </a:p>
+          <a:p>
+            <a:pPr lvl="1"/>
+            <a:r>
+              <a:rPr lang="en-US" dirty="0"/>
+              <a:t>WPF makes many things easier than other frameworks</a:t>
+            </a:r>
+          </a:p>
+          <a:p>
+            <a:r>
+              <a:rPr lang="en-US" dirty="0">
+                <a:solidFill>
+                  <a:srgbClr val="00B050"/>
+                </a:solidFill>
+              </a:rPr>
+              <a:t>Demo – Print Wizard</a:t>
+            </a:r>
+          </a:p>
+        </p:txBody>
+      </p:sp>
+    </p:spTree>
+    <p:extLst>
+      <p:ext uri="{BB962C8B-B14F-4D97-AF65-F5344CB8AC3E}">
+        <p14:creationId xmlns:p14="http://schemas.microsoft.com/office/powerpoint/2010/main" val="127590695"/>
+      </p:ext>
+    </p:extLst>
+  </p:cSld>
+  <p:clrMapOvr>
+    <a:masterClrMapping/>
+  </p:clrMapOvr>
+</p:sld>
+</file>
+
+<file path=ppt/slides/slide59.xml><?xml version="1.0" encoding="utf-8"?>
+<p:sld xmlns:a="http://schemas.openxmlformats.org/drawingml/2006/main" xmlns:r="http://schemas.openxmlformats.org/officeDocument/2006/relationships" xmlns:p="http://schemas.openxmlformats.org/presentationml/2006/main">
+  <p:cSld>
+    <p:spTree>
+      <p:nvGrpSpPr>
+        <p:cNvPr id="1" name=""/>
+        <p:cNvGrpSpPr/>
+        <p:nvPr/>
+      </p:nvGrpSpPr>
+      <p:grpSpPr>
+        <a:xfrm>
+          <a:off x="0" y="0"/>
+          <a:ext cx="0" cy="0"/>
+          <a:chOff x="0" y="0"/>
+          <a:chExt cx="0" cy="0"/>
+        </a:xfrm>
+      </p:grpSpPr>
+      <p:sp>
+        <p:nvSpPr>
+          <p:cNvPr id="2" name="Title 1">
+            <a:extLst>
+              <a:ext uri="{FF2B5EF4-FFF2-40B4-BE49-F238E27FC236}">
+                <a16:creationId xmlns:a16="http://schemas.microsoft.com/office/drawing/2014/main" id="{3AA16D51-4043-A7ED-6E84-2A74F2299AFD}"/>
+              </a:ext>
+            </a:extLst>
+          </p:cNvPr>
+          <p:cNvSpPr>
+            <a:spLocks noGrp="1"/>
+          </p:cNvSpPr>
+          <p:nvPr>
+            <p:ph type="title"/>
+          </p:nvPr>
+        </p:nvSpPr>
+        <p:spPr/>
+        <p:txBody>
+          <a:bodyPr/>
+          <a:lstStyle/>
+          <a:p>
+            <a:r>
+              <a:rPr lang="en-US" dirty="0"/>
+              <a:t>Resources</a:t>
+            </a:r>
+          </a:p>
+        </p:txBody>
+      </p:sp>
+      <p:sp>
+        <p:nvSpPr>
+          <p:cNvPr id="3" name="Content Placeholder 2">
+            <a:extLst>
+              <a:ext uri="{FF2B5EF4-FFF2-40B4-BE49-F238E27FC236}">
+                <a16:creationId xmlns:a16="http://schemas.microsoft.com/office/drawing/2014/main" id="{6BC115AB-6ED0-5977-2931-A14583B8BF87}"/>
+              </a:ext>
+            </a:extLst>
+          </p:cNvPr>
+          <p:cNvSpPr>
+            <a:spLocks noGrp="1"/>
+          </p:cNvSpPr>
+          <p:nvPr>
+            <p:ph idx="1"/>
+          </p:nvPr>
+        </p:nvSpPr>
+        <p:spPr/>
+        <p:txBody>
+          <a:bodyPr>
+            <a:normAutofit lnSpcReduction="10000"/>
+          </a:bodyPr>
+          <a:lstStyle/>
+          <a:p>
+            <a:r>
+              <a:rPr lang="en-US" dirty="0" err="1"/>
+              <a:t>Github</a:t>
+            </a:r>
+            <a:r>
+              <a:rPr lang="en-US" dirty="0"/>
+              <a:t> repos with materials from today</a:t>
+            </a:r>
+          </a:p>
+          <a:p>
+            <a:pPr lvl="1"/>
+            <a:r>
+              <a:rPr lang="en-US" dirty="0">
+                <a:hlinkClick r:id="rId3"/>
+              </a:rPr>
+              <a:t>https://github.com/seanpsexton/wpf-workshop</a:t>
+            </a:r>
+            <a:endParaRPr lang="en-US" dirty="0"/>
+          </a:p>
+          <a:p>
+            <a:pPr lvl="1"/>
+            <a:r>
+              <a:rPr lang="en-US" dirty="0">
+                <a:hlinkClick r:id="rId4"/>
+              </a:rPr>
+              <a:t>https://github.com/seanpsexton/wpf-workshop-solutions</a:t>
+            </a:r>
+            <a:endParaRPr lang="en-US" dirty="0"/>
+          </a:p>
+          <a:p>
+            <a:r>
+              <a:rPr lang="en-US" dirty="0"/>
+              <a:t>Materials also copied to</a:t>
+            </a:r>
+          </a:p>
+          <a:p>
+            <a:pPr lvl="1"/>
+            <a:r>
+              <a:rPr lang="en-US" dirty="0">
+                <a:hlinkClick r:id="rId5" action="ppaction://hlinkfile"/>
+              </a:rPr>
+              <a:t>\\msp02-fs01\mtsdepartments\Oslo\Training\WPF-Workshop-Sexton-Oct2023</a:t>
+            </a:r>
+            <a:endParaRPr lang="en-US" dirty="0"/>
+          </a:p>
+          <a:p>
+            <a:r>
+              <a:rPr lang="en-US" dirty="0"/>
+              <a:t>Online – many resources</a:t>
+            </a:r>
+          </a:p>
+          <a:p>
+            <a:pPr lvl="1"/>
+            <a:r>
+              <a:rPr lang="en-US" dirty="0">
+                <a:hlinkClick r:id="rId6"/>
+              </a:rPr>
+              <a:t>https://learn.microsoft.com</a:t>
+            </a:r>
+            <a:endParaRPr lang="en-US" dirty="0"/>
+          </a:p>
+          <a:p>
+            <a:pPr lvl="1"/>
+            <a:r>
+              <a:rPr lang="en-US" dirty="0">
+                <a:hlinkClick r:id="rId7"/>
+              </a:rPr>
+              <a:t>https://www.wpftutorial.net/</a:t>
+            </a:r>
+            <a:endParaRPr lang="en-US" dirty="0"/>
+          </a:p>
+          <a:p>
+            <a:r>
+              <a:rPr lang="en-US" dirty="0"/>
+              <a:t>Questions?</a:t>
+            </a:r>
+          </a:p>
+          <a:p>
+            <a:pPr lvl="1"/>
+            <a:r>
+              <a:rPr lang="en-US" dirty="0">
+                <a:hlinkClick r:id="rId8"/>
+              </a:rPr>
+              <a:t>seanpsexton@gmail.com</a:t>
+            </a:r>
+            <a:r>
+              <a:rPr lang="en-US" dirty="0"/>
+              <a:t> </a:t>
+            </a:r>
+          </a:p>
+        </p:txBody>
+      </p:sp>
+    </p:spTree>
+    <p:extLst>
+      <p:ext uri="{BB962C8B-B14F-4D97-AF65-F5344CB8AC3E}">
+        <p14:creationId xmlns:p14="http://schemas.microsoft.com/office/powerpoint/2010/main" val="3398622978"/>
+      </p:ext>
+    </p:extLst>
+  </p:cSld>
+  <p:clrMapOvr>
+    <a:masterClrMapping/>
+  </p:clrMapOvr>
 </p:sld>
 </file>
 

--- a/WPF-Workshop-Sexton-Oct2023.pptx
+++ b/WPF-Workshop-Sexton-Oct2023.pptx
@@ -13176,14 +13176,14 @@
             <a:pPr lvl="1"/>
             <a:r>
               <a:rPr lang="en-US" dirty="0"/>
-              <a:t>Part 1 - Button and Text</a:t>
+              <a:t>Part 1 – Button and Text</a:t>
             </a:r>
           </a:p>
           <a:p>
             <a:pPr lvl="1"/>
             <a:r>
               <a:rPr lang="en-US" dirty="0"/>
-              <a:t>Part 2 - One more button</a:t>
+              <a:t>Part 2 – One more button</a:t>
             </a:r>
           </a:p>
           <a:p>
@@ -13299,13 +13299,13 @@
             <a:pPr lvl="1"/>
             <a:r>
               <a:rPr lang="en-US" dirty="0"/>
-              <a:t>But harder to line things up</a:t>
-            </a:r>
-          </a:p>
-          <a:p>
-            <a:r>
-              <a:rPr lang="en-US" dirty="0"/>
-              <a:t>Grid -- layout in rows and columns</a:t>
+              <a:t>But sometimes you want things to line up</a:t>
+            </a:r>
+          </a:p>
+          <a:p>
+            <a:r>
+              <a:rPr lang="en-US" dirty="0"/>
+              <a:t>Grid – layout in rows and columns</a:t>
             </a:r>
           </a:p>
           <a:p>
@@ -13938,12 +13938,20 @@
         </p:nvSpPr>
         <p:spPr/>
         <p:txBody>
-          <a:bodyPr/>
+          <a:bodyPr>
+            <a:normAutofit lnSpcReduction="10000"/>
+          </a:bodyPr>
           <a:lstStyle/>
           <a:p>
             <a:r>
               <a:rPr lang="en-US" dirty="0"/>
-              <a:t>Grid - Proportional Sizing	</a:t>
+              <a:t>Several ways to set row and column size in Grid</a:t>
+            </a:r>
+          </a:p>
+          <a:p>
+            <a:r>
+              <a:rPr lang="en-US" dirty="0"/>
+              <a:t>Proportional sizing	</a:t>
             </a:r>
           </a:p>
           <a:p>
@@ -13957,14 +13965,14 @@
             <a:pPr lvl="2"/>
             <a:r>
               <a:rPr lang="en-US" dirty="0"/>
-              <a:t>Default -- rows take up equal amounts of available vertical space</a:t>
+              <a:t>Default – rows take up equal amounts of available vertical space</a:t>
             </a:r>
           </a:p>
           <a:p>
             <a:pPr lvl="2"/>
             <a:r>
               <a:rPr lang="en-US" dirty="0"/>
-              <a:t>Default -- columns take up equal amounts of available horizontal space</a:t>
+              <a:t>Default – columns take up equal amounts of available horizontal space</a:t>
             </a:r>
           </a:p>
           <a:p>
@@ -13978,7 +13986,7 @@
             <a:pPr lvl="2"/>
             <a:r>
               <a:rPr lang="en-US" dirty="0"/>
-              <a:t>Use * to indicate that Row or Column takes up some percentage of the available space</a:t>
+              <a:t>* – Row or Column takes up some percentage of the available space</a:t>
             </a:r>
           </a:p>
           <a:p>
@@ -13986,6 +13994,13 @@
             <a:r>
               <a:rPr lang="en-US" dirty="0"/>
               <a:t>If each item is a single *, they get equal space</a:t>
+            </a:r>
+          </a:p>
+          <a:p>
+            <a:pPr lvl="2"/>
+            <a:r>
+              <a:rPr lang="en-US" dirty="0"/>
+              <a:t>The more *s you have, the more space you get</a:t>
             </a:r>
           </a:p>
           <a:p>
@@ -14147,15 +14162,33 @@
                                   </p:childTnLst>
                                 </p:cTn>
                               </p:par>
+                            </p:childTnLst>
+                          </p:cTn>
+                        </p:par>
+                      </p:childTnLst>
+                    </p:cTn>
+                  </p:par>
+                  <p:par>
+                    <p:cTn id="13" fill="hold">
+                      <p:stCondLst>
+                        <p:cond delay="indefinite"/>
+                      </p:stCondLst>
+                      <p:childTnLst>
+                        <p:par>
+                          <p:cTn id="14" fill="hold">
+                            <p:stCondLst>
+                              <p:cond delay="0"/>
+                            </p:stCondLst>
+                            <p:childTnLst>
                               <p:par>
-                                <p:cTn id="13" presetID="10" presetClass="entr" presetSubtype="0" fill="hold" grpId="0" nodeType="withEffect">
+                                <p:cTn id="15" presetID="10" presetClass="entr" presetSubtype="0" fill="hold" grpId="0" nodeType="clickEffect">
                                   <p:stCondLst>
                                     <p:cond delay="0"/>
                                   </p:stCondLst>
                                   <p:childTnLst>
                                     <p:set>
                                       <p:cBhvr>
-                                        <p:cTn id="14" dur="1" fill="hold">
+                                        <p:cTn id="16" dur="1" fill="hold">
                                           <p:stCondLst>
                                             <p:cond delay="0"/>
                                           </p:stCondLst>
@@ -14177,54 +14210,11 @@
                                     </p:set>
                                     <p:animEffect transition="in" filter="fade">
                                       <p:cBhvr>
-                                        <p:cTn id="15" dur="500"/>
+                                        <p:cTn id="17" dur="500"/>
                                         <p:tgtEl>
                                           <p:spTgt spid="3">
                                             <p:txEl>
                                               <p:pRg st="2" end="2"/>
-                                            </p:txEl>
-                                          </p:spTgt>
-                                        </p:tgtEl>
-                                      </p:cBhvr>
-                                    </p:animEffect>
-                                  </p:childTnLst>
-                                </p:cTn>
-                              </p:par>
-                              <p:par>
-                                <p:cTn id="16" presetID="10" presetClass="entr" presetSubtype="0" fill="hold" grpId="0" nodeType="withEffect">
-                                  <p:stCondLst>
-                                    <p:cond delay="0"/>
-                                  </p:stCondLst>
-                                  <p:childTnLst>
-                                    <p:set>
-                                      <p:cBhvr>
-                                        <p:cTn id="17" dur="1" fill="hold">
-                                          <p:stCondLst>
-                                            <p:cond delay="0"/>
-                                          </p:stCondLst>
-                                        </p:cTn>
-                                        <p:tgtEl>
-                                          <p:spTgt spid="3">
-                                            <p:txEl>
-                                              <p:pRg st="3" end="3"/>
-                                            </p:txEl>
-                                          </p:spTgt>
-                                        </p:tgtEl>
-                                        <p:attrNameLst>
-                                          <p:attrName>style.visibility</p:attrName>
-                                        </p:attrNameLst>
-                                      </p:cBhvr>
-                                      <p:to>
-                                        <p:strVal val="visible"/>
-                                      </p:to>
-                                    </p:set>
-                                    <p:animEffect transition="in" filter="fade">
-                                      <p:cBhvr>
-                                        <p:cTn id="18" dur="500"/>
-                                        <p:tgtEl>
-                                          <p:spTgt spid="3">
-                                            <p:txEl>
-                                              <p:pRg st="3" end="3"/>
                                             </p:txEl>
                                           </p:spTgt>
                                         </p:tgtEl>
@@ -14240,26 +14230,26 @@
                     </p:cTn>
                   </p:par>
                   <p:par>
-                    <p:cTn id="19" fill="hold">
+                    <p:cTn id="18" fill="hold">
                       <p:stCondLst>
                         <p:cond delay="indefinite"/>
                       </p:stCondLst>
                       <p:childTnLst>
                         <p:par>
-                          <p:cTn id="20" fill="hold">
+                          <p:cTn id="19" fill="hold">
                             <p:stCondLst>
                               <p:cond delay="0"/>
                             </p:stCondLst>
                             <p:childTnLst>
                               <p:par>
-                                <p:cTn id="21" presetID="10" presetClass="entr" presetSubtype="0" fill="hold" grpId="0" nodeType="clickEffect">
+                                <p:cTn id="20" presetID="10" presetClass="entr" presetSubtype="0" fill="hold" grpId="0" nodeType="clickEffect">
                                   <p:stCondLst>
                                     <p:cond delay="0"/>
                                   </p:stCondLst>
                                   <p:childTnLst>
                                     <p:set>
                                       <p:cBhvr>
-                                        <p:cTn id="22" dur="1" fill="hold">
+                                        <p:cTn id="21" dur="1" fill="hold">
                                           <p:stCondLst>
                                             <p:cond delay="0"/>
                                           </p:stCondLst>
@@ -14267,7 +14257,7 @@
                                         <p:tgtEl>
                                           <p:spTgt spid="3">
                                             <p:txEl>
-                                              <p:pRg st="4" end="4"/>
+                                              <p:pRg st="3" end="3"/>
                                             </p:txEl>
                                           </p:spTgt>
                                         </p:tgtEl>
@@ -14281,97 +14271,11 @@
                                     </p:set>
                                     <p:animEffect transition="in" filter="fade">
                                       <p:cBhvr>
-                                        <p:cTn id="23" dur="500"/>
-                                        <p:tgtEl>
-                                          <p:spTgt spid="3">
-                                            <p:txEl>
-                                              <p:pRg st="4" end="4"/>
-                                            </p:txEl>
-                                          </p:spTgt>
-                                        </p:tgtEl>
-                                      </p:cBhvr>
-                                    </p:animEffect>
-                                  </p:childTnLst>
-                                </p:cTn>
-                              </p:par>
-                              <p:par>
-                                <p:cTn id="24" presetID="10" presetClass="entr" presetSubtype="0" fill="hold" grpId="0" nodeType="withEffect">
-                                  <p:stCondLst>
-                                    <p:cond delay="0"/>
-                                  </p:stCondLst>
-                                  <p:childTnLst>
-                                    <p:set>
-                                      <p:cBhvr>
-                                        <p:cTn id="25" dur="1" fill="hold">
-                                          <p:stCondLst>
-                                            <p:cond delay="0"/>
-                                          </p:stCondLst>
-                                        </p:cTn>
-                                        <p:tgtEl>
-                                          <p:spTgt spid="3">
-                                            <p:txEl>
-                                              <p:pRg st="5" end="5"/>
-                                            </p:txEl>
-                                          </p:spTgt>
-                                        </p:tgtEl>
-                                        <p:attrNameLst>
-                                          <p:attrName>style.visibility</p:attrName>
-                                        </p:attrNameLst>
-                                      </p:cBhvr>
-                                      <p:to>
-                                        <p:strVal val="visible"/>
-                                      </p:to>
-                                    </p:set>
-                                    <p:animEffect transition="in" filter="fade">
-                                      <p:cBhvr>
-                                        <p:cTn id="26" dur="500"/>
-                                        <p:tgtEl>
-                                          <p:spTgt spid="3">
-                                            <p:txEl>
-                                              <p:pRg st="5" end="5"/>
-                                            </p:txEl>
-                                          </p:spTgt>
-                                        </p:tgtEl>
-                                      </p:cBhvr>
-                                    </p:animEffect>
-                                  </p:childTnLst>
-                                </p:cTn>
-                              </p:par>
-                              <p:par>
-                                <p:cTn id="27" presetID="10" presetClass="entr" presetSubtype="0" fill="hold" grpId="0" nodeType="withEffect">
-                                  <p:stCondLst>
-                                    <p:cond delay="0"/>
-                                  </p:stCondLst>
-                                  <p:childTnLst>
-                                    <p:set>
-                                      <p:cBhvr>
-                                        <p:cTn id="28" dur="1" fill="hold">
-                                          <p:stCondLst>
-                                            <p:cond delay="0"/>
-                                          </p:stCondLst>
-                                        </p:cTn>
-                                        <p:tgtEl>
-                                          <p:spTgt spid="3">
-                                            <p:txEl>
-                                              <p:pRg st="6" end="6"/>
-                                            </p:txEl>
-                                          </p:spTgt>
-                                        </p:tgtEl>
-                                        <p:attrNameLst>
-                                          <p:attrName>style.visibility</p:attrName>
-                                        </p:attrNameLst>
-                                      </p:cBhvr>
-                                      <p:to>
-                                        <p:strVal val="visible"/>
-                                      </p:to>
-                                    </p:set>
-                                    <p:animEffect transition="in" filter="fade">
-                                      <p:cBhvr>
-                                        <p:cTn id="29" dur="500"/>
-                                        <p:tgtEl>
-                                          <p:spTgt spid="3">
-                                            <p:txEl>
-                                              <p:pRg st="6" end="6"/>
+                                        <p:cTn id="22" dur="500"/>
+                                        <p:tgtEl>
+                                          <p:spTgt spid="3">
+                                            <p:txEl>
+                                              <p:pRg st="3" end="3"/>
                                             </p:txEl>
                                           </p:spTgt>
                                         </p:tgtEl>
@@ -14387,26 +14291,26 @@
                     </p:cTn>
                   </p:par>
                   <p:par>
-                    <p:cTn id="30" fill="hold">
+                    <p:cTn id="23" fill="hold">
                       <p:stCondLst>
                         <p:cond delay="indefinite"/>
                       </p:stCondLst>
                       <p:childTnLst>
                         <p:par>
-                          <p:cTn id="31" fill="hold">
+                          <p:cTn id="24" fill="hold">
                             <p:stCondLst>
                               <p:cond delay="0"/>
                             </p:stCondLst>
                             <p:childTnLst>
                               <p:par>
-                                <p:cTn id="32" presetID="10" presetClass="entr" presetSubtype="0" fill="hold" grpId="0" nodeType="clickEffect">
+                                <p:cTn id="25" presetID="10" presetClass="entr" presetSubtype="0" fill="hold" grpId="0" nodeType="clickEffect">
                                   <p:stCondLst>
                                     <p:cond delay="0"/>
                                   </p:stCondLst>
                                   <p:childTnLst>
                                     <p:set>
                                       <p:cBhvr>
-                                        <p:cTn id="33" dur="1" fill="hold">
+                                        <p:cTn id="26" dur="1" fill="hold">
                                           <p:stCondLst>
                                             <p:cond delay="0"/>
                                           </p:stCondLst>
@@ -14414,7 +14318,7 @@
                                         <p:tgtEl>
                                           <p:spTgt spid="3">
                                             <p:txEl>
-                                              <p:pRg st="7" end="7"/>
+                                              <p:pRg st="4" end="4"/>
                                             </p:txEl>
                                           </p:spTgt>
                                         </p:tgtEl>
@@ -14428,11 +14332,11 @@
                                     </p:set>
                                     <p:animEffect transition="in" filter="fade">
                                       <p:cBhvr>
-                                        <p:cTn id="34" dur="500"/>
-                                        <p:tgtEl>
-                                          <p:spTgt spid="3">
-                                            <p:txEl>
-                                              <p:pRg st="7" end="7"/>
+                                        <p:cTn id="27" dur="500"/>
+                                        <p:tgtEl>
+                                          <p:spTgt spid="3">
+                                            <p:txEl>
+                                              <p:pRg st="4" end="4"/>
                                             </p:txEl>
                                           </p:spTgt>
                                         </p:tgtEl>
@@ -14448,26 +14352,26 @@
                     </p:cTn>
                   </p:par>
                   <p:par>
-                    <p:cTn id="35" fill="hold">
+                    <p:cTn id="28" fill="hold">
                       <p:stCondLst>
                         <p:cond delay="indefinite"/>
                       </p:stCondLst>
                       <p:childTnLst>
                         <p:par>
-                          <p:cTn id="36" fill="hold">
+                          <p:cTn id="29" fill="hold">
                             <p:stCondLst>
                               <p:cond delay="0"/>
                             </p:stCondLst>
                             <p:childTnLst>
                               <p:par>
-                                <p:cTn id="37" presetID="10" presetClass="entr" presetSubtype="0" fill="hold" grpId="0" nodeType="clickEffect">
+                                <p:cTn id="30" presetID="10" presetClass="entr" presetSubtype="0" fill="hold" grpId="0" nodeType="clickEffect">
                                   <p:stCondLst>
                                     <p:cond delay="0"/>
                                   </p:stCondLst>
                                   <p:childTnLst>
                                     <p:set>
                                       <p:cBhvr>
-                                        <p:cTn id="38" dur="1" fill="hold">
+                                        <p:cTn id="31" dur="1" fill="hold">
                                           <p:stCondLst>
                                             <p:cond delay="0"/>
                                           </p:stCondLst>
@@ -14475,7 +14379,7 @@
                                         <p:tgtEl>
                                           <p:spTgt spid="3">
                                             <p:txEl>
-                                              <p:pRg st="8" end="8"/>
+                                              <p:pRg st="5" end="5"/>
                                             </p:txEl>
                                           </p:spTgt>
                                         </p:tgtEl>
@@ -14489,11 +14393,298 @@
                                     </p:set>
                                     <p:animEffect transition="in" filter="fade">
                                       <p:cBhvr>
-                                        <p:cTn id="39" dur="500"/>
+                                        <p:cTn id="32" dur="500"/>
+                                        <p:tgtEl>
+                                          <p:spTgt spid="3">
+                                            <p:txEl>
+                                              <p:pRg st="5" end="5"/>
+                                            </p:txEl>
+                                          </p:spTgt>
+                                        </p:tgtEl>
+                                      </p:cBhvr>
+                                    </p:animEffect>
+                                  </p:childTnLst>
+                                </p:cTn>
+                              </p:par>
+                            </p:childTnLst>
+                          </p:cTn>
+                        </p:par>
+                      </p:childTnLst>
+                    </p:cTn>
+                  </p:par>
+                  <p:par>
+                    <p:cTn id="33" fill="hold">
+                      <p:stCondLst>
+                        <p:cond delay="indefinite"/>
+                      </p:stCondLst>
+                      <p:childTnLst>
+                        <p:par>
+                          <p:cTn id="34" fill="hold">
+                            <p:stCondLst>
+                              <p:cond delay="0"/>
+                            </p:stCondLst>
+                            <p:childTnLst>
+                              <p:par>
+                                <p:cTn id="35" presetID="10" presetClass="entr" presetSubtype="0" fill="hold" grpId="0" nodeType="clickEffect">
+                                  <p:stCondLst>
+                                    <p:cond delay="0"/>
+                                  </p:stCondLst>
+                                  <p:childTnLst>
+                                    <p:set>
+                                      <p:cBhvr>
+                                        <p:cTn id="36" dur="1" fill="hold">
+                                          <p:stCondLst>
+                                            <p:cond delay="0"/>
+                                          </p:stCondLst>
+                                        </p:cTn>
+                                        <p:tgtEl>
+                                          <p:spTgt spid="3">
+                                            <p:txEl>
+                                              <p:pRg st="6" end="6"/>
+                                            </p:txEl>
+                                          </p:spTgt>
+                                        </p:tgtEl>
+                                        <p:attrNameLst>
+                                          <p:attrName>style.visibility</p:attrName>
+                                        </p:attrNameLst>
+                                      </p:cBhvr>
+                                      <p:to>
+                                        <p:strVal val="visible"/>
+                                      </p:to>
+                                    </p:set>
+                                    <p:animEffect transition="in" filter="fade">
+                                      <p:cBhvr>
+                                        <p:cTn id="37" dur="500"/>
+                                        <p:tgtEl>
+                                          <p:spTgt spid="3">
+                                            <p:txEl>
+                                              <p:pRg st="6" end="6"/>
+                                            </p:txEl>
+                                          </p:spTgt>
+                                        </p:tgtEl>
+                                      </p:cBhvr>
+                                    </p:animEffect>
+                                  </p:childTnLst>
+                                </p:cTn>
+                              </p:par>
+                            </p:childTnLst>
+                          </p:cTn>
+                        </p:par>
+                      </p:childTnLst>
+                    </p:cTn>
+                  </p:par>
+                  <p:par>
+                    <p:cTn id="38" fill="hold">
+                      <p:stCondLst>
+                        <p:cond delay="indefinite"/>
+                      </p:stCondLst>
+                      <p:childTnLst>
+                        <p:par>
+                          <p:cTn id="39" fill="hold">
+                            <p:stCondLst>
+                              <p:cond delay="0"/>
+                            </p:stCondLst>
+                            <p:childTnLst>
+                              <p:par>
+                                <p:cTn id="40" presetID="10" presetClass="entr" presetSubtype="0" fill="hold" grpId="0" nodeType="clickEffect">
+                                  <p:stCondLst>
+                                    <p:cond delay="0"/>
+                                  </p:stCondLst>
+                                  <p:childTnLst>
+                                    <p:set>
+                                      <p:cBhvr>
+                                        <p:cTn id="41" dur="1" fill="hold">
+                                          <p:stCondLst>
+                                            <p:cond delay="0"/>
+                                          </p:stCondLst>
+                                        </p:cTn>
+                                        <p:tgtEl>
+                                          <p:spTgt spid="3">
+                                            <p:txEl>
+                                              <p:pRg st="7" end="7"/>
+                                            </p:txEl>
+                                          </p:spTgt>
+                                        </p:tgtEl>
+                                        <p:attrNameLst>
+                                          <p:attrName>style.visibility</p:attrName>
+                                        </p:attrNameLst>
+                                      </p:cBhvr>
+                                      <p:to>
+                                        <p:strVal val="visible"/>
+                                      </p:to>
+                                    </p:set>
+                                    <p:animEffect transition="in" filter="fade">
+                                      <p:cBhvr>
+                                        <p:cTn id="42" dur="500"/>
+                                        <p:tgtEl>
+                                          <p:spTgt spid="3">
+                                            <p:txEl>
+                                              <p:pRg st="7" end="7"/>
+                                            </p:txEl>
+                                          </p:spTgt>
+                                        </p:tgtEl>
+                                      </p:cBhvr>
+                                    </p:animEffect>
+                                  </p:childTnLst>
+                                </p:cTn>
+                              </p:par>
+                              <p:par>
+                                <p:cTn id="43" presetID="10" presetClass="entr" presetSubtype="0" fill="hold" grpId="0" nodeType="withEffect">
+                                  <p:stCondLst>
+                                    <p:cond delay="0"/>
+                                  </p:stCondLst>
+                                  <p:childTnLst>
+                                    <p:set>
+                                      <p:cBhvr>
+                                        <p:cTn id="44" dur="1" fill="hold">
+                                          <p:stCondLst>
+                                            <p:cond delay="0"/>
+                                          </p:stCondLst>
+                                        </p:cTn>
                                         <p:tgtEl>
                                           <p:spTgt spid="3">
                                             <p:txEl>
                                               <p:pRg st="8" end="8"/>
+                                            </p:txEl>
+                                          </p:spTgt>
+                                        </p:tgtEl>
+                                        <p:attrNameLst>
+                                          <p:attrName>style.visibility</p:attrName>
+                                        </p:attrNameLst>
+                                      </p:cBhvr>
+                                      <p:to>
+                                        <p:strVal val="visible"/>
+                                      </p:to>
+                                    </p:set>
+                                    <p:animEffect transition="in" filter="fade">
+                                      <p:cBhvr>
+                                        <p:cTn id="45" dur="500"/>
+                                        <p:tgtEl>
+                                          <p:spTgt spid="3">
+                                            <p:txEl>
+                                              <p:pRg st="8" end="8"/>
+                                            </p:txEl>
+                                          </p:spTgt>
+                                        </p:tgtEl>
+                                      </p:cBhvr>
+                                    </p:animEffect>
+                                  </p:childTnLst>
+                                </p:cTn>
+                              </p:par>
+                            </p:childTnLst>
+                          </p:cTn>
+                        </p:par>
+                      </p:childTnLst>
+                    </p:cTn>
+                  </p:par>
+                  <p:par>
+                    <p:cTn id="46" fill="hold">
+                      <p:stCondLst>
+                        <p:cond delay="indefinite"/>
+                      </p:stCondLst>
+                      <p:childTnLst>
+                        <p:par>
+                          <p:cTn id="47" fill="hold">
+                            <p:stCondLst>
+                              <p:cond delay="0"/>
+                            </p:stCondLst>
+                            <p:childTnLst>
+                              <p:par>
+                                <p:cTn id="48" presetID="10" presetClass="entr" presetSubtype="0" fill="hold" grpId="0" nodeType="clickEffect">
+                                  <p:stCondLst>
+                                    <p:cond delay="0"/>
+                                  </p:stCondLst>
+                                  <p:childTnLst>
+                                    <p:set>
+                                      <p:cBhvr>
+                                        <p:cTn id="49" dur="1" fill="hold">
+                                          <p:stCondLst>
+                                            <p:cond delay="0"/>
+                                          </p:stCondLst>
+                                        </p:cTn>
+                                        <p:tgtEl>
+                                          <p:spTgt spid="3">
+                                            <p:txEl>
+                                              <p:pRg st="9" end="9"/>
+                                            </p:txEl>
+                                          </p:spTgt>
+                                        </p:tgtEl>
+                                        <p:attrNameLst>
+                                          <p:attrName>style.visibility</p:attrName>
+                                        </p:attrNameLst>
+                                      </p:cBhvr>
+                                      <p:to>
+                                        <p:strVal val="visible"/>
+                                      </p:to>
+                                    </p:set>
+                                    <p:animEffect transition="in" filter="fade">
+                                      <p:cBhvr>
+                                        <p:cTn id="50" dur="500"/>
+                                        <p:tgtEl>
+                                          <p:spTgt spid="3">
+                                            <p:txEl>
+                                              <p:pRg st="9" end="9"/>
+                                            </p:txEl>
+                                          </p:spTgt>
+                                        </p:tgtEl>
+                                      </p:cBhvr>
+                                    </p:animEffect>
+                                  </p:childTnLst>
+                                </p:cTn>
+                              </p:par>
+                            </p:childTnLst>
+                          </p:cTn>
+                        </p:par>
+                      </p:childTnLst>
+                    </p:cTn>
+                  </p:par>
+                  <p:par>
+                    <p:cTn id="51" fill="hold">
+                      <p:stCondLst>
+                        <p:cond delay="indefinite"/>
+                      </p:stCondLst>
+                      <p:childTnLst>
+                        <p:par>
+                          <p:cTn id="52" fill="hold">
+                            <p:stCondLst>
+                              <p:cond delay="0"/>
+                            </p:stCondLst>
+                            <p:childTnLst>
+                              <p:par>
+                                <p:cTn id="53" presetID="10" presetClass="entr" presetSubtype="0" fill="hold" grpId="0" nodeType="clickEffect">
+                                  <p:stCondLst>
+                                    <p:cond delay="0"/>
+                                  </p:stCondLst>
+                                  <p:childTnLst>
+                                    <p:set>
+                                      <p:cBhvr>
+                                        <p:cTn id="54" dur="1" fill="hold">
+                                          <p:stCondLst>
+                                            <p:cond delay="0"/>
+                                          </p:stCondLst>
+                                        </p:cTn>
+                                        <p:tgtEl>
+                                          <p:spTgt spid="3">
+                                            <p:txEl>
+                                              <p:pRg st="10" end="10"/>
+                                            </p:txEl>
+                                          </p:spTgt>
+                                        </p:tgtEl>
+                                        <p:attrNameLst>
+                                          <p:attrName>style.visibility</p:attrName>
+                                        </p:attrNameLst>
+                                      </p:cBhvr>
+                                      <p:to>
+                                        <p:strVal val="visible"/>
+                                      </p:to>
+                                    </p:set>
+                                    <p:animEffect transition="in" filter="fade">
+                                      <p:cBhvr>
+                                        <p:cTn id="55" dur="500"/>
+                                        <p:tgtEl>
+                                          <p:spTgt spid="3">
+                                            <p:txEl>
+                                              <p:pRg st="10" end="10"/>
                                             </p:txEl>
                                           </p:spTgt>
                                         </p:tgtEl>
@@ -14600,34 +14791,27 @@
         <p:spPr/>
         <p:txBody>
           <a:bodyPr>
-            <a:normAutofit lnSpcReduction="10000"/>
+            <a:normAutofit/>
           </a:bodyPr>
           <a:lstStyle/>
           <a:p>
             <a:r>
               <a:rPr lang="en-US" dirty="0"/>
-              <a:t>Grid – Auto Sizing</a:t>
+              <a:t>Auto sizing</a:t>
             </a:r>
           </a:p>
           <a:p>
             <a:pPr lvl="1"/>
             <a:r>
               <a:rPr lang="en-US" dirty="0"/>
-              <a:t>Star Sizing - sets sizes based on total available space that Grid size</a:t>
-            </a:r>
-          </a:p>
-          <a:p>
-            <a:pPr lvl="1"/>
-            <a:r>
-              <a:rPr lang="en-US" dirty="0"/>
-              <a:t>Auto Sizing - sets sizes based on content</a:t>
+              <a:t>Auto sizing – sets sizes based on content</a:t>
             </a:r>
           </a:p>
           <a:p>
             <a:pPr lvl="2"/>
             <a:r>
               <a:rPr lang="en-US" dirty="0"/>
-              <a:t>Set rows or column as Auto sized to fit content</a:t>
+              <a:t>Set rows or column Auto sized to fit content</a:t>
             </a:r>
           </a:p>
           <a:p>
@@ -14667,7 +14851,7 @@
                   <a:schemeClr val="tx1"/>
                 </a:solidFill>
               </a:rPr>
-              <a:t>Think about which areas of application are "work areas</a:t>
+              <a:t>Think about which areas of application are "work areas”</a:t>
             </a:r>
           </a:p>
           <a:p>
@@ -14678,7 +14862,7 @@
                   <a:schemeClr val="tx1"/>
                 </a:solidFill>
               </a:rPr>
-              <a:t>Those placed in star-sized rows or columns</a:t>
+              <a:t>Use star sizing for resizable work areas</a:t>
             </a:r>
           </a:p>
           <a:p>
@@ -14689,7 +14873,7 @@
                   <a:schemeClr val="tx1"/>
                 </a:solidFill>
               </a:rPr>
-              <a:t>Workspace grows or shrinks when containing window changes size</a:t>
+              <a:t>Workspace grows or shrinks when container changes size</a:t>
             </a:r>
           </a:p>
           <a:p>
@@ -14700,7 +14884,7 @@
                   <a:schemeClr val="tx1"/>
                 </a:solidFill>
               </a:rPr>
-              <a:t>Non-work areas, e.g. widgets are typically Auto sized</a:t>
+              <a:t>Non-work areas (individual controls) are typically Auto sized</a:t>
             </a:r>
           </a:p>
         </p:txBody>
@@ -14778,15 +14962,33 @@
                                   </p:childTnLst>
                                 </p:cTn>
                               </p:par>
+                            </p:childTnLst>
+                          </p:cTn>
+                        </p:par>
+                      </p:childTnLst>
+                    </p:cTn>
+                  </p:par>
+                  <p:par>
+                    <p:cTn id="8" fill="hold">
+                      <p:stCondLst>
+                        <p:cond delay="indefinite"/>
+                      </p:stCondLst>
+                      <p:childTnLst>
+                        <p:par>
+                          <p:cTn id="9" fill="hold">
+                            <p:stCondLst>
+                              <p:cond delay="0"/>
+                            </p:stCondLst>
+                            <p:childTnLst>
                               <p:par>
-                                <p:cTn id="8" presetID="10" presetClass="entr" presetSubtype="0" fill="hold" grpId="0" nodeType="withEffect">
+                                <p:cTn id="10" presetID="10" presetClass="entr" presetSubtype="0" fill="hold" grpId="0" nodeType="clickEffect">
                                   <p:stCondLst>
                                     <p:cond delay="0"/>
                                   </p:stCondLst>
                                   <p:childTnLst>
                                     <p:set>
                                       <p:cBhvr>
-                                        <p:cTn id="9" dur="1" fill="hold">
+                                        <p:cTn id="11" dur="1" fill="hold">
                                           <p:stCondLst>
                                             <p:cond delay="0"/>
                                           </p:stCondLst>
@@ -14808,7 +15010,7 @@
                                     </p:set>
                                     <p:animEffect transition="in" filter="fade">
                                       <p:cBhvr>
-                                        <p:cTn id="10" dur="500"/>
+                                        <p:cTn id="12" dur="500"/>
                                         <p:tgtEl>
                                           <p:spTgt spid="3">
                                             <p:txEl>
@@ -14828,26 +15030,26 @@
                     </p:cTn>
                   </p:par>
                   <p:par>
-                    <p:cTn id="11" fill="hold">
+                    <p:cTn id="13" fill="hold">
                       <p:stCondLst>
                         <p:cond delay="indefinite"/>
                       </p:stCondLst>
                       <p:childTnLst>
                         <p:par>
-                          <p:cTn id="12" fill="hold">
+                          <p:cTn id="14" fill="hold">
                             <p:stCondLst>
                               <p:cond delay="0"/>
                             </p:stCondLst>
                             <p:childTnLst>
                               <p:par>
-                                <p:cTn id="13" presetID="10" presetClass="entr" presetSubtype="0" fill="hold" grpId="0" nodeType="clickEffect">
+                                <p:cTn id="15" presetID="10" presetClass="entr" presetSubtype="0" fill="hold" grpId="0" nodeType="clickEffect">
                                   <p:stCondLst>
                                     <p:cond delay="0"/>
                                   </p:stCondLst>
                                   <p:childTnLst>
                                     <p:set>
                                       <p:cBhvr>
-                                        <p:cTn id="14" dur="1" fill="hold">
+                                        <p:cTn id="16" dur="1" fill="hold">
                                           <p:stCondLst>
                                             <p:cond delay="0"/>
                                           </p:stCondLst>
@@ -14869,7 +15071,7 @@
                                     </p:set>
                                     <p:animEffect transition="in" filter="fade">
                                       <p:cBhvr>
-                                        <p:cTn id="15" dur="500"/>
+                                        <p:cTn id="17" dur="500"/>
                                         <p:tgtEl>
                                           <p:spTgt spid="3">
                                             <p:txEl>
@@ -14889,26 +15091,26 @@
                     </p:cTn>
                   </p:par>
                   <p:par>
-                    <p:cTn id="16" fill="hold">
+                    <p:cTn id="18" fill="hold">
                       <p:stCondLst>
                         <p:cond delay="indefinite"/>
                       </p:stCondLst>
                       <p:childTnLst>
                         <p:par>
-                          <p:cTn id="17" fill="hold">
+                          <p:cTn id="19" fill="hold">
                             <p:stCondLst>
                               <p:cond delay="0"/>
                             </p:stCondLst>
                             <p:childTnLst>
                               <p:par>
-                                <p:cTn id="18" presetID="10" presetClass="entr" presetSubtype="0" fill="hold" grpId="0" nodeType="clickEffect">
+                                <p:cTn id="20" presetID="10" presetClass="entr" presetSubtype="0" fill="hold" grpId="0" nodeType="clickEffect">
                                   <p:stCondLst>
                                     <p:cond delay="0"/>
                                   </p:stCondLst>
                                   <p:childTnLst>
                                     <p:set>
                                       <p:cBhvr>
-                                        <p:cTn id="19" dur="1" fill="hold">
+                                        <p:cTn id="21" dur="1" fill="hold">
                                           <p:stCondLst>
                                             <p:cond delay="0"/>
                                           </p:stCondLst>
@@ -14930,7 +15132,7 @@
                                     </p:set>
                                     <p:animEffect transition="in" filter="fade">
                                       <p:cBhvr>
-                                        <p:cTn id="20" dur="500"/>
+                                        <p:cTn id="22" dur="500"/>
                                         <p:tgtEl>
                                           <p:spTgt spid="3">
                                             <p:txEl>
@@ -14950,26 +15152,26 @@
                     </p:cTn>
                   </p:par>
                   <p:par>
-                    <p:cTn id="21" fill="hold">
+                    <p:cTn id="23" fill="hold">
                       <p:stCondLst>
                         <p:cond delay="indefinite"/>
                       </p:stCondLst>
                       <p:childTnLst>
                         <p:par>
-                          <p:cTn id="22" fill="hold">
+                          <p:cTn id="24" fill="hold">
                             <p:stCondLst>
                               <p:cond delay="0"/>
                             </p:stCondLst>
                             <p:childTnLst>
                               <p:par>
-                                <p:cTn id="23" presetID="10" presetClass="entr" presetSubtype="0" fill="hold" grpId="0" nodeType="clickEffect">
+                                <p:cTn id="25" presetID="10" presetClass="entr" presetSubtype="0" fill="hold" grpId="0" nodeType="clickEffect">
                                   <p:stCondLst>
                                     <p:cond delay="0"/>
                                   </p:stCondLst>
                                   <p:childTnLst>
                                     <p:set>
                                       <p:cBhvr>
-                                        <p:cTn id="24" dur="1" fill="hold">
+                                        <p:cTn id="26" dur="1" fill="hold">
                                           <p:stCondLst>
                                             <p:cond delay="0"/>
                                           </p:stCondLst>
@@ -14991,7 +15193,7 @@
                                     </p:set>
                                     <p:animEffect transition="in" filter="fade">
                                       <p:cBhvr>
-                                        <p:cTn id="25" dur="500"/>
+                                        <p:cTn id="27" dur="500"/>
                                         <p:tgtEl>
                                           <p:spTgt spid="3">
                                             <p:txEl>
@@ -15011,26 +15213,26 @@
                     </p:cTn>
                   </p:par>
                   <p:par>
-                    <p:cTn id="26" fill="hold">
+                    <p:cTn id="28" fill="hold">
                       <p:stCondLst>
                         <p:cond delay="indefinite"/>
                       </p:stCondLst>
                       <p:childTnLst>
                         <p:par>
-                          <p:cTn id="27" fill="hold">
+                          <p:cTn id="29" fill="hold">
                             <p:stCondLst>
                               <p:cond delay="0"/>
                             </p:stCondLst>
                             <p:childTnLst>
                               <p:par>
-                                <p:cTn id="28" presetID="10" presetClass="entr" presetSubtype="0" fill="hold" grpId="0" nodeType="clickEffect">
+                                <p:cTn id="30" presetID="10" presetClass="entr" presetSubtype="0" fill="hold" grpId="0" nodeType="clickEffect">
                                   <p:stCondLst>
                                     <p:cond delay="0"/>
                                   </p:stCondLst>
                                   <p:childTnLst>
                                     <p:set>
                                       <p:cBhvr>
-                                        <p:cTn id="29" dur="1" fill="hold">
+                                        <p:cTn id="31" dur="1" fill="hold">
                                           <p:stCondLst>
                                             <p:cond delay="0"/>
                                           </p:stCondLst>
@@ -15052,7 +15254,7 @@
                                     </p:set>
                                     <p:animEffect transition="in" filter="fade">
                                       <p:cBhvr>
-                                        <p:cTn id="30" dur="500"/>
+                                        <p:cTn id="32" dur="500"/>
                                         <p:tgtEl>
                                           <p:spTgt spid="3">
                                             <p:txEl>
@@ -15072,26 +15274,26 @@
                     </p:cTn>
                   </p:par>
                   <p:par>
-                    <p:cTn id="31" fill="hold">
+                    <p:cTn id="33" fill="hold">
                       <p:stCondLst>
                         <p:cond delay="indefinite"/>
                       </p:stCondLst>
                       <p:childTnLst>
                         <p:par>
-                          <p:cTn id="32" fill="hold">
+                          <p:cTn id="34" fill="hold">
                             <p:stCondLst>
                               <p:cond delay="0"/>
                             </p:stCondLst>
                             <p:childTnLst>
                               <p:par>
-                                <p:cTn id="33" presetID="10" presetClass="entr" presetSubtype="0" fill="hold" grpId="0" nodeType="clickEffect">
+                                <p:cTn id="35" presetID="10" presetClass="entr" presetSubtype="0" fill="hold" grpId="0" nodeType="clickEffect">
                                   <p:stCondLst>
                                     <p:cond delay="0"/>
                                   </p:stCondLst>
                                   <p:childTnLst>
                                     <p:set>
                                       <p:cBhvr>
-                                        <p:cTn id="34" dur="1" fill="hold">
+                                        <p:cTn id="36" dur="1" fill="hold">
                                           <p:stCondLst>
                                             <p:cond delay="0"/>
                                           </p:stCondLst>
@@ -15113,11 +15315,97 @@
                                     </p:set>
                                     <p:animEffect transition="in" filter="fade">
                                       <p:cBhvr>
-                                        <p:cTn id="35" dur="500"/>
+                                        <p:cTn id="37" dur="500"/>
                                         <p:tgtEl>
                                           <p:spTgt spid="3">
                                             <p:txEl>
                                               <p:pRg st="6" end="6"/>
+                                            </p:txEl>
+                                          </p:spTgt>
+                                        </p:tgtEl>
+                                      </p:cBhvr>
+                                    </p:animEffect>
+                                  </p:childTnLst>
+                                </p:cTn>
+                              </p:par>
+                              <p:par>
+                                <p:cTn id="38" presetID="10" presetClass="entr" presetSubtype="0" fill="hold" grpId="0" nodeType="withEffect">
+                                  <p:stCondLst>
+                                    <p:cond delay="0"/>
+                                  </p:stCondLst>
+                                  <p:childTnLst>
+                                    <p:set>
+                                      <p:cBhvr>
+                                        <p:cTn id="39" dur="1" fill="hold">
+                                          <p:stCondLst>
+                                            <p:cond delay="0"/>
+                                          </p:stCondLst>
+                                        </p:cTn>
+                                        <p:tgtEl>
+                                          <p:spTgt spid="3">
+                                            <p:txEl>
+                                              <p:pRg st="7" end="7"/>
+                                            </p:txEl>
+                                          </p:spTgt>
+                                        </p:tgtEl>
+                                        <p:attrNameLst>
+                                          <p:attrName>style.visibility</p:attrName>
+                                        </p:attrNameLst>
+                                      </p:cBhvr>
+                                      <p:to>
+                                        <p:strVal val="visible"/>
+                                      </p:to>
+                                    </p:set>
+                                    <p:animEffect transition="in" filter="fade">
+                                      <p:cBhvr>
+                                        <p:cTn id="40" dur="500"/>
+                                        <p:tgtEl>
+                                          <p:spTgt spid="3">
+                                            <p:txEl>
+                                              <p:pRg st="7" end="7"/>
+                                            </p:txEl>
+                                          </p:spTgt>
+                                        </p:tgtEl>
+                                      </p:cBhvr>
+                                    </p:animEffect>
+                                  </p:childTnLst>
+                                </p:cTn>
+                              </p:par>
+                              <p:par>
+                                <p:cTn id="41" presetID="10" presetClass="entr" presetSubtype="0" fill="hold" grpId="0" nodeType="withEffect">
+                                  <p:stCondLst>
+                                    <p:cond delay="0"/>
+                                  </p:stCondLst>
+                                  <p:childTnLst>
+                                    <p:set>
+                                      <p:cBhvr>
+                                        <p:cTn id="42" dur="1" fill="hold">
+                                          <p:stCondLst>
+                                            <p:cond delay="0"/>
+                                          </p:stCondLst>
+                                        </p:cTn>
+                                        <p:tgtEl>
+                                          <p:spTgt spid="3">
+                                            <p:txEl>
+                                              <p:pRg st="8" end="8"/>
+                                            </p:txEl>
+                                          </p:spTgt>
+                                        </p:tgtEl>
+                                        <p:attrNameLst>
+                                          <p:attrName>style.visibility</p:attrName>
+                                        </p:attrNameLst>
+                                      </p:cBhvr>
+                                      <p:to>
+                                        <p:strVal val="visible"/>
+                                      </p:to>
+                                    </p:set>
+                                    <p:animEffect transition="in" filter="fade">
+                                      <p:cBhvr>
+                                        <p:cTn id="43" dur="500"/>
+                                        <p:tgtEl>
+                                          <p:spTgt spid="3">
+                                            <p:txEl>
+                                              <p:pRg st="8" end="8"/>
                                             </p:txEl>
                                           </p:spTgt>
                                         </p:tgtEl>
@@ -15133,26 +15421,26 @@
                     </p:cTn>
                   </p:par>
                   <p:par>
-                    <p:cTn id="36" fill="hold">
+                    <p:cTn id="44" fill="hold">
                       <p:stCondLst>
                         <p:cond delay="indefinite"/>
                       </p:stCondLst>
                       <p:childTnLst>
                         <p:par>
-                          <p:cTn id="37" fill="hold">
+                          <p:cTn id="45" fill="hold">
                             <p:stCondLst>
                               <p:cond delay="0"/>
                             </p:stCondLst>
                             <p:childTnLst>
                               <p:par>
-                                <p:cTn id="38" presetID="10" presetClass="entr" presetSubtype="0" fill="hold" grpId="0" nodeType="clickEffect">
+                                <p:cTn id="46" presetID="10" presetClass="entr" presetSubtype="0" fill="hold" grpId="0" nodeType="clickEffect">
                                   <p:stCondLst>
                                     <p:cond delay="0"/>
                                   </p:stCondLst>
                                   <p:childTnLst>
                                     <p:set>
                                       <p:cBhvr>
-                                        <p:cTn id="39" dur="1" fill="hold">
+                                        <p:cTn id="47" dur="1" fill="hold">
                                           <p:stCondLst>
                                             <p:cond delay="0"/>
                                           </p:stCondLst>
@@ -15160,7 +15448,7 @@
                                         <p:tgtEl>
                                           <p:spTgt spid="3">
                                             <p:txEl>
-                                              <p:pRg st="7" end="7"/>
+                                              <p:pRg st="9" end="9"/>
                                             </p:txEl>
                                           </p:spTgt>
                                         </p:tgtEl>
@@ -15174,158 +15462,11 @@
                                     </p:set>
                                     <p:animEffect transition="in" filter="fade">
                                       <p:cBhvr>
-                                        <p:cTn id="40" dur="500"/>
-                                        <p:tgtEl>
-                                          <p:spTgt spid="3">
-                                            <p:txEl>
-                                              <p:pRg st="7" end="7"/>
-                                            </p:txEl>
-                                          </p:spTgt>
-                                        </p:tgtEl>
-                                      </p:cBhvr>
-                                    </p:animEffect>
-                                  </p:childTnLst>
-                                </p:cTn>
-                              </p:par>
-                              <p:par>
-                                <p:cTn id="41" presetID="10" presetClass="entr" presetSubtype="0" fill="hold" grpId="0" nodeType="withEffect">
-                                  <p:stCondLst>
-                                    <p:cond delay="0"/>
-                                  </p:stCondLst>
-                                  <p:childTnLst>
-                                    <p:set>
-                                      <p:cBhvr>
-                                        <p:cTn id="42" dur="1" fill="hold">
-                                          <p:stCondLst>
-                                            <p:cond delay="0"/>
-                                          </p:stCondLst>
-                                        </p:cTn>
-                                        <p:tgtEl>
-                                          <p:spTgt spid="3">
-                                            <p:txEl>
-                                              <p:pRg st="8" end="8"/>
-                                            </p:txEl>
-                                          </p:spTgt>
-                                        </p:tgtEl>
-                                        <p:attrNameLst>
-                                          <p:attrName>style.visibility</p:attrName>
-                                        </p:attrNameLst>
-                                      </p:cBhvr>
-                                      <p:to>
-                                        <p:strVal val="visible"/>
-                                      </p:to>
-                                    </p:set>
-                                    <p:animEffect transition="in" filter="fade">
-                                      <p:cBhvr>
-                                        <p:cTn id="43" dur="500"/>
-                                        <p:tgtEl>
-                                          <p:spTgt spid="3">
-                                            <p:txEl>
-                                              <p:pRg st="8" end="8"/>
-                                            </p:txEl>
-                                          </p:spTgt>
-                                        </p:tgtEl>
-                                      </p:cBhvr>
-                                    </p:animEffect>
-                                  </p:childTnLst>
-                                </p:cTn>
-                              </p:par>
-                              <p:par>
-                                <p:cTn id="44" presetID="10" presetClass="entr" presetSubtype="0" fill="hold" grpId="0" nodeType="withEffect">
-                                  <p:stCondLst>
-                                    <p:cond delay="0"/>
-                                  </p:stCondLst>
-                                  <p:childTnLst>
-                                    <p:set>
-                                      <p:cBhvr>
-                                        <p:cTn id="45" dur="1" fill="hold">
-                                          <p:stCondLst>
-                                            <p:cond delay="0"/>
-                                          </p:stCondLst>
-                                        </p:cTn>
+                                        <p:cTn id="48" dur="500"/>
                                         <p:tgtEl>
                                           <p:spTgt spid="3">
                                             <p:txEl>
                                               <p:pRg st="9" end="9"/>
-                                            </p:txEl>
-                                          </p:spTgt>
-                                        </p:tgtEl>
-                                        <p:attrNameLst>
-                                          <p:attrName>style.visibility</p:attrName>
-                                        </p:attrNameLst>
-                                      </p:cBhvr>
-                                      <p:to>
-                                        <p:strVal val="visible"/>
-                                      </p:to>
-                                    </p:set>
-                                    <p:animEffect transition="in" filter="fade">
-                                      <p:cBhvr>
-                                        <p:cTn id="46" dur="500"/>
-                                        <p:tgtEl>
-                                          <p:spTgt spid="3">
-                                            <p:txEl>
-                                              <p:pRg st="9" end="9"/>
-                                            </p:txEl>
-                                          </p:spTgt>
-                                        </p:tgtEl>
-                                      </p:cBhvr>
-                                    </p:animEffect>
-                                  </p:childTnLst>
-                                </p:cTn>
-                              </p:par>
-                            </p:childTnLst>
-                          </p:cTn>
-                        </p:par>
-                      </p:childTnLst>
-                    </p:cTn>
-                  </p:par>
-                  <p:par>
-                    <p:cTn id="47" fill="hold">
-                      <p:stCondLst>
-                        <p:cond delay="indefinite"/>
-                      </p:stCondLst>
-                      <p:childTnLst>
-                        <p:par>
-                          <p:cTn id="48" fill="hold">
-                            <p:stCondLst>
-                              <p:cond delay="0"/>
-                            </p:stCondLst>
-                            <p:childTnLst>
-                              <p:par>
-                                <p:cTn id="49" presetID="10" presetClass="entr" presetSubtype="0" fill="hold" grpId="0" nodeType="clickEffect">
-                                  <p:stCondLst>
-                                    <p:cond delay="0"/>
-                                  </p:stCondLst>
-                                  <p:childTnLst>
-                                    <p:set>
-                                      <p:cBhvr>
-                                        <p:cTn id="50" dur="1" fill="hold">
-                                          <p:stCondLst>
-                                            <p:cond delay="0"/>
-                                          </p:stCondLst>
-                                        </p:cTn>
-                                        <p:tgtEl>
-                                          <p:spTgt spid="3">
-                                            <p:txEl>
-                                              <p:pRg st="10" end="10"/>
-                                            </p:txEl>
-                                          </p:spTgt>
-                                        </p:tgtEl>
-                                        <p:attrNameLst>
-                                          <p:attrName>style.visibility</p:attrName>
-                                        </p:attrNameLst>
-                                      </p:cBhvr>
-                                      <p:to>
-                                        <p:strVal val="visible"/>
-                                      </p:to>
-                                    </p:set>
-                                    <p:animEffect transition="in" filter="fade">
-                                      <p:cBhvr>
-                                        <p:cTn id="51" dur="500"/>
-                                        <p:tgtEl>
-                                          <p:spTgt spid="3">
-                                            <p:txEl>
-                                              <p:pRg st="10" end="10"/>
                                             </p:txEl>
                                           </p:spTgt>
                                         </p:tgtEl>
@@ -15436,21 +15577,21 @@
           <a:p>
             <a:r>
               <a:rPr lang="en-US" dirty="0"/>
-              <a:t>Grid - Absolute Sizing</a:t>
+              <a:t>Absolute sizing</a:t>
             </a:r>
           </a:p>
           <a:p>
             <a:pPr lvl="1"/>
             <a:r>
               <a:rPr lang="en-US" dirty="0"/>
-              <a:t>Absolute sizing -- can also specify exact Height (rows) or Width (columns</a:t>
+              <a:t>Specify exact Height (rows) or Width (columns)</a:t>
             </a:r>
           </a:p>
           <a:p>
             <a:pPr lvl="1"/>
             <a:r>
               <a:rPr lang="en-US" dirty="0"/>
-              <a:t>Discouraged -- better to size to content</a:t>
+              <a:t>Discouraged – better to size to content</a:t>
             </a:r>
           </a:p>
           <a:p>
@@ -15460,7 +15601,7 @@
                   <a:srgbClr val="00B050"/>
                 </a:solidFill>
               </a:rPr>
-              <a:t>Example - Absolute Sizing</a:t>
+              <a:t>Example - Absolute Sizing	</a:t>
             </a:r>
           </a:p>
         </p:txBody>
@@ -15823,7 +15964,7 @@
           <a:p>
             <a:r>
               <a:rPr lang="en-US" dirty="0"/>
-              <a:t>Grid - Spanning Rows and Columns</a:t>
+              <a:t>Spanning rows and columns</a:t>
             </a:r>
           </a:p>
           <a:p>
@@ -15837,7 +15978,7 @@
             <a:pPr lvl="1"/>
             <a:r>
               <a:rPr lang="en-US" dirty="0"/>
-              <a:t>Set spanning on child element that should span</a:t>
+              <a:t>In child element, specify how many rows/columns to span</a:t>
             </a:r>
           </a:p>
           <a:p>
@@ -15854,10 +15995,7 @@
               <a:rPr lang="en-US" dirty="0" err="1"/>
               <a:t>Grid.ColumnSpan</a:t>
             </a:r>
-            <a:r>
-              <a:rPr lang="en-US" dirty="0"/>
-              <a:t> - and # columns</a:t>
-            </a:r>
+            <a:endParaRPr lang="en-US" dirty="0"/>
           </a:p>
         </p:txBody>
       </p:sp>
@@ -16359,21 +16497,36 @@
             <a:pPr lvl="1"/>
             <a:r>
               <a:rPr lang="en-US" dirty="0"/>
-              <a:t>We load data into the widgets</a:t>
+              <a:t>Load data into the widgets from data store</a:t>
             </a:r>
           </a:p>
           <a:p>
             <a:pPr lvl="1"/>
             <a:r>
               <a:rPr lang="en-US" dirty="0"/>
-              <a:t>User works with the data, changing some state</a:t>
+              <a:t>User works with the data, changing some internal state</a:t>
             </a:r>
           </a:p>
           <a:p>
             <a:pPr lvl="1"/>
             <a:r>
               <a:rPr lang="en-US" dirty="0"/>
-              <a:t>Store that data back to some data store</a:t>
+              <a:t>State dictates operations</a:t>
+            </a:r>
+          </a:p>
+          <a:p>
+            <a:pPr lvl="1"/>
+            <a:r>
+              <a:rPr lang="en-US" dirty="0"/>
+              <a:t>Store state back to </a:t>
+            </a:r>
+            <a:r>
+              <a:rPr lang="en-US" dirty="0" err="1"/>
+              <a:t>to</a:t>
+            </a:r>
+            <a:r>
+              <a:rPr lang="en-US" dirty="0"/>
+              <a:t> data store</a:t>
             </a:r>
           </a:p>
           <a:p>
@@ -16637,6 +16790,49 @@
                                   </p:childTnLst>
                                 </p:cTn>
                               </p:par>
+                              <p:par>
+                                <p:cTn id="23" presetID="10" presetClass="entr" presetSubtype="0" fill="hold" grpId="0" nodeType="withEffect">
+                                  <p:stCondLst>
+                                    <p:cond delay="0"/>
+                                  </p:stCondLst>
+                                  <p:childTnLst>
+                                    <p:set>
+                                      <p:cBhvr>
+                                        <p:cTn id="24" dur="1" fill="hold">
+                                          <p:stCondLst>
+                                            <p:cond delay="0"/>
+                                          </p:stCondLst>
+                                        </p:cTn>
+                                        <p:tgtEl>
+                                          <p:spTgt spid="3">
+                                            <p:txEl>
+                                              <p:pRg st="4" end="4"/>
+                                            </p:txEl>
+                                          </p:spTgt>
+                                        </p:tgtEl>
+                                        <p:attrNameLst>
+                                          <p:attrName>style.visibility</p:attrName>
+                                        </p:attrNameLst>
+                                      </p:cBhvr>
+                                      <p:to>
+                                        <p:strVal val="visible"/>
+                                      </p:to>
+                                    </p:set>
+                                    <p:animEffect transition="in" filter="fade">
+                                      <p:cBhvr>
+                                        <p:cTn id="25" dur="500"/>
+                                        <p:tgtEl>
+                                          <p:spTgt spid="3">
+                                            <p:txEl>
+                                              <p:pRg st="4" end="4"/>
+                                            </p:txEl>
+                                          </p:spTgt>
+                                        </p:tgtEl>
+                                      </p:cBhvr>
+                                    </p:animEffect>
+                                  </p:childTnLst>
+                                </p:cTn>
+                              </p:par>
                             </p:childTnLst>
                           </p:cTn>
                         </p:par>
@@ -16644,26 +16840,26 @@
                     </p:cTn>
                   </p:par>
                   <p:par>
-                    <p:cTn id="23" fill="hold">
+                    <p:cTn id="26" fill="hold">
                       <p:stCondLst>
                         <p:cond delay="indefinite"/>
                       </p:stCondLst>
                       <p:childTnLst>
                         <p:par>
-                          <p:cTn id="24" fill="hold">
+                          <p:cTn id="27" fill="hold">
                             <p:stCondLst>
                               <p:cond delay="0"/>
                             </p:stCondLst>
                             <p:childTnLst>
                               <p:par>
-                                <p:cTn id="25" presetID="10" presetClass="entr" presetSubtype="0" fill="hold" grpId="0" nodeType="clickEffect">
+                                <p:cTn id="28" presetID="10" presetClass="entr" presetSubtype="0" fill="hold" grpId="0" nodeType="clickEffect">
                                   <p:stCondLst>
                                     <p:cond delay="0"/>
                                   </p:stCondLst>
                                   <p:childTnLst>
                                     <p:set>
                                       <p:cBhvr>
-                                        <p:cTn id="26" dur="1" fill="hold">
+                                        <p:cTn id="29" dur="1" fill="hold">
                                           <p:stCondLst>
                                             <p:cond delay="0"/>
                                           </p:stCondLst>
@@ -16671,7 +16867,7 @@
                                         <p:tgtEl>
                                           <p:spTgt spid="3">
                                             <p:txEl>
-                                              <p:pRg st="4" end="4"/>
+                                              <p:pRg st="5" end="5"/>
                                             </p:txEl>
                                           </p:spTgt>
                                         </p:tgtEl>
@@ -16685,11 +16881,11 @@
                                     </p:set>
                                     <p:animEffect transition="in" filter="fade">
                                       <p:cBhvr>
-                                        <p:cTn id="27" dur="500"/>
-                                        <p:tgtEl>
-                                          <p:spTgt spid="3">
-                                            <p:txEl>
-                                              <p:pRg st="4" end="4"/>
+                                        <p:cTn id="30" dur="500"/>
+                                        <p:tgtEl>
+                                          <p:spTgt spid="3">
+                                            <p:txEl>
+                                              <p:pRg st="5" end="5"/>
                                             </p:txEl>
                                           </p:spTgt>
                                         </p:tgtEl>
@@ -16807,7 +17003,7 @@
             <a:pPr lvl="1"/>
             <a:r>
               <a:rPr lang="en-US" dirty="0"/>
-              <a:t>MVVM is the typical architecture used for WPF application</a:t>
+              <a:t>MVVM is the typical architecture used for WPF applications</a:t>
             </a:r>
           </a:p>
           <a:p>
@@ -17232,7 +17428,7 @@
             <a:pPr lvl="1"/>
             <a:r>
               <a:rPr lang="en-US" dirty="0"/>
-              <a:t>The View contains the UI widgets that the user interacts with</a:t>
+              <a:t>View contains UI widgets that the user interacts with</a:t>
             </a:r>
           </a:p>
           <a:p>
@@ -17253,14 +17449,19 @@
             <a:pPr lvl="2"/>
             <a:r>
               <a:rPr lang="en-US" dirty="0"/>
-              <a:t>As user changes something in UI, property in ViewModel is updated</a:t>
-            </a:r>
+              <a:t>When user changes something in UI =&gt; update property in </a:t>
+            </a:r>
+            <a:r>
+              <a:rPr lang="en-US" dirty="0" err="1"/>
+              <a:t>ViewMode</a:t>
+            </a:r>
+            <a:endParaRPr lang="en-US" dirty="0"/>
           </a:p>
           <a:p>
             <a:pPr lvl="2"/>
             <a:r>
               <a:rPr lang="en-US" dirty="0"/>
-              <a:t>If property changes in ViewModel (e.g. load object), UI controls are updated</a:t>
+              <a:t>When property changes in ViewModel =&gt; update UI controls</a:t>
             </a:r>
           </a:p>
           <a:p>
@@ -17288,7 +17489,7 @@
             <a:pPr lvl="2"/>
             <a:r>
               <a:rPr lang="en-US" dirty="0"/>
-              <a:t>Manage dependencies between properties</a:t>
+              <a:t>Dependencies between properties</a:t>
             </a:r>
           </a:p>
           <a:p>
@@ -18088,28 +18289,28 @@
             <a:pPr lvl="1"/>
             <a:r>
               <a:rPr lang="en-US" dirty="0"/>
-              <a:t>Nine units today--present material, then exercise</a:t>
+              <a:t>Nine units today – present material, then associated exercise</a:t>
             </a:r>
           </a:p>
           <a:p>
             <a:pPr lvl="1"/>
             <a:r>
               <a:rPr lang="en-US" dirty="0"/>
-              <a:t>Details for each exercise are in the repo above</a:t>
+              <a:t>Details for each exercise are in the repo</a:t>
             </a:r>
           </a:p>
           <a:p>
             <a:pPr lvl="1"/>
             <a:r>
               <a:rPr lang="en-US" dirty="0"/>
-              <a:t>Starting point projects for some exercises</a:t>
+              <a:t>Some exercises have Visual Studio project to start with</a:t>
             </a:r>
           </a:p>
           <a:p>
             <a:pPr lvl="1"/>
             <a:r>
               <a:rPr lang="en-US" dirty="0"/>
-              <a:t>I will post projects with my implementation after the class</a:t>
+              <a:t>After the class, I’ll post my solutions for each exercise</a:t>
             </a:r>
           </a:p>
         </p:txBody>
@@ -18815,7 +19016,7 @@
             <a:pPr lvl="2"/>
             <a:r>
               <a:rPr lang="en-US" dirty="0"/>
-              <a:t>View could be entire window, ViewModel contains data for everything</a:t>
+              <a:t>View could be entire window, ViewModel containing data for everything</a:t>
             </a:r>
           </a:p>
           <a:p>
@@ -18829,7 +19030,7 @@
             <a:pPr lvl="2"/>
             <a:r>
               <a:rPr lang="en-US" dirty="0"/>
-              <a:t>Quite common to have a hierarchy of Views/</a:t>
+              <a:t>Quite common to have a hierarchy of Views / </a:t>
             </a:r>
             <a:r>
               <a:rPr lang="en-US" dirty="0" err="1"/>
@@ -19281,14 +19482,14 @@
             <a:pPr lvl="2"/>
             <a:r>
               <a:rPr lang="en-US" dirty="0"/>
-              <a:t>UI element sets DataContext to instance of a ViewModel</a:t>
+              <a:t>Set DataContext of UI controls to instance of a ViewModel</a:t>
             </a:r>
           </a:p>
           <a:p>
             <a:pPr lvl="2"/>
             <a:r>
               <a:rPr lang="en-US" dirty="0"/>
-              <a:t>Properties of UI elements are data bound to properties in the ViewModel</a:t>
+              <a:t>Properties of UI elements bound to properties in the ViewModel</a:t>
             </a:r>
           </a:p>
           <a:p>
@@ -19302,7 +19503,7 @@
             <a:pPr lvl="2"/>
             <a:r>
               <a:rPr lang="en-US" dirty="0"/>
-              <a:t>Each data binding has a binding Mode dictating what direction data flows</a:t>
+              <a:t>Binding mode dictates what direction data flows</a:t>
             </a:r>
           </a:p>
           <a:p>
@@ -19313,7 +19514,7 @@
             </a:r>
             <a:r>
               <a:rPr lang="en-US" dirty="0"/>
-              <a:t> - from ViewModel to View</a:t>
+              <a:t> – from ViewModel to View</a:t>
             </a:r>
           </a:p>
           <a:p>
@@ -19324,7 +19525,7 @@
             </a:r>
             <a:r>
               <a:rPr lang="en-US" dirty="0"/>
-              <a:t> - from View to ViewModel</a:t>
+              <a:t> – from View to ViewModel</a:t>
             </a:r>
           </a:p>
           <a:p>
@@ -19335,7 +19536,7 @@
             </a:r>
             <a:r>
               <a:rPr lang="en-US" dirty="0"/>
-              <a:t> - in both directions</a:t>
+              <a:t> – in both directions</a:t>
             </a:r>
           </a:p>
           <a:p>
@@ -19346,7 +19547,7 @@
             </a:r>
             <a:r>
               <a:rPr lang="en-US" dirty="0"/>
-              <a:t> - like </a:t>
+              <a:t> – like </a:t>
             </a:r>
             <a:r>
               <a:rPr lang="en-US" dirty="0" err="1"/>
@@ -19376,7 +19577,7 @@
             </a:r>
             <a:r>
               <a:rPr lang="en-US" dirty="0"/>
-              <a:t> - typically </a:t>
+              <a:t> – typically </a:t>
             </a:r>
             <a:r>
               <a:rPr lang="en-US" dirty="0" err="1"/>
@@ -20258,7 +20459,7 @@
             <a:pPr lvl="1"/>
             <a:r>
               <a:rPr lang="en-US" dirty="0"/>
-              <a:t>Data binding a </a:t>
+              <a:t>Binding text in a </a:t>
             </a:r>
             <a:r>
               <a:rPr lang="en-US" dirty="0" err="1"/>
@@ -20266,14 +20467,14 @@
             </a:r>
             <a:r>
               <a:rPr lang="en-US" dirty="0"/>
-              <a:t> to a string-based property in the ViewModel</a:t>
+              <a:t> to a property in the ViewModel</a:t>
             </a:r>
           </a:p>
           <a:p>
             <a:pPr lvl="1"/>
             <a:r>
               <a:rPr lang="en-US" dirty="0"/>
-              <a:t>User enters last name, data bound to </a:t>
+              <a:t>User enters last name, bound to </a:t>
             </a:r>
             <a:r>
               <a:rPr lang="en-US" dirty="0" err="1"/>
@@ -20883,10 +21084,15 @@
             <p:ph idx="1"/>
           </p:nvPr>
         </p:nvSpPr>
-        <p:spPr/>
+        <p:spPr>
+          <a:xfrm>
+            <a:off x="2589212" y="2133599"/>
+            <a:ext cx="8915400" cy="4321865"/>
+          </a:xfrm>
+        </p:spPr>
         <p:txBody>
           <a:bodyPr>
-            <a:normAutofit fontScale="77500" lnSpcReduction="20000"/>
+            <a:normAutofit fontScale="85000" lnSpcReduction="20000"/>
           </a:bodyPr>
           <a:lstStyle/>
           <a:p>
@@ -20906,7 +21112,7 @@
             <a:pPr lvl="2"/>
             <a:r>
               <a:rPr lang="en-US" dirty="0"/>
-              <a:t>C# class with properties that implements </a:t>
+              <a:t>C# class that implements </a:t>
             </a:r>
             <a:r>
               <a:rPr lang="en-US" dirty="0" err="1"/>
@@ -20917,12 +21123,19 @@
           <a:p>
             <a:pPr lvl="2"/>
             <a:r>
+              <a:rPr lang="en-US" dirty="0"/>
+              <a:t>Property for each thing you want to bind to</a:t>
+            </a:r>
+          </a:p>
+          <a:p>
+            <a:pPr lvl="2"/>
+            <a:r>
               <a:rPr lang="en-US" dirty="0" err="1"/>
               <a:t>INotifyPropertyChanged</a:t>
             </a:r>
             <a:r>
               <a:rPr lang="en-US" dirty="0"/>
-              <a:t> - class fires </a:t>
+              <a:t> – class fires </a:t>
             </a:r>
             <a:r>
               <a:rPr lang="en-US" dirty="0" err="1"/>
@@ -20956,31 +21169,31 @@
             </a:r>
           </a:p>
           <a:p>
+            <a:pPr lvl="1"/>
+            <a:r>
+              <a:rPr lang="en-US" dirty="0"/>
+              <a:t>Set DataContext for main window</a:t>
+            </a:r>
+          </a:p>
+          <a:p>
             <a:pPr lvl="2"/>
             <a:r>
               <a:rPr lang="en-US" dirty="0"/>
-              <a:t>Property for each thing you want to bind to</a:t>
-            </a:r>
-          </a:p>
-          <a:p>
-            <a:pPr lvl="1"/>
-            <a:r>
-              <a:rPr lang="en-US" dirty="0"/>
-              <a:t>Set DataContext for main window</a:t>
+              <a:t>Do this in code-behind</a:t>
             </a:r>
           </a:p>
           <a:p>
             <a:pPr lvl="2"/>
             <a:r>
               <a:rPr lang="en-US" dirty="0"/>
-              <a:t>Do this in code-behind</a:t>
+              <a:t>Create instance of ViewModel and set top-level Window's DataContext to it</a:t>
             </a:r>
           </a:p>
           <a:p>
             <a:pPr lvl="2"/>
             <a:r>
               <a:rPr lang="en-US" dirty="0"/>
-              <a:t>Create instance of ViewModel and set top-level Window's DataContext to it</a:t>
+              <a:t>Inherited by every control in the window</a:t>
             </a:r>
           </a:p>
           <a:p>
@@ -21009,7 +21222,7 @@
             </a:r>
             <a:r>
               <a:rPr lang="en-US" dirty="0"/>
-              <a:t>, if necessary</a:t>
+              <a:t>, if desired</a:t>
             </a:r>
           </a:p>
           <a:p>
@@ -21219,6 +21432,49 @@
                                   </p:childTnLst>
                                 </p:cTn>
                               </p:par>
+                              <p:par>
+                                <p:cTn id="18" presetID="10" presetClass="entr" presetSubtype="0" fill="hold" grpId="0" nodeType="withEffect">
+                                  <p:stCondLst>
+                                    <p:cond delay="0"/>
+                                  </p:stCondLst>
+                                  <p:childTnLst>
+                                    <p:set>
+                                      <p:cBhvr>
+                                        <p:cTn id="19" dur="1" fill="hold">
+                                          <p:stCondLst>
+                                            <p:cond delay="0"/>
+                                          </p:stCondLst>
+                                        </p:cTn>
+                                        <p:tgtEl>
+                                          <p:spTgt spid="3">
+                                            <p:txEl>
+                                              <p:pRg st="3" end="3"/>
+                                            </p:txEl>
+                                          </p:spTgt>
+                                        </p:tgtEl>
+                                        <p:attrNameLst>
+                                          <p:attrName>style.visibility</p:attrName>
+                                        </p:attrNameLst>
+                                      </p:cBhvr>
+                                      <p:to>
+                                        <p:strVal val="visible"/>
+                                      </p:to>
+                                    </p:set>
+                                    <p:animEffect transition="in" filter="fade">
+                                      <p:cBhvr>
+                                        <p:cTn id="20" dur="500"/>
+                                        <p:tgtEl>
+                                          <p:spTgt spid="3">
+                                            <p:txEl>
+                                              <p:pRg st="3" end="3"/>
+                                            </p:txEl>
+                                          </p:spTgt>
+                                        </p:tgtEl>
+                                      </p:cBhvr>
+                                    </p:animEffect>
+                                  </p:childTnLst>
+                                </p:cTn>
+                              </p:par>
                             </p:childTnLst>
                           </p:cTn>
                         </p:par>
@@ -21226,62 +21482,19 @@
                     </p:cTn>
                   </p:par>
                   <p:par>
-                    <p:cTn id="18" fill="hold">
+                    <p:cTn id="21" fill="hold">
                       <p:stCondLst>
                         <p:cond delay="indefinite"/>
                       </p:stCondLst>
                       <p:childTnLst>
                         <p:par>
-                          <p:cTn id="19" fill="hold">
+                          <p:cTn id="22" fill="hold">
                             <p:stCondLst>
                               <p:cond delay="0"/>
                             </p:stCondLst>
                             <p:childTnLst>
                               <p:par>
-                                <p:cTn id="20" presetID="10" presetClass="entr" presetSubtype="0" fill="hold" grpId="0" nodeType="clickEffect">
-                                  <p:stCondLst>
-                                    <p:cond delay="0"/>
-                                  </p:stCondLst>
-                                  <p:childTnLst>
-                                    <p:set>
-                                      <p:cBhvr>
-                                        <p:cTn id="21" dur="1" fill="hold">
-                                          <p:stCondLst>
-                                            <p:cond delay="0"/>
-                                          </p:stCondLst>
-                                        </p:cTn>
-                                        <p:tgtEl>
-                                          <p:spTgt spid="3">
-                                            <p:txEl>
-                                              <p:pRg st="3" end="3"/>
-                                            </p:txEl>
-                                          </p:spTgt>
-                                        </p:tgtEl>
-                                        <p:attrNameLst>
-                                          <p:attrName>style.visibility</p:attrName>
-                                        </p:attrNameLst>
-                                      </p:cBhvr>
-                                      <p:to>
-                                        <p:strVal val="visible"/>
-                                      </p:to>
-                                    </p:set>
-                                    <p:animEffect transition="in" filter="fade">
-                                      <p:cBhvr>
-                                        <p:cTn id="22" dur="500"/>
-                                        <p:tgtEl>
-                                          <p:spTgt spid="3">
-                                            <p:txEl>
-                                              <p:pRg st="3" end="3"/>
-                                            </p:txEl>
-                                          </p:spTgt>
-                                        </p:tgtEl>
-                                      </p:cBhvr>
-                                    </p:animEffect>
-                                  </p:childTnLst>
-                                </p:cTn>
-                              </p:par>
-                              <p:par>
-                                <p:cTn id="23" presetID="10" presetClass="entr" presetSubtype="0" fill="hold" grpId="0" nodeType="withEffect">
+                                <p:cTn id="23" presetID="10" presetClass="entr" presetSubtype="0" fill="hold" grpId="0" nodeType="clickEffect">
                                   <p:stCondLst>
                                     <p:cond delay="0"/>
                                   </p:stCondLst>
@@ -21366,33 +21579,15 @@
                                   </p:childTnLst>
                                 </p:cTn>
                               </p:par>
-                            </p:childTnLst>
-                          </p:cTn>
-                        </p:par>
-                      </p:childTnLst>
-                    </p:cTn>
-                  </p:par>
-                  <p:par>
-                    <p:cTn id="29" fill="hold">
-                      <p:stCondLst>
-                        <p:cond delay="indefinite"/>
-                      </p:stCondLst>
-                      <p:childTnLst>
-                        <p:par>
-                          <p:cTn id="30" fill="hold">
-                            <p:stCondLst>
-                              <p:cond delay="0"/>
-                            </p:stCondLst>
-                            <p:childTnLst>
                               <p:par>
-                                <p:cTn id="31" presetID="10" presetClass="entr" presetSubtype="0" fill="hold" grpId="0" nodeType="clickEffect">
+                                <p:cTn id="29" presetID="10" presetClass="entr" presetSubtype="0" fill="hold" grpId="0" nodeType="withEffect">
                                   <p:stCondLst>
                                     <p:cond delay="0"/>
                                   </p:stCondLst>
                                   <p:childTnLst>
                                     <p:set>
                                       <p:cBhvr>
-                                        <p:cTn id="32" dur="1" fill="hold">
+                                        <p:cTn id="30" dur="1" fill="hold">
                                           <p:stCondLst>
                                             <p:cond delay="0"/>
                                           </p:stCondLst>
@@ -21414,7 +21609,7 @@
                                     </p:set>
                                     <p:animEffect transition="in" filter="fade">
                                       <p:cBhvr>
-                                        <p:cTn id="33" dur="500"/>
+                                        <p:cTn id="31" dur="500"/>
                                         <p:tgtEl>
                                           <p:spTgt spid="3">
                                             <p:txEl>
@@ -21434,26 +21629,26 @@
                     </p:cTn>
                   </p:par>
                   <p:par>
-                    <p:cTn id="34" fill="hold">
+                    <p:cTn id="32" fill="hold">
                       <p:stCondLst>
                         <p:cond delay="indefinite"/>
                       </p:stCondLst>
                       <p:childTnLst>
                         <p:par>
-                          <p:cTn id="35" fill="hold">
+                          <p:cTn id="33" fill="hold">
                             <p:stCondLst>
                               <p:cond delay="0"/>
                             </p:stCondLst>
                             <p:childTnLst>
                               <p:par>
-                                <p:cTn id="36" presetID="10" presetClass="entr" presetSubtype="0" fill="hold" grpId="0" nodeType="clickEffect">
+                                <p:cTn id="34" presetID="10" presetClass="entr" presetSubtype="0" fill="hold" grpId="0" nodeType="clickEffect">
                                   <p:stCondLst>
                                     <p:cond delay="0"/>
                                   </p:stCondLst>
                                   <p:childTnLst>
                                     <p:set>
                                       <p:cBhvr>
-                                        <p:cTn id="37" dur="1" fill="hold">
+                                        <p:cTn id="35" dur="1" fill="hold">
                                           <p:stCondLst>
                                             <p:cond delay="0"/>
                                           </p:stCondLst>
@@ -21475,7 +21670,7 @@
                                     </p:set>
                                     <p:animEffect transition="in" filter="fade">
                                       <p:cBhvr>
-                                        <p:cTn id="38" dur="500"/>
+                                        <p:cTn id="36" dur="500"/>
                                         <p:tgtEl>
                                           <p:spTgt spid="3">
                                             <p:txEl>
@@ -21495,26 +21690,26 @@
                     </p:cTn>
                   </p:par>
                   <p:par>
-                    <p:cTn id="39" fill="hold">
+                    <p:cTn id="37" fill="hold">
                       <p:stCondLst>
                         <p:cond delay="indefinite"/>
                       </p:stCondLst>
                       <p:childTnLst>
                         <p:par>
-                          <p:cTn id="40" fill="hold">
+                          <p:cTn id="38" fill="hold">
                             <p:stCondLst>
                               <p:cond delay="0"/>
                             </p:stCondLst>
                             <p:childTnLst>
                               <p:par>
-                                <p:cTn id="41" presetID="10" presetClass="entr" presetSubtype="0" fill="hold" grpId="0" nodeType="clickEffect">
+                                <p:cTn id="39" presetID="10" presetClass="entr" presetSubtype="0" fill="hold" grpId="0" nodeType="clickEffect">
                                   <p:stCondLst>
                                     <p:cond delay="0"/>
                                   </p:stCondLst>
                                   <p:childTnLst>
                                     <p:set>
                                       <p:cBhvr>
-                                        <p:cTn id="42" dur="1" fill="hold">
+                                        <p:cTn id="40" dur="1" fill="hold">
                                           <p:stCondLst>
                                             <p:cond delay="0"/>
                                           </p:stCondLst>
@@ -21536,7 +21731,7 @@
                                     </p:set>
                                     <p:animEffect transition="in" filter="fade">
                                       <p:cBhvr>
-                                        <p:cTn id="43" dur="500"/>
+                                        <p:cTn id="41" dur="500"/>
                                         <p:tgtEl>
                                           <p:spTgt spid="3">
                                             <p:txEl>
@@ -21556,26 +21751,26 @@
                     </p:cTn>
                   </p:par>
                   <p:par>
-                    <p:cTn id="44" fill="hold">
+                    <p:cTn id="42" fill="hold">
                       <p:stCondLst>
                         <p:cond delay="indefinite"/>
                       </p:stCondLst>
                       <p:childTnLst>
                         <p:par>
-                          <p:cTn id="45" fill="hold">
+                          <p:cTn id="43" fill="hold">
                             <p:stCondLst>
                               <p:cond delay="0"/>
                             </p:stCondLst>
                             <p:childTnLst>
                               <p:par>
-                                <p:cTn id="46" presetID="10" presetClass="entr" presetSubtype="0" fill="hold" grpId="0" nodeType="clickEffect">
+                                <p:cTn id="44" presetID="10" presetClass="entr" presetSubtype="0" fill="hold" grpId="0" nodeType="clickEffect">
                                   <p:stCondLst>
                                     <p:cond delay="0"/>
                                   </p:stCondLst>
                                   <p:childTnLst>
                                     <p:set>
                                       <p:cBhvr>
-                                        <p:cTn id="47" dur="1" fill="hold">
+                                        <p:cTn id="45" dur="1" fill="hold">
                                           <p:stCondLst>
                                             <p:cond delay="0"/>
                                           </p:stCondLst>
@@ -21597,11 +21792,54 @@
                                     </p:set>
                                     <p:animEffect transition="in" filter="fade">
                                       <p:cBhvr>
-                                        <p:cTn id="48" dur="500"/>
+                                        <p:cTn id="46" dur="500"/>
                                         <p:tgtEl>
                                           <p:spTgt spid="3">
                                             <p:txEl>
                                               <p:pRg st="9" end="9"/>
+                                            </p:txEl>
+                                          </p:spTgt>
+                                        </p:tgtEl>
+                                      </p:cBhvr>
+                                    </p:animEffect>
+                                  </p:childTnLst>
+                                </p:cTn>
+                              </p:par>
+                              <p:par>
+                                <p:cTn id="47" presetID="10" presetClass="entr" presetSubtype="0" fill="hold" grpId="0" nodeType="withEffect">
+                                  <p:stCondLst>
+                                    <p:cond delay="0"/>
+                                  </p:stCondLst>
+                                  <p:childTnLst>
+                                    <p:set>
+                                      <p:cBhvr>
+                                        <p:cTn id="48" dur="1" fill="hold">
+                                          <p:stCondLst>
+                                            <p:cond delay="0"/>
+                                          </p:stCondLst>
+                                        </p:cTn>
+                                        <p:tgtEl>
+                                          <p:spTgt spid="3">
+                                            <p:txEl>
+                                              <p:pRg st="10" end="10"/>
+                                            </p:txEl>
+                                          </p:spTgt>
+                                        </p:tgtEl>
+                                        <p:attrNameLst>
+                                          <p:attrName>style.visibility</p:attrName>
+                                        </p:attrNameLst>
+                                      </p:cBhvr>
+                                      <p:to>
+                                        <p:strVal val="visible"/>
+                                      </p:to>
+                                    </p:set>
+                                    <p:animEffect transition="in" filter="fade">
+                                      <p:cBhvr>
+                                        <p:cTn id="49" dur="500"/>
+                                        <p:tgtEl>
+                                          <p:spTgt spid="3">
+                                            <p:txEl>
+                                              <p:pRg st="10" end="10"/>
                                             </p:txEl>
                                           </p:spTgt>
                                         </p:tgtEl>
@@ -21617,26 +21855,26 @@
                     </p:cTn>
                   </p:par>
                   <p:par>
-                    <p:cTn id="49" fill="hold">
+                    <p:cTn id="50" fill="hold">
                       <p:stCondLst>
                         <p:cond delay="indefinite"/>
                       </p:stCondLst>
                       <p:childTnLst>
                         <p:par>
-                          <p:cTn id="50" fill="hold">
+                          <p:cTn id="51" fill="hold">
                             <p:stCondLst>
                               <p:cond delay="0"/>
                             </p:stCondLst>
                             <p:childTnLst>
                               <p:par>
-                                <p:cTn id="51" presetID="10" presetClass="entr" presetSubtype="0" fill="hold" grpId="0" nodeType="clickEffect">
+                                <p:cTn id="52" presetID="10" presetClass="entr" presetSubtype="0" fill="hold" grpId="0" nodeType="clickEffect">
                                   <p:stCondLst>
                                     <p:cond delay="0"/>
                                   </p:stCondLst>
                                   <p:childTnLst>
                                     <p:set>
                                       <p:cBhvr>
-                                        <p:cTn id="52" dur="1" fill="hold">
+                                        <p:cTn id="53" dur="1" fill="hold">
                                           <p:stCondLst>
                                             <p:cond delay="0"/>
                                           </p:stCondLst>
@@ -21644,7 +21882,7 @@
                                         <p:tgtEl>
                                           <p:spTgt spid="3">
                                             <p:txEl>
-                                              <p:pRg st="10" end="10"/>
+                                              <p:pRg st="11" end="11"/>
                                             </p:txEl>
                                           </p:spTgt>
                                         </p:tgtEl>
@@ -21658,11 +21896,11 @@
                                     </p:set>
                                     <p:animEffect transition="in" filter="fade">
                                       <p:cBhvr>
-                                        <p:cTn id="53" dur="500"/>
-                                        <p:tgtEl>
-                                          <p:spTgt spid="3">
-                                            <p:txEl>
-                                              <p:pRg st="10" end="10"/>
+                                        <p:cTn id="54" dur="500"/>
+                                        <p:tgtEl>
+                                          <p:spTgt spid="3">
+                                            <p:txEl>
+                                              <p:pRg st="11" end="11"/>
                                             </p:txEl>
                                           </p:spTgt>
                                         </p:tgtEl>
@@ -21678,26 +21916,26 @@
                     </p:cTn>
                   </p:par>
                   <p:par>
-                    <p:cTn id="54" fill="hold">
+                    <p:cTn id="55" fill="hold">
                       <p:stCondLst>
                         <p:cond delay="indefinite"/>
                       </p:stCondLst>
                       <p:childTnLst>
                         <p:par>
-                          <p:cTn id="55" fill="hold">
+                          <p:cTn id="56" fill="hold">
                             <p:stCondLst>
                               <p:cond delay="0"/>
                             </p:stCondLst>
                             <p:childTnLst>
                               <p:par>
-                                <p:cTn id="56" presetID="10" presetClass="entr" presetSubtype="0" fill="hold" grpId="0" nodeType="clickEffect">
+                                <p:cTn id="57" presetID="10" presetClass="entr" presetSubtype="0" fill="hold" grpId="0" nodeType="clickEffect">
                                   <p:stCondLst>
                                     <p:cond delay="0"/>
                                   </p:stCondLst>
                                   <p:childTnLst>
                                     <p:set>
                                       <p:cBhvr>
-                                        <p:cTn id="57" dur="1" fill="hold">
+                                        <p:cTn id="58" dur="1" fill="hold">
                                           <p:stCondLst>
                                             <p:cond delay="0"/>
                                           </p:stCondLst>
@@ -21705,7 +21943,7 @@
                                         <p:tgtEl>
                                           <p:spTgt spid="3">
                                             <p:txEl>
-                                              <p:pRg st="11" end="11"/>
+                                              <p:pRg st="12" end="12"/>
                                             </p:txEl>
                                           </p:spTgt>
                                         </p:tgtEl>
@@ -21719,11 +21957,11 @@
                                     </p:set>
                                     <p:animEffect transition="in" filter="fade">
                                       <p:cBhvr>
-                                        <p:cTn id="58" dur="500"/>
-                                        <p:tgtEl>
-                                          <p:spTgt spid="3">
-                                            <p:txEl>
-                                              <p:pRg st="11" end="11"/>
+                                        <p:cTn id="59" dur="500"/>
+                                        <p:tgtEl>
+                                          <p:spTgt spid="3">
+                                            <p:txEl>
+                                              <p:pRg st="12" end="12"/>
                                             </p:txEl>
                                           </p:spTgt>
                                         </p:tgtEl>
@@ -21739,26 +21977,26 @@
                     </p:cTn>
                   </p:par>
                   <p:par>
-                    <p:cTn id="59" fill="hold">
+                    <p:cTn id="60" fill="hold">
                       <p:stCondLst>
                         <p:cond delay="indefinite"/>
                       </p:stCondLst>
                       <p:childTnLst>
                         <p:par>
-                          <p:cTn id="60" fill="hold">
+                          <p:cTn id="61" fill="hold">
                             <p:stCondLst>
                               <p:cond delay="0"/>
                             </p:stCondLst>
                             <p:childTnLst>
                               <p:par>
-                                <p:cTn id="61" presetID="10" presetClass="entr" presetSubtype="0" fill="hold" grpId="0" nodeType="clickEffect">
+                                <p:cTn id="62" presetID="10" presetClass="entr" presetSubtype="0" fill="hold" grpId="0" nodeType="clickEffect">
                                   <p:stCondLst>
                                     <p:cond delay="0"/>
                                   </p:stCondLst>
                                   <p:childTnLst>
                                     <p:set>
                                       <p:cBhvr>
-                                        <p:cTn id="62" dur="1" fill="hold">
+                                        <p:cTn id="63" dur="1" fill="hold">
                                           <p:stCondLst>
                                             <p:cond delay="0"/>
                                           </p:stCondLst>
@@ -21766,7 +22004,7 @@
                                         <p:tgtEl>
                                           <p:spTgt spid="3">
                                             <p:txEl>
-                                              <p:pRg st="12" end="12"/>
+                                              <p:pRg st="13" end="13"/>
                                             </p:txEl>
                                           </p:spTgt>
                                         </p:tgtEl>
@@ -21780,11 +22018,11 @@
                                     </p:set>
                                     <p:animEffect transition="in" filter="fade">
                                       <p:cBhvr>
-                                        <p:cTn id="63" dur="500"/>
-                                        <p:tgtEl>
-                                          <p:spTgt spid="3">
-                                            <p:txEl>
-                                              <p:pRg st="12" end="12"/>
+                                        <p:cTn id="64" dur="500"/>
+                                        <p:tgtEl>
+                                          <p:spTgt spid="3">
+                                            <p:txEl>
+                                              <p:pRg st="13" end="13"/>
                                             </p:txEl>
                                           </p:spTgt>
                                         </p:tgtEl>
@@ -21800,26 +22038,26 @@
                     </p:cTn>
                   </p:par>
                   <p:par>
-                    <p:cTn id="64" fill="hold">
+                    <p:cTn id="65" fill="hold">
                       <p:stCondLst>
                         <p:cond delay="indefinite"/>
                       </p:stCondLst>
                       <p:childTnLst>
                         <p:par>
-                          <p:cTn id="65" fill="hold">
+                          <p:cTn id="66" fill="hold">
                             <p:stCondLst>
                               <p:cond delay="0"/>
                             </p:stCondLst>
                             <p:childTnLst>
                               <p:par>
-                                <p:cTn id="66" presetID="10" presetClass="entr" presetSubtype="0" fill="hold" grpId="0" nodeType="clickEffect">
+                                <p:cTn id="67" presetID="10" presetClass="entr" presetSubtype="0" fill="hold" grpId="0" nodeType="clickEffect">
                                   <p:stCondLst>
                                     <p:cond delay="0"/>
                                   </p:stCondLst>
                                   <p:childTnLst>
                                     <p:set>
                                       <p:cBhvr>
-                                        <p:cTn id="67" dur="1" fill="hold">
+                                        <p:cTn id="68" dur="1" fill="hold">
                                           <p:stCondLst>
                                             <p:cond delay="0"/>
                                           </p:stCondLst>
@@ -21827,7 +22065,7 @@
                                         <p:tgtEl>
                                           <p:spTgt spid="3">
                                             <p:txEl>
-                                              <p:pRg st="13" end="13"/>
+                                              <p:pRg st="14" end="14"/>
                                             </p:txEl>
                                           </p:spTgt>
                                         </p:tgtEl>
@@ -21841,11 +22079,11 @@
                                     </p:set>
                                     <p:animEffect transition="in" filter="fade">
                                       <p:cBhvr>
-                                        <p:cTn id="68" dur="500"/>
-                                        <p:tgtEl>
-                                          <p:spTgt spid="3">
-                                            <p:txEl>
-                                              <p:pRg st="13" end="13"/>
+                                        <p:cTn id="69" dur="500"/>
+                                        <p:tgtEl>
+                                          <p:spTgt spid="3">
+                                            <p:txEl>
+                                              <p:pRg st="14" end="14"/>
                                             </p:txEl>
                                           </p:spTgt>
                                         </p:tgtEl>
@@ -21969,7 +22207,7 @@
             <a:pPr lvl="1"/>
             <a:r>
               <a:rPr lang="en-US" dirty="0"/>
-              <a:t>How to use data binding to tie UI controls to properties in a ViewModel</a:t>
+              <a:t>How to use data binding to connect UI controls to a ViewModel</a:t>
             </a:r>
           </a:p>
           <a:p>
@@ -22127,28 +22365,31 @@
             </a:r>
             <a:r>
               <a:rPr lang="en-US" b="1" i="1" dirty="0"/>
-              <a:t>everywhere</a:t>
-            </a:r>
-            <a:endParaRPr lang="en-US" dirty="0"/>
-          </a:p>
-          <a:p>
-            <a:r>
-              <a:rPr lang="en-US" dirty="0"/>
-              <a:t>Most commonly bind to data oriented properties</a:t>
+              <a:t>everywhere </a:t>
+            </a:r>
+            <a:r>
+              <a:rPr lang="en-US" dirty="0"/>
+              <a:t>in WPF</a:t>
+            </a:r>
+          </a:p>
+          <a:p>
+            <a:r>
+              <a:rPr lang="en-US" dirty="0"/>
+              <a:t>Most commonly bind to data-oriented properties</a:t>
             </a:r>
           </a:p>
           <a:p>
             <a:pPr lvl="1"/>
             <a:r>
               <a:rPr lang="en-US" dirty="0"/>
-              <a:t>Displaying data to user, e.g. lists of choices</a:t>
+              <a:t>Display data to user, e.g. a list of choices</a:t>
             </a:r>
           </a:p>
           <a:p>
             <a:pPr lvl="1"/>
             <a:r>
               <a:rPr lang="en-US" dirty="0"/>
-              <a:t>Retrieving data entered by user</a:t>
+              <a:t>Retrieve data entered by user</a:t>
             </a:r>
           </a:p>
           <a:p>
@@ -22206,28 +22447,15 @@
             <a:pPr lvl="1"/>
             <a:r>
               <a:rPr lang="en-US" dirty="0"/>
-              <a:t>Binding to list of selectable items in a dropdown list, </a:t>
-            </a:r>
-            <a:r>
-              <a:rPr lang="en-US" dirty="0" err="1"/>
-              <a:t>listbox</a:t>
-            </a:r>
-            <a:r>
-              <a:rPr lang="en-US" dirty="0"/>
-              <a:t>, or grid</a:t>
+              <a:t>Binding to list of selectable items in a list or grid</a:t>
             </a:r>
           </a:p>
           <a:p>
             <a:pPr lvl="1"/>
             <a:r>
               <a:rPr lang="en-US" dirty="0"/>
-              <a:t>Binding selected items--e.g. in list, selected tab, </a:t>
-            </a:r>
-            <a:r>
-              <a:rPr lang="en-US" dirty="0" err="1"/>
-              <a:t>etc</a:t>
-            </a:r>
-            <a:endParaRPr lang="en-US" dirty="0"/>
+              <a:t>Binding selected item in a list, selected tab, etc.</a:t>
+            </a:r>
           </a:p>
           <a:p>
             <a:pPr lvl="1"/>
@@ -23310,14 +23538,14 @@
             <a:pPr lvl="1"/>
             <a:r>
               <a:rPr lang="en-US" dirty="0"/>
-              <a:t>Populate a list by binding to a list of objects -- quite common</a:t>
+              <a:t>Populate a list by binding to a list of objects</a:t>
             </a:r>
           </a:p>
           <a:p>
             <a:pPr lvl="1"/>
             <a:r>
               <a:rPr lang="en-US" dirty="0"/>
-              <a:t>Populating a </a:t>
+              <a:t>To populate a </a:t>
             </a:r>
             <a:r>
               <a:rPr lang="en-US" dirty="0" err="1"/>
@@ -23329,7 +23557,7 @@
             <a:pPr lvl="2"/>
             <a:r>
               <a:rPr lang="en-US" dirty="0"/>
-              <a:t>In ViewModel, create property that is List&lt;T&gt; -- list of objects, of some type T</a:t>
+              <a:t>In ViewModel, create property that is List&lt;T&gt; – list of objects, of some type T</a:t>
             </a:r>
           </a:p>
           <a:p>
@@ -23844,14 +24072,14 @@
           <a:p>
             <a:r>
               <a:rPr lang="en-US" dirty="0"/>
-              <a:t>Binding Selected Item in List</a:t>
+              <a:t>Binding selected item in list</a:t>
             </a:r>
           </a:p>
           <a:p>
             <a:pPr lvl="1"/>
             <a:r>
               <a:rPr lang="en-US" dirty="0"/>
-              <a:t>We want to know what item in </a:t>
+              <a:t>Want to know which item in </a:t>
             </a:r>
             <a:r>
               <a:rPr lang="en-US" dirty="0" err="1"/>
@@ -23873,7 +24101,7 @@
             <a:pPr lvl="2"/>
             <a:r>
               <a:rPr lang="en-US" dirty="0"/>
-              <a:t>In ViewModel, add property in ViewModel of type T  (type of object in list)</a:t>
+              <a:t>In ViewModel, add property of type T  (type of object in list)</a:t>
             </a:r>
           </a:p>
           <a:p>
@@ -24416,7 +24644,7 @@
             <a:pPr lvl="1"/>
             <a:r>
               <a:rPr lang="en-US" dirty="0"/>
-              <a:t>How to bind the selected item</a:t>
+              <a:t>How to bind the selected item to a property</a:t>
             </a:r>
           </a:p>
           <a:p>
@@ -25021,14 +25249,14 @@
             <a:pPr lvl="1"/>
             <a:r>
               <a:rPr lang="en-US" dirty="0"/>
-              <a:t>Each item in list binds to object of a particular type  (e.g. Person)</a:t>
+              <a:t>Item in list binds to object of a particular type  (e.g. Person)</a:t>
             </a:r>
           </a:p>
           <a:p>
             <a:pPr lvl="1"/>
             <a:r>
               <a:rPr lang="en-US" dirty="0"/>
-              <a:t>You create data template to define how to display the data</a:t>
+              <a:t>Data template defines how to display the data</a:t>
             </a:r>
           </a:p>
           <a:p>
@@ -25058,7 +25286,7 @@
             <a:pPr lvl="1"/>
             <a:r>
               <a:rPr lang="en-US" dirty="0"/>
-              <a:t>Data context of the data template is the item in the list  (e.g. Person)</a:t>
+              <a:t>Data context of the data template is one item in the list  (e.g. Person)</a:t>
             </a:r>
           </a:p>
           <a:p>
@@ -25072,7 +25300,7 @@
             <a:pPr lvl="1"/>
             <a:r>
               <a:rPr lang="en-US" dirty="0"/>
-              <a:t>Bind to properties on the item in the list  (e.g. Person)</a:t>
+              <a:t>Bind to properties on the item</a:t>
             </a:r>
           </a:p>
           <a:p>
@@ -26023,7 +26251,7 @@
           <a:p>
             <a:r>
               <a:rPr lang="en-US" dirty="0"/>
-              <a:t>Where you can define data templates</a:t>
+              <a:t>Where you can use data templates</a:t>
             </a:r>
           </a:p>
           <a:p>
@@ -26091,7 +26319,7 @@
             </a:r>
             <a:r>
               <a:rPr lang="en-US" dirty="0"/>
-              <a:t> -- allows reuse, shared template becomes custom control</a:t>
+              <a:t> – allows reuse, shared template becomes custom control</a:t>
             </a:r>
           </a:p>
           <a:p>
@@ -26618,7 +26846,7 @@
             <a:pPr lvl="1"/>
             <a:r>
               <a:rPr lang="en-US" dirty="0"/>
-              <a:t>Bind list to ItemTemplate</a:t>
+              <a:t>Set ItemTemplate to data template</a:t>
             </a:r>
           </a:p>
           <a:p>
@@ -26713,13 +26941,13 @@
           <a:p>
             <a:r>
               <a:rPr lang="en-US" dirty="0"/>
-              <a:t>Command - an object that executes some logic, independent from the UI</a:t>
-            </a:r>
-          </a:p>
-          <a:p>
-            <a:r>
-              <a:rPr lang="en-US" dirty="0"/>
-              <a:t>UI element (e.g. Button) can bind to a Command</a:t>
+              <a:t>Command – an object that executes some logic, independent from the UI</a:t>
+            </a:r>
+          </a:p>
+          <a:p>
+            <a:r>
+              <a:rPr lang="en-US" dirty="0"/>
+              <a:t>UI element (e.g. Button) binds to Command</a:t>
             </a:r>
           </a:p>
           <a:p>
@@ -26739,14 +26967,14 @@
             <a:pPr lvl="1"/>
             <a:r>
               <a:rPr lang="en-US" dirty="0"/>
-              <a:t>Command - View binds to a Command object in the ViewModel</a:t>
+              <a:t>Command – View binds to a Command object in the ViewModel</a:t>
             </a:r>
           </a:p>
           <a:p>
             <a:pPr lvl="1"/>
             <a:r>
               <a:rPr lang="en-US" dirty="0"/>
-              <a:t>Event Handler - code-behind for UI element (e.g. Click handler) executes logic</a:t>
+              <a:t>Event Handler – code-behind for UI element (e.g. Click handler) executes logic</a:t>
             </a:r>
           </a:p>
           <a:p>
@@ -26759,14 +26987,14 @@
             <a:pPr lvl="1"/>
             <a:r>
               <a:rPr lang="en-US" dirty="0"/>
-              <a:t>Separation of concerns -- logic of what the command does is outside of the View</a:t>
+              <a:t>Separation of concerns – logic of what the command does is outside of the View</a:t>
             </a:r>
           </a:p>
           <a:p>
             <a:pPr lvl="1"/>
             <a:r>
               <a:rPr lang="en-US" dirty="0"/>
-              <a:t>Reuse -- can use same command for multiple UI elements (e.g. menu, toolbar)</a:t>
+              <a:t>Reuse – can use same command for multiple UI elements (e.g. menu, toolbar)</a:t>
             </a:r>
           </a:p>
           <a:p>
@@ -26777,7 +27005,7 @@
             </a:r>
             <a:r>
               <a:rPr lang="en-US" dirty="0"/>
-              <a:t> property -- used to disable controls</a:t>
+              <a:t> property – used to disable controls</a:t>
             </a:r>
           </a:p>
         </p:txBody>
@@ -27502,7 +27730,7 @@
         <p:spPr/>
         <p:txBody>
           <a:bodyPr>
-            <a:normAutofit fontScale="70000" lnSpcReduction="20000"/>
+            <a:normAutofit fontScale="85000" lnSpcReduction="20000"/>
           </a:bodyPr>
           <a:lstStyle/>
           <a:p>
@@ -27515,7 +27743,7 @@
             <a:pPr lvl="1"/>
             <a:r>
               <a:rPr lang="en-US" dirty="0"/>
-              <a:t>Must implement </a:t>
+              <a:t>Implements </a:t>
             </a:r>
             <a:r>
               <a:rPr lang="en-US" dirty="0" err="1"/>
@@ -27527,7 +27755,7 @@
             <a:pPr lvl="1"/>
             <a:r>
               <a:rPr lang="en-US" dirty="0"/>
-              <a:t>Execute - method that executes the command  (takes optional parameter)</a:t>
+              <a:t>Execute – method that executes the command  (takes optional parameter)</a:t>
             </a:r>
           </a:p>
           <a:p>
@@ -27538,7 +27766,7 @@
             </a:r>
             <a:r>
               <a:rPr lang="en-US" dirty="0"/>
-              <a:t> - method that determines whether command can execute, return bool</a:t>
+              <a:t> – method that determines whether command can execute</a:t>
             </a:r>
           </a:p>
           <a:p>
@@ -27561,30 +27789,23 @@
             <a:endParaRPr lang="en-US" dirty="0"/>
           </a:p>
           <a:p>
+            <a:r>
+              <a:rPr lang="en-US" dirty="0"/>
+              <a:t>ViewModel</a:t>
+            </a:r>
+          </a:p>
+          <a:p>
             <a:pPr lvl="1"/>
             <a:r>
               <a:rPr lang="en-US" dirty="0"/>
-              <a:t>Can use it everywhere you need a command</a:t>
-            </a:r>
-          </a:p>
-          <a:p>
-            <a:r>
-              <a:rPr lang="en-US" dirty="0"/>
-              <a:t>ViewModel</a:t>
+              <a:t>Creates instance of the command</a:t>
             </a:r>
           </a:p>
           <a:p>
             <a:pPr lvl="1"/>
             <a:r>
               <a:rPr lang="en-US" dirty="0"/>
-              <a:t>Creates instance of the command</a:t>
-            </a:r>
-          </a:p>
-          <a:p>
-            <a:pPr lvl="1"/>
-            <a:r>
-              <a:rPr lang="en-US" dirty="0"/>
-              <a:t>Pass in delegates for Execute and </a:t>
+              <a:t>Define delegates for Execute and </a:t>
             </a:r>
             <a:r>
               <a:rPr lang="en-US" dirty="0" err="1"/>
@@ -27593,23 +27814,16 @@
             <a:endParaRPr lang="en-US" dirty="0"/>
           </a:p>
           <a:p>
+            <a:r>
+              <a:rPr lang="en-US" dirty="0"/>
+              <a:t>View</a:t>
+            </a:r>
+          </a:p>
+          <a:p>
             <a:pPr lvl="1"/>
             <a:r>
               <a:rPr lang="en-US" dirty="0"/>
-              <a:t>ViewModel provides the logic</a:t>
-            </a:r>
-          </a:p>
-          <a:p>
-            <a:r>
-              <a:rPr lang="en-US" dirty="0"/>
-              <a:t>View</a:t>
-            </a:r>
-          </a:p>
-          <a:p>
-            <a:pPr lvl="1"/>
-            <a:r>
-              <a:rPr lang="en-US" dirty="0"/>
-              <a:t>Bind Command property on UI element to a command property in ViewModel</a:t>
+              <a:t>Bind Command property on UI element to command property in ViewModel</a:t>
             </a:r>
           </a:p>
           <a:p>
@@ -28368,128 +28582,6 @@
                                           <p:spTgt spid="3">
                                             <p:txEl>
                                               <p:pRg st="11" end="11"/>
-                                            </p:txEl>
-                                          </p:spTgt>
-                                        </p:tgtEl>
-                                      </p:cBhvr>
-                                    </p:animEffect>
-                                  </p:childTnLst>
-                                </p:cTn>
-                              </p:par>
-                            </p:childTnLst>
-                          </p:cTn>
-                        </p:par>
-                      </p:childTnLst>
-                    </p:cTn>
-                  </p:par>
-                  <p:par>
-                    <p:cTn id="63" fill="hold">
-                      <p:stCondLst>
-                        <p:cond delay="indefinite"/>
-                      </p:stCondLst>
-                      <p:childTnLst>
-                        <p:par>
-                          <p:cTn id="64" fill="hold">
-                            <p:stCondLst>
-                              <p:cond delay="0"/>
-                            </p:stCondLst>
-                            <p:childTnLst>
-                              <p:par>
-                                <p:cTn id="65" presetID="10" presetClass="entr" presetSubtype="0" fill="hold" grpId="0" nodeType="clickEffect">
-                                  <p:stCondLst>
-                                    <p:cond delay="0"/>
-                                  </p:stCondLst>
-                                  <p:childTnLst>
-                                    <p:set>
-                                      <p:cBhvr>
-                                        <p:cTn id="66" dur="1" fill="hold">
-                                          <p:stCondLst>
-                                            <p:cond delay="0"/>
-                                          </p:stCondLst>
-                                        </p:cTn>
-                                        <p:tgtEl>
-                                          <p:spTgt spid="3">
-                                            <p:txEl>
-                                              <p:pRg st="12" end="12"/>
-                                            </p:txEl>
-                                          </p:spTgt>
-                                        </p:tgtEl>
-                                        <p:attrNameLst>
-                                          <p:attrName>style.visibility</p:attrName>
-                                        </p:attrNameLst>
-                                      </p:cBhvr>
-                                      <p:to>
-                                        <p:strVal val="visible"/>
-                                      </p:to>
-                                    </p:set>
-                                    <p:animEffect transition="in" filter="fade">
-                                      <p:cBhvr>
-                                        <p:cTn id="67" dur="500"/>
-                                        <p:tgtEl>
-                                          <p:spTgt spid="3">
-                                            <p:txEl>
-                                              <p:pRg st="12" end="12"/>
-                                            </p:txEl>
-                                          </p:spTgt>
-                                        </p:tgtEl>
-                                      </p:cBhvr>
-                                    </p:animEffect>
-                                  </p:childTnLst>
-                                </p:cTn>
-                              </p:par>
-                            </p:childTnLst>
-                          </p:cTn>
-                        </p:par>
-                      </p:childTnLst>
-                    </p:cTn>
-                  </p:par>
-                  <p:par>
-                    <p:cTn id="68" fill="hold">
-                      <p:stCondLst>
-                        <p:cond delay="indefinite"/>
-                      </p:stCondLst>
-                      <p:childTnLst>
-                        <p:par>
-                          <p:cTn id="69" fill="hold">
-                            <p:stCondLst>
-                              <p:cond delay="0"/>
-                            </p:stCondLst>
-                            <p:childTnLst>
-                              <p:par>
-                                <p:cTn id="70" presetID="10" presetClass="entr" presetSubtype="0" fill="hold" grpId="0" nodeType="clickEffect">
-                                  <p:stCondLst>
-                                    <p:cond delay="0"/>
-                                  </p:stCondLst>
-                                  <p:childTnLst>
-                                    <p:set>
-                                      <p:cBhvr>
-                                        <p:cTn id="71" dur="1" fill="hold">
-                                          <p:stCondLst>
-                                            <p:cond delay="0"/>
-                                          </p:stCondLst>
-                                        </p:cTn>
-                                        <p:tgtEl>
-                                          <p:spTgt spid="3">
-                                            <p:txEl>
-                                              <p:pRg st="13" end="13"/>
-                                            </p:txEl>
-                                          </p:spTgt>
-                                        </p:tgtEl>
-                                        <p:attrNameLst>
-                                          <p:attrName>style.visibility</p:attrName>
-                                        </p:attrNameLst>
-                                      </p:cBhvr>
-                                      <p:to>
-                                        <p:strVal val="visible"/>
-                                      </p:to>
-                                    </p:set>
-                                    <p:animEffect transition="in" filter="fade">
-                                      <p:cBhvr>
-                                        <p:cTn id="72" dur="500"/>
-                                        <p:tgtEl>
-                                          <p:spTgt spid="3">
-                                            <p:txEl>
-                                              <p:pRg st="13" end="13"/>
                                             </p:txEl>
                                           </p:spTgt>
                                         </p:tgtEl>
@@ -28774,13 +28866,13 @@
           <a:p>
             <a:r>
               <a:rPr lang="en-US" dirty="0"/>
-              <a:t>Resources - name and reuse attribute values</a:t>
-            </a:r>
-          </a:p>
-          <a:p>
-            <a:r>
-              <a:rPr lang="en-US" dirty="0"/>
-              <a:t>Styles - name and reuse sets of attribute values</a:t>
+              <a:t>Resources – name and reuse attribute values</a:t>
+            </a:r>
+          </a:p>
+          <a:p>
+            <a:r>
+              <a:rPr lang="en-US" dirty="0"/>
+              <a:t>Styles – name and reuse sets of attribute values</a:t>
             </a:r>
           </a:p>
         </p:txBody>
@@ -29211,14 +29303,14 @@
             <a:pPr lvl="1"/>
             <a:r>
               <a:rPr lang="en-US" dirty="0"/>
-              <a:t>Resources - object that can be reused in different places in application</a:t>
+              <a:t>Resources – object that can be reused in different places in application</a:t>
             </a:r>
           </a:p>
           <a:p>
             <a:pPr lvl="1"/>
             <a:r>
               <a:rPr lang="en-US" dirty="0"/>
-              <a:t>Defining a Resource</a:t>
+              <a:t>Define a Resource</a:t>
             </a:r>
           </a:p>
           <a:p>
@@ -29240,7 +29332,7 @@
             <a:pPr lvl="2"/>
             <a:r>
               <a:rPr lang="en-US" dirty="0"/>
-              <a:t>Define element normally, but add x:Key attribute, to give it a name</a:t>
+              <a:t>Define element with x:Key attribute, to give it a name</a:t>
             </a:r>
           </a:p>
           <a:p>
@@ -29930,7 +30022,7 @@
             <a:pPr lvl="1"/>
             <a:r>
               <a:rPr lang="en-US" dirty="0"/>
-              <a:t>Specify x:Key and </a:t>
+              <a:t>Style has x:Key and </a:t>
             </a:r>
             <a:r>
               <a:rPr lang="en-US" dirty="0" err="1"/>
@@ -29942,7 +30034,7 @@
             <a:pPr lvl="1"/>
             <a:r>
               <a:rPr lang="en-US" dirty="0"/>
-              <a:t>Each &lt;Setter&gt; sets Property and Value</a:t>
+              <a:t>&lt;Setter&gt; sets Property and Value</a:t>
             </a:r>
           </a:p>
           <a:p>
@@ -29955,7 +30047,7 @@
             <a:pPr lvl="1"/>
             <a:r>
               <a:rPr lang="en-US" dirty="0"/>
-              <a:t>Set Style attribute, use </a:t>
+              <a:t>Set Style attribute to style’s key, use </a:t>
             </a:r>
             <a:r>
               <a:rPr lang="en-US" dirty="0" err="1"/>
@@ -29963,7 +30055,7 @@
             </a:r>
             <a:r>
               <a:rPr lang="en-US" dirty="0"/>
-              <a:t> markup extension, reference style's key</a:t>
+              <a:t> markup extension</a:t>
             </a:r>
           </a:p>
           <a:p>
@@ -30770,7 +30862,7 @@
             <a:pPr lvl="1"/>
             <a:r>
               <a:rPr lang="en-US" dirty="0"/>
-              <a:t>Style can inherit from another style using the </a:t>
+              <a:t>Inherit from another style using the </a:t>
             </a:r>
             <a:r>
               <a:rPr lang="en-US" dirty="0" err="1"/>
@@ -30785,14 +30877,14 @@
             <a:pPr lvl="1"/>
             <a:r>
               <a:rPr lang="en-US" dirty="0"/>
-              <a:t>Allows styles in different scopes--e.g. entire application, one window, portion of window</a:t>
+              <a:t>Allows styles in different scopes – application, window, portion of window etc.</a:t>
             </a:r>
           </a:p>
           <a:p>
             <a:pPr lvl="1"/>
             <a:r>
               <a:rPr lang="en-US" dirty="0"/>
-              <a:t>This is quite common in production WPF applications</a:t>
+              <a:t>Common in production WPF applications</a:t>
             </a:r>
           </a:p>
           <a:p>
@@ -31259,7 +31351,15 @@
             <a:pPr lvl="2"/>
             <a:r>
               <a:rPr lang="en-US" sz="1500" dirty="0"/>
-              <a:t>Layout of view separate from code</a:t>
+              <a:t>Layout of view (.</a:t>
+            </a:r>
+            <a:r>
+              <a:rPr lang="en-US" sz="1500" dirty="0" err="1"/>
+              <a:t>xaml</a:t>
+            </a:r>
+            <a:r>
+              <a:rPr lang="en-US" sz="1500" dirty="0"/>
+              <a:t>) is separate from code (.cs)</a:t>
             </a:r>
           </a:p>
           <a:p>
@@ -31287,7 +31387,7 @@
             <a:pPr lvl="2"/>
             <a:r>
               <a:rPr lang="en-US" sz="1500" dirty="0"/>
-              <a:t>Properties of UI controls typically bind to properties in code</a:t>
+              <a:t>Properties of UI controls bind to properties in code</a:t>
             </a:r>
           </a:p>
           <a:p>
@@ -31303,7 +31403,17 @@
               <a:rPr lang="en-US" sz="1500" dirty="0">
                 <a:effectLst/>
               </a:rPr>
-              <a:t>Styles - reuse set of property values</a:t>
+              <a:t>Styles </a:t>
+            </a:r>
+            <a:r>
+              <a:rPr lang="en-US" sz="1600" dirty="0"/>
+              <a:t>–</a:t>
+            </a:r>
+            <a:r>
+              <a:rPr lang="en-US" sz="1500" dirty="0">
+                <a:effectLst/>
+              </a:rPr>
+              <a:t> reuse set of property values</a:t>
             </a:r>
           </a:p>
           <a:p>
@@ -32036,7 +32146,9 @@
         </p:nvSpPr>
         <p:spPr/>
         <p:txBody>
-          <a:bodyPr/>
+          <a:bodyPr>
+            <a:normAutofit/>
+          </a:bodyPr>
           <a:lstStyle/>
           <a:p>
             <a:r>
@@ -32075,21 +32187,28 @@
             <a:pPr lvl="1"/>
             <a:r>
               <a:rPr lang="en-US" dirty="0"/>
-              <a:t>Property values in named styles override default property values -- normal default or from default style</a:t>
+              <a:t>Local value</a:t>
             </a:r>
           </a:p>
           <a:p>
             <a:pPr lvl="1"/>
             <a:r>
               <a:rPr lang="en-US" dirty="0"/>
-              <a:t>Property values in element override values in a style</a:t>
+              <a:t>Named style</a:t>
             </a:r>
           </a:p>
           <a:p>
             <a:pPr lvl="1"/>
             <a:r>
               <a:rPr lang="en-US" dirty="0"/>
-              <a:t>There's a fairly complicated chain of precedence</a:t>
+              <a:t>Default style</a:t>
+            </a:r>
+          </a:p>
+          <a:p>
+            <a:pPr lvl="1"/>
+            <a:r>
+              <a:rPr lang="en-US" dirty="0"/>
+              <a:t>Default value</a:t>
             </a:r>
           </a:p>
           <a:p>
@@ -32421,33 +32540,15 @@
                                   </p:childTnLst>
                                 </p:cTn>
                               </p:par>
-                            </p:childTnLst>
-                          </p:cTn>
-                        </p:par>
-                      </p:childTnLst>
-                    </p:cTn>
-                  </p:par>
-                  <p:par>
-                    <p:cTn id="28" fill="hold">
-                      <p:stCondLst>
-                        <p:cond delay="indefinite"/>
-                      </p:stCondLst>
-                      <p:childTnLst>
-                        <p:par>
-                          <p:cTn id="29" fill="hold">
-                            <p:stCondLst>
-                              <p:cond delay="0"/>
-                            </p:stCondLst>
-                            <p:childTnLst>
                               <p:par>
-                                <p:cTn id="30" presetID="10" presetClass="entr" presetSubtype="0" fill="hold" grpId="0" nodeType="clickEffect">
+                                <p:cTn id="28" presetID="10" presetClass="entr" presetSubtype="0" fill="hold" grpId="0" nodeType="withEffect">
                                   <p:stCondLst>
                                     <p:cond delay="0"/>
                                   </p:stCondLst>
                                   <p:childTnLst>
                                     <p:set>
                                       <p:cBhvr>
-                                        <p:cTn id="31" dur="1" fill="hold">
+                                        <p:cTn id="29" dur="1" fill="hold">
                                           <p:stCondLst>
                                             <p:cond delay="0"/>
                                           </p:stCondLst>
@@ -32469,11 +32570,97 @@
                                     </p:set>
                                     <p:animEffect transition="in" filter="fade">
                                       <p:cBhvr>
-                                        <p:cTn id="32" dur="500"/>
+                                        <p:cTn id="30" dur="500"/>
                                         <p:tgtEl>
                                           <p:spTgt spid="3">
                                             <p:txEl>
                                               <p:pRg st="5" end="5"/>
+                                            </p:txEl>
+                                          </p:spTgt>
+                                        </p:tgtEl>
+                                      </p:cBhvr>
+                                    </p:animEffect>
+                                  </p:childTnLst>
+                                </p:cTn>
+                              </p:par>
+                              <p:par>
+                                <p:cTn id="31" presetID="10" presetClass="entr" presetSubtype="0" fill="hold" grpId="0" nodeType="withEffect">
+                                  <p:stCondLst>
+                                    <p:cond delay="0"/>
+                                  </p:stCondLst>
+                                  <p:childTnLst>
+                                    <p:set>
+                                      <p:cBhvr>
+                                        <p:cTn id="32" dur="1" fill="hold">
+                                          <p:stCondLst>
+                                            <p:cond delay="0"/>
+                                          </p:stCondLst>
+                                        </p:cTn>
+                                        <p:tgtEl>
+                                          <p:spTgt spid="3">
+                                            <p:txEl>
+                                              <p:pRg st="6" end="6"/>
+                                            </p:txEl>
+                                          </p:spTgt>
+                                        </p:tgtEl>
+                                        <p:attrNameLst>
+                                          <p:attrName>style.visibility</p:attrName>
+                                        </p:attrNameLst>
+                                      </p:cBhvr>
+                                      <p:to>
+                                        <p:strVal val="visible"/>
+                                      </p:to>
+                                    </p:set>
+                                    <p:animEffect transition="in" filter="fade">
+                                      <p:cBhvr>
+                                        <p:cTn id="33" dur="500"/>
+                                        <p:tgtEl>
+                                          <p:spTgt spid="3">
+                                            <p:txEl>
+                                              <p:pRg st="6" end="6"/>
+                                            </p:txEl>
+                                          </p:spTgt>
+                                        </p:tgtEl>
+                                      </p:cBhvr>
+                                    </p:animEffect>
+                                  </p:childTnLst>
+                                </p:cTn>
+                              </p:par>
+                              <p:par>
+                                <p:cTn id="34" presetID="10" presetClass="entr" presetSubtype="0" fill="hold" grpId="0" nodeType="withEffect">
+                                  <p:stCondLst>
+                                    <p:cond delay="0"/>
+                                  </p:stCondLst>
+                                  <p:childTnLst>
+                                    <p:set>
+                                      <p:cBhvr>
+                                        <p:cTn id="35" dur="1" fill="hold">
+                                          <p:stCondLst>
+                                            <p:cond delay="0"/>
+                                          </p:stCondLst>
+                                        </p:cTn>
+                                        <p:tgtEl>
+                                          <p:spTgt spid="3">
+                                            <p:txEl>
+                                              <p:pRg st="7" end="7"/>
+                                            </p:txEl>
+                                          </p:spTgt>
+                                        </p:tgtEl>
+                                        <p:attrNameLst>
+                                          <p:attrName>style.visibility</p:attrName>
+                                        </p:attrNameLst>
+                                      </p:cBhvr>
+                                      <p:to>
+                                        <p:strVal val="visible"/>
+                                      </p:to>
+                                    </p:set>
+                                    <p:animEffect transition="in" filter="fade">
+                                      <p:cBhvr>
+                                        <p:cTn id="36" dur="500"/>
+                                        <p:tgtEl>
+                                          <p:spTgt spid="3">
+                                            <p:txEl>
+                                              <p:pRg st="7" end="7"/>
                                             </p:txEl>
                                           </p:spTgt>
                                         </p:tgtEl>
@@ -32489,26 +32676,26 @@
                     </p:cTn>
                   </p:par>
                   <p:par>
-                    <p:cTn id="33" fill="hold">
+                    <p:cTn id="37" fill="hold">
                       <p:stCondLst>
                         <p:cond delay="indefinite"/>
                       </p:stCondLst>
                       <p:childTnLst>
                         <p:par>
-                          <p:cTn id="34" fill="hold">
+                          <p:cTn id="38" fill="hold">
                             <p:stCondLst>
                               <p:cond delay="0"/>
                             </p:stCondLst>
                             <p:childTnLst>
                               <p:par>
-                                <p:cTn id="35" presetID="10" presetClass="entr" presetSubtype="0" fill="hold" grpId="0" nodeType="clickEffect">
+                                <p:cTn id="39" presetID="10" presetClass="entr" presetSubtype="0" fill="hold" grpId="0" nodeType="clickEffect">
                                   <p:stCondLst>
                                     <p:cond delay="0"/>
                                   </p:stCondLst>
                                   <p:childTnLst>
                                     <p:set>
                                       <p:cBhvr>
-                                        <p:cTn id="36" dur="1" fill="hold">
+                                        <p:cTn id="40" dur="1" fill="hold">
                                           <p:stCondLst>
                                             <p:cond delay="0"/>
                                           </p:stCondLst>
@@ -32516,7 +32703,7 @@
                                         <p:tgtEl>
                                           <p:spTgt spid="3">
                                             <p:txEl>
-                                              <p:pRg st="6" end="6"/>
+                                              <p:pRg st="8" end="8"/>
                                             </p:txEl>
                                           </p:spTgt>
                                         </p:tgtEl>
@@ -32530,11 +32717,11 @@
                                     </p:set>
                                     <p:animEffect transition="in" filter="fade">
                                       <p:cBhvr>
-                                        <p:cTn id="37" dur="500"/>
-                                        <p:tgtEl>
-                                          <p:spTgt spid="3">
-                                            <p:txEl>
-                                              <p:pRg st="6" end="6"/>
+                                        <p:cTn id="41" dur="500"/>
+                                        <p:tgtEl>
+                                          <p:spTgt spid="3">
+                                            <p:txEl>
+                                              <p:pRg st="8" end="8"/>
                                             </p:txEl>
                                           </p:spTgt>
                                         </p:tgtEl>
@@ -32550,26 +32737,26 @@
                     </p:cTn>
                   </p:par>
                   <p:par>
-                    <p:cTn id="38" fill="hold">
+                    <p:cTn id="42" fill="hold">
                       <p:stCondLst>
                         <p:cond delay="indefinite"/>
                       </p:stCondLst>
                       <p:childTnLst>
                         <p:par>
-                          <p:cTn id="39" fill="hold">
+                          <p:cTn id="43" fill="hold">
                             <p:stCondLst>
                               <p:cond delay="0"/>
                             </p:stCondLst>
                             <p:childTnLst>
                               <p:par>
-                                <p:cTn id="40" presetID="10" presetClass="entr" presetSubtype="0" fill="hold" grpId="0" nodeType="clickEffect">
+                                <p:cTn id="44" presetID="10" presetClass="entr" presetSubtype="0" fill="hold" grpId="0" nodeType="clickEffect">
                                   <p:stCondLst>
                                     <p:cond delay="0"/>
                                   </p:stCondLst>
                                   <p:childTnLst>
                                     <p:set>
                                       <p:cBhvr>
-                                        <p:cTn id="41" dur="1" fill="hold">
+                                        <p:cTn id="45" dur="1" fill="hold">
                                           <p:stCondLst>
                                             <p:cond delay="0"/>
                                           </p:stCondLst>
@@ -32577,7 +32764,7 @@
                                         <p:tgtEl>
                                           <p:spTgt spid="3">
                                             <p:txEl>
-                                              <p:pRg st="7" end="7"/>
+                                              <p:pRg st="9" end="9"/>
                                             </p:txEl>
                                           </p:spTgt>
                                         </p:tgtEl>
@@ -32591,72 +32778,11 @@
                                     </p:set>
                                     <p:animEffect transition="in" filter="fade">
                                       <p:cBhvr>
-                                        <p:cTn id="42" dur="500"/>
-                                        <p:tgtEl>
-                                          <p:spTgt spid="3">
-                                            <p:txEl>
-                                              <p:pRg st="7" end="7"/>
-                                            </p:txEl>
-                                          </p:spTgt>
-                                        </p:tgtEl>
-                                      </p:cBhvr>
-                                    </p:animEffect>
-                                  </p:childTnLst>
-                                </p:cTn>
-                              </p:par>
-                            </p:childTnLst>
-                          </p:cTn>
-                        </p:par>
-                      </p:childTnLst>
-                    </p:cTn>
-                  </p:par>
-                  <p:par>
-                    <p:cTn id="43" fill="hold">
-                      <p:stCondLst>
-                        <p:cond delay="indefinite"/>
-                      </p:stCondLst>
-                      <p:childTnLst>
-                        <p:par>
-                          <p:cTn id="44" fill="hold">
-                            <p:stCondLst>
-                              <p:cond delay="0"/>
-                            </p:stCondLst>
-                            <p:childTnLst>
-                              <p:par>
-                                <p:cTn id="45" presetID="10" presetClass="entr" presetSubtype="0" fill="hold" grpId="0" nodeType="clickEffect">
-                                  <p:stCondLst>
-                                    <p:cond delay="0"/>
-                                  </p:stCondLst>
-                                  <p:childTnLst>
-                                    <p:set>
-                                      <p:cBhvr>
-                                        <p:cTn id="46" dur="1" fill="hold">
-                                          <p:stCondLst>
-                                            <p:cond delay="0"/>
-                                          </p:stCondLst>
-                                        </p:cTn>
-                                        <p:tgtEl>
-                                          <p:spTgt spid="3">
-                                            <p:txEl>
-                                              <p:pRg st="8" end="8"/>
-                                            </p:txEl>
-                                          </p:spTgt>
-                                        </p:tgtEl>
-                                        <p:attrNameLst>
-                                          <p:attrName>style.visibility</p:attrName>
-                                        </p:attrNameLst>
-                                      </p:cBhvr>
-                                      <p:to>
-                                        <p:strVal val="visible"/>
-                                      </p:to>
-                                    </p:set>
-                                    <p:animEffect transition="in" filter="fade">
-                                      <p:cBhvr>
-                                        <p:cTn id="47" dur="500"/>
-                                        <p:tgtEl>
-                                          <p:spTgt spid="3">
-                                            <p:txEl>
-                                              <p:pRg st="8" end="8"/>
+                                        <p:cTn id="46" dur="500"/>
+                                        <p:tgtEl>
+                                          <p:spTgt spid="3">
+                                            <p:txEl>
+                                              <p:pRg st="9" end="9"/>
                                             </p:txEl>
                                           </p:spTgt>
                                         </p:tgtEl>
@@ -32811,21 +32937,60 @@
             <a:pPr lvl="1"/>
             <a:r>
               <a:rPr lang="en-US" dirty="0"/>
-              <a:t>Part 1 - Create and use a Resource</a:t>
+              <a:t>Part 1 </a:t>
+            </a:r>
+            <a:r>
+              <a:rPr lang="en-US" sz="1800" dirty="0">
+                <a:effectLst/>
+                <a:latin typeface="Calibri" panose="020F0502020204030204" pitchFamily="34" charset="0"/>
+                <a:ea typeface="Calibri" panose="020F0502020204030204" pitchFamily="34" charset="0"/>
+                <a:cs typeface="Times New Roman" panose="02020603050405020304" pitchFamily="18" charset="0"/>
+              </a:rPr>
+              <a:t>–</a:t>
+            </a:r>
+            <a:r>
+              <a:rPr lang="en-US" dirty="0"/>
+              <a:t> Create and use a Resource</a:t>
             </a:r>
           </a:p>
           <a:p>
             <a:pPr lvl="1"/>
             <a:r>
               <a:rPr lang="en-US" dirty="0"/>
-              <a:t>Part 2 - Define and use a Style</a:t>
+              <a:t>Part 2 </a:t>
+            </a:r>
+            <a:r>
+              <a:rPr lang="en-US" sz="1800" dirty="0">
+                <a:effectLst/>
+                <a:latin typeface="Calibri" panose="020F0502020204030204" pitchFamily="34" charset="0"/>
+                <a:ea typeface="Calibri" panose="020F0502020204030204" pitchFamily="34" charset="0"/>
+                <a:cs typeface="Times New Roman" panose="02020603050405020304" pitchFamily="18" charset="0"/>
+              </a:rPr>
+              <a:t>–</a:t>
+            </a:r>
+            <a:r>
+              <a:rPr lang="en-US" dirty="0"/>
+              <a:t> Define and use a Style</a:t>
             </a:r>
           </a:p>
           <a:p>
             <a:pPr lvl="1"/>
             <a:r>
               <a:rPr lang="en-US" dirty="0"/>
-              <a:t>Part 3 - Create a Default Style</a:t>
+              <a:t>Part 3 </a:t>
+            </a:r>
+            <a:r>
+              <a:rPr lang="en-US" sz="1800" dirty="0">
+                <a:effectLst/>
+                <a:latin typeface="Calibri" panose="020F0502020204030204" pitchFamily="34" charset="0"/>
+                <a:ea typeface="Calibri" panose="020F0502020204030204" pitchFamily="34" charset="0"/>
+                <a:cs typeface="Times New Roman" panose="02020603050405020304" pitchFamily="18" charset="0"/>
+              </a:rPr>
+              <a:t>–</a:t>
+            </a:r>
+            <a:r>
+              <a:rPr lang="en-US" dirty="0"/>
+              <a:t> Create a Default Style</a:t>
             </a:r>
           </a:p>
         </p:txBody>
@@ -32918,13 +33083,13 @@
             <a:pPr lvl="1"/>
             <a:r>
               <a:rPr lang="en-US" dirty="0"/>
-              <a:t>Most of these are fairly typical of other UI frameworks</a:t>
-            </a:r>
-          </a:p>
-          <a:p>
-            <a:r>
-              <a:rPr lang="en-US" dirty="0"/>
-              <a:t>&lt;Button&gt; - click on button to perform action</a:t>
+              <a:t>Controls similar to those in other UI frameworks</a:t>
+            </a:r>
+          </a:p>
+          <a:p>
+            <a:r>
+              <a:rPr lang="en-US" dirty="0"/>
+              <a:t>&lt;Button&gt; – click on button to perform action</a:t>
             </a:r>
           </a:p>
           <a:p>
@@ -32941,7 +33106,7 @@
             </a:r>
             <a:r>
               <a:rPr lang="en-US" dirty="0"/>
-              <a:t>&gt; - allow user to change state</a:t>
+              <a:t>&gt; – allow user to change state</a:t>
             </a:r>
           </a:p>
           <a:p>
@@ -32966,7 +33131,7 @@
             </a:r>
             <a:r>
               <a:rPr lang="en-US" dirty="0"/>
-              <a:t>&gt; - select exactly one of a set of options</a:t>
+              <a:t>&gt; – select exactly one of a set of options</a:t>
             </a:r>
           </a:p>
           <a:p>
@@ -33685,20 +33850,20 @@
             </a:r>
             <a:r>
               <a:rPr lang="en-US" dirty="0"/>
-              <a:t>&gt; - simple text label</a:t>
+              <a:t>&gt; – simple text label</a:t>
             </a:r>
           </a:p>
           <a:p>
             <a:pPr lvl="1"/>
             <a:r>
               <a:rPr lang="en-US" dirty="0"/>
-              <a:t>&lt;Label&gt; - label that can have more complex content</a:t>
-            </a:r>
-          </a:p>
-          <a:p>
-            <a:r>
-              <a:rPr lang="en-US" dirty="0"/>
-              <a:t>&lt;ToolTip&gt; - Provide info when user hovers over control</a:t>
+              <a:t>&lt;Label&gt; – label that can have more complex content</a:t>
+            </a:r>
+          </a:p>
+          <a:p>
+            <a:r>
+              <a:rPr lang="en-US" dirty="0"/>
+              <a:t>&lt;ToolTip&gt; – Provide info when user hovers over control</a:t>
             </a:r>
           </a:p>
           <a:p>
@@ -33710,7 +33875,7 @@
           <a:p>
             <a:r>
               <a:rPr lang="en-US" dirty="0"/>
-              <a:t>&lt;Expander&gt; - user clicks expander to show/hide child controls</a:t>
+              <a:t>&lt;Expander&gt; – user clicks expander to show/hide child controls</a:t>
             </a:r>
           </a:p>
           <a:p>
@@ -34350,7 +34515,7 @@
             </a:r>
             <a:r>
               <a:rPr lang="en-US" dirty="0"/>
-              <a:t>&gt; - select one item from dropdown list</a:t>
+              <a:t>&gt; – select one item from dropdown list</a:t>
             </a:r>
           </a:p>
           <a:p>
@@ -34370,7 +34535,7 @@
             </a:r>
             <a:r>
               <a:rPr lang="en-US" dirty="0"/>
-              <a:t>&gt; - select one or more items from a list, w/optional scrollbar</a:t>
+              <a:t>&gt; – select one or more items from a list, w/optional scrollbar</a:t>
             </a:r>
           </a:p>
           <a:p>
@@ -34390,7 +34555,7 @@
             </a:r>
             <a:r>
               <a:rPr lang="en-US" dirty="0"/>
-              <a:t>&gt; - list items with properties, support different views (like File Explorer</a:t>
+              <a:t>&gt; – list items with properties, support different views (like File Explorer</a:t>
             </a:r>
           </a:p>
           <a:p>
@@ -35008,7 +35173,7 @@
             </a:r>
             <a:r>
               <a:rPr lang="en-US" dirty="0"/>
-              <a:t>&gt; - each tab contains collection of controls</a:t>
+              <a:t>&gt; – each tab contains collection of controls</a:t>
             </a:r>
           </a:p>
           <a:p>
@@ -35023,7 +35188,7 @@
           <a:p>
             <a:r>
               <a:rPr lang="en-US" dirty="0"/>
-              <a:t>	&lt;DataGrid&gt; - grid of data items, typically bound to collection of objects</a:t>
+              <a:t>&lt;DataGrid&gt; – grid of data items, typically bound to collection of objects</a:t>
             </a:r>
             <a:br>
               <a:rPr lang="en-US" dirty="0"/>
@@ -35476,7 +35641,7 @@
             </a:r>
             <a:r>
               <a:rPr lang="en-US" dirty="0"/>
-              <a:t>&gt; - hierarchical tree, with expandable nodes</a:t>
+              <a:t>&gt; – hierarchical tree, with expandable nodes</a:t>
             </a:r>
           </a:p>
           <a:p>
@@ -35502,7 +35667,7 @@
             </a:r>
             <a:r>
               <a:rPr lang="en-US" dirty="0"/>
-              <a:t>&gt; - editable text</a:t>
+              <a:t>&gt; – editable text</a:t>
             </a:r>
           </a:p>
           <a:p>
@@ -35954,7 +36119,7 @@
           <a:p>
             <a:r>
               <a:rPr lang="en-US" dirty="0"/>
-              <a:t>&lt;Slider&gt; - Slide to set different values</a:t>
+              <a:t>&lt;Slider&gt; – Slide to set value</a:t>
             </a:r>
           </a:p>
           <a:p>
@@ -35971,7 +36136,7 @@
             </a:r>
             <a:r>
               <a:rPr lang="en-US" dirty="0"/>
-              <a:t>&gt; - show progress, determine or indeterminate</a:t>
+              <a:t>&gt; – show progress, determine or indeterminate</a:t>
             </a:r>
           </a:p>
           <a:p>
@@ -35991,7 +36156,7 @@
             </a:r>
             <a:r>
               <a:rPr lang="en-US" dirty="0"/>
-              <a:t>&gt; - select a date</a:t>
+              <a:t>&gt; – select a date</a:t>
             </a:r>
           </a:p>
           <a:p>
@@ -36590,7 +36755,7 @@
             <a:pPr lvl="1"/>
             <a:r>
               <a:rPr lang="en-US" dirty="0"/>
-              <a:t>For MTS products, we also make use of custom controls from </a:t>
+              <a:t>For MTS products, we use custom controls from </a:t>
             </a:r>
             <a:r>
               <a:rPr lang="en-US" dirty="0" err="1"/>
@@ -36605,21 +36770,14 @@
             <a:pPr lvl="1"/>
             <a:r>
               <a:rPr lang="en-US" dirty="0"/>
-              <a:t>These are all customized versions of standard WPF controls</a:t>
-            </a:r>
-          </a:p>
-          <a:p>
-            <a:pPr lvl="2"/>
-            <a:r>
-              <a:rPr lang="en-US" dirty="0"/>
-              <a:t>Some composite controls, built up from basic controls</a:t>
+              <a:t>These are customized versions of standard WPF controls</a:t>
             </a:r>
           </a:p>
           <a:p>
             <a:pPr lvl="1"/>
             <a:r>
               <a:rPr lang="en-US" dirty="0"/>
-              <a:t>Also default styles for built-in controls</a:t>
+              <a:t>Default styles for built-in controls</a:t>
             </a:r>
           </a:p>
           <a:p>
@@ -36834,15 +36992,33 @@
                                   </p:childTnLst>
                                 </p:cTn>
                               </p:par>
+                            </p:childTnLst>
+                          </p:cTn>
+                        </p:par>
+                      </p:childTnLst>
+                    </p:cTn>
+                  </p:par>
+                  <p:par>
+                    <p:cTn id="18" fill="hold">
+                      <p:stCondLst>
+                        <p:cond delay="indefinite"/>
+                      </p:stCondLst>
+                      <p:childTnLst>
+                        <p:par>
+                          <p:cTn id="19" fill="hold">
+                            <p:stCondLst>
+                              <p:cond delay="0"/>
+                            </p:stCondLst>
+                            <p:childTnLst>
                               <p:par>
-                                <p:cTn id="18" presetID="10" presetClass="entr" presetSubtype="0" fill="hold" grpId="0" nodeType="withEffect">
+                                <p:cTn id="20" presetID="10" presetClass="entr" presetSubtype="0" fill="hold" grpId="0" nodeType="clickEffect">
                                   <p:stCondLst>
                                     <p:cond delay="0"/>
                                   </p:stCondLst>
                                   <p:childTnLst>
                                     <p:set>
                                       <p:cBhvr>
-                                        <p:cTn id="19" dur="1" fill="hold">
+                                        <p:cTn id="21" dur="1" fill="hold">
                                           <p:stCondLst>
                                             <p:cond delay="0"/>
                                           </p:stCondLst>
@@ -36864,7 +37040,7 @@
                                     </p:set>
                                     <p:animEffect transition="in" filter="fade">
                                       <p:cBhvr>
-                                        <p:cTn id="20" dur="500"/>
+                                        <p:cTn id="22" dur="500"/>
                                         <p:tgtEl>
                                           <p:spTgt spid="3">
                                             <p:txEl>
@@ -36884,26 +37060,26 @@
                     </p:cTn>
                   </p:par>
                   <p:par>
-                    <p:cTn id="21" fill="hold">
+                    <p:cTn id="23" fill="hold">
                       <p:stCondLst>
                         <p:cond delay="indefinite"/>
                       </p:stCondLst>
                       <p:childTnLst>
                         <p:par>
-                          <p:cTn id="22" fill="hold">
+                          <p:cTn id="24" fill="hold">
                             <p:stCondLst>
                               <p:cond delay="0"/>
                             </p:stCondLst>
                             <p:childTnLst>
                               <p:par>
-                                <p:cTn id="23" presetID="10" presetClass="entr" presetSubtype="0" fill="hold" grpId="0" nodeType="clickEffect">
+                                <p:cTn id="25" presetID="10" presetClass="entr" presetSubtype="0" fill="hold" grpId="0" nodeType="clickEffect">
                                   <p:stCondLst>
                                     <p:cond delay="0"/>
                                   </p:stCondLst>
                                   <p:childTnLst>
                                     <p:set>
                                       <p:cBhvr>
-                                        <p:cTn id="24" dur="1" fill="hold">
+                                        <p:cTn id="26" dur="1" fill="hold">
                                           <p:stCondLst>
                                             <p:cond delay="0"/>
                                           </p:stCondLst>
@@ -36925,72 +37101,11 @@
                                     </p:set>
                                     <p:animEffect transition="in" filter="fade">
                                       <p:cBhvr>
-                                        <p:cTn id="25" dur="500"/>
+                                        <p:cTn id="27" dur="500"/>
                                         <p:tgtEl>
                                           <p:spTgt spid="3">
                                             <p:txEl>
                                               <p:pRg st="4" end="4"/>
-                                            </p:txEl>
-                                          </p:spTgt>
-                                        </p:tgtEl>
-                                      </p:cBhvr>
-                                    </p:animEffect>
-                                  </p:childTnLst>
-                                </p:cTn>
-                              </p:par>
-                            </p:childTnLst>
-                          </p:cTn>
-                        </p:par>
-                      </p:childTnLst>
-                    </p:cTn>
-                  </p:par>
-                  <p:par>
-                    <p:cTn id="26" fill="hold">
-                      <p:stCondLst>
-                        <p:cond delay="indefinite"/>
-                      </p:stCondLst>
-                      <p:childTnLst>
-                        <p:par>
-                          <p:cTn id="27" fill="hold">
-                            <p:stCondLst>
-                              <p:cond delay="0"/>
-                            </p:stCondLst>
-                            <p:childTnLst>
-                              <p:par>
-                                <p:cTn id="28" presetID="10" presetClass="entr" presetSubtype="0" fill="hold" grpId="0" nodeType="clickEffect">
-                                  <p:stCondLst>
-                                    <p:cond delay="0"/>
-                                  </p:stCondLst>
-                                  <p:childTnLst>
-                                    <p:set>
-                                      <p:cBhvr>
-                                        <p:cTn id="29" dur="1" fill="hold">
-                                          <p:stCondLst>
-                                            <p:cond delay="0"/>
-                                          </p:stCondLst>
-                                        </p:cTn>
-                                        <p:tgtEl>
-                                          <p:spTgt spid="3">
-                                            <p:txEl>
-                                              <p:pRg st="5" end="5"/>
-                                            </p:txEl>
-                                          </p:spTgt>
-                                        </p:tgtEl>
-                                        <p:attrNameLst>
-                                          <p:attrName>style.visibility</p:attrName>
-                                        </p:attrNameLst>
-                                      </p:cBhvr>
-                                      <p:to>
-                                        <p:strVal val="visible"/>
-                                      </p:to>
-                                    </p:set>
-                                    <p:animEffect transition="in" filter="fade">
-                                      <p:cBhvr>
-                                        <p:cTn id="30" dur="500"/>
-                                        <p:tgtEl>
-                                          <p:spTgt spid="3">
-                                            <p:txEl>
-                                              <p:pRg st="5" end="5"/>
                                             </p:txEl>
                                           </p:spTgt>
                                         </p:tgtEl>
@@ -37305,7 +37420,7 @@
             </a:r>
             <a:r>
               <a:rPr lang="en-US" i="1" dirty="0"/>
-              <a:t>original version of .NET, 4.8 is final version</a:t>
+              <a:t>original version of .NET.  4.8 is the final version</a:t>
             </a:r>
             <a:endParaRPr lang="en-US" dirty="0"/>
           </a:p>
@@ -38057,14 +38172,14 @@
             <a:pPr lvl="1"/>
             <a:r>
               <a:rPr lang="en-US" dirty="0"/>
-              <a:t>Apply a style -- set a bunch of property values</a:t>
+              <a:t>Apply a style – set various property values</a:t>
             </a:r>
           </a:p>
           <a:p>
             <a:pPr lvl="1"/>
             <a:r>
               <a:rPr lang="en-US" dirty="0"/>
-              <a:t>Override control template -- change how the control is </a:t>
+              <a:t>Override control template – change how the control is </a:t>
             </a:r>
             <a:r>
               <a:rPr lang="en-US" dirty="0" err="1"/>
@@ -38117,7 +38232,7 @@
             </a:r>
             <a:r>
               <a:rPr lang="en-US" dirty="0"/>
-              <a:t>-- elements that you define</a:t>
+              <a:t>– elements that you define</a:t>
             </a:r>
           </a:p>
           <a:p>
@@ -38132,7 +38247,7 @@
             </a:r>
             <a:r>
               <a:rPr lang="en-US" dirty="0"/>
-              <a:t>-- the actual low-level elements</a:t>
+              <a:t>– the actual low-level elements</a:t>
             </a:r>
           </a:p>
           <a:p>
@@ -38941,14 +39056,14 @@
             <a:pPr lvl="1"/>
             <a:r>
               <a:rPr lang="en-US" dirty="0"/>
-              <a:t>You can override a control template and then modify it</a:t>
+              <a:t>Override control template and then modify it</a:t>
             </a:r>
           </a:p>
           <a:p>
             <a:pPr lvl="1"/>
             <a:r>
               <a:rPr lang="en-US" dirty="0"/>
-              <a:t>It's "all or nothing" -- use as is or replace</a:t>
+              <a:t>It's "all or nothing" – use as is or replace</a:t>
             </a:r>
           </a:p>
           <a:p>
@@ -38961,21 +39076,21 @@
             <a:pPr lvl="1"/>
             <a:r>
               <a:rPr lang="en-US" dirty="0"/>
-              <a:t>Open XAML containing control to override  (e.g. Button)</a:t>
+              <a:t>Open XAML containing control to override</a:t>
             </a:r>
           </a:p>
           <a:p>
             <a:pPr lvl="1"/>
             <a:r>
               <a:rPr lang="en-US" dirty="0"/>
-              <a:t>Rt-click on control and select View Designer</a:t>
+              <a:t>Rt-click on control, View Designer</a:t>
             </a:r>
           </a:p>
           <a:p>
             <a:pPr lvl="2"/>
             <a:r>
               <a:rPr lang="en-US" dirty="0"/>
-              <a:t>Designer window opens, with design at top, XAML at bottom</a:t>
+              <a:t>Designer window opens, design at top, XAML at bottom</a:t>
             </a:r>
           </a:p>
           <a:p>
@@ -39015,17 +39130,13 @@
           </a:p>
           <a:p>
             <a:pPr lvl="2"/>
-            <a:r>
-              <a:rPr lang="en-US" dirty="0"/>
-              <a:t>A </a:t>
-            </a:r>
             <a:r>
               <a:rPr lang="en-US" dirty="0" err="1"/>
               <a:t>ControlTemplate</a:t>
             </a:r>
             <a:r>
               <a:rPr lang="en-US" dirty="0"/>
-              <a:t> is added to XAML file and the Button references it</a:t>
+              <a:t> is added to XAML file, Button now references it</a:t>
             </a:r>
           </a:p>
           <a:p>
@@ -39978,7 +40089,7 @@
           <a:p>
             <a:r>
               <a:rPr lang="en-US" dirty="0"/>
-              <a:t>It is very common to override control templates for common controls	</a:t>
+              <a:t>Fairly common to override control templates	</a:t>
             </a:r>
           </a:p>
           <a:p>
@@ -40428,6 +40539,13 @@
             </a:r>
           </a:p>
           <a:p>
+            <a:pPr lvl="2"/>
+            <a:r>
+              <a:rPr lang="en-US" dirty="0"/>
+              <a:t>Add new properties and behavior</a:t>
+            </a:r>
+          </a:p>
+          <a:p>
             <a:pPr lvl="1"/>
             <a:r>
               <a:rPr lang="en-US" dirty="0"/>
@@ -40445,28 +40563,28 @@
             <a:pPr lvl="2"/>
             <a:r>
               <a:rPr lang="en-US" dirty="0"/>
-              <a:t>Modify properties</a:t>
+              <a:t>Modify existing properties</a:t>
             </a:r>
           </a:p>
           <a:p>
             <a:pPr lvl="2"/>
             <a:r>
               <a:rPr lang="en-US" dirty="0"/>
-              <a:t>Custom data template</a:t>
+              <a:t>Define data template</a:t>
             </a:r>
           </a:p>
           <a:p>
             <a:pPr lvl="2"/>
             <a:r>
               <a:rPr lang="en-US" dirty="0"/>
-              <a:t>Custom control template, with new layout and/or triggers</a:t>
+              <a:t>Define control template, with new layout and/or triggers</a:t>
             </a:r>
           </a:p>
           <a:p>
             <a:pPr lvl="2"/>
             <a:r>
               <a:rPr lang="en-US" dirty="0"/>
-              <a:t>Custom behavior -- code you write that acts based on events that fire</a:t>
+              <a:t>Add behavior – code you write that acts based on events that fire</a:t>
             </a:r>
           </a:p>
         </p:txBody>
@@ -40605,33 +40723,15 @@
                                   </p:childTnLst>
                                 </p:cTn>
                               </p:par>
-                            </p:childTnLst>
-                          </p:cTn>
-                        </p:par>
-                      </p:childTnLst>
-                    </p:cTn>
-                  </p:par>
-                  <p:par>
-                    <p:cTn id="13" fill="hold">
-                      <p:stCondLst>
-                        <p:cond delay="indefinite"/>
-                      </p:stCondLst>
-                      <p:childTnLst>
-                        <p:par>
-                          <p:cTn id="14" fill="hold">
-                            <p:stCondLst>
-                              <p:cond delay="0"/>
-                            </p:stCondLst>
-                            <p:childTnLst>
                               <p:par>
-                                <p:cTn id="15" presetID="10" presetClass="entr" presetSubtype="0" fill="hold" grpId="0" nodeType="clickEffect">
+                                <p:cTn id="13" presetID="10" presetClass="entr" presetSubtype="0" fill="hold" grpId="0" nodeType="withEffect">
                                   <p:stCondLst>
                                     <p:cond delay="0"/>
                                   </p:stCondLst>
                                   <p:childTnLst>
                                     <p:set>
                                       <p:cBhvr>
-                                        <p:cTn id="16" dur="1" fill="hold">
+                                        <p:cTn id="14" dur="1" fill="hold">
                                           <p:stCondLst>
                                             <p:cond delay="0"/>
                                           </p:stCondLst>
@@ -40653,11 +40753,54 @@
                                     </p:set>
                                     <p:animEffect transition="in" filter="fade">
                                       <p:cBhvr>
-                                        <p:cTn id="17" dur="500"/>
+                                        <p:cTn id="15" dur="500"/>
                                         <p:tgtEl>
                                           <p:spTgt spid="3">
                                             <p:txEl>
                                               <p:pRg st="2" end="2"/>
+                                            </p:txEl>
+                                          </p:spTgt>
+                                        </p:tgtEl>
+                                      </p:cBhvr>
+                                    </p:animEffect>
+                                  </p:childTnLst>
+                                </p:cTn>
+                              </p:par>
+                              <p:par>
+                                <p:cTn id="16" presetID="10" presetClass="entr" presetSubtype="0" fill="hold" grpId="0" nodeType="withEffect">
+                                  <p:stCondLst>
+                                    <p:cond delay="0"/>
+                                  </p:stCondLst>
+                                  <p:childTnLst>
+                                    <p:set>
+                                      <p:cBhvr>
+                                        <p:cTn id="17" dur="1" fill="hold">
+                                          <p:stCondLst>
+                                            <p:cond delay="0"/>
+                                          </p:stCondLst>
+                                        </p:cTn>
+                                        <p:tgtEl>
+                                          <p:spTgt spid="3">
+                                            <p:txEl>
+                                              <p:pRg st="3" end="3"/>
+                                            </p:txEl>
+                                          </p:spTgt>
+                                        </p:tgtEl>
+                                        <p:attrNameLst>
+                                          <p:attrName>style.visibility</p:attrName>
+                                        </p:attrNameLst>
+                                      </p:cBhvr>
+                                      <p:to>
+                                        <p:strVal val="visible"/>
+                                      </p:to>
+                                    </p:set>
+                                    <p:animEffect transition="in" filter="fade">
+                                      <p:cBhvr>
+                                        <p:cTn id="18" dur="500"/>
+                                        <p:tgtEl>
+                                          <p:spTgt spid="3">
+                                            <p:txEl>
+                                              <p:pRg st="3" end="3"/>
                                             </p:txEl>
                                           </p:spTgt>
                                         </p:tgtEl>
@@ -40673,26 +40816,26 @@
                     </p:cTn>
                   </p:par>
                   <p:par>
-                    <p:cTn id="18" fill="hold">
+                    <p:cTn id="19" fill="hold">
                       <p:stCondLst>
                         <p:cond delay="indefinite"/>
                       </p:stCondLst>
                       <p:childTnLst>
                         <p:par>
-                          <p:cTn id="19" fill="hold">
+                          <p:cTn id="20" fill="hold">
                             <p:stCondLst>
                               <p:cond delay="0"/>
                             </p:stCondLst>
                             <p:childTnLst>
                               <p:par>
-                                <p:cTn id="20" presetID="10" presetClass="entr" presetSubtype="0" fill="hold" grpId="0" nodeType="clickEffect">
+                                <p:cTn id="21" presetID="10" presetClass="entr" presetSubtype="0" fill="hold" grpId="0" nodeType="clickEffect">
                                   <p:stCondLst>
                                     <p:cond delay="0"/>
                                   </p:stCondLst>
                                   <p:childTnLst>
                                     <p:set>
                                       <p:cBhvr>
-                                        <p:cTn id="21" dur="1" fill="hold">
+                                        <p:cTn id="22" dur="1" fill="hold">
                                           <p:stCondLst>
                                             <p:cond delay="0"/>
                                           </p:stCondLst>
@@ -40700,7 +40843,7 @@
                                         <p:tgtEl>
                                           <p:spTgt spid="3">
                                             <p:txEl>
-                                              <p:pRg st="3" end="3"/>
+                                              <p:pRg st="4" end="4"/>
                                             </p:txEl>
                                           </p:spTgt>
                                         </p:tgtEl>
@@ -40714,11 +40857,11 @@
                                     </p:set>
                                     <p:animEffect transition="in" filter="fade">
                                       <p:cBhvr>
-                                        <p:cTn id="22" dur="500"/>
-                                        <p:tgtEl>
-                                          <p:spTgt spid="3">
-                                            <p:txEl>
-                                              <p:pRg st="3" end="3"/>
+                                        <p:cTn id="23" dur="500"/>
+                                        <p:tgtEl>
+                                          <p:spTgt spid="3">
+                                            <p:txEl>
+                                              <p:pRg st="4" end="4"/>
                                             </p:txEl>
                                           </p:spTgt>
                                         </p:tgtEl>
@@ -40734,26 +40877,26 @@
                     </p:cTn>
                   </p:par>
                   <p:par>
-                    <p:cTn id="23" fill="hold">
+                    <p:cTn id="24" fill="hold">
                       <p:stCondLst>
                         <p:cond delay="indefinite"/>
                       </p:stCondLst>
                       <p:childTnLst>
                         <p:par>
-                          <p:cTn id="24" fill="hold">
+                          <p:cTn id="25" fill="hold">
                             <p:stCondLst>
                               <p:cond delay="0"/>
                             </p:stCondLst>
                             <p:childTnLst>
                               <p:par>
-                                <p:cTn id="25" presetID="10" presetClass="entr" presetSubtype="0" fill="hold" grpId="0" nodeType="clickEffect">
+                                <p:cTn id="26" presetID="10" presetClass="entr" presetSubtype="0" fill="hold" grpId="0" nodeType="clickEffect">
                                   <p:stCondLst>
                                     <p:cond delay="0"/>
                                   </p:stCondLst>
                                   <p:childTnLst>
                                     <p:set>
                                       <p:cBhvr>
-                                        <p:cTn id="26" dur="1" fill="hold">
+                                        <p:cTn id="27" dur="1" fill="hold">
                                           <p:stCondLst>
                                             <p:cond delay="0"/>
                                           </p:stCondLst>
@@ -40761,7 +40904,7 @@
                                         <p:tgtEl>
                                           <p:spTgt spid="3">
                                             <p:txEl>
-                                              <p:pRg st="4" end="4"/>
+                                              <p:pRg st="5" end="5"/>
                                             </p:txEl>
                                           </p:spTgt>
                                         </p:tgtEl>
@@ -40775,11 +40918,11 @@
                                     </p:set>
                                     <p:animEffect transition="in" filter="fade">
                                       <p:cBhvr>
-                                        <p:cTn id="27" dur="500"/>
-                                        <p:tgtEl>
-                                          <p:spTgt spid="3">
-                                            <p:txEl>
-                                              <p:pRg st="4" end="4"/>
+                                        <p:cTn id="28" dur="500"/>
+                                        <p:tgtEl>
+                                          <p:spTgt spid="3">
+                                            <p:txEl>
+                                              <p:pRg st="5" end="5"/>
                                             </p:txEl>
                                           </p:spTgt>
                                         </p:tgtEl>
@@ -40795,26 +40938,26 @@
                     </p:cTn>
                   </p:par>
                   <p:par>
-                    <p:cTn id="28" fill="hold">
+                    <p:cTn id="29" fill="hold">
                       <p:stCondLst>
                         <p:cond delay="indefinite"/>
                       </p:stCondLst>
                       <p:childTnLst>
                         <p:par>
-                          <p:cTn id="29" fill="hold">
+                          <p:cTn id="30" fill="hold">
                             <p:stCondLst>
                               <p:cond delay="0"/>
                             </p:stCondLst>
                             <p:childTnLst>
                               <p:par>
-                                <p:cTn id="30" presetID="10" presetClass="entr" presetSubtype="0" fill="hold" grpId="0" nodeType="clickEffect">
+                                <p:cTn id="31" presetID="10" presetClass="entr" presetSubtype="0" fill="hold" grpId="0" nodeType="clickEffect">
                                   <p:stCondLst>
                                     <p:cond delay="0"/>
                                   </p:stCondLst>
                                   <p:childTnLst>
                                     <p:set>
                                       <p:cBhvr>
-                                        <p:cTn id="31" dur="1" fill="hold">
+                                        <p:cTn id="32" dur="1" fill="hold">
                                           <p:stCondLst>
                                             <p:cond delay="0"/>
                                           </p:stCondLst>
@@ -40822,7 +40965,7 @@
                                         <p:tgtEl>
                                           <p:spTgt spid="3">
                                             <p:txEl>
-                                              <p:pRg st="5" end="5"/>
+                                              <p:pRg st="6" end="6"/>
                                             </p:txEl>
                                           </p:spTgt>
                                         </p:tgtEl>
@@ -40836,11 +40979,11 @@
                                     </p:set>
                                     <p:animEffect transition="in" filter="fade">
                                       <p:cBhvr>
-                                        <p:cTn id="32" dur="500"/>
-                                        <p:tgtEl>
-                                          <p:spTgt spid="3">
-                                            <p:txEl>
-                                              <p:pRg st="5" end="5"/>
+                                        <p:cTn id="33" dur="500"/>
+                                        <p:tgtEl>
+                                          <p:spTgt spid="3">
+                                            <p:txEl>
+                                              <p:pRg st="6" end="6"/>
                                             </p:txEl>
                                           </p:spTgt>
                                         </p:tgtEl>
@@ -40856,26 +40999,26 @@
                     </p:cTn>
                   </p:par>
                   <p:par>
-                    <p:cTn id="33" fill="hold">
+                    <p:cTn id="34" fill="hold">
                       <p:stCondLst>
                         <p:cond delay="indefinite"/>
                       </p:stCondLst>
                       <p:childTnLst>
                         <p:par>
-                          <p:cTn id="34" fill="hold">
+                          <p:cTn id="35" fill="hold">
                             <p:stCondLst>
                               <p:cond delay="0"/>
                             </p:stCondLst>
                             <p:childTnLst>
                               <p:par>
-                                <p:cTn id="35" presetID="10" presetClass="entr" presetSubtype="0" fill="hold" grpId="0" nodeType="clickEffect">
+                                <p:cTn id="36" presetID="10" presetClass="entr" presetSubtype="0" fill="hold" grpId="0" nodeType="clickEffect">
                                   <p:stCondLst>
                                     <p:cond delay="0"/>
                                   </p:stCondLst>
                                   <p:childTnLst>
                                     <p:set>
                                       <p:cBhvr>
-                                        <p:cTn id="36" dur="1" fill="hold">
+                                        <p:cTn id="37" dur="1" fill="hold">
                                           <p:stCondLst>
                                             <p:cond delay="0"/>
                                           </p:stCondLst>
@@ -40883,7 +41026,7 @@
                                         <p:tgtEl>
                                           <p:spTgt spid="3">
                                             <p:txEl>
-                                              <p:pRg st="6" end="6"/>
+                                              <p:pRg st="7" end="7"/>
                                             </p:txEl>
                                           </p:spTgt>
                                         </p:tgtEl>
@@ -40897,11 +41040,11 @@
                                     </p:set>
                                     <p:animEffect transition="in" filter="fade">
                                       <p:cBhvr>
-                                        <p:cTn id="37" dur="500"/>
-                                        <p:tgtEl>
-                                          <p:spTgt spid="3">
-                                            <p:txEl>
-                                              <p:pRg st="6" end="6"/>
+                                        <p:cTn id="38" dur="500"/>
+                                        <p:tgtEl>
+                                          <p:spTgt spid="3">
+                                            <p:txEl>
+                                              <p:pRg st="7" end="7"/>
                                             </p:txEl>
                                           </p:spTgt>
                                         </p:tgtEl>
@@ -40917,26 +41060,26 @@
                     </p:cTn>
                   </p:par>
                   <p:par>
-                    <p:cTn id="38" fill="hold">
+                    <p:cTn id="39" fill="hold">
                       <p:stCondLst>
                         <p:cond delay="indefinite"/>
                       </p:stCondLst>
                       <p:childTnLst>
                         <p:par>
-                          <p:cTn id="39" fill="hold">
+                          <p:cTn id="40" fill="hold">
                             <p:stCondLst>
                               <p:cond delay="0"/>
                             </p:stCondLst>
                             <p:childTnLst>
                               <p:par>
-                                <p:cTn id="40" presetID="10" presetClass="entr" presetSubtype="0" fill="hold" grpId="0" nodeType="clickEffect">
+                                <p:cTn id="41" presetID="10" presetClass="entr" presetSubtype="0" fill="hold" grpId="0" nodeType="clickEffect">
                                   <p:stCondLst>
                                     <p:cond delay="0"/>
                                   </p:stCondLst>
                                   <p:childTnLst>
                                     <p:set>
                                       <p:cBhvr>
-                                        <p:cTn id="41" dur="1" fill="hold">
+                                        <p:cTn id="42" dur="1" fill="hold">
                                           <p:stCondLst>
                                             <p:cond delay="0"/>
                                           </p:stCondLst>
@@ -40944,7 +41087,7 @@
                                         <p:tgtEl>
                                           <p:spTgt spid="3">
                                             <p:txEl>
-                                              <p:pRg st="7" end="7"/>
+                                              <p:pRg st="8" end="8"/>
                                             </p:txEl>
                                           </p:spTgt>
                                         </p:tgtEl>
@@ -40958,11 +41101,11 @@
                                     </p:set>
                                     <p:animEffect transition="in" filter="fade">
                                       <p:cBhvr>
-                                        <p:cTn id="42" dur="500"/>
-                                        <p:tgtEl>
-                                          <p:spTgt spid="3">
-                                            <p:txEl>
-                                              <p:pRg st="7" end="7"/>
+                                        <p:cTn id="43" dur="500"/>
+                                        <p:tgtEl>
+                                          <p:spTgt spid="3">
+                                            <p:txEl>
+                                              <p:pRg st="8" end="8"/>
                                             </p:txEl>
                                           </p:spTgt>
                                         </p:tgtEl>
@@ -41538,7 +41681,7 @@
             <a:pPr lvl="1"/>
             <a:r>
               <a:rPr lang="en-US" dirty="0"/>
-              <a:t>Other layout containers -- </a:t>
+              <a:t>Other layout containers – </a:t>
             </a:r>
             <a:r>
               <a:rPr lang="en-US" dirty="0" err="1"/>
@@ -41586,7 +41729,7 @@
             <a:pPr lvl="1"/>
             <a:r>
               <a:rPr lang="en-US" dirty="0"/>
-              <a:t>Data binding - </a:t>
+              <a:t>Data binding – </a:t>
             </a:r>
             <a:r>
               <a:rPr lang="en-US" dirty="0" err="1"/>
@@ -41606,7 +41749,7 @@
             <a:pPr lvl="1"/>
             <a:r>
               <a:rPr lang="en-US" dirty="0"/>
-              <a:t>Resource management - </a:t>
+              <a:t>Resource management – </a:t>
             </a:r>
             <a:r>
               <a:rPr lang="en-US" dirty="0" err="1"/>
@@ -42540,7 +42683,7 @@
             <a:pPr lvl="1"/>
             <a:r>
               <a:rPr lang="en-US" dirty="0"/>
-              <a:t>Architecture - patterns for Model layer</a:t>
+              <a:t>Architecture – patterns for Model layer</a:t>
             </a:r>
           </a:p>
           <a:p>
@@ -43046,19 +43189,14 @@
             <a:pPr lvl="1"/>
             <a:r>
               <a:rPr lang="en-US" dirty="0"/>
-              <a:t>Powerful - easy to quickly create custom </a:t>
-            </a:r>
-            <a:r>
-              <a:rPr lang="en-US" dirty="0" err="1"/>
-              <a:t>Uis</a:t>
-            </a:r>
-            <a:endParaRPr lang="en-US" dirty="0"/>
+              <a:t>Powerful – easy to quickly create custom UI</a:t>
+            </a:r>
           </a:p>
           <a:p>
             <a:pPr lvl="1"/>
             <a:r>
               <a:rPr lang="en-US" dirty="0"/>
-              <a:t>Challenge - still takes considerable time</a:t>
+              <a:t>Challenge – still takes considerable time</a:t>
             </a:r>
           </a:p>
           <a:p>
@@ -43076,7 +43214,7 @@
             </a:r>
             <a:r>
               <a:rPr lang="en-US" dirty="0"/>
-              <a:t>-- on any platform</a:t>
+              <a:t>– on any platform</a:t>
             </a:r>
           </a:p>
           <a:p>
@@ -43748,7 +43886,20 @@
           <a:p>
             <a:r>
               <a:rPr lang="en-US" dirty="0"/>
-              <a:t>Online – many resources</a:t>
+              <a:t>Online </a:t>
+            </a:r>
+            <a:r>
+              <a:rPr lang="en-US" sz="1800" dirty="0">
+                <a:effectLst/>
+                <a:latin typeface="Calibri" panose="020F0502020204030204" pitchFamily="34" charset="0"/>
+                <a:ea typeface="Calibri" panose="020F0502020204030204" pitchFamily="34" charset="0"/>
+                <a:cs typeface="Times New Roman" panose="02020603050405020304" pitchFamily="18" charset="0"/>
+              </a:rPr>
+              <a:t>–</a:t>
+            </a:r>
+            <a:r>
+              <a:rPr lang="en-US" dirty="0"/>
+              <a:t> many resources</a:t>
             </a:r>
           </a:p>
           <a:p>
@@ -43874,7 +44025,7 @@
         </p:spPr>
         <p:txBody>
           <a:bodyPr>
-            <a:normAutofit lnSpcReduction="10000"/>
+            <a:normAutofit fontScale="85000" lnSpcReduction="20000"/>
           </a:bodyPr>
           <a:lstStyle/>
           <a:p>
@@ -43887,14 +44038,22 @@
             <a:pPr lvl="1"/>
             <a:r>
               <a:rPr lang="en-US" dirty="0"/>
-              <a:t>Markup and code-behind; layout separate from behavior</a:t>
+              <a:t>Markup and code-behind. Layout (.</a:t>
+            </a:r>
+            <a:r>
+              <a:rPr lang="en-US" dirty="0" err="1"/>
+              <a:t>xaml</a:t>
+            </a:r>
+            <a:r>
+              <a:rPr lang="en-US" dirty="0"/>
+              <a:t>) separate from behavior (.cs)</a:t>
             </a:r>
           </a:p>
           <a:p>
             <a:pPr lvl="1"/>
             <a:r>
               <a:rPr lang="en-US" dirty="0"/>
-              <a:t>Hierarchical - elements have parents, children, with Window at the top</a:t>
+              <a:t>Hierarchical – elements have parents, children, with Window at the top</a:t>
             </a:r>
           </a:p>
           <a:p>
@@ -43940,6 +44099,13 @@
             </a:r>
           </a:p>
           <a:p>
+            <a:pPr lvl="2"/>
+            <a:r>
+              <a:rPr lang="en-US" dirty="0"/>
+              <a:t>&lt;Button/&gt;   or  &lt;Button&gt;  &lt;/Button&gt;</a:t>
+            </a:r>
+          </a:p>
+          <a:p>
             <a:pPr lvl="1"/>
             <a:r>
               <a:rPr lang="en-US" dirty="0"/>
@@ -43947,10 +44113,33 @@
             </a:r>
           </a:p>
           <a:p>
+            <a:pPr lvl="2"/>
+            <a:r>
+              <a:rPr lang="en-US" dirty="0"/>
+              <a:t>&lt;Button Content=“xx”/&gt; or &lt;</a:t>
+            </a:r>
+            <a:r>
+              <a:rPr lang="en-US" dirty="0" err="1"/>
+              <a:t>Button.Content</a:t>
+            </a:r>
+            <a:r>
+              <a:rPr lang="en-US" dirty="0"/>
+              <a:t>&gt; &lt;/</a:t>
+            </a:r>
+            <a:r>
+              <a:rPr lang="en-US" dirty="0" err="1"/>
+              <a:t>Button.Content</a:t>
+            </a:r>
+            <a:r>
+              <a:rPr lang="en-US" dirty="0"/>
+              <a:t>&gt;</a:t>
+            </a:r>
+          </a:p>
+          <a:p>
             <a:pPr lvl="1"/>
             <a:r>
               <a:rPr lang="en-US" dirty="0"/>
-              <a:t>Inheritance - Property values flow to children, unless overridden</a:t>
+              <a:t>Inheritance – Property values flow to children, unless overridden</a:t>
             </a:r>
           </a:p>
           <a:p>
@@ -44285,15 +44474,33 @@
                                   </p:childTnLst>
                                 </p:cTn>
                               </p:par>
+                            </p:childTnLst>
+                          </p:cTn>
+                        </p:par>
+                      </p:childTnLst>
+                    </p:cTn>
+                  </p:par>
+                  <p:par>
+                    <p:cTn id="28" fill="hold">
+                      <p:stCondLst>
+                        <p:cond delay="indefinite"/>
+                      </p:stCondLst>
+                      <p:childTnLst>
+                        <p:par>
+                          <p:cTn id="29" fill="hold">
+                            <p:stCondLst>
+                              <p:cond delay="0"/>
+                            </p:stCondLst>
+                            <p:childTnLst>
                               <p:par>
-                                <p:cTn id="28" presetID="10" presetClass="entr" presetSubtype="0" fill="hold" grpId="0" nodeType="withEffect">
+                                <p:cTn id="30" presetID="10" presetClass="entr" presetSubtype="0" fill="hold" grpId="0" nodeType="clickEffect">
                                   <p:stCondLst>
                                     <p:cond delay="0"/>
                                   </p:stCondLst>
                                   <p:childTnLst>
                                     <p:set>
                                       <p:cBhvr>
-                                        <p:cTn id="29" dur="1" fill="hold">
+                                        <p:cTn id="31" dur="1" fill="hold">
                                           <p:stCondLst>
                                             <p:cond delay="0"/>
                                           </p:stCondLst>
@@ -44315,97 +44522,11 @@
                                     </p:set>
                                     <p:animEffect transition="in" filter="fade">
                                       <p:cBhvr>
-                                        <p:cTn id="30" dur="500"/>
+                                        <p:cTn id="32" dur="500"/>
                                         <p:tgtEl>
                                           <p:spTgt spid="3">
                                             <p:txEl>
                                               <p:pRg st="5" end="5"/>
-                                            </p:txEl>
-                                          </p:spTgt>
-                                        </p:tgtEl>
-                                      </p:cBhvr>
-                                    </p:animEffect>
-                                  </p:childTnLst>
-                                </p:cTn>
-                              </p:par>
-                              <p:par>
-                                <p:cTn id="31" presetID="10" presetClass="entr" presetSubtype="0" fill="hold" grpId="0" nodeType="withEffect">
-                                  <p:stCondLst>
-                                    <p:cond delay="0"/>
-                                  </p:stCondLst>
-                                  <p:childTnLst>
-                                    <p:set>
-                                      <p:cBhvr>
-                                        <p:cTn id="32" dur="1" fill="hold">
-                                          <p:stCondLst>
-                                            <p:cond delay="0"/>
-                                          </p:stCondLst>
-                                        </p:cTn>
-                                        <p:tgtEl>
-                                          <p:spTgt spid="3">
-                                            <p:txEl>
-                                              <p:pRg st="6" end="6"/>
-                                            </p:txEl>
-                                          </p:spTgt>
-                                        </p:tgtEl>
-                                        <p:attrNameLst>
-                                          <p:attrName>style.visibility</p:attrName>
-                                        </p:attrNameLst>
-                                      </p:cBhvr>
-                                      <p:to>
-                                        <p:strVal val="visible"/>
-                                      </p:to>
-                                    </p:set>
-                                    <p:animEffect transition="in" filter="fade">
-                                      <p:cBhvr>
-                                        <p:cTn id="33" dur="500"/>
-                                        <p:tgtEl>
-                                          <p:spTgt spid="3">
-                                            <p:txEl>
-                                              <p:pRg st="6" end="6"/>
-                                            </p:txEl>
-                                          </p:spTgt>
-                                        </p:tgtEl>
-                                      </p:cBhvr>
-                                    </p:animEffect>
-                                  </p:childTnLst>
-                                </p:cTn>
-                              </p:par>
-                              <p:par>
-                                <p:cTn id="34" presetID="10" presetClass="entr" presetSubtype="0" fill="hold" grpId="0" nodeType="withEffect">
-                                  <p:stCondLst>
-                                    <p:cond delay="0"/>
-                                  </p:stCondLst>
-                                  <p:childTnLst>
-                                    <p:set>
-                                      <p:cBhvr>
-                                        <p:cTn id="35" dur="1" fill="hold">
-                                          <p:stCondLst>
-                                            <p:cond delay="0"/>
-                                          </p:stCondLst>
-                                        </p:cTn>
-                                        <p:tgtEl>
-                                          <p:spTgt spid="3">
-                                            <p:txEl>
-                                              <p:pRg st="7" end="7"/>
-                                            </p:txEl>
-                                          </p:spTgt>
-                                        </p:tgtEl>
-                                        <p:attrNameLst>
-                                          <p:attrName>style.visibility</p:attrName>
-                                        </p:attrNameLst>
-                                      </p:cBhvr>
-                                      <p:to>
-                                        <p:strVal val="visible"/>
-                                      </p:to>
-                                    </p:set>
-                                    <p:animEffect transition="in" filter="fade">
-                                      <p:cBhvr>
-                                        <p:cTn id="36" dur="500"/>
-                                        <p:tgtEl>
-                                          <p:spTgt spid="3">
-                                            <p:txEl>
-                                              <p:pRg st="7" end="7"/>
                                             </p:txEl>
                                           </p:spTgt>
                                         </p:tgtEl>
@@ -44421,26 +44542,26 @@
                     </p:cTn>
                   </p:par>
                   <p:par>
-                    <p:cTn id="37" fill="hold">
+                    <p:cTn id="33" fill="hold">
                       <p:stCondLst>
                         <p:cond delay="indefinite"/>
                       </p:stCondLst>
                       <p:childTnLst>
                         <p:par>
-                          <p:cTn id="38" fill="hold">
+                          <p:cTn id="34" fill="hold">
                             <p:stCondLst>
                               <p:cond delay="0"/>
                             </p:stCondLst>
                             <p:childTnLst>
                               <p:par>
-                                <p:cTn id="39" presetID="10" presetClass="entr" presetSubtype="0" fill="hold" grpId="0" nodeType="clickEffect">
+                                <p:cTn id="35" presetID="10" presetClass="entr" presetSubtype="0" fill="hold" grpId="0" nodeType="clickEffect">
                                   <p:stCondLst>
                                     <p:cond delay="0"/>
                                   </p:stCondLst>
                                   <p:childTnLst>
                                     <p:set>
                                       <p:cBhvr>
-                                        <p:cTn id="40" dur="1" fill="hold">
+                                        <p:cTn id="36" dur="1" fill="hold">
                                           <p:stCondLst>
                                             <p:cond delay="0"/>
                                           </p:stCondLst>
@@ -44448,7 +44569,7 @@
                                         <p:tgtEl>
                                           <p:spTgt spid="3">
                                             <p:txEl>
-                                              <p:pRg st="8" end="8"/>
+                                              <p:pRg st="6" end="6"/>
                                             </p:txEl>
                                           </p:spTgt>
                                         </p:tgtEl>
@@ -44462,11 +44583,11 @@
                                     </p:set>
                                     <p:animEffect transition="in" filter="fade">
                                       <p:cBhvr>
-                                        <p:cTn id="41" dur="500"/>
-                                        <p:tgtEl>
-                                          <p:spTgt spid="3">
-                                            <p:txEl>
-                                              <p:pRg st="8" end="8"/>
+                                        <p:cTn id="37" dur="500"/>
+                                        <p:tgtEl>
+                                          <p:spTgt spid="3">
+                                            <p:txEl>
+                                              <p:pRg st="6" end="6"/>
                                             </p:txEl>
                                           </p:spTgt>
                                         </p:tgtEl>
@@ -44482,26 +44603,26 @@
                     </p:cTn>
                   </p:par>
                   <p:par>
-                    <p:cTn id="42" fill="hold">
+                    <p:cTn id="38" fill="hold">
                       <p:stCondLst>
                         <p:cond delay="indefinite"/>
                       </p:stCondLst>
                       <p:childTnLst>
                         <p:par>
-                          <p:cTn id="43" fill="hold">
+                          <p:cTn id="39" fill="hold">
                             <p:stCondLst>
                               <p:cond delay="0"/>
                             </p:stCondLst>
                             <p:childTnLst>
                               <p:par>
-                                <p:cTn id="44" presetID="10" presetClass="entr" presetSubtype="0" fill="hold" grpId="0" nodeType="clickEffect">
+                                <p:cTn id="40" presetID="10" presetClass="entr" presetSubtype="0" fill="hold" grpId="0" nodeType="clickEffect">
                                   <p:stCondLst>
                                     <p:cond delay="0"/>
                                   </p:stCondLst>
                                   <p:childTnLst>
                                     <p:set>
                                       <p:cBhvr>
-                                        <p:cTn id="45" dur="1" fill="hold">
+                                        <p:cTn id="41" dur="1" fill="hold">
                                           <p:stCondLst>
                                             <p:cond delay="0"/>
                                           </p:stCondLst>
@@ -44509,7 +44630,7 @@
                                         <p:tgtEl>
                                           <p:spTgt spid="3">
                                             <p:txEl>
-                                              <p:pRg st="9" end="9"/>
+                                              <p:pRg st="7" end="7"/>
                                             </p:txEl>
                                           </p:spTgt>
                                         </p:tgtEl>
@@ -44523,11 +44644,11 @@
                                     </p:set>
                                     <p:animEffect transition="in" filter="fade">
                                       <p:cBhvr>
-                                        <p:cTn id="46" dur="500"/>
-                                        <p:tgtEl>
-                                          <p:spTgt spid="3">
-                                            <p:txEl>
-                                              <p:pRg st="9" end="9"/>
+                                        <p:cTn id="42" dur="500"/>
+                                        <p:tgtEl>
+                                          <p:spTgt spid="3">
+                                            <p:txEl>
+                                              <p:pRg st="7" end="7"/>
                                             </p:txEl>
                                           </p:spTgt>
                                         </p:tgtEl>
@@ -44543,26 +44664,26 @@
                     </p:cTn>
                   </p:par>
                   <p:par>
-                    <p:cTn id="47" fill="hold">
+                    <p:cTn id="43" fill="hold">
                       <p:stCondLst>
                         <p:cond delay="indefinite"/>
                       </p:stCondLst>
                       <p:childTnLst>
                         <p:par>
-                          <p:cTn id="48" fill="hold">
+                          <p:cTn id="44" fill="hold">
                             <p:stCondLst>
                               <p:cond delay="0"/>
                             </p:stCondLst>
                             <p:childTnLst>
                               <p:par>
-                                <p:cTn id="49" presetID="10" presetClass="entr" presetSubtype="0" fill="hold" grpId="0" nodeType="clickEffect">
+                                <p:cTn id="45" presetID="10" presetClass="entr" presetSubtype="0" fill="hold" grpId="0" nodeType="clickEffect">
                                   <p:stCondLst>
                                     <p:cond delay="0"/>
                                   </p:stCondLst>
                                   <p:childTnLst>
                                     <p:set>
                                       <p:cBhvr>
-                                        <p:cTn id="50" dur="1" fill="hold">
+                                        <p:cTn id="46" dur="1" fill="hold">
                                           <p:stCondLst>
                                             <p:cond delay="0"/>
                                           </p:stCondLst>
@@ -44570,7 +44691,7 @@
                                         <p:tgtEl>
                                           <p:spTgt spid="3">
                                             <p:txEl>
-                                              <p:pRg st="10" end="10"/>
+                                              <p:pRg st="8" end="8"/>
                                             </p:txEl>
                                           </p:spTgt>
                                         </p:tgtEl>
@@ -44584,11 +44705,54 @@
                                     </p:set>
                                     <p:animEffect transition="in" filter="fade">
                                       <p:cBhvr>
-                                        <p:cTn id="51" dur="500"/>
-                                        <p:tgtEl>
-                                          <p:spTgt spid="3">
-                                            <p:txEl>
-                                              <p:pRg st="10" end="10"/>
+                                        <p:cTn id="47" dur="500"/>
+                                        <p:tgtEl>
+                                          <p:spTgt spid="3">
+                                            <p:txEl>
+                                              <p:pRg st="8" end="8"/>
+                                            </p:txEl>
+                                          </p:spTgt>
+                                        </p:tgtEl>
+                                      </p:cBhvr>
+                                    </p:animEffect>
+                                  </p:childTnLst>
+                                </p:cTn>
+                              </p:par>
+                              <p:par>
+                                <p:cTn id="48" presetID="10" presetClass="entr" presetSubtype="0" fill="hold" grpId="0" nodeType="withEffect">
+                                  <p:stCondLst>
+                                    <p:cond delay="0"/>
+                                  </p:stCondLst>
+                                  <p:childTnLst>
+                                    <p:set>
+                                      <p:cBhvr>
+                                        <p:cTn id="49" dur="1" fill="hold">
+                                          <p:stCondLst>
+                                            <p:cond delay="0"/>
+                                          </p:stCondLst>
+                                        </p:cTn>
+                                        <p:tgtEl>
+                                          <p:spTgt spid="3">
+                                            <p:txEl>
+                                              <p:pRg st="9" end="9"/>
+                                            </p:txEl>
+                                          </p:spTgt>
+                                        </p:tgtEl>
+                                        <p:attrNameLst>
+                                          <p:attrName>style.visibility</p:attrName>
+                                        </p:attrNameLst>
+                                      </p:cBhvr>
+                                      <p:to>
+                                        <p:strVal val="visible"/>
+                                      </p:to>
+                                    </p:set>
+                                    <p:animEffect transition="in" filter="fade">
+                                      <p:cBhvr>
+                                        <p:cTn id="50" dur="500"/>
+                                        <p:tgtEl>
+                                          <p:spTgt spid="3">
+                                            <p:txEl>
+                                              <p:pRg st="9" end="9"/>
                                             </p:txEl>
                                           </p:spTgt>
                                         </p:tgtEl>
@@ -44604,26 +44768,26 @@
                     </p:cTn>
                   </p:par>
                   <p:par>
-                    <p:cTn id="52" fill="hold">
+                    <p:cTn id="51" fill="hold">
                       <p:stCondLst>
                         <p:cond delay="indefinite"/>
                       </p:stCondLst>
                       <p:childTnLst>
                         <p:par>
-                          <p:cTn id="53" fill="hold">
+                          <p:cTn id="52" fill="hold">
                             <p:stCondLst>
                               <p:cond delay="0"/>
                             </p:stCondLst>
                             <p:childTnLst>
                               <p:par>
-                                <p:cTn id="54" presetID="10" presetClass="entr" presetSubtype="0" fill="hold" grpId="0" nodeType="clickEffect">
+                                <p:cTn id="53" presetID="10" presetClass="entr" presetSubtype="0" fill="hold" grpId="0" nodeType="clickEffect">
                                   <p:stCondLst>
                                     <p:cond delay="0"/>
                                   </p:stCondLst>
                                   <p:childTnLst>
                                     <p:set>
                                       <p:cBhvr>
-                                        <p:cTn id="55" dur="1" fill="hold">
+                                        <p:cTn id="54" dur="1" fill="hold">
                                           <p:stCondLst>
                                             <p:cond delay="0"/>
                                           </p:stCondLst>
@@ -44631,7 +44795,7 @@
                                         <p:tgtEl>
                                           <p:spTgt spid="3">
                                             <p:txEl>
-                                              <p:pRg st="11" end="11"/>
+                                              <p:pRg st="10" end="10"/>
                                             </p:txEl>
                                           </p:spTgt>
                                         </p:tgtEl>
@@ -44645,11 +44809,176 @@
                                     </p:set>
                                     <p:animEffect transition="in" filter="fade">
                                       <p:cBhvr>
-                                        <p:cTn id="56" dur="500"/>
+                                        <p:cTn id="55" dur="500"/>
+                                        <p:tgtEl>
+                                          <p:spTgt spid="3">
+                                            <p:txEl>
+                                              <p:pRg st="10" end="10"/>
+                                            </p:txEl>
+                                          </p:spTgt>
+                                        </p:tgtEl>
+                                      </p:cBhvr>
+                                    </p:animEffect>
+                                  </p:childTnLst>
+                                </p:cTn>
+                              </p:par>
+                              <p:par>
+                                <p:cTn id="56" presetID="10" presetClass="entr" presetSubtype="0" fill="hold" grpId="0" nodeType="withEffect">
+                                  <p:stCondLst>
+                                    <p:cond delay="0"/>
+                                  </p:stCondLst>
+                                  <p:childTnLst>
+                                    <p:set>
+                                      <p:cBhvr>
+                                        <p:cTn id="57" dur="1" fill="hold">
+                                          <p:stCondLst>
+                                            <p:cond delay="0"/>
+                                          </p:stCondLst>
+                                        </p:cTn>
                                         <p:tgtEl>
                                           <p:spTgt spid="3">
                                             <p:txEl>
                                               <p:pRg st="11" end="11"/>
+                                            </p:txEl>
+                                          </p:spTgt>
+                                        </p:tgtEl>
+                                        <p:attrNameLst>
+                                          <p:attrName>style.visibility</p:attrName>
+                                        </p:attrNameLst>
+                                      </p:cBhvr>
+                                      <p:to>
+                                        <p:strVal val="visible"/>
+                                      </p:to>
+                                    </p:set>
+                                    <p:animEffect transition="in" filter="fade">
+                                      <p:cBhvr>
+                                        <p:cTn id="58" dur="500"/>
+                                        <p:tgtEl>
+                                          <p:spTgt spid="3">
+                                            <p:txEl>
+                                              <p:pRg st="11" end="11"/>
+                                            </p:txEl>
+                                          </p:spTgt>
+                                        </p:tgtEl>
+                                      </p:cBhvr>
+                                    </p:animEffect>
+                                  </p:childTnLst>
+                                </p:cTn>
+                              </p:par>
+                            </p:childTnLst>
+                          </p:cTn>
+                        </p:par>
+                      </p:childTnLst>
+                    </p:cTn>
+                  </p:par>
+                  <p:par>
+                    <p:cTn id="59" fill="hold">
+                      <p:stCondLst>
+                        <p:cond delay="indefinite"/>
+                      </p:stCondLst>
+                      <p:childTnLst>
+                        <p:par>
+                          <p:cTn id="60" fill="hold">
+                            <p:stCondLst>
+                              <p:cond delay="0"/>
+                            </p:stCondLst>
+                            <p:childTnLst>
+                              <p:par>
+                                <p:cTn id="61" presetID="10" presetClass="entr" presetSubtype="0" fill="hold" grpId="0" nodeType="clickEffect">
+                                  <p:stCondLst>
+                                    <p:cond delay="0"/>
+                                  </p:stCondLst>
+                                  <p:childTnLst>
+                                    <p:set>
+                                      <p:cBhvr>
+                                        <p:cTn id="62" dur="1" fill="hold">
+                                          <p:stCondLst>
+                                            <p:cond delay="0"/>
+                                          </p:stCondLst>
+                                        </p:cTn>
+                                        <p:tgtEl>
+                                          <p:spTgt spid="3">
+                                            <p:txEl>
+                                              <p:pRg st="12" end="12"/>
+                                            </p:txEl>
+                                          </p:spTgt>
+                                        </p:tgtEl>
+                                        <p:attrNameLst>
+                                          <p:attrName>style.visibility</p:attrName>
+                                        </p:attrNameLst>
+                                      </p:cBhvr>
+                                      <p:to>
+                                        <p:strVal val="visible"/>
+                                      </p:to>
+                                    </p:set>
+                                    <p:animEffect transition="in" filter="fade">
+                                      <p:cBhvr>
+                                        <p:cTn id="63" dur="500"/>
+                                        <p:tgtEl>
+                                          <p:spTgt spid="3">
+                                            <p:txEl>
+                                              <p:pRg st="12" end="12"/>
+                                            </p:txEl>
+                                          </p:spTgt>
+                                        </p:tgtEl>
+                                      </p:cBhvr>
+                                    </p:animEffect>
+                                  </p:childTnLst>
+                                </p:cTn>
+                              </p:par>
+                            </p:childTnLst>
+                          </p:cTn>
+                        </p:par>
+                      </p:childTnLst>
+                    </p:cTn>
+                  </p:par>
+                  <p:par>
+                    <p:cTn id="64" fill="hold">
+                      <p:stCondLst>
+                        <p:cond delay="indefinite"/>
+                      </p:stCondLst>
+                      <p:childTnLst>
+                        <p:par>
+                          <p:cTn id="65" fill="hold">
+                            <p:stCondLst>
+                              <p:cond delay="0"/>
+                            </p:stCondLst>
+                            <p:childTnLst>
+                              <p:par>
+                                <p:cTn id="66" presetID="10" presetClass="entr" presetSubtype="0" fill="hold" grpId="0" nodeType="clickEffect">
+                                  <p:stCondLst>
+                                    <p:cond delay="0"/>
+                                  </p:stCondLst>
+                                  <p:childTnLst>
+                                    <p:set>
+                                      <p:cBhvr>
+                                        <p:cTn id="67" dur="1" fill="hold">
+                                          <p:stCondLst>
+                                            <p:cond delay="0"/>
+                                          </p:stCondLst>
+                                        </p:cTn>
+                                        <p:tgtEl>
+                                          <p:spTgt spid="3">
+                                            <p:txEl>
+                                              <p:pRg st="13" end="13"/>
+                                            </p:txEl>
+                                          </p:spTgt>
+                                        </p:tgtEl>
+                                        <p:attrNameLst>
+                                          <p:attrName>style.visibility</p:attrName>
+                                        </p:attrNameLst>
+                                      </p:cBhvr>
+                                      <p:to>
+                                        <p:strVal val="visible"/>
+                                      </p:to>
+                                    </p:set>
+                                    <p:animEffect transition="in" filter="fade">
+                                      <p:cBhvr>
+                                        <p:cTn id="68" dur="500"/>
+                                        <p:tgtEl>
+                                          <p:spTgt spid="3">
+                                            <p:txEl>
+                                              <p:pRg st="13" end="13"/>
                                             </p:txEl>
                                           </p:spTgt>
                                         </p:tgtEl>
@@ -44788,7 +45117,14 @@
             <a:pPr lvl="1"/>
             <a:r>
               <a:rPr lang="en-US" dirty="0"/>
-              <a:t>WPF also renders by drawing elements, rather than using bitmaps; allows leveraging HW acceleration in GPUs</a:t>
+              <a:t>WPF also renders by drawing elements, rather than using bitmaps</a:t>
+            </a:r>
+          </a:p>
+          <a:p>
+            <a:pPr lvl="1"/>
+            <a:r>
+              <a:rPr lang="en-US" dirty="0"/>
+              <a:t>This allows leveraging HW acceleration in GPUs</a:t>
             </a:r>
           </a:p>
         </p:txBody>
@@ -45105,6 +45441,67 @@
                                           <p:spTgt spid="3">
                                             <p:txEl>
                                               <p:pRg st="4" end="4"/>
+                                            </p:txEl>
+                                          </p:spTgt>
+                                        </p:tgtEl>
+                                      </p:cBhvr>
+                                    </p:animEffect>
+                                  </p:childTnLst>
+                                </p:cTn>
+                              </p:par>
+                            </p:childTnLst>
+                          </p:cTn>
+                        </p:par>
+                      </p:childTnLst>
+                    </p:cTn>
+                  </p:par>
+                  <p:par>
+                    <p:cTn id="28" fill="hold">
+                      <p:stCondLst>
+                        <p:cond delay="indefinite"/>
+                      </p:stCondLst>
+                      <p:childTnLst>
+                        <p:par>
+                          <p:cTn id="29" fill="hold">
+                            <p:stCondLst>
+                              <p:cond delay="0"/>
+                            </p:stCondLst>
+                            <p:childTnLst>
+                              <p:par>
+                                <p:cTn id="30" presetID="10" presetClass="entr" presetSubtype="0" fill="hold" grpId="0" nodeType="clickEffect">
+                                  <p:stCondLst>
+                                    <p:cond delay="0"/>
+                                  </p:stCondLst>
+                                  <p:childTnLst>
+                                    <p:set>
+                                      <p:cBhvr>
+                                        <p:cTn id="31" dur="1" fill="hold">
+                                          <p:stCondLst>
+                                            <p:cond delay="0"/>
+                                          </p:stCondLst>
+                                        </p:cTn>
+                                        <p:tgtEl>
+                                          <p:spTgt spid="3">
+                                            <p:txEl>
+                                              <p:pRg st="5" end="5"/>
+                                            </p:txEl>
+                                          </p:spTgt>
+                                        </p:tgtEl>
+                                        <p:attrNameLst>
+                                          <p:attrName>style.visibility</p:attrName>
+                                        </p:attrNameLst>
+                                      </p:cBhvr>
+                                      <p:to>
+                                        <p:strVal val="visible"/>
+                                      </p:to>
+                                    </p:set>
+                                    <p:animEffect transition="in" filter="fade">
+                                      <p:cBhvr>
+                                        <p:cTn id="32" dur="500"/>
+                                        <p:tgtEl>
+                                          <p:spTgt spid="3">
+                                            <p:txEl>
+                                              <p:pRg st="5" end="5"/>
                                             </p:txEl>
                                           </p:spTgt>
                                         </p:tgtEl>
@@ -45243,7 +45640,7 @@
             <a:pPr lvl="2"/>
             <a:r>
               <a:rPr lang="en-US" dirty="0"/>
-              <a:t>Grid -- rows and columns</a:t>
+              <a:t>Grid – rows and columns</a:t>
             </a:r>
           </a:p>
           <a:p>
@@ -45254,7 +45651,7 @@
             </a:r>
             <a:r>
               <a:rPr lang="en-US" dirty="0"/>
-              <a:t>  -- stack children horizontally or vertically</a:t>
+              <a:t> – stack children horizontally or vertically</a:t>
             </a:r>
           </a:p>
           <a:p>
@@ -45265,7 +45662,7 @@
             </a:r>
             <a:r>
               <a:rPr lang="en-US" dirty="0"/>
-              <a:t> -- children docked on one side of parent</a:t>
+              <a:t> – children docked on one side of parent</a:t>
             </a:r>
           </a:p>
           <a:p>
@@ -45276,25 +45673,25 @@
             </a:r>
             <a:r>
               <a:rPr lang="en-US" dirty="0"/>
-              <a:t> -- position children next to each other, then wrap to next row or col</a:t>
+              <a:t> – position children next to each other, then wrap to next row or col</a:t>
             </a:r>
           </a:p>
           <a:p>
             <a:pPr lvl="2"/>
             <a:r>
               <a:rPr lang="en-US" dirty="0"/>
-              <a:t>Canvas -- position children at X/Y coordinate      </a:t>
+              <a:t>Canvas – position children at X/Y coordinate      </a:t>
             </a:r>
             <a:r>
               <a:rPr lang="en-US" i="1" dirty="0"/>
-              <a:t>we will likely never use</a:t>
+              <a:t>rarely used</a:t>
             </a:r>
           </a:p>
           <a:p>
             <a:pPr lvl="1"/>
             <a:r>
               <a:rPr lang="en-US" dirty="0"/>
-              <a:t>Every UI widget lives in a layout container  (almost)</a:t>
+              <a:t>Every UI widget lives in a layout container  </a:t>
             </a:r>
           </a:p>
           <a:p>
@@ -46315,7 +46712,7 @@
             <a:pPr lvl="1"/>
             <a:r>
               <a:rPr lang="en-US" dirty="0"/>
-              <a:t>Ideally, we don't need to set size or position for child elements</a:t>
+              <a:t>Ideally, don't set size or position for child elements</a:t>
             </a:r>
           </a:p>
           <a:p>
@@ -46329,21 +46726,21 @@
             <a:pPr lvl="2"/>
             <a:r>
               <a:rPr lang="en-US" dirty="0"/>
-              <a:t>Contents of elements typically not fixed--contains either data or text, which can be localized</a:t>
+              <a:t>Contents of elements typically not fixed--contain either data or localizable text</a:t>
             </a:r>
           </a:p>
           <a:p>
             <a:pPr lvl="1"/>
             <a:r>
               <a:rPr lang="en-US" dirty="0"/>
-              <a:t>WPF uses flow-based layout--adapt the layout to the viewing environment</a:t>
+              <a:t>WPF uses flow-based layout – adapt the layout to the viewing environment</a:t>
             </a:r>
           </a:p>
           <a:p>
             <a:pPr lvl="1"/>
             <a:r>
               <a:rPr lang="en-US" dirty="0"/>
-              <a:t>Positioning child elements -- what we </a:t>
+              <a:t>Positioning child elements – what we </a:t>
             </a:r>
             <a:r>
               <a:rPr lang="en-US" b="1" i="1" dirty="0"/>
@@ -46365,7 +46762,7 @@
             <a:pPr lvl="2"/>
             <a:r>
               <a:rPr lang="en-US" dirty="0"/>
-              <a:t>Alignment</a:t>
+              <a:t>Alignment – horizontal or vertical</a:t>
             </a:r>
           </a:p>
           <a:p>
@@ -46386,14 +46783,14 @@
             <a:pPr lvl="1"/>
             <a:r>
               <a:rPr lang="en-US" dirty="0"/>
-              <a:t>Avoid, if possible</a:t>
+              <a:t>Avoid setting explicit size</a:t>
             </a:r>
           </a:p>
           <a:p>
             <a:pPr lvl="2"/>
             <a:r>
               <a:rPr lang="en-US" dirty="0"/>
-              <a:t>Size:  Height, Width properties</a:t>
+              <a:t>Height, Width properties</a:t>
             </a:r>
           </a:p>
         </p:txBody>

--- a/WPF-Workshop-Sexton-Oct2023.pptx
+++ b/WPF-Workshop-Sexton-Oct2023.pptx
@@ -14826,17 +14826,6 @@
             <a:r>
               <a:rPr lang="en-US" dirty="0">
                 <a:solidFill>
-                  <a:srgbClr val="00B050"/>
-                </a:solidFill>
-              </a:rPr>
-              <a:t>Example – Auto Sizing</a:t>
-            </a:r>
-          </a:p>
-          <a:p>
-            <a:pPr lvl="1"/>
-            <a:r>
-              <a:rPr lang="en-US" dirty="0">
-                <a:solidFill>
                   <a:schemeClr val="tx1"/>
                 </a:solidFill>
               </a:rPr>
@@ -14886,6 +14875,26 @@
               </a:rPr>
               <a:t>Non-work areas (individual controls) are typically Auto sized</a:t>
             </a:r>
+          </a:p>
+          <a:p>
+            <a:r>
+              <a:rPr lang="en-US" dirty="0">
+                <a:solidFill>
+                  <a:srgbClr val="00B050"/>
+                </a:solidFill>
+              </a:rPr>
+              <a:t>Example – Auto Sizing  </a:t>
+            </a:r>
+          </a:p>
+          <a:p>
+            <a:pPr marL="457200" lvl="1" indent="0">
+              <a:buNone/>
+            </a:pPr>
+            <a:endParaRPr lang="en-US" dirty="0">
+              <a:solidFill>
+                <a:schemeClr val="tx1"/>
+              </a:solidFill>
+            </a:endParaRPr>
           </a:p>
         </p:txBody>
       </p:sp>
@@ -15267,6 +15276,92 @@
                                   </p:childTnLst>
                                 </p:cTn>
                               </p:par>
+                              <p:par>
+                                <p:cTn id="33" presetID="10" presetClass="entr" presetSubtype="0" fill="hold" grpId="0" nodeType="withEffect">
+                                  <p:stCondLst>
+                                    <p:cond delay="0"/>
+                                  </p:stCondLst>
+                                  <p:childTnLst>
+                                    <p:set>
+                                      <p:cBhvr>
+                                        <p:cTn id="34" dur="1" fill="hold">
+                                          <p:stCondLst>
+                                            <p:cond delay="0"/>
+                                          </p:stCondLst>
+                                        </p:cTn>
+                                        <p:tgtEl>
+                                          <p:spTgt spid="3">
+                                            <p:txEl>
+                                              <p:pRg st="6" end="6"/>
+                                            </p:txEl>
+                                          </p:spTgt>
+                                        </p:tgtEl>
+                                        <p:attrNameLst>
+                                          <p:attrName>style.visibility</p:attrName>
+                                        </p:attrNameLst>
+                                      </p:cBhvr>
+                                      <p:to>
+                                        <p:strVal val="visible"/>
+                                      </p:to>
+                                    </p:set>
+                                    <p:animEffect transition="in" filter="fade">
+                                      <p:cBhvr>
+                                        <p:cTn id="35" dur="500"/>
+                                        <p:tgtEl>
+                                          <p:spTgt spid="3">
+                                            <p:txEl>
+                                              <p:pRg st="6" end="6"/>
+                                            </p:txEl>
+                                          </p:spTgt>
+                                        </p:tgtEl>
+                                      </p:cBhvr>
+                                    </p:animEffect>
+                                  </p:childTnLst>
+                                </p:cTn>
+                              </p:par>
+                              <p:par>
+                                <p:cTn id="36" presetID="10" presetClass="entr" presetSubtype="0" fill="hold" grpId="0" nodeType="withEffect">
+                                  <p:stCondLst>
+                                    <p:cond delay="0"/>
+                                  </p:stCondLst>
+                                  <p:childTnLst>
+                                    <p:set>
+                                      <p:cBhvr>
+                                        <p:cTn id="37" dur="1" fill="hold">
+                                          <p:stCondLst>
+                                            <p:cond delay="0"/>
+                                          </p:stCondLst>
+                                        </p:cTn>
+                                        <p:tgtEl>
+                                          <p:spTgt spid="3">
+                                            <p:txEl>
+                                              <p:pRg st="7" end="7"/>
+                                            </p:txEl>
+                                          </p:spTgt>
+                                        </p:tgtEl>
+                                        <p:attrNameLst>
+                                          <p:attrName>style.visibility</p:attrName>
+                                        </p:attrNameLst>
+                                      </p:cBhvr>
+                                      <p:to>
+                                        <p:strVal val="visible"/>
+                                      </p:to>
+                                    </p:set>
+                                    <p:animEffect transition="in" filter="fade">
+                                      <p:cBhvr>
+                                        <p:cTn id="38" dur="500"/>
+                                        <p:tgtEl>
+                                          <p:spTgt spid="3">
+                                            <p:txEl>
+                                              <p:pRg st="7" end="7"/>
+                                            </p:txEl>
+                                          </p:spTgt>
+                                        </p:tgtEl>
+                                      </p:cBhvr>
+                                    </p:animEffect>
+                                  </p:childTnLst>
+                                </p:cTn>
+                              </p:par>
                             </p:childTnLst>
                           </p:cTn>
                         </p:par>
@@ -15274,105 +15369,19 @@
                     </p:cTn>
                   </p:par>
                   <p:par>
-                    <p:cTn id="33" fill="hold">
+                    <p:cTn id="39" fill="hold">
                       <p:stCondLst>
                         <p:cond delay="indefinite"/>
                       </p:stCondLst>
                       <p:childTnLst>
                         <p:par>
-                          <p:cTn id="34" fill="hold">
+                          <p:cTn id="40" fill="hold">
                             <p:stCondLst>
                               <p:cond delay="0"/>
                             </p:stCondLst>
                             <p:childTnLst>
                               <p:par>
-                                <p:cTn id="35" presetID="10" presetClass="entr" presetSubtype="0" fill="hold" grpId="0" nodeType="clickEffect">
-                                  <p:stCondLst>
-                                    <p:cond delay="0"/>
-                                  </p:stCondLst>
-                                  <p:childTnLst>
-                                    <p:set>
-                                      <p:cBhvr>
-                                        <p:cTn id="36" dur="1" fill="hold">
-                                          <p:stCondLst>
-                                            <p:cond delay="0"/>
-                                          </p:stCondLst>
-                                        </p:cTn>
-                                        <p:tgtEl>
-                                          <p:spTgt spid="3">
-                                            <p:txEl>
-                                              <p:pRg st="6" end="6"/>
-                                            </p:txEl>
-                                          </p:spTgt>
-                                        </p:tgtEl>
-                                        <p:attrNameLst>
-                                          <p:attrName>style.visibility</p:attrName>
-                                        </p:attrNameLst>
-                                      </p:cBhvr>
-                                      <p:to>
-                                        <p:strVal val="visible"/>
-                                      </p:to>
-                                    </p:set>
-                                    <p:animEffect transition="in" filter="fade">
-                                      <p:cBhvr>
-                                        <p:cTn id="37" dur="500"/>
-                                        <p:tgtEl>
-                                          <p:spTgt spid="3">
-                                            <p:txEl>
-                                              <p:pRg st="6" end="6"/>
-                                            </p:txEl>
-                                          </p:spTgt>
-                                        </p:tgtEl>
-                                      </p:cBhvr>
-                                    </p:animEffect>
-                                  </p:childTnLst>
-                                </p:cTn>
-                              </p:par>
-                              <p:par>
-                                <p:cTn id="38" presetID="10" presetClass="entr" presetSubtype="0" fill="hold" grpId="0" nodeType="withEffect">
-                                  <p:stCondLst>
-                                    <p:cond delay="0"/>
-                                  </p:stCondLst>
-                                  <p:childTnLst>
-                                    <p:set>
-                                      <p:cBhvr>
-                                        <p:cTn id="39" dur="1" fill="hold">
-                                          <p:stCondLst>
-                                            <p:cond delay="0"/>
-                                          </p:stCondLst>
-                                        </p:cTn>
-                                        <p:tgtEl>
-                                          <p:spTgt spid="3">
-                                            <p:txEl>
-                                              <p:pRg st="7" end="7"/>
-                                            </p:txEl>
-                                          </p:spTgt>
-                                        </p:tgtEl>
-                                        <p:attrNameLst>
-                                          <p:attrName>style.visibility</p:attrName>
-                                        </p:attrNameLst>
-                                      </p:cBhvr>
-                                      <p:to>
-                                        <p:strVal val="visible"/>
-                                      </p:to>
-                                    </p:set>
-                                    <p:animEffect transition="in" filter="fade">
-                                      <p:cBhvr>
-                                        <p:cTn id="40" dur="500"/>
-                                        <p:tgtEl>
-                                          <p:spTgt spid="3">
-                                            <p:txEl>
-                                              <p:pRg st="7" end="7"/>
-                                            </p:txEl>
-                                          </p:spTgt>
-                                        </p:tgtEl>
-                                      </p:cBhvr>
-                                    </p:animEffect>
-                                  </p:childTnLst>
-                                </p:cTn>
-                              </p:par>
-                              <p:par>
-                                <p:cTn id="41" presetID="10" presetClass="entr" presetSubtype="0" fill="hold" grpId="0" nodeType="withEffect">
+                                <p:cTn id="41" presetID="10" presetClass="entr" presetSubtype="0" fill="hold" grpId="0" nodeType="clickEffect">
                                   <p:stCondLst>
                                     <p:cond delay="0"/>
                                   </p:stCondLst>
@@ -15997,6 +16006,16 @@
             </a:r>
             <a:endParaRPr lang="en-US" dirty="0"/>
           </a:p>
+          <a:p>
+            <a:r>
+              <a:rPr lang="en-US" dirty="0">
+                <a:solidFill>
+                  <a:srgbClr val="00B050"/>
+                </a:solidFill>
+              </a:rPr>
+              <a:t>Example – Row and Column Spanning</a:t>
+            </a:r>
+          </a:p>
         </p:txBody>
       </p:sp>
     </p:spTree>
@@ -16247,6 +16266,67 @@
                                           <p:spTgt spid="3">
                                             <p:txEl>
                                               <p:pRg st="3" end="3"/>
+                                            </p:txEl>
+                                          </p:spTgt>
+                                        </p:tgtEl>
+                                      </p:cBhvr>
+                                    </p:animEffect>
+                                  </p:childTnLst>
+                                </p:cTn>
+                              </p:par>
+                            </p:childTnLst>
+                          </p:cTn>
+                        </p:par>
+                      </p:childTnLst>
+                    </p:cTn>
+                  </p:par>
+                  <p:par>
+                    <p:cTn id="23" fill="hold">
+                      <p:stCondLst>
+                        <p:cond delay="indefinite"/>
+                      </p:stCondLst>
+                      <p:childTnLst>
+                        <p:par>
+                          <p:cTn id="24" fill="hold">
+                            <p:stCondLst>
+                              <p:cond delay="0"/>
+                            </p:stCondLst>
+                            <p:childTnLst>
+                              <p:par>
+                                <p:cTn id="25" presetID="10" presetClass="entr" presetSubtype="0" fill="hold" grpId="0" nodeType="clickEffect">
+                                  <p:stCondLst>
+                                    <p:cond delay="0"/>
+                                  </p:stCondLst>
+                                  <p:childTnLst>
+                                    <p:set>
+                                      <p:cBhvr>
+                                        <p:cTn id="26" dur="1" fill="hold">
+                                          <p:stCondLst>
+                                            <p:cond delay="0"/>
+                                          </p:stCondLst>
+                                        </p:cTn>
+                                        <p:tgtEl>
+                                          <p:spTgt spid="3">
+                                            <p:txEl>
+                                              <p:pRg st="4" end="4"/>
+                                            </p:txEl>
+                                          </p:spTgt>
+                                        </p:tgtEl>
+                                        <p:attrNameLst>
+                                          <p:attrName>style.visibility</p:attrName>
+                                        </p:attrNameLst>
+                                      </p:cBhvr>
+                                      <p:to>
+                                        <p:strVal val="visible"/>
+                                      </p:to>
+                                    </p:set>
+                                    <p:animEffect transition="in" filter="fade">
+                                      <p:cBhvr>
+                                        <p:cTn id="27" dur="500"/>
+                                        <p:tgtEl>
+                                          <p:spTgt spid="3">
+                                            <p:txEl>
+                                              <p:pRg st="4" end="4"/>
                                             </p:txEl>
                                           </p:spTgt>
                                         </p:tgtEl>
@@ -28875,6 +28955,16 @@
               <a:t>Styles – name and reuse sets of attribute values</a:t>
             </a:r>
           </a:p>
+          <a:p>
+            <a:r>
+              <a:rPr lang="en-US" dirty="0">
+                <a:solidFill>
+                  <a:srgbClr val="00B050"/>
+                </a:solidFill>
+              </a:rPr>
+              <a:t>Example – Without Resources</a:t>
+            </a:r>
+          </a:p>
         </p:txBody>
       </p:sp>
     </p:spTree>
@@ -29186,6 +29276,67 @@
                                           <p:spTgt spid="3">
                                             <p:txEl>
                                               <p:pRg st="4" end="4"/>
+                                            </p:txEl>
+                                          </p:spTgt>
+                                        </p:tgtEl>
+                                      </p:cBhvr>
+                                    </p:animEffect>
+                                  </p:childTnLst>
+                                </p:cTn>
+                              </p:par>
+                            </p:childTnLst>
+                          </p:cTn>
+                        </p:par>
+                      </p:childTnLst>
+                    </p:cTn>
+                  </p:par>
+                  <p:par>
+                    <p:cTn id="28" fill="hold">
+                      <p:stCondLst>
+                        <p:cond delay="indefinite"/>
+                      </p:stCondLst>
+                      <p:childTnLst>
+                        <p:par>
+                          <p:cTn id="29" fill="hold">
+                            <p:stCondLst>
+                              <p:cond delay="0"/>
+                            </p:stCondLst>
+                            <p:childTnLst>
+                              <p:par>
+                                <p:cTn id="30" presetID="10" presetClass="entr" presetSubtype="0" fill="hold" grpId="0" nodeType="clickEffect">
+                                  <p:stCondLst>
+                                    <p:cond delay="0"/>
+                                  </p:stCondLst>
+                                  <p:childTnLst>
+                                    <p:set>
+                                      <p:cBhvr>
+                                        <p:cTn id="31" dur="1" fill="hold">
+                                          <p:stCondLst>
+                                            <p:cond delay="0"/>
+                                          </p:stCondLst>
+                                        </p:cTn>
+                                        <p:tgtEl>
+                                          <p:spTgt spid="3">
+                                            <p:txEl>
+                                              <p:pRg st="5" end="5"/>
+                                            </p:txEl>
+                                          </p:spTgt>
+                                        </p:tgtEl>
+                                        <p:attrNameLst>
+                                          <p:attrName>style.visibility</p:attrName>
+                                        </p:attrNameLst>
+                                      </p:cBhvr>
+                                      <p:to>
+                                        <p:strVal val="visible"/>
+                                      </p:to>
+                                    </p:set>
+                                    <p:animEffect transition="in" filter="fade">
+                                      <p:cBhvr>
+                                        <p:cTn id="32" dur="500"/>
+                                        <p:tgtEl>
+                                          <p:spTgt spid="3">
+                                            <p:txEl>
+                                              <p:pRg st="5" end="5"/>
                                             </p:txEl>
                                           </p:spTgt>
                                         </p:tgtEl>
@@ -29364,7 +29515,7 @@
                   <a:srgbClr val="00B050"/>
                 </a:solidFill>
               </a:rPr>
-              <a:t>Example - Resources</a:t>
+              <a:t>Example – With Resources</a:t>
             </a:r>
           </a:p>
         </p:txBody>
@@ -32871,11 +33022,7 @@
                   </a:schemeClr>
                 </a:solidFill>
               </a:rPr>
-              <a:t>Exercise 7 – Resources and St</a:t>
-            </a:r>
-            <a:r>
-              <a:rPr lang="en-US" dirty="0"/>
-              <a:t>yles</a:t>
+              <a:t>Exercise 7 – Resources and Styles</a:t>
             </a:r>
           </a:p>
         </p:txBody>
